--- a/mongodb/minicurso-mongodb.pptx
+++ b/mongodb/minicurso-mongodb.pptx
@@ -108,13 +108,18 @@
       </a:defRPr>
     </a:lvl9pPr>
   </p:defaultTextStyle>
+  <p:extLst>
+    <p:ext uri="{EFAFB233-063F-42B5-8137-9DF3F51BA10A}">
+      <p15:sldGuideLst xmlns:p15="http://schemas.microsoft.com/office/powerpoint/2012/main"/>
+    </p:ext>
+  </p:extLst>
 </p:presentation>
 </file>
 
 <file path=ppt/revisionInfo.xml><?xml version="1.0" encoding="utf-8"?>
 <p1510:revInfo xmlns:a="http://schemas.openxmlformats.org/drawingml/2006/main" xmlns:r="http://schemas.openxmlformats.org/officeDocument/2006/relationships" xmlns:p1510="http://schemas.microsoft.com/office/powerpoint/2015/10/main">
   <p1510:revLst>
-    <p1510:client id="{C5FB0DF0-D3DF-4F89-8B3C-39729411D934}" v="62" dt="2023-10-05T23:18:03.392"/>
+    <p1510:client id="{C5FB0DF0-D3DF-4F89-8B3C-39729411D934}" v="64" dt="2023-10-05T23:29:40.083"/>
   </p1510:revLst>
 </p1510:revInfo>
 </file>
@@ -124,18 +129,34 @@
   <pc:docChgLst>
     <pc:chgData name="Lucas Gardini Dias" userId="7283582234da282d" providerId="LiveId" clId="{C5FB0DF0-D3DF-4F89-8B3C-39729411D934}"/>
     <pc:docChg chg="custSel addSld delSld modSld">
-      <pc:chgData name="Lucas Gardini Dias" userId="7283582234da282d" providerId="LiveId" clId="{C5FB0DF0-D3DF-4F89-8B3C-39729411D934}" dt="2023-10-05T23:18:56.889" v="145" actId="680"/>
+      <pc:chgData name="Lucas Gardini Dias" userId="7283582234da282d" providerId="LiveId" clId="{C5FB0DF0-D3DF-4F89-8B3C-39729411D934}" dt="2023-10-05T23:31:45.681" v="195" actId="14838"/>
       <pc:docMkLst>
         <pc:docMk/>
       </pc:docMkLst>
       <pc:sldChg chg="addSp modSp mod">
-        <pc:chgData name="Lucas Gardini Dias" userId="7283582234da282d" providerId="LiveId" clId="{C5FB0DF0-D3DF-4F89-8B3C-39729411D934}" dt="2023-10-05T23:18:45.110" v="144" actId="1035"/>
+        <pc:chgData name="Lucas Gardini Dias" userId="7283582234da282d" providerId="LiveId" clId="{C5FB0DF0-D3DF-4F89-8B3C-39729411D934}" dt="2023-10-05T23:31:45.681" v="195" actId="14838"/>
         <pc:sldMkLst>
           <pc:docMk/>
           <pc:sldMk cId="2919381993" sldId="256"/>
         </pc:sldMkLst>
+        <pc:spChg chg="add mod">
+          <ac:chgData name="Lucas Gardini Dias" userId="7283582234da282d" providerId="LiveId" clId="{C5FB0DF0-D3DF-4F89-8B3C-39729411D934}" dt="2023-10-05T23:31:45.681" v="195" actId="14838"/>
+          <ac:spMkLst>
+            <pc:docMk/>
+            <pc:sldMk cId="2919381993" sldId="256"/>
+            <ac:spMk id="2" creationId="{3F89F942-F2B5-EBBE-126B-E2759FD22242}"/>
+          </ac:spMkLst>
+        </pc:spChg>
+        <pc:spChg chg="add mod">
+          <ac:chgData name="Lucas Gardini Dias" userId="7283582234da282d" providerId="LiveId" clId="{C5FB0DF0-D3DF-4F89-8B3C-39729411D934}" dt="2023-10-05T23:31:02.176" v="190" actId="1037"/>
+          <ac:spMkLst>
+            <pc:docMk/>
+            <pc:sldMk cId="2919381993" sldId="256"/>
+            <ac:spMk id="3" creationId="{7D2CBBC6-4AD6-D846-9B06-7B38A55E8DC5}"/>
+          </ac:spMkLst>
+        </pc:spChg>
         <pc:spChg chg="mod">
-          <ac:chgData name="Lucas Gardini Dias" userId="7283582234da282d" providerId="LiveId" clId="{C5FB0DF0-D3DF-4F89-8B3C-39729411D934}" dt="2023-10-05T23:18:45.110" v="144" actId="1035"/>
+          <ac:chgData name="Lucas Gardini Dias" userId="7283582234da282d" providerId="LiveId" clId="{C5FB0DF0-D3DF-4F89-8B3C-39729411D934}" dt="2023-10-05T23:31:26.292" v="193" actId="207"/>
           <ac:spMkLst>
             <pc:docMk/>
             <pc:sldMk cId="2919381993" sldId="256"/>
@@ -143,7 +164,7 @@
           </ac:spMkLst>
         </pc:spChg>
         <pc:spChg chg="mod">
-          <ac:chgData name="Lucas Gardini Dias" userId="7283582234da282d" providerId="LiveId" clId="{C5FB0DF0-D3DF-4F89-8B3C-39729411D934}" dt="2023-10-05T23:18:41.712" v="134" actId="1035"/>
+          <ac:chgData name="Lucas Gardini Dias" userId="7283582234da282d" providerId="LiveId" clId="{C5FB0DF0-D3DF-4F89-8B3C-39729411D934}" dt="2023-10-05T23:31:32.675" v="194" actId="255"/>
           <ac:spMkLst>
             <pc:docMk/>
             <pc:sldMk cId="2919381993" sldId="256"/>
@@ -646,7 +667,7 @@
           <a:effectLst/>
           <a:extLst>
             <a:ext uri="{91240B29-F687-4f45-9708-019B960494DF}">
-              <a14:hiddenLine xmlns:a14="http://schemas.microsoft.com/office/drawing/2010/main" xmlns="" w="9525">
+              <a14:hiddenLine xmlns="" xmlns:a14="http://schemas.microsoft.com/office/drawing/2010/main" w="9525">
                 <a:solidFill>
                   <a:srgbClr val="000000"/>
                 </a:solidFill>
@@ -2180,7 +2201,7 @@
           <a:ln/>
           <a:extLst>
             <a:ext uri="{91240B29-F687-4f45-9708-019B960494DF}">
-              <a14:hiddenLine xmlns:a14="http://schemas.microsoft.com/office/drawing/2010/main" xmlns="" w="9525">
+              <a14:hiddenLine xmlns="" xmlns:a14="http://schemas.microsoft.com/office/drawing/2010/main" w="9525">
                 <a:solidFill>
                   <a:srgbClr val="000000"/>
                 </a:solidFill>
@@ -2458,7 +2479,7 @@
           <a:ln/>
           <a:extLst>
             <a:ext uri="{91240B29-F687-4f45-9708-019B960494DF}">
-              <a14:hiddenLine xmlns:a14="http://schemas.microsoft.com/office/drawing/2010/main" xmlns="" w="9525">
+              <a14:hiddenLine xmlns="" xmlns:a14="http://schemas.microsoft.com/office/drawing/2010/main" w="9525">
                 <a:solidFill>
                   <a:srgbClr val="000000"/>
                 </a:solidFill>
@@ -2744,7 +2765,7 @@
           <a:ln/>
           <a:extLst>
             <a:ext uri="{91240B29-F687-4f45-9708-019B960494DF}">
-              <a14:hiddenLine xmlns:a14="http://schemas.microsoft.com/office/drawing/2010/main" xmlns="" w="9525">
+              <a14:hiddenLine xmlns="" xmlns:a14="http://schemas.microsoft.com/office/drawing/2010/main" w="9525">
                 <a:solidFill>
                   <a:srgbClr val="000000"/>
                 </a:solidFill>
@@ -3376,7 +3397,7 @@
           <a:ln/>
           <a:extLst>
             <a:ext uri="{91240B29-F687-4f45-9708-019B960494DF}">
-              <a14:hiddenLine xmlns:a14="http://schemas.microsoft.com/office/drawing/2010/main" xmlns="" w="9525">
+              <a14:hiddenLine xmlns="" xmlns:a14="http://schemas.microsoft.com/office/drawing/2010/main" w="9525">
                 <a:solidFill>
                   <a:srgbClr val="000000"/>
                 </a:solidFill>
@@ -3718,7 +3739,7 @@
           <a:ln/>
           <a:extLst>
             <a:ext uri="{91240B29-F687-4f45-9708-019B960494DF}">
-              <a14:hiddenLine xmlns:a14="http://schemas.microsoft.com/office/drawing/2010/main" xmlns="" w="9525">
+              <a14:hiddenLine xmlns="" xmlns:a14="http://schemas.microsoft.com/office/drawing/2010/main" w="9525">
                 <a:solidFill>
                   <a:srgbClr val="000000"/>
                 </a:solidFill>
@@ -4198,7 +4219,7 @@
           <a:ln/>
           <a:extLst>
             <a:ext uri="{91240B29-F687-4f45-9708-019B960494DF}">
-              <a14:hiddenLine xmlns:a14="http://schemas.microsoft.com/office/drawing/2010/main" xmlns="" w="9525">
+              <a14:hiddenLine xmlns="" xmlns:a14="http://schemas.microsoft.com/office/drawing/2010/main" w="9525">
                 <a:solidFill>
                   <a:srgbClr val="000000"/>
                 </a:solidFill>
@@ -4633,7 +4654,7 @@
           <a:ln/>
           <a:extLst>
             <a:ext uri="{91240B29-F687-4f45-9708-019B960494DF}">
-              <a14:hiddenLine xmlns:a14="http://schemas.microsoft.com/office/drawing/2010/main" xmlns="" w="9525">
+              <a14:hiddenLine xmlns="" xmlns:a14="http://schemas.microsoft.com/office/drawing/2010/main" w="9525">
                 <a:solidFill>
                   <a:srgbClr val="000000"/>
                 </a:solidFill>
@@ -5901,10 +5922,18 @@
           <a:lstStyle/>
           <a:p>
             <a:fld id="{25237327-9CA3-4762-8749-00D99BA09B6B}" type="slidenum">
-              <a:rPr lang="pt-BR" smtClean="0"/>
+              <a:rPr lang="pt-BR" b="1" smtClean="0">
+                <a:solidFill>
+                  <a:schemeClr val="tx1"/>
+                </a:solidFill>
+              </a:rPr>
               <a:t>1</a:t>
             </a:fld>
-            <a:endParaRPr lang="pt-BR" dirty="0"/>
+            <a:endParaRPr lang="pt-BR" b="1" dirty="0">
+              <a:solidFill>
+                <a:schemeClr val="tx1"/>
+              </a:solidFill>
+            </a:endParaRPr>
           </a:p>
         </p:txBody>
       </p:sp>
@@ -6085,8 +6114,86 @@
           <a:lstStyle/>
           <a:p>
             <a:r>
+              <a:rPr lang="pt-BR" sz="1600" dirty="0"/>
+              <a:t>https://lucas.gardini.dev</a:t>
+            </a:r>
+          </a:p>
+        </p:txBody>
+      </p:sp>
+      <p:sp>
+        <p:nvSpPr>
+          <p:cNvPr id="2" name="CaixaDeTexto 1">
+            <a:extLst>
+              <a:ext uri="{FF2B5EF4-FFF2-40B4-BE49-F238E27FC236}">
+                <a16:creationId xmlns:a16="http://schemas.microsoft.com/office/drawing/2014/main" id="{3F89F942-F2B5-EBBE-126B-E2759FD22242}"/>
+              </a:ext>
+            </a:extLst>
+          </p:cNvPr>
+          <p:cNvSpPr txBox="1"/>
+          <p:nvPr/>
+        </p:nvSpPr>
+        <p:spPr>
+          <a:xfrm>
+            <a:off x="670272" y="1726164"/>
+            <a:ext cx="5344733" cy="1200329"/>
+          </a:xfrm>
+          <a:prstGeom prst="rect">
+            <a:avLst/>
+          </a:prstGeom>
+          <a:noFill/>
+        </p:spPr>
+        <p:txBody>
+          <a:bodyPr wrap="none" rtlCol="0">
+            <a:spAutoFit/>
+          </a:bodyPr>
+          <a:lstStyle/>
+          <a:p>
+            <a:r>
+              <a:rPr lang="pt-BR" sz="7200" b="1" dirty="0">
+                <a:effectLst>
+                  <a:outerShdw blurRad="50800" dist="38100" dir="2700000" algn="tl" rotWithShape="0">
+                    <a:prstClr val="black">
+                      <a:alpha val="40000"/>
+                    </a:prstClr>
+                  </a:outerShdw>
+                </a:effectLst>
+              </a:rPr>
+              <a:t>MONGODB</a:t>
+            </a:r>
+          </a:p>
+        </p:txBody>
+      </p:sp>
+      <p:sp>
+        <p:nvSpPr>
+          <p:cNvPr id="3" name="CaixaDeTexto 2">
+            <a:extLst>
+              <a:ext uri="{FF2B5EF4-FFF2-40B4-BE49-F238E27FC236}">
+                <a16:creationId xmlns:a16="http://schemas.microsoft.com/office/drawing/2014/main" id="{7D2CBBC6-4AD6-D846-9B06-7B38A55E8DC5}"/>
+              </a:ext>
+            </a:extLst>
+          </p:cNvPr>
+          <p:cNvSpPr txBox="1"/>
+          <p:nvPr/>
+        </p:nvSpPr>
+        <p:spPr>
+          <a:xfrm>
+            <a:off x="698264" y="2788966"/>
+            <a:ext cx="3007555" cy="400110"/>
+          </a:xfrm>
+          <a:prstGeom prst="rect">
+            <a:avLst/>
+          </a:prstGeom>
+          <a:noFill/>
+        </p:spPr>
+        <p:txBody>
+          <a:bodyPr wrap="none" rtlCol="0">
+            <a:spAutoFit/>
+          </a:bodyPr>
+          <a:lstStyle/>
+          <a:p>
+            <a:r>
               <a:rPr lang="pt-BR" sz="2000" dirty="0"/>
-              <a:t>https://lucas.gardini.dev</a:t>
+              <a:t>Por: Lucas Gardini Dias</a:t>
             </a:r>
           </a:p>
         </p:txBody>

--- a/mongodb/minicurso-mongodb.pptx
+++ b/mongodb/minicurso-mongodb.pptx
@@ -5,11 +5,43 @@
     <p:sldMasterId id="2147483750" r:id="rId1"/>
   </p:sldMasterIdLst>
   <p:notesMasterIdLst>
-    <p:notesMasterId r:id="rId4"/>
+    <p:notesMasterId r:id="rId36"/>
   </p:notesMasterIdLst>
   <p:sldIdLst>
-    <p:sldId id="256" r:id="rId2"/>
+    <p:sldId id="290" r:id="rId2"/>
     <p:sldId id="257" r:id="rId3"/>
+    <p:sldId id="258" r:id="rId4"/>
+    <p:sldId id="263" r:id="rId5"/>
+    <p:sldId id="259" r:id="rId6"/>
+    <p:sldId id="260" r:id="rId7"/>
+    <p:sldId id="261" r:id="rId8"/>
+    <p:sldId id="262" r:id="rId9"/>
+    <p:sldId id="264" r:id="rId10"/>
+    <p:sldId id="265" r:id="rId11"/>
+    <p:sldId id="266" r:id="rId12"/>
+    <p:sldId id="267" r:id="rId13"/>
+    <p:sldId id="268" r:id="rId14"/>
+    <p:sldId id="269" r:id="rId15"/>
+    <p:sldId id="270" r:id="rId16"/>
+    <p:sldId id="271" r:id="rId17"/>
+    <p:sldId id="272" r:id="rId18"/>
+    <p:sldId id="273" r:id="rId19"/>
+    <p:sldId id="274" r:id="rId20"/>
+    <p:sldId id="275" r:id="rId21"/>
+    <p:sldId id="276" r:id="rId22"/>
+    <p:sldId id="277" r:id="rId23"/>
+    <p:sldId id="278" r:id="rId24"/>
+    <p:sldId id="279" r:id="rId25"/>
+    <p:sldId id="280" r:id="rId26"/>
+    <p:sldId id="281" r:id="rId27"/>
+    <p:sldId id="282" r:id="rId28"/>
+    <p:sldId id="283" r:id="rId29"/>
+    <p:sldId id="284" r:id="rId30"/>
+    <p:sldId id="285" r:id="rId31"/>
+    <p:sldId id="286" r:id="rId32"/>
+    <p:sldId id="287" r:id="rId33"/>
+    <p:sldId id="288" r:id="rId34"/>
+    <p:sldId id="289" r:id="rId35"/>
   </p:sldIdLst>
   <p:sldSz cx="12192000" cy="6858000"/>
   <p:notesSz cx="6858000" cy="9144000"/>
@@ -119,7 +151,7 @@
 <file path=ppt/revisionInfo.xml><?xml version="1.0" encoding="utf-8"?>
 <p1510:revInfo xmlns:a="http://schemas.openxmlformats.org/drawingml/2006/main" xmlns:r="http://schemas.openxmlformats.org/officeDocument/2006/relationships" xmlns:p1510="http://schemas.microsoft.com/office/powerpoint/2015/10/main">
   <p1510:revLst>
-    <p1510:client id="{C5FB0DF0-D3DF-4F89-8B3C-39729411D934}" v="64" dt="2023-10-05T23:29:40.083"/>
+    <p1510:client id="{C5FB0DF0-D3DF-4F89-8B3C-39729411D934}" v="138" dt="2023-10-18T01:08:48.309"/>
   </p1510:revLst>
 </p1510:revInfo>
 </file>
@@ -128,19 +160,19 @@
 <pc:chgInfo xmlns:a="http://schemas.openxmlformats.org/drawingml/2006/main" xmlns:r="http://schemas.openxmlformats.org/officeDocument/2006/relationships" xmlns:ac="http://schemas.microsoft.com/office/drawing/2013/main/command" xmlns:pc="http://schemas.microsoft.com/office/powerpoint/2013/main/command">
   <pc:docChgLst>
     <pc:chgData name="Lucas Gardini Dias" userId="7283582234da282d" providerId="LiveId" clId="{C5FB0DF0-D3DF-4F89-8B3C-39729411D934}"/>
-    <pc:docChg chg="custSel addSld delSld modSld">
-      <pc:chgData name="Lucas Gardini Dias" userId="7283582234da282d" providerId="LiveId" clId="{C5FB0DF0-D3DF-4F89-8B3C-39729411D934}" dt="2023-10-05T23:31:45.681" v="195" actId="14838"/>
+    <pc:docChg chg="undo redo custSel addSld delSld modSld sldOrd modMainMaster">
+      <pc:chgData name="Lucas Gardini Dias" userId="7283582234da282d" providerId="LiveId" clId="{C5FB0DF0-D3DF-4F89-8B3C-39729411D934}" dt="2023-10-18T01:09:31.130" v="1021" actId="2085"/>
       <pc:docMkLst>
         <pc:docMk/>
       </pc:docMkLst>
-      <pc:sldChg chg="addSp modSp mod">
-        <pc:chgData name="Lucas Gardini Dias" userId="7283582234da282d" providerId="LiveId" clId="{C5FB0DF0-D3DF-4F89-8B3C-39729411D934}" dt="2023-10-05T23:31:45.681" v="195" actId="14838"/>
+      <pc:sldChg chg="addSp delSp modSp add del mod">
+        <pc:chgData name="Lucas Gardini Dias" userId="7283582234da282d" providerId="LiveId" clId="{C5FB0DF0-D3DF-4F89-8B3C-39729411D934}" dt="2023-10-18T01:06:54.724" v="998" actId="47"/>
         <pc:sldMkLst>
           <pc:docMk/>
           <pc:sldMk cId="2919381993" sldId="256"/>
         </pc:sldMkLst>
         <pc:spChg chg="add mod">
-          <ac:chgData name="Lucas Gardini Dias" userId="7283582234da282d" providerId="LiveId" clId="{C5FB0DF0-D3DF-4F89-8B3C-39729411D934}" dt="2023-10-05T23:31:45.681" v="195" actId="14838"/>
+          <ac:chgData name="Lucas Gardini Dias" userId="7283582234da282d" providerId="LiveId" clId="{C5FB0DF0-D3DF-4F89-8B3C-39729411D934}" dt="2023-10-18T00:52:12.634" v="841" actId="20577"/>
           <ac:spMkLst>
             <pc:docMk/>
             <pc:sldMk cId="2919381993" sldId="256"/>
@@ -148,15 +180,15 @@
           </ac:spMkLst>
         </pc:spChg>
         <pc:spChg chg="add mod">
-          <ac:chgData name="Lucas Gardini Dias" userId="7283582234da282d" providerId="LiveId" clId="{C5FB0DF0-D3DF-4F89-8B3C-39729411D934}" dt="2023-10-05T23:31:02.176" v="190" actId="1037"/>
+          <ac:chgData name="Lucas Gardini Dias" userId="7283582234da282d" providerId="LiveId" clId="{C5FB0DF0-D3DF-4F89-8B3C-39729411D934}" dt="2023-10-18T00:50:48.286" v="829" actId="1076"/>
           <ac:spMkLst>
             <pc:docMk/>
             <pc:sldMk cId="2919381993" sldId="256"/>
             <ac:spMk id="3" creationId="{7D2CBBC6-4AD6-D846-9B06-7B38A55E8DC5}"/>
           </ac:spMkLst>
         </pc:spChg>
-        <pc:spChg chg="mod">
-          <ac:chgData name="Lucas Gardini Dias" userId="7283582234da282d" providerId="LiveId" clId="{C5FB0DF0-D3DF-4F89-8B3C-39729411D934}" dt="2023-10-05T23:31:26.292" v="193" actId="207"/>
+        <pc:spChg chg="del mod">
+          <ac:chgData name="Lucas Gardini Dias" userId="7283582234da282d" providerId="LiveId" clId="{C5FB0DF0-D3DF-4F89-8B3C-39729411D934}" dt="2023-10-18T00:52:24.368" v="842" actId="478"/>
           <ac:spMkLst>
             <pc:docMk/>
             <pc:sldMk cId="2919381993" sldId="256"/>
@@ -164,7 +196,7 @@
           </ac:spMkLst>
         </pc:spChg>
         <pc:spChg chg="mod">
-          <ac:chgData name="Lucas Gardini Dias" userId="7283582234da282d" providerId="LiveId" clId="{C5FB0DF0-D3DF-4F89-8B3C-39729411D934}" dt="2023-10-05T23:31:32.675" v="194" actId="255"/>
+          <ac:chgData name="Lucas Gardini Dias" userId="7283582234da282d" providerId="LiveId" clId="{C5FB0DF0-D3DF-4F89-8B3C-39729411D934}" dt="2023-10-17T22:12:32.418" v="211" actId="20577"/>
           <ac:spMkLst>
             <pc:docMk/>
             <pc:sldMk cId="2919381993" sldId="256"/>
@@ -179,6 +211,14 @@
             <ac:grpSpMk id="14" creationId="{3A131335-0210-9973-B748-9747392A7A99}"/>
           </ac:grpSpMkLst>
         </pc:grpChg>
+        <pc:picChg chg="add mod">
+          <ac:chgData name="Lucas Gardini Dias" userId="7283582234da282d" providerId="LiveId" clId="{C5FB0DF0-D3DF-4F89-8B3C-39729411D934}" dt="2023-10-18T00:52:28.788" v="843" actId="1076"/>
+          <ac:picMkLst>
+            <pc:docMk/>
+            <pc:sldMk cId="2919381993" sldId="256"/>
+            <ac:picMk id="6" creationId="{13FF39D7-7CC4-BD5B-E930-5FCEBF07B2C3}"/>
+          </ac:picMkLst>
+        </pc:picChg>
         <pc:picChg chg="add mod">
           <ac:chgData name="Lucas Gardini Dias" userId="7283582234da282d" providerId="LiveId" clId="{C5FB0DF0-D3DF-4F89-8B3C-39729411D934}" dt="2023-10-05T23:10:25.350" v="75" actId="1036"/>
           <ac:picMkLst>
@@ -211,13 +251,757 @@
           <pc:sldMk cId="330963599" sldId="257"/>
         </pc:sldMkLst>
       </pc:sldChg>
-      <pc:sldChg chg="new">
-        <pc:chgData name="Lucas Gardini Dias" userId="7283582234da282d" providerId="LiveId" clId="{C5FB0DF0-D3DF-4F89-8B3C-39729411D934}" dt="2023-10-05T23:18:56.889" v="145" actId="680"/>
+      <pc:sldChg chg="modSp new mod modTransition">
+        <pc:chgData name="Lucas Gardini Dias" userId="7283582234da282d" providerId="LiveId" clId="{C5FB0DF0-D3DF-4F89-8B3C-39729411D934}" dt="2023-10-18T00:52:48.419" v="850"/>
         <pc:sldMkLst>
           <pc:docMk/>
           <pc:sldMk cId="1938438141" sldId="257"/>
         </pc:sldMkLst>
+        <pc:spChg chg="mod">
+          <ac:chgData name="Lucas Gardini Dias" userId="7283582234da282d" providerId="LiveId" clId="{C5FB0DF0-D3DF-4F89-8B3C-39729411D934}" dt="2023-10-17T22:19:07.994" v="221" actId="404"/>
+          <ac:spMkLst>
+            <pc:docMk/>
+            <pc:sldMk cId="1938438141" sldId="257"/>
+            <ac:spMk id="2" creationId="{F0EA80E2-15DD-ABEB-539C-D3721B78C834}"/>
+          </ac:spMkLst>
+        </pc:spChg>
       </pc:sldChg>
+      <pc:sldChg chg="modSp add mod">
+        <pc:chgData name="Lucas Gardini Dias" userId="7283582234da282d" providerId="LiveId" clId="{C5FB0DF0-D3DF-4F89-8B3C-39729411D934}" dt="2023-10-17T22:19:33.980" v="225"/>
+        <pc:sldMkLst>
+          <pc:docMk/>
+          <pc:sldMk cId="1815465601" sldId="258"/>
+        </pc:sldMkLst>
+        <pc:spChg chg="mod">
+          <ac:chgData name="Lucas Gardini Dias" userId="7283582234da282d" providerId="LiveId" clId="{C5FB0DF0-D3DF-4F89-8B3C-39729411D934}" dt="2023-10-17T22:19:33.980" v="225"/>
+          <ac:spMkLst>
+            <pc:docMk/>
+            <pc:sldMk cId="1815465601" sldId="258"/>
+            <ac:spMk id="2" creationId="{F0EA80E2-15DD-ABEB-539C-D3721B78C834}"/>
+          </ac:spMkLst>
+        </pc:spChg>
+      </pc:sldChg>
+      <pc:sldChg chg="modSp add mod">
+        <pc:chgData name="Lucas Gardini Dias" userId="7283582234da282d" providerId="LiveId" clId="{C5FB0DF0-D3DF-4F89-8B3C-39729411D934}" dt="2023-10-17T22:21:10.194" v="293" actId="20577"/>
+        <pc:sldMkLst>
+          <pc:docMk/>
+          <pc:sldMk cId="3172907843" sldId="259"/>
+        </pc:sldMkLst>
+        <pc:spChg chg="mod">
+          <ac:chgData name="Lucas Gardini Dias" userId="7283582234da282d" providerId="LiveId" clId="{C5FB0DF0-D3DF-4F89-8B3C-39729411D934}" dt="2023-10-17T22:21:10.194" v="293" actId="20577"/>
+          <ac:spMkLst>
+            <pc:docMk/>
+            <pc:sldMk cId="3172907843" sldId="259"/>
+            <ac:spMk id="2" creationId="{F0EA80E2-15DD-ABEB-539C-D3721B78C834}"/>
+          </ac:spMkLst>
+        </pc:spChg>
+      </pc:sldChg>
+      <pc:sldChg chg="modSp add mod">
+        <pc:chgData name="Lucas Gardini Dias" userId="7283582234da282d" providerId="LiveId" clId="{C5FB0DF0-D3DF-4F89-8B3C-39729411D934}" dt="2023-10-17T22:21:37.260" v="297"/>
+        <pc:sldMkLst>
+          <pc:docMk/>
+          <pc:sldMk cId="2680432919" sldId="260"/>
+        </pc:sldMkLst>
+        <pc:spChg chg="mod">
+          <ac:chgData name="Lucas Gardini Dias" userId="7283582234da282d" providerId="LiveId" clId="{C5FB0DF0-D3DF-4F89-8B3C-39729411D934}" dt="2023-10-17T22:21:37.260" v="297"/>
+          <ac:spMkLst>
+            <pc:docMk/>
+            <pc:sldMk cId="2680432919" sldId="260"/>
+            <ac:spMk id="2" creationId="{F0EA80E2-15DD-ABEB-539C-D3721B78C834}"/>
+          </ac:spMkLst>
+        </pc:spChg>
+      </pc:sldChg>
+      <pc:sldChg chg="modSp add mod">
+        <pc:chgData name="Lucas Gardini Dias" userId="7283582234da282d" providerId="LiveId" clId="{C5FB0DF0-D3DF-4F89-8B3C-39729411D934}" dt="2023-10-17T22:21:49.700" v="303"/>
+        <pc:sldMkLst>
+          <pc:docMk/>
+          <pc:sldMk cId="1074818923" sldId="261"/>
+        </pc:sldMkLst>
+        <pc:spChg chg="mod">
+          <ac:chgData name="Lucas Gardini Dias" userId="7283582234da282d" providerId="LiveId" clId="{C5FB0DF0-D3DF-4F89-8B3C-39729411D934}" dt="2023-10-17T22:21:49.700" v="303"/>
+          <ac:spMkLst>
+            <pc:docMk/>
+            <pc:sldMk cId="1074818923" sldId="261"/>
+            <ac:spMk id="2" creationId="{F0EA80E2-15DD-ABEB-539C-D3721B78C834}"/>
+          </ac:spMkLst>
+        </pc:spChg>
+      </pc:sldChg>
+      <pc:sldChg chg="modSp add mod">
+        <pc:chgData name="Lucas Gardini Dias" userId="7283582234da282d" providerId="LiveId" clId="{C5FB0DF0-D3DF-4F89-8B3C-39729411D934}" dt="2023-10-17T22:21:59.802" v="307"/>
+        <pc:sldMkLst>
+          <pc:docMk/>
+          <pc:sldMk cId="2944004747" sldId="262"/>
+        </pc:sldMkLst>
+        <pc:spChg chg="mod">
+          <ac:chgData name="Lucas Gardini Dias" userId="7283582234da282d" providerId="LiveId" clId="{C5FB0DF0-D3DF-4F89-8B3C-39729411D934}" dt="2023-10-17T22:21:59.802" v="307"/>
+          <ac:spMkLst>
+            <pc:docMk/>
+            <pc:sldMk cId="2944004747" sldId="262"/>
+            <ac:spMk id="2" creationId="{F0EA80E2-15DD-ABEB-539C-D3721B78C834}"/>
+          </ac:spMkLst>
+        </pc:spChg>
+      </pc:sldChg>
+      <pc:sldChg chg="delSp modSp add mod modTransition">
+        <pc:chgData name="Lucas Gardini Dias" userId="7283582234da282d" providerId="LiveId" clId="{C5FB0DF0-D3DF-4F89-8B3C-39729411D934}" dt="2023-10-18T01:08:48.309" v="1020"/>
+        <pc:sldMkLst>
+          <pc:docMk/>
+          <pc:sldMk cId="2805241000" sldId="263"/>
+        </pc:sldMkLst>
+        <pc:spChg chg="mod">
+          <ac:chgData name="Lucas Gardini Dias" userId="7283582234da282d" providerId="LiveId" clId="{C5FB0DF0-D3DF-4F89-8B3C-39729411D934}" dt="2023-10-17T22:22:24.172" v="335" actId="20577"/>
+          <ac:spMkLst>
+            <pc:docMk/>
+            <pc:sldMk cId="2805241000" sldId="263"/>
+            <ac:spMk id="2" creationId="{3F89F942-F2B5-EBBE-126B-E2759FD22242}"/>
+          </ac:spMkLst>
+        </pc:spChg>
+        <pc:spChg chg="del">
+          <ac:chgData name="Lucas Gardini Dias" userId="7283582234da282d" providerId="LiveId" clId="{C5FB0DF0-D3DF-4F89-8B3C-39729411D934}" dt="2023-10-17T22:22:30.131" v="336" actId="478"/>
+          <ac:spMkLst>
+            <pc:docMk/>
+            <pc:sldMk cId="2805241000" sldId="263"/>
+            <ac:spMk id="3" creationId="{7D2CBBC6-4AD6-D846-9B06-7B38A55E8DC5}"/>
+          </ac:spMkLst>
+        </pc:spChg>
+      </pc:sldChg>
+      <pc:sldChg chg="modSp add mod">
+        <pc:chgData name="Lucas Gardini Dias" userId="7283582234da282d" providerId="LiveId" clId="{C5FB0DF0-D3DF-4F89-8B3C-39729411D934}" dt="2023-10-17T22:43:22.170" v="363" actId="20577"/>
+        <pc:sldMkLst>
+          <pc:docMk/>
+          <pc:sldMk cId="1006512240" sldId="264"/>
+        </pc:sldMkLst>
+        <pc:spChg chg="mod">
+          <ac:chgData name="Lucas Gardini Dias" userId="7283582234da282d" providerId="LiveId" clId="{C5FB0DF0-D3DF-4F89-8B3C-39729411D934}" dt="2023-10-17T22:43:22.170" v="363" actId="20577"/>
+          <ac:spMkLst>
+            <pc:docMk/>
+            <pc:sldMk cId="1006512240" sldId="264"/>
+            <ac:spMk id="2" creationId="{3F89F942-F2B5-EBBE-126B-E2759FD22242}"/>
+          </ac:spMkLst>
+        </pc:spChg>
+      </pc:sldChg>
+      <pc:sldChg chg="modSp add mod">
+        <pc:chgData name="Lucas Gardini Dias" userId="7283582234da282d" providerId="LiveId" clId="{C5FB0DF0-D3DF-4F89-8B3C-39729411D934}" dt="2023-10-17T22:43:57.676" v="401" actId="20577"/>
+        <pc:sldMkLst>
+          <pc:docMk/>
+          <pc:sldMk cId="1831902795" sldId="265"/>
+        </pc:sldMkLst>
+        <pc:spChg chg="mod">
+          <ac:chgData name="Lucas Gardini Dias" userId="7283582234da282d" providerId="LiveId" clId="{C5FB0DF0-D3DF-4F89-8B3C-39729411D934}" dt="2023-10-17T22:43:57.676" v="401" actId="20577"/>
+          <ac:spMkLst>
+            <pc:docMk/>
+            <pc:sldMk cId="1831902795" sldId="265"/>
+            <ac:spMk id="2" creationId="{F0EA80E2-15DD-ABEB-539C-D3721B78C834}"/>
+          </ac:spMkLst>
+        </pc:spChg>
+      </pc:sldChg>
+      <pc:sldChg chg="modSp add mod">
+        <pc:chgData name="Lucas Gardini Dias" userId="7283582234da282d" providerId="LiveId" clId="{C5FB0DF0-D3DF-4F89-8B3C-39729411D934}" dt="2023-10-17T22:44:06.946" v="405"/>
+        <pc:sldMkLst>
+          <pc:docMk/>
+          <pc:sldMk cId="1552713571" sldId="266"/>
+        </pc:sldMkLst>
+        <pc:spChg chg="mod">
+          <ac:chgData name="Lucas Gardini Dias" userId="7283582234da282d" providerId="LiveId" clId="{C5FB0DF0-D3DF-4F89-8B3C-39729411D934}" dt="2023-10-17T22:44:06.946" v="405"/>
+          <ac:spMkLst>
+            <pc:docMk/>
+            <pc:sldMk cId="1552713571" sldId="266"/>
+            <ac:spMk id="2" creationId="{F0EA80E2-15DD-ABEB-539C-D3721B78C834}"/>
+          </ac:spMkLst>
+        </pc:spChg>
+      </pc:sldChg>
+      <pc:sldChg chg="modSp add mod">
+        <pc:chgData name="Lucas Gardini Dias" userId="7283582234da282d" providerId="LiveId" clId="{C5FB0DF0-D3DF-4F89-8B3C-39729411D934}" dt="2023-10-17T22:44:19.943" v="423" actId="20577"/>
+        <pc:sldMkLst>
+          <pc:docMk/>
+          <pc:sldMk cId="1474203679" sldId="267"/>
+        </pc:sldMkLst>
+        <pc:spChg chg="mod">
+          <ac:chgData name="Lucas Gardini Dias" userId="7283582234da282d" providerId="LiveId" clId="{C5FB0DF0-D3DF-4F89-8B3C-39729411D934}" dt="2023-10-17T22:44:19.943" v="423" actId="20577"/>
+          <ac:spMkLst>
+            <pc:docMk/>
+            <pc:sldMk cId="1474203679" sldId="267"/>
+            <ac:spMk id="2" creationId="{3F89F942-F2B5-EBBE-126B-E2759FD22242}"/>
+          </ac:spMkLst>
+        </pc:spChg>
+      </pc:sldChg>
+      <pc:sldChg chg="modSp add mod">
+        <pc:chgData name="Lucas Gardini Dias" userId="7283582234da282d" providerId="LiveId" clId="{C5FB0DF0-D3DF-4F89-8B3C-39729411D934}" dt="2023-10-17T22:44:33.871" v="444"/>
+        <pc:sldMkLst>
+          <pc:docMk/>
+          <pc:sldMk cId="1644909204" sldId="268"/>
+        </pc:sldMkLst>
+        <pc:spChg chg="mod">
+          <ac:chgData name="Lucas Gardini Dias" userId="7283582234da282d" providerId="LiveId" clId="{C5FB0DF0-D3DF-4F89-8B3C-39729411D934}" dt="2023-10-17T22:44:33.871" v="444"/>
+          <ac:spMkLst>
+            <pc:docMk/>
+            <pc:sldMk cId="1644909204" sldId="268"/>
+            <ac:spMk id="2" creationId="{F0EA80E2-15DD-ABEB-539C-D3721B78C834}"/>
+          </ac:spMkLst>
+        </pc:spChg>
+      </pc:sldChg>
+      <pc:sldChg chg="modSp add mod">
+        <pc:chgData name="Lucas Gardini Dias" userId="7283582234da282d" providerId="LiveId" clId="{C5FB0DF0-D3DF-4F89-8B3C-39729411D934}" dt="2023-10-17T22:44:41.969" v="449" actId="20577"/>
+        <pc:sldMkLst>
+          <pc:docMk/>
+          <pc:sldMk cId="1694043030" sldId="269"/>
+        </pc:sldMkLst>
+        <pc:spChg chg="mod">
+          <ac:chgData name="Lucas Gardini Dias" userId="7283582234da282d" providerId="LiveId" clId="{C5FB0DF0-D3DF-4F89-8B3C-39729411D934}" dt="2023-10-17T22:44:41.969" v="449" actId="20577"/>
+          <ac:spMkLst>
+            <pc:docMk/>
+            <pc:sldMk cId="1694043030" sldId="269"/>
+            <ac:spMk id="2" creationId="{F0EA80E2-15DD-ABEB-539C-D3721B78C834}"/>
+          </ac:spMkLst>
+        </pc:spChg>
+      </pc:sldChg>
+      <pc:sldChg chg="modSp add mod">
+        <pc:chgData name="Lucas Gardini Dias" userId="7283582234da282d" providerId="LiveId" clId="{C5FB0DF0-D3DF-4F89-8B3C-39729411D934}" dt="2023-10-17T22:44:52.636" v="453"/>
+        <pc:sldMkLst>
+          <pc:docMk/>
+          <pc:sldMk cId="2941452920" sldId="270"/>
+        </pc:sldMkLst>
+        <pc:spChg chg="mod">
+          <ac:chgData name="Lucas Gardini Dias" userId="7283582234da282d" providerId="LiveId" clId="{C5FB0DF0-D3DF-4F89-8B3C-39729411D934}" dt="2023-10-17T22:44:52.636" v="453"/>
+          <ac:spMkLst>
+            <pc:docMk/>
+            <pc:sldMk cId="2941452920" sldId="270"/>
+            <ac:spMk id="2" creationId="{F0EA80E2-15DD-ABEB-539C-D3721B78C834}"/>
+          </ac:spMkLst>
+        </pc:spChg>
+      </pc:sldChg>
+      <pc:sldChg chg="modSp add mod">
+        <pc:chgData name="Lucas Gardini Dias" userId="7283582234da282d" providerId="LiveId" clId="{C5FB0DF0-D3DF-4F89-8B3C-39729411D934}" dt="2023-10-17T22:45:06.106" v="472" actId="20577"/>
+        <pc:sldMkLst>
+          <pc:docMk/>
+          <pc:sldMk cId="1412234956" sldId="271"/>
+        </pc:sldMkLst>
+        <pc:spChg chg="mod">
+          <ac:chgData name="Lucas Gardini Dias" userId="7283582234da282d" providerId="LiveId" clId="{C5FB0DF0-D3DF-4F89-8B3C-39729411D934}" dt="2023-10-17T22:45:06.106" v="472" actId="20577"/>
+          <ac:spMkLst>
+            <pc:docMk/>
+            <pc:sldMk cId="1412234956" sldId="271"/>
+            <ac:spMk id="2" creationId="{3F89F942-F2B5-EBBE-126B-E2759FD22242}"/>
+          </ac:spMkLst>
+        </pc:spChg>
+      </pc:sldChg>
+      <pc:sldChg chg="modSp add mod">
+        <pc:chgData name="Lucas Gardini Dias" userId="7283582234da282d" providerId="LiveId" clId="{C5FB0DF0-D3DF-4F89-8B3C-39729411D934}" dt="2023-10-17T22:45:20.736" v="498"/>
+        <pc:sldMkLst>
+          <pc:docMk/>
+          <pc:sldMk cId="3921640159" sldId="272"/>
+        </pc:sldMkLst>
+        <pc:spChg chg="mod">
+          <ac:chgData name="Lucas Gardini Dias" userId="7283582234da282d" providerId="LiveId" clId="{C5FB0DF0-D3DF-4F89-8B3C-39729411D934}" dt="2023-10-17T22:45:20.736" v="498"/>
+          <ac:spMkLst>
+            <pc:docMk/>
+            <pc:sldMk cId="3921640159" sldId="272"/>
+            <ac:spMk id="2" creationId="{F0EA80E2-15DD-ABEB-539C-D3721B78C834}"/>
+          </ac:spMkLst>
+        </pc:spChg>
+      </pc:sldChg>
+      <pc:sldChg chg="modSp add mod">
+        <pc:chgData name="Lucas Gardini Dias" userId="7283582234da282d" providerId="LiveId" clId="{C5FB0DF0-D3DF-4F89-8B3C-39729411D934}" dt="2023-10-17T22:45:30.574" v="503" actId="20577"/>
+        <pc:sldMkLst>
+          <pc:docMk/>
+          <pc:sldMk cId="3250206503" sldId="273"/>
+        </pc:sldMkLst>
+        <pc:spChg chg="mod">
+          <ac:chgData name="Lucas Gardini Dias" userId="7283582234da282d" providerId="LiveId" clId="{C5FB0DF0-D3DF-4F89-8B3C-39729411D934}" dt="2023-10-17T22:45:30.574" v="503" actId="20577"/>
+          <ac:spMkLst>
+            <pc:docMk/>
+            <pc:sldMk cId="3250206503" sldId="273"/>
+            <ac:spMk id="2" creationId="{F0EA80E2-15DD-ABEB-539C-D3721B78C834}"/>
+          </ac:spMkLst>
+        </pc:spChg>
+      </pc:sldChg>
+      <pc:sldChg chg="modSp add mod">
+        <pc:chgData name="Lucas Gardini Dias" userId="7283582234da282d" providerId="LiveId" clId="{C5FB0DF0-D3DF-4F89-8B3C-39729411D934}" dt="2023-10-17T22:45:45.689" v="533" actId="20577"/>
+        <pc:sldMkLst>
+          <pc:docMk/>
+          <pc:sldMk cId="2562749162" sldId="274"/>
+        </pc:sldMkLst>
+        <pc:spChg chg="mod">
+          <ac:chgData name="Lucas Gardini Dias" userId="7283582234da282d" providerId="LiveId" clId="{C5FB0DF0-D3DF-4F89-8B3C-39729411D934}" dt="2023-10-17T22:45:45.689" v="533" actId="20577"/>
+          <ac:spMkLst>
+            <pc:docMk/>
+            <pc:sldMk cId="2562749162" sldId="274"/>
+            <ac:spMk id="2" creationId="{3F89F942-F2B5-EBBE-126B-E2759FD22242}"/>
+          </ac:spMkLst>
+        </pc:spChg>
+      </pc:sldChg>
+      <pc:sldChg chg="modSp add mod">
+        <pc:chgData name="Lucas Gardini Dias" userId="7283582234da282d" providerId="LiveId" clId="{C5FB0DF0-D3DF-4F89-8B3C-39729411D934}" dt="2023-10-17T22:46:05.094" v="559"/>
+        <pc:sldMkLst>
+          <pc:docMk/>
+          <pc:sldMk cId="366879679" sldId="275"/>
+        </pc:sldMkLst>
+        <pc:spChg chg="mod">
+          <ac:chgData name="Lucas Gardini Dias" userId="7283582234da282d" providerId="LiveId" clId="{C5FB0DF0-D3DF-4F89-8B3C-39729411D934}" dt="2023-10-17T22:46:05.094" v="559"/>
+          <ac:spMkLst>
+            <pc:docMk/>
+            <pc:sldMk cId="366879679" sldId="275"/>
+            <ac:spMk id="2" creationId="{F0EA80E2-15DD-ABEB-539C-D3721B78C834}"/>
+          </ac:spMkLst>
+        </pc:spChg>
+      </pc:sldChg>
+      <pc:sldChg chg="modSp add mod">
+        <pc:chgData name="Lucas Gardini Dias" userId="7283582234da282d" providerId="LiveId" clId="{C5FB0DF0-D3DF-4F89-8B3C-39729411D934}" dt="2023-10-17T22:46:13.478" v="563"/>
+        <pc:sldMkLst>
+          <pc:docMk/>
+          <pc:sldMk cId="1110606851" sldId="276"/>
+        </pc:sldMkLst>
+        <pc:spChg chg="mod">
+          <ac:chgData name="Lucas Gardini Dias" userId="7283582234da282d" providerId="LiveId" clId="{C5FB0DF0-D3DF-4F89-8B3C-39729411D934}" dt="2023-10-17T22:46:13.478" v="563"/>
+          <ac:spMkLst>
+            <pc:docMk/>
+            <pc:sldMk cId="1110606851" sldId="276"/>
+            <ac:spMk id="2" creationId="{F0EA80E2-15DD-ABEB-539C-D3721B78C834}"/>
+          </ac:spMkLst>
+        </pc:spChg>
+      </pc:sldChg>
+      <pc:sldChg chg="modSp add mod">
+        <pc:chgData name="Lucas Gardini Dias" userId="7283582234da282d" providerId="LiveId" clId="{C5FB0DF0-D3DF-4F89-8B3C-39729411D934}" dt="2023-10-17T22:46:31.496" v="586" actId="20577"/>
+        <pc:sldMkLst>
+          <pc:docMk/>
+          <pc:sldMk cId="454187441" sldId="277"/>
+        </pc:sldMkLst>
+        <pc:spChg chg="mod">
+          <ac:chgData name="Lucas Gardini Dias" userId="7283582234da282d" providerId="LiveId" clId="{C5FB0DF0-D3DF-4F89-8B3C-39729411D934}" dt="2023-10-17T22:46:31.496" v="586" actId="20577"/>
+          <ac:spMkLst>
+            <pc:docMk/>
+            <pc:sldMk cId="454187441" sldId="277"/>
+            <ac:spMk id="2" creationId="{3F89F942-F2B5-EBBE-126B-E2759FD22242}"/>
+          </ac:spMkLst>
+        </pc:spChg>
+      </pc:sldChg>
+      <pc:sldChg chg="modSp add mod">
+        <pc:chgData name="Lucas Gardini Dias" userId="7283582234da282d" providerId="LiveId" clId="{C5FB0DF0-D3DF-4F89-8B3C-39729411D934}" dt="2023-10-17T22:46:47.697" v="612"/>
+        <pc:sldMkLst>
+          <pc:docMk/>
+          <pc:sldMk cId="3911855200" sldId="278"/>
+        </pc:sldMkLst>
+        <pc:spChg chg="mod">
+          <ac:chgData name="Lucas Gardini Dias" userId="7283582234da282d" providerId="LiveId" clId="{C5FB0DF0-D3DF-4F89-8B3C-39729411D934}" dt="2023-10-17T22:46:47.697" v="612"/>
+          <ac:spMkLst>
+            <pc:docMk/>
+            <pc:sldMk cId="3911855200" sldId="278"/>
+            <ac:spMk id="2" creationId="{F0EA80E2-15DD-ABEB-539C-D3721B78C834}"/>
+          </ac:spMkLst>
+        </pc:spChg>
+      </pc:sldChg>
+      <pc:sldChg chg="modSp add mod">
+        <pc:chgData name="Lucas Gardini Dias" userId="7283582234da282d" providerId="LiveId" clId="{C5FB0DF0-D3DF-4F89-8B3C-39729411D934}" dt="2023-10-17T22:46:57.486" v="645" actId="20577"/>
+        <pc:sldMkLst>
+          <pc:docMk/>
+          <pc:sldMk cId="164609262" sldId="279"/>
+        </pc:sldMkLst>
+        <pc:spChg chg="mod">
+          <ac:chgData name="Lucas Gardini Dias" userId="7283582234da282d" providerId="LiveId" clId="{C5FB0DF0-D3DF-4F89-8B3C-39729411D934}" dt="2023-10-17T22:46:57.486" v="645" actId="20577"/>
+          <ac:spMkLst>
+            <pc:docMk/>
+            <pc:sldMk cId="164609262" sldId="279"/>
+            <ac:spMk id="2" creationId="{F0EA80E2-15DD-ABEB-539C-D3721B78C834}"/>
+          </ac:spMkLst>
+        </pc:spChg>
+      </pc:sldChg>
+      <pc:sldChg chg="modSp add mod">
+        <pc:chgData name="Lucas Gardini Dias" userId="7283582234da282d" providerId="LiveId" clId="{C5FB0DF0-D3DF-4F89-8B3C-39729411D934}" dt="2023-10-17T22:47:03.410" v="655" actId="20577"/>
+        <pc:sldMkLst>
+          <pc:docMk/>
+          <pc:sldMk cId="1859950295" sldId="280"/>
+        </pc:sldMkLst>
+        <pc:spChg chg="mod">
+          <ac:chgData name="Lucas Gardini Dias" userId="7283582234da282d" providerId="LiveId" clId="{C5FB0DF0-D3DF-4F89-8B3C-39729411D934}" dt="2023-10-17T22:47:03.410" v="655" actId="20577"/>
+          <ac:spMkLst>
+            <pc:docMk/>
+            <pc:sldMk cId="1859950295" sldId="280"/>
+            <ac:spMk id="2" creationId="{3F89F942-F2B5-EBBE-126B-E2759FD22242}"/>
+          </ac:spMkLst>
+        </pc:spChg>
+      </pc:sldChg>
+      <pc:sldChg chg="modSp add mod">
+        <pc:chgData name="Lucas Gardini Dias" userId="7283582234da282d" providerId="LiveId" clId="{C5FB0DF0-D3DF-4F89-8B3C-39729411D934}" dt="2023-10-17T22:47:15.416" v="670"/>
+        <pc:sldMkLst>
+          <pc:docMk/>
+          <pc:sldMk cId="1900832391" sldId="281"/>
+        </pc:sldMkLst>
+        <pc:spChg chg="mod">
+          <ac:chgData name="Lucas Gardini Dias" userId="7283582234da282d" providerId="LiveId" clId="{C5FB0DF0-D3DF-4F89-8B3C-39729411D934}" dt="2023-10-17T22:47:15.416" v="670"/>
+          <ac:spMkLst>
+            <pc:docMk/>
+            <pc:sldMk cId="1900832391" sldId="281"/>
+            <ac:spMk id="2" creationId="{F0EA80E2-15DD-ABEB-539C-D3721B78C834}"/>
+          </ac:spMkLst>
+        </pc:spChg>
+      </pc:sldChg>
+      <pc:sldChg chg="modSp add mod">
+        <pc:chgData name="Lucas Gardini Dias" userId="7283582234da282d" providerId="LiveId" clId="{C5FB0DF0-D3DF-4F89-8B3C-39729411D934}" dt="2023-10-17T22:47:24.409" v="700" actId="20577"/>
+        <pc:sldMkLst>
+          <pc:docMk/>
+          <pc:sldMk cId="2782248189" sldId="282"/>
+        </pc:sldMkLst>
+        <pc:spChg chg="mod">
+          <ac:chgData name="Lucas Gardini Dias" userId="7283582234da282d" providerId="LiveId" clId="{C5FB0DF0-D3DF-4F89-8B3C-39729411D934}" dt="2023-10-17T22:47:24.409" v="700" actId="20577"/>
+          <ac:spMkLst>
+            <pc:docMk/>
+            <pc:sldMk cId="2782248189" sldId="282"/>
+            <ac:spMk id="2" creationId="{F0EA80E2-15DD-ABEB-539C-D3721B78C834}"/>
+          </ac:spMkLst>
+        </pc:spChg>
+      </pc:sldChg>
+      <pc:sldChg chg="modSp add mod">
+        <pc:chgData name="Lucas Gardini Dias" userId="7283582234da282d" providerId="LiveId" clId="{C5FB0DF0-D3DF-4F89-8B3C-39729411D934}" dt="2023-10-17T22:47:33.263" v="726" actId="20577"/>
+        <pc:sldMkLst>
+          <pc:docMk/>
+          <pc:sldMk cId="1293162682" sldId="283"/>
+        </pc:sldMkLst>
+        <pc:spChg chg="mod">
+          <ac:chgData name="Lucas Gardini Dias" userId="7283582234da282d" providerId="LiveId" clId="{C5FB0DF0-D3DF-4F89-8B3C-39729411D934}" dt="2023-10-17T22:47:33.263" v="726" actId="20577"/>
+          <ac:spMkLst>
+            <pc:docMk/>
+            <pc:sldMk cId="1293162682" sldId="283"/>
+            <ac:spMk id="2" creationId="{3F89F942-F2B5-EBBE-126B-E2759FD22242}"/>
+          </ac:spMkLst>
+        </pc:spChg>
+      </pc:sldChg>
+      <pc:sldChg chg="modSp add mod">
+        <pc:chgData name="Lucas Gardini Dias" userId="7283582234da282d" providerId="LiveId" clId="{C5FB0DF0-D3DF-4F89-8B3C-39729411D934}" dt="2023-10-17T22:47:46.888" v="731"/>
+        <pc:sldMkLst>
+          <pc:docMk/>
+          <pc:sldMk cId="3929898778" sldId="284"/>
+        </pc:sldMkLst>
+        <pc:spChg chg="mod">
+          <ac:chgData name="Lucas Gardini Dias" userId="7283582234da282d" providerId="LiveId" clId="{C5FB0DF0-D3DF-4F89-8B3C-39729411D934}" dt="2023-10-17T22:47:46.888" v="731"/>
+          <ac:spMkLst>
+            <pc:docMk/>
+            <pc:sldMk cId="3929898778" sldId="284"/>
+            <ac:spMk id="2" creationId="{F0EA80E2-15DD-ABEB-539C-D3721B78C834}"/>
+          </ac:spMkLst>
+        </pc:spChg>
+      </pc:sldChg>
+      <pc:sldChg chg="modSp add mod">
+        <pc:chgData name="Lucas Gardini Dias" userId="7283582234da282d" providerId="LiveId" clId="{C5FB0DF0-D3DF-4F89-8B3C-39729411D934}" dt="2023-10-17T22:47:59.055" v="736" actId="20577"/>
+        <pc:sldMkLst>
+          <pc:docMk/>
+          <pc:sldMk cId="139497607" sldId="285"/>
+        </pc:sldMkLst>
+        <pc:spChg chg="mod">
+          <ac:chgData name="Lucas Gardini Dias" userId="7283582234da282d" providerId="LiveId" clId="{C5FB0DF0-D3DF-4F89-8B3C-39729411D934}" dt="2023-10-17T22:47:59.055" v="736" actId="20577"/>
+          <ac:spMkLst>
+            <pc:docMk/>
+            <pc:sldMk cId="139497607" sldId="285"/>
+            <ac:spMk id="2" creationId="{F0EA80E2-15DD-ABEB-539C-D3721B78C834}"/>
+          </ac:spMkLst>
+        </pc:spChg>
+      </pc:sldChg>
+      <pc:sldChg chg="modSp add mod">
+        <pc:chgData name="Lucas Gardini Dias" userId="7283582234da282d" providerId="LiveId" clId="{C5FB0DF0-D3DF-4F89-8B3C-39729411D934}" dt="2023-10-17T22:48:05.964" v="749" actId="20577"/>
+        <pc:sldMkLst>
+          <pc:docMk/>
+          <pc:sldMk cId="207230729" sldId="286"/>
+        </pc:sldMkLst>
+        <pc:spChg chg="mod">
+          <ac:chgData name="Lucas Gardini Dias" userId="7283582234da282d" providerId="LiveId" clId="{C5FB0DF0-D3DF-4F89-8B3C-39729411D934}" dt="2023-10-17T22:48:05.964" v="749" actId="20577"/>
+          <ac:spMkLst>
+            <pc:docMk/>
+            <pc:sldMk cId="207230729" sldId="286"/>
+            <ac:spMk id="2" creationId="{3F89F942-F2B5-EBBE-126B-E2759FD22242}"/>
+          </ac:spMkLst>
+        </pc:spChg>
+      </pc:sldChg>
+      <pc:sldChg chg="modSp add mod">
+        <pc:chgData name="Lucas Gardini Dias" userId="7283582234da282d" providerId="LiveId" clId="{C5FB0DF0-D3DF-4F89-8B3C-39729411D934}" dt="2023-10-17T22:48:17.789" v="769"/>
+        <pc:sldMkLst>
+          <pc:docMk/>
+          <pc:sldMk cId="1653300419" sldId="287"/>
+        </pc:sldMkLst>
+        <pc:spChg chg="mod">
+          <ac:chgData name="Lucas Gardini Dias" userId="7283582234da282d" providerId="LiveId" clId="{C5FB0DF0-D3DF-4F89-8B3C-39729411D934}" dt="2023-10-17T22:48:17.789" v="769"/>
+          <ac:spMkLst>
+            <pc:docMk/>
+            <pc:sldMk cId="1653300419" sldId="287"/>
+            <ac:spMk id="2" creationId="{F0EA80E2-15DD-ABEB-539C-D3721B78C834}"/>
+          </ac:spMkLst>
+        </pc:spChg>
+      </pc:sldChg>
+      <pc:sldChg chg="modSp add mod">
+        <pc:chgData name="Lucas Gardini Dias" userId="7283582234da282d" providerId="LiveId" clId="{C5FB0DF0-D3DF-4F89-8B3C-39729411D934}" dt="2023-10-17T22:48:23.590" v="773"/>
+        <pc:sldMkLst>
+          <pc:docMk/>
+          <pc:sldMk cId="1219132857" sldId="288"/>
+        </pc:sldMkLst>
+        <pc:spChg chg="mod">
+          <ac:chgData name="Lucas Gardini Dias" userId="7283582234da282d" providerId="LiveId" clId="{C5FB0DF0-D3DF-4F89-8B3C-39729411D934}" dt="2023-10-17T22:48:23.590" v="773"/>
+          <ac:spMkLst>
+            <pc:docMk/>
+            <pc:sldMk cId="1219132857" sldId="288"/>
+            <ac:spMk id="2" creationId="{F0EA80E2-15DD-ABEB-539C-D3721B78C834}"/>
+          </ac:spMkLst>
+        </pc:spChg>
+      </pc:sldChg>
+      <pc:sldChg chg="modSp add mod">
+        <pc:chgData name="Lucas Gardini Dias" userId="7283582234da282d" providerId="LiveId" clId="{C5FB0DF0-D3DF-4F89-8B3C-39729411D934}" dt="2023-10-17T22:48:30.690" v="788" actId="20577"/>
+        <pc:sldMkLst>
+          <pc:docMk/>
+          <pc:sldMk cId="2287842619" sldId="289"/>
+        </pc:sldMkLst>
+        <pc:spChg chg="mod">
+          <ac:chgData name="Lucas Gardini Dias" userId="7283582234da282d" providerId="LiveId" clId="{C5FB0DF0-D3DF-4F89-8B3C-39729411D934}" dt="2023-10-17T22:48:30.690" v="788" actId="20577"/>
+          <ac:spMkLst>
+            <pc:docMk/>
+            <pc:sldMk cId="2287842619" sldId="289"/>
+            <ac:spMk id="2" creationId="{3F89F942-F2B5-EBBE-126B-E2759FD22242}"/>
+          </ac:spMkLst>
+        </pc:spChg>
+      </pc:sldChg>
+      <pc:sldChg chg="addSp delSp modSp add mod">
+        <pc:chgData name="Lucas Gardini Dias" userId="7283582234da282d" providerId="LiveId" clId="{C5FB0DF0-D3DF-4F89-8B3C-39729411D934}" dt="2023-10-18T01:09:31.130" v="1021" actId="2085"/>
+        <pc:sldMkLst>
+          <pc:docMk/>
+          <pc:sldMk cId="2592231935" sldId="290"/>
+        </pc:sldMkLst>
+        <pc:spChg chg="del">
+          <ac:chgData name="Lucas Gardini Dias" userId="7283582234da282d" providerId="LiveId" clId="{C5FB0DF0-D3DF-4F89-8B3C-39729411D934}" dt="2023-10-18T00:59:10.375" v="911" actId="478"/>
+          <ac:spMkLst>
+            <pc:docMk/>
+            <pc:sldMk cId="2592231935" sldId="290"/>
+            <ac:spMk id="2" creationId="{3F89F942-F2B5-EBBE-126B-E2759FD22242}"/>
+          </ac:spMkLst>
+        </pc:spChg>
+        <pc:spChg chg="del mod">
+          <ac:chgData name="Lucas Gardini Dias" userId="7283582234da282d" providerId="LiveId" clId="{C5FB0DF0-D3DF-4F89-8B3C-39729411D934}" dt="2023-10-18T00:59:11.951" v="913" actId="478"/>
+          <ac:spMkLst>
+            <pc:docMk/>
+            <pc:sldMk cId="2592231935" sldId="290"/>
+            <ac:spMk id="3" creationId="{7D2CBBC6-4AD6-D846-9B06-7B38A55E8DC5}"/>
+          </ac:spMkLst>
+        </pc:spChg>
+        <pc:spChg chg="add del mod">
+          <ac:chgData name="Lucas Gardini Dias" userId="7283582234da282d" providerId="LiveId" clId="{C5FB0DF0-D3DF-4F89-8B3C-39729411D934}" dt="2023-10-18T01:06:54.836" v="999" actId="478"/>
+          <ac:spMkLst>
+            <pc:docMk/>
+            <pc:sldMk cId="2592231935" sldId="290"/>
+            <ac:spMk id="13" creationId="{7C1BEBE1-4E63-0AF7-6D14-57EB43A2797F}"/>
+          </ac:spMkLst>
+        </pc:spChg>
+        <pc:spChg chg="del">
+          <ac:chgData name="Lucas Gardini Dias" userId="7283582234da282d" providerId="LiveId" clId="{C5FB0DF0-D3DF-4F89-8B3C-39729411D934}" dt="2023-10-18T01:01:29.625" v="944" actId="478"/>
+          <ac:spMkLst>
+            <pc:docMk/>
+            <pc:sldMk cId="2592231935" sldId="290"/>
+            <ac:spMk id="15" creationId="{FF285D15-CA04-0574-4AAD-47ADEE6CFB3B}"/>
+          </ac:spMkLst>
+        </pc:spChg>
+        <pc:spChg chg="add mod">
+          <ac:chgData name="Lucas Gardini Dias" userId="7283582234da282d" providerId="LiveId" clId="{C5FB0DF0-D3DF-4F89-8B3C-39729411D934}" dt="2023-10-18T01:09:31.130" v="1021" actId="2085"/>
+          <ac:spMkLst>
+            <pc:docMk/>
+            <pc:sldMk cId="2592231935" sldId="290"/>
+            <ac:spMk id="16" creationId="{24279469-2DDA-E628-E364-C8BECD32A244}"/>
+          </ac:spMkLst>
+        </pc:spChg>
+        <pc:spChg chg="add del mod">
+          <ac:chgData name="Lucas Gardini Dias" userId="7283582234da282d" providerId="LiveId" clId="{C5FB0DF0-D3DF-4F89-8B3C-39729411D934}" dt="2023-10-18T01:01:31.777" v="946" actId="478"/>
+          <ac:spMkLst>
+            <pc:docMk/>
+            <pc:sldMk cId="2592231935" sldId="290"/>
+            <ac:spMk id="17" creationId="{92842EFE-420E-B3FF-055D-45AE8CD8FE07}"/>
+          </ac:spMkLst>
+        </pc:spChg>
+        <pc:spChg chg="add mod">
+          <ac:chgData name="Lucas Gardini Dias" userId="7283582234da282d" providerId="LiveId" clId="{C5FB0DF0-D3DF-4F89-8B3C-39729411D934}" dt="2023-10-18T01:05:23.805" v="990" actId="1076"/>
+          <ac:spMkLst>
+            <pc:docMk/>
+            <pc:sldMk cId="2592231935" sldId="290"/>
+            <ac:spMk id="19" creationId="{5F41F4FE-D4CC-2F2F-F295-5F6F42E88C02}"/>
+          </ac:spMkLst>
+        </pc:spChg>
+        <pc:grpChg chg="add del mod">
+          <ac:chgData name="Lucas Gardini Dias" userId="7283582234da282d" providerId="LiveId" clId="{C5FB0DF0-D3DF-4F89-8B3C-39729411D934}" dt="2023-10-18T01:00:25.656" v="926" actId="478"/>
+          <ac:grpSpMkLst>
+            <pc:docMk/>
+            <pc:sldMk cId="2592231935" sldId="290"/>
+            <ac:grpSpMk id="7" creationId="{BFF3A1CB-4751-273B-4838-2472BA6FD84B}"/>
+          </ac:grpSpMkLst>
+        </pc:grpChg>
+        <pc:grpChg chg="del">
+          <ac:chgData name="Lucas Gardini Dias" userId="7283582234da282d" providerId="LiveId" clId="{C5FB0DF0-D3DF-4F89-8B3C-39729411D934}" dt="2023-10-18T01:01:28.239" v="943" actId="478"/>
+          <ac:grpSpMkLst>
+            <pc:docMk/>
+            <pc:sldMk cId="2592231935" sldId="290"/>
+            <ac:grpSpMk id="14" creationId="{3A131335-0210-9973-B748-9747392A7A99}"/>
+          </ac:grpSpMkLst>
+        </pc:grpChg>
+        <pc:picChg chg="add mod">
+          <ac:chgData name="Lucas Gardini Dias" userId="7283582234da282d" providerId="LiveId" clId="{C5FB0DF0-D3DF-4F89-8B3C-39729411D934}" dt="2023-10-18T01:01:53.241" v="952" actId="12789"/>
+          <ac:picMkLst>
+            <pc:docMk/>
+            <pc:sldMk cId="2592231935" sldId="290"/>
+            <ac:picMk id="5" creationId="{1C79E405-CB11-2D90-B746-2187C3983492}"/>
+          </ac:picMkLst>
+        </pc:picChg>
+        <pc:picChg chg="del">
+          <ac:chgData name="Lucas Gardini Dias" userId="7283582234da282d" providerId="LiveId" clId="{C5FB0DF0-D3DF-4F89-8B3C-39729411D934}" dt="2023-10-18T01:01:30.472" v="945" actId="478"/>
+          <ac:picMkLst>
+            <pc:docMk/>
+            <pc:sldMk cId="2592231935" sldId="290"/>
+            <ac:picMk id="6" creationId="{13FF39D7-7CC4-BD5B-E930-5FCEBF07B2C3}"/>
+          </ac:picMkLst>
+        </pc:picChg>
+        <pc:picChg chg="mod">
+          <ac:chgData name="Lucas Gardini Dias" userId="7283582234da282d" providerId="LiveId" clId="{C5FB0DF0-D3DF-4F89-8B3C-39729411D934}" dt="2023-10-18T01:00:14.300" v="924"/>
+          <ac:picMkLst>
+            <pc:docMk/>
+            <pc:sldMk cId="2592231935" sldId="290"/>
+            <ac:picMk id="8" creationId="{BDEF4E05-01D2-6865-6F6D-64D65EF92767}"/>
+          </ac:picMkLst>
+        </pc:picChg>
+        <pc:picChg chg="mod">
+          <ac:chgData name="Lucas Gardini Dias" userId="7283582234da282d" providerId="LiveId" clId="{C5FB0DF0-D3DF-4F89-8B3C-39729411D934}" dt="2023-10-18T01:00:14.300" v="924"/>
+          <ac:picMkLst>
+            <pc:docMk/>
+            <pc:sldMk cId="2592231935" sldId="290"/>
+            <ac:picMk id="10" creationId="{49CA4001-8ACA-EC98-68EC-1F8EF7B80DEE}"/>
+          </ac:picMkLst>
+        </pc:picChg>
+        <pc:picChg chg="add mod">
+          <ac:chgData name="Lucas Gardini Dias" userId="7283582234da282d" providerId="LiveId" clId="{C5FB0DF0-D3DF-4F89-8B3C-39729411D934}" dt="2023-10-18T01:02:12.947" v="975" actId="1035"/>
+          <ac:picMkLst>
+            <pc:docMk/>
+            <pc:sldMk cId="2592231935" sldId="290"/>
+            <ac:picMk id="18" creationId="{2051EE9C-0EA3-2B62-4E7C-E78F269B2676}"/>
+          </ac:picMkLst>
+        </pc:picChg>
+        <pc:cxnChg chg="mod">
+          <ac:chgData name="Lucas Gardini Dias" userId="7283582234da282d" providerId="LiveId" clId="{C5FB0DF0-D3DF-4F89-8B3C-39729411D934}" dt="2023-10-18T01:00:14.300" v="924"/>
+          <ac:cxnSpMkLst>
+            <pc:docMk/>
+            <pc:sldMk cId="2592231935" sldId="290"/>
+            <ac:cxnSpMk id="12" creationId="{D49F1033-1EE0-CA23-2855-6AD6E86EEE7A}"/>
+          </ac:cxnSpMkLst>
+        </pc:cxnChg>
+      </pc:sldChg>
+      <pc:sldChg chg="addSp delSp modSp add del mod ord">
+        <pc:chgData name="Lucas Gardini Dias" userId="7283582234da282d" providerId="LiveId" clId="{C5FB0DF0-D3DF-4F89-8B3C-39729411D934}" dt="2023-10-18T00:58:17.119" v="909" actId="47"/>
+        <pc:sldMkLst>
+          <pc:docMk/>
+          <pc:sldMk cId="2981077830" sldId="290"/>
+        </pc:sldMkLst>
+        <pc:spChg chg="del">
+          <ac:chgData name="Lucas Gardini Dias" userId="7283582234da282d" providerId="LiveId" clId="{C5FB0DF0-D3DF-4F89-8B3C-39729411D934}" dt="2023-10-18T00:55:03.149" v="854" actId="478"/>
+          <ac:spMkLst>
+            <pc:docMk/>
+            <pc:sldMk cId="2981077830" sldId="290"/>
+            <ac:spMk id="2" creationId="{3F89F942-F2B5-EBBE-126B-E2759FD22242}"/>
+          </ac:spMkLst>
+        </pc:spChg>
+        <pc:spChg chg="del mod">
+          <ac:chgData name="Lucas Gardini Dias" userId="7283582234da282d" providerId="LiveId" clId="{C5FB0DF0-D3DF-4F89-8B3C-39729411D934}" dt="2023-10-18T00:55:04.862" v="856" actId="478"/>
+          <ac:spMkLst>
+            <pc:docMk/>
+            <pc:sldMk cId="2981077830" sldId="290"/>
+            <ac:spMk id="3" creationId="{7D2CBBC6-4AD6-D846-9B06-7B38A55E8DC5}"/>
+          </ac:spMkLst>
+        </pc:spChg>
+        <pc:spChg chg="add del mod">
+          <ac:chgData name="Lucas Gardini Dias" userId="7283582234da282d" providerId="LiveId" clId="{C5FB0DF0-D3DF-4F89-8B3C-39729411D934}" dt="2023-10-18T00:58:15.080" v="903"/>
+          <ac:spMkLst>
+            <pc:docMk/>
+            <pc:sldMk cId="2981077830" sldId="290"/>
+            <ac:spMk id="7" creationId="{A36739ED-4AE9-31BF-B44E-22AA8772DA85}"/>
+          </ac:spMkLst>
+        </pc:spChg>
+        <pc:spChg chg="add del mod">
+          <ac:chgData name="Lucas Gardini Dias" userId="7283582234da282d" providerId="LiveId" clId="{C5FB0DF0-D3DF-4F89-8B3C-39729411D934}" dt="2023-10-18T00:58:15.829" v="908" actId="767"/>
+          <ac:spMkLst>
+            <pc:docMk/>
+            <pc:sldMk cId="2981077830" sldId="290"/>
+            <ac:spMk id="8" creationId="{2DD6E29D-942C-DFF0-F7B6-5D25C1656984}"/>
+          </ac:spMkLst>
+        </pc:spChg>
+        <pc:spChg chg="mod">
+          <ac:chgData name="Lucas Gardini Dias" userId="7283582234da282d" providerId="LiveId" clId="{C5FB0DF0-D3DF-4F89-8B3C-39729411D934}" dt="2023-10-18T00:58:15.080" v="903"/>
+          <ac:spMkLst>
+            <pc:docMk/>
+            <pc:sldMk cId="2981077830" sldId="290"/>
+            <ac:spMk id="10" creationId="{DBBE65F0-718A-7DB8-7D86-4F9E2056E113}"/>
+          </ac:spMkLst>
+        </pc:spChg>
+        <pc:spChg chg="del">
+          <ac:chgData name="Lucas Gardini Dias" userId="7283582234da282d" providerId="LiveId" clId="{C5FB0DF0-D3DF-4F89-8B3C-39729411D934}" dt="2023-10-18T00:55:06.415" v="857" actId="478"/>
+          <ac:spMkLst>
+            <pc:docMk/>
+            <pc:sldMk cId="2981077830" sldId="290"/>
+            <ac:spMk id="15" creationId="{FF285D15-CA04-0574-4AAD-47ADEE6CFB3B}"/>
+          </ac:spMkLst>
+        </pc:spChg>
+        <pc:grpChg chg="del">
+          <ac:chgData name="Lucas Gardini Dias" userId="7283582234da282d" providerId="LiveId" clId="{C5FB0DF0-D3DF-4F89-8B3C-39729411D934}" dt="2023-10-18T00:55:08.746" v="858" actId="478"/>
+          <ac:grpSpMkLst>
+            <pc:docMk/>
+            <pc:sldMk cId="2981077830" sldId="290"/>
+            <ac:grpSpMk id="14" creationId="{3A131335-0210-9973-B748-9747392A7A99}"/>
+          </ac:grpSpMkLst>
+        </pc:grpChg>
+        <pc:picChg chg="add mod">
+          <ac:chgData name="Lucas Gardini Dias" userId="7283582234da282d" providerId="LiveId" clId="{C5FB0DF0-D3DF-4F89-8B3C-39729411D934}" dt="2023-10-18T00:58:08.346" v="898" actId="14100"/>
+          <ac:picMkLst>
+            <pc:docMk/>
+            <pc:sldMk cId="2981077830" sldId="290"/>
+            <ac:picMk id="5" creationId="{37CD8BB0-CD79-223F-746A-8371860D38B2}"/>
+          </ac:picMkLst>
+        </pc:picChg>
+        <pc:picChg chg="del">
+          <ac:chgData name="Lucas Gardini Dias" userId="7283582234da282d" providerId="LiveId" clId="{C5FB0DF0-D3DF-4F89-8B3C-39729411D934}" dt="2023-10-18T00:55:09.598" v="859" actId="478"/>
+          <ac:picMkLst>
+            <pc:docMk/>
+            <pc:sldMk cId="2981077830" sldId="290"/>
+            <ac:picMk id="6" creationId="{13FF39D7-7CC4-BD5B-E930-5FCEBF07B2C3}"/>
+          </ac:picMkLst>
+        </pc:picChg>
+      </pc:sldChg>
+      <pc:sldMasterChg chg="modSldLayout">
+        <pc:chgData name="Lucas Gardini Dias" userId="7283582234da282d" providerId="LiveId" clId="{C5FB0DF0-D3DF-4F89-8B3C-39729411D934}" dt="2023-10-18T01:07:59.887" v="1007" actId="478"/>
+        <pc:sldMasterMkLst>
+          <pc:docMk/>
+          <pc:sldMasterMk cId="742390347" sldId="2147483750"/>
+        </pc:sldMasterMkLst>
+        <pc:sldLayoutChg chg="delSp modSp mod">
+          <pc:chgData name="Lucas Gardini Dias" userId="7283582234da282d" providerId="LiveId" clId="{C5FB0DF0-D3DF-4F89-8B3C-39729411D934}" dt="2023-10-18T01:07:59.887" v="1007" actId="478"/>
+          <pc:sldLayoutMkLst>
+            <pc:docMk/>
+            <pc:sldMasterMk cId="742390347" sldId="2147483750"/>
+            <pc:sldLayoutMk cId="4081334095" sldId="2147483752"/>
+          </pc:sldLayoutMkLst>
+          <pc:spChg chg="del">
+            <ac:chgData name="Lucas Gardini Dias" userId="7283582234da282d" providerId="LiveId" clId="{C5FB0DF0-D3DF-4F89-8B3C-39729411D934}" dt="2023-10-18T01:07:59.887" v="1007" actId="478"/>
+            <ac:spMkLst>
+              <pc:docMk/>
+              <pc:sldMasterMk cId="742390347" sldId="2147483750"/>
+              <pc:sldLayoutMk cId="4081334095" sldId="2147483752"/>
+              <ac:spMk id="4" creationId="{00000000-0000-0000-0000-000000000000}"/>
+            </ac:spMkLst>
+          </pc:spChg>
+          <pc:spChg chg="mod">
+            <ac:chgData name="Lucas Gardini Dias" userId="7283582234da282d" providerId="LiveId" clId="{C5FB0DF0-D3DF-4F89-8B3C-39729411D934}" dt="2023-10-18T01:07:39.675" v="1003" actId="1076"/>
+            <ac:spMkLst>
+              <pc:docMk/>
+              <pc:sldMasterMk cId="742390347" sldId="2147483750"/>
+              <pc:sldLayoutMk cId="4081334095" sldId="2147483752"/>
+              <ac:spMk id="5" creationId="{00000000-0000-0000-0000-000000000000}"/>
+            </ac:spMkLst>
+          </pc:spChg>
+          <pc:spChg chg="mod">
+            <ac:chgData name="Lucas Gardini Dias" userId="7283582234da282d" providerId="LiveId" clId="{C5FB0DF0-D3DF-4F89-8B3C-39729411D934}" dt="2023-10-18T01:07:57.150" v="1006" actId="207"/>
+            <ac:spMkLst>
+              <pc:docMk/>
+              <pc:sldMasterMk cId="742390347" sldId="2147483750"/>
+              <pc:sldLayoutMk cId="4081334095" sldId="2147483752"/>
+              <ac:spMk id="6" creationId="{00000000-0000-0000-0000-000000000000}"/>
+            </ac:spMkLst>
+          </pc:spChg>
+        </pc:sldLayoutChg>
+      </pc:sldMasterChg>
     </pc:docChg>
   </pc:docChgLst>
 </pc:chgInfo>
@@ -305,7 +1089,7 @@
           <a:p>
             <a:fld id="{0C8A9A0C-00FA-4BF3-AC9F-19908C7D8E26}" type="datetimeFigureOut">
               <a:rPr lang="pt-BR" smtClean="0"/>
-              <a:t>05/10/2023</a:t>
+              <a:t>17/10/2023</a:t>
             </a:fld>
             <a:endParaRPr lang="pt-BR"/>
           </a:p>
@@ -859,7 +1643,7 @@
           <a:p>
             <a:fld id="{431BA0D7-CA96-4820-B64B-3845A47FB4A0}" type="datetime1">
               <a:rPr lang="pt-BR" smtClean="0"/>
-              <a:t>05/10/2023</a:t>
+              <a:t>17/10/2023</a:t>
             </a:fld>
             <a:endParaRPr lang="pt-BR"/>
           </a:p>
@@ -1180,7 +1964,7 @@
           <a:p>
             <a:fld id="{1829F8DC-F0AC-47EB-BDBA-B899F0F8B0F8}" type="datetime1">
               <a:rPr lang="pt-BR" smtClean="0"/>
-              <a:t>05/10/2023</a:t>
+              <a:t>17/10/2023</a:t>
             </a:fld>
             <a:endParaRPr lang="pt-BR"/>
           </a:p>
@@ -1671,7 +2455,7 @@
           <a:p>
             <a:fld id="{8A4EA558-54D7-4D04-97BA-342D151498FB}" type="datetime1">
               <a:rPr lang="pt-BR" smtClean="0"/>
-              <a:t>05/10/2023</a:t>
+              <a:t>17/10/2023</a:t>
             </a:fld>
             <a:endParaRPr lang="pt-BR"/>
           </a:p>
@@ -2043,7 +2827,7 @@
           <a:p>
             <a:fld id="{DE113D17-EF86-4811-80AC-571E06388C4C}" type="datetime1">
               <a:rPr lang="pt-BR" smtClean="0"/>
-              <a:t>05/10/2023</a:t>
+              <a:t>17/10/2023</a:t>
             </a:fld>
             <a:endParaRPr lang="pt-BR"/>
           </a:p>
@@ -2319,7 +3103,7 @@
           <a:p>
             <a:fld id="{F4A8DB41-BF4B-4970-B195-022067651DF7}" type="datetime1">
               <a:rPr lang="pt-BR" smtClean="0"/>
-              <a:t>05/10/2023</a:t>
+              <a:t>17/10/2023</a:t>
             </a:fld>
             <a:endParaRPr lang="pt-BR"/>
           </a:p>
@@ -2607,7 +3391,7 @@
           <a:p>
             <a:fld id="{734BD3E7-072D-4956-84FE-EDE7823F6685}" type="datetime1">
               <a:rPr lang="pt-BR" smtClean="0"/>
-              <a:t>05/10/2023</a:t>
+              <a:t>17/10/2023</a:t>
             </a:fld>
             <a:endParaRPr lang="pt-BR"/>
           </a:p>
@@ -2878,29 +3662,6 @@
       </p:sp>
       <p:sp>
         <p:nvSpPr>
-          <p:cNvPr id="4" name="Date Placeholder 3"/>
-          <p:cNvSpPr>
-            <a:spLocks noGrp="1"/>
-          </p:cNvSpPr>
-          <p:nvPr>
-            <p:ph type="dt" sz="half" idx="10"/>
-          </p:nvPr>
-        </p:nvSpPr>
-        <p:spPr/>
-        <p:txBody>
-          <a:bodyPr/>
-          <a:lstStyle/>
-          <a:p>
-            <a:fld id="{3BB9D663-D278-4D6B-9B95-006A99AA8747}" type="datetime1">
-              <a:rPr lang="pt-BR" smtClean="0"/>
-              <a:t>05/10/2023</a:t>
-            </a:fld>
-            <a:endParaRPr lang="pt-BR"/>
-          </a:p>
-        </p:txBody>
-      </p:sp>
-      <p:sp>
-        <p:nvSpPr>
           <p:cNvPr id="5" name="Footer Placeholder 4"/>
           <p:cNvSpPr>
             <a:spLocks noGrp="1"/>
@@ -2909,13 +3670,24 @@
             <p:ph type="ftr" sz="quarter" idx="11"/>
           </p:nvPr>
         </p:nvSpPr>
-        <p:spPr/>
-        <p:txBody>
-          <a:bodyPr/>
-          <a:lstStyle/>
-          <a:p>
-            <a:r>
-              <a:rPr lang="pt-BR"/>
+        <p:spPr>
+          <a:xfrm>
+            <a:off x="0" y="6492875"/>
+            <a:ext cx="8644320" cy="365125"/>
+          </a:xfrm>
+        </p:spPr>
+        <p:txBody>
+          <a:bodyPr/>
+          <a:lstStyle>
+            <a:lvl1pPr>
+              <a:defRPr sz="1600">
+                <a:latin typeface="Söhne"/>
+              </a:defRPr>
+            </a:lvl1pPr>
+          </a:lstStyle>
+          <a:p>
+            <a:r>
+              <a:rPr lang="pt-BR" dirty="0"/>
               <a:t>https://lucas.gardini.dev</a:t>
             </a:r>
           </a:p>
@@ -2931,16 +3703,34 @@
             <p:ph type="sldNum" sz="quarter" idx="12"/>
           </p:nvPr>
         </p:nvSpPr>
-        <p:spPr/>
-        <p:txBody>
-          <a:bodyPr/>
-          <a:lstStyle/>
+        <p:spPr>
+          <a:xfrm>
+            <a:off x="11129845" y="6345476"/>
+            <a:ext cx="1062155" cy="490599"/>
+          </a:xfrm>
+        </p:spPr>
+        <p:txBody>
+          <a:bodyPr/>
+          <a:lstStyle>
+            <a:lvl1pPr>
+              <a:defRPr>
+                <a:solidFill>
+                  <a:schemeClr val="accent1">
+                    <a:lumMod val="20000"/>
+                    <a:lumOff val="80000"/>
+                  </a:schemeClr>
+                </a:solidFill>
+                <a:latin typeface="Söhne"/>
+              </a:defRPr>
+            </a:lvl1pPr>
+          </a:lstStyle>
           <a:p>
             <a:fld id="{25237327-9CA3-4762-8749-00D99BA09B6B}" type="slidenum">
               <a:rPr lang="pt-BR" smtClean="0"/>
+              <a:pPr/>
               <a:t>‹nº›</a:t>
             </a:fld>
-            <a:endParaRPr lang="pt-BR"/>
+            <a:endParaRPr lang="pt-BR" dirty="0"/>
           </a:p>
         </p:txBody>
       </p:sp>
@@ -3239,7 +4029,7 @@
           <a:p>
             <a:fld id="{44E9F07E-F28B-4E7D-A62D-2BC9E9C5F04E}" type="datetime1">
               <a:rPr lang="pt-BR" smtClean="0"/>
-              <a:t>05/10/2023</a:t>
+              <a:t>17/10/2023</a:t>
             </a:fld>
             <a:endParaRPr lang="pt-BR"/>
           </a:p>
@@ -3581,7 +4371,7 @@
           <a:p>
             <a:fld id="{FD3F21C2-8432-4C20-8B86-FD14E630173C}" type="datetime1">
               <a:rPr lang="pt-BR" smtClean="0"/>
-              <a:t>05/10/2023</a:t>
+              <a:t>17/10/2023</a:t>
             </a:fld>
             <a:endParaRPr lang="pt-BR"/>
           </a:p>
@@ -4061,7 +4851,7 @@
           <a:p>
             <a:fld id="{68A24593-BABD-43D7-B8EC-497A1DDE1FD5}" type="datetime1">
               <a:rPr lang="pt-BR" smtClean="0"/>
-              <a:t>05/10/2023</a:t>
+              <a:t>17/10/2023</a:t>
             </a:fld>
             <a:endParaRPr lang="pt-BR"/>
           </a:p>
@@ -4285,7 +5075,7 @@
           <a:p>
             <a:fld id="{44668D43-62C2-4402-A1FE-66038E58C36E}" type="datetime1">
               <a:rPr lang="pt-BR" smtClean="0"/>
-              <a:t>05/10/2023</a:t>
+              <a:t>17/10/2023</a:t>
             </a:fld>
             <a:endParaRPr lang="pt-BR"/>
           </a:p>
@@ -4383,7 +5173,7 @@
           <a:p>
             <a:fld id="{042BED42-EA96-4C47-BB10-0F85AD4F0459}" type="datetime1">
               <a:rPr lang="pt-BR" smtClean="0"/>
-              <a:t>05/10/2023</a:t>
+              <a:t>17/10/2023</a:t>
             </a:fld>
             <a:endParaRPr lang="pt-BR"/>
           </a:p>
@@ -4853,7 +5643,7 @@
           <a:p>
             <a:fld id="{473F5131-55F3-4CA4-BDF1-8C0F4615C960}" type="datetime1">
               <a:rPr lang="pt-BR" smtClean="0"/>
-              <a:t>05/10/2023</a:t>
+              <a:t>17/10/2023</a:t>
             </a:fld>
             <a:endParaRPr lang="pt-BR"/>
           </a:p>
@@ -5169,7 +5959,7 @@
           <a:p>
             <a:fld id="{B5F40021-82CE-4933-913E-80957B27562C}" type="datetime1">
               <a:rPr lang="pt-BR" smtClean="0"/>
-              <a:t>05/10/2023</a:t>
+              <a:t>17/10/2023</a:t>
             </a:fld>
             <a:endParaRPr lang="pt-BR"/>
           </a:p>
@@ -5445,7 +6235,7 @@
           <a:p>
             <a:fld id="{E14EE607-C1D3-4606-B2A1-8664C8F03FCE}" type="datetime1">
               <a:rPr lang="pt-BR" smtClean="0"/>
-              <a:t>05/10/2023</a:t>
+              <a:t>17/10/2023</a:t>
             </a:fld>
             <a:endParaRPr lang="pt-BR"/>
           </a:p>
@@ -5895,6 +6685,518 @@
           <a:chExt cx="0" cy="0"/>
         </a:xfrm>
       </p:grpSpPr>
+      <p:pic>
+        <p:nvPicPr>
+          <p:cNvPr id="5" name="Imagem 4">
+            <a:extLst>
+              <a:ext uri="{FF2B5EF4-FFF2-40B4-BE49-F238E27FC236}">
+                <a16:creationId xmlns:a16="http://schemas.microsoft.com/office/drawing/2014/main" id="{1C79E405-CB11-2D90-B746-2187C3983492}"/>
+              </a:ext>
+            </a:extLst>
+          </p:cNvPr>
+          <p:cNvPicPr>
+            <a:picLocks noChangeAspect="1"/>
+          </p:cNvPicPr>
+          <p:nvPr/>
+        </p:nvPicPr>
+        <p:blipFill>
+          <a:blip r:embed="rId2"/>
+          <a:stretch>
+            <a:fillRect/>
+          </a:stretch>
+        </p:blipFill>
+        <p:spPr>
+          <a:xfrm>
+            <a:off x="-21746" y="0"/>
+            <a:ext cx="12213746" cy="6858000"/>
+          </a:xfrm>
+          <a:prstGeom prst="rect">
+            <a:avLst/>
+          </a:prstGeom>
+        </p:spPr>
+      </p:pic>
+      <p:sp>
+        <p:nvSpPr>
+          <p:cNvPr id="16" name="CaixaDeTexto 15">
+            <a:extLst>
+              <a:ext uri="{FF2B5EF4-FFF2-40B4-BE49-F238E27FC236}">
+                <a16:creationId xmlns:a16="http://schemas.microsoft.com/office/drawing/2014/main" id="{24279469-2DDA-E628-E364-C8BECD32A244}"/>
+              </a:ext>
+            </a:extLst>
+          </p:cNvPr>
+          <p:cNvSpPr txBox="1"/>
+          <p:nvPr/>
+        </p:nvSpPr>
+        <p:spPr>
+          <a:xfrm>
+            <a:off x="771466" y="2228672"/>
+            <a:ext cx="10649069" cy="2400657"/>
+          </a:xfrm>
+          <a:prstGeom prst="rect">
+            <a:avLst/>
+          </a:prstGeom>
+          <a:noFill/>
+          <a:effectLst>
+            <a:outerShdw blurRad="63500" sx="102000" sy="102000" algn="ctr" rotWithShape="0">
+              <a:prstClr val="black">
+                <a:alpha val="40000"/>
+              </a:prstClr>
+            </a:outerShdw>
+          </a:effectLst>
+        </p:spPr>
+        <p:txBody>
+          <a:bodyPr wrap="none" rtlCol="0">
+            <a:spAutoFit/>
+          </a:bodyPr>
+          <a:lstStyle/>
+          <a:p>
+            <a:pPr algn="ctr"/>
+            <a:r>
+              <a:rPr lang="pt-BR" sz="15000" b="1" dirty="0">
+                <a:effectLst>
+                  <a:outerShdw blurRad="50800" dist="38100" dir="2700000" algn="tl" rotWithShape="0">
+                    <a:prstClr val="black">
+                      <a:alpha val="40000"/>
+                    </a:prstClr>
+                  </a:outerShdw>
+                </a:effectLst>
+              </a:rPr>
+              <a:t>MONGODB</a:t>
+            </a:r>
+          </a:p>
+        </p:txBody>
+      </p:sp>
+      <p:pic>
+        <p:nvPicPr>
+          <p:cNvPr id="18" name="Imagem 17" descr="Logotipo&#10;&#10;Descrição gerada automaticamente">
+            <a:extLst>
+              <a:ext uri="{FF2B5EF4-FFF2-40B4-BE49-F238E27FC236}">
+                <a16:creationId xmlns:a16="http://schemas.microsoft.com/office/drawing/2014/main" id="{2051EE9C-0EA3-2B62-4E7C-E78F269B2676}"/>
+              </a:ext>
+            </a:extLst>
+          </p:cNvPr>
+          <p:cNvPicPr>
+            <a:picLocks noChangeAspect="1"/>
+          </p:cNvPicPr>
+          <p:nvPr/>
+        </p:nvPicPr>
+        <p:blipFill>
+          <a:blip r:embed="rId3">
+            <a:extLst>
+              <a:ext uri="{28A0092B-C50C-407E-A947-70E740481C1C}">
+                <a14:useLocalDpi xmlns:a14="http://schemas.microsoft.com/office/drawing/2010/main" val="0"/>
+              </a:ext>
+            </a:extLst>
+          </a:blip>
+          <a:stretch>
+            <a:fillRect/>
+          </a:stretch>
+        </p:blipFill>
+        <p:spPr>
+          <a:xfrm>
+            <a:off x="10693521" y="5366519"/>
+            <a:ext cx="1727051" cy="1727051"/>
+          </a:xfrm>
+          <a:prstGeom prst="rect">
+            <a:avLst/>
+          </a:prstGeom>
+        </p:spPr>
+      </p:pic>
+      <p:sp>
+        <p:nvSpPr>
+          <p:cNvPr id="19" name="CaixaDeTexto 18">
+            <a:extLst>
+              <a:ext uri="{FF2B5EF4-FFF2-40B4-BE49-F238E27FC236}">
+                <a16:creationId xmlns:a16="http://schemas.microsoft.com/office/drawing/2014/main" id="{5F41F4FE-D4CC-2F2F-F295-5F6F42E88C02}"/>
+              </a:ext>
+            </a:extLst>
+          </p:cNvPr>
+          <p:cNvSpPr txBox="1"/>
+          <p:nvPr/>
+        </p:nvSpPr>
+        <p:spPr>
+          <a:xfrm>
+            <a:off x="879151" y="4347004"/>
+            <a:ext cx="3007555" cy="400110"/>
+          </a:xfrm>
+          <a:prstGeom prst="rect">
+            <a:avLst/>
+          </a:prstGeom>
+          <a:noFill/>
+        </p:spPr>
+        <p:txBody>
+          <a:bodyPr wrap="none" rtlCol="0">
+            <a:spAutoFit/>
+          </a:bodyPr>
+          <a:lstStyle/>
+          <a:p>
+            <a:r>
+              <a:rPr lang="pt-BR" sz="2000" dirty="0"/>
+              <a:t>Por: Lucas Gardini Dias</a:t>
+            </a:r>
+          </a:p>
+        </p:txBody>
+      </p:sp>
+    </p:spTree>
+    <p:extLst>
+      <p:ext uri="{BB962C8B-B14F-4D97-AF65-F5344CB8AC3E}">
+        <p14:creationId xmlns:p14="http://schemas.microsoft.com/office/powerpoint/2010/main" val="2592231935"/>
+      </p:ext>
+    </p:extLst>
+  </p:cSld>
+  <p:clrMapOvr>
+    <a:masterClrMapping/>
+  </p:clrMapOvr>
+</p:sld>
+</file>
+
+<file path=ppt/slides/slide10.xml><?xml version="1.0" encoding="utf-8"?>
+<p:sld xmlns:a="http://schemas.openxmlformats.org/drawingml/2006/main" xmlns:r="http://schemas.openxmlformats.org/officeDocument/2006/relationships" xmlns:p="http://schemas.openxmlformats.org/presentationml/2006/main">
+  <p:cSld>
+    <p:spTree>
+      <p:nvGrpSpPr>
+        <p:cNvPr id="1" name=""/>
+        <p:cNvGrpSpPr/>
+        <p:nvPr/>
+      </p:nvGrpSpPr>
+      <p:grpSpPr>
+        <a:xfrm>
+          <a:off x="0" y="0"/>
+          <a:ext cx="0" cy="0"/>
+          <a:chOff x="0" y="0"/>
+          <a:chExt cx="0" cy="0"/>
+        </a:xfrm>
+      </p:grpSpPr>
+      <p:sp>
+        <p:nvSpPr>
+          <p:cNvPr id="2" name="Título 1">
+            <a:extLst>
+              <a:ext uri="{FF2B5EF4-FFF2-40B4-BE49-F238E27FC236}">
+                <a16:creationId xmlns:a16="http://schemas.microsoft.com/office/drawing/2014/main" id="{F0EA80E2-15DD-ABEB-539C-D3721B78C834}"/>
+              </a:ext>
+            </a:extLst>
+          </p:cNvPr>
+          <p:cNvSpPr>
+            <a:spLocks noGrp="1"/>
+          </p:cNvSpPr>
+          <p:nvPr>
+            <p:ph type="title"/>
+          </p:nvPr>
+        </p:nvSpPr>
+        <p:spPr/>
+        <p:txBody>
+          <a:bodyPr/>
+          <a:lstStyle/>
+          <a:p>
+            <a:r>
+              <a:rPr lang="pt-BR" b="1" i="0" dirty="0">
+                <a:effectLst/>
+                <a:latin typeface="Söhne"/>
+              </a:rPr>
+              <a:t>Instalação e Configuração</a:t>
+            </a:r>
+            <a:br>
+              <a:rPr lang="pt-BR" b="1" i="0" dirty="0">
+                <a:effectLst/>
+                <a:latin typeface="Söhne"/>
+              </a:rPr>
+            </a:br>
+            <a:r>
+              <a:rPr lang="pt-BR" sz="2000" dirty="0">
+                <a:latin typeface="Söhne"/>
+              </a:rPr>
+              <a:t>Como baixar e instalar o </a:t>
+            </a:r>
+            <a:r>
+              <a:rPr lang="pt-BR" sz="2000" dirty="0" err="1">
+                <a:latin typeface="Söhne"/>
+              </a:rPr>
+              <a:t>MongoDB</a:t>
+            </a:r>
+            <a:r>
+              <a:rPr lang="pt-BR" sz="2000" dirty="0">
+                <a:latin typeface="Söhne"/>
+              </a:rPr>
+              <a:t>.</a:t>
+            </a:r>
+            <a:endParaRPr lang="pt-BR" dirty="0"/>
+          </a:p>
+        </p:txBody>
+      </p:sp>
+      <p:sp>
+        <p:nvSpPr>
+          <p:cNvPr id="3" name="Espaço Reservado para Conteúdo 2">
+            <a:extLst>
+              <a:ext uri="{FF2B5EF4-FFF2-40B4-BE49-F238E27FC236}">
+                <a16:creationId xmlns:a16="http://schemas.microsoft.com/office/drawing/2014/main" id="{1812B3A2-0B9F-7A1D-29BE-5783C0E7C666}"/>
+              </a:ext>
+            </a:extLst>
+          </p:cNvPr>
+          <p:cNvSpPr>
+            <a:spLocks noGrp="1"/>
+          </p:cNvSpPr>
+          <p:nvPr>
+            <p:ph idx="1"/>
+          </p:nvPr>
+        </p:nvSpPr>
+        <p:spPr/>
+        <p:txBody>
+          <a:bodyPr/>
+          <a:lstStyle/>
+          <a:p>
+            <a:endParaRPr lang="pt-BR" dirty="0"/>
+          </a:p>
+        </p:txBody>
+      </p:sp>
+      <p:sp>
+        <p:nvSpPr>
+          <p:cNvPr id="4" name="Espaço Reservado para Rodapé 3">
+            <a:extLst>
+              <a:ext uri="{FF2B5EF4-FFF2-40B4-BE49-F238E27FC236}">
+                <a16:creationId xmlns:a16="http://schemas.microsoft.com/office/drawing/2014/main" id="{6739F8A8-C8BA-402C-CBC7-A02F2C81E04B}"/>
+              </a:ext>
+            </a:extLst>
+          </p:cNvPr>
+          <p:cNvSpPr>
+            <a:spLocks noGrp="1"/>
+          </p:cNvSpPr>
+          <p:nvPr>
+            <p:ph type="ftr" sz="quarter" idx="11"/>
+          </p:nvPr>
+        </p:nvSpPr>
+        <p:spPr/>
+        <p:txBody>
+          <a:bodyPr/>
+          <a:lstStyle/>
+          <a:p>
+            <a:r>
+              <a:rPr lang="pt-BR" dirty="0"/>
+              <a:t>https://lucas.gardini.dev</a:t>
+            </a:r>
+          </a:p>
+        </p:txBody>
+      </p:sp>
+      <p:sp>
+        <p:nvSpPr>
+          <p:cNvPr id="5" name="Espaço Reservado para Número de Slide 4">
+            <a:extLst>
+              <a:ext uri="{FF2B5EF4-FFF2-40B4-BE49-F238E27FC236}">
+                <a16:creationId xmlns:a16="http://schemas.microsoft.com/office/drawing/2014/main" id="{DE18193C-5A4B-8531-1D52-CBD20E415CBF}"/>
+              </a:ext>
+            </a:extLst>
+          </p:cNvPr>
+          <p:cNvSpPr>
+            <a:spLocks noGrp="1"/>
+          </p:cNvSpPr>
+          <p:nvPr>
+            <p:ph type="sldNum" sz="quarter" idx="12"/>
+          </p:nvPr>
+        </p:nvSpPr>
+        <p:spPr/>
+        <p:txBody>
+          <a:bodyPr/>
+          <a:lstStyle/>
+          <a:p>
+            <a:fld id="{25237327-9CA3-4762-8749-00D99BA09B6B}" type="slidenum">
+              <a:rPr lang="pt-BR" smtClean="0"/>
+              <a:t>10</a:t>
+            </a:fld>
+            <a:endParaRPr lang="pt-BR"/>
+          </a:p>
+        </p:txBody>
+      </p:sp>
+    </p:spTree>
+    <p:extLst>
+      <p:ext uri="{BB962C8B-B14F-4D97-AF65-F5344CB8AC3E}">
+        <p14:creationId xmlns:p14="http://schemas.microsoft.com/office/powerpoint/2010/main" val="1831902795"/>
+      </p:ext>
+    </p:extLst>
+  </p:cSld>
+  <p:clrMapOvr>
+    <a:masterClrMapping/>
+  </p:clrMapOvr>
+</p:sld>
+</file>
+
+<file path=ppt/slides/slide11.xml><?xml version="1.0" encoding="utf-8"?>
+<p:sld xmlns:a="http://schemas.openxmlformats.org/drawingml/2006/main" xmlns:r="http://schemas.openxmlformats.org/officeDocument/2006/relationships" xmlns:p="http://schemas.openxmlformats.org/presentationml/2006/main">
+  <p:cSld>
+    <p:spTree>
+      <p:nvGrpSpPr>
+        <p:cNvPr id="1" name=""/>
+        <p:cNvGrpSpPr/>
+        <p:nvPr/>
+      </p:nvGrpSpPr>
+      <p:grpSpPr>
+        <a:xfrm>
+          <a:off x="0" y="0"/>
+          <a:ext cx="0" cy="0"/>
+          <a:chOff x="0" y="0"/>
+          <a:chExt cx="0" cy="0"/>
+        </a:xfrm>
+      </p:grpSpPr>
+      <p:sp>
+        <p:nvSpPr>
+          <p:cNvPr id="2" name="Título 1">
+            <a:extLst>
+              <a:ext uri="{FF2B5EF4-FFF2-40B4-BE49-F238E27FC236}">
+                <a16:creationId xmlns:a16="http://schemas.microsoft.com/office/drawing/2014/main" id="{F0EA80E2-15DD-ABEB-539C-D3721B78C834}"/>
+              </a:ext>
+            </a:extLst>
+          </p:cNvPr>
+          <p:cNvSpPr>
+            <a:spLocks noGrp="1"/>
+          </p:cNvSpPr>
+          <p:nvPr>
+            <p:ph type="title"/>
+          </p:nvPr>
+        </p:nvSpPr>
+        <p:spPr/>
+        <p:txBody>
+          <a:bodyPr/>
+          <a:lstStyle/>
+          <a:p>
+            <a:r>
+              <a:rPr lang="pt-BR" b="1" i="0" dirty="0">
+                <a:effectLst/>
+                <a:latin typeface="Söhne"/>
+              </a:rPr>
+              <a:t>Instalação e Configuração</a:t>
+            </a:r>
+            <a:br>
+              <a:rPr lang="pt-BR" b="1" i="0" dirty="0">
+                <a:effectLst/>
+                <a:latin typeface="Söhne"/>
+              </a:rPr>
+            </a:br>
+            <a:r>
+              <a:rPr lang="pt-BR" sz="2000" dirty="0" err="1">
+                <a:latin typeface="Söhne"/>
+              </a:rPr>
+              <a:t>Configuração</a:t>
+            </a:r>
+            <a:r>
+              <a:rPr lang="pt-BR" sz="2000" dirty="0">
+                <a:latin typeface="Söhne"/>
+              </a:rPr>
+              <a:t> inicial.</a:t>
+            </a:r>
+            <a:endParaRPr lang="pt-BR" dirty="0"/>
+          </a:p>
+        </p:txBody>
+      </p:sp>
+      <p:sp>
+        <p:nvSpPr>
+          <p:cNvPr id="3" name="Espaço Reservado para Conteúdo 2">
+            <a:extLst>
+              <a:ext uri="{FF2B5EF4-FFF2-40B4-BE49-F238E27FC236}">
+                <a16:creationId xmlns:a16="http://schemas.microsoft.com/office/drawing/2014/main" id="{1812B3A2-0B9F-7A1D-29BE-5783C0E7C666}"/>
+              </a:ext>
+            </a:extLst>
+          </p:cNvPr>
+          <p:cNvSpPr>
+            <a:spLocks noGrp="1"/>
+          </p:cNvSpPr>
+          <p:nvPr>
+            <p:ph idx="1"/>
+          </p:nvPr>
+        </p:nvSpPr>
+        <p:spPr/>
+        <p:txBody>
+          <a:bodyPr/>
+          <a:lstStyle/>
+          <a:p>
+            <a:endParaRPr lang="pt-BR" dirty="0"/>
+          </a:p>
+        </p:txBody>
+      </p:sp>
+      <p:sp>
+        <p:nvSpPr>
+          <p:cNvPr id="4" name="Espaço Reservado para Rodapé 3">
+            <a:extLst>
+              <a:ext uri="{FF2B5EF4-FFF2-40B4-BE49-F238E27FC236}">
+                <a16:creationId xmlns:a16="http://schemas.microsoft.com/office/drawing/2014/main" id="{6739F8A8-C8BA-402C-CBC7-A02F2C81E04B}"/>
+              </a:ext>
+            </a:extLst>
+          </p:cNvPr>
+          <p:cNvSpPr>
+            <a:spLocks noGrp="1"/>
+          </p:cNvSpPr>
+          <p:nvPr>
+            <p:ph type="ftr" sz="quarter" idx="11"/>
+          </p:nvPr>
+        </p:nvSpPr>
+        <p:spPr/>
+        <p:txBody>
+          <a:bodyPr/>
+          <a:lstStyle/>
+          <a:p>
+            <a:r>
+              <a:rPr lang="pt-BR" dirty="0"/>
+              <a:t>https://lucas.gardini.dev</a:t>
+            </a:r>
+          </a:p>
+        </p:txBody>
+      </p:sp>
+      <p:sp>
+        <p:nvSpPr>
+          <p:cNvPr id="5" name="Espaço Reservado para Número de Slide 4">
+            <a:extLst>
+              <a:ext uri="{FF2B5EF4-FFF2-40B4-BE49-F238E27FC236}">
+                <a16:creationId xmlns:a16="http://schemas.microsoft.com/office/drawing/2014/main" id="{DE18193C-5A4B-8531-1D52-CBD20E415CBF}"/>
+              </a:ext>
+            </a:extLst>
+          </p:cNvPr>
+          <p:cNvSpPr>
+            <a:spLocks noGrp="1"/>
+          </p:cNvSpPr>
+          <p:nvPr>
+            <p:ph type="sldNum" sz="quarter" idx="12"/>
+          </p:nvPr>
+        </p:nvSpPr>
+        <p:spPr/>
+        <p:txBody>
+          <a:bodyPr/>
+          <a:lstStyle/>
+          <a:p>
+            <a:fld id="{25237327-9CA3-4762-8749-00D99BA09B6B}" type="slidenum">
+              <a:rPr lang="pt-BR" smtClean="0"/>
+              <a:t>11</a:t>
+            </a:fld>
+            <a:endParaRPr lang="pt-BR"/>
+          </a:p>
+        </p:txBody>
+      </p:sp>
+    </p:spTree>
+    <p:extLst>
+      <p:ext uri="{BB962C8B-B14F-4D97-AF65-F5344CB8AC3E}">
+        <p14:creationId xmlns:p14="http://schemas.microsoft.com/office/powerpoint/2010/main" val="1552713571"/>
+      </p:ext>
+    </p:extLst>
+  </p:cSld>
+  <p:clrMapOvr>
+    <a:masterClrMapping/>
+  </p:clrMapOvr>
+</p:sld>
+</file>
+
+<file path=ppt/slides/slide12.xml><?xml version="1.0" encoding="utf-8"?>
+<p:sld xmlns:a="http://schemas.openxmlformats.org/drawingml/2006/main" xmlns:r="http://schemas.openxmlformats.org/officeDocument/2006/relationships" xmlns:p="http://schemas.openxmlformats.org/presentationml/2006/main">
+  <p:cSld>
+    <p:spTree>
+      <p:nvGrpSpPr>
+        <p:cNvPr id="1" name=""/>
+        <p:cNvGrpSpPr/>
+        <p:nvPr/>
+      </p:nvGrpSpPr>
+      <p:grpSpPr>
+        <a:xfrm>
+          <a:off x="0" y="0"/>
+          <a:ext cx="0" cy="0"/>
+          <a:chOff x="0" y="0"/>
+          <a:chExt cx="0" cy="0"/>
+        </a:xfrm>
+      </p:grpSpPr>
       <p:sp>
         <p:nvSpPr>
           <p:cNvPr id="4" name="Espaço Reservado para Número de Slide 3">
@@ -5927,7 +7229,7 @@
                   <a:schemeClr val="tx1"/>
                 </a:solidFill>
               </a:rPr>
-              <a:t>1</a:t>
+              <a:t>12</a:t>
             </a:fld>
             <a:endParaRPr lang="pt-BR" b="1" dirty="0">
               <a:solidFill>
@@ -6115,7 +7417,7 @@
           <a:p>
             <a:r>
               <a:rPr lang="pt-BR" sz="1600" dirty="0"/>
-              <a:t>https://lucas.gardini.dev</a:t>
+              <a:t>https://lucasgardini.com</a:t>
             </a:r>
           </a:p>
         </p:txBody>
@@ -6135,7 +7437,7 @@
         <p:spPr>
           <a:xfrm>
             <a:off x="670272" y="1726164"/>
-            <a:ext cx="5344733" cy="1200329"/>
+            <a:ext cx="9733755" cy="1200329"/>
           </a:xfrm>
           <a:prstGeom prst="rect">
             <a:avLst/>
@@ -6158,17 +7460,740 @@
                   </a:outerShdw>
                 </a:effectLst>
               </a:rPr>
-              <a:t>MONGODB</a:t>
-            </a:r>
-          </a:p>
-        </p:txBody>
-      </p:sp>
-      <p:sp>
-        <p:nvSpPr>
-          <p:cNvPr id="3" name="CaixaDeTexto 2">
+              <a:t>OPERAÇÕES BÁSICAS</a:t>
+            </a:r>
+          </a:p>
+        </p:txBody>
+      </p:sp>
+    </p:spTree>
+    <p:extLst>
+      <p:ext uri="{BB962C8B-B14F-4D97-AF65-F5344CB8AC3E}">
+        <p14:creationId xmlns:p14="http://schemas.microsoft.com/office/powerpoint/2010/main" val="1474203679"/>
+      </p:ext>
+    </p:extLst>
+  </p:cSld>
+  <p:clrMapOvr>
+    <a:masterClrMapping/>
+  </p:clrMapOvr>
+</p:sld>
+</file>
+
+<file path=ppt/slides/slide13.xml><?xml version="1.0" encoding="utf-8"?>
+<p:sld xmlns:a="http://schemas.openxmlformats.org/drawingml/2006/main" xmlns:r="http://schemas.openxmlformats.org/officeDocument/2006/relationships" xmlns:p="http://schemas.openxmlformats.org/presentationml/2006/main">
+  <p:cSld>
+    <p:spTree>
+      <p:nvGrpSpPr>
+        <p:cNvPr id="1" name=""/>
+        <p:cNvGrpSpPr/>
+        <p:nvPr/>
+      </p:nvGrpSpPr>
+      <p:grpSpPr>
+        <a:xfrm>
+          <a:off x="0" y="0"/>
+          <a:ext cx="0" cy="0"/>
+          <a:chOff x="0" y="0"/>
+          <a:chExt cx="0" cy="0"/>
+        </a:xfrm>
+      </p:grpSpPr>
+      <p:sp>
+        <p:nvSpPr>
+          <p:cNvPr id="2" name="Título 1">
             <a:extLst>
               <a:ext uri="{FF2B5EF4-FFF2-40B4-BE49-F238E27FC236}">
-                <a16:creationId xmlns:a16="http://schemas.microsoft.com/office/drawing/2014/main" id="{7D2CBBC6-4AD6-D846-9B06-7B38A55E8DC5}"/>
+                <a16:creationId xmlns:a16="http://schemas.microsoft.com/office/drawing/2014/main" id="{F0EA80E2-15DD-ABEB-539C-D3721B78C834}"/>
+              </a:ext>
+            </a:extLst>
+          </p:cNvPr>
+          <p:cNvSpPr>
+            <a:spLocks noGrp="1"/>
+          </p:cNvSpPr>
+          <p:nvPr>
+            <p:ph type="title"/>
+          </p:nvPr>
+        </p:nvSpPr>
+        <p:spPr/>
+        <p:txBody>
+          <a:bodyPr/>
+          <a:lstStyle/>
+          <a:p>
+            <a:r>
+              <a:rPr lang="pt-BR" b="1" i="0" dirty="0">
+                <a:effectLst/>
+                <a:latin typeface="Söhne"/>
+              </a:rPr>
+              <a:t>Operações Básicas</a:t>
+            </a:r>
+            <a:br>
+              <a:rPr lang="pt-BR" b="1" i="0" dirty="0">
+                <a:effectLst/>
+                <a:latin typeface="Söhne"/>
+              </a:rPr>
+            </a:br>
+            <a:r>
+              <a:rPr lang="pt-BR" sz="2000" dirty="0">
+                <a:latin typeface="Söhne"/>
+              </a:rPr>
+              <a:t>Inserção de documentos.</a:t>
+            </a:r>
+            <a:endParaRPr lang="pt-BR" dirty="0"/>
+          </a:p>
+        </p:txBody>
+      </p:sp>
+      <p:sp>
+        <p:nvSpPr>
+          <p:cNvPr id="3" name="Espaço Reservado para Conteúdo 2">
+            <a:extLst>
+              <a:ext uri="{FF2B5EF4-FFF2-40B4-BE49-F238E27FC236}">
+                <a16:creationId xmlns:a16="http://schemas.microsoft.com/office/drawing/2014/main" id="{1812B3A2-0B9F-7A1D-29BE-5783C0E7C666}"/>
+              </a:ext>
+            </a:extLst>
+          </p:cNvPr>
+          <p:cNvSpPr>
+            <a:spLocks noGrp="1"/>
+          </p:cNvSpPr>
+          <p:nvPr>
+            <p:ph idx="1"/>
+          </p:nvPr>
+        </p:nvSpPr>
+        <p:spPr/>
+        <p:txBody>
+          <a:bodyPr/>
+          <a:lstStyle/>
+          <a:p>
+            <a:endParaRPr lang="pt-BR" dirty="0"/>
+          </a:p>
+        </p:txBody>
+      </p:sp>
+      <p:sp>
+        <p:nvSpPr>
+          <p:cNvPr id="4" name="Espaço Reservado para Rodapé 3">
+            <a:extLst>
+              <a:ext uri="{FF2B5EF4-FFF2-40B4-BE49-F238E27FC236}">
+                <a16:creationId xmlns:a16="http://schemas.microsoft.com/office/drawing/2014/main" id="{6739F8A8-C8BA-402C-CBC7-A02F2C81E04B}"/>
+              </a:ext>
+            </a:extLst>
+          </p:cNvPr>
+          <p:cNvSpPr>
+            <a:spLocks noGrp="1"/>
+          </p:cNvSpPr>
+          <p:nvPr>
+            <p:ph type="ftr" sz="quarter" idx="11"/>
+          </p:nvPr>
+        </p:nvSpPr>
+        <p:spPr/>
+        <p:txBody>
+          <a:bodyPr/>
+          <a:lstStyle/>
+          <a:p>
+            <a:r>
+              <a:rPr lang="pt-BR" dirty="0"/>
+              <a:t>https://lucas.gardini.dev</a:t>
+            </a:r>
+          </a:p>
+        </p:txBody>
+      </p:sp>
+      <p:sp>
+        <p:nvSpPr>
+          <p:cNvPr id="5" name="Espaço Reservado para Número de Slide 4">
+            <a:extLst>
+              <a:ext uri="{FF2B5EF4-FFF2-40B4-BE49-F238E27FC236}">
+                <a16:creationId xmlns:a16="http://schemas.microsoft.com/office/drawing/2014/main" id="{DE18193C-5A4B-8531-1D52-CBD20E415CBF}"/>
+              </a:ext>
+            </a:extLst>
+          </p:cNvPr>
+          <p:cNvSpPr>
+            <a:spLocks noGrp="1"/>
+          </p:cNvSpPr>
+          <p:nvPr>
+            <p:ph type="sldNum" sz="quarter" idx="12"/>
+          </p:nvPr>
+        </p:nvSpPr>
+        <p:spPr/>
+        <p:txBody>
+          <a:bodyPr/>
+          <a:lstStyle/>
+          <a:p>
+            <a:fld id="{25237327-9CA3-4762-8749-00D99BA09B6B}" type="slidenum">
+              <a:rPr lang="pt-BR" smtClean="0"/>
+              <a:t>13</a:t>
+            </a:fld>
+            <a:endParaRPr lang="pt-BR"/>
+          </a:p>
+        </p:txBody>
+      </p:sp>
+    </p:spTree>
+    <p:extLst>
+      <p:ext uri="{BB962C8B-B14F-4D97-AF65-F5344CB8AC3E}">
+        <p14:creationId xmlns:p14="http://schemas.microsoft.com/office/powerpoint/2010/main" val="1644909204"/>
+      </p:ext>
+    </p:extLst>
+  </p:cSld>
+  <p:clrMapOvr>
+    <a:masterClrMapping/>
+  </p:clrMapOvr>
+</p:sld>
+</file>
+
+<file path=ppt/slides/slide14.xml><?xml version="1.0" encoding="utf-8"?>
+<p:sld xmlns:a="http://schemas.openxmlformats.org/drawingml/2006/main" xmlns:r="http://schemas.openxmlformats.org/officeDocument/2006/relationships" xmlns:p="http://schemas.openxmlformats.org/presentationml/2006/main">
+  <p:cSld>
+    <p:spTree>
+      <p:nvGrpSpPr>
+        <p:cNvPr id="1" name=""/>
+        <p:cNvGrpSpPr/>
+        <p:nvPr/>
+      </p:nvGrpSpPr>
+      <p:grpSpPr>
+        <a:xfrm>
+          <a:off x="0" y="0"/>
+          <a:ext cx="0" cy="0"/>
+          <a:chOff x="0" y="0"/>
+          <a:chExt cx="0" cy="0"/>
+        </a:xfrm>
+      </p:grpSpPr>
+      <p:sp>
+        <p:nvSpPr>
+          <p:cNvPr id="2" name="Título 1">
+            <a:extLst>
+              <a:ext uri="{FF2B5EF4-FFF2-40B4-BE49-F238E27FC236}">
+                <a16:creationId xmlns:a16="http://schemas.microsoft.com/office/drawing/2014/main" id="{F0EA80E2-15DD-ABEB-539C-D3721B78C834}"/>
+              </a:ext>
+            </a:extLst>
+          </p:cNvPr>
+          <p:cNvSpPr>
+            <a:spLocks noGrp="1"/>
+          </p:cNvSpPr>
+          <p:nvPr>
+            <p:ph type="title"/>
+          </p:nvPr>
+        </p:nvSpPr>
+        <p:spPr/>
+        <p:txBody>
+          <a:bodyPr/>
+          <a:lstStyle/>
+          <a:p>
+            <a:r>
+              <a:rPr lang="pt-BR" b="1" i="0" dirty="0">
+                <a:effectLst/>
+                <a:latin typeface="Söhne"/>
+              </a:rPr>
+              <a:t>Operações Básicas</a:t>
+            </a:r>
+            <a:br>
+              <a:rPr lang="pt-BR" b="1" i="0" dirty="0">
+                <a:effectLst/>
+                <a:latin typeface="Söhne"/>
+              </a:rPr>
+            </a:br>
+            <a:r>
+              <a:rPr lang="pt-BR" sz="2000" dirty="0">
+                <a:latin typeface="Söhne"/>
+              </a:rPr>
+              <a:t>Consulta de documentos.</a:t>
+            </a:r>
+            <a:endParaRPr lang="pt-BR" dirty="0"/>
+          </a:p>
+        </p:txBody>
+      </p:sp>
+      <p:sp>
+        <p:nvSpPr>
+          <p:cNvPr id="3" name="Espaço Reservado para Conteúdo 2">
+            <a:extLst>
+              <a:ext uri="{FF2B5EF4-FFF2-40B4-BE49-F238E27FC236}">
+                <a16:creationId xmlns:a16="http://schemas.microsoft.com/office/drawing/2014/main" id="{1812B3A2-0B9F-7A1D-29BE-5783C0E7C666}"/>
+              </a:ext>
+            </a:extLst>
+          </p:cNvPr>
+          <p:cNvSpPr>
+            <a:spLocks noGrp="1"/>
+          </p:cNvSpPr>
+          <p:nvPr>
+            <p:ph idx="1"/>
+          </p:nvPr>
+        </p:nvSpPr>
+        <p:spPr/>
+        <p:txBody>
+          <a:bodyPr/>
+          <a:lstStyle/>
+          <a:p>
+            <a:endParaRPr lang="pt-BR" dirty="0"/>
+          </a:p>
+        </p:txBody>
+      </p:sp>
+      <p:sp>
+        <p:nvSpPr>
+          <p:cNvPr id="4" name="Espaço Reservado para Rodapé 3">
+            <a:extLst>
+              <a:ext uri="{FF2B5EF4-FFF2-40B4-BE49-F238E27FC236}">
+                <a16:creationId xmlns:a16="http://schemas.microsoft.com/office/drawing/2014/main" id="{6739F8A8-C8BA-402C-CBC7-A02F2C81E04B}"/>
+              </a:ext>
+            </a:extLst>
+          </p:cNvPr>
+          <p:cNvSpPr>
+            <a:spLocks noGrp="1"/>
+          </p:cNvSpPr>
+          <p:nvPr>
+            <p:ph type="ftr" sz="quarter" idx="11"/>
+          </p:nvPr>
+        </p:nvSpPr>
+        <p:spPr/>
+        <p:txBody>
+          <a:bodyPr/>
+          <a:lstStyle/>
+          <a:p>
+            <a:r>
+              <a:rPr lang="pt-BR" dirty="0"/>
+              <a:t>https://lucas.gardini.dev</a:t>
+            </a:r>
+          </a:p>
+        </p:txBody>
+      </p:sp>
+      <p:sp>
+        <p:nvSpPr>
+          <p:cNvPr id="5" name="Espaço Reservado para Número de Slide 4">
+            <a:extLst>
+              <a:ext uri="{FF2B5EF4-FFF2-40B4-BE49-F238E27FC236}">
+                <a16:creationId xmlns:a16="http://schemas.microsoft.com/office/drawing/2014/main" id="{DE18193C-5A4B-8531-1D52-CBD20E415CBF}"/>
+              </a:ext>
+            </a:extLst>
+          </p:cNvPr>
+          <p:cNvSpPr>
+            <a:spLocks noGrp="1"/>
+          </p:cNvSpPr>
+          <p:nvPr>
+            <p:ph type="sldNum" sz="quarter" idx="12"/>
+          </p:nvPr>
+        </p:nvSpPr>
+        <p:spPr/>
+        <p:txBody>
+          <a:bodyPr/>
+          <a:lstStyle/>
+          <a:p>
+            <a:fld id="{25237327-9CA3-4762-8749-00D99BA09B6B}" type="slidenum">
+              <a:rPr lang="pt-BR" smtClean="0"/>
+              <a:t>14</a:t>
+            </a:fld>
+            <a:endParaRPr lang="pt-BR"/>
+          </a:p>
+        </p:txBody>
+      </p:sp>
+    </p:spTree>
+    <p:extLst>
+      <p:ext uri="{BB962C8B-B14F-4D97-AF65-F5344CB8AC3E}">
+        <p14:creationId xmlns:p14="http://schemas.microsoft.com/office/powerpoint/2010/main" val="1694043030"/>
+      </p:ext>
+    </p:extLst>
+  </p:cSld>
+  <p:clrMapOvr>
+    <a:masterClrMapping/>
+  </p:clrMapOvr>
+</p:sld>
+</file>
+
+<file path=ppt/slides/slide15.xml><?xml version="1.0" encoding="utf-8"?>
+<p:sld xmlns:a="http://schemas.openxmlformats.org/drawingml/2006/main" xmlns:r="http://schemas.openxmlformats.org/officeDocument/2006/relationships" xmlns:p="http://schemas.openxmlformats.org/presentationml/2006/main">
+  <p:cSld>
+    <p:spTree>
+      <p:nvGrpSpPr>
+        <p:cNvPr id="1" name=""/>
+        <p:cNvGrpSpPr/>
+        <p:nvPr/>
+      </p:nvGrpSpPr>
+      <p:grpSpPr>
+        <a:xfrm>
+          <a:off x="0" y="0"/>
+          <a:ext cx="0" cy="0"/>
+          <a:chOff x="0" y="0"/>
+          <a:chExt cx="0" cy="0"/>
+        </a:xfrm>
+      </p:grpSpPr>
+      <p:sp>
+        <p:nvSpPr>
+          <p:cNvPr id="2" name="Título 1">
+            <a:extLst>
+              <a:ext uri="{FF2B5EF4-FFF2-40B4-BE49-F238E27FC236}">
+                <a16:creationId xmlns:a16="http://schemas.microsoft.com/office/drawing/2014/main" id="{F0EA80E2-15DD-ABEB-539C-D3721B78C834}"/>
+              </a:ext>
+            </a:extLst>
+          </p:cNvPr>
+          <p:cNvSpPr>
+            <a:spLocks noGrp="1"/>
+          </p:cNvSpPr>
+          <p:nvPr>
+            <p:ph type="title"/>
+          </p:nvPr>
+        </p:nvSpPr>
+        <p:spPr/>
+        <p:txBody>
+          <a:bodyPr/>
+          <a:lstStyle/>
+          <a:p>
+            <a:r>
+              <a:rPr lang="pt-BR" b="1" i="0" dirty="0">
+                <a:effectLst/>
+                <a:latin typeface="Söhne"/>
+              </a:rPr>
+              <a:t>Operações Básicas</a:t>
+            </a:r>
+            <a:br>
+              <a:rPr lang="pt-BR" b="1" i="0" dirty="0">
+                <a:effectLst/>
+                <a:latin typeface="Söhne"/>
+              </a:rPr>
+            </a:br>
+            <a:r>
+              <a:rPr lang="pt-BR" sz="2000" dirty="0">
+                <a:latin typeface="Söhne"/>
+              </a:rPr>
+              <a:t>Atualização e exclusão de documentos.</a:t>
+            </a:r>
+            <a:endParaRPr lang="pt-BR" dirty="0"/>
+          </a:p>
+        </p:txBody>
+      </p:sp>
+      <p:sp>
+        <p:nvSpPr>
+          <p:cNvPr id="3" name="Espaço Reservado para Conteúdo 2">
+            <a:extLst>
+              <a:ext uri="{FF2B5EF4-FFF2-40B4-BE49-F238E27FC236}">
+                <a16:creationId xmlns:a16="http://schemas.microsoft.com/office/drawing/2014/main" id="{1812B3A2-0B9F-7A1D-29BE-5783C0E7C666}"/>
+              </a:ext>
+            </a:extLst>
+          </p:cNvPr>
+          <p:cNvSpPr>
+            <a:spLocks noGrp="1"/>
+          </p:cNvSpPr>
+          <p:nvPr>
+            <p:ph idx="1"/>
+          </p:nvPr>
+        </p:nvSpPr>
+        <p:spPr/>
+        <p:txBody>
+          <a:bodyPr/>
+          <a:lstStyle/>
+          <a:p>
+            <a:endParaRPr lang="pt-BR" dirty="0"/>
+          </a:p>
+        </p:txBody>
+      </p:sp>
+      <p:sp>
+        <p:nvSpPr>
+          <p:cNvPr id="4" name="Espaço Reservado para Rodapé 3">
+            <a:extLst>
+              <a:ext uri="{FF2B5EF4-FFF2-40B4-BE49-F238E27FC236}">
+                <a16:creationId xmlns:a16="http://schemas.microsoft.com/office/drawing/2014/main" id="{6739F8A8-C8BA-402C-CBC7-A02F2C81E04B}"/>
+              </a:ext>
+            </a:extLst>
+          </p:cNvPr>
+          <p:cNvSpPr>
+            <a:spLocks noGrp="1"/>
+          </p:cNvSpPr>
+          <p:nvPr>
+            <p:ph type="ftr" sz="quarter" idx="11"/>
+          </p:nvPr>
+        </p:nvSpPr>
+        <p:spPr/>
+        <p:txBody>
+          <a:bodyPr/>
+          <a:lstStyle/>
+          <a:p>
+            <a:r>
+              <a:rPr lang="pt-BR" dirty="0"/>
+              <a:t>https://lucas.gardini.dev</a:t>
+            </a:r>
+          </a:p>
+        </p:txBody>
+      </p:sp>
+      <p:sp>
+        <p:nvSpPr>
+          <p:cNvPr id="5" name="Espaço Reservado para Número de Slide 4">
+            <a:extLst>
+              <a:ext uri="{FF2B5EF4-FFF2-40B4-BE49-F238E27FC236}">
+                <a16:creationId xmlns:a16="http://schemas.microsoft.com/office/drawing/2014/main" id="{DE18193C-5A4B-8531-1D52-CBD20E415CBF}"/>
+              </a:ext>
+            </a:extLst>
+          </p:cNvPr>
+          <p:cNvSpPr>
+            <a:spLocks noGrp="1"/>
+          </p:cNvSpPr>
+          <p:nvPr>
+            <p:ph type="sldNum" sz="quarter" idx="12"/>
+          </p:nvPr>
+        </p:nvSpPr>
+        <p:spPr/>
+        <p:txBody>
+          <a:bodyPr/>
+          <a:lstStyle/>
+          <a:p>
+            <a:fld id="{25237327-9CA3-4762-8749-00D99BA09B6B}" type="slidenum">
+              <a:rPr lang="pt-BR" smtClean="0"/>
+              <a:t>15</a:t>
+            </a:fld>
+            <a:endParaRPr lang="pt-BR"/>
+          </a:p>
+        </p:txBody>
+      </p:sp>
+    </p:spTree>
+    <p:extLst>
+      <p:ext uri="{BB962C8B-B14F-4D97-AF65-F5344CB8AC3E}">
+        <p14:creationId xmlns:p14="http://schemas.microsoft.com/office/powerpoint/2010/main" val="2941452920"/>
+      </p:ext>
+    </p:extLst>
+  </p:cSld>
+  <p:clrMapOvr>
+    <a:masterClrMapping/>
+  </p:clrMapOvr>
+</p:sld>
+</file>
+
+<file path=ppt/slides/slide16.xml><?xml version="1.0" encoding="utf-8"?>
+<p:sld xmlns:a="http://schemas.openxmlformats.org/drawingml/2006/main" xmlns:r="http://schemas.openxmlformats.org/officeDocument/2006/relationships" xmlns:p="http://schemas.openxmlformats.org/presentationml/2006/main">
+  <p:cSld>
+    <p:spTree>
+      <p:nvGrpSpPr>
+        <p:cNvPr id="1" name=""/>
+        <p:cNvGrpSpPr/>
+        <p:nvPr/>
+      </p:nvGrpSpPr>
+      <p:grpSpPr>
+        <a:xfrm>
+          <a:off x="0" y="0"/>
+          <a:ext cx="0" cy="0"/>
+          <a:chOff x="0" y="0"/>
+          <a:chExt cx="0" cy="0"/>
+        </a:xfrm>
+      </p:grpSpPr>
+      <p:sp>
+        <p:nvSpPr>
+          <p:cNvPr id="4" name="Espaço Reservado para Número de Slide 3">
+            <a:extLst>
+              <a:ext uri="{FF2B5EF4-FFF2-40B4-BE49-F238E27FC236}">
+                <a16:creationId xmlns:a16="http://schemas.microsoft.com/office/drawing/2014/main" id="{7D0ADA87-DAA8-3E4F-5D82-BEFEFA209AE3}"/>
+              </a:ext>
+            </a:extLst>
+          </p:cNvPr>
+          <p:cNvSpPr>
+            <a:spLocks noGrp="1"/>
+          </p:cNvSpPr>
+          <p:nvPr>
+            <p:ph type="sldNum" sz="quarter" idx="12"/>
+          </p:nvPr>
+        </p:nvSpPr>
+        <p:spPr>
+          <a:xfrm>
+            <a:off x="11079045" y="6316601"/>
+            <a:ext cx="1062155" cy="490599"/>
+          </a:xfrm>
+        </p:spPr>
+        <p:txBody>
+          <a:bodyPr/>
+          <a:lstStyle/>
+          <a:p>
+            <a:fld id="{25237327-9CA3-4762-8749-00D99BA09B6B}" type="slidenum">
+              <a:rPr lang="pt-BR" b="1" smtClean="0">
+                <a:solidFill>
+                  <a:schemeClr val="tx1"/>
+                </a:solidFill>
+              </a:rPr>
+              <a:t>16</a:t>
+            </a:fld>
+            <a:endParaRPr lang="pt-BR" b="1" dirty="0">
+              <a:solidFill>
+                <a:schemeClr val="tx1"/>
+              </a:solidFill>
+            </a:endParaRPr>
+          </a:p>
+        </p:txBody>
+      </p:sp>
+      <p:grpSp>
+        <p:nvGrpSpPr>
+          <p:cNvPr id="14" name="Agrupar 13">
+            <a:extLst>
+              <a:ext uri="{FF2B5EF4-FFF2-40B4-BE49-F238E27FC236}">
+                <a16:creationId xmlns:a16="http://schemas.microsoft.com/office/drawing/2014/main" id="{3A131335-0210-9973-B748-9747392A7A99}"/>
+              </a:ext>
+            </a:extLst>
+          </p:cNvPr>
+          <p:cNvGrpSpPr/>
+          <p:nvPr/>
+        </p:nvGrpSpPr>
+        <p:grpSpPr>
+          <a:xfrm>
+            <a:off x="5722808" y="6341706"/>
+            <a:ext cx="746384" cy="429208"/>
+            <a:chOff x="4350679" y="5579706"/>
+            <a:chExt cx="746384" cy="429208"/>
+          </a:xfrm>
+        </p:grpSpPr>
+        <p:pic>
+          <p:nvPicPr>
+            <p:cNvPr id="9" name="Gráfico 8">
+              <a:extLst>
+                <a:ext uri="{FF2B5EF4-FFF2-40B4-BE49-F238E27FC236}">
+                  <a16:creationId xmlns:a16="http://schemas.microsoft.com/office/drawing/2014/main" id="{68B00CCA-1769-F355-0991-F88AFB028207}"/>
+                </a:ext>
+              </a:extLst>
+            </p:cNvPr>
+            <p:cNvPicPr>
+              <a:picLocks noChangeAspect="1"/>
+            </p:cNvPicPr>
+            <p:nvPr/>
+          </p:nvPicPr>
+          <p:blipFill>
+            <a:blip r:embed="rId2">
+              <a:extLst>
+                <a:ext uri="{28A0092B-C50C-407E-A947-70E740481C1C}">
+                  <a14:useLocalDpi xmlns:a14="http://schemas.microsoft.com/office/drawing/2010/main" val="0"/>
+                </a:ext>
+                <a:ext uri="{96DAC541-7B7A-43D3-8B79-37D633B846F1}">
+                  <asvg:svgBlip xmlns:asvg="http://schemas.microsoft.com/office/drawing/2016/SVG/main" r:embed="rId3"/>
+                </a:ext>
+              </a:extLst>
+            </a:blip>
+            <a:stretch>
+              <a:fillRect/>
+            </a:stretch>
+          </p:blipFill>
+          <p:spPr>
+            <a:xfrm>
+              <a:off x="4350679" y="5619390"/>
+              <a:ext cx="360000" cy="360000"/>
+            </a:xfrm>
+            <a:prstGeom prst="rect">
+              <a:avLst/>
+            </a:prstGeom>
+          </p:spPr>
+        </p:pic>
+        <p:pic>
+          <p:nvPicPr>
+            <p:cNvPr id="1026" name="Picture 2" descr="V Semana de Turismo IFSP Barretos">
+              <a:extLst>
+                <a:ext uri="{FF2B5EF4-FFF2-40B4-BE49-F238E27FC236}">
+                  <a16:creationId xmlns:a16="http://schemas.microsoft.com/office/drawing/2014/main" id="{43520D69-6128-EE21-87C6-87C10FF9165F}"/>
+                </a:ext>
+              </a:extLst>
+            </p:cNvPr>
+            <p:cNvPicPr>
+              <a:picLocks noChangeAspect="1" noChangeArrowheads="1"/>
+            </p:cNvPicPr>
+            <p:nvPr/>
+          </p:nvPicPr>
+          <p:blipFill>
+            <a:blip r:embed="rId4">
+              <a:extLst>
+                <a:ext uri="{28A0092B-C50C-407E-A947-70E740481C1C}">
+                  <a14:useLocalDpi xmlns:a14="http://schemas.microsoft.com/office/drawing/2010/main" val="0"/>
+                </a:ext>
+              </a:extLst>
+            </a:blip>
+            <a:srcRect/>
+            <a:stretch>
+              <a:fillRect/>
+            </a:stretch>
+          </p:blipFill>
+          <p:spPr bwMode="auto">
+            <a:xfrm>
+              <a:off x="4869227" y="5641759"/>
+              <a:ext cx="227836" cy="305101"/>
+            </a:xfrm>
+            <a:prstGeom prst="rect">
+              <a:avLst/>
+            </a:prstGeom>
+            <a:noFill/>
+            <a:extLst>
+              <a:ext uri="{909E8E84-426E-40DD-AFC4-6F175D3DCCD1}">
+                <a14:hiddenFill xmlns:a14="http://schemas.microsoft.com/office/drawing/2010/main">
+                  <a:solidFill>
+                    <a:srgbClr val="FFFFFF"/>
+                  </a:solidFill>
+                </a14:hiddenFill>
+              </a:ext>
+            </a:extLst>
+          </p:spPr>
+        </p:pic>
+        <p:cxnSp>
+          <p:nvCxnSpPr>
+            <p:cNvPr id="11" name="Conector reto 10">
+              <a:extLst>
+                <a:ext uri="{FF2B5EF4-FFF2-40B4-BE49-F238E27FC236}">
+                  <a16:creationId xmlns:a16="http://schemas.microsoft.com/office/drawing/2014/main" id="{5D6B378A-D998-4925-FFCA-9A0F3370C250}"/>
+                </a:ext>
+              </a:extLst>
+            </p:cNvPr>
+            <p:cNvCxnSpPr>
+              <a:cxnSpLocks/>
+            </p:cNvCxnSpPr>
+            <p:nvPr/>
+          </p:nvCxnSpPr>
+          <p:spPr>
+            <a:xfrm>
+              <a:off x="4743269" y="5579706"/>
+              <a:ext cx="0" cy="429208"/>
+            </a:xfrm>
+            <a:prstGeom prst="line">
+              <a:avLst/>
+            </a:prstGeom>
+            <a:ln>
+              <a:solidFill>
+                <a:schemeClr val="tx1"/>
+              </a:solidFill>
+            </a:ln>
+          </p:spPr>
+          <p:style>
+            <a:lnRef idx="1">
+              <a:schemeClr val="accent1"/>
+            </a:lnRef>
+            <a:fillRef idx="0">
+              <a:schemeClr val="accent1"/>
+            </a:fillRef>
+            <a:effectRef idx="0">
+              <a:schemeClr val="accent1"/>
+            </a:effectRef>
+            <a:fontRef idx="minor">
+              <a:schemeClr val="tx1"/>
+            </a:fontRef>
+          </p:style>
+        </p:cxnSp>
+      </p:grpSp>
+      <p:sp>
+        <p:nvSpPr>
+          <p:cNvPr id="15" name="Espaço Reservado para Rodapé 14">
+            <a:extLst>
+              <a:ext uri="{FF2B5EF4-FFF2-40B4-BE49-F238E27FC236}">
+                <a16:creationId xmlns:a16="http://schemas.microsoft.com/office/drawing/2014/main" id="{FF285D15-CA04-0574-4AAD-47ADEE6CFB3B}"/>
+              </a:ext>
+            </a:extLst>
+          </p:cNvPr>
+          <p:cNvSpPr>
+            <a:spLocks noGrp="1"/>
+          </p:cNvSpPr>
+          <p:nvPr>
+            <p:ph type="ftr" sz="quarter" idx="11"/>
+          </p:nvPr>
+        </p:nvSpPr>
+        <p:spPr>
+          <a:xfrm>
+            <a:off x="50800" y="6442075"/>
+            <a:ext cx="3291839" cy="365125"/>
+          </a:xfrm>
+        </p:spPr>
+        <p:txBody>
+          <a:bodyPr/>
+          <a:lstStyle/>
+          <a:p>
+            <a:r>
+              <a:rPr lang="pt-BR" sz="1600" dirty="0"/>
+              <a:t>https://lucasgardini.com</a:t>
+            </a:r>
+          </a:p>
+        </p:txBody>
+      </p:sp>
+      <p:sp>
+        <p:nvSpPr>
+          <p:cNvPr id="2" name="CaixaDeTexto 1">
+            <a:extLst>
+              <a:ext uri="{FF2B5EF4-FFF2-40B4-BE49-F238E27FC236}">
+                <a16:creationId xmlns:a16="http://schemas.microsoft.com/office/drawing/2014/main" id="{3F89F942-F2B5-EBBE-126B-E2759FD22242}"/>
               </a:ext>
             </a:extLst>
           </p:cNvPr>
@@ -6177,8 +8202,8 @@
         </p:nvSpPr>
         <p:spPr>
           <a:xfrm>
-            <a:off x="698264" y="2788966"/>
-            <a:ext cx="3007555" cy="400110"/>
+            <a:off x="670272" y="1726164"/>
+            <a:ext cx="10968067" cy="1200329"/>
           </a:xfrm>
           <a:prstGeom prst="rect">
             <a:avLst/>
@@ -6192,8 +8217,16 @@
           <a:lstStyle/>
           <a:p>
             <a:r>
-              <a:rPr lang="pt-BR" sz="2000" dirty="0"/>
-              <a:t>Por: Lucas Gardini Dias</a:t>
+              <a:rPr lang="pt-BR" sz="7200" b="1" dirty="0">
+                <a:effectLst>
+                  <a:outerShdw blurRad="50800" dist="38100" dir="2700000" algn="tl" rotWithShape="0">
+                    <a:prstClr val="black">
+                      <a:alpha val="40000"/>
+                    </a:prstClr>
+                  </a:outerShdw>
+                </a:effectLst>
+              </a:rPr>
+              <a:t>MODELAGEM DE DADOS</a:t>
             </a:r>
           </a:p>
         </p:txBody>
@@ -6201,7 +8234,643 @@
     </p:spTree>
     <p:extLst>
       <p:ext uri="{BB962C8B-B14F-4D97-AF65-F5344CB8AC3E}">
-        <p14:creationId xmlns:p14="http://schemas.microsoft.com/office/powerpoint/2010/main" val="2919381993"/>
+        <p14:creationId xmlns:p14="http://schemas.microsoft.com/office/powerpoint/2010/main" val="1412234956"/>
+      </p:ext>
+    </p:extLst>
+  </p:cSld>
+  <p:clrMapOvr>
+    <a:masterClrMapping/>
+  </p:clrMapOvr>
+</p:sld>
+</file>
+
+<file path=ppt/slides/slide17.xml><?xml version="1.0" encoding="utf-8"?>
+<p:sld xmlns:a="http://schemas.openxmlformats.org/drawingml/2006/main" xmlns:r="http://schemas.openxmlformats.org/officeDocument/2006/relationships" xmlns:p="http://schemas.openxmlformats.org/presentationml/2006/main">
+  <p:cSld>
+    <p:spTree>
+      <p:nvGrpSpPr>
+        <p:cNvPr id="1" name=""/>
+        <p:cNvGrpSpPr/>
+        <p:nvPr/>
+      </p:nvGrpSpPr>
+      <p:grpSpPr>
+        <a:xfrm>
+          <a:off x="0" y="0"/>
+          <a:ext cx="0" cy="0"/>
+          <a:chOff x="0" y="0"/>
+          <a:chExt cx="0" cy="0"/>
+        </a:xfrm>
+      </p:grpSpPr>
+      <p:sp>
+        <p:nvSpPr>
+          <p:cNvPr id="2" name="Título 1">
+            <a:extLst>
+              <a:ext uri="{FF2B5EF4-FFF2-40B4-BE49-F238E27FC236}">
+                <a16:creationId xmlns:a16="http://schemas.microsoft.com/office/drawing/2014/main" id="{F0EA80E2-15DD-ABEB-539C-D3721B78C834}"/>
+              </a:ext>
+            </a:extLst>
+          </p:cNvPr>
+          <p:cNvSpPr>
+            <a:spLocks noGrp="1"/>
+          </p:cNvSpPr>
+          <p:nvPr>
+            <p:ph type="title"/>
+          </p:nvPr>
+        </p:nvSpPr>
+        <p:spPr/>
+        <p:txBody>
+          <a:bodyPr/>
+          <a:lstStyle/>
+          <a:p>
+            <a:r>
+              <a:rPr lang="pt-BR" b="1" i="0" dirty="0">
+                <a:effectLst/>
+                <a:latin typeface="Söhne"/>
+              </a:rPr>
+              <a:t>Modelagem de Dados</a:t>
+            </a:r>
+            <a:br>
+              <a:rPr lang="pt-BR" b="1" i="0" dirty="0">
+                <a:effectLst/>
+                <a:latin typeface="Söhne"/>
+              </a:rPr>
+            </a:br>
+            <a:r>
+              <a:rPr lang="pt-BR" sz="2000" dirty="0">
+                <a:latin typeface="Söhne"/>
+              </a:rPr>
+              <a:t>Estrutura de coleções e documentos.</a:t>
+            </a:r>
+            <a:endParaRPr lang="pt-BR" dirty="0"/>
+          </a:p>
+        </p:txBody>
+      </p:sp>
+      <p:sp>
+        <p:nvSpPr>
+          <p:cNvPr id="3" name="Espaço Reservado para Conteúdo 2">
+            <a:extLst>
+              <a:ext uri="{FF2B5EF4-FFF2-40B4-BE49-F238E27FC236}">
+                <a16:creationId xmlns:a16="http://schemas.microsoft.com/office/drawing/2014/main" id="{1812B3A2-0B9F-7A1D-29BE-5783C0E7C666}"/>
+              </a:ext>
+            </a:extLst>
+          </p:cNvPr>
+          <p:cNvSpPr>
+            <a:spLocks noGrp="1"/>
+          </p:cNvSpPr>
+          <p:nvPr>
+            <p:ph idx="1"/>
+          </p:nvPr>
+        </p:nvSpPr>
+        <p:spPr/>
+        <p:txBody>
+          <a:bodyPr/>
+          <a:lstStyle/>
+          <a:p>
+            <a:endParaRPr lang="pt-BR" dirty="0"/>
+          </a:p>
+        </p:txBody>
+      </p:sp>
+      <p:sp>
+        <p:nvSpPr>
+          <p:cNvPr id="4" name="Espaço Reservado para Rodapé 3">
+            <a:extLst>
+              <a:ext uri="{FF2B5EF4-FFF2-40B4-BE49-F238E27FC236}">
+                <a16:creationId xmlns:a16="http://schemas.microsoft.com/office/drawing/2014/main" id="{6739F8A8-C8BA-402C-CBC7-A02F2C81E04B}"/>
+              </a:ext>
+            </a:extLst>
+          </p:cNvPr>
+          <p:cNvSpPr>
+            <a:spLocks noGrp="1"/>
+          </p:cNvSpPr>
+          <p:nvPr>
+            <p:ph type="ftr" sz="quarter" idx="11"/>
+          </p:nvPr>
+        </p:nvSpPr>
+        <p:spPr/>
+        <p:txBody>
+          <a:bodyPr/>
+          <a:lstStyle/>
+          <a:p>
+            <a:r>
+              <a:rPr lang="pt-BR" dirty="0"/>
+              <a:t>https://lucas.gardini.dev</a:t>
+            </a:r>
+          </a:p>
+        </p:txBody>
+      </p:sp>
+      <p:sp>
+        <p:nvSpPr>
+          <p:cNvPr id="5" name="Espaço Reservado para Número de Slide 4">
+            <a:extLst>
+              <a:ext uri="{FF2B5EF4-FFF2-40B4-BE49-F238E27FC236}">
+                <a16:creationId xmlns:a16="http://schemas.microsoft.com/office/drawing/2014/main" id="{DE18193C-5A4B-8531-1D52-CBD20E415CBF}"/>
+              </a:ext>
+            </a:extLst>
+          </p:cNvPr>
+          <p:cNvSpPr>
+            <a:spLocks noGrp="1"/>
+          </p:cNvSpPr>
+          <p:nvPr>
+            <p:ph type="sldNum" sz="quarter" idx="12"/>
+          </p:nvPr>
+        </p:nvSpPr>
+        <p:spPr/>
+        <p:txBody>
+          <a:bodyPr/>
+          <a:lstStyle/>
+          <a:p>
+            <a:fld id="{25237327-9CA3-4762-8749-00D99BA09B6B}" type="slidenum">
+              <a:rPr lang="pt-BR" smtClean="0"/>
+              <a:t>17</a:t>
+            </a:fld>
+            <a:endParaRPr lang="pt-BR"/>
+          </a:p>
+        </p:txBody>
+      </p:sp>
+    </p:spTree>
+    <p:extLst>
+      <p:ext uri="{BB962C8B-B14F-4D97-AF65-F5344CB8AC3E}">
+        <p14:creationId xmlns:p14="http://schemas.microsoft.com/office/powerpoint/2010/main" val="3921640159"/>
+      </p:ext>
+    </p:extLst>
+  </p:cSld>
+  <p:clrMapOvr>
+    <a:masterClrMapping/>
+  </p:clrMapOvr>
+</p:sld>
+</file>
+
+<file path=ppt/slides/slide18.xml><?xml version="1.0" encoding="utf-8"?>
+<p:sld xmlns:a="http://schemas.openxmlformats.org/drawingml/2006/main" xmlns:r="http://schemas.openxmlformats.org/officeDocument/2006/relationships" xmlns:p="http://schemas.openxmlformats.org/presentationml/2006/main">
+  <p:cSld>
+    <p:spTree>
+      <p:nvGrpSpPr>
+        <p:cNvPr id="1" name=""/>
+        <p:cNvGrpSpPr/>
+        <p:nvPr/>
+      </p:nvGrpSpPr>
+      <p:grpSpPr>
+        <a:xfrm>
+          <a:off x="0" y="0"/>
+          <a:ext cx="0" cy="0"/>
+          <a:chOff x="0" y="0"/>
+          <a:chExt cx="0" cy="0"/>
+        </a:xfrm>
+      </p:grpSpPr>
+      <p:sp>
+        <p:nvSpPr>
+          <p:cNvPr id="2" name="Título 1">
+            <a:extLst>
+              <a:ext uri="{FF2B5EF4-FFF2-40B4-BE49-F238E27FC236}">
+                <a16:creationId xmlns:a16="http://schemas.microsoft.com/office/drawing/2014/main" id="{F0EA80E2-15DD-ABEB-539C-D3721B78C834}"/>
+              </a:ext>
+            </a:extLst>
+          </p:cNvPr>
+          <p:cNvSpPr>
+            <a:spLocks noGrp="1"/>
+          </p:cNvSpPr>
+          <p:nvPr>
+            <p:ph type="title"/>
+          </p:nvPr>
+        </p:nvSpPr>
+        <p:spPr/>
+        <p:txBody>
+          <a:bodyPr/>
+          <a:lstStyle/>
+          <a:p>
+            <a:r>
+              <a:rPr lang="pt-BR" b="1" i="0" dirty="0">
+                <a:effectLst/>
+                <a:latin typeface="Söhne"/>
+              </a:rPr>
+              <a:t>Modelagem de Dados</a:t>
+            </a:r>
+            <a:br>
+              <a:rPr lang="pt-BR" b="1" i="0" dirty="0">
+                <a:effectLst/>
+                <a:latin typeface="Söhne"/>
+              </a:rPr>
+            </a:br>
+            <a:r>
+              <a:rPr lang="pt-BR" sz="2000" dirty="0">
+                <a:latin typeface="Söhne"/>
+              </a:rPr>
+              <a:t>Relacionamentos no </a:t>
+            </a:r>
+            <a:r>
+              <a:rPr lang="pt-BR" sz="2000" dirty="0" err="1">
+                <a:latin typeface="Söhne"/>
+              </a:rPr>
+              <a:t>MongoDB</a:t>
+            </a:r>
+            <a:r>
+              <a:rPr lang="pt-BR" sz="2000" dirty="0">
+                <a:latin typeface="Söhne"/>
+              </a:rPr>
+              <a:t>.</a:t>
+            </a:r>
+            <a:endParaRPr lang="pt-BR" dirty="0"/>
+          </a:p>
+        </p:txBody>
+      </p:sp>
+      <p:sp>
+        <p:nvSpPr>
+          <p:cNvPr id="3" name="Espaço Reservado para Conteúdo 2">
+            <a:extLst>
+              <a:ext uri="{FF2B5EF4-FFF2-40B4-BE49-F238E27FC236}">
+                <a16:creationId xmlns:a16="http://schemas.microsoft.com/office/drawing/2014/main" id="{1812B3A2-0B9F-7A1D-29BE-5783C0E7C666}"/>
+              </a:ext>
+            </a:extLst>
+          </p:cNvPr>
+          <p:cNvSpPr>
+            <a:spLocks noGrp="1"/>
+          </p:cNvSpPr>
+          <p:nvPr>
+            <p:ph idx="1"/>
+          </p:nvPr>
+        </p:nvSpPr>
+        <p:spPr/>
+        <p:txBody>
+          <a:bodyPr/>
+          <a:lstStyle/>
+          <a:p>
+            <a:endParaRPr lang="pt-BR" dirty="0"/>
+          </a:p>
+        </p:txBody>
+      </p:sp>
+      <p:sp>
+        <p:nvSpPr>
+          <p:cNvPr id="4" name="Espaço Reservado para Rodapé 3">
+            <a:extLst>
+              <a:ext uri="{FF2B5EF4-FFF2-40B4-BE49-F238E27FC236}">
+                <a16:creationId xmlns:a16="http://schemas.microsoft.com/office/drawing/2014/main" id="{6739F8A8-C8BA-402C-CBC7-A02F2C81E04B}"/>
+              </a:ext>
+            </a:extLst>
+          </p:cNvPr>
+          <p:cNvSpPr>
+            <a:spLocks noGrp="1"/>
+          </p:cNvSpPr>
+          <p:nvPr>
+            <p:ph type="ftr" sz="quarter" idx="11"/>
+          </p:nvPr>
+        </p:nvSpPr>
+        <p:spPr/>
+        <p:txBody>
+          <a:bodyPr/>
+          <a:lstStyle/>
+          <a:p>
+            <a:r>
+              <a:rPr lang="pt-BR" dirty="0"/>
+              <a:t>https://lucas.gardini.dev</a:t>
+            </a:r>
+          </a:p>
+        </p:txBody>
+      </p:sp>
+      <p:sp>
+        <p:nvSpPr>
+          <p:cNvPr id="5" name="Espaço Reservado para Número de Slide 4">
+            <a:extLst>
+              <a:ext uri="{FF2B5EF4-FFF2-40B4-BE49-F238E27FC236}">
+                <a16:creationId xmlns:a16="http://schemas.microsoft.com/office/drawing/2014/main" id="{DE18193C-5A4B-8531-1D52-CBD20E415CBF}"/>
+              </a:ext>
+            </a:extLst>
+          </p:cNvPr>
+          <p:cNvSpPr>
+            <a:spLocks noGrp="1"/>
+          </p:cNvSpPr>
+          <p:nvPr>
+            <p:ph type="sldNum" sz="quarter" idx="12"/>
+          </p:nvPr>
+        </p:nvSpPr>
+        <p:spPr/>
+        <p:txBody>
+          <a:bodyPr/>
+          <a:lstStyle/>
+          <a:p>
+            <a:fld id="{25237327-9CA3-4762-8749-00D99BA09B6B}" type="slidenum">
+              <a:rPr lang="pt-BR" smtClean="0"/>
+              <a:t>18</a:t>
+            </a:fld>
+            <a:endParaRPr lang="pt-BR"/>
+          </a:p>
+        </p:txBody>
+      </p:sp>
+    </p:spTree>
+    <p:extLst>
+      <p:ext uri="{BB962C8B-B14F-4D97-AF65-F5344CB8AC3E}">
+        <p14:creationId xmlns:p14="http://schemas.microsoft.com/office/powerpoint/2010/main" val="3250206503"/>
+      </p:ext>
+    </p:extLst>
+  </p:cSld>
+  <p:clrMapOvr>
+    <a:masterClrMapping/>
+  </p:clrMapOvr>
+</p:sld>
+</file>
+
+<file path=ppt/slides/slide19.xml><?xml version="1.0" encoding="utf-8"?>
+<p:sld xmlns:a="http://schemas.openxmlformats.org/drawingml/2006/main" xmlns:r="http://schemas.openxmlformats.org/officeDocument/2006/relationships" xmlns:p="http://schemas.openxmlformats.org/presentationml/2006/main">
+  <p:cSld>
+    <p:spTree>
+      <p:nvGrpSpPr>
+        <p:cNvPr id="1" name=""/>
+        <p:cNvGrpSpPr/>
+        <p:nvPr/>
+      </p:nvGrpSpPr>
+      <p:grpSpPr>
+        <a:xfrm>
+          <a:off x="0" y="0"/>
+          <a:ext cx="0" cy="0"/>
+          <a:chOff x="0" y="0"/>
+          <a:chExt cx="0" cy="0"/>
+        </a:xfrm>
+      </p:grpSpPr>
+      <p:sp>
+        <p:nvSpPr>
+          <p:cNvPr id="4" name="Espaço Reservado para Número de Slide 3">
+            <a:extLst>
+              <a:ext uri="{FF2B5EF4-FFF2-40B4-BE49-F238E27FC236}">
+                <a16:creationId xmlns:a16="http://schemas.microsoft.com/office/drawing/2014/main" id="{7D0ADA87-DAA8-3E4F-5D82-BEFEFA209AE3}"/>
+              </a:ext>
+            </a:extLst>
+          </p:cNvPr>
+          <p:cNvSpPr>
+            <a:spLocks noGrp="1"/>
+          </p:cNvSpPr>
+          <p:nvPr>
+            <p:ph type="sldNum" sz="quarter" idx="12"/>
+          </p:nvPr>
+        </p:nvSpPr>
+        <p:spPr>
+          <a:xfrm>
+            <a:off x="11079045" y="6316601"/>
+            <a:ext cx="1062155" cy="490599"/>
+          </a:xfrm>
+        </p:spPr>
+        <p:txBody>
+          <a:bodyPr/>
+          <a:lstStyle/>
+          <a:p>
+            <a:fld id="{25237327-9CA3-4762-8749-00D99BA09B6B}" type="slidenum">
+              <a:rPr lang="pt-BR" b="1" smtClean="0">
+                <a:solidFill>
+                  <a:schemeClr val="tx1"/>
+                </a:solidFill>
+              </a:rPr>
+              <a:t>19</a:t>
+            </a:fld>
+            <a:endParaRPr lang="pt-BR" b="1" dirty="0">
+              <a:solidFill>
+                <a:schemeClr val="tx1"/>
+              </a:solidFill>
+            </a:endParaRPr>
+          </a:p>
+        </p:txBody>
+      </p:sp>
+      <p:grpSp>
+        <p:nvGrpSpPr>
+          <p:cNvPr id="14" name="Agrupar 13">
+            <a:extLst>
+              <a:ext uri="{FF2B5EF4-FFF2-40B4-BE49-F238E27FC236}">
+                <a16:creationId xmlns:a16="http://schemas.microsoft.com/office/drawing/2014/main" id="{3A131335-0210-9973-B748-9747392A7A99}"/>
+              </a:ext>
+            </a:extLst>
+          </p:cNvPr>
+          <p:cNvGrpSpPr/>
+          <p:nvPr/>
+        </p:nvGrpSpPr>
+        <p:grpSpPr>
+          <a:xfrm>
+            <a:off x="5722808" y="6341706"/>
+            <a:ext cx="746384" cy="429208"/>
+            <a:chOff x="4350679" y="5579706"/>
+            <a:chExt cx="746384" cy="429208"/>
+          </a:xfrm>
+        </p:grpSpPr>
+        <p:pic>
+          <p:nvPicPr>
+            <p:cNvPr id="9" name="Gráfico 8">
+              <a:extLst>
+                <a:ext uri="{FF2B5EF4-FFF2-40B4-BE49-F238E27FC236}">
+                  <a16:creationId xmlns:a16="http://schemas.microsoft.com/office/drawing/2014/main" id="{68B00CCA-1769-F355-0991-F88AFB028207}"/>
+                </a:ext>
+              </a:extLst>
+            </p:cNvPr>
+            <p:cNvPicPr>
+              <a:picLocks noChangeAspect="1"/>
+            </p:cNvPicPr>
+            <p:nvPr/>
+          </p:nvPicPr>
+          <p:blipFill>
+            <a:blip r:embed="rId2">
+              <a:extLst>
+                <a:ext uri="{28A0092B-C50C-407E-A947-70E740481C1C}">
+                  <a14:useLocalDpi xmlns:a14="http://schemas.microsoft.com/office/drawing/2010/main" val="0"/>
+                </a:ext>
+                <a:ext uri="{96DAC541-7B7A-43D3-8B79-37D633B846F1}">
+                  <asvg:svgBlip xmlns:asvg="http://schemas.microsoft.com/office/drawing/2016/SVG/main" r:embed="rId3"/>
+                </a:ext>
+              </a:extLst>
+            </a:blip>
+            <a:stretch>
+              <a:fillRect/>
+            </a:stretch>
+          </p:blipFill>
+          <p:spPr>
+            <a:xfrm>
+              <a:off x="4350679" y="5619390"/>
+              <a:ext cx="360000" cy="360000"/>
+            </a:xfrm>
+            <a:prstGeom prst="rect">
+              <a:avLst/>
+            </a:prstGeom>
+          </p:spPr>
+        </p:pic>
+        <p:pic>
+          <p:nvPicPr>
+            <p:cNvPr id="1026" name="Picture 2" descr="V Semana de Turismo IFSP Barretos">
+              <a:extLst>
+                <a:ext uri="{FF2B5EF4-FFF2-40B4-BE49-F238E27FC236}">
+                  <a16:creationId xmlns:a16="http://schemas.microsoft.com/office/drawing/2014/main" id="{43520D69-6128-EE21-87C6-87C10FF9165F}"/>
+                </a:ext>
+              </a:extLst>
+            </p:cNvPr>
+            <p:cNvPicPr>
+              <a:picLocks noChangeAspect="1" noChangeArrowheads="1"/>
+            </p:cNvPicPr>
+            <p:nvPr/>
+          </p:nvPicPr>
+          <p:blipFill>
+            <a:blip r:embed="rId4">
+              <a:extLst>
+                <a:ext uri="{28A0092B-C50C-407E-A947-70E740481C1C}">
+                  <a14:useLocalDpi xmlns:a14="http://schemas.microsoft.com/office/drawing/2010/main" val="0"/>
+                </a:ext>
+              </a:extLst>
+            </a:blip>
+            <a:srcRect/>
+            <a:stretch>
+              <a:fillRect/>
+            </a:stretch>
+          </p:blipFill>
+          <p:spPr bwMode="auto">
+            <a:xfrm>
+              <a:off x="4869227" y="5641759"/>
+              <a:ext cx="227836" cy="305101"/>
+            </a:xfrm>
+            <a:prstGeom prst="rect">
+              <a:avLst/>
+            </a:prstGeom>
+            <a:noFill/>
+            <a:extLst>
+              <a:ext uri="{909E8E84-426E-40DD-AFC4-6F175D3DCCD1}">
+                <a14:hiddenFill xmlns:a14="http://schemas.microsoft.com/office/drawing/2010/main">
+                  <a:solidFill>
+                    <a:srgbClr val="FFFFFF"/>
+                  </a:solidFill>
+                </a14:hiddenFill>
+              </a:ext>
+            </a:extLst>
+          </p:spPr>
+        </p:pic>
+        <p:cxnSp>
+          <p:nvCxnSpPr>
+            <p:cNvPr id="11" name="Conector reto 10">
+              <a:extLst>
+                <a:ext uri="{FF2B5EF4-FFF2-40B4-BE49-F238E27FC236}">
+                  <a16:creationId xmlns:a16="http://schemas.microsoft.com/office/drawing/2014/main" id="{5D6B378A-D998-4925-FFCA-9A0F3370C250}"/>
+                </a:ext>
+              </a:extLst>
+            </p:cNvPr>
+            <p:cNvCxnSpPr>
+              <a:cxnSpLocks/>
+            </p:cNvCxnSpPr>
+            <p:nvPr/>
+          </p:nvCxnSpPr>
+          <p:spPr>
+            <a:xfrm>
+              <a:off x="4743269" y="5579706"/>
+              <a:ext cx="0" cy="429208"/>
+            </a:xfrm>
+            <a:prstGeom prst="line">
+              <a:avLst/>
+            </a:prstGeom>
+            <a:ln>
+              <a:solidFill>
+                <a:schemeClr val="tx1"/>
+              </a:solidFill>
+            </a:ln>
+          </p:spPr>
+          <p:style>
+            <a:lnRef idx="1">
+              <a:schemeClr val="accent1"/>
+            </a:lnRef>
+            <a:fillRef idx="0">
+              <a:schemeClr val="accent1"/>
+            </a:fillRef>
+            <a:effectRef idx="0">
+              <a:schemeClr val="accent1"/>
+            </a:effectRef>
+            <a:fontRef idx="minor">
+              <a:schemeClr val="tx1"/>
+            </a:fontRef>
+          </p:style>
+        </p:cxnSp>
+      </p:grpSp>
+      <p:sp>
+        <p:nvSpPr>
+          <p:cNvPr id="15" name="Espaço Reservado para Rodapé 14">
+            <a:extLst>
+              <a:ext uri="{FF2B5EF4-FFF2-40B4-BE49-F238E27FC236}">
+                <a16:creationId xmlns:a16="http://schemas.microsoft.com/office/drawing/2014/main" id="{FF285D15-CA04-0574-4AAD-47ADEE6CFB3B}"/>
+              </a:ext>
+            </a:extLst>
+          </p:cNvPr>
+          <p:cNvSpPr>
+            <a:spLocks noGrp="1"/>
+          </p:cNvSpPr>
+          <p:nvPr>
+            <p:ph type="ftr" sz="quarter" idx="11"/>
+          </p:nvPr>
+        </p:nvSpPr>
+        <p:spPr>
+          <a:xfrm>
+            <a:off x="50800" y="6442075"/>
+            <a:ext cx="3291839" cy="365125"/>
+          </a:xfrm>
+        </p:spPr>
+        <p:txBody>
+          <a:bodyPr/>
+          <a:lstStyle/>
+          <a:p>
+            <a:r>
+              <a:rPr lang="pt-BR" sz="1600" dirty="0"/>
+              <a:t>https://lucasgardini.com</a:t>
+            </a:r>
+          </a:p>
+        </p:txBody>
+      </p:sp>
+      <p:sp>
+        <p:nvSpPr>
+          <p:cNvPr id="2" name="CaixaDeTexto 1">
+            <a:extLst>
+              <a:ext uri="{FF2B5EF4-FFF2-40B4-BE49-F238E27FC236}">
+                <a16:creationId xmlns:a16="http://schemas.microsoft.com/office/drawing/2014/main" id="{3F89F942-F2B5-EBBE-126B-E2759FD22242}"/>
+              </a:ext>
+            </a:extLst>
+          </p:cNvPr>
+          <p:cNvSpPr txBox="1"/>
+          <p:nvPr/>
+        </p:nvSpPr>
+        <p:spPr>
+          <a:xfrm>
+            <a:off x="670272" y="1726164"/>
+            <a:ext cx="6739345" cy="2308324"/>
+          </a:xfrm>
+          <a:prstGeom prst="rect">
+            <a:avLst/>
+          </a:prstGeom>
+          <a:noFill/>
+        </p:spPr>
+        <p:txBody>
+          <a:bodyPr wrap="none" rtlCol="0">
+            <a:spAutoFit/>
+          </a:bodyPr>
+          <a:lstStyle/>
+          <a:p>
+            <a:r>
+              <a:rPr lang="pt-BR" sz="7200" b="1" dirty="0">
+                <a:effectLst>
+                  <a:outerShdw blurRad="50800" dist="38100" dir="2700000" algn="tl" rotWithShape="0">
+                    <a:prstClr val="black">
+                      <a:alpha val="40000"/>
+                    </a:prstClr>
+                  </a:outerShdw>
+                </a:effectLst>
+              </a:rPr>
+              <a:t>INDEXAÇÃO E </a:t>
+            </a:r>
+          </a:p>
+          <a:p>
+            <a:r>
+              <a:rPr lang="pt-BR" sz="7200" b="1" dirty="0">
+                <a:effectLst>
+                  <a:outerShdw blurRad="50800" dist="38100" dir="2700000" algn="tl" rotWithShape="0">
+                    <a:prstClr val="black">
+                      <a:alpha val="40000"/>
+                    </a:prstClr>
+                  </a:outerShdw>
+                </a:effectLst>
+              </a:rPr>
+              <a:t>DESEMPENHO</a:t>
+            </a:r>
+          </a:p>
+        </p:txBody>
+      </p:sp>
+    </p:spTree>
+    <p:extLst>
+      <p:ext uri="{BB962C8B-B14F-4D97-AF65-F5344CB8AC3E}">
+        <p14:creationId xmlns:p14="http://schemas.microsoft.com/office/powerpoint/2010/main" val="2562749162"/>
       </p:ext>
     </p:extLst>
   </p:cSld>
@@ -6249,7 +8918,48 @@
           <a:bodyPr/>
           <a:lstStyle/>
           <a:p>
-            <a:endParaRPr lang="pt-BR"/>
+            <a:r>
+              <a:rPr lang="pt-BR" b="1" i="0" dirty="0">
+                <a:effectLst/>
+                <a:latin typeface="Söhne"/>
+              </a:rPr>
+              <a:t>Introdução ao </a:t>
+            </a:r>
+            <a:r>
+              <a:rPr lang="pt-BR" b="1" i="0" dirty="0" err="1">
+                <a:effectLst/>
+                <a:latin typeface="Söhne"/>
+              </a:rPr>
+              <a:t>MongoDB</a:t>
+            </a:r>
+            <a:br>
+              <a:rPr lang="pt-BR" b="1" i="0" dirty="0">
+                <a:effectLst/>
+                <a:latin typeface="Söhne"/>
+              </a:rPr>
+            </a:br>
+            <a:r>
+              <a:rPr lang="pt-BR" sz="2000" b="1" i="0" dirty="0">
+                <a:effectLst/>
+                <a:latin typeface="Söhne"/>
+              </a:rPr>
+              <a:t>O que é um banco de dados </a:t>
+            </a:r>
+            <a:r>
+              <a:rPr lang="pt-BR" sz="2000" b="1" i="0" dirty="0" err="1">
+                <a:effectLst/>
+                <a:latin typeface="Söhne"/>
+              </a:rPr>
+              <a:t>NoSQL</a:t>
+            </a:r>
+            <a:r>
+              <a:rPr lang="pt-BR" sz="2000" b="1" i="0" dirty="0">
+                <a:effectLst/>
+                <a:latin typeface="Söhne"/>
+              </a:rPr>
+              <a:t>?</a:t>
+            </a:r>
+            <a:endParaRPr lang="pt-BR" dirty="0"/>
           </a:p>
         </p:txBody>
       </p:sp>
@@ -6274,7 +8984,7 @@
           <a:bodyPr/>
           <a:lstStyle/>
           <a:p>
-            <a:endParaRPr lang="pt-BR"/>
+            <a:endParaRPr lang="pt-BR" dirty="0"/>
           </a:p>
         </p:txBody>
       </p:sp>
@@ -6339,6 +9049,4578 @@
     <p:extLst>
       <p:ext uri="{BB962C8B-B14F-4D97-AF65-F5344CB8AC3E}">
         <p14:creationId xmlns:p14="http://schemas.microsoft.com/office/powerpoint/2010/main" val="1938438141"/>
+      </p:ext>
+    </p:extLst>
+  </p:cSld>
+  <p:clrMapOvr>
+    <a:masterClrMapping/>
+  </p:clrMapOvr>
+  <p:transition spd="slow">
+    <p:push dir="u"/>
+  </p:transition>
+</p:sld>
+</file>
+
+<file path=ppt/slides/slide20.xml><?xml version="1.0" encoding="utf-8"?>
+<p:sld xmlns:a="http://schemas.openxmlformats.org/drawingml/2006/main" xmlns:r="http://schemas.openxmlformats.org/officeDocument/2006/relationships" xmlns:p="http://schemas.openxmlformats.org/presentationml/2006/main">
+  <p:cSld>
+    <p:spTree>
+      <p:nvGrpSpPr>
+        <p:cNvPr id="1" name=""/>
+        <p:cNvGrpSpPr/>
+        <p:nvPr/>
+      </p:nvGrpSpPr>
+      <p:grpSpPr>
+        <a:xfrm>
+          <a:off x="0" y="0"/>
+          <a:ext cx="0" cy="0"/>
+          <a:chOff x="0" y="0"/>
+          <a:chExt cx="0" cy="0"/>
+        </a:xfrm>
+      </p:grpSpPr>
+      <p:sp>
+        <p:nvSpPr>
+          <p:cNvPr id="2" name="Título 1">
+            <a:extLst>
+              <a:ext uri="{FF2B5EF4-FFF2-40B4-BE49-F238E27FC236}">
+                <a16:creationId xmlns:a16="http://schemas.microsoft.com/office/drawing/2014/main" id="{F0EA80E2-15DD-ABEB-539C-D3721B78C834}"/>
+              </a:ext>
+            </a:extLst>
+          </p:cNvPr>
+          <p:cNvSpPr>
+            <a:spLocks noGrp="1"/>
+          </p:cNvSpPr>
+          <p:nvPr>
+            <p:ph type="title"/>
+          </p:nvPr>
+        </p:nvSpPr>
+        <p:spPr/>
+        <p:txBody>
+          <a:bodyPr/>
+          <a:lstStyle/>
+          <a:p>
+            <a:r>
+              <a:rPr lang="pt-BR" b="1" i="0" dirty="0">
+                <a:effectLst/>
+                <a:latin typeface="Söhne"/>
+              </a:rPr>
+              <a:t>Indexação e Desempenho</a:t>
+            </a:r>
+            <a:br>
+              <a:rPr lang="pt-BR" b="1" i="0" dirty="0">
+                <a:effectLst/>
+                <a:latin typeface="Söhne"/>
+              </a:rPr>
+            </a:br>
+            <a:r>
+              <a:rPr lang="pt-BR" sz="2000" dirty="0">
+                <a:latin typeface="Söhne"/>
+              </a:rPr>
+              <a:t>Importância de índices.</a:t>
+            </a:r>
+            <a:endParaRPr lang="pt-BR" dirty="0"/>
+          </a:p>
+        </p:txBody>
+      </p:sp>
+      <p:sp>
+        <p:nvSpPr>
+          <p:cNvPr id="3" name="Espaço Reservado para Conteúdo 2">
+            <a:extLst>
+              <a:ext uri="{FF2B5EF4-FFF2-40B4-BE49-F238E27FC236}">
+                <a16:creationId xmlns:a16="http://schemas.microsoft.com/office/drawing/2014/main" id="{1812B3A2-0B9F-7A1D-29BE-5783C0E7C666}"/>
+              </a:ext>
+            </a:extLst>
+          </p:cNvPr>
+          <p:cNvSpPr>
+            <a:spLocks noGrp="1"/>
+          </p:cNvSpPr>
+          <p:nvPr>
+            <p:ph idx="1"/>
+          </p:nvPr>
+        </p:nvSpPr>
+        <p:spPr/>
+        <p:txBody>
+          <a:bodyPr/>
+          <a:lstStyle/>
+          <a:p>
+            <a:endParaRPr lang="pt-BR" dirty="0"/>
+          </a:p>
+        </p:txBody>
+      </p:sp>
+      <p:sp>
+        <p:nvSpPr>
+          <p:cNvPr id="4" name="Espaço Reservado para Rodapé 3">
+            <a:extLst>
+              <a:ext uri="{FF2B5EF4-FFF2-40B4-BE49-F238E27FC236}">
+                <a16:creationId xmlns:a16="http://schemas.microsoft.com/office/drawing/2014/main" id="{6739F8A8-C8BA-402C-CBC7-A02F2C81E04B}"/>
+              </a:ext>
+            </a:extLst>
+          </p:cNvPr>
+          <p:cNvSpPr>
+            <a:spLocks noGrp="1"/>
+          </p:cNvSpPr>
+          <p:nvPr>
+            <p:ph type="ftr" sz="quarter" idx="11"/>
+          </p:nvPr>
+        </p:nvSpPr>
+        <p:spPr/>
+        <p:txBody>
+          <a:bodyPr/>
+          <a:lstStyle/>
+          <a:p>
+            <a:r>
+              <a:rPr lang="pt-BR" dirty="0"/>
+              <a:t>https://lucas.gardini.dev</a:t>
+            </a:r>
+          </a:p>
+        </p:txBody>
+      </p:sp>
+      <p:sp>
+        <p:nvSpPr>
+          <p:cNvPr id="5" name="Espaço Reservado para Número de Slide 4">
+            <a:extLst>
+              <a:ext uri="{FF2B5EF4-FFF2-40B4-BE49-F238E27FC236}">
+                <a16:creationId xmlns:a16="http://schemas.microsoft.com/office/drawing/2014/main" id="{DE18193C-5A4B-8531-1D52-CBD20E415CBF}"/>
+              </a:ext>
+            </a:extLst>
+          </p:cNvPr>
+          <p:cNvSpPr>
+            <a:spLocks noGrp="1"/>
+          </p:cNvSpPr>
+          <p:nvPr>
+            <p:ph type="sldNum" sz="quarter" idx="12"/>
+          </p:nvPr>
+        </p:nvSpPr>
+        <p:spPr/>
+        <p:txBody>
+          <a:bodyPr/>
+          <a:lstStyle/>
+          <a:p>
+            <a:fld id="{25237327-9CA3-4762-8749-00D99BA09B6B}" type="slidenum">
+              <a:rPr lang="pt-BR" smtClean="0"/>
+              <a:t>20</a:t>
+            </a:fld>
+            <a:endParaRPr lang="pt-BR"/>
+          </a:p>
+        </p:txBody>
+      </p:sp>
+    </p:spTree>
+    <p:extLst>
+      <p:ext uri="{BB962C8B-B14F-4D97-AF65-F5344CB8AC3E}">
+        <p14:creationId xmlns:p14="http://schemas.microsoft.com/office/powerpoint/2010/main" val="366879679"/>
+      </p:ext>
+    </p:extLst>
+  </p:cSld>
+  <p:clrMapOvr>
+    <a:masterClrMapping/>
+  </p:clrMapOvr>
+</p:sld>
+</file>
+
+<file path=ppt/slides/slide21.xml><?xml version="1.0" encoding="utf-8"?>
+<p:sld xmlns:a="http://schemas.openxmlformats.org/drawingml/2006/main" xmlns:r="http://schemas.openxmlformats.org/officeDocument/2006/relationships" xmlns:p="http://schemas.openxmlformats.org/presentationml/2006/main">
+  <p:cSld>
+    <p:spTree>
+      <p:nvGrpSpPr>
+        <p:cNvPr id="1" name=""/>
+        <p:cNvGrpSpPr/>
+        <p:nvPr/>
+      </p:nvGrpSpPr>
+      <p:grpSpPr>
+        <a:xfrm>
+          <a:off x="0" y="0"/>
+          <a:ext cx="0" cy="0"/>
+          <a:chOff x="0" y="0"/>
+          <a:chExt cx="0" cy="0"/>
+        </a:xfrm>
+      </p:grpSpPr>
+      <p:sp>
+        <p:nvSpPr>
+          <p:cNvPr id="2" name="Título 1">
+            <a:extLst>
+              <a:ext uri="{FF2B5EF4-FFF2-40B4-BE49-F238E27FC236}">
+                <a16:creationId xmlns:a16="http://schemas.microsoft.com/office/drawing/2014/main" id="{F0EA80E2-15DD-ABEB-539C-D3721B78C834}"/>
+              </a:ext>
+            </a:extLst>
+          </p:cNvPr>
+          <p:cNvSpPr>
+            <a:spLocks noGrp="1"/>
+          </p:cNvSpPr>
+          <p:nvPr>
+            <p:ph type="title"/>
+          </p:nvPr>
+        </p:nvSpPr>
+        <p:spPr/>
+        <p:txBody>
+          <a:bodyPr/>
+          <a:lstStyle/>
+          <a:p>
+            <a:r>
+              <a:rPr lang="pt-BR" b="1" i="0" dirty="0">
+                <a:effectLst/>
+                <a:latin typeface="Söhne"/>
+              </a:rPr>
+              <a:t>Indexação e Desempenho</a:t>
+            </a:r>
+            <a:br>
+              <a:rPr lang="pt-BR" b="1" i="0" dirty="0">
+                <a:effectLst/>
+                <a:latin typeface="Söhne"/>
+              </a:rPr>
+            </a:br>
+            <a:r>
+              <a:rPr lang="pt-BR" sz="2000" dirty="0">
+                <a:latin typeface="Söhne"/>
+              </a:rPr>
+              <a:t>Estratégias para otimização de consultas.</a:t>
+            </a:r>
+            <a:endParaRPr lang="pt-BR" dirty="0"/>
+          </a:p>
+        </p:txBody>
+      </p:sp>
+      <p:sp>
+        <p:nvSpPr>
+          <p:cNvPr id="3" name="Espaço Reservado para Conteúdo 2">
+            <a:extLst>
+              <a:ext uri="{FF2B5EF4-FFF2-40B4-BE49-F238E27FC236}">
+                <a16:creationId xmlns:a16="http://schemas.microsoft.com/office/drawing/2014/main" id="{1812B3A2-0B9F-7A1D-29BE-5783C0E7C666}"/>
+              </a:ext>
+            </a:extLst>
+          </p:cNvPr>
+          <p:cNvSpPr>
+            <a:spLocks noGrp="1"/>
+          </p:cNvSpPr>
+          <p:nvPr>
+            <p:ph idx="1"/>
+          </p:nvPr>
+        </p:nvSpPr>
+        <p:spPr/>
+        <p:txBody>
+          <a:bodyPr/>
+          <a:lstStyle/>
+          <a:p>
+            <a:endParaRPr lang="pt-BR" dirty="0"/>
+          </a:p>
+        </p:txBody>
+      </p:sp>
+      <p:sp>
+        <p:nvSpPr>
+          <p:cNvPr id="4" name="Espaço Reservado para Rodapé 3">
+            <a:extLst>
+              <a:ext uri="{FF2B5EF4-FFF2-40B4-BE49-F238E27FC236}">
+                <a16:creationId xmlns:a16="http://schemas.microsoft.com/office/drawing/2014/main" id="{6739F8A8-C8BA-402C-CBC7-A02F2C81E04B}"/>
+              </a:ext>
+            </a:extLst>
+          </p:cNvPr>
+          <p:cNvSpPr>
+            <a:spLocks noGrp="1"/>
+          </p:cNvSpPr>
+          <p:nvPr>
+            <p:ph type="ftr" sz="quarter" idx="11"/>
+          </p:nvPr>
+        </p:nvSpPr>
+        <p:spPr/>
+        <p:txBody>
+          <a:bodyPr/>
+          <a:lstStyle/>
+          <a:p>
+            <a:r>
+              <a:rPr lang="pt-BR" dirty="0"/>
+              <a:t>https://lucas.gardini.dev</a:t>
+            </a:r>
+          </a:p>
+        </p:txBody>
+      </p:sp>
+      <p:sp>
+        <p:nvSpPr>
+          <p:cNvPr id="5" name="Espaço Reservado para Número de Slide 4">
+            <a:extLst>
+              <a:ext uri="{FF2B5EF4-FFF2-40B4-BE49-F238E27FC236}">
+                <a16:creationId xmlns:a16="http://schemas.microsoft.com/office/drawing/2014/main" id="{DE18193C-5A4B-8531-1D52-CBD20E415CBF}"/>
+              </a:ext>
+            </a:extLst>
+          </p:cNvPr>
+          <p:cNvSpPr>
+            <a:spLocks noGrp="1"/>
+          </p:cNvSpPr>
+          <p:nvPr>
+            <p:ph type="sldNum" sz="quarter" idx="12"/>
+          </p:nvPr>
+        </p:nvSpPr>
+        <p:spPr/>
+        <p:txBody>
+          <a:bodyPr/>
+          <a:lstStyle/>
+          <a:p>
+            <a:fld id="{25237327-9CA3-4762-8749-00D99BA09B6B}" type="slidenum">
+              <a:rPr lang="pt-BR" smtClean="0"/>
+              <a:t>21</a:t>
+            </a:fld>
+            <a:endParaRPr lang="pt-BR"/>
+          </a:p>
+        </p:txBody>
+      </p:sp>
+    </p:spTree>
+    <p:extLst>
+      <p:ext uri="{BB962C8B-B14F-4D97-AF65-F5344CB8AC3E}">
+        <p14:creationId xmlns:p14="http://schemas.microsoft.com/office/powerpoint/2010/main" val="1110606851"/>
+      </p:ext>
+    </p:extLst>
+  </p:cSld>
+  <p:clrMapOvr>
+    <a:masterClrMapping/>
+  </p:clrMapOvr>
+</p:sld>
+</file>
+
+<file path=ppt/slides/slide22.xml><?xml version="1.0" encoding="utf-8"?>
+<p:sld xmlns:a="http://schemas.openxmlformats.org/drawingml/2006/main" xmlns:r="http://schemas.openxmlformats.org/officeDocument/2006/relationships" xmlns:p="http://schemas.openxmlformats.org/presentationml/2006/main">
+  <p:cSld>
+    <p:spTree>
+      <p:nvGrpSpPr>
+        <p:cNvPr id="1" name=""/>
+        <p:cNvGrpSpPr/>
+        <p:nvPr/>
+      </p:nvGrpSpPr>
+      <p:grpSpPr>
+        <a:xfrm>
+          <a:off x="0" y="0"/>
+          <a:ext cx="0" cy="0"/>
+          <a:chOff x="0" y="0"/>
+          <a:chExt cx="0" cy="0"/>
+        </a:xfrm>
+      </p:grpSpPr>
+      <p:sp>
+        <p:nvSpPr>
+          <p:cNvPr id="4" name="Espaço Reservado para Número de Slide 3">
+            <a:extLst>
+              <a:ext uri="{FF2B5EF4-FFF2-40B4-BE49-F238E27FC236}">
+                <a16:creationId xmlns:a16="http://schemas.microsoft.com/office/drawing/2014/main" id="{7D0ADA87-DAA8-3E4F-5D82-BEFEFA209AE3}"/>
+              </a:ext>
+            </a:extLst>
+          </p:cNvPr>
+          <p:cNvSpPr>
+            <a:spLocks noGrp="1"/>
+          </p:cNvSpPr>
+          <p:nvPr>
+            <p:ph type="sldNum" sz="quarter" idx="12"/>
+          </p:nvPr>
+        </p:nvSpPr>
+        <p:spPr>
+          <a:xfrm>
+            <a:off x="11079045" y="6316601"/>
+            <a:ext cx="1062155" cy="490599"/>
+          </a:xfrm>
+        </p:spPr>
+        <p:txBody>
+          <a:bodyPr/>
+          <a:lstStyle/>
+          <a:p>
+            <a:fld id="{25237327-9CA3-4762-8749-00D99BA09B6B}" type="slidenum">
+              <a:rPr lang="pt-BR" b="1" smtClean="0">
+                <a:solidFill>
+                  <a:schemeClr val="tx1"/>
+                </a:solidFill>
+              </a:rPr>
+              <a:t>22</a:t>
+            </a:fld>
+            <a:endParaRPr lang="pt-BR" b="1" dirty="0">
+              <a:solidFill>
+                <a:schemeClr val="tx1"/>
+              </a:solidFill>
+            </a:endParaRPr>
+          </a:p>
+        </p:txBody>
+      </p:sp>
+      <p:grpSp>
+        <p:nvGrpSpPr>
+          <p:cNvPr id="14" name="Agrupar 13">
+            <a:extLst>
+              <a:ext uri="{FF2B5EF4-FFF2-40B4-BE49-F238E27FC236}">
+                <a16:creationId xmlns:a16="http://schemas.microsoft.com/office/drawing/2014/main" id="{3A131335-0210-9973-B748-9747392A7A99}"/>
+              </a:ext>
+            </a:extLst>
+          </p:cNvPr>
+          <p:cNvGrpSpPr/>
+          <p:nvPr/>
+        </p:nvGrpSpPr>
+        <p:grpSpPr>
+          <a:xfrm>
+            <a:off x="5722808" y="6341706"/>
+            <a:ext cx="746384" cy="429208"/>
+            <a:chOff x="4350679" y="5579706"/>
+            <a:chExt cx="746384" cy="429208"/>
+          </a:xfrm>
+        </p:grpSpPr>
+        <p:pic>
+          <p:nvPicPr>
+            <p:cNvPr id="9" name="Gráfico 8">
+              <a:extLst>
+                <a:ext uri="{FF2B5EF4-FFF2-40B4-BE49-F238E27FC236}">
+                  <a16:creationId xmlns:a16="http://schemas.microsoft.com/office/drawing/2014/main" id="{68B00CCA-1769-F355-0991-F88AFB028207}"/>
+                </a:ext>
+              </a:extLst>
+            </p:cNvPr>
+            <p:cNvPicPr>
+              <a:picLocks noChangeAspect="1"/>
+            </p:cNvPicPr>
+            <p:nvPr/>
+          </p:nvPicPr>
+          <p:blipFill>
+            <a:blip r:embed="rId2">
+              <a:extLst>
+                <a:ext uri="{28A0092B-C50C-407E-A947-70E740481C1C}">
+                  <a14:useLocalDpi xmlns:a14="http://schemas.microsoft.com/office/drawing/2010/main" val="0"/>
+                </a:ext>
+                <a:ext uri="{96DAC541-7B7A-43D3-8B79-37D633B846F1}">
+                  <asvg:svgBlip xmlns:asvg="http://schemas.microsoft.com/office/drawing/2016/SVG/main" r:embed="rId3"/>
+                </a:ext>
+              </a:extLst>
+            </a:blip>
+            <a:stretch>
+              <a:fillRect/>
+            </a:stretch>
+          </p:blipFill>
+          <p:spPr>
+            <a:xfrm>
+              <a:off x="4350679" y="5619390"/>
+              <a:ext cx="360000" cy="360000"/>
+            </a:xfrm>
+            <a:prstGeom prst="rect">
+              <a:avLst/>
+            </a:prstGeom>
+          </p:spPr>
+        </p:pic>
+        <p:pic>
+          <p:nvPicPr>
+            <p:cNvPr id="1026" name="Picture 2" descr="V Semana de Turismo IFSP Barretos">
+              <a:extLst>
+                <a:ext uri="{FF2B5EF4-FFF2-40B4-BE49-F238E27FC236}">
+                  <a16:creationId xmlns:a16="http://schemas.microsoft.com/office/drawing/2014/main" id="{43520D69-6128-EE21-87C6-87C10FF9165F}"/>
+                </a:ext>
+              </a:extLst>
+            </p:cNvPr>
+            <p:cNvPicPr>
+              <a:picLocks noChangeAspect="1" noChangeArrowheads="1"/>
+            </p:cNvPicPr>
+            <p:nvPr/>
+          </p:nvPicPr>
+          <p:blipFill>
+            <a:blip r:embed="rId4">
+              <a:extLst>
+                <a:ext uri="{28A0092B-C50C-407E-A947-70E740481C1C}">
+                  <a14:useLocalDpi xmlns:a14="http://schemas.microsoft.com/office/drawing/2010/main" val="0"/>
+                </a:ext>
+              </a:extLst>
+            </a:blip>
+            <a:srcRect/>
+            <a:stretch>
+              <a:fillRect/>
+            </a:stretch>
+          </p:blipFill>
+          <p:spPr bwMode="auto">
+            <a:xfrm>
+              <a:off x="4869227" y="5641759"/>
+              <a:ext cx="227836" cy="305101"/>
+            </a:xfrm>
+            <a:prstGeom prst="rect">
+              <a:avLst/>
+            </a:prstGeom>
+            <a:noFill/>
+            <a:extLst>
+              <a:ext uri="{909E8E84-426E-40DD-AFC4-6F175D3DCCD1}">
+                <a14:hiddenFill xmlns:a14="http://schemas.microsoft.com/office/drawing/2010/main">
+                  <a:solidFill>
+                    <a:srgbClr val="FFFFFF"/>
+                  </a:solidFill>
+                </a14:hiddenFill>
+              </a:ext>
+            </a:extLst>
+          </p:spPr>
+        </p:pic>
+        <p:cxnSp>
+          <p:nvCxnSpPr>
+            <p:cNvPr id="11" name="Conector reto 10">
+              <a:extLst>
+                <a:ext uri="{FF2B5EF4-FFF2-40B4-BE49-F238E27FC236}">
+                  <a16:creationId xmlns:a16="http://schemas.microsoft.com/office/drawing/2014/main" id="{5D6B378A-D998-4925-FFCA-9A0F3370C250}"/>
+                </a:ext>
+              </a:extLst>
+            </p:cNvPr>
+            <p:cNvCxnSpPr>
+              <a:cxnSpLocks/>
+            </p:cNvCxnSpPr>
+            <p:nvPr/>
+          </p:nvCxnSpPr>
+          <p:spPr>
+            <a:xfrm>
+              <a:off x="4743269" y="5579706"/>
+              <a:ext cx="0" cy="429208"/>
+            </a:xfrm>
+            <a:prstGeom prst="line">
+              <a:avLst/>
+            </a:prstGeom>
+            <a:ln>
+              <a:solidFill>
+                <a:schemeClr val="tx1"/>
+              </a:solidFill>
+            </a:ln>
+          </p:spPr>
+          <p:style>
+            <a:lnRef idx="1">
+              <a:schemeClr val="accent1"/>
+            </a:lnRef>
+            <a:fillRef idx="0">
+              <a:schemeClr val="accent1"/>
+            </a:fillRef>
+            <a:effectRef idx="0">
+              <a:schemeClr val="accent1"/>
+            </a:effectRef>
+            <a:fontRef idx="minor">
+              <a:schemeClr val="tx1"/>
+            </a:fontRef>
+          </p:style>
+        </p:cxnSp>
+      </p:grpSp>
+      <p:sp>
+        <p:nvSpPr>
+          <p:cNvPr id="15" name="Espaço Reservado para Rodapé 14">
+            <a:extLst>
+              <a:ext uri="{FF2B5EF4-FFF2-40B4-BE49-F238E27FC236}">
+                <a16:creationId xmlns:a16="http://schemas.microsoft.com/office/drawing/2014/main" id="{FF285D15-CA04-0574-4AAD-47ADEE6CFB3B}"/>
+              </a:ext>
+            </a:extLst>
+          </p:cNvPr>
+          <p:cNvSpPr>
+            <a:spLocks noGrp="1"/>
+          </p:cNvSpPr>
+          <p:nvPr>
+            <p:ph type="ftr" sz="quarter" idx="11"/>
+          </p:nvPr>
+        </p:nvSpPr>
+        <p:spPr>
+          <a:xfrm>
+            <a:off x="50800" y="6442075"/>
+            <a:ext cx="3291839" cy="365125"/>
+          </a:xfrm>
+        </p:spPr>
+        <p:txBody>
+          <a:bodyPr/>
+          <a:lstStyle/>
+          <a:p>
+            <a:r>
+              <a:rPr lang="pt-BR" sz="1600" dirty="0"/>
+              <a:t>https://lucasgardini.com</a:t>
+            </a:r>
+          </a:p>
+        </p:txBody>
+      </p:sp>
+      <p:sp>
+        <p:nvSpPr>
+          <p:cNvPr id="2" name="CaixaDeTexto 1">
+            <a:extLst>
+              <a:ext uri="{FF2B5EF4-FFF2-40B4-BE49-F238E27FC236}">
+                <a16:creationId xmlns:a16="http://schemas.microsoft.com/office/drawing/2014/main" id="{3F89F942-F2B5-EBBE-126B-E2759FD22242}"/>
+              </a:ext>
+            </a:extLst>
+          </p:cNvPr>
+          <p:cNvSpPr txBox="1"/>
+          <p:nvPr/>
+        </p:nvSpPr>
+        <p:spPr>
+          <a:xfrm>
+            <a:off x="670272" y="1726164"/>
+            <a:ext cx="6999032" cy="2308324"/>
+          </a:xfrm>
+          <a:prstGeom prst="rect">
+            <a:avLst/>
+          </a:prstGeom>
+          <a:noFill/>
+        </p:spPr>
+        <p:txBody>
+          <a:bodyPr wrap="none" rtlCol="0">
+            <a:spAutoFit/>
+          </a:bodyPr>
+          <a:lstStyle/>
+          <a:p>
+            <a:r>
+              <a:rPr lang="pt-BR" sz="7200" b="1" dirty="0">
+                <a:effectLst>
+                  <a:outerShdw blurRad="50800" dist="38100" dir="2700000" algn="tl" rotWithShape="0">
+                    <a:prstClr val="black">
+                      <a:alpha val="40000"/>
+                    </a:prstClr>
+                  </a:outerShdw>
+                </a:effectLst>
+              </a:rPr>
+              <a:t>AGGREGATION</a:t>
+            </a:r>
+          </a:p>
+          <a:p>
+            <a:r>
+              <a:rPr lang="pt-BR" sz="7200" b="1" dirty="0">
+                <a:effectLst>
+                  <a:outerShdw blurRad="50800" dist="38100" dir="2700000" algn="tl" rotWithShape="0">
+                    <a:prstClr val="black">
+                      <a:alpha val="40000"/>
+                    </a:prstClr>
+                  </a:outerShdw>
+                </a:effectLst>
+              </a:rPr>
+              <a:t>FRAMEWORKS</a:t>
+            </a:r>
+          </a:p>
+        </p:txBody>
+      </p:sp>
+    </p:spTree>
+    <p:extLst>
+      <p:ext uri="{BB962C8B-B14F-4D97-AF65-F5344CB8AC3E}">
+        <p14:creationId xmlns:p14="http://schemas.microsoft.com/office/powerpoint/2010/main" val="454187441"/>
+      </p:ext>
+    </p:extLst>
+  </p:cSld>
+  <p:clrMapOvr>
+    <a:masterClrMapping/>
+  </p:clrMapOvr>
+</p:sld>
+</file>
+
+<file path=ppt/slides/slide23.xml><?xml version="1.0" encoding="utf-8"?>
+<p:sld xmlns:a="http://schemas.openxmlformats.org/drawingml/2006/main" xmlns:r="http://schemas.openxmlformats.org/officeDocument/2006/relationships" xmlns:p="http://schemas.openxmlformats.org/presentationml/2006/main">
+  <p:cSld>
+    <p:spTree>
+      <p:nvGrpSpPr>
+        <p:cNvPr id="1" name=""/>
+        <p:cNvGrpSpPr/>
+        <p:nvPr/>
+      </p:nvGrpSpPr>
+      <p:grpSpPr>
+        <a:xfrm>
+          <a:off x="0" y="0"/>
+          <a:ext cx="0" cy="0"/>
+          <a:chOff x="0" y="0"/>
+          <a:chExt cx="0" cy="0"/>
+        </a:xfrm>
+      </p:grpSpPr>
+      <p:sp>
+        <p:nvSpPr>
+          <p:cNvPr id="2" name="Título 1">
+            <a:extLst>
+              <a:ext uri="{FF2B5EF4-FFF2-40B4-BE49-F238E27FC236}">
+                <a16:creationId xmlns:a16="http://schemas.microsoft.com/office/drawing/2014/main" id="{F0EA80E2-15DD-ABEB-539C-D3721B78C834}"/>
+              </a:ext>
+            </a:extLst>
+          </p:cNvPr>
+          <p:cNvSpPr>
+            <a:spLocks noGrp="1"/>
+          </p:cNvSpPr>
+          <p:nvPr>
+            <p:ph type="title"/>
+          </p:nvPr>
+        </p:nvSpPr>
+        <p:spPr/>
+        <p:txBody>
+          <a:bodyPr/>
+          <a:lstStyle/>
+          <a:p>
+            <a:r>
+              <a:rPr lang="pt-BR" b="1" i="0" dirty="0" err="1">
+                <a:effectLst/>
+                <a:latin typeface="Söhne"/>
+              </a:rPr>
+              <a:t>Aggregation</a:t>
+            </a:r>
+            <a:r>
+              <a:rPr lang="pt-BR" b="1" i="0" dirty="0">
+                <a:effectLst/>
+                <a:latin typeface="Söhne"/>
+              </a:rPr>
+              <a:t> Frameworks</a:t>
+            </a:r>
+            <a:br>
+              <a:rPr lang="pt-BR" b="1" i="0" dirty="0">
+                <a:effectLst/>
+                <a:latin typeface="Söhne"/>
+              </a:rPr>
+            </a:br>
+            <a:r>
+              <a:rPr lang="pt-BR" sz="2000" dirty="0">
+                <a:latin typeface="Söhne"/>
+              </a:rPr>
+              <a:t>Uso de pipelines para processamento de dados.</a:t>
+            </a:r>
+            <a:endParaRPr lang="pt-BR" dirty="0"/>
+          </a:p>
+        </p:txBody>
+      </p:sp>
+      <p:sp>
+        <p:nvSpPr>
+          <p:cNvPr id="3" name="Espaço Reservado para Conteúdo 2">
+            <a:extLst>
+              <a:ext uri="{FF2B5EF4-FFF2-40B4-BE49-F238E27FC236}">
+                <a16:creationId xmlns:a16="http://schemas.microsoft.com/office/drawing/2014/main" id="{1812B3A2-0B9F-7A1D-29BE-5783C0E7C666}"/>
+              </a:ext>
+            </a:extLst>
+          </p:cNvPr>
+          <p:cNvSpPr>
+            <a:spLocks noGrp="1"/>
+          </p:cNvSpPr>
+          <p:nvPr>
+            <p:ph idx="1"/>
+          </p:nvPr>
+        </p:nvSpPr>
+        <p:spPr/>
+        <p:txBody>
+          <a:bodyPr/>
+          <a:lstStyle/>
+          <a:p>
+            <a:endParaRPr lang="pt-BR" dirty="0"/>
+          </a:p>
+        </p:txBody>
+      </p:sp>
+      <p:sp>
+        <p:nvSpPr>
+          <p:cNvPr id="4" name="Espaço Reservado para Rodapé 3">
+            <a:extLst>
+              <a:ext uri="{FF2B5EF4-FFF2-40B4-BE49-F238E27FC236}">
+                <a16:creationId xmlns:a16="http://schemas.microsoft.com/office/drawing/2014/main" id="{6739F8A8-C8BA-402C-CBC7-A02F2C81E04B}"/>
+              </a:ext>
+            </a:extLst>
+          </p:cNvPr>
+          <p:cNvSpPr>
+            <a:spLocks noGrp="1"/>
+          </p:cNvSpPr>
+          <p:nvPr>
+            <p:ph type="ftr" sz="quarter" idx="11"/>
+          </p:nvPr>
+        </p:nvSpPr>
+        <p:spPr/>
+        <p:txBody>
+          <a:bodyPr/>
+          <a:lstStyle/>
+          <a:p>
+            <a:r>
+              <a:rPr lang="pt-BR" dirty="0"/>
+              <a:t>https://lucas.gardini.dev</a:t>
+            </a:r>
+          </a:p>
+        </p:txBody>
+      </p:sp>
+      <p:sp>
+        <p:nvSpPr>
+          <p:cNvPr id="5" name="Espaço Reservado para Número de Slide 4">
+            <a:extLst>
+              <a:ext uri="{FF2B5EF4-FFF2-40B4-BE49-F238E27FC236}">
+                <a16:creationId xmlns:a16="http://schemas.microsoft.com/office/drawing/2014/main" id="{DE18193C-5A4B-8531-1D52-CBD20E415CBF}"/>
+              </a:ext>
+            </a:extLst>
+          </p:cNvPr>
+          <p:cNvSpPr>
+            <a:spLocks noGrp="1"/>
+          </p:cNvSpPr>
+          <p:nvPr>
+            <p:ph type="sldNum" sz="quarter" idx="12"/>
+          </p:nvPr>
+        </p:nvSpPr>
+        <p:spPr/>
+        <p:txBody>
+          <a:bodyPr/>
+          <a:lstStyle/>
+          <a:p>
+            <a:fld id="{25237327-9CA3-4762-8749-00D99BA09B6B}" type="slidenum">
+              <a:rPr lang="pt-BR" smtClean="0"/>
+              <a:t>23</a:t>
+            </a:fld>
+            <a:endParaRPr lang="pt-BR"/>
+          </a:p>
+        </p:txBody>
+      </p:sp>
+    </p:spTree>
+    <p:extLst>
+      <p:ext uri="{BB962C8B-B14F-4D97-AF65-F5344CB8AC3E}">
+        <p14:creationId xmlns:p14="http://schemas.microsoft.com/office/powerpoint/2010/main" val="3911855200"/>
+      </p:ext>
+    </p:extLst>
+  </p:cSld>
+  <p:clrMapOvr>
+    <a:masterClrMapping/>
+  </p:clrMapOvr>
+</p:sld>
+</file>
+
+<file path=ppt/slides/slide24.xml><?xml version="1.0" encoding="utf-8"?>
+<p:sld xmlns:a="http://schemas.openxmlformats.org/drawingml/2006/main" xmlns:r="http://schemas.openxmlformats.org/officeDocument/2006/relationships" xmlns:p="http://schemas.openxmlformats.org/presentationml/2006/main">
+  <p:cSld>
+    <p:spTree>
+      <p:nvGrpSpPr>
+        <p:cNvPr id="1" name=""/>
+        <p:cNvGrpSpPr/>
+        <p:nvPr/>
+      </p:nvGrpSpPr>
+      <p:grpSpPr>
+        <a:xfrm>
+          <a:off x="0" y="0"/>
+          <a:ext cx="0" cy="0"/>
+          <a:chOff x="0" y="0"/>
+          <a:chExt cx="0" cy="0"/>
+        </a:xfrm>
+      </p:grpSpPr>
+      <p:sp>
+        <p:nvSpPr>
+          <p:cNvPr id="2" name="Título 1">
+            <a:extLst>
+              <a:ext uri="{FF2B5EF4-FFF2-40B4-BE49-F238E27FC236}">
+                <a16:creationId xmlns:a16="http://schemas.microsoft.com/office/drawing/2014/main" id="{F0EA80E2-15DD-ABEB-539C-D3721B78C834}"/>
+              </a:ext>
+            </a:extLst>
+          </p:cNvPr>
+          <p:cNvSpPr>
+            <a:spLocks noGrp="1"/>
+          </p:cNvSpPr>
+          <p:nvPr>
+            <p:ph type="title"/>
+          </p:nvPr>
+        </p:nvSpPr>
+        <p:spPr/>
+        <p:txBody>
+          <a:bodyPr/>
+          <a:lstStyle/>
+          <a:p>
+            <a:r>
+              <a:rPr lang="pt-BR" b="1" i="0" dirty="0" err="1">
+                <a:effectLst/>
+                <a:latin typeface="Söhne"/>
+              </a:rPr>
+              <a:t>Aggregation</a:t>
+            </a:r>
+            <a:r>
+              <a:rPr lang="pt-BR" b="1" i="0" dirty="0">
+                <a:effectLst/>
+                <a:latin typeface="Söhne"/>
+              </a:rPr>
+              <a:t> Frameworks</a:t>
+            </a:r>
+            <a:br>
+              <a:rPr lang="pt-BR" b="1" i="0" dirty="0">
+                <a:effectLst/>
+                <a:latin typeface="Söhne"/>
+              </a:rPr>
+            </a:br>
+            <a:r>
+              <a:rPr lang="pt-BR" sz="2000" dirty="0">
+                <a:latin typeface="Söhne"/>
+              </a:rPr>
+              <a:t>Exemplos práticos.</a:t>
+            </a:r>
+            <a:endParaRPr lang="pt-BR" dirty="0"/>
+          </a:p>
+        </p:txBody>
+      </p:sp>
+      <p:sp>
+        <p:nvSpPr>
+          <p:cNvPr id="3" name="Espaço Reservado para Conteúdo 2">
+            <a:extLst>
+              <a:ext uri="{FF2B5EF4-FFF2-40B4-BE49-F238E27FC236}">
+                <a16:creationId xmlns:a16="http://schemas.microsoft.com/office/drawing/2014/main" id="{1812B3A2-0B9F-7A1D-29BE-5783C0E7C666}"/>
+              </a:ext>
+            </a:extLst>
+          </p:cNvPr>
+          <p:cNvSpPr>
+            <a:spLocks noGrp="1"/>
+          </p:cNvSpPr>
+          <p:nvPr>
+            <p:ph idx="1"/>
+          </p:nvPr>
+        </p:nvSpPr>
+        <p:spPr/>
+        <p:txBody>
+          <a:bodyPr/>
+          <a:lstStyle/>
+          <a:p>
+            <a:endParaRPr lang="pt-BR" dirty="0"/>
+          </a:p>
+        </p:txBody>
+      </p:sp>
+      <p:sp>
+        <p:nvSpPr>
+          <p:cNvPr id="4" name="Espaço Reservado para Rodapé 3">
+            <a:extLst>
+              <a:ext uri="{FF2B5EF4-FFF2-40B4-BE49-F238E27FC236}">
+                <a16:creationId xmlns:a16="http://schemas.microsoft.com/office/drawing/2014/main" id="{6739F8A8-C8BA-402C-CBC7-A02F2C81E04B}"/>
+              </a:ext>
+            </a:extLst>
+          </p:cNvPr>
+          <p:cNvSpPr>
+            <a:spLocks noGrp="1"/>
+          </p:cNvSpPr>
+          <p:nvPr>
+            <p:ph type="ftr" sz="quarter" idx="11"/>
+          </p:nvPr>
+        </p:nvSpPr>
+        <p:spPr/>
+        <p:txBody>
+          <a:bodyPr/>
+          <a:lstStyle/>
+          <a:p>
+            <a:r>
+              <a:rPr lang="pt-BR" dirty="0"/>
+              <a:t>https://lucas.gardini.dev</a:t>
+            </a:r>
+          </a:p>
+        </p:txBody>
+      </p:sp>
+      <p:sp>
+        <p:nvSpPr>
+          <p:cNvPr id="5" name="Espaço Reservado para Número de Slide 4">
+            <a:extLst>
+              <a:ext uri="{FF2B5EF4-FFF2-40B4-BE49-F238E27FC236}">
+                <a16:creationId xmlns:a16="http://schemas.microsoft.com/office/drawing/2014/main" id="{DE18193C-5A4B-8531-1D52-CBD20E415CBF}"/>
+              </a:ext>
+            </a:extLst>
+          </p:cNvPr>
+          <p:cNvSpPr>
+            <a:spLocks noGrp="1"/>
+          </p:cNvSpPr>
+          <p:nvPr>
+            <p:ph type="sldNum" sz="quarter" idx="12"/>
+          </p:nvPr>
+        </p:nvSpPr>
+        <p:spPr/>
+        <p:txBody>
+          <a:bodyPr/>
+          <a:lstStyle/>
+          <a:p>
+            <a:fld id="{25237327-9CA3-4762-8749-00D99BA09B6B}" type="slidenum">
+              <a:rPr lang="pt-BR" smtClean="0"/>
+              <a:t>24</a:t>
+            </a:fld>
+            <a:endParaRPr lang="pt-BR"/>
+          </a:p>
+        </p:txBody>
+      </p:sp>
+    </p:spTree>
+    <p:extLst>
+      <p:ext uri="{BB962C8B-B14F-4D97-AF65-F5344CB8AC3E}">
+        <p14:creationId xmlns:p14="http://schemas.microsoft.com/office/powerpoint/2010/main" val="164609262"/>
+      </p:ext>
+    </p:extLst>
+  </p:cSld>
+  <p:clrMapOvr>
+    <a:masterClrMapping/>
+  </p:clrMapOvr>
+</p:sld>
+</file>
+
+<file path=ppt/slides/slide25.xml><?xml version="1.0" encoding="utf-8"?>
+<p:sld xmlns:a="http://schemas.openxmlformats.org/drawingml/2006/main" xmlns:r="http://schemas.openxmlformats.org/officeDocument/2006/relationships" xmlns:p="http://schemas.openxmlformats.org/presentationml/2006/main">
+  <p:cSld>
+    <p:spTree>
+      <p:nvGrpSpPr>
+        <p:cNvPr id="1" name=""/>
+        <p:cNvGrpSpPr/>
+        <p:nvPr/>
+      </p:nvGrpSpPr>
+      <p:grpSpPr>
+        <a:xfrm>
+          <a:off x="0" y="0"/>
+          <a:ext cx="0" cy="0"/>
+          <a:chOff x="0" y="0"/>
+          <a:chExt cx="0" cy="0"/>
+        </a:xfrm>
+      </p:grpSpPr>
+      <p:sp>
+        <p:nvSpPr>
+          <p:cNvPr id="4" name="Espaço Reservado para Número de Slide 3">
+            <a:extLst>
+              <a:ext uri="{FF2B5EF4-FFF2-40B4-BE49-F238E27FC236}">
+                <a16:creationId xmlns:a16="http://schemas.microsoft.com/office/drawing/2014/main" id="{7D0ADA87-DAA8-3E4F-5D82-BEFEFA209AE3}"/>
+              </a:ext>
+            </a:extLst>
+          </p:cNvPr>
+          <p:cNvSpPr>
+            <a:spLocks noGrp="1"/>
+          </p:cNvSpPr>
+          <p:nvPr>
+            <p:ph type="sldNum" sz="quarter" idx="12"/>
+          </p:nvPr>
+        </p:nvSpPr>
+        <p:spPr>
+          <a:xfrm>
+            <a:off x="11079045" y="6316601"/>
+            <a:ext cx="1062155" cy="490599"/>
+          </a:xfrm>
+        </p:spPr>
+        <p:txBody>
+          <a:bodyPr/>
+          <a:lstStyle/>
+          <a:p>
+            <a:fld id="{25237327-9CA3-4762-8749-00D99BA09B6B}" type="slidenum">
+              <a:rPr lang="pt-BR" b="1" smtClean="0">
+                <a:solidFill>
+                  <a:schemeClr val="tx1"/>
+                </a:solidFill>
+              </a:rPr>
+              <a:t>25</a:t>
+            </a:fld>
+            <a:endParaRPr lang="pt-BR" b="1" dirty="0">
+              <a:solidFill>
+                <a:schemeClr val="tx1"/>
+              </a:solidFill>
+            </a:endParaRPr>
+          </a:p>
+        </p:txBody>
+      </p:sp>
+      <p:grpSp>
+        <p:nvGrpSpPr>
+          <p:cNvPr id="14" name="Agrupar 13">
+            <a:extLst>
+              <a:ext uri="{FF2B5EF4-FFF2-40B4-BE49-F238E27FC236}">
+                <a16:creationId xmlns:a16="http://schemas.microsoft.com/office/drawing/2014/main" id="{3A131335-0210-9973-B748-9747392A7A99}"/>
+              </a:ext>
+            </a:extLst>
+          </p:cNvPr>
+          <p:cNvGrpSpPr/>
+          <p:nvPr/>
+        </p:nvGrpSpPr>
+        <p:grpSpPr>
+          <a:xfrm>
+            <a:off x="5722808" y="6341706"/>
+            <a:ext cx="746384" cy="429208"/>
+            <a:chOff x="4350679" y="5579706"/>
+            <a:chExt cx="746384" cy="429208"/>
+          </a:xfrm>
+        </p:grpSpPr>
+        <p:pic>
+          <p:nvPicPr>
+            <p:cNvPr id="9" name="Gráfico 8">
+              <a:extLst>
+                <a:ext uri="{FF2B5EF4-FFF2-40B4-BE49-F238E27FC236}">
+                  <a16:creationId xmlns:a16="http://schemas.microsoft.com/office/drawing/2014/main" id="{68B00CCA-1769-F355-0991-F88AFB028207}"/>
+                </a:ext>
+              </a:extLst>
+            </p:cNvPr>
+            <p:cNvPicPr>
+              <a:picLocks noChangeAspect="1"/>
+            </p:cNvPicPr>
+            <p:nvPr/>
+          </p:nvPicPr>
+          <p:blipFill>
+            <a:blip r:embed="rId2">
+              <a:extLst>
+                <a:ext uri="{28A0092B-C50C-407E-A947-70E740481C1C}">
+                  <a14:useLocalDpi xmlns:a14="http://schemas.microsoft.com/office/drawing/2010/main" val="0"/>
+                </a:ext>
+                <a:ext uri="{96DAC541-7B7A-43D3-8B79-37D633B846F1}">
+                  <asvg:svgBlip xmlns:asvg="http://schemas.microsoft.com/office/drawing/2016/SVG/main" r:embed="rId3"/>
+                </a:ext>
+              </a:extLst>
+            </a:blip>
+            <a:stretch>
+              <a:fillRect/>
+            </a:stretch>
+          </p:blipFill>
+          <p:spPr>
+            <a:xfrm>
+              <a:off x="4350679" y="5619390"/>
+              <a:ext cx="360000" cy="360000"/>
+            </a:xfrm>
+            <a:prstGeom prst="rect">
+              <a:avLst/>
+            </a:prstGeom>
+          </p:spPr>
+        </p:pic>
+        <p:pic>
+          <p:nvPicPr>
+            <p:cNvPr id="1026" name="Picture 2" descr="V Semana de Turismo IFSP Barretos">
+              <a:extLst>
+                <a:ext uri="{FF2B5EF4-FFF2-40B4-BE49-F238E27FC236}">
+                  <a16:creationId xmlns:a16="http://schemas.microsoft.com/office/drawing/2014/main" id="{43520D69-6128-EE21-87C6-87C10FF9165F}"/>
+                </a:ext>
+              </a:extLst>
+            </p:cNvPr>
+            <p:cNvPicPr>
+              <a:picLocks noChangeAspect="1" noChangeArrowheads="1"/>
+            </p:cNvPicPr>
+            <p:nvPr/>
+          </p:nvPicPr>
+          <p:blipFill>
+            <a:blip r:embed="rId4">
+              <a:extLst>
+                <a:ext uri="{28A0092B-C50C-407E-A947-70E740481C1C}">
+                  <a14:useLocalDpi xmlns:a14="http://schemas.microsoft.com/office/drawing/2010/main" val="0"/>
+                </a:ext>
+              </a:extLst>
+            </a:blip>
+            <a:srcRect/>
+            <a:stretch>
+              <a:fillRect/>
+            </a:stretch>
+          </p:blipFill>
+          <p:spPr bwMode="auto">
+            <a:xfrm>
+              <a:off x="4869227" y="5641759"/>
+              <a:ext cx="227836" cy="305101"/>
+            </a:xfrm>
+            <a:prstGeom prst="rect">
+              <a:avLst/>
+            </a:prstGeom>
+            <a:noFill/>
+            <a:extLst>
+              <a:ext uri="{909E8E84-426E-40DD-AFC4-6F175D3DCCD1}">
+                <a14:hiddenFill xmlns:a14="http://schemas.microsoft.com/office/drawing/2010/main">
+                  <a:solidFill>
+                    <a:srgbClr val="FFFFFF"/>
+                  </a:solidFill>
+                </a14:hiddenFill>
+              </a:ext>
+            </a:extLst>
+          </p:spPr>
+        </p:pic>
+        <p:cxnSp>
+          <p:nvCxnSpPr>
+            <p:cNvPr id="11" name="Conector reto 10">
+              <a:extLst>
+                <a:ext uri="{FF2B5EF4-FFF2-40B4-BE49-F238E27FC236}">
+                  <a16:creationId xmlns:a16="http://schemas.microsoft.com/office/drawing/2014/main" id="{5D6B378A-D998-4925-FFCA-9A0F3370C250}"/>
+                </a:ext>
+              </a:extLst>
+            </p:cNvPr>
+            <p:cNvCxnSpPr>
+              <a:cxnSpLocks/>
+            </p:cNvCxnSpPr>
+            <p:nvPr/>
+          </p:nvCxnSpPr>
+          <p:spPr>
+            <a:xfrm>
+              <a:off x="4743269" y="5579706"/>
+              <a:ext cx="0" cy="429208"/>
+            </a:xfrm>
+            <a:prstGeom prst="line">
+              <a:avLst/>
+            </a:prstGeom>
+            <a:ln>
+              <a:solidFill>
+                <a:schemeClr val="tx1"/>
+              </a:solidFill>
+            </a:ln>
+          </p:spPr>
+          <p:style>
+            <a:lnRef idx="1">
+              <a:schemeClr val="accent1"/>
+            </a:lnRef>
+            <a:fillRef idx="0">
+              <a:schemeClr val="accent1"/>
+            </a:fillRef>
+            <a:effectRef idx="0">
+              <a:schemeClr val="accent1"/>
+            </a:effectRef>
+            <a:fontRef idx="minor">
+              <a:schemeClr val="tx1"/>
+            </a:fontRef>
+          </p:style>
+        </p:cxnSp>
+      </p:grpSp>
+      <p:sp>
+        <p:nvSpPr>
+          <p:cNvPr id="15" name="Espaço Reservado para Rodapé 14">
+            <a:extLst>
+              <a:ext uri="{FF2B5EF4-FFF2-40B4-BE49-F238E27FC236}">
+                <a16:creationId xmlns:a16="http://schemas.microsoft.com/office/drawing/2014/main" id="{FF285D15-CA04-0574-4AAD-47ADEE6CFB3B}"/>
+              </a:ext>
+            </a:extLst>
+          </p:cNvPr>
+          <p:cNvSpPr>
+            <a:spLocks noGrp="1"/>
+          </p:cNvSpPr>
+          <p:nvPr>
+            <p:ph type="ftr" sz="quarter" idx="11"/>
+          </p:nvPr>
+        </p:nvSpPr>
+        <p:spPr>
+          <a:xfrm>
+            <a:off x="50800" y="6442075"/>
+            <a:ext cx="3291839" cy="365125"/>
+          </a:xfrm>
+        </p:spPr>
+        <p:txBody>
+          <a:bodyPr/>
+          <a:lstStyle/>
+          <a:p>
+            <a:r>
+              <a:rPr lang="pt-BR" sz="1600" dirty="0"/>
+              <a:t>https://lucasgardini.com</a:t>
+            </a:r>
+          </a:p>
+        </p:txBody>
+      </p:sp>
+      <p:sp>
+        <p:nvSpPr>
+          <p:cNvPr id="2" name="CaixaDeTexto 1">
+            <a:extLst>
+              <a:ext uri="{FF2B5EF4-FFF2-40B4-BE49-F238E27FC236}">
+                <a16:creationId xmlns:a16="http://schemas.microsoft.com/office/drawing/2014/main" id="{3F89F942-F2B5-EBBE-126B-E2759FD22242}"/>
+              </a:ext>
+            </a:extLst>
+          </p:cNvPr>
+          <p:cNvSpPr txBox="1"/>
+          <p:nvPr/>
+        </p:nvSpPr>
+        <p:spPr>
+          <a:xfrm>
+            <a:off x="670272" y="1726164"/>
+            <a:ext cx="5817618" cy="1200329"/>
+          </a:xfrm>
+          <a:prstGeom prst="rect">
+            <a:avLst/>
+          </a:prstGeom>
+          <a:noFill/>
+        </p:spPr>
+        <p:txBody>
+          <a:bodyPr wrap="none" rtlCol="0">
+            <a:spAutoFit/>
+          </a:bodyPr>
+          <a:lstStyle/>
+          <a:p>
+            <a:r>
+              <a:rPr lang="pt-BR" sz="7200" b="1" dirty="0">
+                <a:effectLst>
+                  <a:outerShdw blurRad="50800" dist="38100" dir="2700000" algn="tl" rotWithShape="0">
+                    <a:prstClr val="black">
+                      <a:alpha val="40000"/>
+                    </a:prstClr>
+                  </a:outerShdw>
+                </a:effectLst>
+              </a:rPr>
+              <a:t>SEGURANÇA</a:t>
+            </a:r>
+          </a:p>
+        </p:txBody>
+      </p:sp>
+    </p:spTree>
+    <p:extLst>
+      <p:ext uri="{BB962C8B-B14F-4D97-AF65-F5344CB8AC3E}">
+        <p14:creationId xmlns:p14="http://schemas.microsoft.com/office/powerpoint/2010/main" val="1859950295"/>
+      </p:ext>
+    </p:extLst>
+  </p:cSld>
+  <p:clrMapOvr>
+    <a:masterClrMapping/>
+  </p:clrMapOvr>
+</p:sld>
+</file>
+
+<file path=ppt/slides/slide26.xml><?xml version="1.0" encoding="utf-8"?>
+<p:sld xmlns:a="http://schemas.openxmlformats.org/drawingml/2006/main" xmlns:r="http://schemas.openxmlformats.org/officeDocument/2006/relationships" xmlns:p="http://schemas.openxmlformats.org/presentationml/2006/main">
+  <p:cSld>
+    <p:spTree>
+      <p:nvGrpSpPr>
+        <p:cNvPr id="1" name=""/>
+        <p:cNvGrpSpPr/>
+        <p:nvPr/>
+      </p:nvGrpSpPr>
+      <p:grpSpPr>
+        <a:xfrm>
+          <a:off x="0" y="0"/>
+          <a:ext cx="0" cy="0"/>
+          <a:chOff x="0" y="0"/>
+          <a:chExt cx="0" cy="0"/>
+        </a:xfrm>
+      </p:grpSpPr>
+      <p:sp>
+        <p:nvSpPr>
+          <p:cNvPr id="2" name="Título 1">
+            <a:extLst>
+              <a:ext uri="{FF2B5EF4-FFF2-40B4-BE49-F238E27FC236}">
+                <a16:creationId xmlns:a16="http://schemas.microsoft.com/office/drawing/2014/main" id="{F0EA80E2-15DD-ABEB-539C-D3721B78C834}"/>
+              </a:ext>
+            </a:extLst>
+          </p:cNvPr>
+          <p:cNvSpPr>
+            <a:spLocks noGrp="1"/>
+          </p:cNvSpPr>
+          <p:nvPr>
+            <p:ph type="title"/>
+          </p:nvPr>
+        </p:nvSpPr>
+        <p:spPr/>
+        <p:txBody>
+          <a:bodyPr/>
+          <a:lstStyle/>
+          <a:p>
+            <a:r>
+              <a:rPr lang="pt-BR" b="1" i="0" dirty="0">
+                <a:effectLst/>
+                <a:latin typeface="Söhne"/>
+              </a:rPr>
+              <a:t>Segurança</a:t>
+            </a:r>
+            <a:br>
+              <a:rPr lang="pt-BR" b="1" i="0" dirty="0">
+                <a:effectLst/>
+                <a:latin typeface="Söhne"/>
+              </a:rPr>
+            </a:br>
+            <a:r>
+              <a:rPr lang="pt-BR" sz="2000" dirty="0">
+                <a:latin typeface="Söhne"/>
+              </a:rPr>
+              <a:t>Autenticação e autorização.</a:t>
+            </a:r>
+            <a:endParaRPr lang="pt-BR" dirty="0"/>
+          </a:p>
+        </p:txBody>
+      </p:sp>
+      <p:sp>
+        <p:nvSpPr>
+          <p:cNvPr id="3" name="Espaço Reservado para Conteúdo 2">
+            <a:extLst>
+              <a:ext uri="{FF2B5EF4-FFF2-40B4-BE49-F238E27FC236}">
+                <a16:creationId xmlns:a16="http://schemas.microsoft.com/office/drawing/2014/main" id="{1812B3A2-0B9F-7A1D-29BE-5783C0E7C666}"/>
+              </a:ext>
+            </a:extLst>
+          </p:cNvPr>
+          <p:cNvSpPr>
+            <a:spLocks noGrp="1"/>
+          </p:cNvSpPr>
+          <p:nvPr>
+            <p:ph idx="1"/>
+          </p:nvPr>
+        </p:nvSpPr>
+        <p:spPr/>
+        <p:txBody>
+          <a:bodyPr/>
+          <a:lstStyle/>
+          <a:p>
+            <a:endParaRPr lang="pt-BR" dirty="0"/>
+          </a:p>
+        </p:txBody>
+      </p:sp>
+      <p:sp>
+        <p:nvSpPr>
+          <p:cNvPr id="4" name="Espaço Reservado para Rodapé 3">
+            <a:extLst>
+              <a:ext uri="{FF2B5EF4-FFF2-40B4-BE49-F238E27FC236}">
+                <a16:creationId xmlns:a16="http://schemas.microsoft.com/office/drawing/2014/main" id="{6739F8A8-C8BA-402C-CBC7-A02F2C81E04B}"/>
+              </a:ext>
+            </a:extLst>
+          </p:cNvPr>
+          <p:cNvSpPr>
+            <a:spLocks noGrp="1"/>
+          </p:cNvSpPr>
+          <p:nvPr>
+            <p:ph type="ftr" sz="quarter" idx="11"/>
+          </p:nvPr>
+        </p:nvSpPr>
+        <p:spPr/>
+        <p:txBody>
+          <a:bodyPr/>
+          <a:lstStyle/>
+          <a:p>
+            <a:r>
+              <a:rPr lang="pt-BR" dirty="0"/>
+              <a:t>https://lucas.gardini.dev</a:t>
+            </a:r>
+          </a:p>
+        </p:txBody>
+      </p:sp>
+      <p:sp>
+        <p:nvSpPr>
+          <p:cNvPr id="5" name="Espaço Reservado para Número de Slide 4">
+            <a:extLst>
+              <a:ext uri="{FF2B5EF4-FFF2-40B4-BE49-F238E27FC236}">
+                <a16:creationId xmlns:a16="http://schemas.microsoft.com/office/drawing/2014/main" id="{DE18193C-5A4B-8531-1D52-CBD20E415CBF}"/>
+              </a:ext>
+            </a:extLst>
+          </p:cNvPr>
+          <p:cNvSpPr>
+            <a:spLocks noGrp="1"/>
+          </p:cNvSpPr>
+          <p:nvPr>
+            <p:ph type="sldNum" sz="quarter" idx="12"/>
+          </p:nvPr>
+        </p:nvSpPr>
+        <p:spPr/>
+        <p:txBody>
+          <a:bodyPr/>
+          <a:lstStyle/>
+          <a:p>
+            <a:fld id="{25237327-9CA3-4762-8749-00D99BA09B6B}" type="slidenum">
+              <a:rPr lang="pt-BR" smtClean="0"/>
+              <a:t>26</a:t>
+            </a:fld>
+            <a:endParaRPr lang="pt-BR"/>
+          </a:p>
+        </p:txBody>
+      </p:sp>
+    </p:spTree>
+    <p:extLst>
+      <p:ext uri="{BB962C8B-B14F-4D97-AF65-F5344CB8AC3E}">
+        <p14:creationId xmlns:p14="http://schemas.microsoft.com/office/powerpoint/2010/main" val="1900832391"/>
+      </p:ext>
+    </p:extLst>
+  </p:cSld>
+  <p:clrMapOvr>
+    <a:masterClrMapping/>
+  </p:clrMapOvr>
+</p:sld>
+</file>
+
+<file path=ppt/slides/slide27.xml><?xml version="1.0" encoding="utf-8"?>
+<p:sld xmlns:a="http://schemas.openxmlformats.org/drawingml/2006/main" xmlns:r="http://schemas.openxmlformats.org/officeDocument/2006/relationships" xmlns:p="http://schemas.openxmlformats.org/presentationml/2006/main">
+  <p:cSld>
+    <p:spTree>
+      <p:nvGrpSpPr>
+        <p:cNvPr id="1" name=""/>
+        <p:cNvGrpSpPr/>
+        <p:nvPr/>
+      </p:nvGrpSpPr>
+      <p:grpSpPr>
+        <a:xfrm>
+          <a:off x="0" y="0"/>
+          <a:ext cx="0" cy="0"/>
+          <a:chOff x="0" y="0"/>
+          <a:chExt cx="0" cy="0"/>
+        </a:xfrm>
+      </p:grpSpPr>
+      <p:sp>
+        <p:nvSpPr>
+          <p:cNvPr id="2" name="Título 1">
+            <a:extLst>
+              <a:ext uri="{FF2B5EF4-FFF2-40B4-BE49-F238E27FC236}">
+                <a16:creationId xmlns:a16="http://schemas.microsoft.com/office/drawing/2014/main" id="{F0EA80E2-15DD-ABEB-539C-D3721B78C834}"/>
+              </a:ext>
+            </a:extLst>
+          </p:cNvPr>
+          <p:cNvSpPr>
+            <a:spLocks noGrp="1"/>
+          </p:cNvSpPr>
+          <p:nvPr>
+            <p:ph type="title"/>
+          </p:nvPr>
+        </p:nvSpPr>
+        <p:spPr/>
+        <p:txBody>
+          <a:bodyPr/>
+          <a:lstStyle/>
+          <a:p>
+            <a:r>
+              <a:rPr lang="pt-BR" b="1" i="0" dirty="0">
+                <a:effectLst/>
+                <a:latin typeface="Söhne"/>
+              </a:rPr>
+              <a:t>Segurança</a:t>
+            </a:r>
+            <a:br>
+              <a:rPr lang="pt-BR" b="1" i="0" dirty="0">
+                <a:effectLst/>
+                <a:latin typeface="Söhne"/>
+              </a:rPr>
+            </a:br>
+            <a:r>
+              <a:rPr lang="pt-BR" sz="2000" dirty="0">
+                <a:latin typeface="Söhne"/>
+              </a:rPr>
+              <a:t>Boas práticas de segurança.</a:t>
+            </a:r>
+            <a:endParaRPr lang="pt-BR" dirty="0"/>
+          </a:p>
+        </p:txBody>
+      </p:sp>
+      <p:sp>
+        <p:nvSpPr>
+          <p:cNvPr id="3" name="Espaço Reservado para Conteúdo 2">
+            <a:extLst>
+              <a:ext uri="{FF2B5EF4-FFF2-40B4-BE49-F238E27FC236}">
+                <a16:creationId xmlns:a16="http://schemas.microsoft.com/office/drawing/2014/main" id="{1812B3A2-0B9F-7A1D-29BE-5783C0E7C666}"/>
+              </a:ext>
+            </a:extLst>
+          </p:cNvPr>
+          <p:cNvSpPr>
+            <a:spLocks noGrp="1"/>
+          </p:cNvSpPr>
+          <p:nvPr>
+            <p:ph idx="1"/>
+          </p:nvPr>
+        </p:nvSpPr>
+        <p:spPr/>
+        <p:txBody>
+          <a:bodyPr/>
+          <a:lstStyle/>
+          <a:p>
+            <a:endParaRPr lang="pt-BR" dirty="0"/>
+          </a:p>
+        </p:txBody>
+      </p:sp>
+      <p:sp>
+        <p:nvSpPr>
+          <p:cNvPr id="4" name="Espaço Reservado para Rodapé 3">
+            <a:extLst>
+              <a:ext uri="{FF2B5EF4-FFF2-40B4-BE49-F238E27FC236}">
+                <a16:creationId xmlns:a16="http://schemas.microsoft.com/office/drawing/2014/main" id="{6739F8A8-C8BA-402C-CBC7-A02F2C81E04B}"/>
+              </a:ext>
+            </a:extLst>
+          </p:cNvPr>
+          <p:cNvSpPr>
+            <a:spLocks noGrp="1"/>
+          </p:cNvSpPr>
+          <p:nvPr>
+            <p:ph type="ftr" sz="quarter" idx="11"/>
+          </p:nvPr>
+        </p:nvSpPr>
+        <p:spPr/>
+        <p:txBody>
+          <a:bodyPr/>
+          <a:lstStyle/>
+          <a:p>
+            <a:r>
+              <a:rPr lang="pt-BR" dirty="0"/>
+              <a:t>https://lucas.gardini.dev</a:t>
+            </a:r>
+          </a:p>
+        </p:txBody>
+      </p:sp>
+      <p:sp>
+        <p:nvSpPr>
+          <p:cNvPr id="5" name="Espaço Reservado para Número de Slide 4">
+            <a:extLst>
+              <a:ext uri="{FF2B5EF4-FFF2-40B4-BE49-F238E27FC236}">
+                <a16:creationId xmlns:a16="http://schemas.microsoft.com/office/drawing/2014/main" id="{DE18193C-5A4B-8531-1D52-CBD20E415CBF}"/>
+              </a:ext>
+            </a:extLst>
+          </p:cNvPr>
+          <p:cNvSpPr>
+            <a:spLocks noGrp="1"/>
+          </p:cNvSpPr>
+          <p:nvPr>
+            <p:ph type="sldNum" sz="quarter" idx="12"/>
+          </p:nvPr>
+        </p:nvSpPr>
+        <p:spPr/>
+        <p:txBody>
+          <a:bodyPr/>
+          <a:lstStyle/>
+          <a:p>
+            <a:fld id="{25237327-9CA3-4762-8749-00D99BA09B6B}" type="slidenum">
+              <a:rPr lang="pt-BR" smtClean="0"/>
+              <a:t>27</a:t>
+            </a:fld>
+            <a:endParaRPr lang="pt-BR"/>
+          </a:p>
+        </p:txBody>
+      </p:sp>
+    </p:spTree>
+    <p:extLst>
+      <p:ext uri="{BB962C8B-B14F-4D97-AF65-F5344CB8AC3E}">
+        <p14:creationId xmlns:p14="http://schemas.microsoft.com/office/powerpoint/2010/main" val="2782248189"/>
+      </p:ext>
+    </p:extLst>
+  </p:cSld>
+  <p:clrMapOvr>
+    <a:masterClrMapping/>
+  </p:clrMapOvr>
+</p:sld>
+</file>
+
+<file path=ppt/slides/slide28.xml><?xml version="1.0" encoding="utf-8"?>
+<p:sld xmlns:a="http://schemas.openxmlformats.org/drawingml/2006/main" xmlns:r="http://schemas.openxmlformats.org/officeDocument/2006/relationships" xmlns:p="http://schemas.openxmlformats.org/presentationml/2006/main">
+  <p:cSld>
+    <p:spTree>
+      <p:nvGrpSpPr>
+        <p:cNvPr id="1" name=""/>
+        <p:cNvGrpSpPr/>
+        <p:nvPr/>
+      </p:nvGrpSpPr>
+      <p:grpSpPr>
+        <a:xfrm>
+          <a:off x="0" y="0"/>
+          <a:ext cx="0" cy="0"/>
+          <a:chOff x="0" y="0"/>
+          <a:chExt cx="0" cy="0"/>
+        </a:xfrm>
+      </p:grpSpPr>
+      <p:sp>
+        <p:nvSpPr>
+          <p:cNvPr id="4" name="Espaço Reservado para Número de Slide 3">
+            <a:extLst>
+              <a:ext uri="{FF2B5EF4-FFF2-40B4-BE49-F238E27FC236}">
+                <a16:creationId xmlns:a16="http://schemas.microsoft.com/office/drawing/2014/main" id="{7D0ADA87-DAA8-3E4F-5D82-BEFEFA209AE3}"/>
+              </a:ext>
+            </a:extLst>
+          </p:cNvPr>
+          <p:cNvSpPr>
+            <a:spLocks noGrp="1"/>
+          </p:cNvSpPr>
+          <p:nvPr>
+            <p:ph type="sldNum" sz="quarter" idx="12"/>
+          </p:nvPr>
+        </p:nvSpPr>
+        <p:spPr>
+          <a:xfrm>
+            <a:off x="11079045" y="6316601"/>
+            <a:ext cx="1062155" cy="490599"/>
+          </a:xfrm>
+        </p:spPr>
+        <p:txBody>
+          <a:bodyPr/>
+          <a:lstStyle/>
+          <a:p>
+            <a:fld id="{25237327-9CA3-4762-8749-00D99BA09B6B}" type="slidenum">
+              <a:rPr lang="pt-BR" b="1" smtClean="0">
+                <a:solidFill>
+                  <a:schemeClr val="tx1"/>
+                </a:solidFill>
+              </a:rPr>
+              <a:t>28</a:t>
+            </a:fld>
+            <a:endParaRPr lang="pt-BR" b="1" dirty="0">
+              <a:solidFill>
+                <a:schemeClr val="tx1"/>
+              </a:solidFill>
+            </a:endParaRPr>
+          </a:p>
+        </p:txBody>
+      </p:sp>
+      <p:grpSp>
+        <p:nvGrpSpPr>
+          <p:cNvPr id="14" name="Agrupar 13">
+            <a:extLst>
+              <a:ext uri="{FF2B5EF4-FFF2-40B4-BE49-F238E27FC236}">
+                <a16:creationId xmlns:a16="http://schemas.microsoft.com/office/drawing/2014/main" id="{3A131335-0210-9973-B748-9747392A7A99}"/>
+              </a:ext>
+            </a:extLst>
+          </p:cNvPr>
+          <p:cNvGrpSpPr/>
+          <p:nvPr/>
+        </p:nvGrpSpPr>
+        <p:grpSpPr>
+          <a:xfrm>
+            <a:off x="5722808" y="6341706"/>
+            <a:ext cx="746384" cy="429208"/>
+            <a:chOff x="4350679" y="5579706"/>
+            <a:chExt cx="746384" cy="429208"/>
+          </a:xfrm>
+        </p:grpSpPr>
+        <p:pic>
+          <p:nvPicPr>
+            <p:cNvPr id="9" name="Gráfico 8">
+              <a:extLst>
+                <a:ext uri="{FF2B5EF4-FFF2-40B4-BE49-F238E27FC236}">
+                  <a16:creationId xmlns:a16="http://schemas.microsoft.com/office/drawing/2014/main" id="{68B00CCA-1769-F355-0991-F88AFB028207}"/>
+                </a:ext>
+              </a:extLst>
+            </p:cNvPr>
+            <p:cNvPicPr>
+              <a:picLocks noChangeAspect="1"/>
+            </p:cNvPicPr>
+            <p:nvPr/>
+          </p:nvPicPr>
+          <p:blipFill>
+            <a:blip r:embed="rId2">
+              <a:extLst>
+                <a:ext uri="{28A0092B-C50C-407E-A947-70E740481C1C}">
+                  <a14:useLocalDpi xmlns:a14="http://schemas.microsoft.com/office/drawing/2010/main" val="0"/>
+                </a:ext>
+                <a:ext uri="{96DAC541-7B7A-43D3-8B79-37D633B846F1}">
+                  <asvg:svgBlip xmlns:asvg="http://schemas.microsoft.com/office/drawing/2016/SVG/main" r:embed="rId3"/>
+                </a:ext>
+              </a:extLst>
+            </a:blip>
+            <a:stretch>
+              <a:fillRect/>
+            </a:stretch>
+          </p:blipFill>
+          <p:spPr>
+            <a:xfrm>
+              <a:off x="4350679" y="5619390"/>
+              <a:ext cx="360000" cy="360000"/>
+            </a:xfrm>
+            <a:prstGeom prst="rect">
+              <a:avLst/>
+            </a:prstGeom>
+          </p:spPr>
+        </p:pic>
+        <p:pic>
+          <p:nvPicPr>
+            <p:cNvPr id="1026" name="Picture 2" descr="V Semana de Turismo IFSP Barretos">
+              <a:extLst>
+                <a:ext uri="{FF2B5EF4-FFF2-40B4-BE49-F238E27FC236}">
+                  <a16:creationId xmlns:a16="http://schemas.microsoft.com/office/drawing/2014/main" id="{43520D69-6128-EE21-87C6-87C10FF9165F}"/>
+                </a:ext>
+              </a:extLst>
+            </p:cNvPr>
+            <p:cNvPicPr>
+              <a:picLocks noChangeAspect="1" noChangeArrowheads="1"/>
+            </p:cNvPicPr>
+            <p:nvPr/>
+          </p:nvPicPr>
+          <p:blipFill>
+            <a:blip r:embed="rId4">
+              <a:extLst>
+                <a:ext uri="{28A0092B-C50C-407E-A947-70E740481C1C}">
+                  <a14:useLocalDpi xmlns:a14="http://schemas.microsoft.com/office/drawing/2010/main" val="0"/>
+                </a:ext>
+              </a:extLst>
+            </a:blip>
+            <a:srcRect/>
+            <a:stretch>
+              <a:fillRect/>
+            </a:stretch>
+          </p:blipFill>
+          <p:spPr bwMode="auto">
+            <a:xfrm>
+              <a:off x="4869227" y="5641759"/>
+              <a:ext cx="227836" cy="305101"/>
+            </a:xfrm>
+            <a:prstGeom prst="rect">
+              <a:avLst/>
+            </a:prstGeom>
+            <a:noFill/>
+            <a:extLst>
+              <a:ext uri="{909E8E84-426E-40DD-AFC4-6F175D3DCCD1}">
+                <a14:hiddenFill xmlns:a14="http://schemas.microsoft.com/office/drawing/2010/main">
+                  <a:solidFill>
+                    <a:srgbClr val="FFFFFF"/>
+                  </a:solidFill>
+                </a14:hiddenFill>
+              </a:ext>
+            </a:extLst>
+          </p:spPr>
+        </p:pic>
+        <p:cxnSp>
+          <p:nvCxnSpPr>
+            <p:cNvPr id="11" name="Conector reto 10">
+              <a:extLst>
+                <a:ext uri="{FF2B5EF4-FFF2-40B4-BE49-F238E27FC236}">
+                  <a16:creationId xmlns:a16="http://schemas.microsoft.com/office/drawing/2014/main" id="{5D6B378A-D998-4925-FFCA-9A0F3370C250}"/>
+                </a:ext>
+              </a:extLst>
+            </p:cNvPr>
+            <p:cNvCxnSpPr>
+              <a:cxnSpLocks/>
+            </p:cNvCxnSpPr>
+            <p:nvPr/>
+          </p:nvCxnSpPr>
+          <p:spPr>
+            <a:xfrm>
+              <a:off x="4743269" y="5579706"/>
+              <a:ext cx="0" cy="429208"/>
+            </a:xfrm>
+            <a:prstGeom prst="line">
+              <a:avLst/>
+            </a:prstGeom>
+            <a:ln>
+              <a:solidFill>
+                <a:schemeClr val="tx1"/>
+              </a:solidFill>
+            </a:ln>
+          </p:spPr>
+          <p:style>
+            <a:lnRef idx="1">
+              <a:schemeClr val="accent1"/>
+            </a:lnRef>
+            <a:fillRef idx="0">
+              <a:schemeClr val="accent1"/>
+            </a:fillRef>
+            <a:effectRef idx="0">
+              <a:schemeClr val="accent1"/>
+            </a:effectRef>
+            <a:fontRef idx="minor">
+              <a:schemeClr val="tx1"/>
+            </a:fontRef>
+          </p:style>
+        </p:cxnSp>
+      </p:grpSp>
+      <p:sp>
+        <p:nvSpPr>
+          <p:cNvPr id="15" name="Espaço Reservado para Rodapé 14">
+            <a:extLst>
+              <a:ext uri="{FF2B5EF4-FFF2-40B4-BE49-F238E27FC236}">
+                <a16:creationId xmlns:a16="http://schemas.microsoft.com/office/drawing/2014/main" id="{FF285D15-CA04-0574-4AAD-47ADEE6CFB3B}"/>
+              </a:ext>
+            </a:extLst>
+          </p:cNvPr>
+          <p:cNvSpPr>
+            <a:spLocks noGrp="1"/>
+          </p:cNvSpPr>
+          <p:nvPr>
+            <p:ph type="ftr" sz="quarter" idx="11"/>
+          </p:nvPr>
+        </p:nvSpPr>
+        <p:spPr>
+          <a:xfrm>
+            <a:off x="50800" y="6442075"/>
+            <a:ext cx="3291839" cy="365125"/>
+          </a:xfrm>
+        </p:spPr>
+        <p:txBody>
+          <a:bodyPr/>
+          <a:lstStyle/>
+          <a:p>
+            <a:r>
+              <a:rPr lang="pt-BR" sz="1600" dirty="0"/>
+              <a:t>https://lucasgardini.com</a:t>
+            </a:r>
+          </a:p>
+        </p:txBody>
+      </p:sp>
+      <p:sp>
+        <p:nvSpPr>
+          <p:cNvPr id="2" name="CaixaDeTexto 1">
+            <a:extLst>
+              <a:ext uri="{FF2B5EF4-FFF2-40B4-BE49-F238E27FC236}">
+                <a16:creationId xmlns:a16="http://schemas.microsoft.com/office/drawing/2014/main" id="{3F89F942-F2B5-EBBE-126B-E2759FD22242}"/>
+              </a:ext>
+            </a:extLst>
+          </p:cNvPr>
+          <p:cNvSpPr txBox="1"/>
+          <p:nvPr/>
+        </p:nvSpPr>
+        <p:spPr>
+          <a:xfrm>
+            <a:off x="670272" y="1726164"/>
+            <a:ext cx="7146508" cy="2308324"/>
+          </a:xfrm>
+          <a:prstGeom prst="rect">
+            <a:avLst/>
+          </a:prstGeom>
+          <a:noFill/>
+        </p:spPr>
+        <p:txBody>
+          <a:bodyPr wrap="none" rtlCol="0">
+            <a:spAutoFit/>
+          </a:bodyPr>
+          <a:lstStyle/>
+          <a:p>
+            <a:r>
+              <a:rPr lang="pt-BR" sz="7200" b="1" dirty="0">
+                <a:effectLst>
+                  <a:outerShdw blurRad="50800" dist="38100" dir="2700000" algn="tl" rotWithShape="0">
+                    <a:prstClr val="black">
+                      <a:alpha val="40000"/>
+                    </a:prstClr>
+                  </a:outerShdw>
+                </a:effectLst>
+              </a:rPr>
+              <a:t>FERRAMENTAS E</a:t>
+            </a:r>
+          </a:p>
+          <a:p>
+            <a:r>
+              <a:rPr lang="pt-BR" sz="7200" b="1" dirty="0">
+                <a:effectLst>
+                  <a:outerShdw blurRad="50800" dist="38100" dir="2700000" algn="tl" rotWithShape="0">
+                    <a:prstClr val="black">
+                      <a:alpha val="40000"/>
+                    </a:prstClr>
+                  </a:outerShdw>
+                </a:effectLst>
+              </a:rPr>
+              <a:t>ECOSSISTEMA</a:t>
+            </a:r>
+          </a:p>
+        </p:txBody>
+      </p:sp>
+    </p:spTree>
+    <p:extLst>
+      <p:ext uri="{BB962C8B-B14F-4D97-AF65-F5344CB8AC3E}">
+        <p14:creationId xmlns:p14="http://schemas.microsoft.com/office/powerpoint/2010/main" val="1293162682"/>
+      </p:ext>
+    </p:extLst>
+  </p:cSld>
+  <p:clrMapOvr>
+    <a:masterClrMapping/>
+  </p:clrMapOvr>
+</p:sld>
+</file>
+
+<file path=ppt/slides/slide29.xml><?xml version="1.0" encoding="utf-8"?>
+<p:sld xmlns:a="http://schemas.openxmlformats.org/drawingml/2006/main" xmlns:r="http://schemas.openxmlformats.org/officeDocument/2006/relationships" xmlns:p="http://schemas.openxmlformats.org/presentationml/2006/main">
+  <p:cSld>
+    <p:spTree>
+      <p:nvGrpSpPr>
+        <p:cNvPr id="1" name=""/>
+        <p:cNvGrpSpPr/>
+        <p:nvPr/>
+      </p:nvGrpSpPr>
+      <p:grpSpPr>
+        <a:xfrm>
+          <a:off x="0" y="0"/>
+          <a:ext cx="0" cy="0"/>
+          <a:chOff x="0" y="0"/>
+          <a:chExt cx="0" cy="0"/>
+        </a:xfrm>
+      </p:grpSpPr>
+      <p:sp>
+        <p:nvSpPr>
+          <p:cNvPr id="2" name="Título 1">
+            <a:extLst>
+              <a:ext uri="{FF2B5EF4-FFF2-40B4-BE49-F238E27FC236}">
+                <a16:creationId xmlns:a16="http://schemas.microsoft.com/office/drawing/2014/main" id="{F0EA80E2-15DD-ABEB-539C-D3721B78C834}"/>
+              </a:ext>
+            </a:extLst>
+          </p:cNvPr>
+          <p:cNvSpPr>
+            <a:spLocks noGrp="1"/>
+          </p:cNvSpPr>
+          <p:nvPr>
+            <p:ph type="title"/>
+          </p:nvPr>
+        </p:nvSpPr>
+        <p:spPr/>
+        <p:txBody>
+          <a:bodyPr/>
+          <a:lstStyle/>
+          <a:p>
+            <a:r>
+              <a:rPr lang="pt-BR" b="1" i="0" dirty="0">
+                <a:effectLst/>
+                <a:latin typeface="Söhne"/>
+              </a:rPr>
+              <a:t>Ferramentas e Ecossistema</a:t>
+            </a:r>
+            <a:br>
+              <a:rPr lang="pt-BR" b="1" i="0" dirty="0">
+                <a:effectLst/>
+                <a:latin typeface="Söhne"/>
+              </a:rPr>
+            </a:br>
+            <a:r>
+              <a:rPr lang="pt-BR" sz="2000" dirty="0">
+                <a:latin typeface="Söhne"/>
+              </a:rPr>
+              <a:t>Compass: a ferramenta oficial de GUI.</a:t>
+            </a:r>
+            <a:endParaRPr lang="pt-BR" dirty="0"/>
+          </a:p>
+        </p:txBody>
+      </p:sp>
+      <p:sp>
+        <p:nvSpPr>
+          <p:cNvPr id="3" name="Espaço Reservado para Conteúdo 2">
+            <a:extLst>
+              <a:ext uri="{FF2B5EF4-FFF2-40B4-BE49-F238E27FC236}">
+                <a16:creationId xmlns:a16="http://schemas.microsoft.com/office/drawing/2014/main" id="{1812B3A2-0B9F-7A1D-29BE-5783C0E7C666}"/>
+              </a:ext>
+            </a:extLst>
+          </p:cNvPr>
+          <p:cNvSpPr>
+            <a:spLocks noGrp="1"/>
+          </p:cNvSpPr>
+          <p:nvPr>
+            <p:ph idx="1"/>
+          </p:nvPr>
+        </p:nvSpPr>
+        <p:spPr/>
+        <p:txBody>
+          <a:bodyPr/>
+          <a:lstStyle/>
+          <a:p>
+            <a:endParaRPr lang="pt-BR" dirty="0"/>
+          </a:p>
+        </p:txBody>
+      </p:sp>
+      <p:sp>
+        <p:nvSpPr>
+          <p:cNvPr id="4" name="Espaço Reservado para Rodapé 3">
+            <a:extLst>
+              <a:ext uri="{FF2B5EF4-FFF2-40B4-BE49-F238E27FC236}">
+                <a16:creationId xmlns:a16="http://schemas.microsoft.com/office/drawing/2014/main" id="{6739F8A8-C8BA-402C-CBC7-A02F2C81E04B}"/>
+              </a:ext>
+            </a:extLst>
+          </p:cNvPr>
+          <p:cNvSpPr>
+            <a:spLocks noGrp="1"/>
+          </p:cNvSpPr>
+          <p:nvPr>
+            <p:ph type="ftr" sz="quarter" idx="11"/>
+          </p:nvPr>
+        </p:nvSpPr>
+        <p:spPr/>
+        <p:txBody>
+          <a:bodyPr/>
+          <a:lstStyle/>
+          <a:p>
+            <a:r>
+              <a:rPr lang="pt-BR" dirty="0"/>
+              <a:t>https://lucas.gardini.dev</a:t>
+            </a:r>
+          </a:p>
+        </p:txBody>
+      </p:sp>
+      <p:sp>
+        <p:nvSpPr>
+          <p:cNvPr id="5" name="Espaço Reservado para Número de Slide 4">
+            <a:extLst>
+              <a:ext uri="{FF2B5EF4-FFF2-40B4-BE49-F238E27FC236}">
+                <a16:creationId xmlns:a16="http://schemas.microsoft.com/office/drawing/2014/main" id="{DE18193C-5A4B-8531-1D52-CBD20E415CBF}"/>
+              </a:ext>
+            </a:extLst>
+          </p:cNvPr>
+          <p:cNvSpPr>
+            <a:spLocks noGrp="1"/>
+          </p:cNvSpPr>
+          <p:nvPr>
+            <p:ph type="sldNum" sz="quarter" idx="12"/>
+          </p:nvPr>
+        </p:nvSpPr>
+        <p:spPr/>
+        <p:txBody>
+          <a:bodyPr/>
+          <a:lstStyle/>
+          <a:p>
+            <a:fld id="{25237327-9CA3-4762-8749-00D99BA09B6B}" type="slidenum">
+              <a:rPr lang="pt-BR" smtClean="0"/>
+              <a:t>29</a:t>
+            </a:fld>
+            <a:endParaRPr lang="pt-BR"/>
+          </a:p>
+        </p:txBody>
+      </p:sp>
+    </p:spTree>
+    <p:extLst>
+      <p:ext uri="{BB962C8B-B14F-4D97-AF65-F5344CB8AC3E}">
+        <p14:creationId xmlns:p14="http://schemas.microsoft.com/office/powerpoint/2010/main" val="3929898778"/>
+      </p:ext>
+    </p:extLst>
+  </p:cSld>
+  <p:clrMapOvr>
+    <a:masterClrMapping/>
+  </p:clrMapOvr>
+</p:sld>
+</file>
+
+<file path=ppt/slides/slide3.xml><?xml version="1.0" encoding="utf-8"?>
+<p:sld xmlns:a="http://schemas.openxmlformats.org/drawingml/2006/main" xmlns:r="http://schemas.openxmlformats.org/officeDocument/2006/relationships" xmlns:p="http://schemas.openxmlformats.org/presentationml/2006/main">
+  <p:cSld>
+    <p:spTree>
+      <p:nvGrpSpPr>
+        <p:cNvPr id="1" name=""/>
+        <p:cNvGrpSpPr/>
+        <p:nvPr/>
+      </p:nvGrpSpPr>
+      <p:grpSpPr>
+        <a:xfrm>
+          <a:off x="0" y="0"/>
+          <a:ext cx="0" cy="0"/>
+          <a:chOff x="0" y="0"/>
+          <a:chExt cx="0" cy="0"/>
+        </a:xfrm>
+      </p:grpSpPr>
+      <p:sp>
+        <p:nvSpPr>
+          <p:cNvPr id="2" name="Título 1">
+            <a:extLst>
+              <a:ext uri="{FF2B5EF4-FFF2-40B4-BE49-F238E27FC236}">
+                <a16:creationId xmlns:a16="http://schemas.microsoft.com/office/drawing/2014/main" id="{F0EA80E2-15DD-ABEB-539C-D3721B78C834}"/>
+              </a:ext>
+            </a:extLst>
+          </p:cNvPr>
+          <p:cNvSpPr>
+            <a:spLocks noGrp="1"/>
+          </p:cNvSpPr>
+          <p:nvPr>
+            <p:ph type="title"/>
+          </p:nvPr>
+        </p:nvSpPr>
+        <p:spPr/>
+        <p:txBody>
+          <a:bodyPr/>
+          <a:lstStyle/>
+          <a:p>
+            <a:r>
+              <a:rPr lang="pt-BR" b="1" i="0" dirty="0">
+                <a:effectLst/>
+                <a:latin typeface="Söhne"/>
+              </a:rPr>
+              <a:t>Introdução ao </a:t>
+            </a:r>
+            <a:r>
+              <a:rPr lang="pt-BR" b="1" i="0" dirty="0" err="1">
+                <a:effectLst/>
+                <a:latin typeface="Söhne"/>
+              </a:rPr>
+              <a:t>MongoDB</a:t>
+            </a:r>
+            <a:br>
+              <a:rPr lang="pt-BR" b="1" i="0" dirty="0">
+                <a:effectLst/>
+                <a:latin typeface="Söhne"/>
+              </a:rPr>
+            </a:br>
+            <a:r>
+              <a:rPr lang="pt-BR" sz="2000" b="1" i="0" dirty="0">
+                <a:effectLst/>
+                <a:latin typeface="Söhne"/>
+              </a:rPr>
+              <a:t>Breve histórico e evolução do </a:t>
+            </a:r>
+            <a:r>
+              <a:rPr lang="pt-BR" sz="2000" b="1" i="0" dirty="0" err="1">
+                <a:effectLst/>
+                <a:latin typeface="Söhne"/>
+              </a:rPr>
+              <a:t>MongoDB</a:t>
+            </a:r>
+            <a:r>
+              <a:rPr lang="pt-BR" sz="2000" b="1" i="0" dirty="0">
+                <a:effectLst/>
+                <a:latin typeface="Söhne"/>
+              </a:rPr>
+              <a:t>.</a:t>
+            </a:r>
+            <a:endParaRPr lang="pt-BR" dirty="0"/>
+          </a:p>
+        </p:txBody>
+      </p:sp>
+      <p:sp>
+        <p:nvSpPr>
+          <p:cNvPr id="3" name="Espaço Reservado para Conteúdo 2">
+            <a:extLst>
+              <a:ext uri="{FF2B5EF4-FFF2-40B4-BE49-F238E27FC236}">
+                <a16:creationId xmlns:a16="http://schemas.microsoft.com/office/drawing/2014/main" id="{1812B3A2-0B9F-7A1D-29BE-5783C0E7C666}"/>
+              </a:ext>
+            </a:extLst>
+          </p:cNvPr>
+          <p:cNvSpPr>
+            <a:spLocks noGrp="1"/>
+          </p:cNvSpPr>
+          <p:nvPr>
+            <p:ph idx="1"/>
+          </p:nvPr>
+        </p:nvSpPr>
+        <p:spPr/>
+        <p:txBody>
+          <a:bodyPr/>
+          <a:lstStyle/>
+          <a:p>
+            <a:endParaRPr lang="pt-BR" dirty="0"/>
+          </a:p>
+        </p:txBody>
+      </p:sp>
+      <p:sp>
+        <p:nvSpPr>
+          <p:cNvPr id="4" name="Espaço Reservado para Rodapé 3">
+            <a:extLst>
+              <a:ext uri="{FF2B5EF4-FFF2-40B4-BE49-F238E27FC236}">
+                <a16:creationId xmlns:a16="http://schemas.microsoft.com/office/drawing/2014/main" id="{6739F8A8-C8BA-402C-CBC7-A02F2C81E04B}"/>
+              </a:ext>
+            </a:extLst>
+          </p:cNvPr>
+          <p:cNvSpPr>
+            <a:spLocks noGrp="1"/>
+          </p:cNvSpPr>
+          <p:nvPr>
+            <p:ph type="ftr" sz="quarter" idx="11"/>
+          </p:nvPr>
+        </p:nvSpPr>
+        <p:spPr/>
+        <p:txBody>
+          <a:bodyPr/>
+          <a:lstStyle/>
+          <a:p>
+            <a:r>
+              <a:rPr lang="pt-BR" dirty="0"/>
+              <a:t>https://lucas.gardini.dev</a:t>
+            </a:r>
+          </a:p>
+        </p:txBody>
+      </p:sp>
+      <p:sp>
+        <p:nvSpPr>
+          <p:cNvPr id="5" name="Espaço Reservado para Número de Slide 4">
+            <a:extLst>
+              <a:ext uri="{FF2B5EF4-FFF2-40B4-BE49-F238E27FC236}">
+                <a16:creationId xmlns:a16="http://schemas.microsoft.com/office/drawing/2014/main" id="{DE18193C-5A4B-8531-1D52-CBD20E415CBF}"/>
+              </a:ext>
+            </a:extLst>
+          </p:cNvPr>
+          <p:cNvSpPr>
+            <a:spLocks noGrp="1"/>
+          </p:cNvSpPr>
+          <p:nvPr>
+            <p:ph type="sldNum" sz="quarter" idx="12"/>
+          </p:nvPr>
+        </p:nvSpPr>
+        <p:spPr/>
+        <p:txBody>
+          <a:bodyPr/>
+          <a:lstStyle/>
+          <a:p>
+            <a:fld id="{25237327-9CA3-4762-8749-00D99BA09B6B}" type="slidenum">
+              <a:rPr lang="pt-BR" smtClean="0"/>
+              <a:t>3</a:t>
+            </a:fld>
+            <a:endParaRPr lang="pt-BR"/>
+          </a:p>
+        </p:txBody>
+      </p:sp>
+    </p:spTree>
+    <p:extLst>
+      <p:ext uri="{BB962C8B-B14F-4D97-AF65-F5344CB8AC3E}">
+        <p14:creationId xmlns:p14="http://schemas.microsoft.com/office/powerpoint/2010/main" val="1815465601"/>
+      </p:ext>
+    </p:extLst>
+  </p:cSld>
+  <p:clrMapOvr>
+    <a:masterClrMapping/>
+  </p:clrMapOvr>
+</p:sld>
+</file>
+
+<file path=ppt/slides/slide30.xml><?xml version="1.0" encoding="utf-8"?>
+<p:sld xmlns:a="http://schemas.openxmlformats.org/drawingml/2006/main" xmlns:r="http://schemas.openxmlformats.org/officeDocument/2006/relationships" xmlns:p="http://schemas.openxmlformats.org/presentationml/2006/main">
+  <p:cSld>
+    <p:spTree>
+      <p:nvGrpSpPr>
+        <p:cNvPr id="1" name=""/>
+        <p:cNvGrpSpPr/>
+        <p:nvPr/>
+      </p:nvGrpSpPr>
+      <p:grpSpPr>
+        <a:xfrm>
+          <a:off x="0" y="0"/>
+          <a:ext cx="0" cy="0"/>
+          <a:chOff x="0" y="0"/>
+          <a:chExt cx="0" cy="0"/>
+        </a:xfrm>
+      </p:grpSpPr>
+      <p:sp>
+        <p:nvSpPr>
+          <p:cNvPr id="2" name="Título 1">
+            <a:extLst>
+              <a:ext uri="{FF2B5EF4-FFF2-40B4-BE49-F238E27FC236}">
+                <a16:creationId xmlns:a16="http://schemas.microsoft.com/office/drawing/2014/main" id="{F0EA80E2-15DD-ABEB-539C-D3721B78C834}"/>
+              </a:ext>
+            </a:extLst>
+          </p:cNvPr>
+          <p:cNvSpPr>
+            <a:spLocks noGrp="1"/>
+          </p:cNvSpPr>
+          <p:nvPr>
+            <p:ph type="title"/>
+          </p:nvPr>
+        </p:nvSpPr>
+        <p:spPr/>
+        <p:txBody>
+          <a:bodyPr/>
+          <a:lstStyle/>
+          <a:p>
+            <a:r>
+              <a:rPr lang="pt-BR" b="1" i="0" dirty="0">
+                <a:effectLst/>
+                <a:latin typeface="Söhne"/>
+              </a:rPr>
+              <a:t>Ferramentas e Ecossistema</a:t>
+            </a:r>
+            <a:br>
+              <a:rPr lang="pt-BR" b="1" i="0" dirty="0">
+                <a:effectLst/>
+                <a:latin typeface="Söhne"/>
+              </a:rPr>
+            </a:br>
+            <a:r>
+              <a:rPr lang="pt-BR" sz="2000" dirty="0">
+                <a:latin typeface="Söhne"/>
+              </a:rPr>
+              <a:t>Drivers para diferentes linguagens de programação.</a:t>
+            </a:r>
+            <a:endParaRPr lang="pt-BR" dirty="0"/>
+          </a:p>
+        </p:txBody>
+      </p:sp>
+      <p:sp>
+        <p:nvSpPr>
+          <p:cNvPr id="3" name="Espaço Reservado para Conteúdo 2">
+            <a:extLst>
+              <a:ext uri="{FF2B5EF4-FFF2-40B4-BE49-F238E27FC236}">
+                <a16:creationId xmlns:a16="http://schemas.microsoft.com/office/drawing/2014/main" id="{1812B3A2-0B9F-7A1D-29BE-5783C0E7C666}"/>
+              </a:ext>
+            </a:extLst>
+          </p:cNvPr>
+          <p:cNvSpPr>
+            <a:spLocks noGrp="1"/>
+          </p:cNvSpPr>
+          <p:nvPr>
+            <p:ph idx="1"/>
+          </p:nvPr>
+        </p:nvSpPr>
+        <p:spPr/>
+        <p:txBody>
+          <a:bodyPr/>
+          <a:lstStyle/>
+          <a:p>
+            <a:endParaRPr lang="pt-BR" dirty="0"/>
+          </a:p>
+        </p:txBody>
+      </p:sp>
+      <p:sp>
+        <p:nvSpPr>
+          <p:cNvPr id="4" name="Espaço Reservado para Rodapé 3">
+            <a:extLst>
+              <a:ext uri="{FF2B5EF4-FFF2-40B4-BE49-F238E27FC236}">
+                <a16:creationId xmlns:a16="http://schemas.microsoft.com/office/drawing/2014/main" id="{6739F8A8-C8BA-402C-CBC7-A02F2C81E04B}"/>
+              </a:ext>
+            </a:extLst>
+          </p:cNvPr>
+          <p:cNvSpPr>
+            <a:spLocks noGrp="1"/>
+          </p:cNvSpPr>
+          <p:nvPr>
+            <p:ph type="ftr" sz="quarter" idx="11"/>
+          </p:nvPr>
+        </p:nvSpPr>
+        <p:spPr/>
+        <p:txBody>
+          <a:bodyPr/>
+          <a:lstStyle/>
+          <a:p>
+            <a:r>
+              <a:rPr lang="pt-BR" dirty="0"/>
+              <a:t>https://lucas.gardini.dev</a:t>
+            </a:r>
+          </a:p>
+        </p:txBody>
+      </p:sp>
+      <p:sp>
+        <p:nvSpPr>
+          <p:cNvPr id="5" name="Espaço Reservado para Número de Slide 4">
+            <a:extLst>
+              <a:ext uri="{FF2B5EF4-FFF2-40B4-BE49-F238E27FC236}">
+                <a16:creationId xmlns:a16="http://schemas.microsoft.com/office/drawing/2014/main" id="{DE18193C-5A4B-8531-1D52-CBD20E415CBF}"/>
+              </a:ext>
+            </a:extLst>
+          </p:cNvPr>
+          <p:cNvSpPr>
+            <a:spLocks noGrp="1"/>
+          </p:cNvSpPr>
+          <p:nvPr>
+            <p:ph type="sldNum" sz="quarter" idx="12"/>
+          </p:nvPr>
+        </p:nvSpPr>
+        <p:spPr/>
+        <p:txBody>
+          <a:bodyPr/>
+          <a:lstStyle/>
+          <a:p>
+            <a:fld id="{25237327-9CA3-4762-8749-00D99BA09B6B}" type="slidenum">
+              <a:rPr lang="pt-BR" smtClean="0"/>
+              <a:t>30</a:t>
+            </a:fld>
+            <a:endParaRPr lang="pt-BR"/>
+          </a:p>
+        </p:txBody>
+      </p:sp>
+    </p:spTree>
+    <p:extLst>
+      <p:ext uri="{BB962C8B-B14F-4D97-AF65-F5344CB8AC3E}">
+        <p14:creationId xmlns:p14="http://schemas.microsoft.com/office/powerpoint/2010/main" val="139497607"/>
+      </p:ext>
+    </p:extLst>
+  </p:cSld>
+  <p:clrMapOvr>
+    <a:masterClrMapping/>
+  </p:clrMapOvr>
+</p:sld>
+</file>
+
+<file path=ppt/slides/slide31.xml><?xml version="1.0" encoding="utf-8"?>
+<p:sld xmlns:a="http://schemas.openxmlformats.org/drawingml/2006/main" xmlns:r="http://schemas.openxmlformats.org/officeDocument/2006/relationships" xmlns:p="http://schemas.openxmlformats.org/presentationml/2006/main">
+  <p:cSld>
+    <p:spTree>
+      <p:nvGrpSpPr>
+        <p:cNvPr id="1" name=""/>
+        <p:cNvGrpSpPr/>
+        <p:nvPr/>
+      </p:nvGrpSpPr>
+      <p:grpSpPr>
+        <a:xfrm>
+          <a:off x="0" y="0"/>
+          <a:ext cx="0" cy="0"/>
+          <a:chOff x="0" y="0"/>
+          <a:chExt cx="0" cy="0"/>
+        </a:xfrm>
+      </p:grpSpPr>
+      <p:sp>
+        <p:nvSpPr>
+          <p:cNvPr id="4" name="Espaço Reservado para Número de Slide 3">
+            <a:extLst>
+              <a:ext uri="{FF2B5EF4-FFF2-40B4-BE49-F238E27FC236}">
+                <a16:creationId xmlns:a16="http://schemas.microsoft.com/office/drawing/2014/main" id="{7D0ADA87-DAA8-3E4F-5D82-BEFEFA209AE3}"/>
+              </a:ext>
+            </a:extLst>
+          </p:cNvPr>
+          <p:cNvSpPr>
+            <a:spLocks noGrp="1"/>
+          </p:cNvSpPr>
+          <p:nvPr>
+            <p:ph type="sldNum" sz="quarter" idx="12"/>
+          </p:nvPr>
+        </p:nvSpPr>
+        <p:spPr>
+          <a:xfrm>
+            <a:off x="11079045" y="6316601"/>
+            <a:ext cx="1062155" cy="490599"/>
+          </a:xfrm>
+        </p:spPr>
+        <p:txBody>
+          <a:bodyPr/>
+          <a:lstStyle/>
+          <a:p>
+            <a:fld id="{25237327-9CA3-4762-8749-00D99BA09B6B}" type="slidenum">
+              <a:rPr lang="pt-BR" b="1" smtClean="0">
+                <a:solidFill>
+                  <a:schemeClr val="tx1"/>
+                </a:solidFill>
+              </a:rPr>
+              <a:t>31</a:t>
+            </a:fld>
+            <a:endParaRPr lang="pt-BR" b="1" dirty="0">
+              <a:solidFill>
+                <a:schemeClr val="tx1"/>
+              </a:solidFill>
+            </a:endParaRPr>
+          </a:p>
+        </p:txBody>
+      </p:sp>
+      <p:grpSp>
+        <p:nvGrpSpPr>
+          <p:cNvPr id="14" name="Agrupar 13">
+            <a:extLst>
+              <a:ext uri="{FF2B5EF4-FFF2-40B4-BE49-F238E27FC236}">
+                <a16:creationId xmlns:a16="http://schemas.microsoft.com/office/drawing/2014/main" id="{3A131335-0210-9973-B748-9747392A7A99}"/>
+              </a:ext>
+            </a:extLst>
+          </p:cNvPr>
+          <p:cNvGrpSpPr/>
+          <p:nvPr/>
+        </p:nvGrpSpPr>
+        <p:grpSpPr>
+          <a:xfrm>
+            <a:off x="5722808" y="6341706"/>
+            <a:ext cx="746384" cy="429208"/>
+            <a:chOff x="4350679" y="5579706"/>
+            <a:chExt cx="746384" cy="429208"/>
+          </a:xfrm>
+        </p:grpSpPr>
+        <p:pic>
+          <p:nvPicPr>
+            <p:cNvPr id="9" name="Gráfico 8">
+              <a:extLst>
+                <a:ext uri="{FF2B5EF4-FFF2-40B4-BE49-F238E27FC236}">
+                  <a16:creationId xmlns:a16="http://schemas.microsoft.com/office/drawing/2014/main" id="{68B00CCA-1769-F355-0991-F88AFB028207}"/>
+                </a:ext>
+              </a:extLst>
+            </p:cNvPr>
+            <p:cNvPicPr>
+              <a:picLocks noChangeAspect="1"/>
+            </p:cNvPicPr>
+            <p:nvPr/>
+          </p:nvPicPr>
+          <p:blipFill>
+            <a:blip r:embed="rId2">
+              <a:extLst>
+                <a:ext uri="{28A0092B-C50C-407E-A947-70E740481C1C}">
+                  <a14:useLocalDpi xmlns:a14="http://schemas.microsoft.com/office/drawing/2010/main" val="0"/>
+                </a:ext>
+                <a:ext uri="{96DAC541-7B7A-43D3-8B79-37D633B846F1}">
+                  <asvg:svgBlip xmlns:asvg="http://schemas.microsoft.com/office/drawing/2016/SVG/main" r:embed="rId3"/>
+                </a:ext>
+              </a:extLst>
+            </a:blip>
+            <a:stretch>
+              <a:fillRect/>
+            </a:stretch>
+          </p:blipFill>
+          <p:spPr>
+            <a:xfrm>
+              <a:off x="4350679" y="5619390"/>
+              <a:ext cx="360000" cy="360000"/>
+            </a:xfrm>
+            <a:prstGeom prst="rect">
+              <a:avLst/>
+            </a:prstGeom>
+          </p:spPr>
+        </p:pic>
+        <p:pic>
+          <p:nvPicPr>
+            <p:cNvPr id="1026" name="Picture 2" descr="V Semana de Turismo IFSP Barretos">
+              <a:extLst>
+                <a:ext uri="{FF2B5EF4-FFF2-40B4-BE49-F238E27FC236}">
+                  <a16:creationId xmlns:a16="http://schemas.microsoft.com/office/drawing/2014/main" id="{43520D69-6128-EE21-87C6-87C10FF9165F}"/>
+                </a:ext>
+              </a:extLst>
+            </p:cNvPr>
+            <p:cNvPicPr>
+              <a:picLocks noChangeAspect="1" noChangeArrowheads="1"/>
+            </p:cNvPicPr>
+            <p:nvPr/>
+          </p:nvPicPr>
+          <p:blipFill>
+            <a:blip r:embed="rId4">
+              <a:extLst>
+                <a:ext uri="{28A0092B-C50C-407E-A947-70E740481C1C}">
+                  <a14:useLocalDpi xmlns:a14="http://schemas.microsoft.com/office/drawing/2010/main" val="0"/>
+                </a:ext>
+              </a:extLst>
+            </a:blip>
+            <a:srcRect/>
+            <a:stretch>
+              <a:fillRect/>
+            </a:stretch>
+          </p:blipFill>
+          <p:spPr bwMode="auto">
+            <a:xfrm>
+              <a:off x="4869227" y="5641759"/>
+              <a:ext cx="227836" cy="305101"/>
+            </a:xfrm>
+            <a:prstGeom prst="rect">
+              <a:avLst/>
+            </a:prstGeom>
+            <a:noFill/>
+            <a:extLst>
+              <a:ext uri="{909E8E84-426E-40DD-AFC4-6F175D3DCCD1}">
+                <a14:hiddenFill xmlns:a14="http://schemas.microsoft.com/office/drawing/2010/main">
+                  <a:solidFill>
+                    <a:srgbClr val="FFFFFF"/>
+                  </a:solidFill>
+                </a14:hiddenFill>
+              </a:ext>
+            </a:extLst>
+          </p:spPr>
+        </p:pic>
+        <p:cxnSp>
+          <p:nvCxnSpPr>
+            <p:cNvPr id="11" name="Conector reto 10">
+              <a:extLst>
+                <a:ext uri="{FF2B5EF4-FFF2-40B4-BE49-F238E27FC236}">
+                  <a16:creationId xmlns:a16="http://schemas.microsoft.com/office/drawing/2014/main" id="{5D6B378A-D998-4925-FFCA-9A0F3370C250}"/>
+                </a:ext>
+              </a:extLst>
+            </p:cNvPr>
+            <p:cNvCxnSpPr>
+              <a:cxnSpLocks/>
+            </p:cNvCxnSpPr>
+            <p:nvPr/>
+          </p:nvCxnSpPr>
+          <p:spPr>
+            <a:xfrm>
+              <a:off x="4743269" y="5579706"/>
+              <a:ext cx="0" cy="429208"/>
+            </a:xfrm>
+            <a:prstGeom prst="line">
+              <a:avLst/>
+            </a:prstGeom>
+            <a:ln>
+              <a:solidFill>
+                <a:schemeClr val="tx1"/>
+              </a:solidFill>
+            </a:ln>
+          </p:spPr>
+          <p:style>
+            <a:lnRef idx="1">
+              <a:schemeClr val="accent1"/>
+            </a:lnRef>
+            <a:fillRef idx="0">
+              <a:schemeClr val="accent1"/>
+            </a:fillRef>
+            <a:effectRef idx="0">
+              <a:schemeClr val="accent1"/>
+            </a:effectRef>
+            <a:fontRef idx="minor">
+              <a:schemeClr val="tx1"/>
+            </a:fontRef>
+          </p:style>
+        </p:cxnSp>
+      </p:grpSp>
+      <p:sp>
+        <p:nvSpPr>
+          <p:cNvPr id="15" name="Espaço Reservado para Rodapé 14">
+            <a:extLst>
+              <a:ext uri="{FF2B5EF4-FFF2-40B4-BE49-F238E27FC236}">
+                <a16:creationId xmlns:a16="http://schemas.microsoft.com/office/drawing/2014/main" id="{FF285D15-CA04-0574-4AAD-47ADEE6CFB3B}"/>
+              </a:ext>
+            </a:extLst>
+          </p:cNvPr>
+          <p:cNvSpPr>
+            <a:spLocks noGrp="1"/>
+          </p:cNvSpPr>
+          <p:nvPr>
+            <p:ph type="ftr" sz="quarter" idx="11"/>
+          </p:nvPr>
+        </p:nvSpPr>
+        <p:spPr>
+          <a:xfrm>
+            <a:off x="50800" y="6442075"/>
+            <a:ext cx="3291839" cy="365125"/>
+          </a:xfrm>
+        </p:spPr>
+        <p:txBody>
+          <a:bodyPr/>
+          <a:lstStyle/>
+          <a:p>
+            <a:r>
+              <a:rPr lang="pt-BR" sz="1600" dirty="0"/>
+              <a:t>https://lucasgardini.com</a:t>
+            </a:r>
+          </a:p>
+        </p:txBody>
+      </p:sp>
+      <p:sp>
+        <p:nvSpPr>
+          <p:cNvPr id="2" name="CaixaDeTexto 1">
+            <a:extLst>
+              <a:ext uri="{FF2B5EF4-FFF2-40B4-BE49-F238E27FC236}">
+                <a16:creationId xmlns:a16="http://schemas.microsoft.com/office/drawing/2014/main" id="{3F89F942-F2B5-EBBE-126B-E2759FD22242}"/>
+              </a:ext>
+            </a:extLst>
+          </p:cNvPr>
+          <p:cNvSpPr txBox="1"/>
+          <p:nvPr/>
+        </p:nvSpPr>
+        <p:spPr>
+          <a:xfrm>
+            <a:off x="670272" y="1726164"/>
+            <a:ext cx="6816290" cy="1200329"/>
+          </a:xfrm>
+          <a:prstGeom prst="rect">
+            <a:avLst/>
+          </a:prstGeom>
+          <a:noFill/>
+        </p:spPr>
+        <p:txBody>
+          <a:bodyPr wrap="none" rtlCol="0">
+            <a:spAutoFit/>
+          </a:bodyPr>
+          <a:lstStyle/>
+          <a:p>
+            <a:r>
+              <a:rPr lang="pt-BR" sz="7200" b="1" dirty="0">
+                <a:effectLst>
+                  <a:outerShdw blurRad="50800" dist="38100" dir="2700000" algn="tl" rotWithShape="0">
+                    <a:prstClr val="black">
+                      <a:alpha val="40000"/>
+                    </a:prstClr>
+                  </a:outerShdw>
+                </a:effectLst>
+              </a:rPr>
+              <a:t>CASOS DE USO</a:t>
+            </a:r>
+          </a:p>
+        </p:txBody>
+      </p:sp>
+    </p:spTree>
+    <p:extLst>
+      <p:ext uri="{BB962C8B-B14F-4D97-AF65-F5344CB8AC3E}">
+        <p14:creationId xmlns:p14="http://schemas.microsoft.com/office/powerpoint/2010/main" val="207230729"/>
+      </p:ext>
+    </p:extLst>
+  </p:cSld>
+  <p:clrMapOvr>
+    <a:masterClrMapping/>
+  </p:clrMapOvr>
+</p:sld>
+</file>
+
+<file path=ppt/slides/slide32.xml><?xml version="1.0" encoding="utf-8"?>
+<p:sld xmlns:a="http://schemas.openxmlformats.org/drawingml/2006/main" xmlns:r="http://schemas.openxmlformats.org/officeDocument/2006/relationships" xmlns:p="http://schemas.openxmlformats.org/presentationml/2006/main">
+  <p:cSld>
+    <p:spTree>
+      <p:nvGrpSpPr>
+        <p:cNvPr id="1" name=""/>
+        <p:cNvGrpSpPr/>
+        <p:nvPr/>
+      </p:nvGrpSpPr>
+      <p:grpSpPr>
+        <a:xfrm>
+          <a:off x="0" y="0"/>
+          <a:ext cx="0" cy="0"/>
+          <a:chOff x="0" y="0"/>
+          <a:chExt cx="0" cy="0"/>
+        </a:xfrm>
+      </p:grpSpPr>
+      <p:sp>
+        <p:nvSpPr>
+          <p:cNvPr id="2" name="Título 1">
+            <a:extLst>
+              <a:ext uri="{FF2B5EF4-FFF2-40B4-BE49-F238E27FC236}">
+                <a16:creationId xmlns:a16="http://schemas.microsoft.com/office/drawing/2014/main" id="{F0EA80E2-15DD-ABEB-539C-D3721B78C834}"/>
+              </a:ext>
+            </a:extLst>
+          </p:cNvPr>
+          <p:cNvSpPr>
+            <a:spLocks noGrp="1"/>
+          </p:cNvSpPr>
+          <p:nvPr>
+            <p:ph type="title"/>
+          </p:nvPr>
+        </p:nvSpPr>
+        <p:spPr/>
+        <p:txBody>
+          <a:bodyPr/>
+          <a:lstStyle/>
+          <a:p>
+            <a:r>
+              <a:rPr lang="pt-BR" b="1" i="0" dirty="0">
+                <a:effectLst/>
+                <a:latin typeface="Söhne"/>
+              </a:rPr>
+              <a:t>Casos de Uso</a:t>
+            </a:r>
+            <a:br>
+              <a:rPr lang="pt-BR" b="1" i="0" dirty="0">
+                <a:effectLst/>
+                <a:latin typeface="Söhne"/>
+              </a:rPr>
+            </a:br>
+            <a:r>
+              <a:rPr lang="pt-BR" sz="2000" dirty="0">
+                <a:latin typeface="Söhne"/>
+              </a:rPr>
+              <a:t>Aplicações típicas do </a:t>
+            </a:r>
+            <a:r>
+              <a:rPr lang="pt-BR" sz="2000" dirty="0" err="1">
+                <a:latin typeface="Söhne"/>
+              </a:rPr>
+              <a:t>MongoDB</a:t>
+            </a:r>
+            <a:r>
+              <a:rPr lang="pt-BR" sz="2000" dirty="0">
+                <a:latin typeface="Söhne"/>
+              </a:rPr>
+              <a:t>.</a:t>
+            </a:r>
+            <a:endParaRPr lang="pt-BR" dirty="0"/>
+          </a:p>
+        </p:txBody>
+      </p:sp>
+      <p:sp>
+        <p:nvSpPr>
+          <p:cNvPr id="3" name="Espaço Reservado para Conteúdo 2">
+            <a:extLst>
+              <a:ext uri="{FF2B5EF4-FFF2-40B4-BE49-F238E27FC236}">
+                <a16:creationId xmlns:a16="http://schemas.microsoft.com/office/drawing/2014/main" id="{1812B3A2-0B9F-7A1D-29BE-5783C0E7C666}"/>
+              </a:ext>
+            </a:extLst>
+          </p:cNvPr>
+          <p:cNvSpPr>
+            <a:spLocks noGrp="1"/>
+          </p:cNvSpPr>
+          <p:nvPr>
+            <p:ph idx="1"/>
+          </p:nvPr>
+        </p:nvSpPr>
+        <p:spPr/>
+        <p:txBody>
+          <a:bodyPr/>
+          <a:lstStyle/>
+          <a:p>
+            <a:endParaRPr lang="pt-BR" dirty="0"/>
+          </a:p>
+        </p:txBody>
+      </p:sp>
+      <p:sp>
+        <p:nvSpPr>
+          <p:cNvPr id="4" name="Espaço Reservado para Rodapé 3">
+            <a:extLst>
+              <a:ext uri="{FF2B5EF4-FFF2-40B4-BE49-F238E27FC236}">
+                <a16:creationId xmlns:a16="http://schemas.microsoft.com/office/drawing/2014/main" id="{6739F8A8-C8BA-402C-CBC7-A02F2C81E04B}"/>
+              </a:ext>
+            </a:extLst>
+          </p:cNvPr>
+          <p:cNvSpPr>
+            <a:spLocks noGrp="1"/>
+          </p:cNvSpPr>
+          <p:nvPr>
+            <p:ph type="ftr" sz="quarter" idx="11"/>
+          </p:nvPr>
+        </p:nvSpPr>
+        <p:spPr/>
+        <p:txBody>
+          <a:bodyPr/>
+          <a:lstStyle/>
+          <a:p>
+            <a:r>
+              <a:rPr lang="pt-BR" dirty="0"/>
+              <a:t>https://lucas.gardini.dev</a:t>
+            </a:r>
+          </a:p>
+        </p:txBody>
+      </p:sp>
+      <p:sp>
+        <p:nvSpPr>
+          <p:cNvPr id="5" name="Espaço Reservado para Número de Slide 4">
+            <a:extLst>
+              <a:ext uri="{FF2B5EF4-FFF2-40B4-BE49-F238E27FC236}">
+                <a16:creationId xmlns:a16="http://schemas.microsoft.com/office/drawing/2014/main" id="{DE18193C-5A4B-8531-1D52-CBD20E415CBF}"/>
+              </a:ext>
+            </a:extLst>
+          </p:cNvPr>
+          <p:cNvSpPr>
+            <a:spLocks noGrp="1"/>
+          </p:cNvSpPr>
+          <p:nvPr>
+            <p:ph type="sldNum" sz="quarter" idx="12"/>
+          </p:nvPr>
+        </p:nvSpPr>
+        <p:spPr/>
+        <p:txBody>
+          <a:bodyPr/>
+          <a:lstStyle/>
+          <a:p>
+            <a:fld id="{25237327-9CA3-4762-8749-00D99BA09B6B}" type="slidenum">
+              <a:rPr lang="pt-BR" smtClean="0"/>
+              <a:t>32</a:t>
+            </a:fld>
+            <a:endParaRPr lang="pt-BR"/>
+          </a:p>
+        </p:txBody>
+      </p:sp>
+    </p:spTree>
+    <p:extLst>
+      <p:ext uri="{BB962C8B-B14F-4D97-AF65-F5344CB8AC3E}">
+        <p14:creationId xmlns:p14="http://schemas.microsoft.com/office/powerpoint/2010/main" val="1653300419"/>
+      </p:ext>
+    </p:extLst>
+  </p:cSld>
+  <p:clrMapOvr>
+    <a:masterClrMapping/>
+  </p:clrMapOvr>
+</p:sld>
+</file>
+
+<file path=ppt/slides/slide33.xml><?xml version="1.0" encoding="utf-8"?>
+<p:sld xmlns:a="http://schemas.openxmlformats.org/drawingml/2006/main" xmlns:r="http://schemas.openxmlformats.org/officeDocument/2006/relationships" xmlns:p="http://schemas.openxmlformats.org/presentationml/2006/main">
+  <p:cSld>
+    <p:spTree>
+      <p:nvGrpSpPr>
+        <p:cNvPr id="1" name=""/>
+        <p:cNvGrpSpPr/>
+        <p:nvPr/>
+      </p:nvGrpSpPr>
+      <p:grpSpPr>
+        <a:xfrm>
+          <a:off x="0" y="0"/>
+          <a:ext cx="0" cy="0"/>
+          <a:chOff x="0" y="0"/>
+          <a:chExt cx="0" cy="0"/>
+        </a:xfrm>
+      </p:grpSpPr>
+      <p:sp>
+        <p:nvSpPr>
+          <p:cNvPr id="2" name="Título 1">
+            <a:extLst>
+              <a:ext uri="{FF2B5EF4-FFF2-40B4-BE49-F238E27FC236}">
+                <a16:creationId xmlns:a16="http://schemas.microsoft.com/office/drawing/2014/main" id="{F0EA80E2-15DD-ABEB-539C-D3721B78C834}"/>
+              </a:ext>
+            </a:extLst>
+          </p:cNvPr>
+          <p:cNvSpPr>
+            <a:spLocks noGrp="1"/>
+          </p:cNvSpPr>
+          <p:nvPr>
+            <p:ph type="title"/>
+          </p:nvPr>
+        </p:nvSpPr>
+        <p:spPr/>
+        <p:txBody>
+          <a:bodyPr/>
+          <a:lstStyle/>
+          <a:p>
+            <a:r>
+              <a:rPr lang="pt-BR" b="1" i="0" dirty="0">
+                <a:effectLst/>
+                <a:latin typeface="Söhne"/>
+              </a:rPr>
+              <a:t>Casos de Uso</a:t>
+            </a:r>
+            <a:br>
+              <a:rPr lang="pt-BR" b="1" i="0" dirty="0">
+                <a:effectLst/>
+                <a:latin typeface="Söhne"/>
+              </a:rPr>
+            </a:br>
+            <a:r>
+              <a:rPr lang="pt-BR" sz="2000" dirty="0">
+                <a:latin typeface="Söhne"/>
+              </a:rPr>
+              <a:t>Exemplos de empresas que utilizam o </a:t>
+            </a:r>
+            <a:r>
+              <a:rPr lang="pt-BR" sz="2000" dirty="0" err="1">
+                <a:latin typeface="Söhne"/>
+              </a:rPr>
+              <a:t>MongoDB</a:t>
+            </a:r>
+            <a:r>
+              <a:rPr lang="pt-BR" sz="2000" dirty="0">
+                <a:latin typeface="Söhne"/>
+              </a:rPr>
+              <a:t>.</a:t>
+            </a:r>
+            <a:endParaRPr lang="pt-BR" dirty="0"/>
+          </a:p>
+        </p:txBody>
+      </p:sp>
+      <p:sp>
+        <p:nvSpPr>
+          <p:cNvPr id="3" name="Espaço Reservado para Conteúdo 2">
+            <a:extLst>
+              <a:ext uri="{FF2B5EF4-FFF2-40B4-BE49-F238E27FC236}">
+                <a16:creationId xmlns:a16="http://schemas.microsoft.com/office/drawing/2014/main" id="{1812B3A2-0B9F-7A1D-29BE-5783C0E7C666}"/>
+              </a:ext>
+            </a:extLst>
+          </p:cNvPr>
+          <p:cNvSpPr>
+            <a:spLocks noGrp="1"/>
+          </p:cNvSpPr>
+          <p:nvPr>
+            <p:ph idx="1"/>
+          </p:nvPr>
+        </p:nvSpPr>
+        <p:spPr/>
+        <p:txBody>
+          <a:bodyPr/>
+          <a:lstStyle/>
+          <a:p>
+            <a:endParaRPr lang="pt-BR" dirty="0"/>
+          </a:p>
+        </p:txBody>
+      </p:sp>
+      <p:sp>
+        <p:nvSpPr>
+          <p:cNvPr id="4" name="Espaço Reservado para Rodapé 3">
+            <a:extLst>
+              <a:ext uri="{FF2B5EF4-FFF2-40B4-BE49-F238E27FC236}">
+                <a16:creationId xmlns:a16="http://schemas.microsoft.com/office/drawing/2014/main" id="{6739F8A8-C8BA-402C-CBC7-A02F2C81E04B}"/>
+              </a:ext>
+            </a:extLst>
+          </p:cNvPr>
+          <p:cNvSpPr>
+            <a:spLocks noGrp="1"/>
+          </p:cNvSpPr>
+          <p:nvPr>
+            <p:ph type="ftr" sz="quarter" idx="11"/>
+          </p:nvPr>
+        </p:nvSpPr>
+        <p:spPr/>
+        <p:txBody>
+          <a:bodyPr/>
+          <a:lstStyle/>
+          <a:p>
+            <a:r>
+              <a:rPr lang="pt-BR" dirty="0"/>
+              <a:t>https://lucas.gardini.dev</a:t>
+            </a:r>
+          </a:p>
+        </p:txBody>
+      </p:sp>
+      <p:sp>
+        <p:nvSpPr>
+          <p:cNvPr id="5" name="Espaço Reservado para Número de Slide 4">
+            <a:extLst>
+              <a:ext uri="{FF2B5EF4-FFF2-40B4-BE49-F238E27FC236}">
+                <a16:creationId xmlns:a16="http://schemas.microsoft.com/office/drawing/2014/main" id="{DE18193C-5A4B-8531-1D52-CBD20E415CBF}"/>
+              </a:ext>
+            </a:extLst>
+          </p:cNvPr>
+          <p:cNvSpPr>
+            <a:spLocks noGrp="1"/>
+          </p:cNvSpPr>
+          <p:nvPr>
+            <p:ph type="sldNum" sz="quarter" idx="12"/>
+          </p:nvPr>
+        </p:nvSpPr>
+        <p:spPr/>
+        <p:txBody>
+          <a:bodyPr/>
+          <a:lstStyle/>
+          <a:p>
+            <a:fld id="{25237327-9CA3-4762-8749-00D99BA09B6B}" type="slidenum">
+              <a:rPr lang="pt-BR" smtClean="0"/>
+              <a:t>33</a:t>
+            </a:fld>
+            <a:endParaRPr lang="pt-BR"/>
+          </a:p>
+        </p:txBody>
+      </p:sp>
+    </p:spTree>
+    <p:extLst>
+      <p:ext uri="{BB962C8B-B14F-4D97-AF65-F5344CB8AC3E}">
+        <p14:creationId xmlns:p14="http://schemas.microsoft.com/office/powerpoint/2010/main" val="1219132857"/>
+      </p:ext>
+    </p:extLst>
+  </p:cSld>
+  <p:clrMapOvr>
+    <a:masterClrMapping/>
+  </p:clrMapOvr>
+</p:sld>
+</file>
+
+<file path=ppt/slides/slide34.xml><?xml version="1.0" encoding="utf-8"?>
+<p:sld xmlns:a="http://schemas.openxmlformats.org/drawingml/2006/main" xmlns:r="http://schemas.openxmlformats.org/officeDocument/2006/relationships" xmlns:p="http://schemas.openxmlformats.org/presentationml/2006/main">
+  <p:cSld>
+    <p:spTree>
+      <p:nvGrpSpPr>
+        <p:cNvPr id="1" name=""/>
+        <p:cNvGrpSpPr/>
+        <p:nvPr/>
+      </p:nvGrpSpPr>
+      <p:grpSpPr>
+        <a:xfrm>
+          <a:off x="0" y="0"/>
+          <a:ext cx="0" cy="0"/>
+          <a:chOff x="0" y="0"/>
+          <a:chExt cx="0" cy="0"/>
+        </a:xfrm>
+      </p:grpSpPr>
+      <p:sp>
+        <p:nvSpPr>
+          <p:cNvPr id="4" name="Espaço Reservado para Número de Slide 3">
+            <a:extLst>
+              <a:ext uri="{FF2B5EF4-FFF2-40B4-BE49-F238E27FC236}">
+                <a16:creationId xmlns:a16="http://schemas.microsoft.com/office/drawing/2014/main" id="{7D0ADA87-DAA8-3E4F-5D82-BEFEFA209AE3}"/>
+              </a:ext>
+            </a:extLst>
+          </p:cNvPr>
+          <p:cNvSpPr>
+            <a:spLocks noGrp="1"/>
+          </p:cNvSpPr>
+          <p:nvPr>
+            <p:ph type="sldNum" sz="quarter" idx="12"/>
+          </p:nvPr>
+        </p:nvSpPr>
+        <p:spPr>
+          <a:xfrm>
+            <a:off x="11079045" y="6316601"/>
+            <a:ext cx="1062155" cy="490599"/>
+          </a:xfrm>
+        </p:spPr>
+        <p:txBody>
+          <a:bodyPr/>
+          <a:lstStyle/>
+          <a:p>
+            <a:fld id="{25237327-9CA3-4762-8749-00D99BA09B6B}" type="slidenum">
+              <a:rPr lang="pt-BR" b="1" smtClean="0">
+                <a:solidFill>
+                  <a:schemeClr val="tx1"/>
+                </a:solidFill>
+              </a:rPr>
+              <a:t>34</a:t>
+            </a:fld>
+            <a:endParaRPr lang="pt-BR" b="1" dirty="0">
+              <a:solidFill>
+                <a:schemeClr val="tx1"/>
+              </a:solidFill>
+            </a:endParaRPr>
+          </a:p>
+        </p:txBody>
+      </p:sp>
+      <p:grpSp>
+        <p:nvGrpSpPr>
+          <p:cNvPr id="14" name="Agrupar 13">
+            <a:extLst>
+              <a:ext uri="{FF2B5EF4-FFF2-40B4-BE49-F238E27FC236}">
+                <a16:creationId xmlns:a16="http://schemas.microsoft.com/office/drawing/2014/main" id="{3A131335-0210-9973-B748-9747392A7A99}"/>
+              </a:ext>
+            </a:extLst>
+          </p:cNvPr>
+          <p:cNvGrpSpPr/>
+          <p:nvPr/>
+        </p:nvGrpSpPr>
+        <p:grpSpPr>
+          <a:xfrm>
+            <a:off x="5722808" y="6341706"/>
+            <a:ext cx="746384" cy="429208"/>
+            <a:chOff x="4350679" y="5579706"/>
+            <a:chExt cx="746384" cy="429208"/>
+          </a:xfrm>
+        </p:grpSpPr>
+        <p:pic>
+          <p:nvPicPr>
+            <p:cNvPr id="9" name="Gráfico 8">
+              <a:extLst>
+                <a:ext uri="{FF2B5EF4-FFF2-40B4-BE49-F238E27FC236}">
+                  <a16:creationId xmlns:a16="http://schemas.microsoft.com/office/drawing/2014/main" id="{68B00CCA-1769-F355-0991-F88AFB028207}"/>
+                </a:ext>
+              </a:extLst>
+            </p:cNvPr>
+            <p:cNvPicPr>
+              <a:picLocks noChangeAspect="1"/>
+            </p:cNvPicPr>
+            <p:nvPr/>
+          </p:nvPicPr>
+          <p:blipFill>
+            <a:blip r:embed="rId2">
+              <a:extLst>
+                <a:ext uri="{28A0092B-C50C-407E-A947-70E740481C1C}">
+                  <a14:useLocalDpi xmlns:a14="http://schemas.microsoft.com/office/drawing/2010/main" val="0"/>
+                </a:ext>
+                <a:ext uri="{96DAC541-7B7A-43D3-8B79-37D633B846F1}">
+                  <asvg:svgBlip xmlns:asvg="http://schemas.microsoft.com/office/drawing/2016/SVG/main" r:embed="rId3"/>
+                </a:ext>
+              </a:extLst>
+            </a:blip>
+            <a:stretch>
+              <a:fillRect/>
+            </a:stretch>
+          </p:blipFill>
+          <p:spPr>
+            <a:xfrm>
+              <a:off x="4350679" y="5619390"/>
+              <a:ext cx="360000" cy="360000"/>
+            </a:xfrm>
+            <a:prstGeom prst="rect">
+              <a:avLst/>
+            </a:prstGeom>
+          </p:spPr>
+        </p:pic>
+        <p:pic>
+          <p:nvPicPr>
+            <p:cNvPr id="1026" name="Picture 2" descr="V Semana de Turismo IFSP Barretos">
+              <a:extLst>
+                <a:ext uri="{FF2B5EF4-FFF2-40B4-BE49-F238E27FC236}">
+                  <a16:creationId xmlns:a16="http://schemas.microsoft.com/office/drawing/2014/main" id="{43520D69-6128-EE21-87C6-87C10FF9165F}"/>
+                </a:ext>
+              </a:extLst>
+            </p:cNvPr>
+            <p:cNvPicPr>
+              <a:picLocks noChangeAspect="1" noChangeArrowheads="1"/>
+            </p:cNvPicPr>
+            <p:nvPr/>
+          </p:nvPicPr>
+          <p:blipFill>
+            <a:blip r:embed="rId4">
+              <a:extLst>
+                <a:ext uri="{28A0092B-C50C-407E-A947-70E740481C1C}">
+                  <a14:useLocalDpi xmlns:a14="http://schemas.microsoft.com/office/drawing/2010/main" val="0"/>
+                </a:ext>
+              </a:extLst>
+            </a:blip>
+            <a:srcRect/>
+            <a:stretch>
+              <a:fillRect/>
+            </a:stretch>
+          </p:blipFill>
+          <p:spPr bwMode="auto">
+            <a:xfrm>
+              <a:off x="4869227" y="5641759"/>
+              <a:ext cx="227836" cy="305101"/>
+            </a:xfrm>
+            <a:prstGeom prst="rect">
+              <a:avLst/>
+            </a:prstGeom>
+            <a:noFill/>
+            <a:extLst>
+              <a:ext uri="{909E8E84-426E-40DD-AFC4-6F175D3DCCD1}">
+                <a14:hiddenFill xmlns:a14="http://schemas.microsoft.com/office/drawing/2010/main">
+                  <a:solidFill>
+                    <a:srgbClr val="FFFFFF"/>
+                  </a:solidFill>
+                </a14:hiddenFill>
+              </a:ext>
+            </a:extLst>
+          </p:spPr>
+        </p:pic>
+        <p:cxnSp>
+          <p:nvCxnSpPr>
+            <p:cNvPr id="11" name="Conector reto 10">
+              <a:extLst>
+                <a:ext uri="{FF2B5EF4-FFF2-40B4-BE49-F238E27FC236}">
+                  <a16:creationId xmlns:a16="http://schemas.microsoft.com/office/drawing/2014/main" id="{5D6B378A-D998-4925-FFCA-9A0F3370C250}"/>
+                </a:ext>
+              </a:extLst>
+            </p:cNvPr>
+            <p:cNvCxnSpPr>
+              <a:cxnSpLocks/>
+            </p:cNvCxnSpPr>
+            <p:nvPr/>
+          </p:nvCxnSpPr>
+          <p:spPr>
+            <a:xfrm>
+              <a:off x="4743269" y="5579706"/>
+              <a:ext cx="0" cy="429208"/>
+            </a:xfrm>
+            <a:prstGeom prst="line">
+              <a:avLst/>
+            </a:prstGeom>
+            <a:ln>
+              <a:solidFill>
+                <a:schemeClr val="tx1"/>
+              </a:solidFill>
+            </a:ln>
+          </p:spPr>
+          <p:style>
+            <a:lnRef idx="1">
+              <a:schemeClr val="accent1"/>
+            </a:lnRef>
+            <a:fillRef idx="0">
+              <a:schemeClr val="accent1"/>
+            </a:fillRef>
+            <a:effectRef idx="0">
+              <a:schemeClr val="accent1"/>
+            </a:effectRef>
+            <a:fontRef idx="minor">
+              <a:schemeClr val="tx1"/>
+            </a:fontRef>
+          </p:style>
+        </p:cxnSp>
+      </p:grpSp>
+      <p:sp>
+        <p:nvSpPr>
+          <p:cNvPr id="15" name="Espaço Reservado para Rodapé 14">
+            <a:extLst>
+              <a:ext uri="{FF2B5EF4-FFF2-40B4-BE49-F238E27FC236}">
+                <a16:creationId xmlns:a16="http://schemas.microsoft.com/office/drawing/2014/main" id="{FF285D15-CA04-0574-4AAD-47ADEE6CFB3B}"/>
+              </a:ext>
+            </a:extLst>
+          </p:cNvPr>
+          <p:cNvSpPr>
+            <a:spLocks noGrp="1"/>
+          </p:cNvSpPr>
+          <p:nvPr>
+            <p:ph type="ftr" sz="quarter" idx="11"/>
+          </p:nvPr>
+        </p:nvSpPr>
+        <p:spPr>
+          <a:xfrm>
+            <a:off x="50800" y="6442075"/>
+            <a:ext cx="3291839" cy="365125"/>
+          </a:xfrm>
+        </p:spPr>
+        <p:txBody>
+          <a:bodyPr/>
+          <a:lstStyle/>
+          <a:p>
+            <a:r>
+              <a:rPr lang="pt-BR" sz="1600" dirty="0"/>
+              <a:t>https://lucasgardini.com</a:t>
+            </a:r>
+          </a:p>
+        </p:txBody>
+      </p:sp>
+      <p:sp>
+        <p:nvSpPr>
+          <p:cNvPr id="2" name="CaixaDeTexto 1">
+            <a:extLst>
+              <a:ext uri="{FF2B5EF4-FFF2-40B4-BE49-F238E27FC236}">
+                <a16:creationId xmlns:a16="http://schemas.microsoft.com/office/drawing/2014/main" id="{3F89F942-F2B5-EBBE-126B-E2759FD22242}"/>
+              </a:ext>
+            </a:extLst>
+          </p:cNvPr>
+          <p:cNvSpPr txBox="1"/>
+          <p:nvPr/>
+        </p:nvSpPr>
+        <p:spPr>
+          <a:xfrm>
+            <a:off x="670272" y="1726164"/>
+            <a:ext cx="6667210" cy="1200329"/>
+          </a:xfrm>
+          <a:prstGeom prst="rect">
+            <a:avLst/>
+          </a:prstGeom>
+          <a:noFill/>
+        </p:spPr>
+        <p:txBody>
+          <a:bodyPr wrap="none" rtlCol="0">
+            <a:spAutoFit/>
+          </a:bodyPr>
+          <a:lstStyle/>
+          <a:p>
+            <a:r>
+              <a:rPr lang="pt-BR" sz="7200" b="1" dirty="0">
+                <a:effectLst>
+                  <a:outerShdw blurRad="50800" dist="38100" dir="2700000" algn="tl" rotWithShape="0">
+                    <a:prstClr val="black">
+                      <a:alpha val="40000"/>
+                    </a:prstClr>
+                  </a:outerShdw>
+                </a:effectLst>
+              </a:rPr>
+              <a:t>EXEMPLO REAL</a:t>
+            </a:r>
+          </a:p>
+        </p:txBody>
+      </p:sp>
+    </p:spTree>
+    <p:extLst>
+      <p:ext uri="{BB962C8B-B14F-4D97-AF65-F5344CB8AC3E}">
+        <p14:creationId xmlns:p14="http://schemas.microsoft.com/office/powerpoint/2010/main" val="2287842619"/>
+      </p:ext>
+    </p:extLst>
+  </p:cSld>
+  <p:clrMapOvr>
+    <a:masterClrMapping/>
+  </p:clrMapOvr>
+</p:sld>
+</file>
+
+<file path=ppt/slides/slide4.xml><?xml version="1.0" encoding="utf-8"?>
+<p:sld xmlns:a="http://schemas.openxmlformats.org/drawingml/2006/main" xmlns:r="http://schemas.openxmlformats.org/officeDocument/2006/relationships" xmlns:p="http://schemas.openxmlformats.org/presentationml/2006/main">
+  <p:cSld>
+    <p:spTree>
+      <p:nvGrpSpPr>
+        <p:cNvPr id="1" name=""/>
+        <p:cNvGrpSpPr/>
+        <p:nvPr/>
+      </p:nvGrpSpPr>
+      <p:grpSpPr>
+        <a:xfrm>
+          <a:off x="0" y="0"/>
+          <a:ext cx="0" cy="0"/>
+          <a:chOff x="0" y="0"/>
+          <a:chExt cx="0" cy="0"/>
+        </a:xfrm>
+      </p:grpSpPr>
+      <p:sp>
+        <p:nvSpPr>
+          <p:cNvPr id="4" name="Espaço Reservado para Número de Slide 3">
+            <a:extLst>
+              <a:ext uri="{FF2B5EF4-FFF2-40B4-BE49-F238E27FC236}">
+                <a16:creationId xmlns:a16="http://schemas.microsoft.com/office/drawing/2014/main" id="{7D0ADA87-DAA8-3E4F-5D82-BEFEFA209AE3}"/>
+              </a:ext>
+            </a:extLst>
+          </p:cNvPr>
+          <p:cNvSpPr>
+            <a:spLocks noGrp="1"/>
+          </p:cNvSpPr>
+          <p:nvPr>
+            <p:ph type="sldNum" sz="quarter" idx="12"/>
+          </p:nvPr>
+        </p:nvSpPr>
+        <p:spPr>
+          <a:xfrm>
+            <a:off x="11079045" y="6316601"/>
+            <a:ext cx="1062155" cy="490599"/>
+          </a:xfrm>
+        </p:spPr>
+        <p:txBody>
+          <a:bodyPr/>
+          <a:lstStyle/>
+          <a:p>
+            <a:fld id="{25237327-9CA3-4762-8749-00D99BA09B6B}" type="slidenum">
+              <a:rPr lang="pt-BR" b="1" smtClean="0">
+                <a:solidFill>
+                  <a:schemeClr val="tx1"/>
+                </a:solidFill>
+              </a:rPr>
+              <a:t>4</a:t>
+            </a:fld>
+            <a:endParaRPr lang="pt-BR" b="1" dirty="0">
+              <a:solidFill>
+                <a:schemeClr val="tx1"/>
+              </a:solidFill>
+            </a:endParaRPr>
+          </a:p>
+        </p:txBody>
+      </p:sp>
+      <p:grpSp>
+        <p:nvGrpSpPr>
+          <p:cNvPr id="14" name="Agrupar 13">
+            <a:extLst>
+              <a:ext uri="{FF2B5EF4-FFF2-40B4-BE49-F238E27FC236}">
+                <a16:creationId xmlns:a16="http://schemas.microsoft.com/office/drawing/2014/main" id="{3A131335-0210-9973-B748-9747392A7A99}"/>
+              </a:ext>
+            </a:extLst>
+          </p:cNvPr>
+          <p:cNvGrpSpPr/>
+          <p:nvPr/>
+        </p:nvGrpSpPr>
+        <p:grpSpPr>
+          <a:xfrm>
+            <a:off x="5722808" y="6341706"/>
+            <a:ext cx="746384" cy="429208"/>
+            <a:chOff x="4350679" y="5579706"/>
+            <a:chExt cx="746384" cy="429208"/>
+          </a:xfrm>
+        </p:grpSpPr>
+        <p:pic>
+          <p:nvPicPr>
+            <p:cNvPr id="9" name="Gráfico 8">
+              <a:extLst>
+                <a:ext uri="{FF2B5EF4-FFF2-40B4-BE49-F238E27FC236}">
+                  <a16:creationId xmlns:a16="http://schemas.microsoft.com/office/drawing/2014/main" id="{68B00CCA-1769-F355-0991-F88AFB028207}"/>
+                </a:ext>
+              </a:extLst>
+            </p:cNvPr>
+            <p:cNvPicPr>
+              <a:picLocks noChangeAspect="1"/>
+            </p:cNvPicPr>
+            <p:nvPr/>
+          </p:nvPicPr>
+          <p:blipFill>
+            <a:blip r:embed="rId2">
+              <a:extLst>
+                <a:ext uri="{28A0092B-C50C-407E-A947-70E740481C1C}">
+                  <a14:useLocalDpi xmlns:a14="http://schemas.microsoft.com/office/drawing/2010/main" val="0"/>
+                </a:ext>
+                <a:ext uri="{96DAC541-7B7A-43D3-8B79-37D633B846F1}">
+                  <asvg:svgBlip xmlns:asvg="http://schemas.microsoft.com/office/drawing/2016/SVG/main" r:embed="rId3"/>
+                </a:ext>
+              </a:extLst>
+            </a:blip>
+            <a:stretch>
+              <a:fillRect/>
+            </a:stretch>
+          </p:blipFill>
+          <p:spPr>
+            <a:xfrm>
+              <a:off x="4350679" y="5619390"/>
+              <a:ext cx="360000" cy="360000"/>
+            </a:xfrm>
+            <a:prstGeom prst="rect">
+              <a:avLst/>
+            </a:prstGeom>
+          </p:spPr>
+        </p:pic>
+        <p:pic>
+          <p:nvPicPr>
+            <p:cNvPr id="1026" name="Picture 2" descr="V Semana de Turismo IFSP Barretos">
+              <a:extLst>
+                <a:ext uri="{FF2B5EF4-FFF2-40B4-BE49-F238E27FC236}">
+                  <a16:creationId xmlns:a16="http://schemas.microsoft.com/office/drawing/2014/main" id="{43520D69-6128-EE21-87C6-87C10FF9165F}"/>
+                </a:ext>
+              </a:extLst>
+            </p:cNvPr>
+            <p:cNvPicPr>
+              <a:picLocks noChangeAspect="1" noChangeArrowheads="1"/>
+            </p:cNvPicPr>
+            <p:nvPr/>
+          </p:nvPicPr>
+          <p:blipFill>
+            <a:blip r:embed="rId4">
+              <a:extLst>
+                <a:ext uri="{28A0092B-C50C-407E-A947-70E740481C1C}">
+                  <a14:useLocalDpi xmlns:a14="http://schemas.microsoft.com/office/drawing/2010/main" val="0"/>
+                </a:ext>
+              </a:extLst>
+            </a:blip>
+            <a:srcRect/>
+            <a:stretch>
+              <a:fillRect/>
+            </a:stretch>
+          </p:blipFill>
+          <p:spPr bwMode="auto">
+            <a:xfrm>
+              <a:off x="4869227" y="5641759"/>
+              <a:ext cx="227836" cy="305101"/>
+            </a:xfrm>
+            <a:prstGeom prst="rect">
+              <a:avLst/>
+            </a:prstGeom>
+            <a:noFill/>
+            <a:extLst>
+              <a:ext uri="{909E8E84-426E-40DD-AFC4-6F175D3DCCD1}">
+                <a14:hiddenFill xmlns:a14="http://schemas.microsoft.com/office/drawing/2010/main">
+                  <a:solidFill>
+                    <a:srgbClr val="FFFFFF"/>
+                  </a:solidFill>
+                </a14:hiddenFill>
+              </a:ext>
+            </a:extLst>
+          </p:spPr>
+        </p:pic>
+        <p:cxnSp>
+          <p:nvCxnSpPr>
+            <p:cNvPr id="11" name="Conector reto 10">
+              <a:extLst>
+                <a:ext uri="{FF2B5EF4-FFF2-40B4-BE49-F238E27FC236}">
+                  <a16:creationId xmlns:a16="http://schemas.microsoft.com/office/drawing/2014/main" id="{5D6B378A-D998-4925-FFCA-9A0F3370C250}"/>
+                </a:ext>
+              </a:extLst>
+            </p:cNvPr>
+            <p:cNvCxnSpPr>
+              <a:cxnSpLocks/>
+            </p:cNvCxnSpPr>
+            <p:nvPr/>
+          </p:nvCxnSpPr>
+          <p:spPr>
+            <a:xfrm>
+              <a:off x="4743269" y="5579706"/>
+              <a:ext cx="0" cy="429208"/>
+            </a:xfrm>
+            <a:prstGeom prst="line">
+              <a:avLst/>
+            </a:prstGeom>
+            <a:ln>
+              <a:solidFill>
+                <a:schemeClr val="tx1"/>
+              </a:solidFill>
+            </a:ln>
+          </p:spPr>
+          <p:style>
+            <a:lnRef idx="1">
+              <a:schemeClr val="accent1"/>
+            </a:lnRef>
+            <a:fillRef idx="0">
+              <a:schemeClr val="accent1"/>
+            </a:fillRef>
+            <a:effectRef idx="0">
+              <a:schemeClr val="accent1"/>
+            </a:effectRef>
+            <a:fontRef idx="minor">
+              <a:schemeClr val="tx1"/>
+            </a:fontRef>
+          </p:style>
+        </p:cxnSp>
+      </p:grpSp>
+      <p:sp>
+        <p:nvSpPr>
+          <p:cNvPr id="15" name="Espaço Reservado para Rodapé 14">
+            <a:extLst>
+              <a:ext uri="{FF2B5EF4-FFF2-40B4-BE49-F238E27FC236}">
+                <a16:creationId xmlns:a16="http://schemas.microsoft.com/office/drawing/2014/main" id="{FF285D15-CA04-0574-4AAD-47ADEE6CFB3B}"/>
+              </a:ext>
+            </a:extLst>
+          </p:cNvPr>
+          <p:cNvSpPr>
+            <a:spLocks noGrp="1"/>
+          </p:cNvSpPr>
+          <p:nvPr>
+            <p:ph type="ftr" sz="quarter" idx="11"/>
+          </p:nvPr>
+        </p:nvSpPr>
+        <p:spPr>
+          <a:xfrm>
+            <a:off x="50800" y="6442075"/>
+            <a:ext cx="3291839" cy="365125"/>
+          </a:xfrm>
+        </p:spPr>
+        <p:txBody>
+          <a:bodyPr/>
+          <a:lstStyle/>
+          <a:p>
+            <a:r>
+              <a:rPr lang="pt-BR" sz="1600" dirty="0"/>
+              <a:t>https://lucasgardini.com</a:t>
+            </a:r>
+          </a:p>
+        </p:txBody>
+      </p:sp>
+      <p:sp>
+        <p:nvSpPr>
+          <p:cNvPr id="2" name="CaixaDeTexto 1">
+            <a:extLst>
+              <a:ext uri="{FF2B5EF4-FFF2-40B4-BE49-F238E27FC236}">
+                <a16:creationId xmlns:a16="http://schemas.microsoft.com/office/drawing/2014/main" id="{3F89F942-F2B5-EBBE-126B-E2759FD22242}"/>
+              </a:ext>
+            </a:extLst>
+          </p:cNvPr>
+          <p:cNvSpPr txBox="1"/>
+          <p:nvPr/>
+        </p:nvSpPr>
+        <p:spPr>
+          <a:xfrm>
+            <a:off x="670272" y="1726164"/>
+            <a:ext cx="8198078" cy="2308324"/>
+          </a:xfrm>
+          <a:prstGeom prst="rect">
+            <a:avLst/>
+          </a:prstGeom>
+          <a:noFill/>
+        </p:spPr>
+        <p:txBody>
+          <a:bodyPr wrap="none" rtlCol="0">
+            <a:spAutoFit/>
+          </a:bodyPr>
+          <a:lstStyle/>
+          <a:p>
+            <a:r>
+              <a:rPr lang="pt-BR" sz="7200" b="1" dirty="0">
+                <a:effectLst>
+                  <a:outerShdw blurRad="50800" dist="38100" dir="2700000" algn="tl" rotWithShape="0">
+                    <a:prstClr val="black">
+                      <a:alpha val="40000"/>
+                    </a:prstClr>
+                  </a:outerShdw>
+                </a:effectLst>
+              </a:rPr>
+              <a:t>PRINCIPAIS </a:t>
+            </a:r>
+          </a:p>
+          <a:p>
+            <a:r>
+              <a:rPr lang="pt-BR" sz="7200" b="1" dirty="0">
+                <a:effectLst>
+                  <a:outerShdw blurRad="50800" dist="38100" dir="2700000" algn="tl" rotWithShape="0">
+                    <a:prstClr val="black">
+                      <a:alpha val="40000"/>
+                    </a:prstClr>
+                  </a:outerShdw>
+                </a:effectLst>
+              </a:rPr>
+              <a:t>CARACTERÍSTICAS</a:t>
+            </a:r>
+          </a:p>
+        </p:txBody>
+      </p:sp>
+    </p:spTree>
+    <p:extLst>
+      <p:ext uri="{BB962C8B-B14F-4D97-AF65-F5344CB8AC3E}">
+        <p14:creationId xmlns:p14="http://schemas.microsoft.com/office/powerpoint/2010/main" val="2805241000"/>
+      </p:ext>
+    </p:extLst>
+  </p:cSld>
+  <p:clrMapOvr>
+    <a:masterClrMapping/>
+  </p:clrMapOvr>
+  <p:transition spd="slow">
+    <p:push dir="u"/>
+  </p:transition>
+</p:sld>
+</file>
+
+<file path=ppt/slides/slide5.xml><?xml version="1.0" encoding="utf-8"?>
+<p:sld xmlns:a="http://schemas.openxmlformats.org/drawingml/2006/main" xmlns:r="http://schemas.openxmlformats.org/officeDocument/2006/relationships" xmlns:p="http://schemas.openxmlformats.org/presentationml/2006/main">
+  <p:cSld>
+    <p:spTree>
+      <p:nvGrpSpPr>
+        <p:cNvPr id="1" name=""/>
+        <p:cNvGrpSpPr/>
+        <p:nvPr/>
+      </p:nvGrpSpPr>
+      <p:grpSpPr>
+        <a:xfrm>
+          <a:off x="0" y="0"/>
+          <a:ext cx="0" cy="0"/>
+          <a:chOff x="0" y="0"/>
+          <a:chExt cx="0" cy="0"/>
+        </a:xfrm>
+      </p:grpSpPr>
+      <p:sp>
+        <p:nvSpPr>
+          <p:cNvPr id="2" name="Título 1">
+            <a:extLst>
+              <a:ext uri="{FF2B5EF4-FFF2-40B4-BE49-F238E27FC236}">
+                <a16:creationId xmlns:a16="http://schemas.microsoft.com/office/drawing/2014/main" id="{F0EA80E2-15DD-ABEB-539C-D3721B78C834}"/>
+              </a:ext>
+            </a:extLst>
+          </p:cNvPr>
+          <p:cNvSpPr>
+            <a:spLocks noGrp="1"/>
+          </p:cNvSpPr>
+          <p:nvPr>
+            <p:ph type="title"/>
+          </p:nvPr>
+        </p:nvSpPr>
+        <p:spPr/>
+        <p:txBody>
+          <a:bodyPr/>
+          <a:lstStyle/>
+          <a:p>
+            <a:r>
+              <a:rPr lang="pt-BR" b="1" i="0" dirty="0">
+                <a:effectLst/>
+                <a:latin typeface="Söhne"/>
+              </a:rPr>
+              <a:t>Principais Características</a:t>
+            </a:r>
+            <a:br>
+              <a:rPr lang="pt-BR" b="1" i="0" dirty="0">
+                <a:effectLst/>
+                <a:latin typeface="Söhne"/>
+              </a:rPr>
+            </a:br>
+            <a:r>
+              <a:rPr lang="pt-BR" sz="2000" dirty="0">
+                <a:latin typeface="Söhne"/>
+              </a:rPr>
+              <a:t>Diferenças entre </a:t>
+            </a:r>
+            <a:r>
+              <a:rPr lang="pt-BR" sz="2000" dirty="0" err="1">
+                <a:latin typeface="Söhne"/>
+              </a:rPr>
+              <a:t>MongoDB</a:t>
+            </a:r>
+            <a:r>
+              <a:rPr lang="pt-BR" sz="2000" dirty="0">
+                <a:latin typeface="Söhne"/>
+              </a:rPr>
+              <a:t> e bancos SQL convencionais.</a:t>
+            </a:r>
+            <a:endParaRPr lang="pt-BR" dirty="0"/>
+          </a:p>
+        </p:txBody>
+      </p:sp>
+      <p:sp>
+        <p:nvSpPr>
+          <p:cNvPr id="3" name="Espaço Reservado para Conteúdo 2">
+            <a:extLst>
+              <a:ext uri="{FF2B5EF4-FFF2-40B4-BE49-F238E27FC236}">
+                <a16:creationId xmlns:a16="http://schemas.microsoft.com/office/drawing/2014/main" id="{1812B3A2-0B9F-7A1D-29BE-5783C0E7C666}"/>
+              </a:ext>
+            </a:extLst>
+          </p:cNvPr>
+          <p:cNvSpPr>
+            <a:spLocks noGrp="1"/>
+          </p:cNvSpPr>
+          <p:nvPr>
+            <p:ph idx="1"/>
+          </p:nvPr>
+        </p:nvSpPr>
+        <p:spPr/>
+        <p:txBody>
+          <a:bodyPr/>
+          <a:lstStyle/>
+          <a:p>
+            <a:endParaRPr lang="pt-BR" dirty="0"/>
+          </a:p>
+        </p:txBody>
+      </p:sp>
+      <p:sp>
+        <p:nvSpPr>
+          <p:cNvPr id="4" name="Espaço Reservado para Rodapé 3">
+            <a:extLst>
+              <a:ext uri="{FF2B5EF4-FFF2-40B4-BE49-F238E27FC236}">
+                <a16:creationId xmlns:a16="http://schemas.microsoft.com/office/drawing/2014/main" id="{6739F8A8-C8BA-402C-CBC7-A02F2C81E04B}"/>
+              </a:ext>
+            </a:extLst>
+          </p:cNvPr>
+          <p:cNvSpPr>
+            <a:spLocks noGrp="1"/>
+          </p:cNvSpPr>
+          <p:nvPr>
+            <p:ph type="ftr" sz="quarter" idx="11"/>
+          </p:nvPr>
+        </p:nvSpPr>
+        <p:spPr/>
+        <p:txBody>
+          <a:bodyPr/>
+          <a:lstStyle/>
+          <a:p>
+            <a:r>
+              <a:rPr lang="pt-BR" dirty="0"/>
+              <a:t>https://lucas.gardini.dev</a:t>
+            </a:r>
+          </a:p>
+        </p:txBody>
+      </p:sp>
+      <p:sp>
+        <p:nvSpPr>
+          <p:cNvPr id="5" name="Espaço Reservado para Número de Slide 4">
+            <a:extLst>
+              <a:ext uri="{FF2B5EF4-FFF2-40B4-BE49-F238E27FC236}">
+                <a16:creationId xmlns:a16="http://schemas.microsoft.com/office/drawing/2014/main" id="{DE18193C-5A4B-8531-1D52-CBD20E415CBF}"/>
+              </a:ext>
+            </a:extLst>
+          </p:cNvPr>
+          <p:cNvSpPr>
+            <a:spLocks noGrp="1"/>
+          </p:cNvSpPr>
+          <p:nvPr>
+            <p:ph type="sldNum" sz="quarter" idx="12"/>
+          </p:nvPr>
+        </p:nvSpPr>
+        <p:spPr/>
+        <p:txBody>
+          <a:bodyPr/>
+          <a:lstStyle/>
+          <a:p>
+            <a:fld id="{25237327-9CA3-4762-8749-00D99BA09B6B}" type="slidenum">
+              <a:rPr lang="pt-BR" smtClean="0"/>
+              <a:t>5</a:t>
+            </a:fld>
+            <a:endParaRPr lang="pt-BR"/>
+          </a:p>
+        </p:txBody>
+      </p:sp>
+    </p:spTree>
+    <p:extLst>
+      <p:ext uri="{BB962C8B-B14F-4D97-AF65-F5344CB8AC3E}">
+        <p14:creationId xmlns:p14="http://schemas.microsoft.com/office/powerpoint/2010/main" val="3172907843"/>
+      </p:ext>
+    </p:extLst>
+  </p:cSld>
+  <p:clrMapOvr>
+    <a:masterClrMapping/>
+  </p:clrMapOvr>
+</p:sld>
+</file>
+
+<file path=ppt/slides/slide6.xml><?xml version="1.0" encoding="utf-8"?>
+<p:sld xmlns:a="http://schemas.openxmlformats.org/drawingml/2006/main" xmlns:r="http://schemas.openxmlformats.org/officeDocument/2006/relationships" xmlns:p="http://schemas.openxmlformats.org/presentationml/2006/main">
+  <p:cSld>
+    <p:spTree>
+      <p:nvGrpSpPr>
+        <p:cNvPr id="1" name=""/>
+        <p:cNvGrpSpPr/>
+        <p:nvPr/>
+      </p:nvGrpSpPr>
+      <p:grpSpPr>
+        <a:xfrm>
+          <a:off x="0" y="0"/>
+          <a:ext cx="0" cy="0"/>
+          <a:chOff x="0" y="0"/>
+          <a:chExt cx="0" cy="0"/>
+        </a:xfrm>
+      </p:grpSpPr>
+      <p:sp>
+        <p:nvSpPr>
+          <p:cNvPr id="2" name="Título 1">
+            <a:extLst>
+              <a:ext uri="{FF2B5EF4-FFF2-40B4-BE49-F238E27FC236}">
+                <a16:creationId xmlns:a16="http://schemas.microsoft.com/office/drawing/2014/main" id="{F0EA80E2-15DD-ABEB-539C-D3721B78C834}"/>
+              </a:ext>
+            </a:extLst>
+          </p:cNvPr>
+          <p:cNvSpPr>
+            <a:spLocks noGrp="1"/>
+          </p:cNvSpPr>
+          <p:nvPr>
+            <p:ph type="title"/>
+          </p:nvPr>
+        </p:nvSpPr>
+        <p:spPr/>
+        <p:txBody>
+          <a:bodyPr/>
+          <a:lstStyle/>
+          <a:p>
+            <a:r>
+              <a:rPr lang="pt-BR" b="1" i="0" dirty="0">
+                <a:effectLst/>
+                <a:latin typeface="Söhne"/>
+              </a:rPr>
+              <a:t>Principais Características</a:t>
+            </a:r>
+            <a:br>
+              <a:rPr lang="pt-BR" b="1" i="0" dirty="0">
+                <a:effectLst/>
+                <a:latin typeface="Söhne"/>
+              </a:rPr>
+            </a:br>
+            <a:r>
+              <a:rPr lang="pt-BR" sz="2000" dirty="0">
+                <a:latin typeface="Söhne"/>
+              </a:rPr>
+              <a:t>Documentos BSON (</a:t>
+            </a:r>
+            <a:r>
+              <a:rPr lang="pt-BR" sz="2000" dirty="0" err="1">
+                <a:latin typeface="Söhne"/>
+              </a:rPr>
+              <a:t>Binary</a:t>
+            </a:r>
+            <a:r>
+              <a:rPr lang="pt-BR" sz="2000" dirty="0">
+                <a:latin typeface="Söhne"/>
+              </a:rPr>
+              <a:t> JSON).</a:t>
+            </a:r>
+            <a:endParaRPr lang="pt-BR" dirty="0"/>
+          </a:p>
+        </p:txBody>
+      </p:sp>
+      <p:sp>
+        <p:nvSpPr>
+          <p:cNvPr id="3" name="Espaço Reservado para Conteúdo 2">
+            <a:extLst>
+              <a:ext uri="{FF2B5EF4-FFF2-40B4-BE49-F238E27FC236}">
+                <a16:creationId xmlns:a16="http://schemas.microsoft.com/office/drawing/2014/main" id="{1812B3A2-0B9F-7A1D-29BE-5783C0E7C666}"/>
+              </a:ext>
+            </a:extLst>
+          </p:cNvPr>
+          <p:cNvSpPr>
+            <a:spLocks noGrp="1"/>
+          </p:cNvSpPr>
+          <p:nvPr>
+            <p:ph idx="1"/>
+          </p:nvPr>
+        </p:nvSpPr>
+        <p:spPr/>
+        <p:txBody>
+          <a:bodyPr/>
+          <a:lstStyle/>
+          <a:p>
+            <a:endParaRPr lang="pt-BR" dirty="0"/>
+          </a:p>
+        </p:txBody>
+      </p:sp>
+      <p:sp>
+        <p:nvSpPr>
+          <p:cNvPr id="4" name="Espaço Reservado para Rodapé 3">
+            <a:extLst>
+              <a:ext uri="{FF2B5EF4-FFF2-40B4-BE49-F238E27FC236}">
+                <a16:creationId xmlns:a16="http://schemas.microsoft.com/office/drawing/2014/main" id="{6739F8A8-C8BA-402C-CBC7-A02F2C81E04B}"/>
+              </a:ext>
+            </a:extLst>
+          </p:cNvPr>
+          <p:cNvSpPr>
+            <a:spLocks noGrp="1"/>
+          </p:cNvSpPr>
+          <p:nvPr>
+            <p:ph type="ftr" sz="quarter" idx="11"/>
+          </p:nvPr>
+        </p:nvSpPr>
+        <p:spPr/>
+        <p:txBody>
+          <a:bodyPr/>
+          <a:lstStyle/>
+          <a:p>
+            <a:r>
+              <a:rPr lang="pt-BR" dirty="0"/>
+              <a:t>https://lucas.gardini.dev</a:t>
+            </a:r>
+          </a:p>
+        </p:txBody>
+      </p:sp>
+      <p:sp>
+        <p:nvSpPr>
+          <p:cNvPr id="5" name="Espaço Reservado para Número de Slide 4">
+            <a:extLst>
+              <a:ext uri="{FF2B5EF4-FFF2-40B4-BE49-F238E27FC236}">
+                <a16:creationId xmlns:a16="http://schemas.microsoft.com/office/drawing/2014/main" id="{DE18193C-5A4B-8531-1D52-CBD20E415CBF}"/>
+              </a:ext>
+            </a:extLst>
+          </p:cNvPr>
+          <p:cNvSpPr>
+            <a:spLocks noGrp="1"/>
+          </p:cNvSpPr>
+          <p:nvPr>
+            <p:ph type="sldNum" sz="quarter" idx="12"/>
+          </p:nvPr>
+        </p:nvSpPr>
+        <p:spPr/>
+        <p:txBody>
+          <a:bodyPr/>
+          <a:lstStyle/>
+          <a:p>
+            <a:fld id="{25237327-9CA3-4762-8749-00D99BA09B6B}" type="slidenum">
+              <a:rPr lang="pt-BR" smtClean="0"/>
+              <a:t>6</a:t>
+            </a:fld>
+            <a:endParaRPr lang="pt-BR"/>
+          </a:p>
+        </p:txBody>
+      </p:sp>
+    </p:spTree>
+    <p:extLst>
+      <p:ext uri="{BB962C8B-B14F-4D97-AF65-F5344CB8AC3E}">
+        <p14:creationId xmlns:p14="http://schemas.microsoft.com/office/powerpoint/2010/main" val="2680432919"/>
+      </p:ext>
+    </p:extLst>
+  </p:cSld>
+  <p:clrMapOvr>
+    <a:masterClrMapping/>
+  </p:clrMapOvr>
+</p:sld>
+</file>
+
+<file path=ppt/slides/slide7.xml><?xml version="1.0" encoding="utf-8"?>
+<p:sld xmlns:a="http://schemas.openxmlformats.org/drawingml/2006/main" xmlns:r="http://schemas.openxmlformats.org/officeDocument/2006/relationships" xmlns:p="http://schemas.openxmlformats.org/presentationml/2006/main">
+  <p:cSld>
+    <p:spTree>
+      <p:nvGrpSpPr>
+        <p:cNvPr id="1" name=""/>
+        <p:cNvGrpSpPr/>
+        <p:nvPr/>
+      </p:nvGrpSpPr>
+      <p:grpSpPr>
+        <a:xfrm>
+          <a:off x="0" y="0"/>
+          <a:ext cx="0" cy="0"/>
+          <a:chOff x="0" y="0"/>
+          <a:chExt cx="0" cy="0"/>
+        </a:xfrm>
+      </p:grpSpPr>
+      <p:sp>
+        <p:nvSpPr>
+          <p:cNvPr id="2" name="Título 1">
+            <a:extLst>
+              <a:ext uri="{FF2B5EF4-FFF2-40B4-BE49-F238E27FC236}">
+                <a16:creationId xmlns:a16="http://schemas.microsoft.com/office/drawing/2014/main" id="{F0EA80E2-15DD-ABEB-539C-D3721B78C834}"/>
+              </a:ext>
+            </a:extLst>
+          </p:cNvPr>
+          <p:cNvSpPr>
+            <a:spLocks noGrp="1"/>
+          </p:cNvSpPr>
+          <p:nvPr>
+            <p:ph type="title"/>
+          </p:nvPr>
+        </p:nvSpPr>
+        <p:spPr/>
+        <p:txBody>
+          <a:bodyPr/>
+          <a:lstStyle/>
+          <a:p>
+            <a:r>
+              <a:rPr lang="pt-BR" b="1" i="0" dirty="0">
+                <a:effectLst/>
+                <a:latin typeface="Söhne"/>
+              </a:rPr>
+              <a:t>Principais Características</a:t>
+            </a:r>
+            <a:br>
+              <a:rPr lang="pt-BR" b="1" i="0" dirty="0">
+                <a:effectLst/>
+                <a:latin typeface="Söhne"/>
+              </a:rPr>
+            </a:br>
+            <a:r>
+              <a:rPr lang="pt-BR" sz="2000" dirty="0">
+                <a:latin typeface="Söhne"/>
+              </a:rPr>
+              <a:t>Esquemas dinâmicos.</a:t>
+            </a:r>
+            <a:endParaRPr lang="pt-BR" dirty="0"/>
+          </a:p>
+        </p:txBody>
+      </p:sp>
+      <p:sp>
+        <p:nvSpPr>
+          <p:cNvPr id="3" name="Espaço Reservado para Conteúdo 2">
+            <a:extLst>
+              <a:ext uri="{FF2B5EF4-FFF2-40B4-BE49-F238E27FC236}">
+                <a16:creationId xmlns:a16="http://schemas.microsoft.com/office/drawing/2014/main" id="{1812B3A2-0B9F-7A1D-29BE-5783C0E7C666}"/>
+              </a:ext>
+            </a:extLst>
+          </p:cNvPr>
+          <p:cNvSpPr>
+            <a:spLocks noGrp="1"/>
+          </p:cNvSpPr>
+          <p:nvPr>
+            <p:ph idx="1"/>
+          </p:nvPr>
+        </p:nvSpPr>
+        <p:spPr/>
+        <p:txBody>
+          <a:bodyPr/>
+          <a:lstStyle/>
+          <a:p>
+            <a:endParaRPr lang="pt-BR" dirty="0"/>
+          </a:p>
+        </p:txBody>
+      </p:sp>
+      <p:sp>
+        <p:nvSpPr>
+          <p:cNvPr id="4" name="Espaço Reservado para Rodapé 3">
+            <a:extLst>
+              <a:ext uri="{FF2B5EF4-FFF2-40B4-BE49-F238E27FC236}">
+                <a16:creationId xmlns:a16="http://schemas.microsoft.com/office/drawing/2014/main" id="{6739F8A8-C8BA-402C-CBC7-A02F2C81E04B}"/>
+              </a:ext>
+            </a:extLst>
+          </p:cNvPr>
+          <p:cNvSpPr>
+            <a:spLocks noGrp="1"/>
+          </p:cNvSpPr>
+          <p:nvPr>
+            <p:ph type="ftr" sz="quarter" idx="11"/>
+          </p:nvPr>
+        </p:nvSpPr>
+        <p:spPr/>
+        <p:txBody>
+          <a:bodyPr/>
+          <a:lstStyle/>
+          <a:p>
+            <a:r>
+              <a:rPr lang="pt-BR" dirty="0"/>
+              <a:t>https://lucas.gardini.dev</a:t>
+            </a:r>
+          </a:p>
+        </p:txBody>
+      </p:sp>
+      <p:sp>
+        <p:nvSpPr>
+          <p:cNvPr id="5" name="Espaço Reservado para Número de Slide 4">
+            <a:extLst>
+              <a:ext uri="{FF2B5EF4-FFF2-40B4-BE49-F238E27FC236}">
+                <a16:creationId xmlns:a16="http://schemas.microsoft.com/office/drawing/2014/main" id="{DE18193C-5A4B-8531-1D52-CBD20E415CBF}"/>
+              </a:ext>
+            </a:extLst>
+          </p:cNvPr>
+          <p:cNvSpPr>
+            <a:spLocks noGrp="1"/>
+          </p:cNvSpPr>
+          <p:nvPr>
+            <p:ph type="sldNum" sz="quarter" idx="12"/>
+          </p:nvPr>
+        </p:nvSpPr>
+        <p:spPr/>
+        <p:txBody>
+          <a:bodyPr/>
+          <a:lstStyle/>
+          <a:p>
+            <a:fld id="{25237327-9CA3-4762-8749-00D99BA09B6B}" type="slidenum">
+              <a:rPr lang="pt-BR" smtClean="0"/>
+              <a:t>7</a:t>
+            </a:fld>
+            <a:endParaRPr lang="pt-BR"/>
+          </a:p>
+        </p:txBody>
+      </p:sp>
+    </p:spTree>
+    <p:extLst>
+      <p:ext uri="{BB962C8B-B14F-4D97-AF65-F5344CB8AC3E}">
+        <p14:creationId xmlns:p14="http://schemas.microsoft.com/office/powerpoint/2010/main" val="1074818923"/>
+      </p:ext>
+    </p:extLst>
+  </p:cSld>
+  <p:clrMapOvr>
+    <a:masterClrMapping/>
+  </p:clrMapOvr>
+</p:sld>
+</file>
+
+<file path=ppt/slides/slide8.xml><?xml version="1.0" encoding="utf-8"?>
+<p:sld xmlns:a="http://schemas.openxmlformats.org/drawingml/2006/main" xmlns:r="http://schemas.openxmlformats.org/officeDocument/2006/relationships" xmlns:p="http://schemas.openxmlformats.org/presentationml/2006/main">
+  <p:cSld>
+    <p:spTree>
+      <p:nvGrpSpPr>
+        <p:cNvPr id="1" name=""/>
+        <p:cNvGrpSpPr/>
+        <p:nvPr/>
+      </p:nvGrpSpPr>
+      <p:grpSpPr>
+        <a:xfrm>
+          <a:off x="0" y="0"/>
+          <a:ext cx="0" cy="0"/>
+          <a:chOff x="0" y="0"/>
+          <a:chExt cx="0" cy="0"/>
+        </a:xfrm>
+      </p:grpSpPr>
+      <p:sp>
+        <p:nvSpPr>
+          <p:cNvPr id="2" name="Título 1">
+            <a:extLst>
+              <a:ext uri="{FF2B5EF4-FFF2-40B4-BE49-F238E27FC236}">
+                <a16:creationId xmlns:a16="http://schemas.microsoft.com/office/drawing/2014/main" id="{F0EA80E2-15DD-ABEB-539C-D3721B78C834}"/>
+              </a:ext>
+            </a:extLst>
+          </p:cNvPr>
+          <p:cNvSpPr>
+            <a:spLocks noGrp="1"/>
+          </p:cNvSpPr>
+          <p:nvPr>
+            <p:ph type="title"/>
+          </p:nvPr>
+        </p:nvSpPr>
+        <p:spPr/>
+        <p:txBody>
+          <a:bodyPr/>
+          <a:lstStyle/>
+          <a:p>
+            <a:r>
+              <a:rPr lang="pt-BR" b="1" i="0" dirty="0">
+                <a:effectLst/>
+                <a:latin typeface="Söhne"/>
+              </a:rPr>
+              <a:t>Principais Características</a:t>
+            </a:r>
+            <a:br>
+              <a:rPr lang="pt-BR" b="1" i="0" dirty="0">
+                <a:effectLst/>
+                <a:latin typeface="Söhne"/>
+              </a:rPr>
+            </a:br>
+            <a:r>
+              <a:rPr lang="pt-BR" sz="2000" dirty="0">
+                <a:latin typeface="Söhne"/>
+              </a:rPr>
+              <a:t>Escalabilidade horizontal.</a:t>
+            </a:r>
+            <a:endParaRPr lang="pt-BR" dirty="0"/>
+          </a:p>
+        </p:txBody>
+      </p:sp>
+      <p:sp>
+        <p:nvSpPr>
+          <p:cNvPr id="3" name="Espaço Reservado para Conteúdo 2">
+            <a:extLst>
+              <a:ext uri="{FF2B5EF4-FFF2-40B4-BE49-F238E27FC236}">
+                <a16:creationId xmlns:a16="http://schemas.microsoft.com/office/drawing/2014/main" id="{1812B3A2-0B9F-7A1D-29BE-5783C0E7C666}"/>
+              </a:ext>
+            </a:extLst>
+          </p:cNvPr>
+          <p:cNvSpPr>
+            <a:spLocks noGrp="1"/>
+          </p:cNvSpPr>
+          <p:nvPr>
+            <p:ph idx="1"/>
+          </p:nvPr>
+        </p:nvSpPr>
+        <p:spPr/>
+        <p:txBody>
+          <a:bodyPr/>
+          <a:lstStyle/>
+          <a:p>
+            <a:endParaRPr lang="pt-BR" dirty="0"/>
+          </a:p>
+        </p:txBody>
+      </p:sp>
+      <p:sp>
+        <p:nvSpPr>
+          <p:cNvPr id="4" name="Espaço Reservado para Rodapé 3">
+            <a:extLst>
+              <a:ext uri="{FF2B5EF4-FFF2-40B4-BE49-F238E27FC236}">
+                <a16:creationId xmlns:a16="http://schemas.microsoft.com/office/drawing/2014/main" id="{6739F8A8-C8BA-402C-CBC7-A02F2C81E04B}"/>
+              </a:ext>
+            </a:extLst>
+          </p:cNvPr>
+          <p:cNvSpPr>
+            <a:spLocks noGrp="1"/>
+          </p:cNvSpPr>
+          <p:nvPr>
+            <p:ph type="ftr" sz="quarter" idx="11"/>
+          </p:nvPr>
+        </p:nvSpPr>
+        <p:spPr/>
+        <p:txBody>
+          <a:bodyPr/>
+          <a:lstStyle/>
+          <a:p>
+            <a:r>
+              <a:rPr lang="pt-BR" dirty="0"/>
+              <a:t>https://lucas.gardini.dev</a:t>
+            </a:r>
+          </a:p>
+        </p:txBody>
+      </p:sp>
+      <p:sp>
+        <p:nvSpPr>
+          <p:cNvPr id="5" name="Espaço Reservado para Número de Slide 4">
+            <a:extLst>
+              <a:ext uri="{FF2B5EF4-FFF2-40B4-BE49-F238E27FC236}">
+                <a16:creationId xmlns:a16="http://schemas.microsoft.com/office/drawing/2014/main" id="{DE18193C-5A4B-8531-1D52-CBD20E415CBF}"/>
+              </a:ext>
+            </a:extLst>
+          </p:cNvPr>
+          <p:cNvSpPr>
+            <a:spLocks noGrp="1"/>
+          </p:cNvSpPr>
+          <p:nvPr>
+            <p:ph type="sldNum" sz="quarter" idx="12"/>
+          </p:nvPr>
+        </p:nvSpPr>
+        <p:spPr/>
+        <p:txBody>
+          <a:bodyPr/>
+          <a:lstStyle/>
+          <a:p>
+            <a:fld id="{25237327-9CA3-4762-8749-00D99BA09B6B}" type="slidenum">
+              <a:rPr lang="pt-BR" smtClean="0"/>
+              <a:t>8</a:t>
+            </a:fld>
+            <a:endParaRPr lang="pt-BR"/>
+          </a:p>
+        </p:txBody>
+      </p:sp>
+    </p:spTree>
+    <p:extLst>
+      <p:ext uri="{BB962C8B-B14F-4D97-AF65-F5344CB8AC3E}">
+        <p14:creationId xmlns:p14="http://schemas.microsoft.com/office/powerpoint/2010/main" val="2944004747"/>
+      </p:ext>
+    </p:extLst>
+  </p:cSld>
+  <p:clrMapOvr>
+    <a:masterClrMapping/>
+  </p:clrMapOvr>
+</p:sld>
+</file>
+
+<file path=ppt/slides/slide9.xml><?xml version="1.0" encoding="utf-8"?>
+<p:sld xmlns:a="http://schemas.openxmlformats.org/drawingml/2006/main" xmlns:r="http://schemas.openxmlformats.org/officeDocument/2006/relationships" xmlns:p="http://schemas.openxmlformats.org/presentationml/2006/main">
+  <p:cSld>
+    <p:spTree>
+      <p:nvGrpSpPr>
+        <p:cNvPr id="1" name=""/>
+        <p:cNvGrpSpPr/>
+        <p:nvPr/>
+      </p:nvGrpSpPr>
+      <p:grpSpPr>
+        <a:xfrm>
+          <a:off x="0" y="0"/>
+          <a:ext cx="0" cy="0"/>
+          <a:chOff x="0" y="0"/>
+          <a:chExt cx="0" cy="0"/>
+        </a:xfrm>
+      </p:grpSpPr>
+      <p:sp>
+        <p:nvSpPr>
+          <p:cNvPr id="4" name="Espaço Reservado para Número de Slide 3">
+            <a:extLst>
+              <a:ext uri="{FF2B5EF4-FFF2-40B4-BE49-F238E27FC236}">
+                <a16:creationId xmlns:a16="http://schemas.microsoft.com/office/drawing/2014/main" id="{7D0ADA87-DAA8-3E4F-5D82-BEFEFA209AE3}"/>
+              </a:ext>
+            </a:extLst>
+          </p:cNvPr>
+          <p:cNvSpPr>
+            <a:spLocks noGrp="1"/>
+          </p:cNvSpPr>
+          <p:nvPr>
+            <p:ph type="sldNum" sz="quarter" idx="12"/>
+          </p:nvPr>
+        </p:nvSpPr>
+        <p:spPr>
+          <a:xfrm>
+            <a:off x="11079045" y="6316601"/>
+            <a:ext cx="1062155" cy="490599"/>
+          </a:xfrm>
+        </p:spPr>
+        <p:txBody>
+          <a:bodyPr/>
+          <a:lstStyle/>
+          <a:p>
+            <a:fld id="{25237327-9CA3-4762-8749-00D99BA09B6B}" type="slidenum">
+              <a:rPr lang="pt-BR" b="1" smtClean="0">
+                <a:solidFill>
+                  <a:schemeClr val="tx1"/>
+                </a:solidFill>
+              </a:rPr>
+              <a:t>9</a:t>
+            </a:fld>
+            <a:endParaRPr lang="pt-BR" b="1" dirty="0">
+              <a:solidFill>
+                <a:schemeClr val="tx1"/>
+              </a:solidFill>
+            </a:endParaRPr>
+          </a:p>
+        </p:txBody>
+      </p:sp>
+      <p:grpSp>
+        <p:nvGrpSpPr>
+          <p:cNvPr id="14" name="Agrupar 13">
+            <a:extLst>
+              <a:ext uri="{FF2B5EF4-FFF2-40B4-BE49-F238E27FC236}">
+                <a16:creationId xmlns:a16="http://schemas.microsoft.com/office/drawing/2014/main" id="{3A131335-0210-9973-B748-9747392A7A99}"/>
+              </a:ext>
+            </a:extLst>
+          </p:cNvPr>
+          <p:cNvGrpSpPr/>
+          <p:nvPr/>
+        </p:nvGrpSpPr>
+        <p:grpSpPr>
+          <a:xfrm>
+            <a:off x="5722808" y="6341706"/>
+            <a:ext cx="746384" cy="429208"/>
+            <a:chOff x="4350679" y="5579706"/>
+            <a:chExt cx="746384" cy="429208"/>
+          </a:xfrm>
+        </p:grpSpPr>
+        <p:pic>
+          <p:nvPicPr>
+            <p:cNvPr id="9" name="Gráfico 8">
+              <a:extLst>
+                <a:ext uri="{FF2B5EF4-FFF2-40B4-BE49-F238E27FC236}">
+                  <a16:creationId xmlns:a16="http://schemas.microsoft.com/office/drawing/2014/main" id="{68B00CCA-1769-F355-0991-F88AFB028207}"/>
+                </a:ext>
+              </a:extLst>
+            </p:cNvPr>
+            <p:cNvPicPr>
+              <a:picLocks noChangeAspect="1"/>
+            </p:cNvPicPr>
+            <p:nvPr/>
+          </p:nvPicPr>
+          <p:blipFill>
+            <a:blip r:embed="rId2">
+              <a:extLst>
+                <a:ext uri="{28A0092B-C50C-407E-A947-70E740481C1C}">
+                  <a14:useLocalDpi xmlns:a14="http://schemas.microsoft.com/office/drawing/2010/main" val="0"/>
+                </a:ext>
+                <a:ext uri="{96DAC541-7B7A-43D3-8B79-37D633B846F1}">
+                  <asvg:svgBlip xmlns:asvg="http://schemas.microsoft.com/office/drawing/2016/SVG/main" r:embed="rId3"/>
+                </a:ext>
+              </a:extLst>
+            </a:blip>
+            <a:stretch>
+              <a:fillRect/>
+            </a:stretch>
+          </p:blipFill>
+          <p:spPr>
+            <a:xfrm>
+              <a:off x="4350679" y="5619390"/>
+              <a:ext cx="360000" cy="360000"/>
+            </a:xfrm>
+            <a:prstGeom prst="rect">
+              <a:avLst/>
+            </a:prstGeom>
+          </p:spPr>
+        </p:pic>
+        <p:pic>
+          <p:nvPicPr>
+            <p:cNvPr id="1026" name="Picture 2" descr="V Semana de Turismo IFSP Barretos">
+              <a:extLst>
+                <a:ext uri="{FF2B5EF4-FFF2-40B4-BE49-F238E27FC236}">
+                  <a16:creationId xmlns:a16="http://schemas.microsoft.com/office/drawing/2014/main" id="{43520D69-6128-EE21-87C6-87C10FF9165F}"/>
+                </a:ext>
+              </a:extLst>
+            </p:cNvPr>
+            <p:cNvPicPr>
+              <a:picLocks noChangeAspect="1" noChangeArrowheads="1"/>
+            </p:cNvPicPr>
+            <p:nvPr/>
+          </p:nvPicPr>
+          <p:blipFill>
+            <a:blip r:embed="rId4">
+              <a:extLst>
+                <a:ext uri="{28A0092B-C50C-407E-A947-70E740481C1C}">
+                  <a14:useLocalDpi xmlns:a14="http://schemas.microsoft.com/office/drawing/2010/main" val="0"/>
+                </a:ext>
+              </a:extLst>
+            </a:blip>
+            <a:srcRect/>
+            <a:stretch>
+              <a:fillRect/>
+            </a:stretch>
+          </p:blipFill>
+          <p:spPr bwMode="auto">
+            <a:xfrm>
+              <a:off x="4869227" y="5641759"/>
+              <a:ext cx="227836" cy="305101"/>
+            </a:xfrm>
+            <a:prstGeom prst="rect">
+              <a:avLst/>
+            </a:prstGeom>
+            <a:noFill/>
+            <a:extLst>
+              <a:ext uri="{909E8E84-426E-40DD-AFC4-6F175D3DCCD1}">
+                <a14:hiddenFill xmlns:a14="http://schemas.microsoft.com/office/drawing/2010/main">
+                  <a:solidFill>
+                    <a:srgbClr val="FFFFFF"/>
+                  </a:solidFill>
+                </a14:hiddenFill>
+              </a:ext>
+            </a:extLst>
+          </p:spPr>
+        </p:pic>
+        <p:cxnSp>
+          <p:nvCxnSpPr>
+            <p:cNvPr id="11" name="Conector reto 10">
+              <a:extLst>
+                <a:ext uri="{FF2B5EF4-FFF2-40B4-BE49-F238E27FC236}">
+                  <a16:creationId xmlns:a16="http://schemas.microsoft.com/office/drawing/2014/main" id="{5D6B378A-D998-4925-FFCA-9A0F3370C250}"/>
+                </a:ext>
+              </a:extLst>
+            </p:cNvPr>
+            <p:cNvCxnSpPr>
+              <a:cxnSpLocks/>
+            </p:cNvCxnSpPr>
+            <p:nvPr/>
+          </p:nvCxnSpPr>
+          <p:spPr>
+            <a:xfrm>
+              <a:off x="4743269" y="5579706"/>
+              <a:ext cx="0" cy="429208"/>
+            </a:xfrm>
+            <a:prstGeom prst="line">
+              <a:avLst/>
+            </a:prstGeom>
+            <a:ln>
+              <a:solidFill>
+                <a:schemeClr val="tx1"/>
+              </a:solidFill>
+            </a:ln>
+          </p:spPr>
+          <p:style>
+            <a:lnRef idx="1">
+              <a:schemeClr val="accent1"/>
+            </a:lnRef>
+            <a:fillRef idx="0">
+              <a:schemeClr val="accent1"/>
+            </a:fillRef>
+            <a:effectRef idx="0">
+              <a:schemeClr val="accent1"/>
+            </a:effectRef>
+            <a:fontRef idx="minor">
+              <a:schemeClr val="tx1"/>
+            </a:fontRef>
+          </p:style>
+        </p:cxnSp>
+      </p:grpSp>
+      <p:sp>
+        <p:nvSpPr>
+          <p:cNvPr id="15" name="Espaço Reservado para Rodapé 14">
+            <a:extLst>
+              <a:ext uri="{FF2B5EF4-FFF2-40B4-BE49-F238E27FC236}">
+                <a16:creationId xmlns:a16="http://schemas.microsoft.com/office/drawing/2014/main" id="{FF285D15-CA04-0574-4AAD-47ADEE6CFB3B}"/>
+              </a:ext>
+            </a:extLst>
+          </p:cNvPr>
+          <p:cNvSpPr>
+            <a:spLocks noGrp="1"/>
+          </p:cNvSpPr>
+          <p:nvPr>
+            <p:ph type="ftr" sz="quarter" idx="11"/>
+          </p:nvPr>
+        </p:nvSpPr>
+        <p:spPr>
+          <a:xfrm>
+            <a:off x="50800" y="6442075"/>
+            <a:ext cx="3291839" cy="365125"/>
+          </a:xfrm>
+        </p:spPr>
+        <p:txBody>
+          <a:bodyPr/>
+          <a:lstStyle/>
+          <a:p>
+            <a:r>
+              <a:rPr lang="pt-BR" sz="1600" dirty="0"/>
+              <a:t>https://lucasgardini.com</a:t>
+            </a:r>
+          </a:p>
+        </p:txBody>
+      </p:sp>
+      <p:sp>
+        <p:nvSpPr>
+          <p:cNvPr id="2" name="CaixaDeTexto 1">
+            <a:extLst>
+              <a:ext uri="{FF2B5EF4-FFF2-40B4-BE49-F238E27FC236}">
+                <a16:creationId xmlns:a16="http://schemas.microsoft.com/office/drawing/2014/main" id="{3F89F942-F2B5-EBBE-126B-E2759FD22242}"/>
+              </a:ext>
+            </a:extLst>
+          </p:cNvPr>
+          <p:cNvSpPr txBox="1"/>
+          <p:nvPr/>
+        </p:nvSpPr>
+        <p:spPr>
+          <a:xfrm>
+            <a:off x="670272" y="1726164"/>
+            <a:ext cx="7827784" cy="2308324"/>
+          </a:xfrm>
+          <a:prstGeom prst="rect">
+            <a:avLst/>
+          </a:prstGeom>
+          <a:noFill/>
+        </p:spPr>
+        <p:txBody>
+          <a:bodyPr wrap="none" rtlCol="0">
+            <a:spAutoFit/>
+          </a:bodyPr>
+          <a:lstStyle/>
+          <a:p>
+            <a:r>
+              <a:rPr lang="pt-BR" sz="7200" b="1" dirty="0">
+                <a:effectLst>
+                  <a:outerShdw blurRad="50800" dist="38100" dir="2700000" algn="tl" rotWithShape="0">
+                    <a:prstClr val="black">
+                      <a:alpha val="40000"/>
+                    </a:prstClr>
+                  </a:outerShdw>
+                </a:effectLst>
+              </a:rPr>
+              <a:t>INSTALAÇÃO E </a:t>
+            </a:r>
+          </a:p>
+          <a:p>
+            <a:r>
+              <a:rPr lang="pt-BR" sz="7200" b="1" dirty="0">
+                <a:effectLst>
+                  <a:outerShdw blurRad="50800" dist="38100" dir="2700000" algn="tl" rotWithShape="0">
+                    <a:prstClr val="black">
+                      <a:alpha val="40000"/>
+                    </a:prstClr>
+                  </a:outerShdw>
+                </a:effectLst>
+              </a:rPr>
+              <a:t>CONFIGURAÇÃO</a:t>
+            </a:r>
+          </a:p>
+        </p:txBody>
+      </p:sp>
+    </p:spTree>
+    <p:extLst>
+      <p:ext uri="{BB962C8B-B14F-4D97-AF65-F5344CB8AC3E}">
+        <p14:creationId xmlns:p14="http://schemas.microsoft.com/office/powerpoint/2010/main" val="1006512240"/>
       </p:ext>
     </p:extLst>
   </p:cSld>

--- a/mongodb/minicurso-mongodb.pptx
+++ b/mongodb/minicurso-mongodb.pptx
@@ -5,43 +5,46 @@
     <p:sldMasterId id="2147483750" r:id="rId1"/>
   </p:sldMasterIdLst>
   <p:notesMasterIdLst>
-    <p:notesMasterId r:id="rId36"/>
+    <p:notesMasterId r:id="rId39"/>
   </p:notesMasterIdLst>
   <p:sldIdLst>
     <p:sldId id="290" r:id="rId2"/>
     <p:sldId id="257" r:id="rId3"/>
-    <p:sldId id="258" r:id="rId4"/>
-    <p:sldId id="263" r:id="rId5"/>
-    <p:sldId id="259" r:id="rId6"/>
-    <p:sldId id="260" r:id="rId7"/>
-    <p:sldId id="261" r:id="rId8"/>
-    <p:sldId id="262" r:id="rId9"/>
-    <p:sldId id="264" r:id="rId10"/>
-    <p:sldId id="265" r:id="rId11"/>
-    <p:sldId id="266" r:id="rId12"/>
-    <p:sldId id="267" r:id="rId13"/>
-    <p:sldId id="268" r:id="rId14"/>
-    <p:sldId id="269" r:id="rId15"/>
-    <p:sldId id="270" r:id="rId16"/>
-    <p:sldId id="271" r:id="rId17"/>
-    <p:sldId id="272" r:id="rId18"/>
-    <p:sldId id="273" r:id="rId19"/>
-    <p:sldId id="274" r:id="rId20"/>
-    <p:sldId id="275" r:id="rId21"/>
-    <p:sldId id="276" r:id="rId22"/>
-    <p:sldId id="277" r:id="rId23"/>
-    <p:sldId id="278" r:id="rId24"/>
-    <p:sldId id="279" r:id="rId25"/>
-    <p:sldId id="280" r:id="rId26"/>
-    <p:sldId id="281" r:id="rId27"/>
-    <p:sldId id="282" r:id="rId28"/>
-    <p:sldId id="283" r:id="rId29"/>
-    <p:sldId id="284" r:id="rId30"/>
-    <p:sldId id="285" r:id="rId31"/>
-    <p:sldId id="286" r:id="rId32"/>
-    <p:sldId id="287" r:id="rId33"/>
-    <p:sldId id="288" r:id="rId34"/>
-    <p:sldId id="289" r:id="rId35"/>
+    <p:sldId id="292" r:id="rId4"/>
+    <p:sldId id="258" r:id="rId5"/>
+    <p:sldId id="293" r:id="rId6"/>
+    <p:sldId id="294" r:id="rId7"/>
+    <p:sldId id="259" r:id="rId8"/>
+    <p:sldId id="260" r:id="rId9"/>
+    <p:sldId id="261" r:id="rId10"/>
+    <p:sldId id="262" r:id="rId11"/>
+    <p:sldId id="264" r:id="rId12"/>
+    <p:sldId id="265" r:id="rId13"/>
+    <p:sldId id="266" r:id="rId14"/>
+    <p:sldId id="267" r:id="rId15"/>
+    <p:sldId id="268" r:id="rId16"/>
+    <p:sldId id="269" r:id="rId17"/>
+    <p:sldId id="270" r:id="rId18"/>
+    <p:sldId id="271" r:id="rId19"/>
+    <p:sldId id="272" r:id="rId20"/>
+    <p:sldId id="273" r:id="rId21"/>
+    <p:sldId id="274" r:id="rId22"/>
+    <p:sldId id="275" r:id="rId23"/>
+    <p:sldId id="276" r:id="rId24"/>
+    <p:sldId id="277" r:id="rId25"/>
+    <p:sldId id="278" r:id="rId26"/>
+    <p:sldId id="279" r:id="rId27"/>
+    <p:sldId id="280" r:id="rId28"/>
+    <p:sldId id="281" r:id="rId29"/>
+    <p:sldId id="282" r:id="rId30"/>
+    <p:sldId id="283" r:id="rId31"/>
+    <p:sldId id="284" r:id="rId32"/>
+    <p:sldId id="285" r:id="rId33"/>
+    <p:sldId id="286" r:id="rId34"/>
+    <p:sldId id="287" r:id="rId35"/>
+    <p:sldId id="288" r:id="rId36"/>
+    <p:sldId id="289" r:id="rId37"/>
+    <p:sldId id="291" r:id="rId38"/>
   </p:sldIdLst>
   <p:sldSz cx="12192000" cy="6858000"/>
   <p:notesSz cx="6858000" cy="9144000"/>
@@ -151,7 +154,7 @@
 <file path=ppt/revisionInfo.xml><?xml version="1.0" encoding="utf-8"?>
 <p1510:revInfo xmlns:a="http://schemas.openxmlformats.org/drawingml/2006/main" xmlns:r="http://schemas.openxmlformats.org/officeDocument/2006/relationships" xmlns:p1510="http://schemas.microsoft.com/office/powerpoint/2015/10/main">
   <p1510:revLst>
-    <p1510:client id="{C5FB0DF0-D3DF-4F89-8B3C-39729411D934}" v="138" dt="2023-10-18T01:08:48.309"/>
+    <p1510:client id="{C5FB0DF0-D3DF-4F89-8B3C-39729411D934}" v="387" dt="2023-10-19T23:39:15.184"/>
   </p1510:revLst>
 </p1510:revInfo>
 </file>
@@ -161,7 +164,7 @@
   <pc:docChgLst>
     <pc:chgData name="Lucas Gardini Dias" userId="7283582234da282d" providerId="LiveId" clId="{C5FB0DF0-D3DF-4F89-8B3C-39729411D934}"/>
     <pc:docChg chg="undo redo custSel addSld delSld modSld sldOrd modMainMaster">
-      <pc:chgData name="Lucas Gardini Dias" userId="7283582234da282d" providerId="LiveId" clId="{C5FB0DF0-D3DF-4F89-8B3C-39729411D934}" dt="2023-10-18T01:09:31.130" v="1021" actId="2085"/>
+      <pc:chgData name="Lucas Gardini Dias" userId="7283582234da282d" providerId="LiveId" clId="{C5FB0DF0-D3DF-4F89-8B3C-39729411D934}" dt="2023-10-19T23:39:38.681" v="3163" actId="20577"/>
       <pc:docMkLst>
         <pc:docMk/>
       </pc:docMkLst>
@@ -251,8 +254,8 @@
           <pc:sldMk cId="330963599" sldId="257"/>
         </pc:sldMkLst>
       </pc:sldChg>
-      <pc:sldChg chg="modSp new mod modTransition">
-        <pc:chgData name="Lucas Gardini Dias" userId="7283582234da282d" providerId="LiveId" clId="{C5FB0DF0-D3DF-4F89-8B3C-39729411D934}" dt="2023-10-18T00:52:48.419" v="850"/>
+      <pc:sldChg chg="addSp modSp new mod modTransition modAnim">
+        <pc:chgData name="Lucas Gardini Dias" userId="7283582234da282d" providerId="LiveId" clId="{C5FB0DF0-D3DF-4F89-8B3C-39729411D934}" dt="2023-10-19T22:58:52.058" v="1354"/>
         <pc:sldMkLst>
           <pc:docMk/>
           <pc:sldMk cId="1938438141" sldId="257"/>
@@ -265,24 +268,56 @@
             <ac:spMk id="2" creationId="{F0EA80E2-15DD-ABEB-539C-D3721B78C834}"/>
           </ac:spMkLst>
         </pc:spChg>
+        <pc:spChg chg="mod">
+          <ac:chgData name="Lucas Gardini Dias" userId="7283582234da282d" providerId="LiveId" clId="{C5FB0DF0-D3DF-4F89-8B3C-39729411D934}" dt="2023-10-19T22:53:38.685" v="1239" actId="20577"/>
+          <ac:spMkLst>
+            <pc:docMk/>
+            <pc:sldMk cId="1938438141" sldId="257"/>
+            <ac:spMk id="3" creationId="{1812B3A2-0B9F-7A1D-29BE-5783C0E7C666}"/>
+          </ac:spMkLst>
+        </pc:spChg>
+        <pc:spChg chg="add mod">
+          <ac:chgData name="Lucas Gardini Dias" userId="7283582234da282d" providerId="LiveId" clId="{C5FB0DF0-D3DF-4F89-8B3C-39729411D934}" dt="2023-10-19T22:57:52.645" v="1345" actId="1038"/>
+          <ac:spMkLst>
+            <pc:docMk/>
+            <pc:sldMk cId="1938438141" sldId="257"/>
+            <ac:spMk id="7" creationId="{A6A4880A-AAFA-0DF6-FA59-A760CF52AD3B}"/>
+          </ac:spMkLst>
+        </pc:spChg>
+        <pc:picChg chg="add mod">
+          <ac:chgData name="Lucas Gardini Dias" userId="7283582234da282d" providerId="LiveId" clId="{C5FB0DF0-D3DF-4F89-8B3C-39729411D934}" dt="2023-10-19T22:58:07.986" v="1349" actId="14861"/>
+          <ac:picMkLst>
+            <pc:docMk/>
+            <pc:sldMk cId="1938438141" sldId="257"/>
+            <ac:picMk id="1026" creationId="{C260FD50-AC34-C9AC-76D5-ACCAD52E746A}"/>
+          </ac:picMkLst>
+        </pc:picChg>
       </pc:sldChg>
-      <pc:sldChg chg="modSp add mod">
-        <pc:chgData name="Lucas Gardini Dias" userId="7283582234da282d" providerId="LiveId" clId="{C5FB0DF0-D3DF-4F89-8B3C-39729411D934}" dt="2023-10-17T22:19:33.980" v="225"/>
+      <pc:sldChg chg="modSp add mod modTransition">
+        <pc:chgData name="Lucas Gardini Dias" userId="7283582234da282d" providerId="LiveId" clId="{C5FB0DF0-D3DF-4F89-8B3C-39729411D934}" dt="2023-10-19T23:21:13.789" v="2687"/>
         <pc:sldMkLst>
           <pc:docMk/>
           <pc:sldMk cId="1815465601" sldId="258"/>
         </pc:sldMkLst>
         <pc:spChg chg="mod">
-          <ac:chgData name="Lucas Gardini Dias" userId="7283582234da282d" providerId="LiveId" clId="{C5FB0DF0-D3DF-4F89-8B3C-39729411D934}" dt="2023-10-17T22:19:33.980" v="225"/>
+          <ac:chgData name="Lucas Gardini Dias" userId="7283582234da282d" providerId="LiveId" clId="{C5FB0DF0-D3DF-4F89-8B3C-39729411D934}" dt="2023-10-19T23:04:29.557" v="1584" actId="20577"/>
           <ac:spMkLst>
             <pc:docMk/>
             <pc:sldMk cId="1815465601" sldId="258"/>
             <ac:spMk id="2" creationId="{F0EA80E2-15DD-ABEB-539C-D3721B78C834}"/>
           </ac:spMkLst>
         </pc:spChg>
+        <pc:spChg chg="mod">
+          <ac:chgData name="Lucas Gardini Dias" userId="7283582234da282d" providerId="LiveId" clId="{C5FB0DF0-D3DF-4F89-8B3C-39729411D934}" dt="2023-10-19T23:19:55.274" v="2680" actId="123"/>
+          <ac:spMkLst>
+            <pc:docMk/>
+            <pc:sldMk cId="1815465601" sldId="258"/>
+            <ac:spMk id="3" creationId="{1812B3A2-0B9F-7A1D-29BE-5783C0E7C666}"/>
+          </ac:spMkLst>
+        </pc:spChg>
       </pc:sldChg>
-      <pc:sldChg chg="modSp add mod">
-        <pc:chgData name="Lucas Gardini Dias" userId="7283582234da282d" providerId="LiveId" clId="{C5FB0DF0-D3DF-4F89-8B3C-39729411D934}" dt="2023-10-17T22:21:10.194" v="293" actId="20577"/>
+      <pc:sldChg chg="addSp delSp modSp add mod">
+        <pc:chgData name="Lucas Gardini Dias" userId="7283582234da282d" providerId="LiveId" clId="{C5FB0DF0-D3DF-4F89-8B3C-39729411D934}" dt="2023-10-19T23:37:57.938" v="3068" actId="20577"/>
         <pc:sldMkLst>
           <pc:docMk/>
           <pc:sldMk cId="3172907843" sldId="259"/>
@@ -295,9 +330,41 @@
             <ac:spMk id="2" creationId="{F0EA80E2-15DD-ABEB-539C-D3721B78C834}"/>
           </ac:spMkLst>
         </pc:spChg>
+        <pc:spChg chg="del">
+          <ac:chgData name="Lucas Gardini Dias" userId="7283582234da282d" providerId="LiveId" clId="{C5FB0DF0-D3DF-4F89-8B3C-39729411D934}" dt="2023-10-19T23:23:55.475" v="2699" actId="478"/>
+          <ac:spMkLst>
+            <pc:docMk/>
+            <pc:sldMk cId="3172907843" sldId="259"/>
+            <ac:spMk id="3" creationId="{1812B3A2-0B9F-7A1D-29BE-5783C0E7C666}"/>
+          </ac:spMkLst>
+        </pc:spChg>
+        <pc:spChg chg="add mod">
+          <ac:chgData name="Lucas Gardini Dias" userId="7283582234da282d" providerId="LiveId" clId="{C5FB0DF0-D3DF-4F89-8B3C-39729411D934}" dt="2023-10-19T23:37:57.938" v="3068" actId="20577"/>
+          <ac:spMkLst>
+            <pc:docMk/>
+            <pc:sldMk cId="3172907843" sldId="259"/>
+            <ac:spMk id="6" creationId="{54FF082D-00F6-C1CF-8631-B4FF185AEFDC}"/>
+          </ac:spMkLst>
+        </pc:spChg>
+        <pc:spChg chg="add mod">
+          <ac:chgData name="Lucas Gardini Dias" userId="7283582234da282d" providerId="LiveId" clId="{C5FB0DF0-D3DF-4F89-8B3C-39729411D934}" dt="2023-10-19T23:37:36.224" v="3018" actId="1037"/>
+          <ac:spMkLst>
+            <pc:docMk/>
+            <pc:sldMk cId="3172907843" sldId="259"/>
+            <ac:spMk id="8" creationId="{25FFA9E1-1847-687F-5CB7-AD974E5E08E0}"/>
+          </ac:spMkLst>
+        </pc:spChg>
+        <pc:picChg chg="add mod">
+          <ac:chgData name="Lucas Gardini Dias" userId="7283582234da282d" providerId="LiveId" clId="{C5FB0DF0-D3DF-4F89-8B3C-39729411D934}" dt="2023-10-19T23:37:19.499" v="2971" actId="1037"/>
+          <ac:picMkLst>
+            <pc:docMk/>
+            <pc:sldMk cId="3172907843" sldId="259"/>
+            <ac:picMk id="7" creationId="{ACF47ACF-F5C8-CE98-452C-10028143E890}"/>
+          </ac:picMkLst>
+        </pc:picChg>
       </pc:sldChg>
-      <pc:sldChg chg="modSp add mod">
-        <pc:chgData name="Lucas Gardini Dias" userId="7283582234da282d" providerId="LiveId" clId="{C5FB0DF0-D3DF-4F89-8B3C-39729411D934}" dt="2023-10-17T22:21:37.260" v="297"/>
+      <pc:sldChg chg="addSp delSp modSp add mod">
+        <pc:chgData name="Lucas Gardini Dias" userId="7283582234da282d" providerId="LiveId" clId="{C5FB0DF0-D3DF-4F89-8B3C-39729411D934}" dt="2023-10-19T23:39:38.681" v="3163" actId="20577"/>
         <pc:sldMkLst>
           <pc:docMk/>
           <pc:sldMk cId="2680432919" sldId="260"/>
@@ -308,6 +375,22 @@
             <pc:docMk/>
             <pc:sldMk cId="2680432919" sldId="260"/>
             <ac:spMk id="2" creationId="{F0EA80E2-15DD-ABEB-539C-D3721B78C834}"/>
+          </ac:spMkLst>
+        </pc:spChg>
+        <pc:spChg chg="add del">
+          <ac:chgData name="Lucas Gardini Dias" userId="7283582234da282d" providerId="LiveId" clId="{C5FB0DF0-D3DF-4F89-8B3C-39729411D934}" dt="2023-10-19T23:39:17.142" v="3085" actId="478"/>
+          <ac:spMkLst>
+            <pc:docMk/>
+            <pc:sldMk cId="2680432919" sldId="260"/>
+            <ac:spMk id="3" creationId="{1812B3A2-0B9F-7A1D-29BE-5783C0E7C666}"/>
+          </ac:spMkLst>
+        </pc:spChg>
+        <pc:spChg chg="add mod">
+          <ac:chgData name="Lucas Gardini Dias" userId="7283582234da282d" providerId="LiveId" clId="{C5FB0DF0-D3DF-4F89-8B3C-39729411D934}" dt="2023-10-19T23:39:38.681" v="3163" actId="20577"/>
+          <ac:spMkLst>
+            <pc:docMk/>
+            <pc:sldMk cId="2680432919" sldId="260"/>
+            <ac:spMk id="6" creationId="{2049F709-0379-7C5E-AE37-1EA69D372C59}"/>
           </ac:spMkLst>
         </pc:spChg>
       </pc:sldChg>
@@ -341,14 +424,14 @@
           </ac:spMkLst>
         </pc:spChg>
       </pc:sldChg>
-      <pc:sldChg chg="delSp modSp add mod modTransition">
-        <pc:chgData name="Lucas Gardini Dias" userId="7283582234da282d" providerId="LiveId" clId="{C5FB0DF0-D3DF-4F89-8B3C-39729411D934}" dt="2023-10-18T01:08:48.309" v="1020"/>
+      <pc:sldChg chg="delSp modSp add del mod modTransition">
+        <pc:chgData name="Lucas Gardini Dias" userId="7283582234da282d" providerId="LiveId" clId="{C5FB0DF0-D3DF-4F89-8B3C-39729411D934}" dt="2023-10-19T23:23:08.592" v="2698" actId="47"/>
         <pc:sldMkLst>
           <pc:docMk/>
           <pc:sldMk cId="2805241000" sldId="263"/>
         </pc:sldMkLst>
         <pc:spChg chg="mod">
-          <ac:chgData name="Lucas Gardini Dias" userId="7283582234da282d" providerId="LiveId" clId="{C5FB0DF0-D3DF-4F89-8B3C-39729411D934}" dt="2023-10-17T22:22:24.172" v="335" actId="20577"/>
+          <ac:chgData name="Lucas Gardini Dias" userId="7283582234da282d" providerId="LiveId" clId="{C5FB0DF0-D3DF-4F89-8B3C-39729411D934}" dt="2023-10-19T23:22:47.534" v="2692" actId="1076"/>
           <ac:spMkLst>
             <pc:docMk/>
             <pc:sldMk cId="2805241000" sldId="263"/>
@@ -755,7 +838,7 @@
         </pc:spChg>
       </pc:sldChg>
       <pc:sldChg chg="addSp delSp modSp add mod">
-        <pc:chgData name="Lucas Gardini Dias" userId="7283582234da282d" providerId="LiveId" clId="{C5FB0DF0-D3DF-4F89-8B3C-39729411D934}" dt="2023-10-18T01:09:31.130" v="1021" actId="2085"/>
+        <pc:chgData name="Lucas Gardini Dias" userId="7283582234da282d" providerId="LiveId" clId="{C5FB0DF0-D3DF-4F89-8B3C-39729411D934}" dt="2023-10-19T22:13:15.962" v="1155" actId="14826"/>
         <pc:sldMkLst>
           <pc:docMk/>
           <pc:sldMk cId="2592231935" sldId="290"/>
@@ -865,7 +948,7 @@
           </ac:picMkLst>
         </pc:picChg>
         <pc:picChg chg="add mod">
-          <ac:chgData name="Lucas Gardini Dias" userId="7283582234da282d" providerId="LiveId" clId="{C5FB0DF0-D3DF-4F89-8B3C-39729411D934}" dt="2023-10-18T01:02:12.947" v="975" actId="1035"/>
+          <ac:chgData name="Lucas Gardini Dias" userId="7283582234da282d" providerId="LiveId" clId="{C5FB0DF0-D3DF-4F89-8B3C-39729411D934}" dt="2023-10-19T22:13:15.962" v="1155" actId="14826"/>
           <ac:picMkLst>
             <pc:docMk/>
             <pc:sldMk cId="2592231935" sldId="290"/>
@@ -960,6 +1043,208 @@
           </ac:picMkLst>
         </pc:picChg>
       </pc:sldChg>
+      <pc:sldChg chg="addSp delSp modSp new mod modClrScheme chgLayout">
+        <pc:chgData name="Lucas Gardini Dias" userId="7283582234da282d" providerId="LiveId" clId="{C5FB0DF0-D3DF-4F89-8B3C-39729411D934}" dt="2023-10-19T23:25:31.126" v="2956"/>
+        <pc:sldMkLst>
+          <pc:docMk/>
+          <pc:sldMk cId="482512677" sldId="291"/>
+        </pc:sldMkLst>
+        <pc:spChg chg="del">
+          <ac:chgData name="Lucas Gardini Dias" userId="7283582234da282d" providerId="LiveId" clId="{C5FB0DF0-D3DF-4F89-8B3C-39729411D934}" dt="2023-10-19T22:55:20.639" v="1241" actId="700"/>
+          <ac:spMkLst>
+            <pc:docMk/>
+            <pc:sldMk cId="482512677" sldId="291"/>
+            <ac:spMk id="2" creationId="{8E66F4BF-2C6B-4274-D6C1-811DC883E951}"/>
+          </ac:spMkLst>
+        </pc:spChg>
+        <pc:spChg chg="del">
+          <ac:chgData name="Lucas Gardini Dias" userId="7283582234da282d" providerId="LiveId" clId="{C5FB0DF0-D3DF-4F89-8B3C-39729411D934}" dt="2023-10-19T22:55:20.639" v="1241" actId="700"/>
+          <ac:spMkLst>
+            <pc:docMk/>
+            <pc:sldMk cId="482512677" sldId="291"/>
+            <ac:spMk id="3" creationId="{A5859B69-96F2-3C3F-D3C0-64A9074C457D}"/>
+          </ac:spMkLst>
+        </pc:spChg>
+        <pc:spChg chg="mod ord">
+          <ac:chgData name="Lucas Gardini Dias" userId="7283582234da282d" providerId="LiveId" clId="{C5FB0DF0-D3DF-4F89-8B3C-39729411D934}" dt="2023-10-19T22:55:20.639" v="1241" actId="700"/>
+          <ac:spMkLst>
+            <pc:docMk/>
+            <pc:sldMk cId="482512677" sldId="291"/>
+            <ac:spMk id="4" creationId="{21B5A121-F754-247B-71BC-E6BAC80FB3E7}"/>
+          </ac:spMkLst>
+        </pc:spChg>
+        <pc:spChg chg="mod ord">
+          <ac:chgData name="Lucas Gardini Dias" userId="7283582234da282d" providerId="LiveId" clId="{C5FB0DF0-D3DF-4F89-8B3C-39729411D934}" dt="2023-10-19T22:55:20.639" v="1241" actId="700"/>
+          <ac:spMkLst>
+            <pc:docMk/>
+            <pc:sldMk cId="482512677" sldId="291"/>
+            <ac:spMk id="5" creationId="{7C02F033-9C8F-E2B9-D077-BDB595476CFF}"/>
+          </ac:spMkLst>
+        </pc:spChg>
+        <pc:spChg chg="add mod">
+          <ac:chgData name="Lucas Gardini Dias" userId="7283582234da282d" providerId="LiveId" clId="{C5FB0DF0-D3DF-4F89-8B3C-39729411D934}" dt="2023-10-19T23:25:31.126" v="2956"/>
+          <ac:spMkLst>
+            <pc:docMk/>
+            <pc:sldMk cId="482512677" sldId="291"/>
+            <ac:spMk id="6" creationId="{4F51AB79-6509-C9F6-B0A1-E4B145E8A9E4}"/>
+          </ac:spMkLst>
+        </pc:spChg>
+      </pc:sldChg>
+      <pc:sldChg chg="delSp modSp add mod modTransition modAnim">
+        <pc:chgData name="Lucas Gardini Dias" userId="7283582234da282d" providerId="LiveId" clId="{C5FB0DF0-D3DF-4F89-8B3C-39729411D934}" dt="2023-10-19T23:21:09.363" v="2685"/>
+        <pc:sldMkLst>
+          <pc:docMk/>
+          <pc:sldMk cId="621010932" sldId="292"/>
+        </pc:sldMkLst>
+        <pc:spChg chg="mod">
+          <ac:chgData name="Lucas Gardini Dias" userId="7283582234da282d" providerId="LiveId" clId="{C5FB0DF0-D3DF-4F89-8B3C-39729411D934}" dt="2023-10-19T23:20:01.779" v="2681" actId="123"/>
+          <ac:spMkLst>
+            <pc:docMk/>
+            <pc:sldMk cId="621010932" sldId="292"/>
+            <ac:spMk id="3" creationId="{1812B3A2-0B9F-7A1D-29BE-5783C0E7C666}"/>
+          </ac:spMkLst>
+        </pc:spChg>
+        <pc:spChg chg="del">
+          <ac:chgData name="Lucas Gardini Dias" userId="7283582234da282d" providerId="LiveId" clId="{C5FB0DF0-D3DF-4F89-8B3C-39729411D934}" dt="2023-10-19T22:59:44.712" v="1357" actId="478"/>
+          <ac:spMkLst>
+            <pc:docMk/>
+            <pc:sldMk cId="621010932" sldId="292"/>
+            <ac:spMk id="7" creationId="{A6A4880A-AAFA-0DF6-FA59-A760CF52AD3B}"/>
+          </ac:spMkLst>
+        </pc:spChg>
+        <pc:picChg chg="del">
+          <ac:chgData name="Lucas Gardini Dias" userId="7283582234da282d" providerId="LiveId" clId="{C5FB0DF0-D3DF-4F89-8B3C-39729411D934}" dt="2023-10-19T22:59:43.393" v="1356" actId="478"/>
+          <ac:picMkLst>
+            <pc:docMk/>
+            <pc:sldMk cId="621010932" sldId="292"/>
+            <ac:picMk id="1026" creationId="{C260FD50-AC34-C9AC-76D5-ACCAD52E746A}"/>
+          </ac:picMkLst>
+        </pc:picChg>
+      </pc:sldChg>
+      <pc:sldChg chg="modSp add del modAnim">
+        <pc:chgData name="Lucas Gardini Dias" userId="7283582234da282d" providerId="LiveId" clId="{C5FB0DF0-D3DF-4F89-8B3C-39729411D934}" dt="2023-10-19T23:04:31.762" v="1585" actId="47"/>
+        <pc:sldMkLst>
+          <pc:docMk/>
+          <pc:sldMk cId="1727550028" sldId="293"/>
+        </pc:sldMkLst>
+        <pc:spChg chg="mod">
+          <ac:chgData name="Lucas Gardini Dias" userId="7283582234da282d" providerId="LiveId" clId="{C5FB0DF0-D3DF-4F89-8B3C-39729411D934}" dt="2023-10-19T23:03:32.267" v="1570" actId="20577"/>
+          <ac:spMkLst>
+            <pc:docMk/>
+            <pc:sldMk cId="1727550028" sldId="293"/>
+            <ac:spMk id="3" creationId="{1812B3A2-0B9F-7A1D-29BE-5783C0E7C666}"/>
+          </ac:spMkLst>
+        </pc:spChg>
+      </pc:sldChg>
+      <pc:sldChg chg="addSp modSp add mod modTransition">
+        <pc:chgData name="Lucas Gardini Dias" userId="7283582234da282d" providerId="LiveId" clId="{C5FB0DF0-D3DF-4F89-8B3C-39729411D934}" dt="2023-10-19T23:21:17.419" v="2689"/>
+        <pc:sldMkLst>
+          <pc:docMk/>
+          <pc:sldMk cId="2338042209" sldId="293"/>
+        </pc:sldMkLst>
+        <pc:spChg chg="mod">
+          <ac:chgData name="Lucas Gardini Dias" userId="7283582234da282d" providerId="LiveId" clId="{C5FB0DF0-D3DF-4F89-8B3C-39729411D934}" dt="2023-10-19T23:19:48.472" v="2679" actId="123"/>
+          <ac:spMkLst>
+            <pc:docMk/>
+            <pc:sldMk cId="2338042209" sldId="293"/>
+            <ac:spMk id="3" creationId="{1812B3A2-0B9F-7A1D-29BE-5783C0E7C666}"/>
+          </ac:spMkLst>
+        </pc:spChg>
+        <pc:spChg chg="add mod">
+          <ac:chgData name="Lucas Gardini Dias" userId="7283582234da282d" providerId="LiveId" clId="{C5FB0DF0-D3DF-4F89-8B3C-39729411D934}" dt="2023-10-19T23:13:10.522" v="2678" actId="1076"/>
+          <ac:spMkLst>
+            <pc:docMk/>
+            <pc:sldMk cId="2338042209" sldId="293"/>
+            <ac:spMk id="7" creationId="{0D3BD040-1B69-0E02-7980-6707108169F6}"/>
+          </ac:spMkLst>
+        </pc:spChg>
+        <pc:picChg chg="add mod">
+          <ac:chgData name="Lucas Gardini Dias" userId="7283582234da282d" providerId="LiveId" clId="{C5FB0DF0-D3DF-4F89-8B3C-39729411D934}" dt="2023-10-19T23:12:37.376" v="2639" actId="14826"/>
+          <ac:picMkLst>
+            <pc:docMk/>
+            <pc:sldMk cId="2338042209" sldId="293"/>
+            <ac:picMk id="6" creationId="{79AAAC7B-F87C-BBE0-EAAC-B52CB14E523E}"/>
+          </ac:picMkLst>
+        </pc:picChg>
+      </pc:sldChg>
+      <pc:sldChg chg="delSp modSp add mod">
+        <pc:chgData name="Lucas Gardini Dias" userId="7283582234da282d" providerId="LiveId" clId="{C5FB0DF0-D3DF-4F89-8B3C-39729411D934}" dt="2023-10-19T23:23:03.095" v="2697" actId="12789"/>
+        <pc:sldMkLst>
+          <pc:docMk/>
+          <pc:sldMk cId="4124862665" sldId="294"/>
+        </pc:sldMkLst>
+        <pc:spChg chg="mod">
+          <ac:chgData name="Lucas Gardini Dias" userId="7283582234da282d" providerId="LiveId" clId="{C5FB0DF0-D3DF-4F89-8B3C-39729411D934}" dt="2023-10-19T23:23:03.095" v="2697" actId="12789"/>
+          <ac:spMkLst>
+            <pc:docMk/>
+            <pc:sldMk cId="4124862665" sldId="294"/>
+            <ac:spMk id="16" creationId="{24279469-2DDA-E628-E364-C8BECD32A244}"/>
+          </ac:spMkLst>
+        </pc:spChg>
+        <pc:spChg chg="del">
+          <ac:chgData name="Lucas Gardini Dias" userId="7283582234da282d" providerId="LiveId" clId="{C5FB0DF0-D3DF-4F89-8B3C-39729411D934}" dt="2023-10-19T23:22:55.249" v="2694" actId="478"/>
+          <ac:spMkLst>
+            <pc:docMk/>
+            <pc:sldMk cId="4124862665" sldId="294"/>
+            <ac:spMk id="19" creationId="{5F41F4FE-D4CC-2F2F-F295-5F6F42E88C02}"/>
+          </ac:spMkLst>
+        </pc:spChg>
+        <pc:picChg chg="del">
+          <ac:chgData name="Lucas Gardini Dias" userId="7283582234da282d" providerId="LiveId" clId="{C5FB0DF0-D3DF-4F89-8B3C-39729411D934}" dt="2023-10-19T23:22:56.460" v="2695" actId="478"/>
+          <ac:picMkLst>
+            <pc:docMk/>
+            <pc:sldMk cId="4124862665" sldId="294"/>
+            <ac:picMk id="18" creationId="{2051EE9C-0EA3-2B62-4E7C-E78F269B2676}"/>
+          </ac:picMkLst>
+        </pc:picChg>
+      </pc:sldChg>
+      <pc:sldChg chg="addSp delSp modSp add del mod">
+        <pc:chgData name="Lucas Gardini Dias" userId="7283582234da282d" providerId="LiveId" clId="{C5FB0DF0-D3DF-4F89-8B3C-39729411D934}" dt="2023-10-19T23:39:06.484" v="3081" actId="47"/>
+        <pc:sldMkLst>
+          <pc:docMk/>
+          <pc:sldMk cId="1903677192" sldId="295"/>
+        </pc:sldMkLst>
+        <pc:spChg chg="del">
+          <ac:chgData name="Lucas Gardini Dias" userId="7283582234da282d" providerId="LiveId" clId="{C5FB0DF0-D3DF-4F89-8B3C-39729411D934}" dt="2023-10-19T23:38:14.027" v="3070" actId="478"/>
+          <ac:spMkLst>
+            <pc:docMk/>
+            <pc:sldMk cId="1903677192" sldId="295"/>
+            <ac:spMk id="6" creationId="{54FF082D-00F6-C1CF-8631-B4FF185AEFDC}"/>
+          </ac:spMkLst>
+        </pc:spChg>
+        <pc:spChg chg="del">
+          <ac:chgData name="Lucas Gardini Dias" userId="7283582234da282d" providerId="LiveId" clId="{C5FB0DF0-D3DF-4F89-8B3C-39729411D934}" dt="2023-10-19T23:38:20.101" v="3072" actId="478"/>
+          <ac:spMkLst>
+            <pc:docMk/>
+            <pc:sldMk cId="1903677192" sldId="295"/>
+            <ac:spMk id="8" creationId="{25FFA9E1-1847-687F-5CB7-AD974E5E08E0}"/>
+          </ac:spMkLst>
+        </pc:spChg>
+        <pc:spChg chg="add del mod">
+          <ac:chgData name="Lucas Gardini Dias" userId="7283582234da282d" providerId="LiveId" clId="{C5FB0DF0-D3DF-4F89-8B3C-39729411D934}" dt="2023-10-19T23:38:18.797" v="3071" actId="478"/>
+          <ac:spMkLst>
+            <pc:docMk/>
+            <pc:sldMk cId="1903677192" sldId="295"/>
+            <ac:spMk id="9" creationId="{2E7226B2-83BB-D1C2-4006-85049E16B6E4}"/>
+          </ac:spMkLst>
+        </pc:spChg>
+        <pc:picChg chg="mod">
+          <ac:chgData name="Lucas Gardini Dias" userId="7283582234da282d" providerId="LiveId" clId="{C5FB0DF0-D3DF-4F89-8B3C-39729411D934}" dt="2023-10-19T23:38:42.077" v="3078" actId="1076"/>
+          <ac:picMkLst>
+            <pc:docMk/>
+            <pc:sldMk cId="1903677192" sldId="295"/>
+            <ac:picMk id="7" creationId="{ACF47ACF-F5C8-CE98-452C-10028143E890}"/>
+          </ac:picMkLst>
+        </pc:picChg>
+        <pc:picChg chg="add mod">
+          <ac:chgData name="Lucas Gardini Dias" userId="7283582234da282d" providerId="LiveId" clId="{C5FB0DF0-D3DF-4F89-8B3C-39729411D934}" dt="2023-10-19T23:38:47.453" v="3080" actId="1076"/>
+          <ac:picMkLst>
+            <pc:docMk/>
+            <pc:sldMk cId="1903677192" sldId="295"/>
+            <ac:picMk id="10" creationId="{F76A5FD8-FDD9-98CB-04D1-6C4E02FE1787}"/>
+          </ac:picMkLst>
+        </pc:picChg>
+      </pc:sldChg>
       <pc:sldMasterChg chg="modSldLayout">
         <pc:chgData name="Lucas Gardini Dias" userId="7283582234da282d" providerId="LiveId" clId="{C5FB0DF0-D3DF-4F89-8B3C-39729411D934}" dt="2023-10-18T01:07:59.887" v="1007" actId="478"/>
         <pc:sldMasterMkLst>
@@ -1089,7 +1374,7 @@
           <a:p>
             <a:fld id="{0C8A9A0C-00FA-4BF3-AC9F-19908C7D8E26}" type="datetimeFigureOut">
               <a:rPr lang="pt-BR" smtClean="0"/>
-              <a:t>17/10/2023</a:t>
+              <a:t>19/10/2023</a:t>
             </a:fld>
             <a:endParaRPr lang="pt-BR"/>
           </a:p>
@@ -1451,7 +1736,7 @@
           <a:effectLst/>
           <a:extLst>
             <a:ext uri="{91240B29-F687-4f45-9708-019B960494DF}">
-              <a14:hiddenLine xmlns="" xmlns:a14="http://schemas.microsoft.com/office/drawing/2010/main" w="9525">
+              <a14:hiddenLine xmlns:a14="http://schemas.microsoft.com/office/drawing/2010/main" xmlns="" w="9525">
                 <a:solidFill>
                   <a:srgbClr val="000000"/>
                 </a:solidFill>
@@ -1643,7 +1928,7 @@
           <a:p>
             <a:fld id="{431BA0D7-CA96-4820-B64B-3845A47FB4A0}" type="datetime1">
               <a:rPr lang="pt-BR" smtClean="0"/>
-              <a:t>17/10/2023</a:t>
+              <a:t>19/10/2023</a:t>
             </a:fld>
             <a:endParaRPr lang="pt-BR"/>
           </a:p>
@@ -1964,7 +2249,7 @@
           <a:p>
             <a:fld id="{1829F8DC-F0AC-47EB-BDBA-B899F0F8B0F8}" type="datetime1">
               <a:rPr lang="pt-BR" smtClean="0"/>
-              <a:t>17/10/2023</a:t>
+              <a:t>19/10/2023</a:t>
             </a:fld>
             <a:endParaRPr lang="pt-BR"/>
           </a:p>
@@ -2455,7 +2740,7 @@
           <a:p>
             <a:fld id="{8A4EA558-54D7-4D04-97BA-342D151498FB}" type="datetime1">
               <a:rPr lang="pt-BR" smtClean="0"/>
-              <a:t>17/10/2023</a:t>
+              <a:t>19/10/2023</a:t>
             </a:fld>
             <a:endParaRPr lang="pt-BR"/>
           </a:p>
@@ -2827,7 +3112,7 @@
           <a:p>
             <a:fld id="{DE113D17-EF86-4811-80AC-571E06388C4C}" type="datetime1">
               <a:rPr lang="pt-BR" smtClean="0"/>
-              <a:t>17/10/2023</a:t>
+              <a:t>19/10/2023</a:t>
             </a:fld>
             <a:endParaRPr lang="pt-BR"/>
           </a:p>
@@ -2985,7 +3270,7 @@
           <a:ln/>
           <a:extLst>
             <a:ext uri="{91240B29-F687-4f45-9708-019B960494DF}">
-              <a14:hiddenLine xmlns="" xmlns:a14="http://schemas.microsoft.com/office/drawing/2010/main" w="9525">
+              <a14:hiddenLine xmlns:a14="http://schemas.microsoft.com/office/drawing/2010/main" xmlns="" w="9525">
                 <a:solidFill>
                   <a:srgbClr val="000000"/>
                 </a:solidFill>
@@ -3103,7 +3388,7 @@
           <a:p>
             <a:fld id="{F4A8DB41-BF4B-4970-B195-022067651DF7}" type="datetime1">
               <a:rPr lang="pt-BR" smtClean="0"/>
-              <a:t>17/10/2023</a:t>
+              <a:t>19/10/2023</a:t>
             </a:fld>
             <a:endParaRPr lang="pt-BR"/>
           </a:p>
@@ -3263,7 +3548,7 @@
           <a:ln/>
           <a:extLst>
             <a:ext uri="{91240B29-F687-4f45-9708-019B960494DF}">
-              <a14:hiddenLine xmlns="" xmlns:a14="http://schemas.microsoft.com/office/drawing/2010/main" w="9525">
+              <a14:hiddenLine xmlns:a14="http://schemas.microsoft.com/office/drawing/2010/main" xmlns="" w="9525">
                 <a:solidFill>
                   <a:srgbClr val="000000"/>
                 </a:solidFill>
@@ -3391,7 +3676,7 @@
           <a:p>
             <a:fld id="{734BD3E7-072D-4956-84FE-EDE7823F6685}" type="datetime1">
               <a:rPr lang="pt-BR" smtClean="0"/>
-              <a:t>17/10/2023</a:t>
+              <a:t>19/10/2023</a:t>
             </a:fld>
             <a:endParaRPr lang="pt-BR"/>
           </a:p>
@@ -3549,7 +3834,7 @@
           <a:ln/>
           <a:extLst>
             <a:ext uri="{91240B29-F687-4f45-9708-019B960494DF}">
-              <a14:hiddenLine xmlns="" xmlns:a14="http://schemas.microsoft.com/office/drawing/2010/main" w="9525">
+              <a14:hiddenLine xmlns:a14="http://schemas.microsoft.com/office/drawing/2010/main" xmlns="" w="9525">
                 <a:solidFill>
                   <a:srgbClr val="000000"/>
                 </a:solidFill>
@@ -4029,7 +4314,7 @@
           <a:p>
             <a:fld id="{44E9F07E-F28B-4E7D-A62D-2BC9E9C5F04E}" type="datetime1">
               <a:rPr lang="pt-BR" smtClean="0"/>
-              <a:t>17/10/2023</a:t>
+              <a:t>19/10/2023</a:t>
             </a:fld>
             <a:endParaRPr lang="pt-BR"/>
           </a:p>
@@ -4187,7 +4472,7 @@
           <a:ln/>
           <a:extLst>
             <a:ext uri="{91240B29-F687-4f45-9708-019B960494DF}">
-              <a14:hiddenLine xmlns="" xmlns:a14="http://schemas.microsoft.com/office/drawing/2010/main" w="9525">
+              <a14:hiddenLine xmlns:a14="http://schemas.microsoft.com/office/drawing/2010/main" xmlns="" w="9525">
                 <a:solidFill>
                   <a:srgbClr val="000000"/>
                 </a:solidFill>
@@ -4371,7 +4656,7 @@
           <a:p>
             <a:fld id="{FD3F21C2-8432-4C20-8B86-FD14E630173C}" type="datetime1">
               <a:rPr lang="pt-BR" smtClean="0"/>
-              <a:t>17/10/2023</a:t>
+              <a:t>19/10/2023</a:t>
             </a:fld>
             <a:endParaRPr lang="pt-BR"/>
           </a:p>
@@ -4529,7 +4814,7 @@
           <a:ln/>
           <a:extLst>
             <a:ext uri="{91240B29-F687-4f45-9708-019B960494DF}">
-              <a14:hiddenLine xmlns="" xmlns:a14="http://schemas.microsoft.com/office/drawing/2010/main" w="9525">
+              <a14:hiddenLine xmlns:a14="http://schemas.microsoft.com/office/drawing/2010/main" xmlns="" w="9525">
                 <a:solidFill>
                   <a:srgbClr val="000000"/>
                 </a:solidFill>
@@ -4851,7 +5136,7 @@
           <a:p>
             <a:fld id="{68A24593-BABD-43D7-B8EC-497A1DDE1FD5}" type="datetime1">
               <a:rPr lang="pt-BR" smtClean="0"/>
-              <a:t>17/10/2023</a:t>
+              <a:t>19/10/2023</a:t>
             </a:fld>
             <a:endParaRPr lang="pt-BR"/>
           </a:p>
@@ -5009,7 +5294,7 @@
           <a:ln/>
           <a:extLst>
             <a:ext uri="{91240B29-F687-4f45-9708-019B960494DF}">
-              <a14:hiddenLine xmlns="" xmlns:a14="http://schemas.microsoft.com/office/drawing/2010/main" w="9525">
+              <a14:hiddenLine xmlns:a14="http://schemas.microsoft.com/office/drawing/2010/main" xmlns="" w="9525">
                 <a:solidFill>
                   <a:srgbClr val="000000"/>
                 </a:solidFill>
@@ -5075,7 +5360,7 @@
           <a:p>
             <a:fld id="{44668D43-62C2-4402-A1FE-66038E58C36E}" type="datetime1">
               <a:rPr lang="pt-BR" smtClean="0"/>
-              <a:t>17/10/2023</a:t>
+              <a:t>19/10/2023</a:t>
             </a:fld>
             <a:endParaRPr lang="pt-BR"/>
           </a:p>
@@ -5173,7 +5458,7 @@
           <a:p>
             <a:fld id="{042BED42-EA96-4C47-BB10-0F85AD4F0459}" type="datetime1">
               <a:rPr lang="pt-BR" smtClean="0"/>
-              <a:t>17/10/2023</a:t>
+              <a:t>19/10/2023</a:t>
             </a:fld>
             <a:endParaRPr lang="pt-BR"/>
           </a:p>
@@ -5444,7 +5729,7 @@
           <a:ln/>
           <a:extLst>
             <a:ext uri="{91240B29-F687-4f45-9708-019B960494DF}">
-              <a14:hiddenLine xmlns="" xmlns:a14="http://schemas.microsoft.com/office/drawing/2010/main" w="9525">
+              <a14:hiddenLine xmlns:a14="http://schemas.microsoft.com/office/drawing/2010/main" xmlns="" w="9525">
                 <a:solidFill>
                   <a:srgbClr val="000000"/>
                 </a:solidFill>
@@ -5643,7 +5928,7 @@
           <a:p>
             <a:fld id="{473F5131-55F3-4CA4-BDF1-8C0F4615C960}" type="datetime1">
               <a:rPr lang="pt-BR" smtClean="0"/>
-              <a:t>17/10/2023</a:t>
+              <a:t>19/10/2023</a:t>
             </a:fld>
             <a:endParaRPr lang="pt-BR"/>
           </a:p>
@@ -5959,7 +6244,7 @@
           <a:p>
             <a:fld id="{B5F40021-82CE-4933-913E-80957B27562C}" type="datetime1">
               <a:rPr lang="pt-BR" smtClean="0"/>
-              <a:t>17/10/2023</a:t>
+              <a:t>19/10/2023</a:t>
             </a:fld>
             <a:endParaRPr lang="pt-BR"/>
           </a:p>
@@ -6235,7 +6520,7 @@
           <a:p>
             <a:fld id="{E14EE607-C1D3-4606-B2A1-8664C8F03FCE}" type="datetime1">
               <a:rPr lang="pt-BR" smtClean="0"/>
-              <a:t>17/10/2023</a:t>
+              <a:t>19/10/2023</a:t>
             </a:fld>
             <a:endParaRPr lang="pt-BR"/>
           </a:p>
@@ -6893,7 +7178,7 @@
                 <a:effectLst/>
                 <a:latin typeface="Söhne"/>
               </a:rPr>
-              <a:t>Instalação e Configuração</a:t>
+              <a:t>Principais Características</a:t>
             </a:r>
             <a:br>
               <a:rPr lang="pt-BR" b="1" i="0" dirty="0">
@@ -6905,19 +7190,7 @@
               <a:rPr lang="pt-BR" sz="2000" dirty="0">
                 <a:latin typeface="Söhne"/>
               </a:rPr>
-              <a:t>Como baixar e instalar o </a:t>
-            </a:r>
-            <a:r>
-              <a:rPr lang="pt-BR" sz="2000" dirty="0" err="1">
-                <a:latin typeface="Söhne"/>
-              </a:rPr>
-              <a:t>MongoDB</a:t>
-            </a:r>
-            <a:r>
-              <a:rPr lang="pt-BR" sz="2000" dirty="0">
-                <a:latin typeface="Söhne"/>
-              </a:rPr>
-              <a:t>.</a:t>
+              <a:t>Escalabilidade horizontal.</a:t>
             </a:r>
             <a:endParaRPr lang="pt-BR" dirty="0"/>
           </a:p>
@@ -7008,7 +7281,7 @@
     </p:spTree>
     <p:extLst>
       <p:ext uri="{BB962C8B-B14F-4D97-AF65-F5344CB8AC3E}">
-        <p14:creationId xmlns:p14="http://schemas.microsoft.com/office/powerpoint/2010/main" val="1831902795"/>
+        <p14:creationId xmlns:p14="http://schemas.microsoft.com/office/powerpoint/2010/main" val="2944004747"/>
       </p:ext>
     </p:extLst>
   </p:cSld>
@@ -7037,168 +7310,6 @@
       </p:grpSpPr>
       <p:sp>
         <p:nvSpPr>
-          <p:cNvPr id="2" name="Título 1">
-            <a:extLst>
-              <a:ext uri="{FF2B5EF4-FFF2-40B4-BE49-F238E27FC236}">
-                <a16:creationId xmlns:a16="http://schemas.microsoft.com/office/drawing/2014/main" id="{F0EA80E2-15DD-ABEB-539C-D3721B78C834}"/>
-              </a:ext>
-            </a:extLst>
-          </p:cNvPr>
-          <p:cNvSpPr>
-            <a:spLocks noGrp="1"/>
-          </p:cNvSpPr>
-          <p:nvPr>
-            <p:ph type="title"/>
-          </p:nvPr>
-        </p:nvSpPr>
-        <p:spPr/>
-        <p:txBody>
-          <a:bodyPr/>
-          <a:lstStyle/>
-          <a:p>
-            <a:r>
-              <a:rPr lang="pt-BR" b="1" i="0" dirty="0">
-                <a:effectLst/>
-                <a:latin typeface="Söhne"/>
-              </a:rPr>
-              <a:t>Instalação e Configuração</a:t>
-            </a:r>
-            <a:br>
-              <a:rPr lang="pt-BR" b="1" i="0" dirty="0">
-                <a:effectLst/>
-                <a:latin typeface="Söhne"/>
-              </a:rPr>
-            </a:br>
-            <a:r>
-              <a:rPr lang="pt-BR" sz="2000" dirty="0" err="1">
-                <a:latin typeface="Söhne"/>
-              </a:rPr>
-              <a:t>Configuração</a:t>
-            </a:r>
-            <a:r>
-              <a:rPr lang="pt-BR" sz="2000" dirty="0">
-                <a:latin typeface="Söhne"/>
-              </a:rPr>
-              <a:t> inicial.</a:t>
-            </a:r>
-            <a:endParaRPr lang="pt-BR" dirty="0"/>
-          </a:p>
-        </p:txBody>
-      </p:sp>
-      <p:sp>
-        <p:nvSpPr>
-          <p:cNvPr id="3" name="Espaço Reservado para Conteúdo 2">
-            <a:extLst>
-              <a:ext uri="{FF2B5EF4-FFF2-40B4-BE49-F238E27FC236}">
-                <a16:creationId xmlns:a16="http://schemas.microsoft.com/office/drawing/2014/main" id="{1812B3A2-0B9F-7A1D-29BE-5783C0E7C666}"/>
-              </a:ext>
-            </a:extLst>
-          </p:cNvPr>
-          <p:cNvSpPr>
-            <a:spLocks noGrp="1"/>
-          </p:cNvSpPr>
-          <p:nvPr>
-            <p:ph idx="1"/>
-          </p:nvPr>
-        </p:nvSpPr>
-        <p:spPr/>
-        <p:txBody>
-          <a:bodyPr/>
-          <a:lstStyle/>
-          <a:p>
-            <a:endParaRPr lang="pt-BR" dirty="0"/>
-          </a:p>
-        </p:txBody>
-      </p:sp>
-      <p:sp>
-        <p:nvSpPr>
-          <p:cNvPr id="4" name="Espaço Reservado para Rodapé 3">
-            <a:extLst>
-              <a:ext uri="{FF2B5EF4-FFF2-40B4-BE49-F238E27FC236}">
-                <a16:creationId xmlns:a16="http://schemas.microsoft.com/office/drawing/2014/main" id="{6739F8A8-C8BA-402C-CBC7-A02F2C81E04B}"/>
-              </a:ext>
-            </a:extLst>
-          </p:cNvPr>
-          <p:cNvSpPr>
-            <a:spLocks noGrp="1"/>
-          </p:cNvSpPr>
-          <p:nvPr>
-            <p:ph type="ftr" sz="quarter" idx="11"/>
-          </p:nvPr>
-        </p:nvSpPr>
-        <p:spPr/>
-        <p:txBody>
-          <a:bodyPr/>
-          <a:lstStyle/>
-          <a:p>
-            <a:r>
-              <a:rPr lang="pt-BR" dirty="0"/>
-              <a:t>https://lucas.gardini.dev</a:t>
-            </a:r>
-          </a:p>
-        </p:txBody>
-      </p:sp>
-      <p:sp>
-        <p:nvSpPr>
-          <p:cNvPr id="5" name="Espaço Reservado para Número de Slide 4">
-            <a:extLst>
-              <a:ext uri="{FF2B5EF4-FFF2-40B4-BE49-F238E27FC236}">
-                <a16:creationId xmlns:a16="http://schemas.microsoft.com/office/drawing/2014/main" id="{DE18193C-5A4B-8531-1D52-CBD20E415CBF}"/>
-              </a:ext>
-            </a:extLst>
-          </p:cNvPr>
-          <p:cNvSpPr>
-            <a:spLocks noGrp="1"/>
-          </p:cNvSpPr>
-          <p:nvPr>
-            <p:ph type="sldNum" sz="quarter" idx="12"/>
-          </p:nvPr>
-        </p:nvSpPr>
-        <p:spPr/>
-        <p:txBody>
-          <a:bodyPr/>
-          <a:lstStyle/>
-          <a:p>
-            <a:fld id="{25237327-9CA3-4762-8749-00D99BA09B6B}" type="slidenum">
-              <a:rPr lang="pt-BR" smtClean="0"/>
-              <a:t>11</a:t>
-            </a:fld>
-            <a:endParaRPr lang="pt-BR"/>
-          </a:p>
-        </p:txBody>
-      </p:sp>
-    </p:spTree>
-    <p:extLst>
-      <p:ext uri="{BB962C8B-B14F-4D97-AF65-F5344CB8AC3E}">
-        <p14:creationId xmlns:p14="http://schemas.microsoft.com/office/powerpoint/2010/main" val="1552713571"/>
-      </p:ext>
-    </p:extLst>
-  </p:cSld>
-  <p:clrMapOvr>
-    <a:masterClrMapping/>
-  </p:clrMapOvr>
-</p:sld>
-</file>
-
-<file path=ppt/slides/slide12.xml><?xml version="1.0" encoding="utf-8"?>
-<p:sld xmlns:a="http://schemas.openxmlformats.org/drawingml/2006/main" xmlns:r="http://schemas.openxmlformats.org/officeDocument/2006/relationships" xmlns:p="http://schemas.openxmlformats.org/presentationml/2006/main">
-  <p:cSld>
-    <p:spTree>
-      <p:nvGrpSpPr>
-        <p:cNvPr id="1" name=""/>
-        <p:cNvGrpSpPr/>
-        <p:nvPr/>
-      </p:nvGrpSpPr>
-      <p:grpSpPr>
-        <a:xfrm>
-          <a:off x="0" y="0"/>
-          <a:ext cx="0" cy="0"/>
-          <a:chOff x="0" y="0"/>
-          <a:chExt cx="0" cy="0"/>
-        </a:xfrm>
-      </p:grpSpPr>
-      <p:sp>
-        <p:nvSpPr>
           <p:cNvPr id="4" name="Espaço Reservado para Número de Slide 3">
             <a:extLst>
               <a:ext uri="{FF2B5EF4-FFF2-40B4-BE49-F238E27FC236}">
@@ -7229,7 +7340,7 @@
                   <a:schemeClr val="tx1"/>
                 </a:solidFill>
               </a:rPr>
-              <a:t>12</a:t>
+              <a:t>11</a:t>
             </a:fld>
             <a:endParaRPr lang="pt-BR" b="1" dirty="0">
               <a:solidFill>
@@ -7437,7 +7548,7 @@
         <p:spPr>
           <a:xfrm>
             <a:off x="670272" y="1726164"/>
-            <a:ext cx="9733755" cy="1200329"/>
+            <a:ext cx="7827784" cy="2308324"/>
           </a:xfrm>
           <a:prstGeom prst="rect">
             <a:avLst/>
@@ -7460,7 +7571,21 @@
                   </a:outerShdw>
                 </a:effectLst>
               </a:rPr>
-              <a:t>OPERAÇÕES BÁSICAS</a:t>
+              <a:t>INSTALAÇÃO E </a:t>
+            </a:r>
+          </a:p>
+          <a:p>
+            <a:r>
+              <a:rPr lang="pt-BR" sz="7200" b="1" dirty="0">
+                <a:effectLst>
+                  <a:outerShdw blurRad="50800" dist="38100" dir="2700000" algn="tl" rotWithShape="0">
+                    <a:prstClr val="black">
+                      <a:alpha val="40000"/>
+                    </a:prstClr>
+                  </a:outerShdw>
+                </a:effectLst>
+              </a:rPr>
+              <a:t>CONFIGURAÇÃO</a:t>
             </a:r>
           </a:p>
         </p:txBody>
@@ -7468,7 +7593,175 @@
     </p:spTree>
     <p:extLst>
       <p:ext uri="{BB962C8B-B14F-4D97-AF65-F5344CB8AC3E}">
-        <p14:creationId xmlns:p14="http://schemas.microsoft.com/office/powerpoint/2010/main" val="1474203679"/>
+        <p14:creationId xmlns:p14="http://schemas.microsoft.com/office/powerpoint/2010/main" val="1006512240"/>
+      </p:ext>
+    </p:extLst>
+  </p:cSld>
+  <p:clrMapOvr>
+    <a:masterClrMapping/>
+  </p:clrMapOvr>
+</p:sld>
+</file>
+
+<file path=ppt/slides/slide12.xml><?xml version="1.0" encoding="utf-8"?>
+<p:sld xmlns:a="http://schemas.openxmlformats.org/drawingml/2006/main" xmlns:r="http://schemas.openxmlformats.org/officeDocument/2006/relationships" xmlns:p="http://schemas.openxmlformats.org/presentationml/2006/main">
+  <p:cSld>
+    <p:spTree>
+      <p:nvGrpSpPr>
+        <p:cNvPr id="1" name=""/>
+        <p:cNvGrpSpPr/>
+        <p:nvPr/>
+      </p:nvGrpSpPr>
+      <p:grpSpPr>
+        <a:xfrm>
+          <a:off x="0" y="0"/>
+          <a:ext cx="0" cy="0"/>
+          <a:chOff x="0" y="0"/>
+          <a:chExt cx="0" cy="0"/>
+        </a:xfrm>
+      </p:grpSpPr>
+      <p:sp>
+        <p:nvSpPr>
+          <p:cNvPr id="2" name="Título 1">
+            <a:extLst>
+              <a:ext uri="{FF2B5EF4-FFF2-40B4-BE49-F238E27FC236}">
+                <a16:creationId xmlns:a16="http://schemas.microsoft.com/office/drawing/2014/main" id="{F0EA80E2-15DD-ABEB-539C-D3721B78C834}"/>
+              </a:ext>
+            </a:extLst>
+          </p:cNvPr>
+          <p:cNvSpPr>
+            <a:spLocks noGrp="1"/>
+          </p:cNvSpPr>
+          <p:nvPr>
+            <p:ph type="title"/>
+          </p:nvPr>
+        </p:nvSpPr>
+        <p:spPr/>
+        <p:txBody>
+          <a:bodyPr/>
+          <a:lstStyle/>
+          <a:p>
+            <a:r>
+              <a:rPr lang="pt-BR" b="1" i="0" dirty="0">
+                <a:effectLst/>
+                <a:latin typeface="Söhne"/>
+              </a:rPr>
+              <a:t>Instalação e Configuração</a:t>
+            </a:r>
+            <a:br>
+              <a:rPr lang="pt-BR" b="1" i="0" dirty="0">
+                <a:effectLst/>
+                <a:latin typeface="Söhne"/>
+              </a:rPr>
+            </a:br>
+            <a:r>
+              <a:rPr lang="pt-BR" sz="2000" dirty="0">
+                <a:latin typeface="Söhne"/>
+              </a:rPr>
+              <a:t>Como baixar e instalar o </a:t>
+            </a:r>
+            <a:r>
+              <a:rPr lang="pt-BR" sz="2000" dirty="0" err="1">
+                <a:latin typeface="Söhne"/>
+              </a:rPr>
+              <a:t>MongoDB</a:t>
+            </a:r>
+            <a:r>
+              <a:rPr lang="pt-BR" sz="2000" dirty="0">
+                <a:latin typeface="Söhne"/>
+              </a:rPr>
+              <a:t>.</a:t>
+            </a:r>
+            <a:endParaRPr lang="pt-BR" dirty="0"/>
+          </a:p>
+        </p:txBody>
+      </p:sp>
+      <p:sp>
+        <p:nvSpPr>
+          <p:cNvPr id="3" name="Espaço Reservado para Conteúdo 2">
+            <a:extLst>
+              <a:ext uri="{FF2B5EF4-FFF2-40B4-BE49-F238E27FC236}">
+                <a16:creationId xmlns:a16="http://schemas.microsoft.com/office/drawing/2014/main" id="{1812B3A2-0B9F-7A1D-29BE-5783C0E7C666}"/>
+              </a:ext>
+            </a:extLst>
+          </p:cNvPr>
+          <p:cNvSpPr>
+            <a:spLocks noGrp="1"/>
+          </p:cNvSpPr>
+          <p:nvPr>
+            <p:ph idx="1"/>
+          </p:nvPr>
+        </p:nvSpPr>
+        <p:spPr/>
+        <p:txBody>
+          <a:bodyPr/>
+          <a:lstStyle/>
+          <a:p>
+            <a:endParaRPr lang="pt-BR" dirty="0"/>
+          </a:p>
+        </p:txBody>
+      </p:sp>
+      <p:sp>
+        <p:nvSpPr>
+          <p:cNvPr id="4" name="Espaço Reservado para Rodapé 3">
+            <a:extLst>
+              <a:ext uri="{FF2B5EF4-FFF2-40B4-BE49-F238E27FC236}">
+                <a16:creationId xmlns:a16="http://schemas.microsoft.com/office/drawing/2014/main" id="{6739F8A8-C8BA-402C-CBC7-A02F2C81E04B}"/>
+              </a:ext>
+            </a:extLst>
+          </p:cNvPr>
+          <p:cNvSpPr>
+            <a:spLocks noGrp="1"/>
+          </p:cNvSpPr>
+          <p:nvPr>
+            <p:ph type="ftr" sz="quarter" idx="11"/>
+          </p:nvPr>
+        </p:nvSpPr>
+        <p:spPr/>
+        <p:txBody>
+          <a:bodyPr/>
+          <a:lstStyle/>
+          <a:p>
+            <a:r>
+              <a:rPr lang="pt-BR" dirty="0"/>
+              <a:t>https://lucas.gardini.dev</a:t>
+            </a:r>
+          </a:p>
+        </p:txBody>
+      </p:sp>
+      <p:sp>
+        <p:nvSpPr>
+          <p:cNvPr id="5" name="Espaço Reservado para Número de Slide 4">
+            <a:extLst>
+              <a:ext uri="{FF2B5EF4-FFF2-40B4-BE49-F238E27FC236}">
+                <a16:creationId xmlns:a16="http://schemas.microsoft.com/office/drawing/2014/main" id="{DE18193C-5A4B-8531-1D52-CBD20E415CBF}"/>
+              </a:ext>
+            </a:extLst>
+          </p:cNvPr>
+          <p:cNvSpPr>
+            <a:spLocks noGrp="1"/>
+          </p:cNvSpPr>
+          <p:nvPr>
+            <p:ph type="sldNum" sz="quarter" idx="12"/>
+          </p:nvPr>
+        </p:nvSpPr>
+        <p:spPr/>
+        <p:txBody>
+          <a:bodyPr/>
+          <a:lstStyle/>
+          <a:p>
+            <a:fld id="{25237327-9CA3-4762-8749-00D99BA09B6B}" type="slidenum">
+              <a:rPr lang="pt-BR" smtClean="0"/>
+              <a:t>12</a:t>
+            </a:fld>
+            <a:endParaRPr lang="pt-BR"/>
+          </a:p>
+        </p:txBody>
+      </p:sp>
+    </p:spTree>
+    <p:extLst>
+      <p:ext uri="{BB962C8B-B14F-4D97-AF65-F5344CB8AC3E}">
+        <p14:creationId xmlns:p14="http://schemas.microsoft.com/office/powerpoint/2010/main" val="1831902795"/>
       </p:ext>
     </p:extLst>
   </p:cSld>
@@ -7521,7 +7814,7 @@
                 <a:effectLst/>
                 <a:latin typeface="Söhne"/>
               </a:rPr>
-              <a:t>Operações Básicas</a:t>
+              <a:t>Instalação e Configuração</a:t>
             </a:r>
             <a:br>
               <a:rPr lang="pt-BR" b="1" i="0" dirty="0">
@@ -7530,10 +7823,16 @@
               </a:rPr>
             </a:br>
             <a:r>
+              <a:rPr lang="pt-BR" sz="2000" dirty="0" err="1">
+                <a:latin typeface="Söhne"/>
+              </a:rPr>
+              <a:t>Configuração</a:t>
+            </a:r>
+            <a:r>
               <a:rPr lang="pt-BR" sz="2000" dirty="0">
                 <a:latin typeface="Söhne"/>
               </a:rPr>
-              <a:t>Inserção de documentos.</a:t>
+              <a:t> inicial.</a:t>
             </a:r>
             <a:endParaRPr lang="pt-BR" dirty="0"/>
           </a:p>
@@ -7624,7 +7923,7 @@
     </p:spTree>
     <p:extLst>
       <p:ext uri="{BB962C8B-B14F-4D97-AF65-F5344CB8AC3E}">
-        <p14:creationId xmlns:p14="http://schemas.microsoft.com/office/powerpoint/2010/main" val="1644909204"/>
+        <p14:creationId xmlns:p14="http://schemas.microsoft.com/office/powerpoint/2010/main" val="1552713571"/>
       </p:ext>
     </p:extLst>
   </p:cSld>
@@ -7653,318 +7952,6 @@
       </p:grpSpPr>
       <p:sp>
         <p:nvSpPr>
-          <p:cNvPr id="2" name="Título 1">
-            <a:extLst>
-              <a:ext uri="{FF2B5EF4-FFF2-40B4-BE49-F238E27FC236}">
-                <a16:creationId xmlns:a16="http://schemas.microsoft.com/office/drawing/2014/main" id="{F0EA80E2-15DD-ABEB-539C-D3721B78C834}"/>
-              </a:ext>
-            </a:extLst>
-          </p:cNvPr>
-          <p:cNvSpPr>
-            <a:spLocks noGrp="1"/>
-          </p:cNvSpPr>
-          <p:nvPr>
-            <p:ph type="title"/>
-          </p:nvPr>
-        </p:nvSpPr>
-        <p:spPr/>
-        <p:txBody>
-          <a:bodyPr/>
-          <a:lstStyle/>
-          <a:p>
-            <a:r>
-              <a:rPr lang="pt-BR" b="1" i="0" dirty="0">
-                <a:effectLst/>
-                <a:latin typeface="Söhne"/>
-              </a:rPr>
-              <a:t>Operações Básicas</a:t>
-            </a:r>
-            <a:br>
-              <a:rPr lang="pt-BR" b="1" i="0" dirty="0">
-                <a:effectLst/>
-                <a:latin typeface="Söhne"/>
-              </a:rPr>
-            </a:br>
-            <a:r>
-              <a:rPr lang="pt-BR" sz="2000" dirty="0">
-                <a:latin typeface="Söhne"/>
-              </a:rPr>
-              <a:t>Consulta de documentos.</a:t>
-            </a:r>
-            <a:endParaRPr lang="pt-BR" dirty="0"/>
-          </a:p>
-        </p:txBody>
-      </p:sp>
-      <p:sp>
-        <p:nvSpPr>
-          <p:cNvPr id="3" name="Espaço Reservado para Conteúdo 2">
-            <a:extLst>
-              <a:ext uri="{FF2B5EF4-FFF2-40B4-BE49-F238E27FC236}">
-                <a16:creationId xmlns:a16="http://schemas.microsoft.com/office/drawing/2014/main" id="{1812B3A2-0B9F-7A1D-29BE-5783C0E7C666}"/>
-              </a:ext>
-            </a:extLst>
-          </p:cNvPr>
-          <p:cNvSpPr>
-            <a:spLocks noGrp="1"/>
-          </p:cNvSpPr>
-          <p:nvPr>
-            <p:ph idx="1"/>
-          </p:nvPr>
-        </p:nvSpPr>
-        <p:spPr/>
-        <p:txBody>
-          <a:bodyPr/>
-          <a:lstStyle/>
-          <a:p>
-            <a:endParaRPr lang="pt-BR" dirty="0"/>
-          </a:p>
-        </p:txBody>
-      </p:sp>
-      <p:sp>
-        <p:nvSpPr>
-          <p:cNvPr id="4" name="Espaço Reservado para Rodapé 3">
-            <a:extLst>
-              <a:ext uri="{FF2B5EF4-FFF2-40B4-BE49-F238E27FC236}">
-                <a16:creationId xmlns:a16="http://schemas.microsoft.com/office/drawing/2014/main" id="{6739F8A8-C8BA-402C-CBC7-A02F2C81E04B}"/>
-              </a:ext>
-            </a:extLst>
-          </p:cNvPr>
-          <p:cNvSpPr>
-            <a:spLocks noGrp="1"/>
-          </p:cNvSpPr>
-          <p:nvPr>
-            <p:ph type="ftr" sz="quarter" idx="11"/>
-          </p:nvPr>
-        </p:nvSpPr>
-        <p:spPr/>
-        <p:txBody>
-          <a:bodyPr/>
-          <a:lstStyle/>
-          <a:p>
-            <a:r>
-              <a:rPr lang="pt-BR" dirty="0"/>
-              <a:t>https://lucas.gardini.dev</a:t>
-            </a:r>
-          </a:p>
-        </p:txBody>
-      </p:sp>
-      <p:sp>
-        <p:nvSpPr>
-          <p:cNvPr id="5" name="Espaço Reservado para Número de Slide 4">
-            <a:extLst>
-              <a:ext uri="{FF2B5EF4-FFF2-40B4-BE49-F238E27FC236}">
-                <a16:creationId xmlns:a16="http://schemas.microsoft.com/office/drawing/2014/main" id="{DE18193C-5A4B-8531-1D52-CBD20E415CBF}"/>
-              </a:ext>
-            </a:extLst>
-          </p:cNvPr>
-          <p:cNvSpPr>
-            <a:spLocks noGrp="1"/>
-          </p:cNvSpPr>
-          <p:nvPr>
-            <p:ph type="sldNum" sz="quarter" idx="12"/>
-          </p:nvPr>
-        </p:nvSpPr>
-        <p:spPr/>
-        <p:txBody>
-          <a:bodyPr/>
-          <a:lstStyle/>
-          <a:p>
-            <a:fld id="{25237327-9CA3-4762-8749-00D99BA09B6B}" type="slidenum">
-              <a:rPr lang="pt-BR" smtClean="0"/>
-              <a:t>14</a:t>
-            </a:fld>
-            <a:endParaRPr lang="pt-BR"/>
-          </a:p>
-        </p:txBody>
-      </p:sp>
-    </p:spTree>
-    <p:extLst>
-      <p:ext uri="{BB962C8B-B14F-4D97-AF65-F5344CB8AC3E}">
-        <p14:creationId xmlns:p14="http://schemas.microsoft.com/office/powerpoint/2010/main" val="1694043030"/>
-      </p:ext>
-    </p:extLst>
-  </p:cSld>
-  <p:clrMapOvr>
-    <a:masterClrMapping/>
-  </p:clrMapOvr>
-</p:sld>
-</file>
-
-<file path=ppt/slides/slide15.xml><?xml version="1.0" encoding="utf-8"?>
-<p:sld xmlns:a="http://schemas.openxmlformats.org/drawingml/2006/main" xmlns:r="http://schemas.openxmlformats.org/officeDocument/2006/relationships" xmlns:p="http://schemas.openxmlformats.org/presentationml/2006/main">
-  <p:cSld>
-    <p:spTree>
-      <p:nvGrpSpPr>
-        <p:cNvPr id="1" name=""/>
-        <p:cNvGrpSpPr/>
-        <p:nvPr/>
-      </p:nvGrpSpPr>
-      <p:grpSpPr>
-        <a:xfrm>
-          <a:off x="0" y="0"/>
-          <a:ext cx="0" cy="0"/>
-          <a:chOff x="0" y="0"/>
-          <a:chExt cx="0" cy="0"/>
-        </a:xfrm>
-      </p:grpSpPr>
-      <p:sp>
-        <p:nvSpPr>
-          <p:cNvPr id="2" name="Título 1">
-            <a:extLst>
-              <a:ext uri="{FF2B5EF4-FFF2-40B4-BE49-F238E27FC236}">
-                <a16:creationId xmlns:a16="http://schemas.microsoft.com/office/drawing/2014/main" id="{F0EA80E2-15DD-ABEB-539C-D3721B78C834}"/>
-              </a:ext>
-            </a:extLst>
-          </p:cNvPr>
-          <p:cNvSpPr>
-            <a:spLocks noGrp="1"/>
-          </p:cNvSpPr>
-          <p:nvPr>
-            <p:ph type="title"/>
-          </p:nvPr>
-        </p:nvSpPr>
-        <p:spPr/>
-        <p:txBody>
-          <a:bodyPr/>
-          <a:lstStyle/>
-          <a:p>
-            <a:r>
-              <a:rPr lang="pt-BR" b="1" i="0" dirty="0">
-                <a:effectLst/>
-                <a:latin typeface="Söhne"/>
-              </a:rPr>
-              <a:t>Operações Básicas</a:t>
-            </a:r>
-            <a:br>
-              <a:rPr lang="pt-BR" b="1" i="0" dirty="0">
-                <a:effectLst/>
-                <a:latin typeface="Söhne"/>
-              </a:rPr>
-            </a:br>
-            <a:r>
-              <a:rPr lang="pt-BR" sz="2000" dirty="0">
-                <a:latin typeface="Söhne"/>
-              </a:rPr>
-              <a:t>Atualização e exclusão de documentos.</a:t>
-            </a:r>
-            <a:endParaRPr lang="pt-BR" dirty="0"/>
-          </a:p>
-        </p:txBody>
-      </p:sp>
-      <p:sp>
-        <p:nvSpPr>
-          <p:cNvPr id="3" name="Espaço Reservado para Conteúdo 2">
-            <a:extLst>
-              <a:ext uri="{FF2B5EF4-FFF2-40B4-BE49-F238E27FC236}">
-                <a16:creationId xmlns:a16="http://schemas.microsoft.com/office/drawing/2014/main" id="{1812B3A2-0B9F-7A1D-29BE-5783C0E7C666}"/>
-              </a:ext>
-            </a:extLst>
-          </p:cNvPr>
-          <p:cNvSpPr>
-            <a:spLocks noGrp="1"/>
-          </p:cNvSpPr>
-          <p:nvPr>
-            <p:ph idx="1"/>
-          </p:nvPr>
-        </p:nvSpPr>
-        <p:spPr/>
-        <p:txBody>
-          <a:bodyPr/>
-          <a:lstStyle/>
-          <a:p>
-            <a:endParaRPr lang="pt-BR" dirty="0"/>
-          </a:p>
-        </p:txBody>
-      </p:sp>
-      <p:sp>
-        <p:nvSpPr>
-          <p:cNvPr id="4" name="Espaço Reservado para Rodapé 3">
-            <a:extLst>
-              <a:ext uri="{FF2B5EF4-FFF2-40B4-BE49-F238E27FC236}">
-                <a16:creationId xmlns:a16="http://schemas.microsoft.com/office/drawing/2014/main" id="{6739F8A8-C8BA-402C-CBC7-A02F2C81E04B}"/>
-              </a:ext>
-            </a:extLst>
-          </p:cNvPr>
-          <p:cNvSpPr>
-            <a:spLocks noGrp="1"/>
-          </p:cNvSpPr>
-          <p:nvPr>
-            <p:ph type="ftr" sz="quarter" idx="11"/>
-          </p:nvPr>
-        </p:nvSpPr>
-        <p:spPr/>
-        <p:txBody>
-          <a:bodyPr/>
-          <a:lstStyle/>
-          <a:p>
-            <a:r>
-              <a:rPr lang="pt-BR" dirty="0"/>
-              <a:t>https://lucas.gardini.dev</a:t>
-            </a:r>
-          </a:p>
-        </p:txBody>
-      </p:sp>
-      <p:sp>
-        <p:nvSpPr>
-          <p:cNvPr id="5" name="Espaço Reservado para Número de Slide 4">
-            <a:extLst>
-              <a:ext uri="{FF2B5EF4-FFF2-40B4-BE49-F238E27FC236}">
-                <a16:creationId xmlns:a16="http://schemas.microsoft.com/office/drawing/2014/main" id="{DE18193C-5A4B-8531-1D52-CBD20E415CBF}"/>
-              </a:ext>
-            </a:extLst>
-          </p:cNvPr>
-          <p:cNvSpPr>
-            <a:spLocks noGrp="1"/>
-          </p:cNvSpPr>
-          <p:nvPr>
-            <p:ph type="sldNum" sz="quarter" idx="12"/>
-          </p:nvPr>
-        </p:nvSpPr>
-        <p:spPr/>
-        <p:txBody>
-          <a:bodyPr/>
-          <a:lstStyle/>
-          <a:p>
-            <a:fld id="{25237327-9CA3-4762-8749-00D99BA09B6B}" type="slidenum">
-              <a:rPr lang="pt-BR" smtClean="0"/>
-              <a:t>15</a:t>
-            </a:fld>
-            <a:endParaRPr lang="pt-BR"/>
-          </a:p>
-        </p:txBody>
-      </p:sp>
-    </p:spTree>
-    <p:extLst>
-      <p:ext uri="{BB962C8B-B14F-4D97-AF65-F5344CB8AC3E}">
-        <p14:creationId xmlns:p14="http://schemas.microsoft.com/office/powerpoint/2010/main" val="2941452920"/>
-      </p:ext>
-    </p:extLst>
-  </p:cSld>
-  <p:clrMapOvr>
-    <a:masterClrMapping/>
-  </p:clrMapOvr>
-</p:sld>
-</file>
-
-<file path=ppt/slides/slide16.xml><?xml version="1.0" encoding="utf-8"?>
-<p:sld xmlns:a="http://schemas.openxmlformats.org/drawingml/2006/main" xmlns:r="http://schemas.openxmlformats.org/officeDocument/2006/relationships" xmlns:p="http://schemas.openxmlformats.org/presentationml/2006/main">
-  <p:cSld>
-    <p:spTree>
-      <p:nvGrpSpPr>
-        <p:cNvPr id="1" name=""/>
-        <p:cNvGrpSpPr/>
-        <p:nvPr/>
-      </p:nvGrpSpPr>
-      <p:grpSpPr>
-        <a:xfrm>
-          <a:off x="0" y="0"/>
-          <a:ext cx="0" cy="0"/>
-          <a:chOff x="0" y="0"/>
-          <a:chExt cx="0" cy="0"/>
-        </a:xfrm>
-      </p:grpSpPr>
-      <p:sp>
-        <p:nvSpPr>
           <p:cNvPr id="4" name="Espaço Reservado para Número de Slide 3">
             <a:extLst>
               <a:ext uri="{FF2B5EF4-FFF2-40B4-BE49-F238E27FC236}">
@@ -7995,7 +7982,7 @@
                   <a:schemeClr val="tx1"/>
                 </a:solidFill>
               </a:rPr>
-              <a:t>16</a:t>
+              <a:t>14</a:t>
             </a:fld>
             <a:endParaRPr lang="pt-BR" b="1" dirty="0">
               <a:solidFill>
@@ -8203,7 +8190,7 @@
         <p:spPr>
           <a:xfrm>
             <a:off x="670272" y="1726164"/>
-            <a:ext cx="10968067" cy="1200329"/>
+            <a:ext cx="9733755" cy="1200329"/>
           </a:xfrm>
           <a:prstGeom prst="rect">
             <a:avLst/>
@@ -8226,7 +8213,7 @@
                   </a:outerShdw>
                 </a:effectLst>
               </a:rPr>
-              <a:t>MODELAGEM DE DADOS</a:t>
+              <a:t>OPERAÇÕES BÁSICAS</a:t>
             </a:r>
           </a:p>
         </p:txBody>
@@ -8234,7 +8221,319 @@
     </p:spTree>
     <p:extLst>
       <p:ext uri="{BB962C8B-B14F-4D97-AF65-F5344CB8AC3E}">
-        <p14:creationId xmlns:p14="http://schemas.microsoft.com/office/powerpoint/2010/main" val="1412234956"/>
+        <p14:creationId xmlns:p14="http://schemas.microsoft.com/office/powerpoint/2010/main" val="1474203679"/>
+      </p:ext>
+    </p:extLst>
+  </p:cSld>
+  <p:clrMapOvr>
+    <a:masterClrMapping/>
+  </p:clrMapOvr>
+</p:sld>
+</file>
+
+<file path=ppt/slides/slide15.xml><?xml version="1.0" encoding="utf-8"?>
+<p:sld xmlns:a="http://schemas.openxmlformats.org/drawingml/2006/main" xmlns:r="http://schemas.openxmlformats.org/officeDocument/2006/relationships" xmlns:p="http://schemas.openxmlformats.org/presentationml/2006/main">
+  <p:cSld>
+    <p:spTree>
+      <p:nvGrpSpPr>
+        <p:cNvPr id="1" name=""/>
+        <p:cNvGrpSpPr/>
+        <p:nvPr/>
+      </p:nvGrpSpPr>
+      <p:grpSpPr>
+        <a:xfrm>
+          <a:off x="0" y="0"/>
+          <a:ext cx="0" cy="0"/>
+          <a:chOff x="0" y="0"/>
+          <a:chExt cx="0" cy="0"/>
+        </a:xfrm>
+      </p:grpSpPr>
+      <p:sp>
+        <p:nvSpPr>
+          <p:cNvPr id="2" name="Título 1">
+            <a:extLst>
+              <a:ext uri="{FF2B5EF4-FFF2-40B4-BE49-F238E27FC236}">
+                <a16:creationId xmlns:a16="http://schemas.microsoft.com/office/drawing/2014/main" id="{F0EA80E2-15DD-ABEB-539C-D3721B78C834}"/>
+              </a:ext>
+            </a:extLst>
+          </p:cNvPr>
+          <p:cNvSpPr>
+            <a:spLocks noGrp="1"/>
+          </p:cNvSpPr>
+          <p:nvPr>
+            <p:ph type="title"/>
+          </p:nvPr>
+        </p:nvSpPr>
+        <p:spPr/>
+        <p:txBody>
+          <a:bodyPr/>
+          <a:lstStyle/>
+          <a:p>
+            <a:r>
+              <a:rPr lang="pt-BR" b="1" i="0" dirty="0">
+                <a:effectLst/>
+                <a:latin typeface="Söhne"/>
+              </a:rPr>
+              <a:t>Operações Básicas</a:t>
+            </a:r>
+            <a:br>
+              <a:rPr lang="pt-BR" b="1" i="0" dirty="0">
+                <a:effectLst/>
+                <a:latin typeface="Söhne"/>
+              </a:rPr>
+            </a:br>
+            <a:r>
+              <a:rPr lang="pt-BR" sz="2000" dirty="0">
+                <a:latin typeface="Söhne"/>
+              </a:rPr>
+              <a:t>Inserção de documentos.</a:t>
+            </a:r>
+            <a:endParaRPr lang="pt-BR" dirty="0"/>
+          </a:p>
+        </p:txBody>
+      </p:sp>
+      <p:sp>
+        <p:nvSpPr>
+          <p:cNvPr id="3" name="Espaço Reservado para Conteúdo 2">
+            <a:extLst>
+              <a:ext uri="{FF2B5EF4-FFF2-40B4-BE49-F238E27FC236}">
+                <a16:creationId xmlns:a16="http://schemas.microsoft.com/office/drawing/2014/main" id="{1812B3A2-0B9F-7A1D-29BE-5783C0E7C666}"/>
+              </a:ext>
+            </a:extLst>
+          </p:cNvPr>
+          <p:cNvSpPr>
+            <a:spLocks noGrp="1"/>
+          </p:cNvSpPr>
+          <p:nvPr>
+            <p:ph idx="1"/>
+          </p:nvPr>
+        </p:nvSpPr>
+        <p:spPr/>
+        <p:txBody>
+          <a:bodyPr/>
+          <a:lstStyle/>
+          <a:p>
+            <a:endParaRPr lang="pt-BR" dirty="0"/>
+          </a:p>
+        </p:txBody>
+      </p:sp>
+      <p:sp>
+        <p:nvSpPr>
+          <p:cNvPr id="4" name="Espaço Reservado para Rodapé 3">
+            <a:extLst>
+              <a:ext uri="{FF2B5EF4-FFF2-40B4-BE49-F238E27FC236}">
+                <a16:creationId xmlns:a16="http://schemas.microsoft.com/office/drawing/2014/main" id="{6739F8A8-C8BA-402C-CBC7-A02F2C81E04B}"/>
+              </a:ext>
+            </a:extLst>
+          </p:cNvPr>
+          <p:cNvSpPr>
+            <a:spLocks noGrp="1"/>
+          </p:cNvSpPr>
+          <p:nvPr>
+            <p:ph type="ftr" sz="quarter" idx="11"/>
+          </p:nvPr>
+        </p:nvSpPr>
+        <p:spPr/>
+        <p:txBody>
+          <a:bodyPr/>
+          <a:lstStyle/>
+          <a:p>
+            <a:r>
+              <a:rPr lang="pt-BR" dirty="0"/>
+              <a:t>https://lucas.gardini.dev</a:t>
+            </a:r>
+          </a:p>
+        </p:txBody>
+      </p:sp>
+      <p:sp>
+        <p:nvSpPr>
+          <p:cNvPr id="5" name="Espaço Reservado para Número de Slide 4">
+            <a:extLst>
+              <a:ext uri="{FF2B5EF4-FFF2-40B4-BE49-F238E27FC236}">
+                <a16:creationId xmlns:a16="http://schemas.microsoft.com/office/drawing/2014/main" id="{DE18193C-5A4B-8531-1D52-CBD20E415CBF}"/>
+              </a:ext>
+            </a:extLst>
+          </p:cNvPr>
+          <p:cNvSpPr>
+            <a:spLocks noGrp="1"/>
+          </p:cNvSpPr>
+          <p:nvPr>
+            <p:ph type="sldNum" sz="quarter" idx="12"/>
+          </p:nvPr>
+        </p:nvSpPr>
+        <p:spPr/>
+        <p:txBody>
+          <a:bodyPr/>
+          <a:lstStyle/>
+          <a:p>
+            <a:fld id="{25237327-9CA3-4762-8749-00D99BA09B6B}" type="slidenum">
+              <a:rPr lang="pt-BR" smtClean="0"/>
+              <a:t>15</a:t>
+            </a:fld>
+            <a:endParaRPr lang="pt-BR"/>
+          </a:p>
+        </p:txBody>
+      </p:sp>
+    </p:spTree>
+    <p:extLst>
+      <p:ext uri="{BB962C8B-B14F-4D97-AF65-F5344CB8AC3E}">
+        <p14:creationId xmlns:p14="http://schemas.microsoft.com/office/powerpoint/2010/main" val="1644909204"/>
+      </p:ext>
+    </p:extLst>
+  </p:cSld>
+  <p:clrMapOvr>
+    <a:masterClrMapping/>
+  </p:clrMapOvr>
+</p:sld>
+</file>
+
+<file path=ppt/slides/slide16.xml><?xml version="1.0" encoding="utf-8"?>
+<p:sld xmlns:a="http://schemas.openxmlformats.org/drawingml/2006/main" xmlns:r="http://schemas.openxmlformats.org/officeDocument/2006/relationships" xmlns:p="http://schemas.openxmlformats.org/presentationml/2006/main">
+  <p:cSld>
+    <p:spTree>
+      <p:nvGrpSpPr>
+        <p:cNvPr id="1" name=""/>
+        <p:cNvGrpSpPr/>
+        <p:nvPr/>
+      </p:nvGrpSpPr>
+      <p:grpSpPr>
+        <a:xfrm>
+          <a:off x="0" y="0"/>
+          <a:ext cx="0" cy="0"/>
+          <a:chOff x="0" y="0"/>
+          <a:chExt cx="0" cy="0"/>
+        </a:xfrm>
+      </p:grpSpPr>
+      <p:sp>
+        <p:nvSpPr>
+          <p:cNvPr id="2" name="Título 1">
+            <a:extLst>
+              <a:ext uri="{FF2B5EF4-FFF2-40B4-BE49-F238E27FC236}">
+                <a16:creationId xmlns:a16="http://schemas.microsoft.com/office/drawing/2014/main" id="{F0EA80E2-15DD-ABEB-539C-D3721B78C834}"/>
+              </a:ext>
+            </a:extLst>
+          </p:cNvPr>
+          <p:cNvSpPr>
+            <a:spLocks noGrp="1"/>
+          </p:cNvSpPr>
+          <p:nvPr>
+            <p:ph type="title"/>
+          </p:nvPr>
+        </p:nvSpPr>
+        <p:spPr/>
+        <p:txBody>
+          <a:bodyPr/>
+          <a:lstStyle/>
+          <a:p>
+            <a:r>
+              <a:rPr lang="pt-BR" b="1" i="0" dirty="0">
+                <a:effectLst/>
+                <a:latin typeface="Söhne"/>
+              </a:rPr>
+              <a:t>Operações Básicas</a:t>
+            </a:r>
+            <a:br>
+              <a:rPr lang="pt-BR" b="1" i="0" dirty="0">
+                <a:effectLst/>
+                <a:latin typeface="Söhne"/>
+              </a:rPr>
+            </a:br>
+            <a:r>
+              <a:rPr lang="pt-BR" sz="2000" dirty="0">
+                <a:latin typeface="Söhne"/>
+              </a:rPr>
+              <a:t>Consulta de documentos.</a:t>
+            </a:r>
+            <a:endParaRPr lang="pt-BR" dirty="0"/>
+          </a:p>
+        </p:txBody>
+      </p:sp>
+      <p:sp>
+        <p:nvSpPr>
+          <p:cNvPr id="3" name="Espaço Reservado para Conteúdo 2">
+            <a:extLst>
+              <a:ext uri="{FF2B5EF4-FFF2-40B4-BE49-F238E27FC236}">
+                <a16:creationId xmlns:a16="http://schemas.microsoft.com/office/drawing/2014/main" id="{1812B3A2-0B9F-7A1D-29BE-5783C0E7C666}"/>
+              </a:ext>
+            </a:extLst>
+          </p:cNvPr>
+          <p:cNvSpPr>
+            <a:spLocks noGrp="1"/>
+          </p:cNvSpPr>
+          <p:nvPr>
+            <p:ph idx="1"/>
+          </p:nvPr>
+        </p:nvSpPr>
+        <p:spPr/>
+        <p:txBody>
+          <a:bodyPr/>
+          <a:lstStyle/>
+          <a:p>
+            <a:endParaRPr lang="pt-BR" dirty="0"/>
+          </a:p>
+        </p:txBody>
+      </p:sp>
+      <p:sp>
+        <p:nvSpPr>
+          <p:cNvPr id="4" name="Espaço Reservado para Rodapé 3">
+            <a:extLst>
+              <a:ext uri="{FF2B5EF4-FFF2-40B4-BE49-F238E27FC236}">
+                <a16:creationId xmlns:a16="http://schemas.microsoft.com/office/drawing/2014/main" id="{6739F8A8-C8BA-402C-CBC7-A02F2C81E04B}"/>
+              </a:ext>
+            </a:extLst>
+          </p:cNvPr>
+          <p:cNvSpPr>
+            <a:spLocks noGrp="1"/>
+          </p:cNvSpPr>
+          <p:nvPr>
+            <p:ph type="ftr" sz="quarter" idx="11"/>
+          </p:nvPr>
+        </p:nvSpPr>
+        <p:spPr/>
+        <p:txBody>
+          <a:bodyPr/>
+          <a:lstStyle/>
+          <a:p>
+            <a:r>
+              <a:rPr lang="pt-BR" dirty="0"/>
+              <a:t>https://lucas.gardini.dev</a:t>
+            </a:r>
+          </a:p>
+        </p:txBody>
+      </p:sp>
+      <p:sp>
+        <p:nvSpPr>
+          <p:cNvPr id="5" name="Espaço Reservado para Número de Slide 4">
+            <a:extLst>
+              <a:ext uri="{FF2B5EF4-FFF2-40B4-BE49-F238E27FC236}">
+                <a16:creationId xmlns:a16="http://schemas.microsoft.com/office/drawing/2014/main" id="{DE18193C-5A4B-8531-1D52-CBD20E415CBF}"/>
+              </a:ext>
+            </a:extLst>
+          </p:cNvPr>
+          <p:cNvSpPr>
+            <a:spLocks noGrp="1"/>
+          </p:cNvSpPr>
+          <p:nvPr>
+            <p:ph type="sldNum" sz="quarter" idx="12"/>
+          </p:nvPr>
+        </p:nvSpPr>
+        <p:spPr/>
+        <p:txBody>
+          <a:bodyPr/>
+          <a:lstStyle/>
+          <a:p>
+            <a:fld id="{25237327-9CA3-4762-8749-00D99BA09B6B}" type="slidenum">
+              <a:rPr lang="pt-BR" smtClean="0"/>
+              <a:t>16</a:t>
+            </a:fld>
+            <a:endParaRPr lang="pt-BR"/>
+          </a:p>
+        </p:txBody>
+      </p:sp>
+    </p:spTree>
+    <p:extLst>
+      <p:ext uri="{BB962C8B-B14F-4D97-AF65-F5344CB8AC3E}">
+        <p14:creationId xmlns:p14="http://schemas.microsoft.com/office/powerpoint/2010/main" val="1694043030"/>
       </p:ext>
     </p:extLst>
   </p:cSld>
@@ -8287,7 +8586,7 @@
                 <a:effectLst/>
                 <a:latin typeface="Söhne"/>
               </a:rPr>
-              <a:t>Modelagem de Dados</a:t>
+              <a:t>Operações Básicas</a:t>
             </a:r>
             <a:br>
               <a:rPr lang="pt-BR" b="1" i="0" dirty="0">
@@ -8299,7 +8598,7 @@
               <a:rPr lang="pt-BR" sz="2000" dirty="0">
                 <a:latin typeface="Söhne"/>
               </a:rPr>
-              <a:t>Estrutura de coleções e documentos.</a:t>
+              <a:t>Atualização e exclusão de documentos.</a:t>
             </a:r>
             <a:endParaRPr lang="pt-BR" dirty="0"/>
           </a:p>
@@ -8390,7 +8689,7 @@
     </p:spTree>
     <p:extLst>
       <p:ext uri="{BB962C8B-B14F-4D97-AF65-F5344CB8AC3E}">
-        <p14:creationId xmlns:p14="http://schemas.microsoft.com/office/powerpoint/2010/main" val="3921640159"/>
+        <p14:creationId xmlns:p14="http://schemas.microsoft.com/office/powerpoint/2010/main" val="2941452920"/>
       </p:ext>
     </p:extLst>
   </p:cSld>
@@ -8419,174 +8718,6 @@
       </p:grpSpPr>
       <p:sp>
         <p:nvSpPr>
-          <p:cNvPr id="2" name="Título 1">
-            <a:extLst>
-              <a:ext uri="{FF2B5EF4-FFF2-40B4-BE49-F238E27FC236}">
-                <a16:creationId xmlns:a16="http://schemas.microsoft.com/office/drawing/2014/main" id="{F0EA80E2-15DD-ABEB-539C-D3721B78C834}"/>
-              </a:ext>
-            </a:extLst>
-          </p:cNvPr>
-          <p:cNvSpPr>
-            <a:spLocks noGrp="1"/>
-          </p:cNvSpPr>
-          <p:nvPr>
-            <p:ph type="title"/>
-          </p:nvPr>
-        </p:nvSpPr>
-        <p:spPr/>
-        <p:txBody>
-          <a:bodyPr/>
-          <a:lstStyle/>
-          <a:p>
-            <a:r>
-              <a:rPr lang="pt-BR" b="1" i="0" dirty="0">
-                <a:effectLst/>
-                <a:latin typeface="Söhne"/>
-              </a:rPr>
-              <a:t>Modelagem de Dados</a:t>
-            </a:r>
-            <a:br>
-              <a:rPr lang="pt-BR" b="1" i="0" dirty="0">
-                <a:effectLst/>
-                <a:latin typeface="Söhne"/>
-              </a:rPr>
-            </a:br>
-            <a:r>
-              <a:rPr lang="pt-BR" sz="2000" dirty="0">
-                <a:latin typeface="Söhne"/>
-              </a:rPr>
-              <a:t>Relacionamentos no </a:t>
-            </a:r>
-            <a:r>
-              <a:rPr lang="pt-BR" sz="2000" dirty="0" err="1">
-                <a:latin typeface="Söhne"/>
-              </a:rPr>
-              <a:t>MongoDB</a:t>
-            </a:r>
-            <a:r>
-              <a:rPr lang="pt-BR" sz="2000" dirty="0">
-                <a:latin typeface="Söhne"/>
-              </a:rPr>
-              <a:t>.</a:t>
-            </a:r>
-            <a:endParaRPr lang="pt-BR" dirty="0"/>
-          </a:p>
-        </p:txBody>
-      </p:sp>
-      <p:sp>
-        <p:nvSpPr>
-          <p:cNvPr id="3" name="Espaço Reservado para Conteúdo 2">
-            <a:extLst>
-              <a:ext uri="{FF2B5EF4-FFF2-40B4-BE49-F238E27FC236}">
-                <a16:creationId xmlns:a16="http://schemas.microsoft.com/office/drawing/2014/main" id="{1812B3A2-0B9F-7A1D-29BE-5783C0E7C666}"/>
-              </a:ext>
-            </a:extLst>
-          </p:cNvPr>
-          <p:cNvSpPr>
-            <a:spLocks noGrp="1"/>
-          </p:cNvSpPr>
-          <p:nvPr>
-            <p:ph idx="1"/>
-          </p:nvPr>
-        </p:nvSpPr>
-        <p:spPr/>
-        <p:txBody>
-          <a:bodyPr/>
-          <a:lstStyle/>
-          <a:p>
-            <a:endParaRPr lang="pt-BR" dirty="0"/>
-          </a:p>
-        </p:txBody>
-      </p:sp>
-      <p:sp>
-        <p:nvSpPr>
-          <p:cNvPr id="4" name="Espaço Reservado para Rodapé 3">
-            <a:extLst>
-              <a:ext uri="{FF2B5EF4-FFF2-40B4-BE49-F238E27FC236}">
-                <a16:creationId xmlns:a16="http://schemas.microsoft.com/office/drawing/2014/main" id="{6739F8A8-C8BA-402C-CBC7-A02F2C81E04B}"/>
-              </a:ext>
-            </a:extLst>
-          </p:cNvPr>
-          <p:cNvSpPr>
-            <a:spLocks noGrp="1"/>
-          </p:cNvSpPr>
-          <p:nvPr>
-            <p:ph type="ftr" sz="quarter" idx="11"/>
-          </p:nvPr>
-        </p:nvSpPr>
-        <p:spPr/>
-        <p:txBody>
-          <a:bodyPr/>
-          <a:lstStyle/>
-          <a:p>
-            <a:r>
-              <a:rPr lang="pt-BR" dirty="0"/>
-              <a:t>https://lucas.gardini.dev</a:t>
-            </a:r>
-          </a:p>
-        </p:txBody>
-      </p:sp>
-      <p:sp>
-        <p:nvSpPr>
-          <p:cNvPr id="5" name="Espaço Reservado para Número de Slide 4">
-            <a:extLst>
-              <a:ext uri="{FF2B5EF4-FFF2-40B4-BE49-F238E27FC236}">
-                <a16:creationId xmlns:a16="http://schemas.microsoft.com/office/drawing/2014/main" id="{DE18193C-5A4B-8531-1D52-CBD20E415CBF}"/>
-              </a:ext>
-            </a:extLst>
-          </p:cNvPr>
-          <p:cNvSpPr>
-            <a:spLocks noGrp="1"/>
-          </p:cNvSpPr>
-          <p:nvPr>
-            <p:ph type="sldNum" sz="quarter" idx="12"/>
-          </p:nvPr>
-        </p:nvSpPr>
-        <p:spPr/>
-        <p:txBody>
-          <a:bodyPr/>
-          <a:lstStyle/>
-          <a:p>
-            <a:fld id="{25237327-9CA3-4762-8749-00D99BA09B6B}" type="slidenum">
-              <a:rPr lang="pt-BR" smtClean="0"/>
-              <a:t>18</a:t>
-            </a:fld>
-            <a:endParaRPr lang="pt-BR"/>
-          </a:p>
-        </p:txBody>
-      </p:sp>
-    </p:spTree>
-    <p:extLst>
-      <p:ext uri="{BB962C8B-B14F-4D97-AF65-F5344CB8AC3E}">
-        <p14:creationId xmlns:p14="http://schemas.microsoft.com/office/powerpoint/2010/main" val="3250206503"/>
-      </p:ext>
-    </p:extLst>
-  </p:cSld>
-  <p:clrMapOvr>
-    <a:masterClrMapping/>
-  </p:clrMapOvr>
-</p:sld>
-</file>
-
-<file path=ppt/slides/slide19.xml><?xml version="1.0" encoding="utf-8"?>
-<p:sld xmlns:a="http://schemas.openxmlformats.org/drawingml/2006/main" xmlns:r="http://schemas.openxmlformats.org/officeDocument/2006/relationships" xmlns:p="http://schemas.openxmlformats.org/presentationml/2006/main">
-  <p:cSld>
-    <p:spTree>
-      <p:nvGrpSpPr>
-        <p:cNvPr id="1" name=""/>
-        <p:cNvGrpSpPr/>
-        <p:nvPr/>
-      </p:nvGrpSpPr>
-      <p:grpSpPr>
-        <a:xfrm>
-          <a:off x="0" y="0"/>
-          <a:ext cx="0" cy="0"/>
-          <a:chOff x="0" y="0"/>
-          <a:chExt cx="0" cy="0"/>
-        </a:xfrm>
-      </p:grpSpPr>
-      <p:sp>
-        <p:nvSpPr>
           <p:cNvPr id="4" name="Espaço Reservado para Número de Slide 3">
             <a:extLst>
               <a:ext uri="{FF2B5EF4-FFF2-40B4-BE49-F238E27FC236}">
@@ -8617,7 +8748,7 @@
                   <a:schemeClr val="tx1"/>
                 </a:solidFill>
               </a:rPr>
-              <a:t>19</a:t>
+              <a:t>18</a:t>
             </a:fld>
             <a:endParaRPr lang="pt-BR" b="1" dirty="0">
               <a:solidFill>
@@ -8825,7 +8956,7 @@
         <p:spPr>
           <a:xfrm>
             <a:off x="670272" y="1726164"/>
-            <a:ext cx="6739345" cy="2308324"/>
+            <a:ext cx="10968067" cy="1200329"/>
           </a:xfrm>
           <a:prstGeom prst="rect">
             <a:avLst/>
@@ -8848,21 +8979,7 @@
                   </a:outerShdw>
                 </a:effectLst>
               </a:rPr>
-              <a:t>INDEXAÇÃO E </a:t>
-            </a:r>
-          </a:p>
-          <a:p>
-            <a:r>
-              <a:rPr lang="pt-BR" sz="7200" b="1" dirty="0">
-                <a:effectLst>
-                  <a:outerShdw blurRad="50800" dist="38100" dir="2700000" algn="tl" rotWithShape="0">
-                    <a:prstClr val="black">
-                      <a:alpha val="40000"/>
-                    </a:prstClr>
-                  </a:outerShdw>
-                </a:effectLst>
-              </a:rPr>
-              <a:t>DESEMPENHO</a:t>
+              <a:t>MODELAGEM DE DADOS</a:t>
             </a:r>
           </a:p>
         </p:txBody>
@@ -8870,7 +8987,163 @@
     </p:spTree>
     <p:extLst>
       <p:ext uri="{BB962C8B-B14F-4D97-AF65-F5344CB8AC3E}">
-        <p14:creationId xmlns:p14="http://schemas.microsoft.com/office/powerpoint/2010/main" val="2562749162"/>
+        <p14:creationId xmlns:p14="http://schemas.microsoft.com/office/powerpoint/2010/main" val="1412234956"/>
+      </p:ext>
+    </p:extLst>
+  </p:cSld>
+  <p:clrMapOvr>
+    <a:masterClrMapping/>
+  </p:clrMapOvr>
+</p:sld>
+</file>
+
+<file path=ppt/slides/slide19.xml><?xml version="1.0" encoding="utf-8"?>
+<p:sld xmlns:a="http://schemas.openxmlformats.org/drawingml/2006/main" xmlns:r="http://schemas.openxmlformats.org/officeDocument/2006/relationships" xmlns:p="http://schemas.openxmlformats.org/presentationml/2006/main">
+  <p:cSld>
+    <p:spTree>
+      <p:nvGrpSpPr>
+        <p:cNvPr id="1" name=""/>
+        <p:cNvGrpSpPr/>
+        <p:nvPr/>
+      </p:nvGrpSpPr>
+      <p:grpSpPr>
+        <a:xfrm>
+          <a:off x="0" y="0"/>
+          <a:ext cx="0" cy="0"/>
+          <a:chOff x="0" y="0"/>
+          <a:chExt cx="0" cy="0"/>
+        </a:xfrm>
+      </p:grpSpPr>
+      <p:sp>
+        <p:nvSpPr>
+          <p:cNvPr id="2" name="Título 1">
+            <a:extLst>
+              <a:ext uri="{FF2B5EF4-FFF2-40B4-BE49-F238E27FC236}">
+                <a16:creationId xmlns:a16="http://schemas.microsoft.com/office/drawing/2014/main" id="{F0EA80E2-15DD-ABEB-539C-D3721B78C834}"/>
+              </a:ext>
+            </a:extLst>
+          </p:cNvPr>
+          <p:cNvSpPr>
+            <a:spLocks noGrp="1"/>
+          </p:cNvSpPr>
+          <p:nvPr>
+            <p:ph type="title"/>
+          </p:nvPr>
+        </p:nvSpPr>
+        <p:spPr/>
+        <p:txBody>
+          <a:bodyPr/>
+          <a:lstStyle/>
+          <a:p>
+            <a:r>
+              <a:rPr lang="pt-BR" b="1" i="0" dirty="0">
+                <a:effectLst/>
+                <a:latin typeface="Söhne"/>
+              </a:rPr>
+              <a:t>Modelagem de Dados</a:t>
+            </a:r>
+            <a:br>
+              <a:rPr lang="pt-BR" b="1" i="0" dirty="0">
+                <a:effectLst/>
+                <a:latin typeface="Söhne"/>
+              </a:rPr>
+            </a:br>
+            <a:r>
+              <a:rPr lang="pt-BR" sz="2000" dirty="0">
+                <a:latin typeface="Söhne"/>
+              </a:rPr>
+              <a:t>Estrutura de coleções e documentos.</a:t>
+            </a:r>
+            <a:endParaRPr lang="pt-BR" dirty="0"/>
+          </a:p>
+        </p:txBody>
+      </p:sp>
+      <p:sp>
+        <p:nvSpPr>
+          <p:cNvPr id="3" name="Espaço Reservado para Conteúdo 2">
+            <a:extLst>
+              <a:ext uri="{FF2B5EF4-FFF2-40B4-BE49-F238E27FC236}">
+                <a16:creationId xmlns:a16="http://schemas.microsoft.com/office/drawing/2014/main" id="{1812B3A2-0B9F-7A1D-29BE-5783C0E7C666}"/>
+              </a:ext>
+            </a:extLst>
+          </p:cNvPr>
+          <p:cNvSpPr>
+            <a:spLocks noGrp="1"/>
+          </p:cNvSpPr>
+          <p:nvPr>
+            <p:ph idx="1"/>
+          </p:nvPr>
+        </p:nvSpPr>
+        <p:spPr/>
+        <p:txBody>
+          <a:bodyPr/>
+          <a:lstStyle/>
+          <a:p>
+            <a:endParaRPr lang="pt-BR" dirty="0"/>
+          </a:p>
+        </p:txBody>
+      </p:sp>
+      <p:sp>
+        <p:nvSpPr>
+          <p:cNvPr id="4" name="Espaço Reservado para Rodapé 3">
+            <a:extLst>
+              <a:ext uri="{FF2B5EF4-FFF2-40B4-BE49-F238E27FC236}">
+                <a16:creationId xmlns:a16="http://schemas.microsoft.com/office/drawing/2014/main" id="{6739F8A8-C8BA-402C-CBC7-A02F2C81E04B}"/>
+              </a:ext>
+            </a:extLst>
+          </p:cNvPr>
+          <p:cNvSpPr>
+            <a:spLocks noGrp="1"/>
+          </p:cNvSpPr>
+          <p:nvPr>
+            <p:ph type="ftr" sz="quarter" idx="11"/>
+          </p:nvPr>
+        </p:nvSpPr>
+        <p:spPr/>
+        <p:txBody>
+          <a:bodyPr/>
+          <a:lstStyle/>
+          <a:p>
+            <a:r>
+              <a:rPr lang="pt-BR" dirty="0"/>
+              <a:t>https://lucas.gardini.dev</a:t>
+            </a:r>
+          </a:p>
+        </p:txBody>
+      </p:sp>
+      <p:sp>
+        <p:nvSpPr>
+          <p:cNvPr id="5" name="Espaço Reservado para Número de Slide 4">
+            <a:extLst>
+              <a:ext uri="{FF2B5EF4-FFF2-40B4-BE49-F238E27FC236}">
+                <a16:creationId xmlns:a16="http://schemas.microsoft.com/office/drawing/2014/main" id="{DE18193C-5A4B-8531-1D52-CBD20E415CBF}"/>
+              </a:ext>
+            </a:extLst>
+          </p:cNvPr>
+          <p:cNvSpPr>
+            <a:spLocks noGrp="1"/>
+          </p:cNvSpPr>
+          <p:nvPr>
+            <p:ph type="sldNum" sz="quarter" idx="12"/>
+          </p:nvPr>
+        </p:nvSpPr>
+        <p:spPr/>
+        <p:txBody>
+          <a:bodyPr/>
+          <a:lstStyle/>
+          <a:p>
+            <a:fld id="{25237327-9CA3-4762-8749-00D99BA09B6B}" type="slidenum">
+              <a:rPr lang="pt-BR" smtClean="0"/>
+              <a:t>19</a:t>
+            </a:fld>
+            <a:endParaRPr lang="pt-BR"/>
+          </a:p>
+        </p:txBody>
+      </p:sp>
+    </p:spTree>
+    <p:extLst>
+      <p:ext uri="{BB962C8B-B14F-4D97-AF65-F5344CB8AC3E}">
+        <p14:creationId xmlns:p14="http://schemas.microsoft.com/office/powerpoint/2010/main" val="3921640159"/>
       </p:ext>
     </p:extLst>
   </p:cSld>
@@ -8984,7 +9257,46 @@
           <a:bodyPr/>
           <a:lstStyle/>
           <a:p>
-            <a:endParaRPr lang="pt-BR" dirty="0"/>
+            <a:r>
+              <a:rPr lang="pt-BR" dirty="0">
+                <a:latin typeface="Segoe UI" panose="020B0502040204020203" pitchFamily="34" charset="0"/>
+                <a:cs typeface="Segoe UI" panose="020B0502040204020203" pitchFamily="34" charset="0"/>
+              </a:rPr>
+              <a:t>Abordagem mais flexível e escalável.</a:t>
+            </a:r>
+          </a:p>
+          <a:p>
+            <a:r>
+              <a:rPr lang="pt-BR" dirty="0">
+                <a:latin typeface="Segoe UI" panose="020B0502040204020203" pitchFamily="34" charset="0"/>
+                <a:cs typeface="Segoe UI" panose="020B0502040204020203" pitchFamily="34" charset="0"/>
+              </a:rPr>
+              <a:t>Consultas rápidas</a:t>
+            </a:r>
+          </a:p>
+          <a:p>
+            <a:r>
+              <a:rPr lang="pt-BR" dirty="0">
+                <a:latin typeface="Segoe UI" panose="020B0502040204020203" pitchFamily="34" charset="0"/>
+                <a:cs typeface="Segoe UI" panose="020B0502040204020203" pitchFamily="34" charset="0"/>
+              </a:rPr>
+              <a:t>Ausência de tabelas</a:t>
+            </a:r>
+          </a:p>
+          <a:p>
+            <a:r>
+              <a:rPr lang="pt-BR" dirty="0">
+                <a:latin typeface="Segoe UI" panose="020B0502040204020203" pitchFamily="34" charset="0"/>
+                <a:cs typeface="Segoe UI" panose="020B0502040204020203" pitchFamily="34" charset="0"/>
+              </a:rPr>
+              <a:t>Sem relações ou com menos relações</a:t>
+            </a:r>
+          </a:p>
+          <a:p>
+            <a:endParaRPr lang="pt-BR" dirty="0">
+              <a:latin typeface="Segoe UI" panose="020B0502040204020203" pitchFamily="34" charset="0"/>
+              <a:cs typeface="Segoe UI" panose="020B0502040204020203" pitchFamily="34" charset="0"/>
+            </a:endParaRPr>
           </a:p>
         </p:txBody>
       </p:sp>
@@ -9042,6 +9354,128 @@
               <a:t>2</a:t>
             </a:fld>
             <a:endParaRPr lang="pt-BR"/>
+          </a:p>
+        </p:txBody>
+      </p:sp>
+      <p:pic>
+        <p:nvPicPr>
+          <p:cNvPr id="1026" name="Picture 2" descr="To SQL or not to SQL. That is the question…. | by Gianfranco Nuschese |  DataDrivenInvestor">
+            <a:extLst>
+              <a:ext uri="{FF2B5EF4-FFF2-40B4-BE49-F238E27FC236}">
+                <a16:creationId xmlns:a16="http://schemas.microsoft.com/office/drawing/2014/main" id="{C260FD50-AC34-C9AC-76D5-ACCAD52E746A}"/>
+              </a:ext>
+            </a:extLst>
+          </p:cNvPr>
+          <p:cNvPicPr>
+            <a:picLocks noChangeAspect="1" noChangeArrowheads="1"/>
+          </p:cNvPicPr>
+          <p:nvPr/>
+        </p:nvPicPr>
+        <p:blipFill>
+          <a:blip r:embed="rId2">
+            <a:extLst>
+              <a:ext uri="{28A0092B-C50C-407E-A947-70E740481C1C}">
+                <a14:useLocalDpi xmlns:a14="http://schemas.microsoft.com/office/drawing/2010/main" val="0"/>
+              </a:ext>
+            </a:extLst>
+          </a:blip>
+          <a:srcRect/>
+          <a:stretch>
+            <a:fillRect/>
+          </a:stretch>
+        </p:blipFill>
+        <p:spPr bwMode="auto">
+          <a:xfrm>
+            <a:off x="6624519" y="2671762"/>
+            <a:ext cx="4505326" cy="2252663"/>
+          </a:xfrm>
+          <a:prstGeom prst="rect">
+            <a:avLst/>
+          </a:prstGeom>
+          <a:noFill/>
+          <a:effectLst>
+            <a:innerShdw blurRad="63500" dist="50800" dir="13500000">
+              <a:prstClr val="black">
+                <a:alpha val="50000"/>
+              </a:prstClr>
+            </a:innerShdw>
+          </a:effectLst>
+        </p:spPr>
+      </p:pic>
+      <p:sp>
+        <p:nvSpPr>
+          <p:cNvPr id="7" name="CaixaDeTexto 6">
+            <a:extLst>
+              <a:ext uri="{FF2B5EF4-FFF2-40B4-BE49-F238E27FC236}">
+                <a16:creationId xmlns:a16="http://schemas.microsoft.com/office/drawing/2014/main" id="{A6A4880A-AAFA-0DF6-FA59-A760CF52AD3B}"/>
+              </a:ext>
+            </a:extLst>
+          </p:cNvPr>
+          <p:cNvSpPr txBox="1"/>
+          <p:nvPr/>
+        </p:nvSpPr>
+        <p:spPr>
+          <a:xfrm>
+            <a:off x="6810374" y="4976113"/>
+            <a:ext cx="6148386" cy="276999"/>
+          </a:xfrm>
+          <a:prstGeom prst="rect">
+            <a:avLst/>
+          </a:prstGeom>
+          <a:noFill/>
+        </p:spPr>
+        <p:txBody>
+          <a:bodyPr wrap="square">
+            <a:spAutoFit/>
+          </a:bodyPr>
+          <a:lstStyle/>
+          <a:p>
+            <a:r>
+              <a:rPr lang="pt-BR" sz="1200" dirty="0">
+                <a:latin typeface="Segoe UI" panose="020B0502040204020203" pitchFamily="34" charset="0"/>
+                <a:cs typeface="Segoe UI" panose="020B0502040204020203" pitchFamily="34" charset="0"/>
+              </a:rPr>
+              <a:t>Representação visual de </a:t>
+            </a:r>
+            <a:r>
+              <a:rPr lang="pt-BR" sz="1200" dirty="0" err="1">
+                <a:latin typeface="Segoe UI" panose="020B0502040204020203" pitchFamily="34" charset="0"/>
+                <a:cs typeface="Segoe UI" panose="020B0502040204020203" pitchFamily="34" charset="0"/>
+              </a:rPr>
+              <a:t>Sql</a:t>
+            </a:r>
+            <a:r>
+              <a:rPr lang="pt-BR" sz="1200" dirty="0">
+                <a:latin typeface="Segoe UI" panose="020B0502040204020203" pitchFamily="34" charset="0"/>
+                <a:cs typeface="Segoe UI" panose="020B0502040204020203" pitchFamily="34" charset="0"/>
+              </a:rPr>
+              <a:t> e </a:t>
+            </a:r>
+            <a:r>
+              <a:rPr lang="pt-BR" sz="1200" dirty="0" err="1">
+                <a:latin typeface="Segoe UI" panose="020B0502040204020203" pitchFamily="34" charset="0"/>
+                <a:cs typeface="Segoe UI" panose="020B0502040204020203" pitchFamily="34" charset="0"/>
+              </a:rPr>
+              <a:t>NoSql</a:t>
+            </a:r>
+            <a:r>
+              <a:rPr lang="pt-BR" sz="1200" dirty="0">
+                <a:latin typeface="Segoe UI" panose="020B0502040204020203" pitchFamily="34" charset="0"/>
+                <a:cs typeface="Segoe UI" panose="020B0502040204020203" pitchFamily="34" charset="0"/>
+              </a:rPr>
+              <a:t>, Gianfranco </a:t>
+            </a:r>
+            <a:r>
+              <a:rPr lang="pt-BR" sz="1200" dirty="0" err="1">
+                <a:latin typeface="Segoe UI" panose="020B0502040204020203" pitchFamily="34" charset="0"/>
+                <a:cs typeface="Segoe UI" panose="020B0502040204020203" pitchFamily="34" charset="0"/>
+              </a:rPr>
+              <a:t>Nuschese</a:t>
+            </a:r>
+            <a:endParaRPr lang="pt-BR" sz="1200" dirty="0">
+              <a:latin typeface="Segoe UI" panose="020B0502040204020203" pitchFamily="34" charset="0"/>
+              <a:cs typeface="Segoe UI" panose="020B0502040204020203" pitchFamily="34" charset="0"/>
+            </a:endParaRPr>
           </a:p>
         </p:txBody>
       </p:sp>
@@ -9058,6 +9492,259 @@
   <p:transition spd="slow">
     <p:push dir="u"/>
   </p:transition>
+  <p:timing>
+    <p:tnLst>
+      <p:par>
+        <p:cTn id="1" dur="indefinite" restart="never" nodeType="tmRoot">
+          <p:childTnLst>
+            <p:seq concurrent="1" nextAc="seek">
+              <p:cTn id="2" dur="indefinite" nodeType="mainSeq">
+                <p:childTnLst>
+                  <p:par>
+                    <p:cTn id="3" fill="hold">
+                      <p:stCondLst>
+                        <p:cond delay="indefinite"/>
+                        <p:cond evt="onBegin" delay="0">
+                          <p:tn val="2"/>
+                        </p:cond>
+                      </p:stCondLst>
+                      <p:childTnLst>
+                        <p:par>
+                          <p:cTn id="4" fill="hold">
+                            <p:stCondLst>
+                              <p:cond delay="0"/>
+                            </p:stCondLst>
+                            <p:childTnLst>
+                              <p:par>
+                                <p:cTn id="5" presetID="10" presetClass="entr" presetSubtype="0" fill="hold" grpId="0" nodeType="afterEffect">
+                                  <p:stCondLst>
+                                    <p:cond delay="0"/>
+                                  </p:stCondLst>
+                                  <p:childTnLst>
+                                    <p:set>
+                                      <p:cBhvr>
+                                        <p:cTn id="6" dur="1" fill="hold">
+                                          <p:stCondLst>
+                                            <p:cond delay="0"/>
+                                          </p:stCondLst>
+                                        </p:cTn>
+                                        <p:tgtEl>
+                                          <p:spTgt spid="3">
+                                            <p:txEl>
+                                              <p:pRg st="0" end="0"/>
+                                            </p:txEl>
+                                          </p:spTgt>
+                                        </p:tgtEl>
+                                        <p:attrNameLst>
+                                          <p:attrName>style.visibility</p:attrName>
+                                        </p:attrNameLst>
+                                      </p:cBhvr>
+                                      <p:to>
+                                        <p:strVal val="visible"/>
+                                      </p:to>
+                                    </p:set>
+                                    <p:animEffect transition="in" filter="fade">
+                                      <p:cBhvr>
+                                        <p:cTn id="7" dur="500"/>
+                                        <p:tgtEl>
+                                          <p:spTgt spid="3">
+                                            <p:txEl>
+                                              <p:pRg st="0" end="0"/>
+                                            </p:txEl>
+                                          </p:spTgt>
+                                        </p:tgtEl>
+                                      </p:cBhvr>
+                                    </p:animEffect>
+                                  </p:childTnLst>
+                                </p:cTn>
+                              </p:par>
+                            </p:childTnLst>
+                          </p:cTn>
+                        </p:par>
+                        <p:par>
+                          <p:cTn id="8" fill="hold">
+                            <p:stCondLst>
+                              <p:cond delay="500"/>
+                            </p:stCondLst>
+                            <p:childTnLst>
+                              <p:par>
+                                <p:cTn id="9" presetID="10" presetClass="entr" presetSubtype="0" fill="hold" grpId="0" nodeType="afterEffect">
+                                  <p:stCondLst>
+                                    <p:cond delay="0"/>
+                                  </p:stCondLst>
+                                  <p:childTnLst>
+                                    <p:set>
+                                      <p:cBhvr>
+                                        <p:cTn id="10" dur="1" fill="hold">
+                                          <p:stCondLst>
+                                            <p:cond delay="0"/>
+                                          </p:stCondLst>
+                                        </p:cTn>
+                                        <p:tgtEl>
+                                          <p:spTgt spid="3">
+                                            <p:txEl>
+                                              <p:pRg st="1" end="1"/>
+                                            </p:txEl>
+                                          </p:spTgt>
+                                        </p:tgtEl>
+                                        <p:attrNameLst>
+                                          <p:attrName>style.visibility</p:attrName>
+                                        </p:attrNameLst>
+                                      </p:cBhvr>
+                                      <p:to>
+                                        <p:strVal val="visible"/>
+                                      </p:to>
+                                    </p:set>
+                                    <p:animEffect transition="in" filter="fade">
+                                      <p:cBhvr>
+                                        <p:cTn id="11" dur="500"/>
+                                        <p:tgtEl>
+                                          <p:spTgt spid="3">
+                                            <p:txEl>
+                                              <p:pRg st="1" end="1"/>
+                                            </p:txEl>
+                                          </p:spTgt>
+                                        </p:tgtEl>
+                                      </p:cBhvr>
+                                    </p:animEffect>
+                                  </p:childTnLst>
+                                </p:cTn>
+                              </p:par>
+                            </p:childTnLst>
+                          </p:cTn>
+                        </p:par>
+                        <p:par>
+                          <p:cTn id="12" fill="hold">
+                            <p:stCondLst>
+                              <p:cond delay="1000"/>
+                            </p:stCondLst>
+                            <p:childTnLst>
+                              <p:par>
+                                <p:cTn id="13" presetID="10" presetClass="entr" presetSubtype="0" fill="hold" grpId="0" nodeType="afterEffect">
+                                  <p:stCondLst>
+                                    <p:cond delay="0"/>
+                                  </p:stCondLst>
+                                  <p:childTnLst>
+                                    <p:set>
+                                      <p:cBhvr>
+                                        <p:cTn id="14" dur="1" fill="hold">
+                                          <p:stCondLst>
+                                            <p:cond delay="0"/>
+                                          </p:stCondLst>
+                                        </p:cTn>
+                                        <p:tgtEl>
+                                          <p:spTgt spid="3">
+                                            <p:txEl>
+                                              <p:pRg st="2" end="2"/>
+                                            </p:txEl>
+                                          </p:spTgt>
+                                        </p:tgtEl>
+                                        <p:attrNameLst>
+                                          <p:attrName>style.visibility</p:attrName>
+                                        </p:attrNameLst>
+                                      </p:cBhvr>
+                                      <p:to>
+                                        <p:strVal val="visible"/>
+                                      </p:to>
+                                    </p:set>
+                                    <p:animEffect transition="in" filter="fade">
+                                      <p:cBhvr>
+                                        <p:cTn id="15" dur="500"/>
+                                        <p:tgtEl>
+                                          <p:spTgt spid="3">
+                                            <p:txEl>
+                                              <p:pRg st="2" end="2"/>
+                                            </p:txEl>
+                                          </p:spTgt>
+                                        </p:tgtEl>
+                                      </p:cBhvr>
+                                    </p:animEffect>
+                                  </p:childTnLst>
+                                </p:cTn>
+                              </p:par>
+                            </p:childTnLst>
+                          </p:cTn>
+                        </p:par>
+                        <p:par>
+                          <p:cTn id="16" fill="hold">
+                            <p:stCondLst>
+                              <p:cond delay="1500"/>
+                            </p:stCondLst>
+                            <p:childTnLst>
+                              <p:par>
+                                <p:cTn id="17" presetID="10" presetClass="entr" presetSubtype="0" fill="hold" grpId="0" nodeType="afterEffect">
+                                  <p:stCondLst>
+                                    <p:cond delay="0"/>
+                                  </p:stCondLst>
+                                  <p:childTnLst>
+                                    <p:set>
+                                      <p:cBhvr>
+                                        <p:cTn id="18" dur="1" fill="hold">
+                                          <p:stCondLst>
+                                            <p:cond delay="0"/>
+                                          </p:stCondLst>
+                                        </p:cTn>
+                                        <p:tgtEl>
+                                          <p:spTgt spid="3">
+                                            <p:txEl>
+                                              <p:pRg st="3" end="3"/>
+                                            </p:txEl>
+                                          </p:spTgt>
+                                        </p:tgtEl>
+                                        <p:attrNameLst>
+                                          <p:attrName>style.visibility</p:attrName>
+                                        </p:attrNameLst>
+                                      </p:cBhvr>
+                                      <p:to>
+                                        <p:strVal val="visible"/>
+                                      </p:to>
+                                    </p:set>
+                                    <p:animEffect transition="in" filter="fade">
+                                      <p:cBhvr>
+                                        <p:cTn id="19" dur="500"/>
+                                        <p:tgtEl>
+                                          <p:spTgt spid="3">
+                                            <p:txEl>
+                                              <p:pRg st="3" end="3"/>
+                                            </p:txEl>
+                                          </p:spTgt>
+                                        </p:tgtEl>
+                                      </p:cBhvr>
+                                    </p:animEffect>
+                                  </p:childTnLst>
+                                </p:cTn>
+                              </p:par>
+                            </p:childTnLst>
+                          </p:cTn>
+                        </p:par>
+                      </p:childTnLst>
+                    </p:cTn>
+                  </p:par>
+                </p:childTnLst>
+              </p:cTn>
+              <p:prevCondLst>
+                <p:cond evt="onPrev" delay="0">
+                  <p:tgtEl>
+                    <p:sldTgt/>
+                  </p:tgtEl>
+                </p:cond>
+              </p:prevCondLst>
+              <p:nextCondLst>
+                <p:cond evt="onNext" delay="0">
+                  <p:tgtEl>
+                    <p:sldTgt/>
+                  </p:tgtEl>
+                </p:cond>
+              </p:nextCondLst>
+            </p:seq>
+          </p:childTnLst>
+        </p:cTn>
+      </p:par>
+    </p:tnLst>
+    <p:bldLst>
+      <p:bldP spid="3" grpId="0" build="p"/>
+    </p:bldLst>
+  </p:timing>
 </p:sld>
 </file>
 
@@ -9104,7 +9791,7 @@
                 <a:effectLst/>
                 <a:latin typeface="Söhne"/>
               </a:rPr>
-              <a:t>Indexação e Desempenho</a:t>
+              <a:t>Modelagem de Dados</a:t>
             </a:r>
             <a:br>
               <a:rPr lang="pt-BR" b="1" i="0" dirty="0">
@@ -9116,7 +9803,19 @@
               <a:rPr lang="pt-BR" sz="2000" dirty="0">
                 <a:latin typeface="Söhne"/>
               </a:rPr>
-              <a:t>Importância de índices.</a:t>
+              <a:t>Relacionamentos no </a:t>
+            </a:r>
+            <a:r>
+              <a:rPr lang="pt-BR" sz="2000" dirty="0" err="1">
+                <a:latin typeface="Söhne"/>
+              </a:rPr>
+              <a:t>MongoDB</a:t>
+            </a:r>
+            <a:r>
+              <a:rPr lang="pt-BR" sz="2000" dirty="0">
+                <a:latin typeface="Söhne"/>
+              </a:rPr>
+              <a:t>.</a:t>
             </a:r>
             <a:endParaRPr lang="pt-BR" dirty="0"/>
           </a:p>
@@ -9207,7 +9906,7 @@
     </p:spTree>
     <p:extLst>
       <p:ext uri="{BB962C8B-B14F-4D97-AF65-F5344CB8AC3E}">
-        <p14:creationId xmlns:p14="http://schemas.microsoft.com/office/powerpoint/2010/main" val="366879679"/>
+        <p14:creationId xmlns:p14="http://schemas.microsoft.com/office/powerpoint/2010/main" val="3250206503"/>
       </p:ext>
     </p:extLst>
   </p:cSld>
@@ -9236,162 +9935,6 @@
       </p:grpSpPr>
       <p:sp>
         <p:nvSpPr>
-          <p:cNvPr id="2" name="Título 1">
-            <a:extLst>
-              <a:ext uri="{FF2B5EF4-FFF2-40B4-BE49-F238E27FC236}">
-                <a16:creationId xmlns:a16="http://schemas.microsoft.com/office/drawing/2014/main" id="{F0EA80E2-15DD-ABEB-539C-D3721B78C834}"/>
-              </a:ext>
-            </a:extLst>
-          </p:cNvPr>
-          <p:cNvSpPr>
-            <a:spLocks noGrp="1"/>
-          </p:cNvSpPr>
-          <p:nvPr>
-            <p:ph type="title"/>
-          </p:nvPr>
-        </p:nvSpPr>
-        <p:spPr/>
-        <p:txBody>
-          <a:bodyPr/>
-          <a:lstStyle/>
-          <a:p>
-            <a:r>
-              <a:rPr lang="pt-BR" b="1" i="0" dirty="0">
-                <a:effectLst/>
-                <a:latin typeface="Söhne"/>
-              </a:rPr>
-              <a:t>Indexação e Desempenho</a:t>
-            </a:r>
-            <a:br>
-              <a:rPr lang="pt-BR" b="1" i="0" dirty="0">
-                <a:effectLst/>
-                <a:latin typeface="Söhne"/>
-              </a:rPr>
-            </a:br>
-            <a:r>
-              <a:rPr lang="pt-BR" sz="2000" dirty="0">
-                <a:latin typeface="Söhne"/>
-              </a:rPr>
-              <a:t>Estratégias para otimização de consultas.</a:t>
-            </a:r>
-            <a:endParaRPr lang="pt-BR" dirty="0"/>
-          </a:p>
-        </p:txBody>
-      </p:sp>
-      <p:sp>
-        <p:nvSpPr>
-          <p:cNvPr id="3" name="Espaço Reservado para Conteúdo 2">
-            <a:extLst>
-              <a:ext uri="{FF2B5EF4-FFF2-40B4-BE49-F238E27FC236}">
-                <a16:creationId xmlns:a16="http://schemas.microsoft.com/office/drawing/2014/main" id="{1812B3A2-0B9F-7A1D-29BE-5783C0E7C666}"/>
-              </a:ext>
-            </a:extLst>
-          </p:cNvPr>
-          <p:cNvSpPr>
-            <a:spLocks noGrp="1"/>
-          </p:cNvSpPr>
-          <p:nvPr>
-            <p:ph idx="1"/>
-          </p:nvPr>
-        </p:nvSpPr>
-        <p:spPr/>
-        <p:txBody>
-          <a:bodyPr/>
-          <a:lstStyle/>
-          <a:p>
-            <a:endParaRPr lang="pt-BR" dirty="0"/>
-          </a:p>
-        </p:txBody>
-      </p:sp>
-      <p:sp>
-        <p:nvSpPr>
-          <p:cNvPr id="4" name="Espaço Reservado para Rodapé 3">
-            <a:extLst>
-              <a:ext uri="{FF2B5EF4-FFF2-40B4-BE49-F238E27FC236}">
-                <a16:creationId xmlns:a16="http://schemas.microsoft.com/office/drawing/2014/main" id="{6739F8A8-C8BA-402C-CBC7-A02F2C81E04B}"/>
-              </a:ext>
-            </a:extLst>
-          </p:cNvPr>
-          <p:cNvSpPr>
-            <a:spLocks noGrp="1"/>
-          </p:cNvSpPr>
-          <p:nvPr>
-            <p:ph type="ftr" sz="quarter" idx="11"/>
-          </p:nvPr>
-        </p:nvSpPr>
-        <p:spPr/>
-        <p:txBody>
-          <a:bodyPr/>
-          <a:lstStyle/>
-          <a:p>
-            <a:r>
-              <a:rPr lang="pt-BR" dirty="0"/>
-              <a:t>https://lucas.gardini.dev</a:t>
-            </a:r>
-          </a:p>
-        </p:txBody>
-      </p:sp>
-      <p:sp>
-        <p:nvSpPr>
-          <p:cNvPr id="5" name="Espaço Reservado para Número de Slide 4">
-            <a:extLst>
-              <a:ext uri="{FF2B5EF4-FFF2-40B4-BE49-F238E27FC236}">
-                <a16:creationId xmlns:a16="http://schemas.microsoft.com/office/drawing/2014/main" id="{DE18193C-5A4B-8531-1D52-CBD20E415CBF}"/>
-              </a:ext>
-            </a:extLst>
-          </p:cNvPr>
-          <p:cNvSpPr>
-            <a:spLocks noGrp="1"/>
-          </p:cNvSpPr>
-          <p:nvPr>
-            <p:ph type="sldNum" sz="quarter" idx="12"/>
-          </p:nvPr>
-        </p:nvSpPr>
-        <p:spPr/>
-        <p:txBody>
-          <a:bodyPr/>
-          <a:lstStyle/>
-          <a:p>
-            <a:fld id="{25237327-9CA3-4762-8749-00D99BA09B6B}" type="slidenum">
-              <a:rPr lang="pt-BR" smtClean="0"/>
-              <a:t>21</a:t>
-            </a:fld>
-            <a:endParaRPr lang="pt-BR"/>
-          </a:p>
-        </p:txBody>
-      </p:sp>
-    </p:spTree>
-    <p:extLst>
-      <p:ext uri="{BB962C8B-B14F-4D97-AF65-F5344CB8AC3E}">
-        <p14:creationId xmlns:p14="http://schemas.microsoft.com/office/powerpoint/2010/main" val="1110606851"/>
-      </p:ext>
-    </p:extLst>
-  </p:cSld>
-  <p:clrMapOvr>
-    <a:masterClrMapping/>
-  </p:clrMapOvr>
-</p:sld>
-</file>
-
-<file path=ppt/slides/slide22.xml><?xml version="1.0" encoding="utf-8"?>
-<p:sld xmlns:a="http://schemas.openxmlformats.org/drawingml/2006/main" xmlns:r="http://schemas.openxmlformats.org/officeDocument/2006/relationships" xmlns:p="http://schemas.openxmlformats.org/presentationml/2006/main">
-  <p:cSld>
-    <p:spTree>
-      <p:nvGrpSpPr>
-        <p:cNvPr id="1" name=""/>
-        <p:cNvGrpSpPr/>
-        <p:nvPr/>
-      </p:nvGrpSpPr>
-      <p:grpSpPr>
-        <a:xfrm>
-          <a:off x="0" y="0"/>
-          <a:ext cx="0" cy="0"/>
-          <a:chOff x="0" y="0"/>
-          <a:chExt cx="0" cy="0"/>
-        </a:xfrm>
-      </p:grpSpPr>
-      <p:sp>
-        <p:nvSpPr>
           <p:cNvPr id="4" name="Espaço Reservado para Número de Slide 3">
             <a:extLst>
               <a:ext uri="{FF2B5EF4-FFF2-40B4-BE49-F238E27FC236}">
@@ -9422,7 +9965,7 @@
                   <a:schemeClr val="tx1"/>
                 </a:solidFill>
               </a:rPr>
-              <a:t>22</a:t>
+              <a:t>21</a:t>
             </a:fld>
             <a:endParaRPr lang="pt-BR" b="1" dirty="0">
               <a:solidFill>
@@ -9630,7 +10173,7 @@
         <p:spPr>
           <a:xfrm>
             <a:off x="670272" y="1726164"/>
-            <a:ext cx="6999032" cy="2308324"/>
+            <a:ext cx="6739345" cy="2308324"/>
           </a:xfrm>
           <a:prstGeom prst="rect">
             <a:avLst/>
@@ -9653,7 +10196,7 @@
                   </a:outerShdw>
                 </a:effectLst>
               </a:rPr>
-              <a:t>AGGREGATION</a:t>
+              <a:t>INDEXAÇÃO E </a:t>
             </a:r>
           </a:p>
           <a:p>
@@ -9667,7 +10210,7 @@
                   </a:outerShdw>
                 </a:effectLst>
               </a:rPr>
-              <a:t>FRAMEWORKS</a:t>
+              <a:t>DESEMPENHO</a:t>
             </a:r>
           </a:p>
         </p:txBody>
@@ -9675,7 +10218,163 @@
     </p:spTree>
     <p:extLst>
       <p:ext uri="{BB962C8B-B14F-4D97-AF65-F5344CB8AC3E}">
-        <p14:creationId xmlns:p14="http://schemas.microsoft.com/office/powerpoint/2010/main" val="454187441"/>
+        <p14:creationId xmlns:p14="http://schemas.microsoft.com/office/powerpoint/2010/main" val="2562749162"/>
+      </p:ext>
+    </p:extLst>
+  </p:cSld>
+  <p:clrMapOvr>
+    <a:masterClrMapping/>
+  </p:clrMapOvr>
+</p:sld>
+</file>
+
+<file path=ppt/slides/slide22.xml><?xml version="1.0" encoding="utf-8"?>
+<p:sld xmlns:a="http://schemas.openxmlformats.org/drawingml/2006/main" xmlns:r="http://schemas.openxmlformats.org/officeDocument/2006/relationships" xmlns:p="http://schemas.openxmlformats.org/presentationml/2006/main">
+  <p:cSld>
+    <p:spTree>
+      <p:nvGrpSpPr>
+        <p:cNvPr id="1" name=""/>
+        <p:cNvGrpSpPr/>
+        <p:nvPr/>
+      </p:nvGrpSpPr>
+      <p:grpSpPr>
+        <a:xfrm>
+          <a:off x="0" y="0"/>
+          <a:ext cx="0" cy="0"/>
+          <a:chOff x="0" y="0"/>
+          <a:chExt cx="0" cy="0"/>
+        </a:xfrm>
+      </p:grpSpPr>
+      <p:sp>
+        <p:nvSpPr>
+          <p:cNvPr id="2" name="Título 1">
+            <a:extLst>
+              <a:ext uri="{FF2B5EF4-FFF2-40B4-BE49-F238E27FC236}">
+                <a16:creationId xmlns:a16="http://schemas.microsoft.com/office/drawing/2014/main" id="{F0EA80E2-15DD-ABEB-539C-D3721B78C834}"/>
+              </a:ext>
+            </a:extLst>
+          </p:cNvPr>
+          <p:cNvSpPr>
+            <a:spLocks noGrp="1"/>
+          </p:cNvSpPr>
+          <p:nvPr>
+            <p:ph type="title"/>
+          </p:nvPr>
+        </p:nvSpPr>
+        <p:spPr/>
+        <p:txBody>
+          <a:bodyPr/>
+          <a:lstStyle/>
+          <a:p>
+            <a:r>
+              <a:rPr lang="pt-BR" b="1" i="0" dirty="0">
+                <a:effectLst/>
+                <a:latin typeface="Söhne"/>
+              </a:rPr>
+              <a:t>Indexação e Desempenho</a:t>
+            </a:r>
+            <a:br>
+              <a:rPr lang="pt-BR" b="1" i="0" dirty="0">
+                <a:effectLst/>
+                <a:latin typeface="Söhne"/>
+              </a:rPr>
+            </a:br>
+            <a:r>
+              <a:rPr lang="pt-BR" sz="2000" dirty="0">
+                <a:latin typeface="Söhne"/>
+              </a:rPr>
+              <a:t>Importância de índices.</a:t>
+            </a:r>
+            <a:endParaRPr lang="pt-BR" dirty="0"/>
+          </a:p>
+        </p:txBody>
+      </p:sp>
+      <p:sp>
+        <p:nvSpPr>
+          <p:cNvPr id="3" name="Espaço Reservado para Conteúdo 2">
+            <a:extLst>
+              <a:ext uri="{FF2B5EF4-FFF2-40B4-BE49-F238E27FC236}">
+                <a16:creationId xmlns:a16="http://schemas.microsoft.com/office/drawing/2014/main" id="{1812B3A2-0B9F-7A1D-29BE-5783C0E7C666}"/>
+              </a:ext>
+            </a:extLst>
+          </p:cNvPr>
+          <p:cNvSpPr>
+            <a:spLocks noGrp="1"/>
+          </p:cNvSpPr>
+          <p:nvPr>
+            <p:ph idx="1"/>
+          </p:nvPr>
+        </p:nvSpPr>
+        <p:spPr/>
+        <p:txBody>
+          <a:bodyPr/>
+          <a:lstStyle/>
+          <a:p>
+            <a:endParaRPr lang="pt-BR" dirty="0"/>
+          </a:p>
+        </p:txBody>
+      </p:sp>
+      <p:sp>
+        <p:nvSpPr>
+          <p:cNvPr id="4" name="Espaço Reservado para Rodapé 3">
+            <a:extLst>
+              <a:ext uri="{FF2B5EF4-FFF2-40B4-BE49-F238E27FC236}">
+                <a16:creationId xmlns:a16="http://schemas.microsoft.com/office/drawing/2014/main" id="{6739F8A8-C8BA-402C-CBC7-A02F2C81E04B}"/>
+              </a:ext>
+            </a:extLst>
+          </p:cNvPr>
+          <p:cNvSpPr>
+            <a:spLocks noGrp="1"/>
+          </p:cNvSpPr>
+          <p:nvPr>
+            <p:ph type="ftr" sz="quarter" idx="11"/>
+          </p:nvPr>
+        </p:nvSpPr>
+        <p:spPr/>
+        <p:txBody>
+          <a:bodyPr/>
+          <a:lstStyle/>
+          <a:p>
+            <a:r>
+              <a:rPr lang="pt-BR" dirty="0"/>
+              <a:t>https://lucas.gardini.dev</a:t>
+            </a:r>
+          </a:p>
+        </p:txBody>
+      </p:sp>
+      <p:sp>
+        <p:nvSpPr>
+          <p:cNvPr id="5" name="Espaço Reservado para Número de Slide 4">
+            <a:extLst>
+              <a:ext uri="{FF2B5EF4-FFF2-40B4-BE49-F238E27FC236}">
+                <a16:creationId xmlns:a16="http://schemas.microsoft.com/office/drawing/2014/main" id="{DE18193C-5A4B-8531-1D52-CBD20E415CBF}"/>
+              </a:ext>
+            </a:extLst>
+          </p:cNvPr>
+          <p:cNvSpPr>
+            <a:spLocks noGrp="1"/>
+          </p:cNvSpPr>
+          <p:nvPr>
+            <p:ph type="sldNum" sz="quarter" idx="12"/>
+          </p:nvPr>
+        </p:nvSpPr>
+        <p:spPr/>
+        <p:txBody>
+          <a:bodyPr/>
+          <a:lstStyle/>
+          <a:p>
+            <a:fld id="{25237327-9CA3-4762-8749-00D99BA09B6B}" type="slidenum">
+              <a:rPr lang="pt-BR" smtClean="0"/>
+              <a:t>22</a:t>
+            </a:fld>
+            <a:endParaRPr lang="pt-BR"/>
+          </a:p>
+        </p:txBody>
+      </p:sp>
+    </p:spTree>
+    <p:extLst>
+      <p:ext uri="{BB962C8B-B14F-4D97-AF65-F5344CB8AC3E}">
+        <p14:creationId xmlns:p14="http://schemas.microsoft.com/office/powerpoint/2010/main" val="366879679"/>
       </p:ext>
     </p:extLst>
   </p:cSld>
@@ -9724,18 +10423,11 @@
           <a:lstStyle/>
           <a:p>
             <a:r>
-              <a:rPr lang="pt-BR" b="1" i="0" dirty="0" err="1">
-                <a:effectLst/>
-                <a:latin typeface="Söhne"/>
-              </a:rPr>
-              <a:t>Aggregation</a:t>
-            </a:r>
-            <a:r>
               <a:rPr lang="pt-BR" b="1" i="0" dirty="0">
                 <a:effectLst/>
                 <a:latin typeface="Söhne"/>
               </a:rPr>
-              <a:t> Frameworks</a:t>
+              <a:t>Indexação e Desempenho</a:t>
             </a:r>
             <a:br>
               <a:rPr lang="pt-BR" b="1" i="0" dirty="0">
@@ -9747,7 +10439,7 @@
               <a:rPr lang="pt-BR" sz="2000" dirty="0">
                 <a:latin typeface="Söhne"/>
               </a:rPr>
-              <a:t>Uso de pipelines para processamento de dados.</a:t>
+              <a:t>Estratégias para otimização de consultas.</a:t>
             </a:r>
             <a:endParaRPr lang="pt-BR" dirty="0"/>
           </a:p>
@@ -9838,7 +10530,7 @@
     </p:spTree>
     <p:extLst>
       <p:ext uri="{BB962C8B-B14F-4D97-AF65-F5344CB8AC3E}">
-        <p14:creationId xmlns:p14="http://schemas.microsoft.com/office/powerpoint/2010/main" val="3911855200"/>
+        <p14:creationId xmlns:p14="http://schemas.microsoft.com/office/powerpoint/2010/main" val="1110606851"/>
       </p:ext>
     </p:extLst>
   </p:cSld>
@@ -9867,169 +10559,6 @@
       </p:grpSpPr>
       <p:sp>
         <p:nvSpPr>
-          <p:cNvPr id="2" name="Título 1">
-            <a:extLst>
-              <a:ext uri="{FF2B5EF4-FFF2-40B4-BE49-F238E27FC236}">
-                <a16:creationId xmlns:a16="http://schemas.microsoft.com/office/drawing/2014/main" id="{F0EA80E2-15DD-ABEB-539C-D3721B78C834}"/>
-              </a:ext>
-            </a:extLst>
-          </p:cNvPr>
-          <p:cNvSpPr>
-            <a:spLocks noGrp="1"/>
-          </p:cNvSpPr>
-          <p:nvPr>
-            <p:ph type="title"/>
-          </p:nvPr>
-        </p:nvSpPr>
-        <p:spPr/>
-        <p:txBody>
-          <a:bodyPr/>
-          <a:lstStyle/>
-          <a:p>
-            <a:r>
-              <a:rPr lang="pt-BR" b="1" i="0" dirty="0" err="1">
-                <a:effectLst/>
-                <a:latin typeface="Söhne"/>
-              </a:rPr>
-              <a:t>Aggregation</a:t>
-            </a:r>
-            <a:r>
-              <a:rPr lang="pt-BR" b="1" i="0" dirty="0">
-                <a:effectLst/>
-                <a:latin typeface="Söhne"/>
-              </a:rPr>
-              <a:t> Frameworks</a:t>
-            </a:r>
-            <a:br>
-              <a:rPr lang="pt-BR" b="1" i="0" dirty="0">
-                <a:effectLst/>
-                <a:latin typeface="Söhne"/>
-              </a:rPr>
-            </a:br>
-            <a:r>
-              <a:rPr lang="pt-BR" sz="2000" dirty="0">
-                <a:latin typeface="Söhne"/>
-              </a:rPr>
-              <a:t>Exemplos práticos.</a:t>
-            </a:r>
-            <a:endParaRPr lang="pt-BR" dirty="0"/>
-          </a:p>
-        </p:txBody>
-      </p:sp>
-      <p:sp>
-        <p:nvSpPr>
-          <p:cNvPr id="3" name="Espaço Reservado para Conteúdo 2">
-            <a:extLst>
-              <a:ext uri="{FF2B5EF4-FFF2-40B4-BE49-F238E27FC236}">
-                <a16:creationId xmlns:a16="http://schemas.microsoft.com/office/drawing/2014/main" id="{1812B3A2-0B9F-7A1D-29BE-5783C0E7C666}"/>
-              </a:ext>
-            </a:extLst>
-          </p:cNvPr>
-          <p:cNvSpPr>
-            <a:spLocks noGrp="1"/>
-          </p:cNvSpPr>
-          <p:nvPr>
-            <p:ph idx="1"/>
-          </p:nvPr>
-        </p:nvSpPr>
-        <p:spPr/>
-        <p:txBody>
-          <a:bodyPr/>
-          <a:lstStyle/>
-          <a:p>
-            <a:endParaRPr lang="pt-BR" dirty="0"/>
-          </a:p>
-        </p:txBody>
-      </p:sp>
-      <p:sp>
-        <p:nvSpPr>
-          <p:cNvPr id="4" name="Espaço Reservado para Rodapé 3">
-            <a:extLst>
-              <a:ext uri="{FF2B5EF4-FFF2-40B4-BE49-F238E27FC236}">
-                <a16:creationId xmlns:a16="http://schemas.microsoft.com/office/drawing/2014/main" id="{6739F8A8-C8BA-402C-CBC7-A02F2C81E04B}"/>
-              </a:ext>
-            </a:extLst>
-          </p:cNvPr>
-          <p:cNvSpPr>
-            <a:spLocks noGrp="1"/>
-          </p:cNvSpPr>
-          <p:nvPr>
-            <p:ph type="ftr" sz="quarter" idx="11"/>
-          </p:nvPr>
-        </p:nvSpPr>
-        <p:spPr/>
-        <p:txBody>
-          <a:bodyPr/>
-          <a:lstStyle/>
-          <a:p>
-            <a:r>
-              <a:rPr lang="pt-BR" dirty="0"/>
-              <a:t>https://lucas.gardini.dev</a:t>
-            </a:r>
-          </a:p>
-        </p:txBody>
-      </p:sp>
-      <p:sp>
-        <p:nvSpPr>
-          <p:cNvPr id="5" name="Espaço Reservado para Número de Slide 4">
-            <a:extLst>
-              <a:ext uri="{FF2B5EF4-FFF2-40B4-BE49-F238E27FC236}">
-                <a16:creationId xmlns:a16="http://schemas.microsoft.com/office/drawing/2014/main" id="{DE18193C-5A4B-8531-1D52-CBD20E415CBF}"/>
-              </a:ext>
-            </a:extLst>
-          </p:cNvPr>
-          <p:cNvSpPr>
-            <a:spLocks noGrp="1"/>
-          </p:cNvSpPr>
-          <p:nvPr>
-            <p:ph type="sldNum" sz="quarter" idx="12"/>
-          </p:nvPr>
-        </p:nvSpPr>
-        <p:spPr/>
-        <p:txBody>
-          <a:bodyPr/>
-          <a:lstStyle/>
-          <a:p>
-            <a:fld id="{25237327-9CA3-4762-8749-00D99BA09B6B}" type="slidenum">
-              <a:rPr lang="pt-BR" smtClean="0"/>
-              <a:t>24</a:t>
-            </a:fld>
-            <a:endParaRPr lang="pt-BR"/>
-          </a:p>
-        </p:txBody>
-      </p:sp>
-    </p:spTree>
-    <p:extLst>
-      <p:ext uri="{BB962C8B-B14F-4D97-AF65-F5344CB8AC3E}">
-        <p14:creationId xmlns:p14="http://schemas.microsoft.com/office/powerpoint/2010/main" val="164609262"/>
-      </p:ext>
-    </p:extLst>
-  </p:cSld>
-  <p:clrMapOvr>
-    <a:masterClrMapping/>
-  </p:clrMapOvr>
-</p:sld>
-</file>
-
-<file path=ppt/slides/slide25.xml><?xml version="1.0" encoding="utf-8"?>
-<p:sld xmlns:a="http://schemas.openxmlformats.org/drawingml/2006/main" xmlns:r="http://schemas.openxmlformats.org/officeDocument/2006/relationships" xmlns:p="http://schemas.openxmlformats.org/presentationml/2006/main">
-  <p:cSld>
-    <p:spTree>
-      <p:nvGrpSpPr>
-        <p:cNvPr id="1" name=""/>
-        <p:cNvGrpSpPr/>
-        <p:nvPr/>
-      </p:nvGrpSpPr>
-      <p:grpSpPr>
-        <a:xfrm>
-          <a:off x="0" y="0"/>
-          <a:ext cx="0" cy="0"/>
-          <a:chOff x="0" y="0"/>
-          <a:chExt cx="0" cy="0"/>
-        </a:xfrm>
-      </p:grpSpPr>
-      <p:sp>
-        <p:nvSpPr>
           <p:cNvPr id="4" name="Espaço Reservado para Número de Slide 3">
             <a:extLst>
               <a:ext uri="{FF2B5EF4-FFF2-40B4-BE49-F238E27FC236}">
@@ -10060,7 +10589,7 @@
                   <a:schemeClr val="tx1"/>
                 </a:solidFill>
               </a:rPr>
-              <a:t>25</a:t>
+              <a:t>24</a:t>
             </a:fld>
             <a:endParaRPr lang="pt-BR" b="1" dirty="0">
               <a:solidFill>
@@ -10268,7 +10797,7 @@
         <p:spPr>
           <a:xfrm>
             <a:off x="670272" y="1726164"/>
-            <a:ext cx="5817618" cy="1200329"/>
+            <a:ext cx="6999032" cy="2308324"/>
           </a:xfrm>
           <a:prstGeom prst="rect">
             <a:avLst/>
@@ -10291,7 +10820,21 @@
                   </a:outerShdw>
                 </a:effectLst>
               </a:rPr>
-              <a:t>SEGURANÇA</a:t>
+              <a:t>AGGREGATION</a:t>
+            </a:r>
+          </a:p>
+          <a:p>
+            <a:r>
+              <a:rPr lang="pt-BR" sz="7200" b="1" dirty="0">
+                <a:effectLst>
+                  <a:outerShdw blurRad="50800" dist="38100" dir="2700000" algn="tl" rotWithShape="0">
+                    <a:prstClr val="black">
+                      <a:alpha val="40000"/>
+                    </a:prstClr>
+                  </a:outerShdw>
+                </a:effectLst>
+              </a:rPr>
+              <a:t>FRAMEWORKS</a:t>
             </a:r>
           </a:p>
         </p:txBody>
@@ -10299,7 +10842,170 @@
     </p:spTree>
     <p:extLst>
       <p:ext uri="{BB962C8B-B14F-4D97-AF65-F5344CB8AC3E}">
-        <p14:creationId xmlns:p14="http://schemas.microsoft.com/office/powerpoint/2010/main" val="1859950295"/>
+        <p14:creationId xmlns:p14="http://schemas.microsoft.com/office/powerpoint/2010/main" val="454187441"/>
+      </p:ext>
+    </p:extLst>
+  </p:cSld>
+  <p:clrMapOvr>
+    <a:masterClrMapping/>
+  </p:clrMapOvr>
+</p:sld>
+</file>
+
+<file path=ppt/slides/slide25.xml><?xml version="1.0" encoding="utf-8"?>
+<p:sld xmlns:a="http://schemas.openxmlformats.org/drawingml/2006/main" xmlns:r="http://schemas.openxmlformats.org/officeDocument/2006/relationships" xmlns:p="http://schemas.openxmlformats.org/presentationml/2006/main">
+  <p:cSld>
+    <p:spTree>
+      <p:nvGrpSpPr>
+        <p:cNvPr id="1" name=""/>
+        <p:cNvGrpSpPr/>
+        <p:nvPr/>
+      </p:nvGrpSpPr>
+      <p:grpSpPr>
+        <a:xfrm>
+          <a:off x="0" y="0"/>
+          <a:ext cx="0" cy="0"/>
+          <a:chOff x="0" y="0"/>
+          <a:chExt cx="0" cy="0"/>
+        </a:xfrm>
+      </p:grpSpPr>
+      <p:sp>
+        <p:nvSpPr>
+          <p:cNvPr id="2" name="Título 1">
+            <a:extLst>
+              <a:ext uri="{FF2B5EF4-FFF2-40B4-BE49-F238E27FC236}">
+                <a16:creationId xmlns:a16="http://schemas.microsoft.com/office/drawing/2014/main" id="{F0EA80E2-15DD-ABEB-539C-D3721B78C834}"/>
+              </a:ext>
+            </a:extLst>
+          </p:cNvPr>
+          <p:cNvSpPr>
+            <a:spLocks noGrp="1"/>
+          </p:cNvSpPr>
+          <p:nvPr>
+            <p:ph type="title"/>
+          </p:nvPr>
+        </p:nvSpPr>
+        <p:spPr/>
+        <p:txBody>
+          <a:bodyPr/>
+          <a:lstStyle/>
+          <a:p>
+            <a:r>
+              <a:rPr lang="pt-BR" b="1" i="0" dirty="0" err="1">
+                <a:effectLst/>
+                <a:latin typeface="Söhne"/>
+              </a:rPr>
+              <a:t>Aggregation</a:t>
+            </a:r>
+            <a:r>
+              <a:rPr lang="pt-BR" b="1" i="0" dirty="0">
+                <a:effectLst/>
+                <a:latin typeface="Söhne"/>
+              </a:rPr>
+              <a:t> Frameworks</a:t>
+            </a:r>
+            <a:br>
+              <a:rPr lang="pt-BR" b="1" i="0" dirty="0">
+                <a:effectLst/>
+                <a:latin typeface="Söhne"/>
+              </a:rPr>
+            </a:br>
+            <a:r>
+              <a:rPr lang="pt-BR" sz="2000" dirty="0">
+                <a:latin typeface="Söhne"/>
+              </a:rPr>
+              <a:t>Uso de pipelines para processamento de dados.</a:t>
+            </a:r>
+            <a:endParaRPr lang="pt-BR" dirty="0"/>
+          </a:p>
+        </p:txBody>
+      </p:sp>
+      <p:sp>
+        <p:nvSpPr>
+          <p:cNvPr id="3" name="Espaço Reservado para Conteúdo 2">
+            <a:extLst>
+              <a:ext uri="{FF2B5EF4-FFF2-40B4-BE49-F238E27FC236}">
+                <a16:creationId xmlns:a16="http://schemas.microsoft.com/office/drawing/2014/main" id="{1812B3A2-0B9F-7A1D-29BE-5783C0E7C666}"/>
+              </a:ext>
+            </a:extLst>
+          </p:cNvPr>
+          <p:cNvSpPr>
+            <a:spLocks noGrp="1"/>
+          </p:cNvSpPr>
+          <p:nvPr>
+            <p:ph idx="1"/>
+          </p:nvPr>
+        </p:nvSpPr>
+        <p:spPr/>
+        <p:txBody>
+          <a:bodyPr/>
+          <a:lstStyle/>
+          <a:p>
+            <a:endParaRPr lang="pt-BR" dirty="0"/>
+          </a:p>
+        </p:txBody>
+      </p:sp>
+      <p:sp>
+        <p:nvSpPr>
+          <p:cNvPr id="4" name="Espaço Reservado para Rodapé 3">
+            <a:extLst>
+              <a:ext uri="{FF2B5EF4-FFF2-40B4-BE49-F238E27FC236}">
+                <a16:creationId xmlns:a16="http://schemas.microsoft.com/office/drawing/2014/main" id="{6739F8A8-C8BA-402C-CBC7-A02F2C81E04B}"/>
+              </a:ext>
+            </a:extLst>
+          </p:cNvPr>
+          <p:cNvSpPr>
+            <a:spLocks noGrp="1"/>
+          </p:cNvSpPr>
+          <p:nvPr>
+            <p:ph type="ftr" sz="quarter" idx="11"/>
+          </p:nvPr>
+        </p:nvSpPr>
+        <p:spPr/>
+        <p:txBody>
+          <a:bodyPr/>
+          <a:lstStyle/>
+          <a:p>
+            <a:r>
+              <a:rPr lang="pt-BR" dirty="0"/>
+              <a:t>https://lucas.gardini.dev</a:t>
+            </a:r>
+          </a:p>
+        </p:txBody>
+      </p:sp>
+      <p:sp>
+        <p:nvSpPr>
+          <p:cNvPr id="5" name="Espaço Reservado para Número de Slide 4">
+            <a:extLst>
+              <a:ext uri="{FF2B5EF4-FFF2-40B4-BE49-F238E27FC236}">
+                <a16:creationId xmlns:a16="http://schemas.microsoft.com/office/drawing/2014/main" id="{DE18193C-5A4B-8531-1D52-CBD20E415CBF}"/>
+              </a:ext>
+            </a:extLst>
+          </p:cNvPr>
+          <p:cNvSpPr>
+            <a:spLocks noGrp="1"/>
+          </p:cNvSpPr>
+          <p:nvPr>
+            <p:ph type="sldNum" sz="quarter" idx="12"/>
+          </p:nvPr>
+        </p:nvSpPr>
+        <p:spPr/>
+        <p:txBody>
+          <a:bodyPr/>
+          <a:lstStyle/>
+          <a:p>
+            <a:fld id="{25237327-9CA3-4762-8749-00D99BA09B6B}" type="slidenum">
+              <a:rPr lang="pt-BR" smtClean="0"/>
+              <a:t>25</a:t>
+            </a:fld>
+            <a:endParaRPr lang="pt-BR"/>
+          </a:p>
+        </p:txBody>
+      </p:sp>
+    </p:spTree>
+    <p:extLst>
+      <p:ext uri="{BB962C8B-B14F-4D97-AF65-F5344CB8AC3E}">
+        <p14:creationId xmlns:p14="http://schemas.microsoft.com/office/powerpoint/2010/main" val="3911855200"/>
       </p:ext>
     </p:extLst>
   </p:cSld>
@@ -10348,11 +11054,18 @@
           <a:lstStyle/>
           <a:p>
             <a:r>
+              <a:rPr lang="pt-BR" b="1" i="0" dirty="0" err="1">
+                <a:effectLst/>
+                <a:latin typeface="Söhne"/>
+              </a:rPr>
+              <a:t>Aggregation</a:t>
+            </a:r>
+            <a:r>
               <a:rPr lang="pt-BR" b="1" i="0" dirty="0">
                 <a:effectLst/>
                 <a:latin typeface="Söhne"/>
               </a:rPr>
-              <a:t>Segurança</a:t>
+              <a:t> Frameworks</a:t>
             </a:r>
             <a:br>
               <a:rPr lang="pt-BR" b="1" i="0" dirty="0">
@@ -10364,7 +11077,7 @@
               <a:rPr lang="pt-BR" sz="2000" dirty="0">
                 <a:latin typeface="Söhne"/>
               </a:rPr>
-              <a:t>Autenticação e autorização.</a:t>
+              <a:t>Exemplos práticos.</a:t>
             </a:r>
             <a:endParaRPr lang="pt-BR" dirty="0"/>
           </a:p>
@@ -10455,7 +11168,7 @@
     </p:spTree>
     <p:extLst>
       <p:ext uri="{BB962C8B-B14F-4D97-AF65-F5344CB8AC3E}">
-        <p14:creationId xmlns:p14="http://schemas.microsoft.com/office/powerpoint/2010/main" val="1900832391"/>
+        <p14:creationId xmlns:p14="http://schemas.microsoft.com/office/powerpoint/2010/main" val="164609262"/>
       </p:ext>
     </p:extLst>
   </p:cSld>
@@ -10484,162 +11197,6 @@
       </p:grpSpPr>
       <p:sp>
         <p:nvSpPr>
-          <p:cNvPr id="2" name="Título 1">
-            <a:extLst>
-              <a:ext uri="{FF2B5EF4-FFF2-40B4-BE49-F238E27FC236}">
-                <a16:creationId xmlns:a16="http://schemas.microsoft.com/office/drawing/2014/main" id="{F0EA80E2-15DD-ABEB-539C-D3721B78C834}"/>
-              </a:ext>
-            </a:extLst>
-          </p:cNvPr>
-          <p:cNvSpPr>
-            <a:spLocks noGrp="1"/>
-          </p:cNvSpPr>
-          <p:nvPr>
-            <p:ph type="title"/>
-          </p:nvPr>
-        </p:nvSpPr>
-        <p:spPr/>
-        <p:txBody>
-          <a:bodyPr/>
-          <a:lstStyle/>
-          <a:p>
-            <a:r>
-              <a:rPr lang="pt-BR" b="1" i="0" dirty="0">
-                <a:effectLst/>
-                <a:latin typeface="Söhne"/>
-              </a:rPr>
-              <a:t>Segurança</a:t>
-            </a:r>
-            <a:br>
-              <a:rPr lang="pt-BR" b="1" i="0" dirty="0">
-                <a:effectLst/>
-                <a:latin typeface="Söhne"/>
-              </a:rPr>
-            </a:br>
-            <a:r>
-              <a:rPr lang="pt-BR" sz="2000" dirty="0">
-                <a:latin typeface="Söhne"/>
-              </a:rPr>
-              <a:t>Boas práticas de segurança.</a:t>
-            </a:r>
-            <a:endParaRPr lang="pt-BR" dirty="0"/>
-          </a:p>
-        </p:txBody>
-      </p:sp>
-      <p:sp>
-        <p:nvSpPr>
-          <p:cNvPr id="3" name="Espaço Reservado para Conteúdo 2">
-            <a:extLst>
-              <a:ext uri="{FF2B5EF4-FFF2-40B4-BE49-F238E27FC236}">
-                <a16:creationId xmlns:a16="http://schemas.microsoft.com/office/drawing/2014/main" id="{1812B3A2-0B9F-7A1D-29BE-5783C0E7C666}"/>
-              </a:ext>
-            </a:extLst>
-          </p:cNvPr>
-          <p:cNvSpPr>
-            <a:spLocks noGrp="1"/>
-          </p:cNvSpPr>
-          <p:nvPr>
-            <p:ph idx="1"/>
-          </p:nvPr>
-        </p:nvSpPr>
-        <p:spPr/>
-        <p:txBody>
-          <a:bodyPr/>
-          <a:lstStyle/>
-          <a:p>
-            <a:endParaRPr lang="pt-BR" dirty="0"/>
-          </a:p>
-        </p:txBody>
-      </p:sp>
-      <p:sp>
-        <p:nvSpPr>
-          <p:cNvPr id="4" name="Espaço Reservado para Rodapé 3">
-            <a:extLst>
-              <a:ext uri="{FF2B5EF4-FFF2-40B4-BE49-F238E27FC236}">
-                <a16:creationId xmlns:a16="http://schemas.microsoft.com/office/drawing/2014/main" id="{6739F8A8-C8BA-402C-CBC7-A02F2C81E04B}"/>
-              </a:ext>
-            </a:extLst>
-          </p:cNvPr>
-          <p:cNvSpPr>
-            <a:spLocks noGrp="1"/>
-          </p:cNvSpPr>
-          <p:nvPr>
-            <p:ph type="ftr" sz="quarter" idx="11"/>
-          </p:nvPr>
-        </p:nvSpPr>
-        <p:spPr/>
-        <p:txBody>
-          <a:bodyPr/>
-          <a:lstStyle/>
-          <a:p>
-            <a:r>
-              <a:rPr lang="pt-BR" dirty="0"/>
-              <a:t>https://lucas.gardini.dev</a:t>
-            </a:r>
-          </a:p>
-        </p:txBody>
-      </p:sp>
-      <p:sp>
-        <p:nvSpPr>
-          <p:cNvPr id="5" name="Espaço Reservado para Número de Slide 4">
-            <a:extLst>
-              <a:ext uri="{FF2B5EF4-FFF2-40B4-BE49-F238E27FC236}">
-                <a16:creationId xmlns:a16="http://schemas.microsoft.com/office/drawing/2014/main" id="{DE18193C-5A4B-8531-1D52-CBD20E415CBF}"/>
-              </a:ext>
-            </a:extLst>
-          </p:cNvPr>
-          <p:cNvSpPr>
-            <a:spLocks noGrp="1"/>
-          </p:cNvSpPr>
-          <p:nvPr>
-            <p:ph type="sldNum" sz="quarter" idx="12"/>
-          </p:nvPr>
-        </p:nvSpPr>
-        <p:spPr/>
-        <p:txBody>
-          <a:bodyPr/>
-          <a:lstStyle/>
-          <a:p>
-            <a:fld id="{25237327-9CA3-4762-8749-00D99BA09B6B}" type="slidenum">
-              <a:rPr lang="pt-BR" smtClean="0"/>
-              <a:t>27</a:t>
-            </a:fld>
-            <a:endParaRPr lang="pt-BR"/>
-          </a:p>
-        </p:txBody>
-      </p:sp>
-    </p:spTree>
-    <p:extLst>
-      <p:ext uri="{BB962C8B-B14F-4D97-AF65-F5344CB8AC3E}">
-        <p14:creationId xmlns:p14="http://schemas.microsoft.com/office/powerpoint/2010/main" val="2782248189"/>
-      </p:ext>
-    </p:extLst>
-  </p:cSld>
-  <p:clrMapOvr>
-    <a:masterClrMapping/>
-  </p:clrMapOvr>
-</p:sld>
-</file>
-
-<file path=ppt/slides/slide28.xml><?xml version="1.0" encoding="utf-8"?>
-<p:sld xmlns:a="http://schemas.openxmlformats.org/drawingml/2006/main" xmlns:r="http://schemas.openxmlformats.org/officeDocument/2006/relationships" xmlns:p="http://schemas.openxmlformats.org/presentationml/2006/main">
-  <p:cSld>
-    <p:spTree>
-      <p:nvGrpSpPr>
-        <p:cNvPr id="1" name=""/>
-        <p:cNvGrpSpPr/>
-        <p:nvPr/>
-      </p:nvGrpSpPr>
-      <p:grpSpPr>
-        <a:xfrm>
-          <a:off x="0" y="0"/>
-          <a:ext cx="0" cy="0"/>
-          <a:chOff x="0" y="0"/>
-          <a:chExt cx="0" cy="0"/>
-        </a:xfrm>
-      </p:grpSpPr>
-      <p:sp>
-        <p:nvSpPr>
           <p:cNvPr id="4" name="Espaço Reservado para Número de Slide 3">
             <a:extLst>
               <a:ext uri="{FF2B5EF4-FFF2-40B4-BE49-F238E27FC236}">
@@ -10670,7 +11227,7 @@
                   <a:schemeClr val="tx1"/>
                 </a:solidFill>
               </a:rPr>
-              <a:t>28</a:t>
+              <a:t>27</a:t>
             </a:fld>
             <a:endParaRPr lang="pt-BR" b="1" dirty="0">
               <a:solidFill>
@@ -10878,7 +11435,7 @@
         <p:spPr>
           <a:xfrm>
             <a:off x="670272" y="1726164"/>
-            <a:ext cx="7146508" cy="2308324"/>
+            <a:ext cx="5817618" cy="1200329"/>
           </a:xfrm>
           <a:prstGeom prst="rect">
             <a:avLst/>
@@ -10901,21 +11458,7 @@
                   </a:outerShdw>
                 </a:effectLst>
               </a:rPr>
-              <a:t>FERRAMENTAS E</a:t>
-            </a:r>
-          </a:p>
-          <a:p>
-            <a:r>
-              <a:rPr lang="pt-BR" sz="7200" b="1" dirty="0">
-                <a:effectLst>
-                  <a:outerShdw blurRad="50800" dist="38100" dir="2700000" algn="tl" rotWithShape="0">
-                    <a:prstClr val="black">
-                      <a:alpha val="40000"/>
-                    </a:prstClr>
-                  </a:outerShdw>
-                </a:effectLst>
-              </a:rPr>
-              <a:t>ECOSSISTEMA</a:t>
+              <a:t>SEGURANÇA</a:t>
             </a:r>
           </a:p>
         </p:txBody>
@@ -10923,7 +11466,163 @@
     </p:spTree>
     <p:extLst>
       <p:ext uri="{BB962C8B-B14F-4D97-AF65-F5344CB8AC3E}">
-        <p14:creationId xmlns:p14="http://schemas.microsoft.com/office/powerpoint/2010/main" val="1293162682"/>
+        <p14:creationId xmlns:p14="http://schemas.microsoft.com/office/powerpoint/2010/main" val="1859950295"/>
+      </p:ext>
+    </p:extLst>
+  </p:cSld>
+  <p:clrMapOvr>
+    <a:masterClrMapping/>
+  </p:clrMapOvr>
+</p:sld>
+</file>
+
+<file path=ppt/slides/slide28.xml><?xml version="1.0" encoding="utf-8"?>
+<p:sld xmlns:a="http://schemas.openxmlformats.org/drawingml/2006/main" xmlns:r="http://schemas.openxmlformats.org/officeDocument/2006/relationships" xmlns:p="http://schemas.openxmlformats.org/presentationml/2006/main">
+  <p:cSld>
+    <p:spTree>
+      <p:nvGrpSpPr>
+        <p:cNvPr id="1" name=""/>
+        <p:cNvGrpSpPr/>
+        <p:nvPr/>
+      </p:nvGrpSpPr>
+      <p:grpSpPr>
+        <a:xfrm>
+          <a:off x="0" y="0"/>
+          <a:ext cx="0" cy="0"/>
+          <a:chOff x="0" y="0"/>
+          <a:chExt cx="0" cy="0"/>
+        </a:xfrm>
+      </p:grpSpPr>
+      <p:sp>
+        <p:nvSpPr>
+          <p:cNvPr id="2" name="Título 1">
+            <a:extLst>
+              <a:ext uri="{FF2B5EF4-FFF2-40B4-BE49-F238E27FC236}">
+                <a16:creationId xmlns:a16="http://schemas.microsoft.com/office/drawing/2014/main" id="{F0EA80E2-15DD-ABEB-539C-D3721B78C834}"/>
+              </a:ext>
+            </a:extLst>
+          </p:cNvPr>
+          <p:cNvSpPr>
+            <a:spLocks noGrp="1"/>
+          </p:cNvSpPr>
+          <p:nvPr>
+            <p:ph type="title"/>
+          </p:nvPr>
+        </p:nvSpPr>
+        <p:spPr/>
+        <p:txBody>
+          <a:bodyPr/>
+          <a:lstStyle/>
+          <a:p>
+            <a:r>
+              <a:rPr lang="pt-BR" b="1" i="0" dirty="0">
+                <a:effectLst/>
+                <a:latin typeface="Söhne"/>
+              </a:rPr>
+              <a:t>Segurança</a:t>
+            </a:r>
+            <a:br>
+              <a:rPr lang="pt-BR" b="1" i="0" dirty="0">
+                <a:effectLst/>
+                <a:latin typeface="Söhne"/>
+              </a:rPr>
+            </a:br>
+            <a:r>
+              <a:rPr lang="pt-BR" sz="2000" dirty="0">
+                <a:latin typeface="Söhne"/>
+              </a:rPr>
+              <a:t>Autenticação e autorização.</a:t>
+            </a:r>
+            <a:endParaRPr lang="pt-BR" dirty="0"/>
+          </a:p>
+        </p:txBody>
+      </p:sp>
+      <p:sp>
+        <p:nvSpPr>
+          <p:cNvPr id="3" name="Espaço Reservado para Conteúdo 2">
+            <a:extLst>
+              <a:ext uri="{FF2B5EF4-FFF2-40B4-BE49-F238E27FC236}">
+                <a16:creationId xmlns:a16="http://schemas.microsoft.com/office/drawing/2014/main" id="{1812B3A2-0B9F-7A1D-29BE-5783C0E7C666}"/>
+              </a:ext>
+            </a:extLst>
+          </p:cNvPr>
+          <p:cNvSpPr>
+            <a:spLocks noGrp="1"/>
+          </p:cNvSpPr>
+          <p:nvPr>
+            <p:ph idx="1"/>
+          </p:nvPr>
+        </p:nvSpPr>
+        <p:spPr/>
+        <p:txBody>
+          <a:bodyPr/>
+          <a:lstStyle/>
+          <a:p>
+            <a:endParaRPr lang="pt-BR" dirty="0"/>
+          </a:p>
+        </p:txBody>
+      </p:sp>
+      <p:sp>
+        <p:nvSpPr>
+          <p:cNvPr id="4" name="Espaço Reservado para Rodapé 3">
+            <a:extLst>
+              <a:ext uri="{FF2B5EF4-FFF2-40B4-BE49-F238E27FC236}">
+                <a16:creationId xmlns:a16="http://schemas.microsoft.com/office/drawing/2014/main" id="{6739F8A8-C8BA-402C-CBC7-A02F2C81E04B}"/>
+              </a:ext>
+            </a:extLst>
+          </p:cNvPr>
+          <p:cNvSpPr>
+            <a:spLocks noGrp="1"/>
+          </p:cNvSpPr>
+          <p:nvPr>
+            <p:ph type="ftr" sz="quarter" idx="11"/>
+          </p:nvPr>
+        </p:nvSpPr>
+        <p:spPr/>
+        <p:txBody>
+          <a:bodyPr/>
+          <a:lstStyle/>
+          <a:p>
+            <a:r>
+              <a:rPr lang="pt-BR" dirty="0"/>
+              <a:t>https://lucas.gardini.dev</a:t>
+            </a:r>
+          </a:p>
+        </p:txBody>
+      </p:sp>
+      <p:sp>
+        <p:nvSpPr>
+          <p:cNvPr id="5" name="Espaço Reservado para Número de Slide 4">
+            <a:extLst>
+              <a:ext uri="{FF2B5EF4-FFF2-40B4-BE49-F238E27FC236}">
+                <a16:creationId xmlns:a16="http://schemas.microsoft.com/office/drawing/2014/main" id="{DE18193C-5A4B-8531-1D52-CBD20E415CBF}"/>
+              </a:ext>
+            </a:extLst>
+          </p:cNvPr>
+          <p:cNvSpPr>
+            <a:spLocks noGrp="1"/>
+          </p:cNvSpPr>
+          <p:nvPr>
+            <p:ph type="sldNum" sz="quarter" idx="12"/>
+          </p:nvPr>
+        </p:nvSpPr>
+        <p:spPr/>
+        <p:txBody>
+          <a:bodyPr/>
+          <a:lstStyle/>
+          <a:p>
+            <a:fld id="{25237327-9CA3-4762-8749-00D99BA09B6B}" type="slidenum">
+              <a:rPr lang="pt-BR" smtClean="0"/>
+              <a:t>28</a:t>
+            </a:fld>
+            <a:endParaRPr lang="pt-BR"/>
+          </a:p>
+        </p:txBody>
+      </p:sp>
+    </p:spTree>
+    <p:extLst>
+      <p:ext uri="{BB962C8B-B14F-4D97-AF65-F5344CB8AC3E}">
+        <p14:creationId xmlns:p14="http://schemas.microsoft.com/office/powerpoint/2010/main" val="1900832391"/>
       </p:ext>
     </p:extLst>
   </p:cSld>
@@ -10976,7 +11675,7 @@
                 <a:effectLst/>
                 <a:latin typeface="Söhne"/>
               </a:rPr>
-              <a:t>Ferramentas e Ecossistema</a:t>
+              <a:t>Segurança</a:t>
             </a:r>
             <a:br>
               <a:rPr lang="pt-BR" b="1" i="0" dirty="0">
@@ -10988,7 +11687,7 @@
               <a:rPr lang="pt-BR" sz="2000" dirty="0">
                 <a:latin typeface="Söhne"/>
               </a:rPr>
-              <a:t>Compass: a ferramenta oficial de GUI.</a:t>
+              <a:t>Boas práticas de segurança.</a:t>
             </a:r>
             <a:endParaRPr lang="pt-BR" dirty="0"/>
           </a:p>
@@ -11079,7 +11778,7 @@
     </p:spTree>
     <p:extLst>
       <p:ext uri="{BB962C8B-B14F-4D97-AF65-F5344CB8AC3E}">
-        <p14:creationId xmlns:p14="http://schemas.microsoft.com/office/powerpoint/2010/main" val="3929898778"/>
+        <p14:creationId xmlns:p14="http://schemas.microsoft.com/office/powerpoint/2010/main" val="2782248189"/>
       </p:ext>
     </p:extLst>
   </p:cSld>
@@ -11152,21 +11851,21 @@
                 <a:effectLst/>
                 <a:latin typeface="Söhne"/>
               </a:rPr>
-              <a:t>Breve histórico e evolução do </a:t>
+              <a:t>O que é um banco de dados </a:t>
             </a:r>
             <a:r>
               <a:rPr lang="pt-BR" sz="2000" b="1" i="0" dirty="0" err="1">
                 <a:effectLst/>
                 <a:latin typeface="Söhne"/>
               </a:rPr>
-              <a:t>MongoDB</a:t>
+              <a:t>NoSQL</a:t>
             </a:r>
             <a:r>
               <a:rPr lang="pt-BR" sz="2000" b="1" i="0" dirty="0">
                 <a:effectLst/>
                 <a:latin typeface="Söhne"/>
               </a:rPr>
-              <a:t>.</a:t>
+              <a:t>?</a:t>
             </a:r>
             <a:endParaRPr lang="pt-BR" dirty="0"/>
           </a:p>
@@ -11188,12 +11887,145 @@
             <p:ph idx="1"/>
           </p:nvPr>
         </p:nvSpPr>
-        <p:spPr/>
-        <p:txBody>
-          <a:bodyPr/>
-          <a:lstStyle/>
-          <a:p>
-            <a:endParaRPr lang="pt-BR" dirty="0"/>
+        <p:spPr>
+          <a:xfrm>
+            <a:off x="818712" y="2660437"/>
+            <a:ext cx="10554574" cy="3636511"/>
+          </a:xfrm>
+        </p:spPr>
+        <p:txBody>
+          <a:bodyPr anchor="t"/>
+          <a:lstStyle/>
+          <a:p>
+            <a:pPr marL="0" indent="0" algn="just">
+              <a:buNone/>
+            </a:pPr>
+            <a:r>
+              <a:rPr lang="pt-BR" dirty="0">
+                <a:latin typeface="Segoe UI" panose="020B0502040204020203" pitchFamily="34" charset="0"/>
+                <a:cs typeface="Segoe UI" panose="020B0502040204020203" pitchFamily="34" charset="0"/>
+              </a:rPr>
+              <a:t>Bancos de dados </a:t>
+            </a:r>
+            <a:r>
+              <a:rPr lang="pt-BR" dirty="0" err="1">
+                <a:latin typeface="Segoe UI" panose="020B0502040204020203" pitchFamily="34" charset="0"/>
+                <a:cs typeface="Segoe UI" panose="020B0502040204020203" pitchFamily="34" charset="0"/>
+              </a:rPr>
+              <a:t>NoSQL</a:t>
+            </a:r>
+            <a:r>
+              <a:rPr lang="pt-BR" dirty="0">
+                <a:latin typeface="Segoe UI" panose="020B0502040204020203" pitchFamily="34" charset="0"/>
+                <a:cs typeface="Segoe UI" panose="020B0502040204020203" pitchFamily="34" charset="0"/>
+              </a:rPr>
+              <a:t> (também conhecidos como "</a:t>
+            </a:r>
+            <a:r>
+              <a:rPr lang="pt-BR" dirty="0" err="1">
+                <a:latin typeface="Segoe UI" panose="020B0502040204020203" pitchFamily="34" charset="0"/>
+                <a:cs typeface="Segoe UI" panose="020B0502040204020203" pitchFamily="34" charset="0"/>
+              </a:rPr>
+              <a:t>not</a:t>
+            </a:r>
+            <a:r>
+              <a:rPr lang="pt-BR" dirty="0">
+                <a:latin typeface="Segoe UI" panose="020B0502040204020203" pitchFamily="34" charset="0"/>
+                <a:cs typeface="Segoe UI" panose="020B0502040204020203" pitchFamily="34" charset="0"/>
+              </a:rPr>
+              <a:t> </a:t>
+            </a:r>
+            <a:r>
+              <a:rPr lang="pt-BR" dirty="0" err="1">
+                <a:latin typeface="Segoe UI" panose="020B0502040204020203" pitchFamily="34" charset="0"/>
+                <a:cs typeface="Segoe UI" panose="020B0502040204020203" pitchFamily="34" charset="0"/>
+              </a:rPr>
+              <a:t>only</a:t>
+            </a:r>
+            <a:r>
+              <a:rPr lang="pt-BR" dirty="0">
+                <a:latin typeface="Segoe UI" panose="020B0502040204020203" pitchFamily="34" charset="0"/>
+                <a:cs typeface="Segoe UI" panose="020B0502040204020203" pitchFamily="34" charset="0"/>
+              </a:rPr>
+              <a:t> SQL") são bancos de dados não tabulares (sem tabelas) que armazenam dados de maneira diferente das tabelas relacionais.</a:t>
+            </a:r>
+          </a:p>
+          <a:p>
+            <a:pPr marL="0" indent="0" algn="just">
+              <a:buNone/>
+            </a:pPr>
+            <a:endParaRPr lang="pt-BR" dirty="0">
+              <a:latin typeface="Segoe UI" panose="020B0502040204020203" pitchFamily="34" charset="0"/>
+              <a:cs typeface="Segoe UI" panose="020B0502040204020203" pitchFamily="34" charset="0"/>
+            </a:endParaRPr>
+          </a:p>
+          <a:p>
+            <a:pPr marL="0" indent="0" algn="just">
+              <a:buNone/>
+            </a:pPr>
+            <a:r>
+              <a:rPr lang="pt-BR" dirty="0">
+                <a:latin typeface="Segoe UI" panose="020B0502040204020203" pitchFamily="34" charset="0"/>
+                <a:cs typeface="Segoe UI" panose="020B0502040204020203" pitchFamily="34" charset="0"/>
+              </a:rPr>
+              <a:t>Bancos de dados </a:t>
+            </a:r>
+            <a:r>
+              <a:rPr lang="pt-BR" dirty="0" err="1">
+                <a:latin typeface="Segoe UI" panose="020B0502040204020203" pitchFamily="34" charset="0"/>
+                <a:cs typeface="Segoe UI" panose="020B0502040204020203" pitchFamily="34" charset="0"/>
+              </a:rPr>
+              <a:t>NoSQL</a:t>
+            </a:r>
+            <a:r>
+              <a:rPr lang="pt-BR" dirty="0">
+                <a:latin typeface="Segoe UI" panose="020B0502040204020203" pitchFamily="34" charset="0"/>
+                <a:cs typeface="Segoe UI" panose="020B0502040204020203" pitchFamily="34" charset="0"/>
+              </a:rPr>
+              <a:t> vêm em uma variedade de tipos com base em seu modelo de dados.</a:t>
+            </a:r>
+          </a:p>
+          <a:p>
+            <a:pPr marL="0" indent="0" algn="just">
+              <a:buNone/>
+            </a:pPr>
+            <a:endParaRPr lang="pt-BR" dirty="0">
+              <a:latin typeface="Segoe UI" panose="020B0502040204020203" pitchFamily="34" charset="0"/>
+              <a:cs typeface="Segoe UI" panose="020B0502040204020203" pitchFamily="34" charset="0"/>
+            </a:endParaRPr>
+          </a:p>
+          <a:p>
+            <a:pPr marL="0" indent="0" algn="just">
+              <a:buNone/>
+            </a:pPr>
+            <a:r>
+              <a:rPr lang="pt-BR" dirty="0">
+                <a:latin typeface="Segoe UI" panose="020B0502040204020203" pitchFamily="34" charset="0"/>
+                <a:cs typeface="Segoe UI" panose="020B0502040204020203" pitchFamily="34" charset="0"/>
+              </a:rPr>
+              <a:t> Os principais tipos são documento, chave-valor e grafo. </a:t>
+            </a:r>
+          </a:p>
+          <a:p>
+            <a:pPr marL="0" indent="0" algn="just">
+              <a:buNone/>
+            </a:pPr>
+            <a:endParaRPr lang="pt-BR" dirty="0">
+              <a:latin typeface="Segoe UI" panose="020B0502040204020203" pitchFamily="34" charset="0"/>
+              <a:cs typeface="Segoe UI" panose="020B0502040204020203" pitchFamily="34" charset="0"/>
+            </a:endParaRPr>
+          </a:p>
+          <a:p>
+            <a:pPr marL="0" indent="0" algn="just">
+              <a:buNone/>
+            </a:pPr>
+            <a:r>
+              <a:rPr lang="pt-BR" dirty="0">
+                <a:latin typeface="Segoe UI" panose="020B0502040204020203" pitchFamily="34" charset="0"/>
+                <a:cs typeface="Segoe UI" panose="020B0502040204020203" pitchFamily="34" charset="0"/>
+              </a:rPr>
+              <a:t>Eles oferecem esquemas flexíveis e escalonam facilmente com grandes volumes de dados e cargas de usuários elevadas.</a:t>
+            </a:r>
           </a:p>
         </p:txBody>
       </p:sp>
@@ -11257,13 +12089,16 @@
     </p:spTree>
     <p:extLst>
       <p:ext uri="{BB962C8B-B14F-4D97-AF65-F5344CB8AC3E}">
-        <p14:creationId xmlns:p14="http://schemas.microsoft.com/office/powerpoint/2010/main" val="1815465601"/>
+        <p14:creationId xmlns:p14="http://schemas.microsoft.com/office/powerpoint/2010/main" val="621010932"/>
       </p:ext>
     </p:extLst>
   </p:cSld>
   <p:clrMapOvr>
     <a:masterClrMapping/>
   </p:clrMapOvr>
+  <p:transition spd="slow">
+    <p:push/>
+  </p:transition>
 </p:sld>
 </file>
 
@@ -11286,162 +12121,6 @@
       </p:grpSpPr>
       <p:sp>
         <p:nvSpPr>
-          <p:cNvPr id="2" name="Título 1">
-            <a:extLst>
-              <a:ext uri="{FF2B5EF4-FFF2-40B4-BE49-F238E27FC236}">
-                <a16:creationId xmlns:a16="http://schemas.microsoft.com/office/drawing/2014/main" id="{F0EA80E2-15DD-ABEB-539C-D3721B78C834}"/>
-              </a:ext>
-            </a:extLst>
-          </p:cNvPr>
-          <p:cNvSpPr>
-            <a:spLocks noGrp="1"/>
-          </p:cNvSpPr>
-          <p:nvPr>
-            <p:ph type="title"/>
-          </p:nvPr>
-        </p:nvSpPr>
-        <p:spPr/>
-        <p:txBody>
-          <a:bodyPr/>
-          <a:lstStyle/>
-          <a:p>
-            <a:r>
-              <a:rPr lang="pt-BR" b="1" i="0" dirty="0">
-                <a:effectLst/>
-                <a:latin typeface="Söhne"/>
-              </a:rPr>
-              <a:t>Ferramentas e Ecossistema</a:t>
-            </a:r>
-            <a:br>
-              <a:rPr lang="pt-BR" b="1" i="0" dirty="0">
-                <a:effectLst/>
-                <a:latin typeface="Söhne"/>
-              </a:rPr>
-            </a:br>
-            <a:r>
-              <a:rPr lang="pt-BR" sz="2000" dirty="0">
-                <a:latin typeface="Söhne"/>
-              </a:rPr>
-              <a:t>Drivers para diferentes linguagens de programação.</a:t>
-            </a:r>
-            <a:endParaRPr lang="pt-BR" dirty="0"/>
-          </a:p>
-        </p:txBody>
-      </p:sp>
-      <p:sp>
-        <p:nvSpPr>
-          <p:cNvPr id="3" name="Espaço Reservado para Conteúdo 2">
-            <a:extLst>
-              <a:ext uri="{FF2B5EF4-FFF2-40B4-BE49-F238E27FC236}">
-                <a16:creationId xmlns:a16="http://schemas.microsoft.com/office/drawing/2014/main" id="{1812B3A2-0B9F-7A1D-29BE-5783C0E7C666}"/>
-              </a:ext>
-            </a:extLst>
-          </p:cNvPr>
-          <p:cNvSpPr>
-            <a:spLocks noGrp="1"/>
-          </p:cNvSpPr>
-          <p:nvPr>
-            <p:ph idx="1"/>
-          </p:nvPr>
-        </p:nvSpPr>
-        <p:spPr/>
-        <p:txBody>
-          <a:bodyPr/>
-          <a:lstStyle/>
-          <a:p>
-            <a:endParaRPr lang="pt-BR" dirty="0"/>
-          </a:p>
-        </p:txBody>
-      </p:sp>
-      <p:sp>
-        <p:nvSpPr>
-          <p:cNvPr id="4" name="Espaço Reservado para Rodapé 3">
-            <a:extLst>
-              <a:ext uri="{FF2B5EF4-FFF2-40B4-BE49-F238E27FC236}">
-                <a16:creationId xmlns:a16="http://schemas.microsoft.com/office/drawing/2014/main" id="{6739F8A8-C8BA-402C-CBC7-A02F2C81E04B}"/>
-              </a:ext>
-            </a:extLst>
-          </p:cNvPr>
-          <p:cNvSpPr>
-            <a:spLocks noGrp="1"/>
-          </p:cNvSpPr>
-          <p:nvPr>
-            <p:ph type="ftr" sz="quarter" idx="11"/>
-          </p:nvPr>
-        </p:nvSpPr>
-        <p:spPr/>
-        <p:txBody>
-          <a:bodyPr/>
-          <a:lstStyle/>
-          <a:p>
-            <a:r>
-              <a:rPr lang="pt-BR" dirty="0"/>
-              <a:t>https://lucas.gardini.dev</a:t>
-            </a:r>
-          </a:p>
-        </p:txBody>
-      </p:sp>
-      <p:sp>
-        <p:nvSpPr>
-          <p:cNvPr id="5" name="Espaço Reservado para Número de Slide 4">
-            <a:extLst>
-              <a:ext uri="{FF2B5EF4-FFF2-40B4-BE49-F238E27FC236}">
-                <a16:creationId xmlns:a16="http://schemas.microsoft.com/office/drawing/2014/main" id="{DE18193C-5A4B-8531-1D52-CBD20E415CBF}"/>
-              </a:ext>
-            </a:extLst>
-          </p:cNvPr>
-          <p:cNvSpPr>
-            <a:spLocks noGrp="1"/>
-          </p:cNvSpPr>
-          <p:nvPr>
-            <p:ph type="sldNum" sz="quarter" idx="12"/>
-          </p:nvPr>
-        </p:nvSpPr>
-        <p:spPr/>
-        <p:txBody>
-          <a:bodyPr/>
-          <a:lstStyle/>
-          <a:p>
-            <a:fld id="{25237327-9CA3-4762-8749-00D99BA09B6B}" type="slidenum">
-              <a:rPr lang="pt-BR" smtClean="0"/>
-              <a:t>30</a:t>
-            </a:fld>
-            <a:endParaRPr lang="pt-BR"/>
-          </a:p>
-        </p:txBody>
-      </p:sp>
-    </p:spTree>
-    <p:extLst>
-      <p:ext uri="{BB962C8B-B14F-4D97-AF65-F5344CB8AC3E}">
-        <p14:creationId xmlns:p14="http://schemas.microsoft.com/office/powerpoint/2010/main" val="139497607"/>
-      </p:ext>
-    </p:extLst>
-  </p:cSld>
-  <p:clrMapOvr>
-    <a:masterClrMapping/>
-  </p:clrMapOvr>
-</p:sld>
-</file>
-
-<file path=ppt/slides/slide31.xml><?xml version="1.0" encoding="utf-8"?>
-<p:sld xmlns:a="http://schemas.openxmlformats.org/drawingml/2006/main" xmlns:r="http://schemas.openxmlformats.org/officeDocument/2006/relationships" xmlns:p="http://schemas.openxmlformats.org/presentationml/2006/main">
-  <p:cSld>
-    <p:spTree>
-      <p:nvGrpSpPr>
-        <p:cNvPr id="1" name=""/>
-        <p:cNvGrpSpPr/>
-        <p:nvPr/>
-      </p:nvGrpSpPr>
-      <p:grpSpPr>
-        <a:xfrm>
-          <a:off x="0" y="0"/>
-          <a:ext cx="0" cy="0"/>
-          <a:chOff x="0" y="0"/>
-          <a:chExt cx="0" cy="0"/>
-        </a:xfrm>
-      </p:grpSpPr>
-      <p:sp>
-        <p:nvSpPr>
           <p:cNvPr id="4" name="Espaço Reservado para Número de Slide 3">
             <a:extLst>
               <a:ext uri="{FF2B5EF4-FFF2-40B4-BE49-F238E27FC236}">
@@ -11472,7 +12151,7 @@
                   <a:schemeClr val="tx1"/>
                 </a:solidFill>
               </a:rPr>
-              <a:t>31</a:t>
+              <a:t>30</a:t>
             </a:fld>
             <a:endParaRPr lang="pt-BR" b="1" dirty="0">
               <a:solidFill>
@@ -11680,7 +12359,7 @@
         <p:spPr>
           <a:xfrm>
             <a:off x="670272" y="1726164"/>
-            <a:ext cx="6816290" cy="1200329"/>
+            <a:ext cx="7146508" cy="2308324"/>
           </a:xfrm>
           <a:prstGeom prst="rect">
             <a:avLst/>
@@ -11703,7 +12382,21 @@
                   </a:outerShdw>
                 </a:effectLst>
               </a:rPr>
-              <a:t>CASOS DE USO</a:t>
+              <a:t>FERRAMENTAS E</a:t>
+            </a:r>
+          </a:p>
+          <a:p>
+            <a:r>
+              <a:rPr lang="pt-BR" sz="7200" b="1" dirty="0">
+                <a:effectLst>
+                  <a:outerShdw blurRad="50800" dist="38100" dir="2700000" algn="tl" rotWithShape="0">
+                    <a:prstClr val="black">
+                      <a:alpha val="40000"/>
+                    </a:prstClr>
+                  </a:outerShdw>
+                </a:effectLst>
+              </a:rPr>
+              <a:t>ECOSSISTEMA</a:t>
             </a:r>
           </a:p>
         </p:txBody>
@@ -11711,7 +12404,163 @@
     </p:spTree>
     <p:extLst>
       <p:ext uri="{BB962C8B-B14F-4D97-AF65-F5344CB8AC3E}">
-        <p14:creationId xmlns:p14="http://schemas.microsoft.com/office/powerpoint/2010/main" val="207230729"/>
+        <p14:creationId xmlns:p14="http://schemas.microsoft.com/office/powerpoint/2010/main" val="1293162682"/>
+      </p:ext>
+    </p:extLst>
+  </p:cSld>
+  <p:clrMapOvr>
+    <a:masterClrMapping/>
+  </p:clrMapOvr>
+</p:sld>
+</file>
+
+<file path=ppt/slides/slide31.xml><?xml version="1.0" encoding="utf-8"?>
+<p:sld xmlns:a="http://schemas.openxmlformats.org/drawingml/2006/main" xmlns:r="http://schemas.openxmlformats.org/officeDocument/2006/relationships" xmlns:p="http://schemas.openxmlformats.org/presentationml/2006/main">
+  <p:cSld>
+    <p:spTree>
+      <p:nvGrpSpPr>
+        <p:cNvPr id="1" name=""/>
+        <p:cNvGrpSpPr/>
+        <p:nvPr/>
+      </p:nvGrpSpPr>
+      <p:grpSpPr>
+        <a:xfrm>
+          <a:off x="0" y="0"/>
+          <a:ext cx="0" cy="0"/>
+          <a:chOff x="0" y="0"/>
+          <a:chExt cx="0" cy="0"/>
+        </a:xfrm>
+      </p:grpSpPr>
+      <p:sp>
+        <p:nvSpPr>
+          <p:cNvPr id="2" name="Título 1">
+            <a:extLst>
+              <a:ext uri="{FF2B5EF4-FFF2-40B4-BE49-F238E27FC236}">
+                <a16:creationId xmlns:a16="http://schemas.microsoft.com/office/drawing/2014/main" id="{F0EA80E2-15DD-ABEB-539C-D3721B78C834}"/>
+              </a:ext>
+            </a:extLst>
+          </p:cNvPr>
+          <p:cNvSpPr>
+            <a:spLocks noGrp="1"/>
+          </p:cNvSpPr>
+          <p:nvPr>
+            <p:ph type="title"/>
+          </p:nvPr>
+        </p:nvSpPr>
+        <p:spPr/>
+        <p:txBody>
+          <a:bodyPr/>
+          <a:lstStyle/>
+          <a:p>
+            <a:r>
+              <a:rPr lang="pt-BR" b="1" i="0" dirty="0">
+                <a:effectLst/>
+                <a:latin typeface="Söhne"/>
+              </a:rPr>
+              <a:t>Ferramentas e Ecossistema</a:t>
+            </a:r>
+            <a:br>
+              <a:rPr lang="pt-BR" b="1" i="0" dirty="0">
+                <a:effectLst/>
+                <a:latin typeface="Söhne"/>
+              </a:rPr>
+            </a:br>
+            <a:r>
+              <a:rPr lang="pt-BR" sz="2000" dirty="0">
+                <a:latin typeface="Söhne"/>
+              </a:rPr>
+              <a:t>Compass: a ferramenta oficial de GUI.</a:t>
+            </a:r>
+            <a:endParaRPr lang="pt-BR" dirty="0"/>
+          </a:p>
+        </p:txBody>
+      </p:sp>
+      <p:sp>
+        <p:nvSpPr>
+          <p:cNvPr id="3" name="Espaço Reservado para Conteúdo 2">
+            <a:extLst>
+              <a:ext uri="{FF2B5EF4-FFF2-40B4-BE49-F238E27FC236}">
+                <a16:creationId xmlns:a16="http://schemas.microsoft.com/office/drawing/2014/main" id="{1812B3A2-0B9F-7A1D-29BE-5783C0E7C666}"/>
+              </a:ext>
+            </a:extLst>
+          </p:cNvPr>
+          <p:cNvSpPr>
+            <a:spLocks noGrp="1"/>
+          </p:cNvSpPr>
+          <p:nvPr>
+            <p:ph idx="1"/>
+          </p:nvPr>
+        </p:nvSpPr>
+        <p:spPr/>
+        <p:txBody>
+          <a:bodyPr/>
+          <a:lstStyle/>
+          <a:p>
+            <a:endParaRPr lang="pt-BR" dirty="0"/>
+          </a:p>
+        </p:txBody>
+      </p:sp>
+      <p:sp>
+        <p:nvSpPr>
+          <p:cNvPr id="4" name="Espaço Reservado para Rodapé 3">
+            <a:extLst>
+              <a:ext uri="{FF2B5EF4-FFF2-40B4-BE49-F238E27FC236}">
+                <a16:creationId xmlns:a16="http://schemas.microsoft.com/office/drawing/2014/main" id="{6739F8A8-C8BA-402C-CBC7-A02F2C81E04B}"/>
+              </a:ext>
+            </a:extLst>
+          </p:cNvPr>
+          <p:cNvSpPr>
+            <a:spLocks noGrp="1"/>
+          </p:cNvSpPr>
+          <p:nvPr>
+            <p:ph type="ftr" sz="quarter" idx="11"/>
+          </p:nvPr>
+        </p:nvSpPr>
+        <p:spPr/>
+        <p:txBody>
+          <a:bodyPr/>
+          <a:lstStyle/>
+          <a:p>
+            <a:r>
+              <a:rPr lang="pt-BR" dirty="0"/>
+              <a:t>https://lucas.gardini.dev</a:t>
+            </a:r>
+          </a:p>
+        </p:txBody>
+      </p:sp>
+      <p:sp>
+        <p:nvSpPr>
+          <p:cNvPr id="5" name="Espaço Reservado para Número de Slide 4">
+            <a:extLst>
+              <a:ext uri="{FF2B5EF4-FFF2-40B4-BE49-F238E27FC236}">
+                <a16:creationId xmlns:a16="http://schemas.microsoft.com/office/drawing/2014/main" id="{DE18193C-5A4B-8531-1D52-CBD20E415CBF}"/>
+              </a:ext>
+            </a:extLst>
+          </p:cNvPr>
+          <p:cNvSpPr>
+            <a:spLocks noGrp="1"/>
+          </p:cNvSpPr>
+          <p:nvPr>
+            <p:ph type="sldNum" sz="quarter" idx="12"/>
+          </p:nvPr>
+        </p:nvSpPr>
+        <p:spPr/>
+        <p:txBody>
+          <a:bodyPr/>
+          <a:lstStyle/>
+          <a:p>
+            <a:fld id="{25237327-9CA3-4762-8749-00D99BA09B6B}" type="slidenum">
+              <a:rPr lang="pt-BR" smtClean="0"/>
+              <a:t>31</a:t>
+            </a:fld>
+            <a:endParaRPr lang="pt-BR"/>
+          </a:p>
+        </p:txBody>
+      </p:sp>
+    </p:spTree>
+    <p:extLst>
+      <p:ext uri="{BB962C8B-B14F-4D97-AF65-F5344CB8AC3E}">
+        <p14:creationId xmlns:p14="http://schemas.microsoft.com/office/powerpoint/2010/main" val="3929898778"/>
       </p:ext>
     </p:extLst>
   </p:cSld>
@@ -11764,7 +12613,7 @@
                 <a:effectLst/>
                 <a:latin typeface="Söhne"/>
               </a:rPr>
-              <a:t>Casos de Uso</a:t>
+              <a:t>Ferramentas e Ecossistema</a:t>
             </a:r>
             <a:br>
               <a:rPr lang="pt-BR" b="1" i="0" dirty="0">
@@ -11776,19 +12625,7 @@
               <a:rPr lang="pt-BR" sz="2000" dirty="0">
                 <a:latin typeface="Söhne"/>
               </a:rPr>
-              <a:t>Aplicações típicas do </a:t>
-            </a:r>
-            <a:r>
-              <a:rPr lang="pt-BR" sz="2000" dirty="0" err="1">
-                <a:latin typeface="Söhne"/>
-              </a:rPr>
-              <a:t>MongoDB</a:t>
-            </a:r>
-            <a:r>
-              <a:rPr lang="pt-BR" sz="2000" dirty="0">
-                <a:latin typeface="Söhne"/>
-              </a:rPr>
-              <a:t>.</a:t>
+              <a:t>Drivers para diferentes linguagens de programação.</a:t>
             </a:r>
             <a:endParaRPr lang="pt-BR" dirty="0"/>
           </a:p>
@@ -11879,7 +12716,7 @@
     </p:spTree>
     <p:extLst>
       <p:ext uri="{BB962C8B-B14F-4D97-AF65-F5344CB8AC3E}">
-        <p14:creationId xmlns:p14="http://schemas.microsoft.com/office/powerpoint/2010/main" val="1653300419"/>
+        <p14:creationId xmlns:p14="http://schemas.microsoft.com/office/powerpoint/2010/main" val="139497607"/>
       </p:ext>
     </p:extLst>
   </p:cSld>
@@ -11908,174 +12745,6 @@
       </p:grpSpPr>
       <p:sp>
         <p:nvSpPr>
-          <p:cNvPr id="2" name="Título 1">
-            <a:extLst>
-              <a:ext uri="{FF2B5EF4-FFF2-40B4-BE49-F238E27FC236}">
-                <a16:creationId xmlns:a16="http://schemas.microsoft.com/office/drawing/2014/main" id="{F0EA80E2-15DD-ABEB-539C-D3721B78C834}"/>
-              </a:ext>
-            </a:extLst>
-          </p:cNvPr>
-          <p:cNvSpPr>
-            <a:spLocks noGrp="1"/>
-          </p:cNvSpPr>
-          <p:nvPr>
-            <p:ph type="title"/>
-          </p:nvPr>
-        </p:nvSpPr>
-        <p:spPr/>
-        <p:txBody>
-          <a:bodyPr/>
-          <a:lstStyle/>
-          <a:p>
-            <a:r>
-              <a:rPr lang="pt-BR" b="1" i="0" dirty="0">
-                <a:effectLst/>
-                <a:latin typeface="Söhne"/>
-              </a:rPr>
-              <a:t>Casos de Uso</a:t>
-            </a:r>
-            <a:br>
-              <a:rPr lang="pt-BR" b="1" i="0" dirty="0">
-                <a:effectLst/>
-                <a:latin typeface="Söhne"/>
-              </a:rPr>
-            </a:br>
-            <a:r>
-              <a:rPr lang="pt-BR" sz="2000" dirty="0">
-                <a:latin typeface="Söhne"/>
-              </a:rPr>
-              <a:t>Exemplos de empresas que utilizam o </a:t>
-            </a:r>
-            <a:r>
-              <a:rPr lang="pt-BR" sz="2000" dirty="0" err="1">
-                <a:latin typeface="Söhne"/>
-              </a:rPr>
-              <a:t>MongoDB</a:t>
-            </a:r>
-            <a:r>
-              <a:rPr lang="pt-BR" sz="2000" dirty="0">
-                <a:latin typeface="Söhne"/>
-              </a:rPr>
-              <a:t>.</a:t>
-            </a:r>
-            <a:endParaRPr lang="pt-BR" dirty="0"/>
-          </a:p>
-        </p:txBody>
-      </p:sp>
-      <p:sp>
-        <p:nvSpPr>
-          <p:cNvPr id="3" name="Espaço Reservado para Conteúdo 2">
-            <a:extLst>
-              <a:ext uri="{FF2B5EF4-FFF2-40B4-BE49-F238E27FC236}">
-                <a16:creationId xmlns:a16="http://schemas.microsoft.com/office/drawing/2014/main" id="{1812B3A2-0B9F-7A1D-29BE-5783C0E7C666}"/>
-              </a:ext>
-            </a:extLst>
-          </p:cNvPr>
-          <p:cNvSpPr>
-            <a:spLocks noGrp="1"/>
-          </p:cNvSpPr>
-          <p:nvPr>
-            <p:ph idx="1"/>
-          </p:nvPr>
-        </p:nvSpPr>
-        <p:spPr/>
-        <p:txBody>
-          <a:bodyPr/>
-          <a:lstStyle/>
-          <a:p>
-            <a:endParaRPr lang="pt-BR" dirty="0"/>
-          </a:p>
-        </p:txBody>
-      </p:sp>
-      <p:sp>
-        <p:nvSpPr>
-          <p:cNvPr id="4" name="Espaço Reservado para Rodapé 3">
-            <a:extLst>
-              <a:ext uri="{FF2B5EF4-FFF2-40B4-BE49-F238E27FC236}">
-                <a16:creationId xmlns:a16="http://schemas.microsoft.com/office/drawing/2014/main" id="{6739F8A8-C8BA-402C-CBC7-A02F2C81E04B}"/>
-              </a:ext>
-            </a:extLst>
-          </p:cNvPr>
-          <p:cNvSpPr>
-            <a:spLocks noGrp="1"/>
-          </p:cNvSpPr>
-          <p:nvPr>
-            <p:ph type="ftr" sz="quarter" idx="11"/>
-          </p:nvPr>
-        </p:nvSpPr>
-        <p:spPr/>
-        <p:txBody>
-          <a:bodyPr/>
-          <a:lstStyle/>
-          <a:p>
-            <a:r>
-              <a:rPr lang="pt-BR" dirty="0"/>
-              <a:t>https://lucas.gardini.dev</a:t>
-            </a:r>
-          </a:p>
-        </p:txBody>
-      </p:sp>
-      <p:sp>
-        <p:nvSpPr>
-          <p:cNvPr id="5" name="Espaço Reservado para Número de Slide 4">
-            <a:extLst>
-              <a:ext uri="{FF2B5EF4-FFF2-40B4-BE49-F238E27FC236}">
-                <a16:creationId xmlns:a16="http://schemas.microsoft.com/office/drawing/2014/main" id="{DE18193C-5A4B-8531-1D52-CBD20E415CBF}"/>
-              </a:ext>
-            </a:extLst>
-          </p:cNvPr>
-          <p:cNvSpPr>
-            <a:spLocks noGrp="1"/>
-          </p:cNvSpPr>
-          <p:nvPr>
-            <p:ph type="sldNum" sz="quarter" idx="12"/>
-          </p:nvPr>
-        </p:nvSpPr>
-        <p:spPr/>
-        <p:txBody>
-          <a:bodyPr/>
-          <a:lstStyle/>
-          <a:p>
-            <a:fld id="{25237327-9CA3-4762-8749-00D99BA09B6B}" type="slidenum">
-              <a:rPr lang="pt-BR" smtClean="0"/>
-              <a:t>33</a:t>
-            </a:fld>
-            <a:endParaRPr lang="pt-BR"/>
-          </a:p>
-        </p:txBody>
-      </p:sp>
-    </p:spTree>
-    <p:extLst>
-      <p:ext uri="{BB962C8B-B14F-4D97-AF65-F5344CB8AC3E}">
-        <p14:creationId xmlns:p14="http://schemas.microsoft.com/office/powerpoint/2010/main" val="1219132857"/>
-      </p:ext>
-    </p:extLst>
-  </p:cSld>
-  <p:clrMapOvr>
-    <a:masterClrMapping/>
-  </p:clrMapOvr>
-</p:sld>
-</file>
-
-<file path=ppt/slides/slide34.xml><?xml version="1.0" encoding="utf-8"?>
-<p:sld xmlns:a="http://schemas.openxmlformats.org/drawingml/2006/main" xmlns:r="http://schemas.openxmlformats.org/officeDocument/2006/relationships" xmlns:p="http://schemas.openxmlformats.org/presentationml/2006/main">
-  <p:cSld>
-    <p:spTree>
-      <p:nvGrpSpPr>
-        <p:cNvPr id="1" name=""/>
-        <p:cNvGrpSpPr/>
-        <p:nvPr/>
-      </p:nvGrpSpPr>
-      <p:grpSpPr>
-        <a:xfrm>
-          <a:off x="0" y="0"/>
-          <a:ext cx="0" cy="0"/>
-          <a:chOff x="0" y="0"/>
-          <a:chExt cx="0" cy="0"/>
-        </a:xfrm>
-      </p:grpSpPr>
-      <p:sp>
-        <p:nvSpPr>
           <p:cNvPr id="4" name="Espaço Reservado para Número de Slide 3">
             <a:extLst>
               <a:ext uri="{FF2B5EF4-FFF2-40B4-BE49-F238E27FC236}">
@@ -12106,7 +12775,7 @@
                   <a:schemeClr val="tx1"/>
                 </a:solidFill>
               </a:rPr>
-              <a:t>34</a:t>
+              <a:t>33</a:t>
             </a:fld>
             <a:endParaRPr lang="pt-BR" b="1" dirty="0">
               <a:solidFill>
@@ -12314,7 +12983,7 @@
         <p:spPr>
           <a:xfrm>
             <a:off x="670272" y="1726164"/>
-            <a:ext cx="6667210" cy="1200329"/>
+            <a:ext cx="6816290" cy="1200329"/>
           </a:xfrm>
           <a:prstGeom prst="rect">
             <a:avLst/>
@@ -12337,7 +13006,7 @@
                   </a:outerShdw>
                 </a:effectLst>
               </a:rPr>
-              <a:t>EXEMPLO REAL</a:t>
+              <a:t>CASOS DE USO</a:t>
             </a:r>
           </a:p>
         </p:txBody>
@@ -12345,7 +13014,7 @@
     </p:spTree>
     <p:extLst>
       <p:ext uri="{BB962C8B-B14F-4D97-AF65-F5344CB8AC3E}">
-        <p14:creationId xmlns:p14="http://schemas.microsoft.com/office/powerpoint/2010/main" val="2287842619"/>
+        <p14:creationId xmlns:p14="http://schemas.microsoft.com/office/powerpoint/2010/main" val="207230729"/>
       </p:ext>
     </p:extLst>
   </p:cSld>
@@ -12355,7 +13024,7 @@
 </p:sld>
 </file>
 
-<file path=ppt/slides/slide4.xml><?xml version="1.0" encoding="utf-8"?>
+<file path=ppt/slides/slide34.xml><?xml version="1.0" encoding="utf-8"?>
 <p:sld xmlns:a="http://schemas.openxmlformats.org/drawingml/2006/main" xmlns:r="http://schemas.openxmlformats.org/officeDocument/2006/relationships" xmlns:p="http://schemas.openxmlformats.org/presentationml/2006/main">
   <p:cSld>
     <p:spTree>
@@ -12374,6 +13043,342 @@
       </p:grpSpPr>
       <p:sp>
         <p:nvSpPr>
+          <p:cNvPr id="2" name="Título 1">
+            <a:extLst>
+              <a:ext uri="{FF2B5EF4-FFF2-40B4-BE49-F238E27FC236}">
+                <a16:creationId xmlns:a16="http://schemas.microsoft.com/office/drawing/2014/main" id="{F0EA80E2-15DD-ABEB-539C-D3721B78C834}"/>
+              </a:ext>
+            </a:extLst>
+          </p:cNvPr>
+          <p:cNvSpPr>
+            <a:spLocks noGrp="1"/>
+          </p:cNvSpPr>
+          <p:nvPr>
+            <p:ph type="title"/>
+          </p:nvPr>
+        </p:nvSpPr>
+        <p:spPr/>
+        <p:txBody>
+          <a:bodyPr/>
+          <a:lstStyle/>
+          <a:p>
+            <a:r>
+              <a:rPr lang="pt-BR" b="1" i="0" dirty="0">
+                <a:effectLst/>
+                <a:latin typeface="Söhne"/>
+              </a:rPr>
+              <a:t>Casos de Uso</a:t>
+            </a:r>
+            <a:br>
+              <a:rPr lang="pt-BR" b="1" i="0" dirty="0">
+                <a:effectLst/>
+                <a:latin typeface="Söhne"/>
+              </a:rPr>
+            </a:br>
+            <a:r>
+              <a:rPr lang="pt-BR" sz="2000" dirty="0">
+                <a:latin typeface="Söhne"/>
+              </a:rPr>
+              <a:t>Aplicações típicas do </a:t>
+            </a:r>
+            <a:r>
+              <a:rPr lang="pt-BR" sz="2000" dirty="0" err="1">
+                <a:latin typeface="Söhne"/>
+              </a:rPr>
+              <a:t>MongoDB</a:t>
+            </a:r>
+            <a:r>
+              <a:rPr lang="pt-BR" sz="2000" dirty="0">
+                <a:latin typeface="Söhne"/>
+              </a:rPr>
+              <a:t>.</a:t>
+            </a:r>
+            <a:endParaRPr lang="pt-BR" dirty="0"/>
+          </a:p>
+        </p:txBody>
+      </p:sp>
+      <p:sp>
+        <p:nvSpPr>
+          <p:cNvPr id="3" name="Espaço Reservado para Conteúdo 2">
+            <a:extLst>
+              <a:ext uri="{FF2B5EF4-FFF2-40B4-BE49-F238E27FC236}">
+                <a16:creationId xmlns:a16="http://schemas.microsoft.com/office/drawing/2014/main" id="{1812B3A2-0B9F-7A1D-29BE-5783C0E7C666}"/>
+              </a:ext>
+            </a:extLst>
+          </p:cNvPr>
+          <p:cNvSpPr>
+            <a:spLocks noGrp="1"/>
+          </p:cNvSpPr>
+          <p:nvPr>
+            <p:ph idx="1"/>
+          </p:nvPr>
+        </p:nvSpPr>
+        <p:spPr/>
+        <p:txBody>
+          <a:bodyPr/>
+          <a:lstStyle/>
+          <a:p>
+            <a:endParaRPr lang="pt-BR" dirty="0"/>
+          </a:p>
+        </p:txBody>
+      </p:sp>
+      <p:sp>
+        <p:nvSpPr>
+          <p:cNvPr id="4" name="Espaço Reservado para Rodapé 3">
+            <a:extLst>
+              <a:ext uri="{FF2B5EF4-FFF2-40B4-BE49-F238E27FC236}">
+                <a16:creationId xmlns:a16="http://schemas.microsoft.com/office/drawing/2014/main" id="{6739F8A8-C8BA-402C-CBC7-A02F2C81E04B}"/>
+              </a:ext>
+            </a:extLst>
+          </p:cNvPr>
+          <p:cNvSpPr>
+            <a:spLocks noGrp="1"/>
+          </p:cNvSpPr>
+          <p:nvPr>
+            <p:ph type="ftr" sz="quarter" idx="11"/>
+          </p:nvPr>
+        </p:nvSpPr>
+        <p:spPr/>
+        <p:txBody>
+          <a:bodyPr/>
+          <a:lstStyle/>
+          <a:p>
+            <a:r>
+              <a:rPr lang="pt-BR" dirty="0"/>
+              <a:t>https://lucas.gardini.dev</a:t>
+            </a:r>
+          </a:p>
+        </p:txBody>
+      </p:sp>
+      <p:sp>
+        <p:nvSpPr>
+          <p:cNvPr id="5" name="Espaço Reservado para Número de Slide 4">
+            <a:extLst>
+              <a:ext uri="{FF2B5EF4-FFF2-40B4-BE49-F238E27FC236}">
+                <a16:creationId xmlns:a16="http://schemas.microsoft.com/office/drawing/2014/main" id="{DE18193C-5A4B-8531-1D52-CBD20E415CBF}"/>
+              </a:ext>
+            </a:extLst>
+          </p:cNvPr>
+          <p:cNvSpPr>
+            <a:spLocks noGrp="1"/>
+          </p:cNvSpPr>
+          <p:nvPr>
+            <p:ph type="sldNum" sz="quarter" idx="12"/>
+          </p:nvPr>
+        </p:nvSpPr>
+        <p:spPr/>
+        <p:txBody>
+          <a:bodyPr/>
+          <a:lstStyle/>
+          <a:p>
+            <a:fld id="{25237327-9CA3-4762-8749-00D99BA09B6B}" type="slidenum">
+              <a:rPr lang="pt-BR" smtClean="0"/>
+              <a:t>34</a:t>
+            </a:fld>
+            <a:endParaRPr lang="pt-BR"/>
+          </a:p>
+        </p:txBody>
+      </p:sp>
+    </p:spTree>
+    <p:extLst>
+      <p:ext uri="{BB962C8B-B14F-4D97-AF65-F5344CB8AC3E}">
+        <p14:creationId xmlns:p14="http://schemas.microsoft.com/office/powerpoint/2010/main" val="1653300419"/>
+      </p:ext>
+    </p:extLst>
+  </p:cSld>
+  <p:clrMapOvr>
+    <a:masterClrMapping/>
+  </p:clrMapOvr>
+</p:sld>
+</file>
+
+<file path=ppt/slides/slide35.xml><?xml version="1.0" encoding="utf-8"?>
+<p:sld xmlns:a="http://schemas.openxmlformats.org/drawingml/2006/main" xmlns:r="http://schemas.openxmlformats.org/officeDocument/2006/relationships" xmlns:p="http://schemas.openxmlformats.org/presentationml/2006/main">
+  <p:cSld>
+    <p:spTree>
+      <p:nvGrpSpPr>
+        <p:cNvPr id="1" name=""/>
+        <p:cNvGrpSpPr/>
+        <p:nvPr/>
+      </p:nvGrpSpPr>
+      <p:grpSpPr>
+        <a:xfrm>
+          <a:off x="0" y="0"/>
+          <a:ext cx="0" cy="0"/>
+          <a:chOff x="0" y="0"/>
+          <a:chExt cx="0" cy="0"/>
+        </a:xfrm>
+      </p:grpSpPr>
+      <p:sp>
+        <p:nvSpPr>
+          <p:cNvPr id="2" name="Título 1">
+            <a:extLst>
+              <a:ext uri="{FF2B5EF4-FFF2-40B4-BE49-F238E27FC236}">
+                <a16:creationId xmlns:a16="http://schemas.microsoft.com/office/drawing/2014/main" id="{F0EA80E2-15DD-ABEB-539C-D3721B78C834}"/>
+              </a:ext>
+            </a:extLst>
+          </p:cNvPr>
+          <p:cNvSpPr>
+            <a:spLocks noGrp="1"/>
+          </p:cNvSpPr>
+          <p:nvPr>
+            <p:ph type="title"/>
+          </p:nvPr>
+        </p:nvSpPr>
+        <p:spPr/>
+        <p:txBody>
+          <a:bodyPr/>
+          <a:lstStyle/>
+          <a:p>
+            <a:r>
+              <a:rPr lang="pt-BR" b="1" i="0" dirty="0">
+                <a:effectLst/>
+                <a:latin typeface="Söhne"/>
+              </a:rPr>
+              <a:t>Casos de Uso</a:t>
+            </a:r>
+            <a:br>
+              <a:rPr lang="pt-BR" b="1" i="0" dirty="0">
+                <a:effectLst/>
+                <a:latin typeface="Söhne"/>
+              </a:rPr>
+            </a:br>
+            <a:r>
+              <a:rPr lang="pt-BR" sz="2000" dirty="0">
+                <a:latin typeface="Söhne"/>
+              </a:rPr>
+              <a:t>Exemplos de empresas que utilizam o </a:t>
+            </a:r>
+            <a:r>
+              <a:rPr lang="pt-BR" sz="2000" dirty="0" err="1">
+                <a:latin typeface="Söhne"/>
+              </a:rPr>
+              <a:t>MongoDB</a:t>
+            </a:r>
+            <a:r>
+              <a:rPr lang="pt-BR" sz="2000" dirty="0">
+                <a:latin typeface="Söhne"/>
+              </a:rPr>
+              <a:t>.</a:t>
+            </a:r>
+            <a:endParaRPr lang="pt-BR" dirty="0"/>
+          </a:p>
+        </p:txBody>
+      </p:sp>
+      <p:sp>
+        <p:nvSpPr>
+          <p:cNvPr id="3" name="Espaço Reservado para Conteúdo 2">
+            <a:extLst>
+              <a:ext uri="{FF2B5EF4-FFF2-40B4-BE49-F238E27FC236}">
+                <a16:creationId xmlns:a16="http://schemas.microsoft.com/office/drawing/2014/main" id="{1812B3A2-0B9F-7A1D-29BE-5783C0E7C666}"/>
+              </a:ext>
+            </a:extLst>
+          </p:cNvPr>
+          <p:cNvSpPr>
+            <a:spLocks noGrp="1"/>
+          </p:cNvSpPr>
+          <p:nvPr>
+            <p:ph idx="1"/>
+          </p:nvPr>
+        </p:nvSpPr>
+        <p:spPr/>
+        <p:txBody>
+          <a:bodyPr/>
+          <a:lstStyle/>
+          <a:p>
+            <a:endParaRPr lang="pt-BR" dirty="0"/>
+          </a:p>
+        </p:txBody>
+      </p:sp>
+      <p:sp>
+        <p:nvSpPr>
+          <p:cNvPr id="4" name="Espaço Reservado para Rodapé 3">
+            <a:extLst>
+              <a:ext uri="{FF2B5EF4-FFF2-40B4-BE49-F238E27FC236}">
+                <a16:creationId xmlns:a16="http://schemas.microsoft.com/office/drawing/2014/main" id="{6739F8A8-C8BA-402C-CBC7-A02F2C81E04B}"/>
+              </a:ext>
+            </a:extLst>
+          </p:cNvPr>
+          <p:cNvSpPr>
+            <a:spLocks noGrp="1"/>
+          </p:cNvSpPr>
+          <p:nvPr>
+            <p:ph type="ftr" sz="quarter" idx="11"/>
+          </p:nvPr>
+        </p:nvSpPr>
+        <p:spPr/>
+        <p:txBody>
+          <a:bodyPr/>
+          <a:lstStyle/>
+          <a:p>
+            <a:r>
+              <a:rPr lang="pt-BR" dirty="0"/>
+              <a:t>https://lucas.gardini.dev</a:t>
+            </a:r>
+          </a:p>
+        </p:txBody>
+      </p:sp>
+      <p:sp>
+        <p:nvSpPr>
+          <p:cNvPr id="5" name="Espaço Reservado para Número de Slide 4">
+            <a:extLst>
+              <a:ext uri="{FF2B5EF4-FFF2-40B4-BE49-F238E27FC236}">
+                <a16:creationId xmlns:a16="http://schemas.microsoft.com/office/drawing/2014/main" id="{DE18193C-5A4B-8531-1D52-CBD20E415CBF}"/>
+              </a:ext>
+            </a:extLst>
+          </p:cNvPr>
+          <p:cNvSpPr>
+            <a:spLocks noGrp="1"/>
+          </p:cNvSpPr>
+          <p:nvPr>
+            <p:ph type="sldNum" sz="quarter" idx="12"/>
+          </p:nvPr>
+        </p:nvSpPr>
+        <p:spPr/>
+        <p:txBody>
+          <a:bodyPr/>
+          <a:lstStyle/>
+          <a:p>
+            <a:fld id="{25237327-9CA3-4762-8749-00D99BA09B6B}" type="slidenum">
+              <a:rPr lang="pt-BR" smtClean="0"/>
+              <a:t>35</a:t>
+            </a:fld>
+            <a:endParaRPr lang="pt-BR"/>
+          </a:p>
+        </p:txBody>
+      </p:sp>
+    </p:spTree>
+    <p:extLst>
+      <p:ext uri="{BB962C8B-B14F-4D97-AF65-F5344CB8AC3E}">
+        <p14:creationId xmlns:p14="http://schemas.microsoft.com/office/powerpoint/2010/main" val="1219132857"/>
+      </p:ext>
+    </p:extLst>
+  </p:cSld>
+  <p:clrMapOvr>
+    <a:masterClrMapping/>
+  </p:clrMapOvr>
+</p:sld>
+</file>
+
+<file path=ppt/slides/slide36.xml><?xml version="1.0" encoding="utf-8"?>
+<p:sld xmlns:a="http://schemas.openxmlformats.org/drawingml/2006/main" xmlns:r="http://schemas.openxmlformats.org/officeDocument/2006/relationships" xmlns:p="http://schemas.openxmlformats.org/presentationml/2006/main">
+  <p:cSld>
+    <p:spTree>
+      <p:nvGrpSpPr>
+        <p:cNvPr id="1" name=""/>
+        <p:cNvGrpSpPr/>
+        <p:nvPr/>
+      </p:nvGrpSpPr>
+      <p:grpSpPr>
+        <a:xfrm>
+          <a:off x="0" y="0"/>
+          <a:ext cx="0" cy="0"/>
+          <a:chOff x="0" y="0"/>
+          <a:chExt cx="0" cy="0"/>
+        </a:xfrm>
+      </p:grpSpPr>
+      <p:sp>
+        <p:nvSpPr>
           <p:cNvPr id="4" name="Espaço Reservado para Número de Slide 3">
             <a:extLst>
               <a:ext uri="{FF2B5EF4-FFF2-40B4-BE49-F238E27FC236}">
@@ -12404,7 +13409,7 @@
                   <a:schemeClr val="tx1"/>
                 </a:solidFill>
               </a:rPr>
-              <a:t>4</a:t>
+              <a:t>36</a:t>
             </a:fld>
             <a:endParaRPr lang="pt-BR" b="1" dirty="0">
               <a:solidFill>
@@ -12612,7 +13617,7 @@
         <p:spPr>
           <a:xfrm>
             <a:off x="670272" y="1726164"/>
-            <a:ext cx="8198078" cy="2308324"/>
+            <a:ext cx="6667210" cy="1200329"/>
           </a:xfrm>
           <a:prstGeom prst="rect">
             <a:avLst/>
@@ -12635,21 +13640,7 @@
                   </a:outerShdw>
                 </a:effectLst>
               </a:rPr>
-              <a:t>PRINCIPAIS </a:t>
-            </a:r>
-          </a:p>
-          <a:p>
-            <a:r>
-              <a:rPr lang="pt-BR" sz="7200" b="1" dirty="0">
-                <a:effectLst>
-                  <a:outerShdw blurRad="50800" dist="38100" dir="2700000" algn="tl" rotWithShape="0">
-                    <a:prstClr val="black">
-                      <a:alpha val="40000"/>
-                    </a:prstClr>
-                  </a:outerShdw>
-                </a:effectLst>
-              </a:rPr>
-              <a:t>CARACTERÍSTICAS</a:t>
+              <a:t>EXEMPLO REAL</a:t>
             </a:r>
           </a:p>
         </p:txBody>
@@ -12657,7 +13648,452 @@
     </p:spTree>
     <p:extLst>
       <p:ext uri="{BB962C8B-B14F-4D97-AF65-F5344CB8AC3E}">
-        <p14:creationId xmlns:p14="http://schemas.microsoft.com/office/powerpoint/2010/main" val="2805241000"/>
+        <p14:creationId xmlns:p14="http://schemas.microsoft.com/office/powerpoint/2010/main" val="2287842619"/>
+      </p:ext>
+    </p:extLst>
+  </p:cSld>
+  <p:clrMapOvr>
+    <a:masterClrMapping/>
+  </p:clrMapOvr>
+</p:sld>
+</file>
+
+<file path=ppt/slides/slide37.xml><?xml version="1.0" encoding="utf-8"?>
+<p:sld xmlns:a="http://schemas.openxmlformats.org/drawingml/2006/main" xmlns:r="http://schemas.openxmlformats.org/officeDocument/2006/relationships" xmlns:p="http://schemas.openxmlformats.org/presentationml/2006/main">
+  <p:cSld>
+    <p:spTree>
+      <p:nvGrpSpPr>
+        <p:cNvPr id="1" name=""/>
+        <p:cNvGrpSpPr/>
+        <p:nvPr/>
+      </p:nvGrpSpPr>
+      <p:grpSpPr>
+        <a:xfrm>
+          <a:off x="0" y="0"/>
+          <a:ext cx="0" cy="0"/>
+          <a:chOff x="0" y="0"/>
+          <a:chExt cx="0" cy="0"/>
+        </a:xfrm>
+      </p:grpSpPr>
+      <p:sp>
+        <p:nvSpPr>
+          <p:cNvPr id="4" name="Espaço Reservado para Rodapé 3">
+            <a:extLst>
+              <a:ext uri="{FF2B5EF4-FFF2-40B4-BE49-F238E27FC236}">
+                <a16:creationId xmlns:a16="http://schemas.microsoft.com/office/drawing/2014/main" id="{21B5A121-F754-247B-71BC-E6BAC80FB3E7}"/>
+              </a:ext>
+            </a:extLst>
+          </p:cNvPr>
+          <p:cNvSpPr>
+            <a:spLocks noGrp="1"/>
+          </p:cNvSpPr>
+          <p:nvPr>
+            <p:ph type="ftr" sz="quarter" idx="11"/>
+          </p:nvPr>
+        </p:nvSpPr>
+        <p:spPr/>
+        <p:txBody>
+          <a:bodyPr/>
+          <a:lstStyle/>
+          <a:p>
+            <a:r>
+              <a:rPr lang="pt-BR"/>
+              <a:t>https://lucas.gardini.dev</a:t>
+            </a:r>
+            <a:endParaRPr lang="pt-BR" dirty="0"/>
+          </a:p>
+        </p:txBody>
+      </p:sp>
+      <p:sp>
+        <p:nvSpPr>
+          <p:cNvPr id="5" name="Espaço Reservado para Número de Slide 4">
+            <a:extLst>
+              <a:ext uri="{FF2B5EF4-FFF2-40B4-BE49-F238E27FC236}">
+                <a16:creationId xmlns:a16="http://schemas.microsoft.com/office/drawing/2014/main" id="{7C02F033-9C8F-E2B9-D077-BDB595476CFF}"/>
+              </a:ext>
+            </a:extLst>
+          </p:cNvPr>
+          <p:cNvSpPr>
+            <a:spLocks noGrp="1"/>
+          </p:cNvSpPr>
+          <p:nvPr>
+            <p:ph type="sldNum" sz="quarter" idx="12"/>
+          </p:nvPr>
+        </p:nvSpPr>
+        <p:spPr/>
+        <p:txBody>
+          <a:bodyPr/>
+          <a:lstStyle/>
+          <a:p>
+            <a:fld id="{25237327-9CA3-4762-8749-00D99BA09B6B}" type="slidenum">
+              <a:rPr lang="pt-BR" smtClean="0"/>
+              <a:pPr/>
+              <a:t>37</a:t>
+            </a:fld>
+            <a:endParaRPr lang="pt-BR" dirty="0"/>
+          </a:p>
+        </p:txBody>
+      </p:sp>
+      <p:sp>
+        <p:nvSpPr>
+          <p:cNvPr id="6" name="CaixaDeTexto 5">
+            <a:extLst>
+              <a:ext uri="{FF2B5EF4-FFF2-40B4-BE49-F238E27FC236}">
+                <a16:creationId xmlns:a16="http://schemas.microsoft.com/office/drawing/2014/main" id="{4F51AB79-6509-C9F6-B0A1-E4B145E8A9E4}"/>
+              </a:ext>
+            </a:extLst>
+          </p:cNvPr>
+          <p:cNvSpPr txBox="1"/>
+          <p:nvPr/>
+        </p:nvSpPr>
+        <p:spPr>
+          <a:xfrm>
+            <a:off x="0" y="0"/>
+            <a:ext cx="12192000" cy="1477328"/>
+          </a:xfrm>
+          <a:prstGeom prst="rect">
+            <a:avLst/>
+          </a:prstGeom>
+          <a:noFill/>
+        </p:spPr>
+        <p:txBody>
+          <a:bodyPr wrap="square" rtlCol="0">
+            <a:spAutoFit/>
+          </a:bodyPr>
+          <a:lstStyle/>
+          <a:p>
+            <a:r>
+              <a:rPr lang="pt-BR" dirty="0"/>
+              <a:t>REFERENCIAS</a:t>
+            </a:r>
+          </a:p>
+          <a:p>
+            <a:endParaRPr lang="pt-BR" dirty="0"/>
+          </a:p>
+          <a:p>
+            <a:r>
+              <a:rPr lang="pt-BR" dirty="0">
+                <a:hlinkClick r:id="rId2"/>
+              </a:rPr>
+              <a:t>https://www.mongodb.com/nosql-explained/nosql-vs-sql</a:t>
+            </a:r>
+            <a:endParaRPr lang="pt-BR" dirty="0"/>
+          </a:p>
+          <a:p>
+            <a:r>
+              <a:rPr lang="pt-BR" dirty="0">
+                <a:hlinkClick r:id="rId3"/>
+              </a:rPr>
+              <a:t>https://www.mongodb.com/nosql-explained</a:t>
+            </a:r>
+            <a:endParaRPr lang="pt-BR" dirty="0"/>
+          </a:p>
+          <a:p>
+            <a:r>
+              <a:rPr lang="pt-BR" dirty="0"/>
+              <a:t>https://www.section.io/blog/scaling-horizontally-vs-vertically/</a:t>
+            </a:r>
+          </a:p>
+        </p:txBody>
+      </p:sp>
+    </p:spTree>
+    <p:extLst>
+      <p:ext uri="{BB962C8B-B14F-4D97-AF65-F5344CB8AC3E}">
+        <p14:creationId xmlns:p14="http://schemas.microsoft.com/office/powerpoint/2010/main" val="482512677"/>
+      </p:ext>
+    </p:extLst>
+  </p:cSld>
+  <p:clrMapOvr>
+    <a:masterClrMapping/>
+  </p:clrMapOvr>
+</p:sld>
+</file>
+
+<file path=ppt/slides/slide4.xml><?xml version="1.0" encoding="utf-8"?>
+<p:sld xmlns:a="http://schemas.openxmlformats.org/drawingml/2006/main" xmlns:r="http://schemas.openxmlformats.org/officeDocument/2006/relationships" xmlns:p="http://schemas.openxmlformats.org/presentationml/2006/main">
+  <p:cSld>
+    <p:spTree>
+      <p:nvGrpSpPr>
+        <p:cNvPr id="1" name=""/>
+        <p:cNvGrpSpPr/>
+        <p:nvPr/>
+      </p:nvGrpSpPr>
+      <p:grpSpPr>
+        <a:xfrm>
+          <a:off x="0" y="0"/>
+          <a:ext cx="0" cy="0"/>
+          <a:chOff x="0" y="0"/>
+          <a:chExt cx="0" cy="0"/>
+        </a:xfrm>
+      </p:grpSpPr>
+      <p:sp>
+        <p:nvSpPr>
+          <p:cNvPr id="2" name="Título 1">
+            <a:extLst>
+              <a:ext uri="{FF2B5EF4-FFF2-40B4-BE49-F238E27FC236}">
+                <a16:creationId xmlns:a16="http://schemas.microsoft.com/office/drawing/2014/main" id="{F0EA80E2-15DD-ABEB-539C-D3721B78C834}"/>
+              </a:ext>
+            </a:extLst>
+          </p:cNvPr>
+          <p:cNvSpPr>
+            <a:spLocks noGrp="1"/>
+          </p:cNvSpPr>
+          <p:nvPr>
+            <p:ph type="title"/>
+          </p:nvPr>
+        </p:nvSpPr>
+        <p:spPr/>
+        <p:txBody>
+          <a:bodyPr/>
+          <a:lstStyle/>
+          <a:p>
+            <a:r>
+              <a:rPr lang="pt-BR" b="1" i="0" dirty="0">
+                <a:effectLst/>
+                <a:latin typeface="Söhne"/>
+              </a:rPr>
+              <a:t>Introdução ao </a:t>
+            </a:r>
+            <a:r>
+              <a:rPr lang="pt-BR" b="1" i="0" dirty="0" err="1">
+                <a:effectLst/>
+                <a:latin typeface="Söhne"/>
+              </a:rPr>
+              <a:t>MongoDB</a:t>
+            </a:r>
+            <a:br>
+              <a:rPr lang="pt-BR" b="1" i="0" dirty="0">
+                <a:effectLst/>
+                <a:latin typeface="Söhne"/>
+              </a:rPr>
+            </a:br>
+            <a:r>
+              <a:rPr lang="pt-BR" sz="2000" b="1" i="0" dirty="0">
+                <a:effectLst/>
+                <a:latin typeface="Söhne"/>
+              </a:rPr>
+              <a:t>Breve histórico e evolução do </a:t>
+            </a:r>
+            <a:r>
+              <a:rPr lang="pt-BR" sz="2000" b="1" i="0" dirty="0" err="1">
+                <a:effectLst/>
+                <a:latin typeface="Söhne"/>
+              </a:rPr>
+              <a:t>MongoDB</a:t>
+            </a:r>
+            <a:r>
+              <a:rPr lang="pt-BR" sz="2000" b="1" i="0" dirty="0">
+                <a:effectLst/>
+                <a:latin typeface="Söhne"/>
+              </a:rPr>
+              <a:t> e </a:t>
+            </a:r>
+            <a:r>
+              <a:rPr lang="pt-BR" sz="2000" b="1" i="0" dirty="0" err="1">
+                <a:effectLst/>
+                <a:latin typeface="Söhne"/>
+              </a:rPr>
+              <a:t>NoSql</a:t>
+            </a:r>
+            <a:r>
+              <a:rPr lang="pt-BR" sz="2000" b="1" i="0" dirty="0">
+                <a:effectLst/>
+                <a:latin typeface="Söhne"/>
+              </a:rPr>
+              <a:t>.</a:t>
+            </a:r>
+            <a:endParaRPr lang="pt-BR" dirty="0"/>
+          </a:p>
+        </p:txBody>
+      </p:sp>
+      <p:sp>
+        <p:nvSpPr>
+          <p:cNvPr id="3" name="Espaço Reservado para Conteúdo 2">
+            <a:extLst>
+              <a:ext uri="{FF2B5EF4-FFF2-40B4-BE49-F238E27FC236}">
+                <a16:creationId xmlns:a16="http://schemas.microsoft.com/office/drawing/2014/main" id="{1812B3A2-0B9F-7A1D-29BE-5783C0E7C666}"/>
+              </a:ext>
+            </a:extLst>
+          </p:cNvPr>
+          <p:cNvSpPr>
+            <a:spLocks noGrp="1"/>
+          </p:cNvSpPr>
+          <p:nvPr>
+            <p:ph idx="1"/>
+          </p:nvPr>
+        </p:nvSpPr>
+        <p:spPr>
+          <a:xfrm>
+            <a:off x="818712" y="2660437"/>
+            <a:ext cx="10554574" cy="3636511"/>
+          </a:xfrm>
+        </p:spPr>
+        <p:txBody>
+          <a:bodyPr anchor="t"/>
+          <a:lstStyle/>
+          <a:p>
+            <a:pPr marL="0" indent="0" algn="just">
+              <a:buNone/>
+            </a:pPr>
+            <a:r>
+              <a:rPr lang="pt-BR" dirty="0">
+                <a:latin typeface="Segoe UI" panose="020B0502040204020203" pitchFamily="34" charset="0"/>
+                <a:cs typeface="Segoe UI" panose="020B0502040204020203" pitchFamily="34" charset="0"/>
+              </a:rPr>
+              <a:t>Os bancos de dados </a:t>
+            </a:r>
+            <a:r>
+              <a:rPr lang="pt-BR" dirty="0" err="1">
+                <a:latin typeface="Segoe UI" panose="020B0502040204020203" pitchFamily="34" charset="0"/>
+                <a:cs typeface="Segoe UI" panose="020B0502040204020203" pitchFamily="34" charset="0"/>
+              </a:rPr>
+              <a:t>NoSQL</a:t>
+            </a:r>
+            <a:r>
+              <a:rPr lang="pt-BR" dirty="0">
+                <a:latin typeface="Segoe UI" panose="020B0502040204020203" pitchFamily="34" charset="0"/>
+                <a:cs typeface="Segoe UI" panose="020B0502040204020203" pitchFamily="34" charset="0"/>
+              </a:rPr>
+              <a:t> surgiram depois dos anos 2000, quando o custo por armazenamento caiu muito em relação aos anos anteriores. Onde os bancos de dados SQL foram criados para reduzir a duplicidade de dados e o custo de armazenamento.</a:t>
+            </a:r>
+          </a:p>
+          <a:p>
+            <a:pPr marL="0" indent="0" algn="just">
+              <a:buNone/>
+            </a:pPr>
+            <a:endParaRPr lang="pt-BR" dirty="0">
+              <a:latin typeface="Segoe UI" panose="020B0502040204020203" pitchFamily="34" charset="0"/>
+              <a:cs typeface="Segoe UI" panose="020B0502040204020203" pitchFamily="34" charset="0"/>
+            </a:endParaRPr>
+          </a:p>
+          <a:p>
+            <a:pPr marL="0" indent="0" algn="just">
+              <a:buNone/>
+            </a:pPr>
+            <a:r>
+              <a:rPr lang="pt-BR" dirty="0">
+                <a:latin typeface="Segoe UI" panose="020B0502040204020203" pitchFamily="34" charset="0"/>
+                <a:cs typeface="Segoe UI" panose="020B0502040204020203" pitchFamily="34" charset="0"/>
+              </a:rPr>
+              <a:t>Nessa época, os dados começaram a aumentar, e os dados começaram a aparecer de diversas formas, as vezes estruturados, as vezes semiestruturados, e muitas vezes sem uma estrutura definida.</a:t>
+            </a:r>
+          </a:p>
+          <a:p>
+            <a:pPr marL="0" indent="0" algn="just">
+              <a:buNone/>
+            </a:pPr>
+            <a:endParaRPr lang="pt-BR" dirty="0">
+              <a:latin typeface="Segoe UI" panose="020B0502040204020203" pitchFamily="34" charset="0"/>
+              <a:cs typeface="Segoe UI" panose="020B0502040204020203" pitchFamily="34" charset="0"/>
+            </a:endParaRPr>
+          </a:p>
+          <a:p>
+            <a:pPr marL="0" indent="0" algn="just">
+              <a:buNone/>
+            </a:pPr>
+            <a:r>
+              <a:rPr lang="pt-BR" dirty="0">
+                <a:latin typeface="Segoe UI" panose="020B0502040204020203" pitchFamily="34" charset="0"/>
+                <a:cs typeface="Segoe UI" panose="020B0502040204020203" pitchFamily="34" charset="0"/>
+              </a:rPr>
+              <a:t>Foi ai que os bancos de dados </a:t>
+            </a:r>
+            <a:r>
+              <a:rPr lang="pt-BR" dirty="0" err="1">
+                <a:latin typeface="Segoe UI" panose="020B0502040204020203" pitchFamily="34" charset="0"/>
+                <a:cs typeface="Segoe UI" panose="020B0502040204020203" pitchFamily="34" charset="0"/>
+              </a:rPr>
+              <a:t>NoSQL</a:t>
+            </a:r>
+            <a:r>
+              <a:rPr lang="pt-BR" dirty="0">
+                <a:latin typeface="Segoe UI" panose="020B0502040204020203" pitchFamily="34" charset="0"/>
+                <a:cs typeface="Segoe UI" panose="020B0502040204020203" pitchFamily="34" charset="0"/>
+              </a:rPr>
+              <a:t> entraram, deixando o desenvolvimento e o uso do banco completamente flexível.</a:t>
+            </a:r>
+          </a:p>
+          <a:p>
+            <a:pPr marL="0" indent="0">
+              <a:buNone/>
+            </a:pPr>
+            <a:endParaRPr lang="pt-BR" dirty="0">
+              <a:latin typeface="Segoe UI" panose="020B0502040204020203" pitchFamily="34" charset="0"/>
+              <a:cs typeface="Segoe UI" panose="020B0502040204020203" pitchFamily="34" charset="0"/>
+            </a:endParaRPr>
+          </a:p>
+          <a:p>
+            <a:pPr marL="0" indent="0">
+              <a:buNone/>
+            </a:pPr>
+            <a:endParaRPr lang="pt-BR" dirty="0">
+              <a:latin typeface="Segoe UI" panose="020B0502040204020203" pitchFamily="34" charset="0"/>
+              <a:cs typeface="Segoe UI" panose="020B0502040204020203" pitchFamily="34" charset="0"/>
+            </a:endParaRPr>
+          </a:p>
+        </p:txBody>
+      </p:sp>
+      <p:sp>
+        <p:nvSpPr>
+          <p:cNvPr id="4" name="Espaço Reservado para Rodapé 3">
+            <a:extLst>
+              <a:ext uri="{FF2B5EF4-FFF2-40B4-BE49-F238E27FC236}">
+                <a16:creationId xmlns:a16="http://schemas.microsoft.com/office/drawing/2014/main" id="{6739F8A8-C8BA-402C-CBC7-A02F2C81E04B}"/>
+              </a:ext>
+            </a:extLst>
+          </p:cNvPr>
+          <p:cNvSpPr>
+            <a:spLocks noGrp="1"/>
+          </p:cNvSpPr>
+          <p:nvPr>
+            <p:ph type="ftr" sz="quarter" idx="11"/>
+          </p:nvPr>
+        </p:nvSpPr>
+        <p:spPr/>
+        <p:txBody>
+          <a:bodyPr/>
+          <a:lstStyle/>
+          <a:p>
+            <a:r>
+              <a:rPr lang="pt-BR" dirty="0"/>
+              <a:t>https://lucas.gardini.dev</a:t>
+            </a:r>
+          </a:p>
+        </p:txBody>
+      </p:sp>
+      <p:sp>
+        <p:nvSpPr>
+          <p:cNvPr id="5" name="Espaço Reservado para Número de Slide 4">
+            <a:extLst>
+              <a:ext uri="{FF2B5EF4-FFF2-40B4-BE49-F238E27FC236}">
+                <a16:creationId xmlns:a16="http://schemas.microsoft.com/office/drawing/2014/main" id="{DE18193C-5A4B-8531-1D52-CBD20E415CBF}"/>
+              </a:ext>
+            </a:extLst>
+          </p:cNvPr>
+          <p:cNvSpPr>
+            <a:spLocks noGrp="1"/>
+          </p:cNvSpPr>
+          <p:nvPr>
+            <p:ph type="sldNum" sz="quarter" idx="12"/>
+          </p:nvPr>
+        </p:nvSpPr>
+        <p:spPr/>
+        <p:txBody>
+          <a:bodyPr/>
+          <a:lstStyle/>
+          <a:p>
+            <a:fld id="{25237327-9CA3-4762-8749-00D99BA09B6B}" type="slidenum">
+              <a:rPr lang="pt-BR" smtClean="0"/>
+              <a:t>4</a:t>
+            </a:fld>
+            <a:endParaRPr lang="pt-BR"/>
+          </a:p>
+        </p:txBody>
+      </p:sp>
+    </p:spTree>
+    <p:extLst>
+      <p:ext uri="{BB962C8B-B14F-4D97-AF65-F5344CB8AC3E}">
+        <p14:creationId xmlns:p14="http://schemas.microsoft.com/office/powerpoint/2010/main" val="1815465601"/>
       </p:ext>
     </p:extLst>
   </p:cSld>
@@ -12665,7 +14101,7 @@
     <a:masterClrMapping/>
   </p:clrMapOvr>
   <p:transition spd="slow">
-    <p:push dir="u"/>
+    <p:push/>
   </p:transition>
 </p:sld>
 </file>
@@ -12713,7 +14149,14 @@
                 <a:effectLst/>
                 <a:latin typeface="Söhne"/>
               </a:rPr>
-              <a:t>Principais Características</a:t>
+              <a:t>Introdução ao </a:t>
+            </a:r>
+            <a:r>
+              <a:rPr lang="pt-BR" b="1" i="0" dirty="0" err="1">
+                <a:effectLst/>
+                <a:latin typeface="Söhne"/>
+              </a:rPr>
+              <a:t>MongoDB</a:t>
             </a:r>
             <a:br>
               <a:rPr lang="pt-BR" b="1" i="0" dirty="0">
@@ -12722,22 +14165,39 @@
               </a:rPr>
             </a:br>
             <a:r>
-              <a:rPr lang="pt-BR" sz="2000" dirty="0">
+              <a:rPr lang="pt-BR" sz="2000" b="1" i="0" dirty="0">
+                <a:effectLst/>
                 <a:latin typeface="Söhne"/>
               </a:rPr>
-              <a:t>Diferenças entre </a:t>
-            </a:r>
-            <a:r>
-              <a:rPr lang="pt-BR" sz="2000" dirty="0" err="1">
+              <a:t>Breve histórico e evolução do </a:t>
+            </a:r>
+            <a:r>
+              <a:rPr lang="pt-BR" sz="2000" b="1" i="0" dirty="0" err="1">
+                <a:effectLst/>
                 <a:latin typeface="Söhne"/>
               </a:rPr>
               <a:t>MongoDB</a:t>
             </a:r>
             <a:r>
-              <a:rPr lang="pt-BR" sz="2000" dirty="0">
+              <a:rPr lang="pt-BR" sz="2000" b="1" i="0" dirty="0">
+                <a:effectLst/>
                 <a:latin typeface="Söhne"/>
               </a:rPr>
-              <a:t> e bancos SQL convencionais.</a:t>
+              <a:t> e </a:t>
+            </a:r>
+            <a:r>
+              <a:rPr lang="pt-BR" sz="2000" b="1" i="0" dirty="0" err="1">
+                <a:effectLst/>
+                <a:latin typeface="Söhne"/>
+              </a:rPr>
+              <a:t>NoSql</a:t>
+            </a:r>
+            <a:r>
+              <a:rPr lang="pt-BR" sz="2000" b="1" i="0" dirty="0">
+                <a:effectLst/>
+                <a:latin typeface="Söhne"/>
+              </a:rPr>
+              <a:t>.</a:t>
             </a:r>
             <a:endParaRPr lang="pt-BR" dirty="0"/>
           </a:p>
@@ -12759,12 +14219,93 @@
             <p:ph idx="1"/>
           </p:nvPr>
         </p:nvSpPr>
-        <p:spPr/>
-        <p:txBody>
-          <a:bodyPr/>
-          <a:lstStyle/>
-          <a:p>
-            <a:endParaRPr lang="pt-BR" dirty="0"/>
+        <p:spPr>
+          <a:xfrm>
+            <a:off x="810000" y="2657401"/>
+            <a:ext cx="5348823" cy="3636511"/>
+          </a:xfrm>
+        </p:spPr>
+        <p:txBody>
+          <a:bodyPr anchor="t"/>
+          <a:lstStyle/>
+          <a:p>
+            <a:pPr marL="0" indent="0" algn="just">
+              <a:buNone/>
+            </a:pPr>
+            <a:r>
+              <a:rPr lang="pt-BR" dirty="0">
+                <a:latin typeface="Segoe UI" panose="020B0502040204020203" pitchFamily="34" charset="0"/>
+                <a:cs typeface="Segoe UI" panose="020B0502040204020203" pitchFamily="34" charset="0"/>
+              </a:rPr>
+              <a:t>Outro assunto que fez os bancos de dados </a:t>
+            </a:r>
+            <a:r>
+              <a:rPr lang="pt-BR" dirty="0" err="1">
+                <a:latin typeface="Segoe UI" panose="020B0502040204020203" pitchFamily="34" charset="0"/>
+                <a:cs typeface="Segoe UI" panose="020B0502040204020203" pitchFamily="34" charset="0"/>
+              </a:rPr>
+              <a:t>NoSQL</a:t>
+            </a:r>
+            <a:r>
+              <a:rPr lang="pt-BR" dirty="0">
+                <a:latin typeface="Segoe UI" panose="020B0502040204020203" pitchFamily="34" charset="0"/>
+                <a:cs typeface="Segoe UI" panose="020B0502040204020203" pitchFamily="34" charset="0"/>
+              </a:rPr>
+              <a:t> ganharem popularidade, foi a necessidade de escalar e disponibilizar dados em diferentes servidores, em diferentes locais.</a:t>
+            </a:r>
+          </a:p>
+          <a:p>
+            <a:pPr marL="0" indent="0" algn="just">
+              <a:buNone/>
+            </a:pPr>
+            <a:endParaRPr lang="pt-BR" dirty="0">
+              <a:latin typeface="Segoe UI" panose="020B0502040204020203" pitchFamily="34" charset="0"/>
+              <a:cs typeface="Segoe UI" panose="020B0502040204020203" pitchFamily="34" charset="0"/>
+            </a:endParaRPr>
+          </a:p>
+          <a:p>
+            <a:pPr marL="0" indent="0" algn="just">
+              <a:buNone/>
+            </a:pPr>
+            <a:r>
+              <a:rPr lang="pt-BR" dirty="0">
+                <a:latin typeface="Segoe UI" panose="020B0502040204020203" pitchFamily="34" charset="0"/>
+                <a:cs typeface="Segoe UI" panose="020B0502040204020203" pitchFamily="34" charset="0"/>
+              </a:rPr>
+              <a:t>Ou seja, ao invés de ficar preso a um único servidor, alguns bancos de dados </a:t>
+            </a:r>
+            <a:r>
+              <a:rPr lang="pt-BR" dirty="0" err="1">
+                <a:latin typeface="Segoe UI" panose="020B0502040204020203" pitchFamily="34" charset="0"/>
+                <a:cs typeface="Segoe UI" panose="020B0502040204020203" pitchFamily="34" charset="0"/>
+              </a:rPr>
+              <a:t>NoSQL</a:t>
+            </a:r>
+            <a:r>
+              <a:rPr lang="pt-BR" dirty="0">
+                <a:latin typeface="Segoe UI" panose="020B0502040204020203" pitchFamily="34" charset="0"/>
+                <a:cs typeface="Segoe UI" panose="020B0502040204020203" pitchFamily="34" charset="0"/>
+              </a:rPr>
+              <a:t> permitem que os dados trafeguem e sejam utilizados em diversos servidores diferentes simultaneamente.</a:t>
+            </a:r>
+          </a:p>
+          <a:p>
+            <a:pPr marL="0" indent="0">
+              <a:buNone/>
+            </a:pPr>
+            <a:endParaRPr lang="pt-BR" dirty="0">
+              <a:latin typeface="Segoe UI" panose="020B0502040204020203" pitchFamily="34" charset="0"/>
+              <a:cs typeface="Segoe UI" panose="020B0502040204020203" pitchFamily="34" charset="0"/>
+            </a:endParaRPr>
+          </a:p>
+          <a:p>
+            <a:pPr marL="0" indent="0">
+              <a:buNone/>
+            </a:pPr>
+            <a:endParaRPr lang="pt-BR" dirty="0">
+              <a:latin typeface="Segoe UI" panose="020B0502040204020203" pitchFamily="34" charset="0"/>
+              <a:cs typeface="Segoe UI" panose="020B0502040204020203" pitchFamily="34" charset="0"/>
+            </a:endParaRPr>
           </a:p>
         </p:txBody>
       </p:sp>
@@ -12825,16 +14366,100 @@
           </a:p>
         </p:txBody>
       </p:sp>
+      <p:pic>
+        <p:nvPicPr>
+          <p:cNvPr id="6" name="Picture 2">
+            <a:extLst>
+              <a:ext uri="{FF2B5EF4-FFF2-40B4-BE49-F238E27FC236}">
+                <a16:creationId xmlns:a16="http://schemas.microsoft.com/office/drawing/2014/main" id="{79AAAC7B-F87C-BBE0-EAAC-B52CB14E523E}"/>
+              </a:ext>
+            </a:extLst>
+          </p:cNvPr>
+          <p:cNvPicPr>
+            <a:picLocks noChangeAspect="1" noChangeArrowheads="1"/>
+          </p:cNvPicPr>
+          <p:nvPr/>
+        </p:nvPicPr>
+        <p:blipFill>
+          <a:blip r:embed="rId2">
+            <a:extLst>
+              <a:ext uri="{28A0092B-C50C-407E-A947-70E740481C1C}">
+                <a14:useLocalDpi xmlns:a14="http://schemas.microsoft.com/office/drawing/2010/main" val="0"/>
+              </a:ext>
+            </a:extLst>
+          </a:blip>
+          <a:srcRect/>
+          <a:stretch/>
+        </p:blipFill>
+        <p:spPr bwMode="auto">
+          <a:xfrm>
+            <a:off x="6624519" y="2823060"/>
+            <a:ext cx="4505326" cy="1950066"/>
+          </a:xfrm>
+          <a:prstGeom prst="rect">
+            <a:avLst/>
+          </a:prstGeom>
+          <a:noFill/>
+          <a:effectLst>
+            <a:innerShdw blurRad="63500" dist="50800" dir="13500000">
+              <a:prstClr val="black">
+                <a:alpha val="50000"/>
+              </a:prstClr>
+            </a:innerShdw>
+          </a:effectLst>
+        </p:spPr>
+      </p:pic>
+      <p:sp>
+        <p:nvSpPr>
+          <p:cNvPr id="7" name="CaixaDeTexto 6">
+            <a:extLst>
+              <a:ext uri="{FF2B5EF4-FFF2-40B4-BE49-F238E27FC236}">
+                <a16:creationId xmlns:a16="http://schemas.microsoft.com/office/drawing/2014/main" id="{0D3BD040-1B69-0E02-7980-6707108169F6}"/>
+              </a:ext>
+            </a:extLst>
+          </p:cNvPr>
+          <p:cNvSpPr txBox="1"/>
+          <p:nvPr/>
+        </p:nvSpPr>
+        <p:spPr>
+          <a:xfrm>
+            <a:off x="6419849" y="4972089"/>
+            <a:ext cx="6148386" cy="276999"/>
+          </a:xfrm>
+          <a:prstGeom prst="rect">
+            <a:avLst/>
+          </a:prstGeom>
+          <a:noFill/>
+        </p:spPr>
+        <p:txBody>
+          <a:bodyPr wrap="square">
+            <a:spAutoFit/>
+          </a:bodyPr>
+          <a:lstStyle/>
+          <a:p>
+            <a:r>
+              <a:rPr lang="pt-BR" sz="1200" dirty="0">
+                <a:latin typeface="Segoe UI" panose="020B0502040204020203" pitchFamily="34" charset="0"/>
+                <a:cs typeface="Segoe UI" panose="020B0502040204020203" pitchFamily="34" charset="0"/>
+              </a:rPr>
+              <a:t>Representação visual de escalonamento vertical e horizontal, section.io</a:t>
+            </a:r>
+          </a:p>
+        </p:txBody>
+      </p:sp>
     </p:spTree>
     <p:extLst>
       <p:ext uri="{BB962C8B-B14F-4D97-AF65-F5344CB8AC3E}">
-        <p14:creationId xmlns:p14="http://schemas.microsoft.com/office/powerpoint/2010/main" val="3172907843"/>
+        <p14:creationId xmlns:p14="http://schemas.microsoft.com/office/powerpoint/2010/main" val="2338042209"/>
       </p:ext>
     </p:extLst>
   </p:cSld>
   <p:clrMapOvr>
     <a:masterClrMapping/>
   </p:clrMapOvr>
+  <p:transition spd="slow">
+    <p:push/>
+  </p:transition>
 </p:sld>
 </file>
 
@@ -12855,148 +14480,104 @@
           <a:chExt cx="0" cy="0"/>
         </a:xfrm>
       </p:grpSpPr>
-      <p:sp>
-        <p:nvSpPr>
-          <p:cNvPr id="2" name="Título 1">
+      <p:pic>
+        <p:nvPicPr>
+          <p:cNvPr id="5" name="Imagem 4">
             <a:extLst>
               <a:ext uri="{FF2B5EF4-FFF2-40B4-BE49-F238E27FC236}">
-                <a16:creationId xmlns:a16="http://schemas.microsoft.com/office/drawing/2014/main" id="{F0EA80E2-15DD-ABEB-539C-D3721B78C834}"/>
+                <a16:creationId xmlns:a16="http://schemas.microsoft.com/office/drawing/2014/main" id="{1C79E405-CB11-2D90-B746-2187C3983492}"/>
               </a:ext>
             </a:extLst>
           </p:cNvPr>
-          <p:cNvSpPr>
-            <a:spLocks noGrp="1"/>
-          </p:cNvSpPr>
-          <p:nvPr>
-            <p:ph type="title"/>
-          </p:nvPr>
-        </p:nvSpPr>
-        <p:spPr/>
-        <p:txBody>
-          <a:bodyPr/>
-          <a:lstStyle/>
-          <a:p>
-            <a:r>
-              <a:rPr lang="pt-BR" b="1" i="0" dirty="0">
-                <a:effectLst/>
-                <a:latin typeface="Söhne"/>
-              </a:rPr>
-              <a:t>Principais Características</a:t>
-            </a:r>
-            <a:br>
-              <a:rPr lang="pt-BR" b="1" i="0" dirty="0">
-                <a:effectLst/>
-                <a:latin typeface="Söhne"/>
-              </a:rPr>
-            </a:br>
-            <a:r>
-              <a:rPr lang="pt-BR" sz="2000" dirty="0">
-                <a:latin typeface="Söhne"/>
-              </a:rPr>
-              <a:t>Documentos BSON (</a:t>
-            </a:r>
-            <a:r>
-              <a:rPr lang="pt-BR" sz="2000" dirty="0" err="1">
-                <a:latin typeface="Söhne"/>
-              </a:rPr>
-              <a:t>Binary</a:t>
-            </a:r>
-            <a:r>
-              <a:rPr lang="pt-BR" sz="2000" dirty="0">
-                <a:latin typeface="Söhne"/>
-              </a:rPr>
-              <a:t> JSON).</a:t>
-            </a:r>
-            <a:endParaRPr lang="pt-BR" dirty="0"/>
-          </a:p>
-        </p:txBody>
-      </p:sp>
-      <p:sp>
-        <p:nvSpPr>
-          <p:cNvPr id="3" name="Espaço Reservado para Conteúdo 2">
+          <p:cNvPicPr>
+            <a:picLocks noChangeAspect="1"/>
+          </p:cNvPicPr>
+          <p:nvPr/>
+        </p:nvPicPr>
+        <p:blipFill>
+          <a:blip r:embed="rId2"/>
+          <a:stretch>
+            <a:fillRect/>
+          </a:stretch>
+        </p:blipFill>
+        <p:spPr>
+          <a:xfrm>
+            <a:off x="-21746" y="0"/>
+            <a:ext cx="12213746" cy="6858000"/>
+          </a:xfrm>
+          <a:prstGeom prst="rect">
+            <a:avLst/>
+          </a:prstGeom>
+        </p:spPr>
+      </p:pic>
+      <p:sp>
+        <p:nvSpPr>
+          <p:cNvPr id="16" name="CaixaDeTexto 15">
             <a:extLst>
               <a:ext uri="{FF2B5EF4-FFF2-40B4-BE49-F238E27FC236}">
-                <a16:creationId xmlns:a16="http://schemas.microsoft.com/office/drawing/2014/main" id="{1812B3A2-0B9F-7A1D-29BE-5783C0E7C666}"/>
+                <a16:creationId xmlns:a16="http://schemas.microsoft.com/office/drawing/2014/main" id="{24279469-2DDA-E628-E364-C8BECD32A244}"/>
               </a:ext>
             </a:extLst>
           </p:cNvPr>
-          <p:cNvSpPr>
-            <a:spLocks noGrp="1"/>
-          </p:cNvSpPr>
-          <p:nvPr>
-            <p:ph idx="1"/>
-          </p:nvPr>
-        </p:nvSpPr>
-        <p:spPr/>
-        <p:txBody>
-          <a:bodyPr/>
-          <a:lstStyle/>
-          <a:p>
-            <a:endParaRPr lang="pt-BR" dirty="0"/>
-          </a:p>
-        </p:txBody>
-      </p:sp>
-      <p:sp>
-        <p:nvSpPr>
-          <p:cNvPr id="4" name="Espaço Reservado para Rodapé 3">
-            <a:extLst>
-              <a:ext uri="{FF2B5EF4-FFF2-40B4-BE49-F238E27FC236}">
-                <a16:creationId xmlns:a16="http://schemas.microsoft.com/office/drawing/2014/main" id="{6739F8A8-C8BA-402C-CBC7-A02F2C81E04B}"/>
-              </a:ext>
-            </a:extLst>
-          </p:cNvPr>
-          <p:cNvSpPr>
-            <a:spLocks noGrp="1"/>
-          </p:cNvSpPr>
-          <p:nvPr>
-            <p:ph type="ftr" sz="quarter" idx="11"/>
-          </p:nvPr>
-        </p:nvSpPr>
-        <p:spPr/>
-        <p:txBody>
-          <a:bodyPr/>
-          <a:lstStyle/>
-          <a:p>
-            <a:r>
-              <a:rPr lang="pt-BR" dirty="0"/>
-              <a:t>https://lucas.gardini.dev</a:t>
-            </a:r>
-          </a:p>
-        </p:txBody>
-      </p:sp>
-      <p:sp>
-        <p:nvSpPr>
-          <p:cNvPr id="5" name="Espaço Reservado para Número de Slide 4">
-            <a:extLst>
-              <a:ext uri="{FF2B5EF4-FFF2-40B4-BE49-F238E27FC236}">
-                <a16:creationId xmlns:a16="http://schemas.microsoft.com/office/drawing/2014/main" id="{DE18193C-5A4B-8531-1D52-CBD20E415CBF}"/>
-              </a:ext>
-            </a:extLst>
-          </p:cNvPr>
-          <p:cNvSpPr>
-            <a:spLocks noGrp="1"/>
-          </p:cNvSpPr>
-          <p:nvPr>
-            <p:ph type="sldNum" sz="quarter" idx="12"/>
-          </p:nvPr>
-        </p:nvSpPr>
-        <p:spPr/>
-        <p:txBody>
-          <a:bodyPr/>
-          <a:lstStyle/>
-          <a:p>
-            <a:fld id="{25237327-9CA3-4762-8749-00D99BA09B6B}" type="slidenum">
-              <a:rPr lang="pt-BR" smtClean="0"/>
-              <a:t>6</a:t>
-            </a:fld>
-            <a:endParaRPr lang="pt-BR"/>
+          <p:cNvSpPr txBox="1"/>
+          <p:nvPr/>
+        </p:nvSpPr>
+        <p:spPr>
+          <a:xfrm>
+            <a:off x="660859" y="1905506"/>
+            <a:ext cx="10870283" cy="3046988"/>
+          </a:xfrm>
+          <a:prstGeom prst="rect">
+            <a:avLst/>
+          </a:prstGeom>
+          <a:noFill/>
+          <a:effectLst>
+            <a:outerShdw blurRad="63500" sx="102000" sy="102000" algn="ctr" rotWithShape="0">
+              <a:prstClr val="black">
+                <a:alpha val="40000"/>
+              </a:prstClr>
+            </a:outerShdw>
+          </a:effectLst>
+        </p:spPr>
+        <p:txBody>
+          <a:bodyPr wrap="none" rtlCol="0">
+            <a:spAutoFit/>
+          </a:bodyPr>
+          <a:lstStyle/>
+          <a:p>
+            <a:r>
+              <a:rPr lang="pt-BR" sz="9600" b="1" dirty="0">
+                <a:effectLst>
+                  <a:outerShdw blurRad="50800" dist="38100" dir="2700000" algn="tl" rotWithShape="0">
+                    <a:prstClr val="black">
+                      <a:alpha val="40000"/>
+                    </a:prstClr>
+                  </a:outerShdw>
+                </a:effectLst>
+              </a:rPr>
+              <a:t>PRINCIPAIS </a:t>
+            </a:r>
+          </a:p>
+          <a:p>
+            <a:r>
+              <a:rPr lang="pt-BR" sz="9600" b="1" dirty="0">
+                <a:effectLst>
+                  <a:outerShdw blurRad="50800" dist="38100" dir="2700000" algn="tl" rotWithShape="0">
+                    <a:prstClr val="black">
+                      <a:alpha val="40000"/>
+                    </a:prstClr>
+                  </a:outerShdw>
+                </a:effectLst>
+              </a:rPr>
+              <a:t>CARACTERÍSTICAS</a:t>
+            </a:r>
           </a:p>
         </p:txBody>
       </p:sp>
     </p:spTree>
     <p:extLst>
       <p:ext uri="{BB962C8B-B14F-4D97-AF65-F5344CB8AC3E}">
-        <p14:creationId xmlns:p14="http://schemas.microsoft.com/office/powerpoint/2010/main" val="2680432919"/>
+        <p14:creationId xmlns:p14="http://schemas.microsoft.com/office/powerpoint/2010/main" val="4124862665"/>
       </p:ext>
     </p:extLst>
   </p:cSld>
@@ -13061,33 +14642,20 @@
               <a:rPr lang="pt-BR" sz="2000" dirty="0">
                 <a:latin typeface="Söhne"/>
               </a:rPr>
-              <a:t>Esquemas dinâmicos.</a:t>
-            </a:r>
-            <a:endParaRPr lang="pt-BR" dirty="0"/>
-          </a:p>
-        </p:txBody>
-      </p:sp>
-      <p:sp>
-        <p:nvSpPr>
-          <p:cNvPr id="3" name="Espaço Reservado para Conteúdo 2">
-            <a:extLst>
-              <a:ext uri="{FF2B5EF4-FFF2-40B4-BE49-F238E27FC236}">
-                <a16:creationId xmlns:a16="http://schemas.microsoft.com/office/drawing/2014/main" id="{1812B3A2-0B9F-7A1D-29BE-5783C0E7C666}"/>
-              </a:ext>
-            </a:extLst>
-          </p:cNvPr>
-          <p:cNvSpPr>
-            <a:spLocks noGrp="1"/>
-          </p:cNvSpPr>
-          <p:nvPr>
-            <p:ph idx="1"/>
-          </p:nvPr>
-        </p:nvSpPr>
-        <p:spPr/>
-        <p:txBody>
-          <a:bodyPr/>
-          <a:lstStyle/>
-          <a:p>
+              <a:t>Diferenças entre </a:t>
+            </a:r>
+            <a:r>
+              <a:rPr lang="pt-BR" sz="2000" dirty="0" err="1">
+                <a:latin typeface="Söhne"/>
+              </a:rPr>
+              <a:t>MongoDB</a:t>
+            </a:r>
+            <a:r>
+              <a:rPr lang="pt-BR" sz="2000" dirty="0">
+                <a:latin typeface="Söhne"/>
+              </a:rPr>
+              <a:t> e bancos SQL convencionais.</a:t>
+            </a:r>
             <a:endParaRPr lang="pt-BR" dirty="0"/>
           </a:p>
         </p:txBody>
@@ -13149,10 +14717,204 @@
           </a:p>
         </p:txBody>
       </p:sp>
+      <p:sp>
+        <p:nvSpPr>
+          <p:cNvPr id="6" name="Espaço Reservado para Conteúdo 2">
+            <a:extLst>
+              <a:ext uri="{FF2B5EF4-FFF2-40B4-BE49-F238E27FC236}">
+                <a16:creationId xmlns:a16="http://schemas.microsoft.com/office/drawing/2014/main" id="{54FF082D-00F6-C1CF-8631-B4FF185AEFDC}"/>
+              </a:ext>
+            </a:extLst>
+          </p:cNvPr>
+          <p:cNvSpPr>
+            <a:spLocks noGrp="1"/>
+          </p:cNvSpPr>
+          <p:nvPr>
+            <p:ph idx="1"/>
+          </p:nvPr>
+        </p:nvSpPr>
+        <p:spPr>
+          <a:xfrm>
+            <a:off x="818712" y="2660437"/>
+            <a:ext cx="5526104" cy="3636511"/>
+          </a:xfrm>
+        </p:spPr>
+        <p:txBody>
+          <a:bodyPr anchor="t"/>
+          <a:lstStyle/>
+          <a:p>
+            <a:pPr marL="0" indent="0" algn="just">
+              <a:buNone/>
+            </a:pPr>
+            <a:r>
+              <a:rPr lang="pt-BR" dirty="0">
+                <a:latin typeface="Segoe UI" panose="020B0502040204020203" pitchFamily="34" charset="0"/>
+                <a:cs typeface="Segoe UI" panose="020B0502040204020203" pitchFamily="34" charset="0"/>
+              </a:rPr>
+              <a:t>Diferente do conceito das tabelas que temos nos bancos de dados SQL, temos o conceito de documentos no </a:t>
+            </a:r>
+            <a:r>
+              <a:rPr lang="pt-BR" dirty="0" err="1">
+                <a:latin typeface="Segoe UI" panose="020B0502040204020203" pitchFamily="34" charset="0"/>
+                <a:cs typeface="Segoe UI" panose="020B0502040204020203" pitchFamily="34" charset="0"/>
+              </a:rPr>
+              <a:t>MongoDB</a:t>
+            </a:r>
+            <a:r>
+              <a:rPr lang="pt-BR" dirty="0">
+                <a:latin typeface="Segoe UI" panose="020B0502040204020203" pitchFamily="34" charset="0"/>
+                <a:cs typeface="Segoe UI" panose="020B0502040204020203" pitchFamily="34" charset="0"/>
+              </a:rPr>
+              <a:t>.</a:t>
+            </a:r>
+          </a:p>
+          <a:p>
+            <a:pPr marL="0" indent="0" algn="just">
+              <a:buNone/>
+            </a:pPr>
+            <a:endParaRPr lang="pt-BR" dirty="0">
+              <a:latin typeface="Segoe UI" panose="020B0502040204020203" pitchFamily="34" charset="0"/>
+              <a:cs typeface="Segoe UI" panose="020B0502040204020203" pitchFamily="34" charset="0"/>
+            </a:endParaRPr>
+          </a:p>
+          <a:p>
+            <a:pPr marL="0" indent="0" algn="just">
+              <a:buNone/>
+            </a:pPr>
+            <a:r>
+              <a:rPr lang="pt-BR" dirty="0">
+                <a:latin typeface="Segoe UI" panose="020B0502040204020203" pitchFamily="34" charset="0"/>
+                <a:cs typeface="Segoe UI" panose="020B0502040204020203" pitchFamily="34" charset="0"/>
+              </a:rPr>
+              <a:t>A diferença entre eles não é difícil, mas um pouco complexa.</a:t>
+            </a:r>
+          </a:p>
+          <a:p>
+            <a:pPr marL="0" indent="0" algn="just">
+              <a:buNone/>
+            </a:pPr>
+            <a:endParaRPr lang="pt-BR" dirty="0">
+              <a:latin typeface="Segoe UI" panose="020B0502040204020203" pitchFamily="34" charset="0"/>
+              <a:cs typeface="Segoe UI" panose="020B0502040204020203" pitchFamily="34" charset="0"/>
+            </a:endParaRPr>
+          </a:p>
+          <a:p>
+            <a:pPr marL="0" indent="0" algn="just">
+              <a:buNone/>
+            </a:pPr>
+            <a:r>
+              <a:rPr lang="pt-BR" dirty="0">
+                <a:latin typeface="Segoe UI" panose="020B0502040204020203" pitchFamily="34" charset="0"/>
+                <a:cs typeface="Segoe UI" panose="020B0502040204020203" pitchFamily="34" charset="0"/>
+              </a:rPr>
+              <a:t>Observe o exemplo de um “documento” ao lado.</a:t>
+            </a:r>
+          </a:p>
+          <a:p>
+            <a:pPr marL="0" indent="0">
+              <a:buNone/>
+            </a:pPr>
+            <a:endParaRPr lang="pt-BR" dirty="0">
+              <a:latin typeface="Segoe UI" panose="020B0502040204020203" pitchFamily="34" charset="0"/>
+              <a:cs typeface="Segoe UI" panose="020B0502040204020203" pitchFamily="34" charset="0"/>
+            </a:endParaRPr>
+          </a:p>
+          <a:p>
+            <a:pPr marL="0" indent="0">
+              <a:buNone/>
+            </a:pPr>
+            <a:endParaRPr lang="pt-BR" dirty="0">
+              <a:latin typeface="Segoe UI" panose="020B0502040204020203" pitchFamily="34" charset="0"/>
+              <a:cs typeface="Segoe UI" panose="020B0502040204020203" pitchFamily="34" charset="0"/>
+            </a:endParaRPr>
+          </a:p>
+        </p:txBody>
+      </p:sp>
+      <p:pic>
+        <p:nvPicPr>
+          <p:cNvPr id="7" name="Picture 2">
+            <a:extLst>
+              <a:ext uri="{FF2B5EF4-FFF2-40B4-BE49-F238E27FC236}">
+                <a16:creationId xmlns:a16="http://schemas.microsoft.com/office/drawing/2014/main" id="{ACF47ACF-F5C8-CE98-452C-10028143E890}"/>
+              </a:ext>
+            </a:extLst>
+          </p:cNvPr>
+          <p:cNvPicPr>
+            <a:picLocks noChangeAspect="1" noChangeArrowheads="1"/>
+          </p:cNvPicPr>
+          <p:nvPr/>
+        </p:nvPicPr>
+        <p:blipFill>
+          <a:blip r:embed="rId2">
+            <a:extLst>
+              <a:ext uri="{28A0092B-C50C-407E-A947-70E740481C1C}">
+                <a14:useLocalDpi xmlns:a14="http://schemas.microsoft.com/office/drawing/2010/main" val="0"/>
+              </a:ext>
+            </a:extLst>
+          </a:blip>
+          <a:srcRect/>
+          <a:stretch/>
+        </p:blipFill>
+        <p:spPr bwMode="auto">
+          <a:xfrm>
+            <a:off x="7261912" y="2660437"/>
+            <a:ext cx="3358417" cy="2112689"/>
+          </a:xfrm>
+          <a:prstGeom prst="rect">
+            <a:avLst/>
+          </a:prstGeom>
+          <a:noFill/>
+          <a:effectLst>
+            <a:innerShdw blurRad="63500" dist="50800" dir="13500000">
+              <a:prstClr val="black">
+                <a:alpha val="50000"/>
+              </a:prstClr>
+            </a:innerShdw>
+          </a:effectLst>
+        </p:spPr>
+      </p:pic>
+      <p:sp>
+        <p:nvSpPr>
+          <p:cNvPr id="8" name="CaixaDeTexto 7">
+            <a:extLst>
+              <a:ext uri="{FF2B5EF4-FFF2-40B4-BE49-F238E27FC236}">
+                <a16:creationId xmlns:a16="http://schemas.microsoft.com/office/drawing/2014/main" id="{25FFA9E1-1847-687F-5CB7-AD974E5E08E0}"/>
+              </a:ext>
+            </a:extLst>
+          </p:cNvPr>
+          <p:cNvSpPr txBox="1"/>
+          <p:nvPr/>
+        </p:nvSpPr>
+        <p:spPr>
+          <a:xfrm>
+            <a:off x="7223812" y="4969053"/>
+            <a:ext cx="6148386" cy="276999"/>
+          </a:xfrm>
+          <a:prstGeom prst="rect">
+            <a:avLst/>
+          </a:prstGeom>
+          <a:noFill/>
+        </p:spPr>
+        <p:txBody>
+          <a:bodyPr wrap="square">
+            <a:spAutoFit/>
+          </a:bodyPr>
+          <a:lstStyle/>
+          <a:p>
+            <a:r>
+              <a:rPr lang="pt-BR" sz="1200" dirty="0">
+                <a:latin typeface="Segoe UI" panose="020B0502040204020203" pitchFamily="34" charset="0"/>
+                <a:cs typeface="Segoe UI" panose="020B0502040204020203" pitchFamily="34" charset="0"/>
+              </a:rPr>
+              <a:t>Representação visual de um documento mongo</a:t>
+            </a:r>
+          </a:p>
+        </p:txBody>
+      </p:sp>
     </p:spTree>
     <p:extLst>
       <p:ext uri="{BB962C8B-B14F-4D97-AF65-F5344CB8AC3E}">
-        <p14:creationId xmlns:p14="http://schemas.microsoft.com/office/powerpoint/2010/main" val="1074818923"/>
+        <p14:creationId xmlns:p14="http://schemas.microsoft.com/office/powerpoint/2010/main" val="3172907843"/>
       </p:ext>
     </p:extLst>
   </p:cSld>
@@ -13217,33 +14979,20 @@
               <a:rPr lang="pt-BR" sz="2000" dirty="0">
                 <a:latin typeface="Söhne"/>
               </a:rPr>
-              <a:t>Escalabilidade horizontal.</a:t>
-            </a:r>
-            <a:endParaRPr lang="pt-BR" dirty="0"/>
-          </a:p>
-        </p:txBody>
-      </p:sp>
-      <p:sp>
-        <p:nvSpPr>
-          <p:cNvPr id="3" name="Espaço Reservado para Conteúdo 2">
-            <a:extLst>
-              <a:ext uri="{FF2B5EF4-FFF2-40B4-BE49-F238E27FC236}">
-                <a16:creationId xmlns:a16="http://schemas.microsoft.com/office/drawing/2014/main" id="{1812B3A2-0B9F-7A1D-29BE-5783C0E7C666}"/>
-              </a:ext>
-            </a:extLst>
-          </p:cNvPr>
-          <p:cNvSpPr>
-            <a:spLocks noGrp="1"/>
-          </p:cNvSpPr>
-          <p:nvPr>
-            <p:ph idx="1"/>
-          </p:nvPr>
-        </p:nvSpPr>
-        <p:spPr/>
-        <p:txBody>
-          <a:bodyPr/>
-          <a:lstStyle/>
-          <a:p>
+              <a:t>Documentos BSON (</a:t>
+            </a:r>
+            <a:r>
+              <a:rPr lang="pt-BR" sz="2000" dirty="0" err="1">
+                <a:latin typeface="Söhne"/>
+              </a:rPr>
+              <a:t>Binary</a:t>
+            </a:r>
+            <a:r>
+              <a:rPr lang="pt-BR" sz="2000" dirty="0">
+                <a:latin typeface="Söhne"/>
+              </a:rPr>
+              <a:t> JSON).</a:t>
+            </a:r>
             <a:endParaRPr lang="pt-BR" dirty="0"/>
           </a:p>
         </p:txBody>
@@ -13305,10 +15054,281 @@
           </a:p>
         </p:txBody>
       </p:sp>
+      <p:sp>
+        <p:nvSpPr>
+          <p:cNvPr id="6" name="Espaço Reservado para Conteúdo 2">
+            <a:extLst>
+              <a:ext uri="{FF2B5EF4-FFF2-40B4-BE49-F238E27FC236}">
+                <a16:creationId xmlns:a16="http://schemas.microsoft.com/office/drawing/2014/main" id="{2049F709-0379-7C5E-AE37-1EA69D372C59}"/>
+              </a:ext>
+            </a:extLst>
+          </p:cNvPr>
+          <p:cNvSpPr txBox="1">
+            <a:spLocks/>
+          </p:cNvSpPr>
+          <p:nvPr/>
+        </p:nvSpPr>
+        <p:spPr>
+          <a:xfrm>
+            <a:off x="818712" y="2660437"/>
+            <a:ext cx="5526104" cy="3636511"/>
+          </a:xfrm>
+          <a:prstGeom prst="rect">
+            <a:avLst/>
+          </a:prstGeom>
+          <a:effectLst>
+            <a:outerShdw blurRad="50800" dir="14400000">
+              <a:srgbClr val="000000">
+                <a:alpha val="40000"/>
+              </a:srgbClr>
+            </a:outerShdw>
+          </a:effectLst>
+        </p:spPr>
+        <p:txBody>
+          <a:bodyPr vert="horz" lIns="91440" tIns="45720" rIns="91440" bIns="45720" rtlCol="0" anchor="t">
+            <a:normAutofit/>
+          </a:bodyPr>
+          <a:lstStyle>
+            <a:lvl1pPr marL="342900" indent="-342900" algn="l" defTabSz="457200" rtl="0" eaLnBrk="1" latinLnBrk="0" hangingPunct="1">
+              <a:spcBef>
+                <a:spcPct val="20000"/>
+              </a:spcBef>
+              <a:spcAft>
+                <a:spcPts val="600"/>
+              </a:spcAft>
+              <a:buClr>
+                <a:schemeClr val="accent1"/>
+              </a:buClr>
+              <a:buFont typeface="Wingdings 2" charset="2"/>
+              <a:buChar char=""/>
+              <a:defRPr sz="1800" kern="1200">
+                <a:solidFill>
+                  <a:schemeClr val="tx1"/>
+                </a:solidFill>
+                <a:latin typeface="+mn-lt"/>
+                <a:ea typeface="+mn-ea"/>
+                <a:cs typeface="+mn-cs"/>
+              </a:defRPr>
+            </a:lvl1pPr>
+            <a:lvl2pPr marL="742950" indent="-285750" algn="l" defTabSz="457200" rtl="0" eaLnBrk="1" latinLnBrk="0" hangingPunct="1">
+              <a:spcBef>
+                <a:spcPct val="20000"/>
+              </a:spcBef>
+              <a:spcAft>
+                <a:spcPts val="600"/>
+              </a:spcAft>
+              <a:buClr>
+                <a:schemeClr val="accent1"/>
+              </a:buClr>
+              <a:buFont typeface="Wingdings 2" charset="2"/>
+              <a:buChar char=""/>
+              <a:defRPr sz="1600" kern="1200">
+                <a:solidFill>
+                  <a:schemeClr val="tx1"/>
+                </a:solidFill>
+                <a:latin typeface="+mn-lt"/>
+                <a:ea typeface="+mn-ea"/>
+                <a:cs typeface="+mn-cs"/>
+              </a:defRPr>
+            </a:lvl2pPr>
+            <a:lvl3pPr marL="1143000" indent="-228600" algn="l" defTabSz="457200" rtl="0" eaLnBrk="1" latinLnBrk="0" hangingPunct="1">
+              <a:spcBef>
+                <a:spcPct val="20000"/>
+              </a:spcBef>
+              <a:spcAft>
+                <a:spcPts val="600"/>
+              </a:spcAft>
+              <a:buClr>
+                <a:schemeClr val="accent1"/>
+              </a:buClr>
+              <a:buFont typeface="Wingdings 2" charset="2"/>
+              <a:buChar char=""/>
+              <a:defRPr sz="1400" kern="1200">
+                <a:solidFill>
+                  <a:schemeClr val="tx1"/>
+                </a:solidFill>
+                <a:latin typeface="+mn-lt"/>
+                <a:ea typeface="+mn-ea"/>
+                <a:cs typeface="+mn-cs"/>
+              </a:defRPr>
+            </a:lvl3pPr>
+            <a:lvl4pPr marL="1600200" indent="-228600" algn="l" defTabSz="457200" rtl="0" eaLnBrk="1" latinLnBrk="0" hangingPunct="1">
+              <a:spcBef>
+                <a:spcPct val="20000"/>
+              </a:spcBef>
+              <a:spcAft>
+                <a:spcPts val="600"/>
+              </a:spcAft>
+              <a:buClr>
+                <a:schemeClr val="accent1"/>
+              </a:buClr>
+              <a:buFont typeface="Wingdings 2" charset="2"/>
+              <a:buChar char=""/>
+              <a:defRPr sz="1200" kern="1200">
+                <a:solidFill>
+                  <a:schemeClr val="tx1"/>
+                </a:solidFill>
+                <a:latin typeface="+mn-lt"/>
+                <a:ea typeface="+mn-ea"/>
+                <a:cs typeface="+mn-cs"/>
+              </a:defRPr>
+            </a:lvl4pPr>
+            <a:lvl5pPr marL="2057400" indent="-228600" algn="l" defTabSz="457200" rtl="0" eaLnBrk="1" latinLnBrk="0" hangingPunct="1">
+              <a:spcBef>
+                <a:spcPct val="20000"/>
+              </a:spcBef>
+              <a:spcAft>
+                <a:spcPts val="600"/>
+              </a:spcAft>
+              <a:buClr>
+                <a:schemeClr val="accent1"/>
+              </a:buClr>
+              <a:buFont typeface="Wingdings 2" charset="2"/>
+              <a:buChar char=""/>
+              <a:defRPr sz="1200" kern="1200">
+                <a:solidFill>
+                  <a:schemeClr val="tx1"/>
+                </a:solidFill>
+                <a:latin typeface="+mn-lt"/>
+                <a:ea typeface="+mn-ea"/>
+                <a:cs typeface="+mn-cs"/>
+              </a:defRPr>
+            </a:lvl5pPr>
+            <a:lvl6pPr marL="2400000" indent="-228600" algn="l" defTabSz="457200" rtl="0" eaLnBrk="1" latinLnBrk="0" hangingPunct="1">
+              <a:spcBef>
+                <a:spcPct val="20000"/>
+              </a:spcBef>
+              <a:spcAft>
+                <a:spcPts val="600"/>
+              </a:spcAft>
+              <a:buClr>
+                <a:schemeClr val="accent1"/>
+              </a:buClr>
+              <a:buFont typeface="Wingdings 2" charset="2"/>
+              <a:buChar char=""/>
+              <a:defRPr sz="1200" kern="1200">
+                <a:solidFill>
+                  <a:schemeClr val="tx1"/>
+                </a:solidFill>
+                <a:latin typeface="+mn-lt"/>
+                <a:ea typeface="+mn-ea"/>
+                <a:cs typeface="+mn-cs"/>
+              </a:defRPr>
+            </a:lvl6pPr>
+            <a:lvl7pPr marL="2800000" indent="-228600" algn="l" defTabSz="457200" rtl="0" eaLnBrk="1" latinLnBrk="0" hangingPunct="1">
+              <a:spcBef>
+                <a:spcPct val="20000"/>
+              </a:spcBef>
+              <a:spcAft>
+                <a:spcPts val="600"/>
+              </a:spcAft>
+              <a:buClr>
+                <a:schemeClr val="accent1"/>
+              </a:buClr>
+              <a:buFont typeface="Wingdings 2" charset="2"/>
+              <a:buChar char=""/>
+              <a:defRPr sz="1200" kern="1200">
+                <a:solidFill>
+                  <a:schemeClr val="tx1"/>
+                </a:solidFill>
+                <a:latin typeface="+mn-lt"/>
+                <a:ea typeface="+mn-ea"/>
+                <a:cs typeface="+mn-cs"/>
+              </a:defRPr>
+            </a:lvl7pPr>
+            <a:lvl8pPr marL="3200000" indent="-228600" algn="l" defTabSz="457200" rtl="0" eaLnBrk="1" latinLnBrk="0" hangingPunct="1">
+              <a:spcBef>
+                <a:spcPct val="20000"/>
+              </a:spcBef>
+              <a:spcAft>
+                <a:spcPts val="600"/>
+              </a:spcAft>
+              <a:buClr>
+                <a:schemeClr val="accent1"/>
+              </a:buClr>
+              <a:buFont typeface="Wingdings 2" charset="2"/>
+              <a:buChar char=""/>
+              <a:defRPr sz="1200" kern="1200">
+                <a:solidFill>
+                  <a:schemeClr val="tx1"/>
+                </a:solidFill>
+                <a:latin typeface="+mn-lt"/>
+                <a:ea typeface="+mn-ea"/>
+                <a:cs typeface="+mn-cs"/>
+              </a:defRPr>
+            </a:lvl8pPr>
+            <a:lvl9pPr marL="3600000" indent="-228600" algn="l" defTabSz="457200" rtl="0" eaLnBrk="1" latinLnBrk="0" hangingPunct="1">
+              <a:spcBef>
+                <a:spcPct val="20000"/>
+              </a:spcBef>
+              <a:spcAft>
+                <a:spcPts val="600"/>
+              </a:spcAft>
+              <a:buClr>
+                <a:schemeClr val="accent1"/>
+              </a:buClr>
+              <a:buFont typeface="Wingdings 2" charset="2"/>
+              <a:buChar char=""/>
+              <a:defRPr sz="1200" kern="1200">
+                <a:solidFill>
+                  <a:schemeClr val="tx1"/>
+                </a:solidFill>
+                <a:latin typeface="+mn-lt"/>
+                <a:ea typeface="+mn-ea"/>
+                <a:cs typeface="+mn-cs"/>
+              </a:defRPr>
+            </a:lvl9pPr>
+          </a:lstStyle>
+          <a:p>
+            <a:pPr marL="0" indent="0" algn="just">
+              <a:buFont typeface="Wingdings 2" charset="2"/>
+              <a:buNone/>
+            </a:pPr>
+            <a:r>
+              <a:rPr lang="pt-BR" dirty="0">
+                <a:latin typeface="Segoe UI" panose="020B0502040204020203" pitchFamily="34" charset="0"/>
+                <a:cs typeface="Segoe UI" panose="020B0502040204020203" pitchFamily="34" charset="0"/>
+              </a:rPr>
+              <a:t>Os documentos BSON seguem um padrão de estrutura iguais </a:t>
+            </a:r>
+            <a:r>
+              <a:rPr lang="pt-BR">
+                <a:latin typeface="Segoe UI" panose="020B0502040204020203" pitchFamily="34" charset="0"/>
+                <a:cs typeface="Segoe UI" panose="020B0502040204020203" pitchFamily="34" charset="0"/>
+              </a:rPr>
+              <a:t>a objetos JSON. </a:t>
+            </a:r>
+            <a:endParaRPr lang="pt-BR" dirty="0">
+              <a:latin typeface="Segoe UI" panose="020B0502040204020203" pitchFamily="34" charset="0"/>
+              <a:cs typeface="Segoe UI" panose="020B0502040204020203" pitchFamily="34" charset="0"/>
+            </a:endParaRPr>
+          </a:p>
+          <a:p>
+            <a:pPr marL="0" indent="0">
+              <a:buFont typeface="Wingdings 2" charset="2"/>
+              <a:buNone/>
+            </a:pPr>
+            <a:endParaRPr lang="pt-BR" dirty="0">
+              <a:latin typeface="Segoe UI" panose="020B0502040204020203" pitchFamily="34" charset="0"/>
+              <a:cs typeface="Segoe UI" panose="020B0502040204020203" pitchFamily="34" charset="0"/>
+            </a:endParaRPr>
+          </a:p>
+          <a:p>
+            <a:pPr marL="0" indent="0">
+              <a:buFont typeface="Wingdings 2" charset="2"/>
+              <a:buNone/>
+            </a:pPr>
+            <a:endParaRPr lang="pt-BR" dirty="0">
+              <a:latin typeface="Segoe UI" panose="020B0502040204020203" pitchFamily="34" charset="0"/>
+              <a:cs typeface="Segoe UI" panose="020B0502040204020203" pitchFamily="34" charset="0"/>
+            </a:endParaRPr>
+          </a:p>
+        </p:txBody>
+      </p:sp>
     </p:spTree>
     <p:extLst>
       <p:ext uri="{BB962C8B-B14F-4D97-AF65-F5344CB8AC3E}">
-        <p14:creationId xmlns:p14="http://schemas.microsoft.com/office/powerpoint/2010/main" val="2944004747"/>
+        <p14:creationId xmlns:p14="http://schemas.microsoft.com/office/powerpoint/2010/main" val="2680432919"/>
       </p:ext>
     </p:extLst>
   </p:cSld>
@@ -13337,10 +15357,10 @@
       </p:grpSpPr>
       <p:sp>
         <p:nvSpPr>
-          <p:cNvPr id="4" name="Espaço Reservado para Número de Slide 3">
+          <p:cNvPr id="2" name="Título 1">
             <a:extLst>
               <a:ext uri="{FF2B5EF4-FFF2-40B4-BE49-F238E27FC236}">
-                <a16:creationId xmlns:a16="http://schemas.microsoft.com/office/drawing/2014/main" id="{7D0ADA87-DAA8-3E4F-5D82-BEFEFA209AE3}"/>
+                <a16:creationId xmlns:a16="http://schemas.microsoft.com/office/drawing/2014/main" id="{F0EA80E2-15DD-ABEB-539C-D3721B78C834}"/>
               </a:ext>
             </a:extLst>
           </p:cNvPr>
@@ -13348,279 +15368,123 @@
             <a:spLocks noGrp="1"/>
           </p:cNvSpPr>
           <p:nvPr>
+            <p:ph type="title"/>
+          </p:nvPr>
+        </p:nvSpPr>
+        <p:spPr/>
+        <p:txBody>
+          <a:bodyPr/>
+          <a:lstStyle/>
+          <a:p>
+            <a:r>
+              <a:rPr lang="pt-BR" b="1" i="0" dirty="0">
+                <a:effectLst/>
+                <a:latin typeface="Söhne"/>
+              </a:rPr>
+              <a:t>Principais Características</a:t>
+            </a:r>
+            <a:br>
+              <a:rPr lang="pt-BR" b="1" i="0" dirty="0">
+                <a:effectLst/>
+                <a:latin typeface="Söhne"/>
+              </a:rPr>
+            </a:br>
+            <a:r>
+              <a:rPr lang="pt-BR" sz="2000" dirty="0">
+                <a:latin typeface="Söhne"/>
+              </a:rPr>
+              <a:t>Esquemas dinâmicos.</a:t>
+            </a:r>
+            <a:endParaRPr lang="pt-BR" dirty="0"/>
+          </a:p>
+        </p:txBody>
+      </p:sp>
+      <p:sp>
+        <p:nvSpPr>
+          <p:cNvPr id="3" name="Espaço Reservado para Conteúdo 2">
+            <a:extLst>
+              <a:ext uri="{FF2B5EF4-FFF2-40B4-BE49-F238E27FC236}">
+                <a16:creationId xmlns:a16="http://schemas.microsoft.com/office/drawing/2014/main" id="{1812B3A2-0B9F-7A1D-29BE-5783C0E7C666}"/>
+              </a:ext>
+            </a:extLst>
+          </p:cNvPr>
+          <p:cNvSpPr>
+            <a:spLocks noGrp="1"/>
+          </p:cNvSpPr>
+          <p:nvPr>
+            <p:ph idx="1"/>
+          </p:nvPr>
+        </p:nvSpPr>
+        <p:spPr/>
+        <p:txBody>
+          <a:bodyPr/>
+          <a:lstStyle/>
+          <a:p>
+            <a:endParaRPr lang="pt-BR" dirty="0"/>
+          </a:p>
+        </p:txBody>
+      </p:sp>
+      <p:sp>
+        <p:nvSpPr>
+          <p:cNvPr id="4" name="Espaço Reservado para Rodapé 3">
+            <a:extLst>
+              <a:ext uri="{FF2B5EF4-FFF2-40B4-BE49-F238E27FC236}">
+                <a16:creationId xmlns:a16="http://schemas.microsoft.com/office/drawing/2014/main" id="{6739F8A8-C8BA-402C-CBC7-A02F2C81E04B}"/>
+              </a:ext>
+            </a:extLst>
+          </p:cNvPr>
+          <p:cNvSpPr>
+            <a:spLocks noGrp="1"/>
+          </p:cNvSpPr>
+          <p:nvPr>
+            <p:ph type="ftr" sz="quarter" idx="11"/>
+          </p:nvPr>
+        </p:nvSpPr>
+        <p:spPr/>
+        <p:txBody>
+          <a:bodyPr/>
+          <a:lstStyle/>
+          <a:p>
+            <a:r>
+              <a:rPr lang="pt-BR" dirty="0"/>
+              <a:t>https://lucas.gardini.dev</a:t>
+            </a:r>
+          </a:p>
+        </p:txBody>
+      </p:sp>
+      <p:sp>
+        <p:nvSpPr>
+          <p:cNvPr id="5" name="Espaço Reservado para Número de Slide 4">
+            <a:extLst>
+              <a:ext uri="{FF2B5EF4-FFF2-40B4-BE49-F238E27FC236}">
+                <a16:creationId xmlns:a16="http://schemas.microsoft.com/office/drawing/2014/main" id="{DE18193C-5A4B-8531-1D52-CBD20E415CBF}"/>
+              </a:ext>
+            </a:extLst>
+          </p:cNvPr>
+          <p:cNvSpPr>
+            <a:spLocks noGrp="1"/>
+          </p:cNvSpPr>
+          <p:nvPr>
             <p:ph type="sldNum" sz="quarter" idx="12"/>
           </p:nvPr>
         </p:nvSpPr>
-        <p:spPr>
-          <a:xfrm>
-            <a:off x="11079045" y="6316601"/>
-            <a:ext cx="1062155" cy="490599"/>
-          </a:xfrm>
-        </p:spPr>
+        <p:spPr/>
         <p:txBody>
           <a:bodyPr/>
           <a:lstStyle/>
           <a:p>
             <a:fld id="{25237327-9CA3-4762-8749-00D99BA09B6B}" type="slidenum">
-              <a:rPr lang="pt-BR" b="1" smtClean="0">
-                <a:solidFill>
-                  <a:schemeClr val="tx1"/>
-                </a:solidFill>
-              </a:rPr>
+              <a:rPr lang="pt-BR" smtClean="0"/>
               <a:t>9</a:t>
             </a:fld>
-            <a:endParaRPr lang="pt-BR" b="1" dirty="0">
-              <a:solidFill>
-                <a:schemeClr val="tx1"/>
-              </a:solidFill>
-            </a:endParaRPr>
-          </a:p>
-        </p:txBody>
-      </p:sp>
-      <p:grpSp>
-        <p:nvGrpSpPr>
-          <p:cNvPr id="14" name="Agrupar 13">
-            <a:extLst>
-              <a:ext uri="{FF2B5EF4-FFF2-40B4-BE49-F238E27FC236}">
-                <a16:creationId xmlns:a16="http://schemas.microsoft.com/office/drawing/2014/main" id="{3A131335-0210-9973-B748-9747392A7A99}"/>
-              </a:ext>
-            </a:extLst>
-          </p:cNvPr>
-          <p:cNvGrpSpPr/>
-          <p:nvPr/>
-        </p:nvGrpSpPr>
-        <p:grpSpPr>
-          <a:xfrm>
-            <a:off x="5722808" y="6341706"/>
-            <a:ext cx="746384" cy="429208"/>
-            <a:chOff x="4350679" y="5579706"/>
-            <a:chExt cx="746384" cy="429208"/>
-          </a:xfrm>
-        </p:grpSpPr>
-        <p:pic>
-          <p:nvPicPr>
-            <p:cNvPr id="9" name="Gráfico 8">
-              <a:extLst>
-                <a:ext uri="{FF2B5EF4-FFF2-40B4-BE49-F238E27FC236}">
-                  <a16:creationId xmlns:a16="http://schemas.microsoft.com/office/drawing/2014/main" id="{68B00CCA-1769-F355-0991-F88AFB028207}"/>
-                </a:ext>
-              </a:extLst>
-            </p:cNvPr>
-            <p:cNvPicPr>
-              <a:picLocks noChangeAspect="1"/>
-            </p:cNvPicPr>
-            <p:nvPr/>
-          </p:nvPicPr>
-          <p:blipFill>
-            <a:blip r:embed="rId2">
-              <a:extLst>
-                <a:ext uri="{28A0092B-C50C-407E-A947-70E740481C1C}">
-                  <a14:useLocalDpi xmlns:a14="http://schemas.microsoft.com/office/drawing/2010/main" val="0"/>
-                </a:ext>
-                <a:ext uri="{96DAC541-7B7A-43D3-8B79-37D633B846F1}">
-                  <asvg:svgBlip xmlns:asvg="http://schemas.microsoft.com/office/drawing/2016/SVG/main" r:embed="rId3"/>
-                </a:ext>
-              </a:extLst>
-            </a:blip>
-            <a:stretch>
-              <a:fillRect/>
-            </a:stretch>
-          </p:blipFill>
-          <p:spPr>
-            <a:xfrm>
-              <a:off x="4350679" y="5619390"/>
-              <a:ext cx="360000" cy="360000"/>
-            </a:xfrm>
-            <a:prstGeom prst="rect">
-              <a:avLst/>
-            </a:prstGeom>
-          </p:spPr>
-        </p:pic>
-        <p:pic>
-          <p:nvPicPr>
-            <p:cNvPr id="1026" name="Picture 2" descr="V Semana de Turismo IFSP Barretos">
-              <a:extLst>
-                <a:ext uri="{FF2B5EF4-FFF2-40B4-BE49-F238E27FC236}">
-                  <a16:creationId xmlns:a16="http://schemas.microsoft.com/office/drawing/2014/main" id="{43520D69-6128-EE21-87C6-87C10FF9165F}"/>
-                </a:ext>
-              </a:extLst>
-            </p:cNvPr>
-            <p:cNvPicPr>
-              <a:picLocks noChangeAspect="1" noChangeArrowheads="1"/>
-            </p:cNvPicPr>
-            <p:nvPr/>
-          </p:nvPicPr>
-          <p:blipFill>
-            <a:blip r:embed="rId4">
-              <a:extLst>
-                <a:ext uri="{28A0092B-C50C-407E-A947-70E740481C1C}">
-                  <a14:useLocalDpi xmlns:a14="http://schemas.microsoft.com/office/drawing/2010/main" val="0"/>
-                </a:ext>
-              </a:extLst>
-            </a:blip>
-            <a:srcRect/>
-            <a:stretch>
-              <a:fillRect/>
-            </a:stretch>
-          </p:blipFill>
-          <p:spPr bwMode="auto">
-            <a:xfrm>
-              <a:off x="4869227" y="5641759"/>
-              <a:ext cx="227836" cy="305101"/>
-            </a:xfrm>
-            <a:prstGeom prst="rect">
-              <a:avLst/>
-            </a:prstGeom>
-            <a:noFill/>
-            <a:extLst>
-              <a:ext uri="{909E8E84-426E-40DD-AFC4-6F175D3DCCD1}">
-                <a14:hiddenFill xmlns:a14="http://schemas.microsoft.com/office/drawing/2010/main">
-                  <a:solidFill>
-                    <a:srgbClr val="FFFFFF"/>
-                  </a:solidFill>
-                </a14:hiddenFill>
-              </a:ext>
-            </a:extLst>
-          </p:spPr>
-        </p:pic>
-        <p:cxnSp>
-          <p:nvCxnSpPr>
-            <p:cNvPr id="11" name="Conector reto 10">
-              <a:extLst>
-                <a:ext uri="{FF2B5EF4-FFF2-40B4-BE49-F238E27FC236}">
-                  <a16:creationId xmlns:a16="http://schemas.microsoft.com/office/drawing/2014/main" id="{5D6B378A-D998-4925-FFCA-9A0F3370C250}"/>
-                </a:ext>
-              </a:extLst>
-            </p:cNvPr>
-            <p:cNvCxnSpPr>
-              <a:cxnSpLocks/>
-            </p:cNvCxnSpPr>
-            <p:nvPr/>
-          </p:nvCxnSpPr>
-          <p:spPr>
-            <a:xfrm>
-              <a:off x="4743269" y="5579706"/>
-              <a:ext cx="0" cy="429208"/>
-            </a:xfrm>
-            <a:prstGeom prst="line">
-              <a:avLst/>
-            </a:prstGeom>
-            <a:ln>
-              <a:solidFill>
-                <a:schemeClr val="tx1"/>
-              </a:solidFill>
-            </a:ln>
-          </p:spPr>
-          <p:style>
-            <a:lnRef idx="1">
-              <a:schemeClr val="accent1"/>
-            </a:lnRef>
-            <a:fillRef idx="0">
-              <a:schemeClr val="accent1"/>
-            </a:fillRef>
-            <a:effectRef idx="0">
-              <a:schemeClr val="accent1"/>
-            </a:effectRef>
-            <a:fontRef idx="minor">
-              <a:schemeClr val="tx1"/>
-            </a:fontRef>
-          </p:style>
-        </p:cxnSp>
-      </p:grpSp>
-      <p:sp>
-        <p:nvSpPr>
-          <p:cNvPr id="15" name="Espaço Reservado para Rodapé 14">
-            <a:extLst>
-              <a:ext uri="{FF2B5EF4-FFF2-40B4-BE49-F238E27FC236}">
-                <a16:creationId xmlns:a16="http://schemas.microsoft.com/office/drawing/2014/main" id="{FF285D15-CA04-0574-4AAD-47ADEE6CFB3B}"/>
-              </a:ext>
-            </a:extLst>
-          </p:cNvPr>
-          <p:cNvSpPr>
-            <a:spLocks noGrp="1"/>
-          </p:cNvSpPr>
-          <p:nvPr>
-            <p:ph type="ftr" sz="quarter" idx="11"/>
-          </p:nvPr>
-        </p:nvSpPr>
-        <p:spPr>
-          <a:xfrm>
-            <a:off x="50800" y="6442075"/>
-            <a:ext cx="3291839" cy="365125"/>
-          </a:xfrm>
-        </p:spPr>
-        <p:txBody>
-          <a:bodyPr/>
-          <a:lstStyle/>
-          <a:p>
-            <a:r>
-              <a:rPr lang="pt-BR" sz="1600" dirty="0"/>
-              <a:t>https://lucasgardini.com</a:t>
-            </a:r>
-          </a:p>
-        </p:txBody>
-      </p:sp>
-      <p:sp>
-        <p:nvSpPr>
-          <p:cNvPr id="2" name="CaixaDeTexto 1">
-            <a:extLst>
-              <a:ext uri="{FF2B5EF4-FFF2-40B4-BE49-F238E27FC236}">
-                <a16:creationId xmlns:a16="http://schemas.microsoft.com/office/drawing/2014/main" id="{3F89F942-F2B5-EBBE-126B-E2759FD22242}"/>
-              </a:ext>
-            </a:extLst>
-          </p:cNvPr>
-          <p:cNvSpPr txBox="1"/>
-          <p:nvPr/>
-        </p:nvSpPr>
-        <p:spPr>
-          <a:xfrm>
-            <a:off x="670272" y="1726164"/>
-            <a:ext cx="7827784" cy="2308324"/>
-          </a:xfrm>
-          <a:prstGeom prst="rect">
-            <a:avLst/>
-          </a:prstGeom>
-          <a:noFill/>
-        </p:spPr>
-        <p:txBody>
-          <a:bodyPr wrap="none" rtlCol="0">
-            <a:spAutoFit/>
-          </a:bodyPr>
-          <a:lstStyle/>
-          <a:p>
-            <a:r>
-              <a:rPr lang="pt-BR" sz="7200" b="1" dirty="0">
-                <a:effectLst>
-                  <a:outerShdw blurRad="50800" dist="38100" dir="2700000" algn="tl" rotWithShape="0">
-                    <a:prstClr val="black">
-                      <a:alpha val="40000"/>
-                    </a:prstClr>
-                  </a:outerShdw>
-                </a:effectLst>
-              </a:rPr>
-              <a:t>INSTALAÇÃO E </a:t>
-            </a:r>
-          </a:p>
-          <a:p>
-            <a:r>
-              <a:rPr lang="pt-BR" sz="7200" b="1" dirty="0">
-                <a:effectLst>
-                  <a:outerShdw blurRad="50800" dist="38100" dir="2700000" algn="tl" rotWithShape="0">
-                    <a:prstClr val="black">
-                      <a:alpha val="40000"/>
-                    </a:prstClr>
-                  </a:outerShdw>
-                </a:effectLst>
-              </a:rPr>
-              <a:t>CONFIGURAÇÃO</a:t>
-            </a:r>
+            <a:endParaRPr lang="pt-BR"/>
           </a:p>
         </p:txBody>
       </p:sp>
     </p:spTree>
     <p:extLst>
       <p:ext uri="{BB962C8B-B14F-4D97-AF65-F5344CB8AC3E}">
-        <p14:creationId xmlns:p14="http://schemas.microsoft.com/office/powerpoint/2010/main" val="1006512240"/>
+        <p14:creationId xmlns:p14="http://schemas.microsoft.com/office/powerpoint/2010/main" val="1074818923"/>
       </p:ext>
     </p:extLst>
   </p:cSld>

--- a/mongodb/minicurso-mongodb.pptx
+++ b/mongodb/minicurso-mongodb.pptx
@@ -5,7 +5,7 @@
     <p:sldMasterId id="2147483750" r:id="rId1"/>
   </p:sldMasterIdLst>
   <p:notesMasterIdLst>
-    <p:notesMasterId r:id="rId39"/>
+    <p:notesMasterId r:id="rId41"/>
   </p:notesMasterIdLst>
   <p:sldIdLst>
     <p:sldId id="290" r:id="rId2"/>
@@ -16,35 +16,37 @@
     <p:sldId id="294" r:id="rId7"/>
     <p:sldId id="259" r:id="rId8"/>
     <p:sldId id="260" r:id="rId9"/>
-    <p:sldId id="261" r:id="rId10"/>
-    <p:sldId id="262" r:id="rId11"/>
-    <p:sldId id="264" r:id="rId12"/>
-    <p:sldId id="265" r:id="rId13"/>
-    <p:sldId id="266" r:id="rId14"/>
-    <p:sldId id="267" r:id="rId15"/>
-    <p:sldId id="268" r:id="rId16"/>
-    <p:sldId id="269" r:id="rId17"/>
-    <p:sldId id="270" r:id="rId18"/>
-    <p:sldId id="271" r:id="rId19"/>
-    <p:sldId id="272" r:id="rId20"/>
-    <p:sldId id="273" r:id="rId21"/>
-    <p:sldId id="274" r:id="rId22"/>
-    <p:sldId id="275" r:id="rId23"/>
-    <p:sldId id="276" r:id="rId24"/>
-    <p:sldId id="277" r:id="rId25"/>
-    <p:sldId id="278" r:id="rId26"/>
-    <p:sldId id="279" r:id="rId27"/>
-    <p:sldId id="280" r:id="rId28"/>
-    <p:sldId id="281" r:id="rId29"/>
-    <p:sldId id="282" r:id="rId30"/>
-    <p:sldId id="283" r:id="rId31"/>
-    <p:sldId id="284" r:id="rId32"/>
-    <p:sldId id="285" r:id="rId33"/>
-    <p:sldId id="286" r:id="rId34"/>
-    <p:sldId id="287" r:id="rId35"/>
-    <p:sldId id="288" r:id="rId36"/>
-    <p:sldId id="289" r:id="rId37"/>
-    <p:sldId id="291" r:id="rId38"/>
+    <p:sldId id="295" r:id="rId10"/>
+    <p:sldId id="261" r:id="rId11"/>
+    <p:sldId id="262" r:id="rId12"/>
+    <p:sldId id="296" r:id="rId13"/>
+    <p:sldId id="297" r:id="rId14"/>
+    <p:sldId id="265" r:id="rId15"/>
+    <p:sldId id="266" r:id="rId16"/>
+    <p:sldId id="267" r:id="rId17"/>
+    <p:sldId id="268" r:id="rId18"/>
+    <p:sldId id="269" r:id="rId19"/>
+    <p:sldId id="270" r:id="rId20"/>
+    <p:sldId id="271" r:id="rId21"/>
+    <p:sldId id="272" r:id="rId22"/>
+    <p:sldId id="273" r:id="rId23"/>
+    <p:sldId id="274" r:id="rId24"/>
+    <p:sldId id="275" r:id="rId25"/>
+    <p:sldId id="276" r:id="rId26"/>
+    <p:sldId id="277" r:id="rId27"/>
+    <p:sldId id="278" r:id="rId28"/>
+    <p:sldId id="279" r:id="rId29"/>
+    <p:sldId id="280" r:id="rId30"/>
+    <p:sldId id="281" r:id="rId31"/>
+    <p:sldId id="282" r:id="rId32"/>
+    <p:sldId id="283" r:id="rId33"/>
+    <p:sldId id="284" r:id="rId34"/>
+    <p:sldId id="285" r:id="rId35"/>
+    <p:sldId id="286" r:id="rId36"/>
+    <p:sldId id="287" r:id="rId37"/>
+    <p:sldId id="288" r:id="rId38"/>
+    <p:sldId id="289" r:id="rId39"/>
+    <p:sldId id="291" r:id="rId40"/>
   </p:sldIdLst>
   <p:sldSz cx="12192000" cy="6858000"/>
   <p:notesSz cx="6858000" cy="9144000"/>
@@ -154,7 +156,7 @@
 <file path=ppt/revisionInfo.xml><?xml version="1.0" encoding="utf-8"?>
 <p1510:revInfo xmlns:a="http://schemas.openxmlformats.org/drawingml/2006/main" xmlns:r="http://schemas.openxmlformats.org/officeDocument/2006/relationships" xmlns:p1510="http://schemas.microsoft.com/office/powerpoint/2015/10/main">
   <p1510:revLst>
-    <p1510:client id="{C5FB0DF0-D3DF-4F89-8B3C-39729411D934}" v="387" dt="2023-10-19T23:39:15.184"/>
+    <p1510:client id="{C5FB0DF0-D3DF-4F89-8B3C-39729411D934}" v="438" dt="2023-10-20T00:35:20.471"/>
   </p1510:revLst>
 </p1510:revInfo>
 </file>
@@ -164,7 +166,7 @@
   <pc:docChgLst>
     <pc:chgData name="Lucas Gardini Dias" userId="7283582234da282d" providerId="LiveId" clId="{C5FB0DF0-D3DF-4F89-8B3C-39729411D934}"/>
     <pc:docChg chg="undo redo custSel addSld delSld modSld sldOrd modMainMaster">
-      <pc:chgData name="Lucas Gardini Dias" userId="7283582234da282d" providerId="LiveId" clId="{C5FB0DF0-D3DF-4F89-8B3C-39729411D934}" dt="2023-10-19T23:39:38.681" v="3163" actId="20577"/>
+      <pc:chgData name="Lucas Gardini Dias" userId="7283582234da282d" providerId="LiveId" clId="{C5FB0DF0-D3DF-4F89-8B3C-39729411D934}" dt="2023-10-20T00:43:02.823" v="5038" actId="313"/>
       <pc:docMkLst>
         <pc:docMk/>
       </pc:docMkLst>
@@ -294,7 +296,7 @@
         </pc:picChg>
       </pc:sldChg>
       <pc:sldChg chg="modSp add mod modTransition">
-        <pc:chgData name="Lucas Gardini Dias" userId="7283582234da282d" providerId="LiveId" clId="{C5FB0DF0-D3DF-4F89-8B3C-39729411D934}" dt="2023-10-19T23:21:13.789" v="2687"/>
+        <pc:chgData name="Lucas Gardini Dias" userId="7283582234da282d" providerId="LiveId" clId="{C5FB0DF0-D3DF-4F89-8B3C-39729411D934}" dt="2023-10-20T00:28:44.239" v="4542"/>
         <pc:sldMkLst>
           <pc:docMk/>
           <pc:sldMk cId="1815465601" sldId="258"/>
@@ -316,8 +318,8 @@
           </ac:spMkLst>
         </pc:spChg>
       </pc:sldChg>
-      <pc:sldChg chg="addSp delSp modSp add mod">
-        <pc:chgData name="Lucas Gardini Dias" userId="7283582234da282d" providerId="LiveId" clId="{C5FB0DF0-D3DF-4F89-8B3C-39729411D934}" dt="2023-10-19T23:37:57.938" v="3068" actId="20577"/>
+      <pc:sldChg chg="addSp delSp modSp add mod modTransition">
+        <pc:chgData name="Lucas Gardini Dias" userId="7283582234da282d" providerId="LiveId" clId="{C5FB0DF0-D3DF-4F89-8B3C-39729411D934}" dt="2023-10-20T00:09:45.159" v="3169"/>
         <pc:sldMkLst>
           <pc:docMk/>
           <pc:sldMk cId="3172907843" sldId="259"/>
@@ -363,8 +365,8 @@
           </ac:picMkLst>
         </pc:picChg>
       </pc:sldChg>
-      <pc:sldChg chg="addSp delSp modSp add mod">
-        <pc:chgData name="Lucas Gardini Dias" userId="7283582234da282d" providerId="LiveId" clId="{C5FB0DF0-D3DF-4F89-8B3C-39729411D934}" dt="2023-10-19T23:39:38.681" v="3163" actId="20577"/>
+      <pc:sldChg chg="addSp delSp modSp add mod modTransition">
+        <pc:chgData name="Lucas Gardini Dias" userId="7283582234da282d" providerId="LiveId" clId="{C5FB0DF0-D3DF-4F89-8B3C-39729411D934}" dt="2023-10-20T00:28:09.260" v="4534"/>
         <pc:sldMkLst>
           <pc:docMk/>
           <pc:sldMk cId="2680432919" sldId="260"/>
@@ -386,16 +388,32 @@
           </ac:spMkLst>
         </pc:spChg>
         <pc:spChg chg="add mod">
-          <ac:chgData name="Lucas Gardini Dias" userId="7283582234da282d" providerId="LiveId" clId="{C5FB0DF0-D3DF-4F89-8B3C-39729411D934}" dt="2023-10-19T23:39:38.681" v="3163" actId="20577"/>
+          <ac:chgData name="Lucas Gardini Dias" userId="7283582234da282d" providerId="LiveId" clId="{C5FB0DF0-D3DF-4F89-8B3C-39729411D934}" dt="2023-10-20T00:11:29.367" v="3404" actId="20577"/>
           <ac:spMkLst>
             <pc:docMk/>
             <pc:sldMk cId="2680432919" sldId="260"/>
             <ac:spMk id="6" creationId="{2049F709-0379-7C5E-AE37-1EA69D372C59}"/>
           </ac:spMkLst>
         </pc:spChg>
+        <pc:spChg chg="add mod">
+          <ac:chgData name="Lucas Gardini Dias" userId="7283582234da282d" providerId="LiveId" clId="{C5FB0DF0-D3DF-4F89-8B3C-39729411D934}" dt="2023-10-20T00:10:11.685" v="3170"/>
+          <ac:spMkLst>
+            <pc:docMk/>
+            <pc:sldMk cId="2680432919" sldId="260"/>
+            <ac:spMk id="7" creationId="{F51FC8B5-44FB-06DC-3322-9069BB05F9E6}"/>
+          </ac:spMkLst>
+        </pc:spChg>
+        <pc:picChg chg="add mod">
+          <ac:chgData name="Lucas Gardini Dias" userId="7283582234da282d" providerId="LiveId" clId="{C5FB0DF0-D3DF-4F89-8B3C-39729411D934}" dt="2023-10-20T00:10:11.685" v="3170"/>
+          <ac:picMkLst>
+            <pc:docMk/>
+            <pc:sldMk cId="2680432919" sldId="260"/>
+            <ac:picMk id="3" creationId="{3E791283-75B3-B078-77F7-2C92484513CC}"/>
+          </ac:picMkLst>
+        </pc:picChg>
       </pc:sldChg>
-      <pc:sldChg chg="modSp add mod">
-        <pc:chgData name="Lucas Gardini Dias" userId="7283582234da282d" providerId="LiveId" clId="{C5FB0DF0-D3DF-4F89-8B3C-39729411D934}" dt="2023-10-17T22:21:49.700" v="303"/>
+      <pc:sldChg chg="addSp delSp modSp add mod modTransition">
+        <pc:chgData name="Lucas Gardini Dias" userId="7283582234da282d" providerId="LiveId" clId="{C5FB0DF0-D3DF-4F89-8B3C-39729411D934}" dt="2023-10-20T00:28:27.222" v="4538"/>
         <pc:sldMkLst>
           <pc:docMk/>
           <pc:sldMk cId="1074818923" sldId="261"/>
@@ -408,9 +426,33 @@
             <ac:spMk id="2" creationId="{F0EA80E2-15DD-ABEB-539C-D3721B78C834}"/>
           </ac:spMkLst>
         </pc:spChg>
+        <pc:spChg chg="del">
+          <ac:chgData name="Lucas Gardini Dias" userId="7283582234da282d" providerId="LiveId" clId="{C5FB0DF0-D3DF-4F89-8B3C-39729411D934}" dt="2023-10-20T00:19:05.221" v="3693" actId="478"/>
+          <ac:spMkLst>
+            <pc:docMk/>
+            <pc:sldMk cId="1074818923" sldId="261"/>
+            <ac:spMk id="3" creationId="{1812B3A2-0B9F-7A1D-29BE-5783C0E7C666}"/>
+          </ac:spMkLst>
+        </pc:spChg>
+        <pc:spChg chg="add del mod">
+          <ac:chgData name="Lucas Gardini Dias" userId="7283582234da282d" providerId="LiveId" clId="{C5FB0DF0-D3DF-4F89-8B3C-39729411D934}" dt="2023-10-20T00:19:35.425" v="3694" actId="478"/>
+          <ac:spMkLst>
+            <pc:docMk/>
+            <pc:sldMk cId="1074818923" sldId="261"/>
+            <ac:spMk id="6" creationId="{45A014A3-735F-CE49-7832-BE9A109DA7A7}"/>
+          </ac:spMkLst>
+        </pc:spChg>
+        <pc:spChg chg="add mod">
+          <ac:chgData name="Lucas Gardini Dias" userId="7283582234da282d" providerId="LiveId" clId="{C5FB0DF0-D3DF-4F89-8B3C-39729411D934}" dt="2023-10-20T00:22:02.605" v="4409" actId="20577"/>
+          <ac:spMkLst>
+            <pc:docMk/>
+            <pc:sldMk cId="1074818923" sldId="261"/>
+            <ac:spMk id="7" creationId="{A0153ACD-6547-C908-6087-D85FBCB96D25}"/>
+          </ac:spMkLst>
+        </pc:spChg>
       </pc:sldChg>
-      <pc:sldChg chg="modSp add mod">
-        <pc:chgData name="Lucas Gardini Dias" userId="7283582234da282d" providerId="LiveId" clId="{C5FB0DF0-D3DF-4F89-8B3C-39729411D934}" dt="2023-10-17T22:21:59.802" v="307"/>
+      <pc:sldChg chg="addSp delSp modSp add mod modTransition modAnim">
+        <pc:chgData name="Lucas Gardini Dias" userId="7283582234da282d" providerId="LiveId" clId="{C5FB0DF0-D3DF-4F89-8B3C-39729411D934}" dt="2023-10-20T00:28:30.139" v="4539"/>
         <pc:sldMkLst>
           <pc:docMk/>
           <pc:sldMk cId="2944004747" sldId="262"/>
@@ -421,6 +463,30 @@
             <pc:docMk/>
             <pc:sldMk cId="2944004747" sldId="262"/>
             <ac:spMk id="2" creationId="{F0EA80E2-15DD-ABEB-539C-D3721B78C834}"/>
+          </ac:spMkLst>
+        </pc:spChg>
+        <pc:spChg chg="del">
+          <ac:chgData name="Lucas Gardini Dias" userId="7283582234da282d" providerId="LiveId" clId="{C5FB0DF0-D3DF-4F89-8B3C-39729411D934}" dt="2023-10-20T00:23:41.579" v="4410" actId="478"/>
+          <ac:spMkLst>
+            <pc:docMk/>
+            <pc:sldMk cId="2944004747" sldId="262"/>
+            <ac:spMk id="3" creationId="{1812B3A2-0B9F-7A1D-29BE-5783C0E7C666}"/>
+          </ac:spMkLst>
+        </pc:spChg>
+        <pc:spChg chg="add mod">
+          <ac:chgData name="Lucas Gardini Dias" userId="7283582234da282d" providerId="LiveId" clId="{C5FB0DF0-D3DF-4F89-8B3C-39729411D934}" dt="2023-10-20T00:23:48.668" v="4418" actId="27636"/>
+          <ac:spMkLst>
+            <pc:docMk/>
+            <pc:sldMk cId="2944004747" sldId="262"/>
+            <ac:spMk id="6" creationId="{13035BDB-2160-4C33-A789-4C1B8D966713}"/>
+          </ac:spMkLst>
+        </pc:spChg>
+        <pc:spChg chg="add mod">
+          <ac:chgData name="Lucas Gardini Dias" userId="7283582234da282d" providerId="LiveId" clId="{C5FB0DF0-D3DF-4F89-8B3C-39729411D934}" dt="2023-10-20T00:25:16.769" v="4436" actId="1076"/>
+          <ac:spMkLst>
+            <pc:docMk/>
+            <pc:sldMk cId="2944004747" sldId="262"/>
+            <ac:spMk id="7" creationId="{F0E052DC-A7A6-27E6-DABE-4ED1CE2A39D8}"/>
           </ac:spMkLst>
         </pc:spChg>
       </pc:sldChg>
@@ -447,8 +513,8 @@
           </ac:spMkLst>
         </pc:spChg>
       </pc:sldChg>
-      <pc:sldChg chg="modSp add mod">
-        <pc:chgData name="Lucas Gardini Dias" userId="7283582234da282d" providerId="LiveId" clId="{C5FB0DF0-D3DF-4F89-8B3C-39729411D934}" dt="2023-10-17T22:43:22.170" v="363" actId="20577"/>
+      <pc:sldChg chg="modSp add del mod">
+        <pc:chgData name="Lucas Gardini Dias" userId="7283582234da282d" providerId="LiveId" clId="{C5FB0DF0-D3DF-4F89-8B3C-39729411D934}" dt="2023-10-20T00:27:41.556" v="4528" actId="47"/>
         <pc:sldMkLst>
           <pc:docMk/>
           <pc:sldMk cId="1006512240" sldId="264"/>
@@ -462,8 +528,8 @@
           </ac:spMkLst>
         </pc:spChg>
       </pc:sldChg>
-      <pc:sldChg chg="modSp add mod">
-        <pc:chgData name="Lucas Gardini Dias" userId="7283582234da282d" providerId="LiveId" clId="{C5FB0DF0-D3DF-4F89-8B3C-39729411D934}" dt="2023-10-17T22:43:57.676" v="401" actId="20577"/>
+      <pc:sldChg chg="addSp delSp modSp add mod modTransition">
+        <pc:chgData name="Lucas Gardini Dias" userId="7283582234da282d" providerId="LiveId" clId="{C5FB0DF0-D3DF-4F89-8B3C-39729411D934}" dt="2023-10-20T00:43:02.823" v="5038" actId="313"/>
         <pc:sldMkLst>
           <pc:docMk/>
           <pc:sldMk cId="1831902795" sldId="265"/>
@@ -476,6 +542,38 @@
             <ac:spMk id="2" creationId="{F0EA80E2-15DD-ABEB-539C-D3721B78C834}"/>
           </ac:spMkLst>
         </pc:spChg>
+        <pc:spChg chg="del">
+          <ac:chgData name="Lucas Gardini Dias" userId="7283582234da282d" providerId="LiveId" clId="{C5FB0DF0-D3DF-4F89-8B3C-39729411D934}" dt="2023-10-20T00:33:17.811" v="4579" actId="478"/>
+          <ac:spMkLst>
+            <pc:docMk/>
+            <pc:sldMk cId="1831902795" sldId="265"/>
+            <ac:spMk id="3" creationId="{1812B3A2-0B9F-7A1D-29BE-5783C0E7C666}"/>
+          </ac:spMkLst>
+        </pc:spChg>
+        <pc:spChg chg="add mod">
+          <ac:chgData name="Lucas Gardini Dias" userId="7283582234da282d" providerId="LiveId" clId="{C5FB0DF0-D3DF-4F89-8B3C-39729411D934}" dt="2023-10-20T00:43:02.823" v="5038" actId="313"/>
+          <ac:spMkLst>
+            <pc:docMk/>
+            <pc:sldMk cId="1831902795" sldId="265"/>
+            <ac:spMk id="6" creationId="{513AB07C-81FB-3533-C9E9-AA5E2178F19B}"/>
+          </ac:spMkLst>
+        </pc:spChg>
+        <pc:spChg chg="add mod">
+          <ac:chgData name="Lucas Gardini Dias" userId="7283582234da282d" providerId="LiveId" clId="{C5FB0DF0-D3DF-4F89-8B3C-39729411D934}" dt="2023-10-20T00:39:11.430" v="4920" actId="1076"/>
+          <ac:spMkLst>
+            <pc:docMk/>
+            <pc:sldMk cId="1831902795" sldId="265"/>
+            <ac:spMk id="8" creationId="{54DCF85F-6F5E-6A61-063C-1F98451BC9D6}"/>
+          </ac:spMkLst>
+        </pc:spChg>
+        <pc:picChg chg="add mod">
+          <ac:chgData name="Lucas Gardini Dias" userId="7283582234da282d" providerId="LiveId" clId="{C5FB0DF0-D3DF-4F89-8B3C-39729411D934}" dt="2023-10-20T00:38:42.325" v="4850" actId="1076"/>
+          <ac:picMkLst>
+            <pc:docMk/>
+            <pc:sldMk cId="1831902795" sldId="265"/>
+            <ac:picMk id="7" creationId="{63C35972-5F68-2C15-0C4D-5B7DCDEE358B}"/>
+          </ac:picMkLst>
+        </pc:picChg>
       </pc:sldChg>
       <pc:sldChg chg="modSp add mod">
         <pc:chgData name="Lucas Gardini Dias" userId="7283582234da282d" providerId="LiveId" clId="{C5FB0DF0-D3DF-4F89-8B3C-39729411D934}" dt="2023-10-17T22:44:06.946" v="405"/>
@@ -1091,13 +1189,13 @@
         </pc:spChg>
       </pc:sldChg>
       <pc:sldChg chg="delSp modSp add mod modTransition modAnim">
-        <pc:chgData name="Lucas Gardini Dias" userId="7283582234da282d" providerId="LiveId" clId="{C5FB0DF0-D3DF-4F89-8B3C-39729411D934}" dt="2023-10-19T23:21:09.363" v="2685"/>
+        <pc:chgData name="Lucas Gardini Dias" userId="7283582234da282d" providerId="LiveId" clId="{C5FB0DF0-D3DF-4F89-8B3C-39729411D934}" dt="2023-10-20T00:29:51.988" v="4578" actId="20577"/>
         <pc:sldMkLst>
           <pc:docMk/>
           <pc:sldMk cId="621010932" sldId="292"/>
         </pc:sldMkLst>
         <pc:spChg chg="mod">
-          <ac:chgData name="Lucas Gardini Dias" userId="7283582234da282d" providerId="LiveId" clId="{C5FB0DF0-D3DF-4F89-8B3C-39729411D934}" dt="2023-10-19T23:20:01.779" v="2681" actId="123"/>
+          <ac:chgData name="Lucas Gardini Dias" userId="7283582234da282d" providerId="LiveId" clId="{C5FB0DF0-D3DF-4F89-8B3C-39729411D934}" dt="2023-10-20T00:29:51.988" v="4578" actId="20577"/>
           <ac:spMkLst>
             <pc:docMk/>
             <pc:sldMk cId="621010932" sldId="292"/>
@@ -1137,7 +1235,7 @@
         </pc:spChg>
       </pc:sldChg>
       <pc:sldChg chg="addSp modSp add mod modTransition">
-        <pc:chgData name="Lucas Gardini Dias" userId="7283582234da282d" providerId="LiveId" clId="{C5FB0DF0-D3DF-4F89-8B3C-39729411D934}" dt="2023-10-19T23:21:17.419" v="2689"/>
+        <pc:chgData name="Lucas Gardini Dias" userId="7283582234da282d" providerId="LiveId" clId="{C5FB0DF0-D3DF-4F89-8B3C-39729411D934}" dt="2023-10-20T00:28:41.887" v="4541"/>
         <pc:sldMkLst>
           <pc:docMk/>
           <pc:sldMk cId="2338042209" sldId="293"/>
@@ -1167,8 +1265,8 @@
           </ac:picMkLst>
         </pc:picChg>
       </pc:sldChg>
-      <pc:sldChg chg="delSp modSp add mod">
-        <pc:chgData name="Lucas Gardini Dias" userId="7283582234da282d" providerId="LiveId" clId="{C5FB0DF0-D3DF-4F89-8B3C-39729411D934}" dt="2023-10-19T23:23:03.095" v="2697" actId="12789"/>
+      <pc:sldChg chg="delSp modSp add mod modTransition">
+        <pc:chgData name="Lucas Gardini Dias" userId="7283582234da282d" providerId="LiveId" clId="{C5FB0DF0-D3DF-4F89-8B3C-39729411D934}" dt="2023-10-20T00:09:38.013" v="3168"/>
         <pc:sldMkLst>
           <pc:docMk/>
           <pc:sldMk cId="4124862665" sldId="294"/>
@@ -1195,6 +1293,37 @@
             <pc:docMk/>
             <pc:sldMk cId="4124862665" sldId="294"/>
             <ac:picMk id="18" creationId="{2051EE9C-0EA3-2B62-4E7C-E78F269B2676}"/>
+          </ac:picMkLst>
+        </pc:picChg>
+      </pc:sldChg>
+      <pc:sldChg chg="modSp add mod modTransition">
+        <pc:chgData name="Lucas Gardini Dias" userId="7283582234da282d" providerId="LiveId" clId="{C5FB0DF0-D3DF-4F89-8B3C-39729411D934}" dt="2023-10-20T00:28:03.320" v="4533"/>
+        <pc:sldMkLst>
+          <pc:docMk/>
+          <pc:sldMk cId="226440141" sldId="295"/>
+        </pc:sldMkLst>
+        <pc:spChg chg="mod">
+          <ac:chgData name="Lucas Gardini Dias" userId="7283582234da282d" providerId="LiveId" clId="{C5FB0DF0-D3DF-4F89-8B3C-39729411D934}" dt="2023-10-20T00:18:16.707" v="3659" actId="20577"/>
+          <ac:spMkLst>
+            <pc:docMk/>
+            <pc:sldMk cId="226440141" sldId="295"/>
+            <ac:spMk id="6" creationId="{2049F709-0379-7C5E-AE37-1EA69D372C59}"/>
+          </ac:spMkLst>
+        </pc:spChg>
+        <pc:spChg chg="mod">
+          <ac:chgData name="Lucas Gardini Dias" userId="7283582234da282d" providerId="LiveId" clId="{C5FB0DF0-D3DF-4F89-8B3C-39729411D934}" dt="2023-10-20T00:18:34.294" v="3691" actId="1076"/>
+          <ac:spMkLst>
+            <pc:docMk/>
+            <pc:sldMk cId="226440141" sldId="295"/>
+            <ac:spMk id="7" creationId="{F51FC8B5-44FB-06DC-3322-9069BB05F9E6}"/>
+          </ac:spMkLst>
+        </pc:spChg>
+        <pc:picChg chg="mod">
+          <ac:chgData name="Lucas Gardini Dias" userId="7283582234da282d" providerId="LiveId" clId="{C5FB0DF0-D3DF-4F89-8B3C-39729411D934}" dt="2023-10-20T00:17:33.669" v="3406" actId="14826"/>
+          <ac:picMkLst>
+            <pc:docMk/>
+            <pc:sldMk cId="226440141" sldId="295"/>
+            <ac:picMk id="3" creationId="{3E791283-75B3-B078-77F7-2C92484513CC}"/>
           </ac:picMkLst>
         </pc:picChg>
       </pc:sldChg>
@@ -1245,14 +1374,84 @@
           </ac:picMkLst>
         </pc:picChg>
       </pc:sldChg>
+      <pc:sldChg chg="addSp delSp modSp add mod modTransition delAnim">
+        <pc:chgData name="Lucas Gardini Dias" userId="7283582234da282d" providerId="LiveId" clId="{C5FB0DF0-D3DF-4F89-8B3C-39729411D934}" dt="2023-10-20T00:28:36.353" v="4540"/>
+        <pc:sldMkLst>
+          <pc:docMk/>
+          <pc:sldMk cId="46888621" sldId="296"/>
+        </pc:sldMkLst>
+        <pc:spChg chg="del">
+          <ac:chgData name="Lucas Gardini Dias" userId="7283582234da282d" providerId="LiveId" clId="{C5FB0DF0-D3DF-4F89-8B3C-39729411D934}" dt="2023-10-20T00:26:08.223" v="4438" actId="478"/>
+          <ac:spMkLst>
+            <pc:docMk/>
+            <pc:sldMk cId="46888621" sldId="296"/>
+            <ac:spMk id="6" creationId="{13035BDB-2160-4C33-A789-4C1B8D966713}"/>
+          </ac:spMkLst>
+        </pc:spChg>
+        <pc:spChg chg="del">
+          <ac:chgData name="Lucas Gardini Dias" userId="7283582234da282d" providerId="LiveId" clId="{C5FB0DF0-D3DF-4F89-8B3C-39729411D934}" dt="2023-10-20T00:26:11.063" v="4440" actId="478"/>
+          <ac:spMkLst>
+            <pc:docMk/>
+            <pc:sldMk cId="46888621" sldId="296"/>
+            <ac:spMk id="7" creationId="{F0E052DC-A7A6-27E6-DABE-4ED1CE2A39D8}"/>
+          </ac:spMkLst>
+        </pc:spChg>
+        <pc:spChg chg="add del mod">
+          <ac:chgData name="Lucas Gardini Dias" userId="7283582234da282d" providerId="LiveId" clId="{C5FB0DF0-D3DF-4F89-8B3C-39729411D934}" dt="2023-10-20T00:26:09.890" v="4439" actId="478"/>
+          <ac:spMkLst>
+            <pc:docMk/>
+            <pc:sldMk cId="46888621" sldId="296"/>
+            <ac:spMk id="8" creationId="{7D8508DB-98BA-9215-FFFA-8B0EC39DD8CF}"/>
+          </ac:spMkLst>
+        </pc:spChg>
+        <pc:spChg chg="add mod">
+          <ac:chgData name="Lucas Gardini Dias" userId="7283582234da282d" providerId="LiveId" clId="{C5FB0DF0-D3DF-4F89-8B3C-39729411D934}" dt="2023-10-20T00:27:21.540" v="4526" actId="1076"/>
+          <ac:spMkLst>
+            <pc:docMk/>
+            <pc:sldMk cId="46888621" sldId="296"/>
+            <ac:spMk id="10" creationId="{738D2E1A-CAF5-E462-39AD-A601E2C414E4}"/>
+          </ac:spMkLst>
+        </pc:spChg>
+        <pc:picChg chg="add mod">
+          <ac:chgData name="Lucas Gardini Dias" userId="7283582234da282d" providerId="LiveId" clId="{C5FB0DF0-D3DF-4F89-8B3C-39729411D934}" dt="2023-10-20T00:27:19.072" v="4525" actId="12788"/>
+          <ac:picMkLst>
+            <pc:docMk/>
+            <pc:sldMk cId="46888621" sldId="296"/>
+            <ac:picMk id="9" creationId="{19DCD4E1-0525-39DF-91BE-4B1CB6AD0FB9}"/>
+          </ac:picMkLst>
+        </pc:picChg>
+      </pc:sldChg>
+      <pc:sldChg chg="addSp delSp modSp add mod">
+        <pc:chgData name="Lucas Gardini Dias" userId="7283582234da282d" providerId="LiveId" clId="{C5FB0DF0-D3DF-4F89-8B3C-39729411D934}" dt="2023-10-20T00:33:23.009" v="4581"/>
+        <pc:sldMkLst>
+          <pc:docMk/>
+          <pc:sldMk cId="3882196107" sldId="297"/>
+        </pc:sldMkLst>
+        <pc:spChg chg="add del mod">
+          <ac:chgData name="Lucas Gardini Dias" userId="7283582234da282d" providerId="LiveId" clId="{C5FB0DF0-D3DF-4F89-8B3C-39729411D934}" dt="2023-10-20T00:33:23.009" v="4581"/>
+          <ac:spMkLst>
+            <pc:docMk/>
+            <pc:sldMk cId="3882196107" sldId="297"/>
+            <ac:spMk id="2" creationId="{0048B9D2-A44A-743D-D171-42D570386A26}"/>
+          </ac:spMkLst>
+        </pc:spChg>
+        <pc:spChg chg="mod">
+          <ac:chgData name="Lucas Gardini Dias" userId="7283582234da282d" providerId="LiveId" clId="{C5FB0DF0-D3DF-4F89-8B3C-39729411D934}" dt="2023-10-20T00:27:44.383" v="4529"/>
+          <ac:spMkLst>
+            <pc:docMk/>
+            <pc:sldMk cId="3882196107" sldId="297"/>
+            <ac:spMk id="16" creationId="{24279469-2DDA-E628-E364-C8BECD32A244}"/>
+          </ac:spMkLst>
+        </pc:spChg>
+      </pc:sldChg>
       <pc:sldMasterChg chg="modSldLayout">
-        <pc:chgData name="Lucas Gardini Dias" userId="7283582234da282d" providerId="LiveId" clId="{C5FB0DF0-D3DF-4F89-8B3C-39729411D934}" dt="2023-10-18T01:07:59.887" v="1007" actId="478"/>
+        <pc:chgData name="Lucas Gardini Dias" userId="7283582234da282d" providerId="LiveId" clId="{C5FB0DF0-D3DF-4F89-8B3C-39729411D934}" dt="2023-10-20T00:29:22.327" v="4576" actId="20577"/>
         <pc:sldMasterMkLst>
           <pc:docMk/>
           <pc:sldMasterMk cId="742390347" sldId="2147483750"/>
         </pc:sldMasterMkLst>
         <pc:sldLayoutChg chg="delSp modSp mod">
-          <pc:chgData name="Lucas Gardini Dias" userId="7283582234da282d" providerId="LiveId" clId="{C5FB0DF0-D3DF-4F89-8B3C-39729411D934}" dt="2023-10-18T01:07:59.887" v="1007" actId="478"/>
+          <pc:chgData name="Lucas Gardini Dias" userId="7283582234da282d" providerId="LiveId" clId="{C5FB0DF0-D3DF-4F89-8B3C-39729411D934}" dt="2023-10-20T00:29:22.327" v="4576" actId="20577"/>
           <pc:sldLayoutMkLst>
             <pc:docMk/>
             <pc:sldMasterMk cId="742390347" sldId="2147483750"/>
@@ -1268,7 +1467,7 @@
             </ac:spMkLst>
           </pc:spChg>
           <pc:spChg chg="mod">
-            <ac:chgData name="Lucas Gardini Dias" userId="7283582234da282d" providerId="LiveId" clId="{C5FB0DF0-D3DF-4F89-8B3C-39729411D934}" dt="2023-10-18T01:07:39.675" v="1003" actId="1076"/>
+            <ac:chgData name="Lucas Gardini Dias" userId="7283582234da282d" providerId="LiveId" clId="{C5FB0DF0-D3DF-4F89-8B3C-39729411D934}" dt="2023-10-20T00:29:22.327" v="4576" actId="20577"/>
             <ac:spMkLst>
               <pc:docMk/>
               <pc:sldMasterMk cId="742390347" sldId="2147483750"/>
@@ -1736,7 +1935,7 @@
           <a:effectLst/>
           <a:extLst>
             <a:ext uri="{91240B29-F687-4f45-9708-019B960494DF}">
-              <a14:hiddenLine xmlns:a14="http://schemas.microsoft.com/office/drawing/2010/main" xmlns="" w="9525">
+              <a14:hiddenLine xmlns="" xmlns:a14="http://schemas.microsoft.com/office/drawing/2010/main" w="9525">
                 <a:solidFill>
                   <a:srgbClr val="000000"/>
                 </a:solidFill>
@@ -3270,7 +3469,7 @@
           <a:ln/>
           <a:extLst>
             <a:ext uri="{91240B29-F687-4f45-9708-019B960494DF}">
-              <a14:hiddenLine xmlns:a14="http://schemas.microsoft.com/office/drawing/2010/main" xmlns="" w="9525">
+              <a14:hiddenLine xmlns="" xmlns:a14="http://schemas.microsoft.com/office/drawing/2010/main" w="9525">
                 <a:solidFill>
                   <a:srgbClr val="000000"/>
                 </a:solidFill>
@@ -3548,7 +3747,7 @@
           <a:ln/>
           <a:extLst>
             <a:ext uri="{91240B29-F687-4f45-9708-019B960494DF}">
-              <a14:hiddenLine xmlns:a14="http://schemas.microsoft.com/office/drawing/2010/main" xmlns="" w="9525">
+              <a14:hiddenLine xmlns="" xmlns:a14="http://schemas.microsoft.com/office/drawing/2010/main" w="9525">
                 <a:solidFill>
                   <a:srgbClr val="000000"/>
                 </a:solidFill>
@@ -3834,7 +4033,7 @@
           <a:ln/>
           <a:extLst>
             <a:ext uri="{91240B29-F687-4f45-9708-019B960494DF}">
-              <a14:hiddenLine xmlns:a14="http://schemas.microsoft.com/office/drawing/2010/main" xmlns="" w="9525">
+              <a14:hiddenLine xmlns="" xmlns:a14="http://schemas.microsoft.com/office/drawing/2010/main" w="9525">
                 <a:solidFill>
                   <a:srgbClr val="000000"/>
                 </a:solidFill>
@@ -3973,7 +4172,7 @@
           <a:p>
             <a:r>
               <a:rPr lang="pt-BR" dirty="0"/>
-              <a:t>https://lucas.gardini.dev</a:t>
+              <a:t>https://lucasgardini.com</a:t>
             </a:r>
           </a:p>
         </p:txBody>
@@ -4472,7 +4671,7 @@
           <a:ln/>
           <a:extLst>
             <a:ext uri="{91240B29-F687-4f45-9708-019B960494DF}">
-              <a14:hiddenLine xmlns:a14="http://schemas.microsoft.com/office/drawing/2010/main" xmlns="" w="9525">
+              <a14:hiddenLine xmlns="" xmlns:a14="http://schemas.microsoft.com/office/drawing/2010/main" w="9525">
                 <a:solidFill>
                   <a:srgbClr val="000000"/>
                 </a:solidFill>
@@ -4814,7 +5013,7 @@
           <a:ln/>
           <a:extLst>
             <a:ext uri="{91240B29-F687-4f45-9708-019B960494DF}">
-              <a14:hiddenLine xmlns:a14="http://schemas.microsoft.com/office/drawing/2010/main" xmlns="" w="9525">
+              <a14:hiddenLine xmlns="" xmlns:a14="http://schemas.microsoft.com/office/drawing/2010/main" w="9525">
                 <a:solidFill>
                   <a:srgbClr val="000000"/>
                 </a:solidFill>
@@ -5294,7 +5493,7 @@
           <a:ln/>
           <a:extLst>
             <a:ext uri="{91240B29-F687-4f45-9708-019B960494DF}">
-              <a14:hiddenLine xmlns:a14="http://schemas.microsoft.com/office/drawing/2010/main" xmlns="" w="9525">
+              <a14:hiddenLine xmlns="" xmlns:a14="http://schemas.microsoft.com/office/drawing/2010/main" w="9525">
                 <a:solidFill>
                   <a:srgbClr val="000000"/>
                 </a:solidFill>
@@ -5729,7 +5928,7 @@
           <a:ln/>
           <a:extLst>
             <a:ext uri="{91240B29-F687-4f45-9708-019B960494DF}">
-              <a14:hiddenLine xmlns:a14="http://schemas.microsoft.com/office/drawing/2010/main" xmlns="" w="9525">
+              <a14:hiddenLine xmlns="" xmlns:a14="http://schemas.microsoft.com/office/drawing/2010/main" w="9525">
                 <a:solidFill>
                   <a:srgbClr val="000000"/>
                 </a:solidFill>
@@ -7190,33 +7389,8 @@
               <a:rPr lang="pt-BR" sz="2000" dirty="0">
                 <a:latin typeface="Söhne"/>
               </a:rPr>
-              <a:t>Escalabilidade horizontal.</a:t>
-            </a:r>
-            <a:endParaRPr lang="pt-BR" dirty="0"/>
-          </a:p>
-        </p:txBody>
-      </p:sp>
-      <p:sp>
-        <p:nvSpPr>
-          <p:cNvPr id="3" name="Espaço Reservado para Conteúdo 2">
-            <a:extLst>
-              <a:ext uri="{FF2B5EF4-FFF2-40B4-BE49-F238E27FC236}">
-                <a16:creationId xmlns:a16="http://schemas.microsoft.com/office/drawing/2014/main" id="{1812B3A2-0B9F-7A1D-29BE-5783C0E7C666}"/>
-              </a:ext>
-            </a:extLst>
-          </p:cNvPr>
-          <p:cNvSpPr>
-            <a:spLocks noGrp="1"/>
-          </p:cNvSpPr>
-          <p:nvPr>
-            <p:ph idx="1"/>
-          </p:nvPr>
-        </p:nvSpPr>
-        <p:spPr/>
-        <p:txBody>
-          <a:bodyPr/>
-          <a:lstStyle/>
-          <a:p>
+              <a:t>Esquemas dinâmicos.</a:t>
+            </a:r>
             <a:endParaRPr lang="pt-BR" dirty="0"/>
           </a:p>
         </p:txBody>
@@ -7278,16 +7452,178 @@
           </a:p>
         </p:txBody>
       </p:sp>
+      <p:sp>
+        <p:nvSpPr>
+          <p:cNvPr id="7" name="Espaço Reservado para Conteúdo 2">
+            <a:extLst>
+              <a:ext uri="{FF2B5EF4-FFF2-40B4-BE49-F238E27FC236}">
+                <a16:creationId xmlns:a16="http://schemas.microsoft.com/office/drawing/2014/main" id="{A0153ACD-6547-C908-6087-D85FBCB96D25}"/>
+              </a:ext>
+            </a:extLst>
+          </p:cNvPr>
+          <p:cNvSpPr>
+            <a:spLocks noGrp="1"/>
+          </p:cNvSpPr>
+          <p:nvPr>
+            <p:ph idx="1"/>
+          </p:nvPr>
+        </p:nvSpPr>
+        <p:spPr>
+          <a:xfrm>
+            <a:off x="818712" y="2660437"/>
+            <a:ext cx="10554574" cy="3636511"/>
+          </a:xfrm>
+        </p:spPr>
+        <p:txBody>
+          <a:bodyPr anchor="t">
+            <a:normAutofit fontScale="92500" lnSpcReduction="10000"/>
+          </a:bodyPr>
+          <a:lstStyle/>
+          <a:p>
+            <a:pPr marL="0" indent="0" algn="just">
+              <a:buNone/>
+            </a:pPr>
+            <a:r>
+              <a:rPr lang="pt-BR" dirty="0">
+                <a:latin typeface="Segoe UI" panose="020B0502040204020203" pitchFamily="34" charset="0"/>
+                <a:cs typeface="Segoe UI" panose="020B0502040204020203" pitchFamily="34" charset="0"/>
+              </a:rPr>
+              <a:t>O fato do mongo suportar esquemas dinâmicos, quer dizer que o banco de dados é capaz de lidar com estruturas dinâmicas nos seus documentos.</a:t>
+            </a:r>
+          </a:p>
+          <a:p>
+            <a:pPr marL="0" indent="0" algn="just">
+              <a:buNone/>
+            </a:pPr>
+            <a:endParaRPr lang="pt-BR" dirty="0">
+              <a:latin typeface="Segoe UI" panose="020B0502040204020203" pitchFamily="34" charset="0"/>
+              <a:cs typeface="Segoe UI" panose="020B0502040204020203" pitchFamily="34" charset="0"/>
+            </a:endParaRPr>
+          </a:p>
+          <a:p>
+            <a:pPr marL="0" indent="0" algn="just">
+              <a:buNone/>
+            </a:pPr>
+            <a:r>
+              <a:rPr lang="pt-BR" dirty="0">
+                <a:latin typeface="Segoe UI" panose="020B0502040204020203" pitchFamily="34" charset="0"/>
+                <a:cs typeface="Segoe UI" panose="020B0502040204020203" pitchFamily="34" charset="0"/>
+              </a:rPr>
+              <a:t>O que isso quer dizer? Simples, isso significa que as collections não são tão restritas quanto tabelas de bancos de dados SQL.</a:t>
+            </a:r>
+          </a:p>
+          <a:p>
+            <a:pPr marL="0" indent="0" algn="just">
+              <a:buNone/>
+            </a:pPr>
+            <a:endParaRPr lang="pt-BR" dirty="0">
+              <a:latin typeface="Segoe UI" panose="020B0502040204020203" pitchFamily="34" charset="0"/>
+              <a:cs typeface="Segoe UI" panose="020B0502040204020203" pitchFamily="34" charset="0"/>
+            </a:endParaRPr>
+          </a:p>
+          <a:p>
+            <a:pPr marL="0" indent="0" algn="just">
+              <a:buNone/>
+            </a:pPr>
+            <a:r>
+              <a:rPr lang="pt-BR" dirty="0">
+                <a:latin typeface="Segoe UI" panose="020B0502040204020203" pitchFamily="34" charset="0"/>
+                <a:cs typeface="Segoe UI" panose="020B0502040204020203" pitchFamily="34" charset="0"/>
+              </a:rPr>
+              <a:t>Por exemplo, caso nosso banco de dados SQL sofra uma alteração em uma tabela, a alteração deveria ser realizada por meio de </a:t>
+            </a:r>
+            <a:r>
+              <a:rPr lang="pt-BR" dirty="0" err="1">
+                <a:latin typeface="Segoe UI" panose="020B0502040204020203" pitchFamily="34" charset="0"/>
+                <a:cs typeface="Segoe UI" panose="020B0502040204020203" pitchFamily="34" charset="0"/>
+              </a:rPr>
+              <a:t>migrations</a:t>
+            </a:r>
+            <a:r>
+              <a:rPr lang="pt-BR" dirty="0">
+                <a:latin typeface="Segoe UI" panose="020B0502040204020203" pitchFamily="34" charset="0"/>
+                <a:cs typeface="Segoe UI" panose="020B0502040204020203" pitchFamily="34" charset="0"/>
+              </a:rPr>
+              <a:t> e comandos SQL para alterar a composição da tabela.</a:t>
+            </a:r>
+          </a:p>
+          <a:p>
+            <a:pPr marL="0" indent="0" algn="just">
+              <a:buNone/>
+            </a:pPr>
+            <a:endParaRPr lang="pt-BR" dirty="0">
+              <a:latin typeface="Segoe UI" panose="020B0502040204020203" pitchFamily="34" charset="0"/>
+              <a:cs typeface="Segoe UI" panose="020B0502040204020203" pitchFamily="34" charset="0"/>
+            </a:endParaRPr>
+          </a:p>
+          <a:p>
+            <a:pPr marL="0" indent="0" algn="just">
+              <a:buNone/>
+            </a:pPr>
+            <a:r>
+              <a:rPr lang="pt-BR" dirty="0">
+                <a:latin typeface="Segoe UI" panose="020B0502040204020203" pitchFamily="34" charset="0"/>
+                <a:cs typeface="Segoe UI" panose="020B0502040204020203" pitchFamily="34" charset="0"/>
+              </a:rPr>
+              <a:t>No </a:t>
+            </a:r>
+            <a:r>
+              <a:rPr lang="pt-BR" dirty="0" err="1">
+                <a:latin typeface="Segoe UI" panose="020B0502040204020203" pitchFamily="34" charset="0"/>
+                <a:cs typeface="Segoe UI" panose="020B0502040204020203" pitchFamily="34" charset="0"/>
+              </a:rPr>
+              <a:t>MongoDB</a:t>
+            </a:r>
+            <a:r>
+              <a:rPr lang="pt-BR" dirty="0">
+                <a:latin typeface="Segoe UI" panose="020B0502040204020203" pitchFamily="34" charset="0"/>
+                <a:cs typeface="Segoe UI" panose="020B0502040204020203" pitchFamily="34" charset="0"/>
+              </a:rPr>
+              <a:t>, podemos simplesmente remover a propriedade ou cadastrar um novo tipo que o banco de dados não irá precisar de nenhuma configuração adicional.</a:t>
+            </a:r>
+          </a:p>
+          <a:p>
+            <a:pPr marL="0" indent="0">
+              <a:buNone/>
+            </a:pPr>
+            <a:endParaRPr lang="pt-BR" dirty="0">
+              <a:latin typeface="Segoe UI" panose="020B0502040204020203" pitchFamily="34" charset="0"/>
+              <a:cs typeface="Segoe UI" panose="020B0502040204020203" pitchFamily="34" charset="0"/>
+            </a:endParaRPr>
+          </a:p>
+          <a:p>
+            <a:pPr marL="0" indent="0">
+              <a:buNone/>
+            </a:pPr>
+            <a:endParaRPr lang="pt-BR" dirty="0">
+              <a:latin typeface="Segoe UI" panose="020B0502040204020203" pitchFamily="34" charset="0"/>
+              <a:cs typeface="Segoe UI" panose="020B0502040204020203" pitchFamily="34" charset="0"/>
+            </a:endParaRPr>
+          </a:p>
+        </p:txBody>
+      </p:sp>
     </p:spTree>
     <p:extLst>
       <p:ext uri="{BB962C8B-B14F-4D97-AF65-F5344CB8AC3E}">
-        <p14:creationId xmlns:p14="http://schemas.microsoft.com/office/powerpoint/2010/main" val="2944004747"/>
+        <p14:creationId xmlns:p14="http://schemas.microsoft.com/office/powerpoint/2010/main" val="1074818923"/>
       </p:ext>
     </p:extLst>
   </p:cSld>
   <p:clrMapOvr>
     <a:masterClrMapping/>
   </p:clrMapOvr>
+  <mc:AlternateContent xmlns:mc="http://schemas.openxmlformats.org/markup-compatibility/2006">
+    <mc:Choice xmlns:p159="http://schemas.microsoft.com/office/powerpoint/2015/09/main" Requires="p159">
+      <p:transition xmlns:p14="http://schemas.microsoft.com/office/powerpoint/2010/main" spd="slow" p14:dur="2000">
+        <p159:morph option="byObject"/>
+      </p:transition>
+    </mc:Choice>
+    <mc:Fallback>
+      <p:transition spd="slow">
+        <p:fade/>
+      </p:transition>
+    </mc:Fallback>
+  </mc:AlternateContent>
 </p:sld>
 </file>
 
@@ -7310,6 +7646,1817 @@
       </p:grpSpPr>
       <p:sp>
         <p:nvSpPr>
+          <p:cNvPr id="2" name="Título 1">
+            <a:extLst>
+              <a:ext uri="{FF2B5EF4-FFF2-40B4-BE49-F238E27FC236}">
+                <a16:creationId xmlns:a16="http://schemas.microsoft.com/office/drawing/2014/main" id="{F0EA80E2-15DD-ABEB-539C-D3721B78C834}"/>
+              </a:ext>
+            </a:extLst>
+          </p:cNvPr>
+          <p:cNvSpPr>
+            <a:spLocks noGrp="1"/>
+          </p:cNvSpPr>
+          <p:nvPr>
+            <p:ph type="title"/>
+          </p:nvPr>
+        </p:nvSpPr>
+        <p:spPr/>
+        <p:txBody>
+          <a:bodyPr/>
+          <a:lstStyle/>
+          <a:p>
+            <a:r>
+              <a:rPr lang="pt-BR" b="1" i="0" dirty="0">
+                <a:effectLst/>
+                <a:latin typeface="Söhne"/>
+              </a:rPr>
+              <a:t>Principais Características</a:t>
+            </a:r>
+            <a:br>
+              <a:rPr lang="pt-BR" b="1" i="0" dirty="0">
+                <a:effectLst/>
+                <a:latin typeface="Söhne"/>
+              </a:rPr>
+            </a:br>
+            <a:r>
+              <a:rPr lang="pt-BR" sz="2000" dirty="0">
+                <a:latin typeface="Söhne"/>
+              </a:rPr>
+              <a:t>Escalabilidade horizontal.</a:t>
+            </a:r>
+            <a:endParaRPr lang="pt-BR" dirty="0"/>
+          </a:p>
+        </p:txBody>
+      </p:sp>
+      <p:sp>
+        <p:nvSpPr>
+          <p:cNvPr id="4" name="Espaço Reservado para Rodapé 3">
+            <a:extLst>
+              <a:ext uri="{FF2B5EF4-FFF2-40B4-BE49-F238E27FC236}">
+                <a16:creationId xmlns:a16="http://schemas.microsoft.com/office/drawing/2014/main" id="{6739F8A8-C8BA-402C-CBC7-A02F2C81E04B}"/>
+              </a:ext>
+            </a:extLst>
+          </p:cNvPr>
+          <p:cNvSpPr>
+            <a:spLocks noGrp="1"/>
+          </p:cNvSpPr>
+          <p:nvPr>
+            <p:ph type="ftr" sz="quarter" idx="11"/>
+          </p:nvPr>
+        </p:nvSpPr>
+        <p:spPr/>
+        <p:txBody>
+          <a:bodyPr/>
+          <a:lstStyle/>
+          <a:p>
+            <a:r>
+              <a:rPr lang="pt-BR" dirty="0"/>
+              <a:t>https://lucas.gardini.dev</a:t>
+            </a:r>
+          </a:p>
+        </p:txBody>
+      </p:sp>
+      <p:sp>
+        <p:nvSpPr>
+          <p:cNvPr id="5" name="Espaço Reservado para Número de Slide 4">
+            <a:extLst>
+              <a:ext uri="{FF2B5EF4-FFF2-40B4-BE49-F238E27FC236}">
+                <a16:creationId xmlns:a16="http://schemas.microsoft.com/office/drawing/2014/main" id="{DE18193C-5A4B-8531-1D52-CBD20E415CBF}"/>
+              </a:ext>
+            </a:extLst>
+          </p:cNvPr>
+          <p:cNvSpPr>
+            <a:spLocks noGrp="1"/>
+          </p:cNvSpPr>
+          <p:nvPr>
+            <p:ph type="sldNum" sz="quarter" idx="12"/>
+          </p:nvPr>
+        </p:nvSpPr>
+        <p:spPr/>
+        <p:txBody>
+          <a:bodyPr/>
+          <a:lstStyle/>
+          <a:p>
+            <a:fld id="{25237327-9CA3-4762-8749-00D99BA09B6B}" type="slidenum">
+              <a:rPr lang="pt-BR" smtClean="0"/>
+              <a:t>11</a:t>
+            </a:fld>
+            <a:endParaRPr lang="pt-BR"/>
+          </a:p>
+        </p:txBody>
+      </p:sp>
+      <p:sp>
+        <p:nvSpPr>
+          <p:cNvPr id="6" name="Espaço Reservado para Conteúdo 2">
+            <a:extLst>
+              <a:ext uri="{FF2B5EF4-FFF2-40B4-BE49-F238E27FC236}">
+                <a16:creationId xmlns:a16="http://schemas.microsoft.com/office/drawing/2014/main" id="{13035BDB-2160-4C33-A789-4C1B8D966713}"/>
+              </a:ext>
+            </a:extLst>
+          </p:cNvPr>
+          <p:cNvSpPr>
+            <a:spLocks noGrp="1"/>
+          </p:cNvSpPr>
+          <p:nvPr>
+            <p:ph idx="1"/>
+          </p:nvPr>
+        </p:nvSpPr>
+        <p:spPr>
+          <a:xfrm>
+            <a:off x="818712" y="2660437"/>
+            <a:ext cx="10554574" cy="3636511"/>
+          </a:xfrm>
+        </p:spPr>
+        <p:txBody>
+          <a:bodyPr anchor="t">
+            <a:normAutofit/>
+          </a:bodyPr>
+          <a:lstStyle/>
+          <a:p>
+            <a:pPr marL="0" indent="0" algn="just">
+              <a:buNone/>
+            </a:pPr>
+            <a:r>
+              <a:rPr lang="pt-BR" dirty="0">
+                <a:latin typeface="Segoe UI" panose="020B0502040204020203" pitchFamily="34" charset="0"/>
+                <a:cs typeface="Segoe UI" panose="020B0502040204020203" pitchFamily="34" charset="0"/>
+              </a:rPr>
+              <a:t>A escalabilidade horizontal no </a:t>
+            </a:r>
+            <a:r>
+              <a:rPr lang="pt-BR" dirty="0" err="1">
+                <a:latin typeface="Segoe UI" panose="020B0502040204020203" pitchFamily="34" charset="0"/>
+                <a:cs typeface="Segoe UI" panose="020B0502040204020203" pitchFamily="34" charset="0"/>
+              </a:rPr>
+              <a:t>MongoDB</a:t>
+            </a:r>
+            <a:r>
+              <a:rPr lang="pt-BR" dirty="0">
+                <a:latin typeface="Segoe UI" panose="020B0502040204020203" pitchFamily="34" charset="0"/>
+                <a:cs typeface="Segoe UI" panose="020B0502040204020203" pitchFamily="34" charset="0"/>
+              </a:rPr>
+              <a:t> refere-se à capacidade de distribuir dados e carga de trabalho em vários servidores ou máquinas, em vez de depender do aumento de recursos em um único servidor (escalabilidade vertical).</a:t>
+            </a:r>
+          </a:p>
+          <a:p>
+            <a:pPr marL="0" indent="0">
+              <a:buNone/>
+            </a:pPr>
+            <a:endParaRPr lang="pt-BR" dirty="0">
+              <a:latin typeface="Segoe UI" panose="020B0502040204020203" pitchFamily="34" charset="0"/>
+              <a:cs typeface="Segoe UI" panose="020B0502040204020203" pitchFamily="34" charset="0"/>
+            </a:endParaRPr>
+          </a:p>
+        </p:txBody>
+      </p:sp>
+      <p:sp>
+        <p:nvSpPr>
+          <p:cNvPr id="7" name="Espaço Reservado para Conteúdo 2">
+            <a:extLst>
+              <a:ext uri="{FF2B5EF4-FFF2-40B4-BE49-F238E27FC236}">
+                <a16:creationId xmlns:a16="http://schemas.microsoft.com/office/drawing/2014/main" id="{F0E052DC-A7A6-27E6-DABE-4ED1CE2A39D8}"/>
+              </a:ext>
+            </a:extLst>
+          </p:cNvPr>
+          <p:cNvSpPr txBox="1">
+            <a:spLocks/>
+          </p:cNvSpPr>
+          <p:nvPr/>
+        </p:nvSpPr>
+        <p:spPr>
+          <a:xfrm>
+            <a:off x="810000" y="2856364"/>
+            <a:ext cx="10554574" cy="3636511"/>
+          </a:xfrm>
+          <a:prstGeom prst="rect">
+            <a:avLst/>
+          </a:prstGeom>
+          <a:effectLst>
+            <a:outerShdw blurRad="50800" dir="14400000">
+              <a:srgbClr val="000000">
+                <a:alpha val="40000"/>
+              </a:srgbClr>
+            </a:outerShdw>
+          </a:effectLst>
+        </p:spPr>
+        <p:txBody>
+          <a:bodyPr vert="horz" lIns="91440" tIns="45720" rIns="91440" bIns="45720" rtlCol="0" anchor="ctr">
+            <a:normAutofit/>
+          </a:bodyPr>
+          <a:lstStyle>
+            <a:lvl1pPr marL="342900" indent="-342900" algn="l" defTabSz="457200" rtl="0" eaLnBrk="1" latinLnBrk="0" hangingPunct="1">
+              <a:spcBef>
+                <a:spcPct val="20000"/>
+              </a:spcBef>
+              <a:spcAft>
+                <a:spcPts val="600"/>
+              </a:spcAft>
+              <a:buClr>
+                <a:schemeClr val="accent1"/>
+              </a:buClr>
+              <a:buFont typeface="Wingdings 2" charset="2"/>
+              <a:buChar char=""/>
+              <a:defRPr sz="1800" kern="1200">
+                <a:solidFill>
+                  <a:schemeClr val="tx1"/>
+                </a:solidFill>
+                <a:latin typeface="+mn-lt"/>
+                <a:ea typeface="+mn-ea"/>
+                <a:cs typeface="+mn-cs"/>
+              </a:defRPr>
+            </a:lvl1pPr>
+            <a:lvl2pPr marL="742950" indent="-285750" algn="l" defTabSz="457200" rtl="0" eaLnBrk="1" latinLnBrk="0" hangingPunct="1">
+              <a:spcBef>
+                <a:spcPct val="20000"/>
+              </a:spcBef>
+              <a:spcAft>
+                <a:spcPts val="600"/>
+              </a:spcAft>
+              <a:buClr>
+                <a:schemeClr val="accent1"/>
+              </a:buClr>
+              <a:buFont typeface="Wingdings 2" charset="2"/>
+              <a:buChar char=""/>
+              <a:defRPr sz="1600" kern="1200">
+                <a:solidFill>
+                  <a:schemeClr val="tx1"/>
+                </a:solidFill>
+                <a:latin typeface="+mn-lt"/>
+                <a:ea typeface="+mn-ea"/>
+                <a:cs typeface="+mn-cs"/>
+              </a:defRPr>
+            </a:lvl2pPr>
+            <a:lvl3pPr marL="1143000" indent="-228600" algn="l" defTabSz="457200" rtl="0" eaLnBrk="1" latinLnBrk="0" hangingPunct="1">
+              <a:spcBef>
+                <a:spcPct val="20000"/>
+              </a:spcBef>
+              <a:spcAft>
+                <a:spcPts val="600"/>
+              </a:spcAft>
+              <a:buClr>
+                <a:schemeClr val="accent1"/>
+              </a:buClr>
+              <a:buFont typeface="Wingdings 2" charset="2"/>
+              <a:buChar char=""/>
+              <a:defRPr sz="1400" kern="1200">
+                <a:solidFill>
+                  <a:schemeClr val="tx1"/>
+                </a:solidFill>
+                <a:latin typeface="+mn-lt"/>
+                <a:ea typeface="+mn-ea"/>
+                <a:cs typeface="+mn-cs"/>
+              </a:defRPr>
+            </a:lvl3pPr>
+            <a:lvl4pPr marL="1600200" indent="-228600" algn="l" defTabSz="457200" rtl="0" eaLnBrk="1" latinLnBrk="0" hangingPunct="1">
+              <a:spcBef>
+                <a:spcPct val="20000"/>
+              </a:spcBef>
+              <a:spcAft>
+                <a:spcPts val="600"/>
+              </a:spcAft>
+              <a:buClr>
+                <a:schemeClr val="accent1"/>
+              </a:buClr>
+              <a:buFont typeface="Wingdings 2" charset="2"/>
+              <a:buChar char=""/>
+              <a:defRPr sz="1200" kern="1200">
+                <a:solidFill>
+                  <a:schemeClr val="tx1"/>
+                </a:solidFill>
+                <a:latin typeface="+mn-lt"/>
+                <a:ea typeface="+mn-ea"/>
+                <a:cs typeface="+mn-cs"/>
+              </a:defRPr>
+            </a:lvl4pPr>
+            <a:lvl5pPr marL="2057400" indent="-228600" algn="l" defTabSz="457200" rtl="0" eaLnBrk="1" latinLnBrk="0" hangingPunct="1">
+              <a:spcBef>
+                <a:spcPct val="20000"/>
+              </a:spcBef>
+              <a:spcAft>
+                <a:spcPts val="600"/>
+              </a:spcAft>
+              <a:buClr>
+                <a:schemeClr val="accent1"/>
+              </a:buClr>
+              <a:buFont typeface="Wingdings 2" charset="2"/>
+              <a:buChar char=""/>
+              <a:defRPr sz="1200" kern="1200">
+                <a:solidFill>
+                  <a:schemeClr val="tx1"/>
+                </a:solidFill>
+                <a:latin typeface="+mn-lt"/>
+                <a:ea typeface="+mn-ea"/>
+                <a:cs typeface="+mn-cs"/>
+              </a:defRPr>
+            </a:lvl5pPr>
+            <a:lvl6pPr marL="2400000" indent="-228600" algn="l" defTabSz="457200" rtl="0" eaLnBrk="1" latinLnBrk="0" hangingPunct="1">
+              <a:spcBef>
+                <a:spcPct val="20000"/>
+              </a:spcBef>
+              <a:spcAft>
+                <a:spcPts val="600"/>
+              </a:spcAft>
+              <a:buClr>
+                <a:schemeClr val="accent1"/>
+              </a:buClr>
+              <a:buFont typeface="Wingdings 2" charset="2"/>
+              <a:buChar char=""/>
+              <a:defRPr sz="1200" kern="1200">
+                <a:solidFill>
+                  <a:schemeClr val="tx1"/>
+                </a:solidFill>
+                <a:latin typeface="+mn-lt"/>
+                <a:ea typeface="+mn-ea"/>
+                <a:cs typeface="+mn-cs"/>
+              </a:defRPr>
+            </a:lvl6pPr>
+            <a:lvl7pPr marL="2800000" indent="-228600" algn="l" defTabSz="457200" rtl="0" eaLnBrk="1" latinLnBrk="0" hangingPunct="1">
+              <a:spcBef>
+                <a:spcPct val="20000"/>
+              </a:spcBef>
+              <a:spcAft>
+                <a:spcPts val="600"/>
+              </a:spcAft>
+              <a:buClr>
+                <a:schemeClr val="accent1"/>
+              </a:buClr>
+              <a:buFont typeface="Wingdings 2" charset="2"/>
+              <a:buChar char=""/>
+              <a:defRPr sz="1200" kern="1200">
+                <a:solidFill>
+                  <a:schemeClr val="tx1"/>
+                </a:solidFill>
+                <a:latin typeface="+mn-lt"/>
+                <a:ea typeface="+mn-ea"/>
+                <a:cs typeface="+mn-cs"/>
+              </a:defRPr>
+            </a:lvl7pPr>
+            <a:lvl8pPr marL="3200000" indent="-228600" algn="l" defTabSz="457200" rtl="0" eaLnBrk="1" latinLnBrk="0" hangingPunct="1">
+              <a:spcBef>
+                <a:spcPct val="20000"/>
+              </a:spcBef>
+              <a:spcAft>
+                <a:spcPts val="600"/>
+              </a:spcAft>
+              <a:buClr>
+                <a:schemeClr val="accent1"/>
+              </a:buClr>
+              <a:buFont typeface="Wingdings 2" charset="2"/>
+              <a:buChar char=""/>
+              <a:defRPr sz="1200" kern="1200">
+                <a:solidFill>
+                  <a:schemeClr val="tx1"/>
+                </a:solidFill>
+                <a:latin typeface="+mn-lt"/>
+                <a:ea typeface="+mn-ea"/>
+                <a:cs typeface="+mn-cs"/>
+              </a:defRPr>
+            </a:lvl8pPr>
+            <a:lvl9pPr marL="3600000" indent="-228600" algn="l" defTabSz="457200" rtl="0" eaLnBrk="1" latinLnBrk="0" hangingPunct="1">
+              <a:spcBef>
+                <a:spcPct val="20000"/>
+              </a:spcBef>
+              <a:spcAft>
+                <a:spcPts val="600"/>
+              </a:spcAft>
+              <a:buClr>
+                <a:schemeClr val="accent1"/>
+              </a:buClr>
+              <a:buFont typeface="Wingdings 2" charset="2"/>
+              <a:buChar char=""/>
+              <a:defRPr sz="1200" kern="1200">
+                <a:solidFill>
+                  <a:schemeClr val="tx1"/>
+                </a:solidFill>
+                <a:latin typeface="+mn-lt"/>
+                <a:ea typeface="+mn-ea"/>
+                <a:cs typeface="+mn-cs"/>
+              </a:defRPr>
+            </a:lvl9pPr>
+          </a:lstStyle>
+          <a:p>
+            <a:r>
+              <a:rPr lang="pt-BR" dirty="0" err="1"/>
+              <a:t>MongoDB</a:t>
+            </a:r>
+            <a:r>
+              <a:rPr lang="pt-BR" dirty="0"/>
+              <a:t> permite distribuir os dados em vários servidores, conhecidos como "</a:t>
+            </a:r>
+            <a:r>
+              <a:rPr lang="pt-BR" dirty="0" err="1"/>
+              <a:t>shards</a:t>
+            </a:r>
+            <a:r>
+              <a:rPr lang="pt-BR" dirty="0"/>
+              <a:t>".</a:t>
+            </a:r>
+          </a:p>
+          <a:p>
+            <a:pPr lvl="1"/>
+            <a:r>
+              <a:rPr lang="pt-BR" dirty="0">
+                <a:latin typeface="Segoe UI" panose="020B0502040204020203" pitchFamily="34" charset="0"/>
+                <a:cs typeface="Segoe UI" panose="020B0502040204020203" pitchFamily="34" charset="0"/>
+              </a:rPr>
+              <a:t>Cada </a:t>
+            </a:r>
+            <a:r>
+              <a:rPr lang="pt-BR" dirty="0" err="1">
+                <a:latin typeface="Segoe UI" panose="020B0502040204020203" pitchFamily="34" charset="0"/>
+                <a:cs typeface="Segoe UI" panose="020B0502040204020203" pitchFamily="34" charset="0"/>
+              </a:rPr>
+              <a:t>shard</a:t>
+            </a:r>
+            <a:r>
+              <a:rPr lang="pt-BR" dirty="0">
+                <a:latin typeface="Segoe UI" panose="020B0502040204020203" pitchFamily="34" charset="0"/>
+                <a:cs typeface="Segoe UI" panose="020B0502040204020203" pitchFamily="34" charset="0"/>
+              </a:rPr>
+              <a:t> contém uma parte dos dados, possibilitando a manipulação eficiente de grandes conjuntos de dados.</a:t>
+            </a:r>
+          </a:p>
+          <a:p>
+            <a:r>
+              <a:rPr lang="pt-BR" dirty="0">
+                <a:latin typeface="Segoe UI" panose="020B0502040204020203" pitchFamily="34" charset="0"/>
+                <a:cs typeface="Segoe UI" panose="020B0502040204020203" pitchFamily="34" charset="0"/>
+              </a:rPr>
+              <a:t>Para aumentar a capacidade, você pode simplesmente adicionar mais servidores (</a:t>
+            </a:r>
+            <a:r>
+              <a:rPr lang="pt-BR" dirty="0" err="1">
+                <a:latin typeface="Segoe UI" panose="020B0502040204020203" pitchFamily="34" charset="0"/>
+                <a:cs typeface="Segoe UI" panose="020B0502040204020203" pitchFamily="34" charset="0"/>
+              </a:rPr>
+              <a:t>shards</a:t>
+            </a:r>
+            <a:r>
+              <a:rPr lang="pt-BR" dirty="0">
+                <a:latin typeface="Segoe UI" panose="020B0502040204020203" pitchFamily="34" charset="0"/>
+                <a:cs typeface="Segoe UI" panose="020B0502040204020203" pitchFamily="34" charset="0"/>
+              </a:rPr>
+              <a:t>) ao cluster.</a:t>
+            </a:r>
+          </a:p>
+        </p:txBody>
+      </p:sp>
+    </p:spTree>
+    <p:extLst>
+      <p:ext uri="{BB962C8B-B14F-4D97-AF65-F5344CB8AC3E}">
+        <p14:creationId xmlns:p14="http://schemas.microsoft.com/office/powerpoint/2010/main" val="2944004747"/>
+      </p:ext>
+    </p:extLst>
+  </p:cSld>
+  <p:clrMapOvr>
+    <a:masterClrMapping/>
+  </p:clrMapOvr>
+  <mc:AlternateContent xmlns:mc="http://schemas.openxmlformats.org/markup-compatibility/2006">
+    <mc:Choice xmlns:p159="http://schemas.microsoft.com/office/powerpoint/2015/09/main" Requires="p159">
+      <p:transition xmlns:p14="http://schemas.microsoft.com/office/powerpoint/2010/main" spd="slow" p14:dur="2000">
+        <p159:morph option="byObject"/>
+      </p:transition>
+    </mc:Choice>
+    <mc:Fallback>
+      <p:transition spd="slow">
+        <p:fade/>
+      </p:transition>
+    </mc:Fallback>
+  </mc:AlternateContent>
+  <p:timing>
+    <p:tnLst>
+      <p:par>
+        <p:cTn id="1" dur="indefinite" restart="never" nodeType="tmRoot">
+          <p:childTnLst>
+            <p:seq concurrent="1" nextAc="seek">
+              <p:cTn id="2" dur="indefinite" nodeType="mainSeq">
+                <p:childTnLst>
+                  <p:par>
+                    <p:cTn id="3" fill="hold">
+                      <p:stCondLst>
+                        <p:cond delay="indefinite"/>
+                        <p:cond evt="onBegin" delay="0">
+                          <p:tn val="2"/>
+                        </p:cond>
+                      </p:stCondLst>
+                      <p:childTnLst>
+                        <p:par>
+                          <p:cTn id="4" fill="hold">
+                            <p:stCondLst>
+                              <p:cond delay="0"/>
+                            </p:stCondLst>
+                            <p:childTnLst>
+                              <p:par>
+                                <p:cTn id="5" presetID="10" presetClass="entr" presetSubtype="0" fill="hold" grpId="0" nodeType="afterEffect">
+                                  <p:stCondLst>
+                                    <p:cond delay="0"/>
+                                  </p:stCondLst>
+                                  <p:childTnLst>
+                                    <p:set>
+                                      <p:cBhvr>
+                                        <p:cTn id="6" dur="1" fill="hold">
+                                          <p:stCondLst>
+                                            <p:cond delay="0"/>
+                                          </p:stCondLst>
+                                        </p:cTn>
+                                        <p:tgtEl>
+                                          <p:spTgt spid="7">
+                                            <p:txEl>
+                                              <p:pRg st="0" end="0"/>
+                                            </p:txEl>
+                                          </p:spTgt>
+                                        </p:tgtEl>
+                                        <p:attrNameLst>
+                                          <p:attrName>style.visibility</p:attrName>
+                                        </p:attrNameLst>
+                                      </p:cBhvr>
+                                      <p:to>
+                                        <p:strVal val="visible"/>
+                                      </p:to>
+                                    </p:set>
+                                    <p:animEffect transition="in" filter="fade">
+                                      <p:cBhvr>
+                                        <p:cTn id="7" dur="500"/>
+                                        <p:tgtEl>
+                                          <p:spTgt spid="7">
+                                            <p:txEl>
+                                              <p:pRg st="0" end="0"/>
+                                            </p:txEl>
+                                          </p:spTgt>
+                                        </p:tgtEl>
+                                      </p:cBhvr>
+                                    </p:animEffect>
+                                  </p:childTnLst>
+                                </p:cTn>
+                              </p:par>
+                              <p:par>
+                                <p:cTn id="8" presetID="10" presetClass="entr" presetSubtype="0" fill="hold" grpId="0" nodeType="withEffect">
+                                  <p:stCondLst>
+                                    <p:cond delay="0"/>
+                                  </p:stCondLst>
+                                  <p:childTnLst>
+                                    <p:set>
+                                      <p:cBhvr>
+                                        <p:cTn id="9" dur="1" fill="hold">
+                                          <p:stCondLst>
+                                            <p:cond delay="0"/>
+                                          </p:stCondLst>
+                                        </p:cTn>
+                                        <p:tgtEl>
+                                          <p:spTgt spid="7">
+                                            <p:txEl>
+                                              <p:pRg st="1" end="1"/>
+                                            </p:txEl>
+                                          </p:spTgt>
+                                        </p:tgtEl>
+                                        <p:attrNameLst>
+                                          <p:attrName>style.visibility</p:attrName>
+                                        </p:attrNameLst>
+                                      </p:cBhvr>
+                                      <p:to>
+                                        <p:strVal val="visible"/>
+                                      </p:to>
+                                    </p:set>
+                                    <p:animEffect transition="in" filter="fade">
+                                      <p:cBhvr>
+                                        <p:cTn id="10" dur="500"/>
+                                        <p:tgtEl>
+                                          <p:spTgt spid="7">
+                                            <p:txEl>
+                                              <p:pRg st="1" end="1"/>
+                                            </p:txEl>
+                                          </p:spTgt>
+                                        </p:tgtEl>
+                                      </p:cBhvr>
+                                    </p:animEffect>
+                                  </p:childTnLst>
+                                </p:cTn>
+                              </p:par>
+                            </p:childTnLst>
+                          </p:cTn>
+                        </p:par>
+                        <p:par>
+                          <p:cTn id="11" fill="hold">
+                            <p:stCondLst>
+                              <p:cond delay="500"/>
+                            </p:stCondLst>
+                            <p:childTnLst>
+                              <p:par>
+                                <p:cTn id="12" presetID="10" presetClass="entr" presetSubtype="0" fill="hold" grpId="0" nodeType="afterEffect">
+                                  <p:stCondLst>
+                                    <p:cond delay="0"/>
+                                  </p:stCondLst>
+                                  <p:childTnLst>
+                                    <p:set>
+                                      <p:cBhvr>
+                                        <p:cTn id="13" dur="1" fill="hold">
+                                          <p:stCondLst>
+                                            <p:cond delay="0"/>
+                                          </p:stCondLst>
+                                        </p:cTn>
+                                        <p:tgtEl>
+                                          <p:spTgt spid="7">
+                                            <p:txEl>
+                                              <p:pRg st="2" end="2"/>
+                                            </p:txEl>
+                                          </p:spTgt>
+                                        </p:tgtEl>
+                                        <p:attrNameLst>
+                                          <p:attrName>style.visibility</p:attrName>
+                                        </p:attrNameLst>
+                                      </p:cBhvr>
+                                      <p:to>
+                                        <p:strVal val="visible"/>
+                                      </p:to>
+                                    </p:set>
+                                    <p:animEffect transition="in" filter="fade">
+                                      <p:cBhvr>
+                                        <p:cTn id="14" dur="500"/>
+                                        <p:tgtEl>
+                                          <p:spTgt spid="7">
+                                            <p:txEl>
+                                              <p:pRg st="2" end="2"/>
+                                            </p:txEl>
+                                          </p:spTgt>
+                                        </p:tgtEl>
+                                      </p:cBhvr>
+                                    </p:animEffect>
+                                  </p:childTnLst>
+                                </p:cTn>
+                              </p:par>
+                            </p:childTnLst>
+                          </p:cTn>
+                        </p:par>
+                      </p:childTnLst>
+                    </p:cTn>
+                  </p:par>
+                </p:childTnLst>
+              </p:cTn>
+              <p:prevCondLst>
+                <p:cond evt="onPrev" delay="0">
+                  <p:tgtEl>
+                    <p:sldTgt/>
+                  </p:tgtEl>
+                </p:cond>
+              </p:prevCondLst>
+              <p:nextCondLst>
+                <p:cond evt="onNext" delay="0">
+                  <p:tgtEl>
+                    <p:sldTgt/>
+                  </p:tgtEl>
+                </p:cond>
+              </p:nextCondLst>
+            </p:seq>
+          </p:childTnLst>
+        </p:cTn>
+      </p:par>
+    </p:tnLst>
+    <p:bldLst>
+      <p:bldP spid="7" grpId="0" build="p"/>
+    </p:bldLst>
+  </p:timing>
+</p:sld>
+</file>
+
+<file path=ppt/slides/slide12.xml><?xml version="1.0" encoding="utf-8"?>
+<p:sld xmlns:a="http://schemas.openxmlformats.org/drawingml/2006/main" xmlns:r="http://schemas.openxmlformats.org/officeDocument/2006/relationships" xmlns:p="http://schemas.openxmlformats.org/presentationml/2006/main">
+  <p:cSld>
+    <p:spTree>
+      <p:nvGrpSpPr>
+        <p:cNvPr id="1" name=""/>
+        <p:cNvGrpSpPr/>
+        <p:nvPr/>
+      </p:nvGrpSpPr>
+      <p:grpSpPr>
+        <a:xfrm>
+          <a:off x="0" y="0"/>
+          <a:ext cx="0" cy="0"/>
+          <a:chOff x="0" y="0"/>
+          <a:chExt cx="0" cy="0"/>
+        </a:xfrm>
+      </p:grpSpPr>
+      <p:sp>
+        <p:nvSpPr>
+          <p:cNvPr id="2" name="Título 1">
+            <a:extLst>
+              <a:ext uri="{FF2B5EF4-FFF2-40B4-BE49-F238E27FC236}">
+                <a16:creationId xmlns:a16="http://schemas.microsoft.com/office/drawing/2014/main" id="{F0EA80E2-15DD-ABEB-539C-D3721B78C834}"/>
+              </a:ext>
+            </a:extLst>
+          </p:cNvPr>
+          <p:cNvSpPr>
+            <a:spLocks noGrp="1"/>
+          </p:cNvSpPr>
+          <p:nvPr>
+            <p:ph type="title"/>
+          </p:nvPr>
+        </p:nvSpPr>
+        <p:spPr/>
+        <p:txBody>
+          <a:bodyPr/>
+          <a:lstStyle/>
+          <a:p>
+            <a:r>
+              <a:rPr lang="pt-BR" b="1" i="0" dirty="0">
+                <a:effectLst/>
+                <a:latin typeface="Söhne"/>
+              </a:rPr>
+              <a:t>Principais Características</a:t>
+            </a:r>
+            <a:br>
+              <a:rPr lang="pt-BR" b="1" i="0" dirty="0">
+                <a:effectLst/>
+                <a:latin typeface="Söhne"/>
+              </a:rPr>
+            </a:br>
+            <a:r>
+              <a:rPr lang="pt-BR" sz="2000" dirty="0">
+                <a:latin typeface="Söhne"/>
+              </a:rPr>
+              <a:t>Escalabilidade horizontal.</a:t>
+            </a:r>
+            <a:endParaRPr lang="pt-BR" dirty="0"/>
+          </a:p>
+        </p:txBody>
+      </p:sp>
+      <p:sp>
+        <p:nvSpPr>
+          <p:cNvPr id="4" name="Espaço Reservado para Rodapé 3">
+            <a:extLst>
+              <a:ext uri="{FF2B5EF4-FFF2-40B4-BE49-F238E27FC236}">
+                <a16:creationId xmlns:a16="http://schemas.microsoft.com/office/drawing/2014/main" id="{6739F8A8-C8BA-402C-CBC7-A02F2C81E04B}"/>
+              </a:ext>
+            </a:extLst>
+          </p:cNvPr>
+          <p:cNvSpPr>
+            <a:spLocks noGrp="1"/>
+          </p:cNvSpPr>
+          <p:nvPr>
+            <p:ph type="ftr" sz="quarter" idx="11"/>
+          </p:nvPr>
+        </p:nvSpPr>
+        <p:spPr/>
+        <p:txBody>
+          <a:bodyPr/>
+          <a:lstStyle/>
+          <a:p>
+            <a:r>
+              <a:rPr lang="pt-BR" dirty="0"/>
+              <a:t>https://lucas.gardini.dev</a:t>
+            </a:r>
+          </a:p>
+        </p:txBody>
+      </p:sp>
+      <p:sp>
+        <p:nvSpPr>
+          <p:cNvPr id="5" name="Espaço Reservado para Número de Slide 4">
+            <a:extLst>
+              <a:ext uri="{FF2B5EF4-FFF2-40B4-BE49-F238E27FC236}">
+                <a16:creationId xmlns:a16="http://schemas.microsoft.com/office/drawing/2014/main" id="{DE18193C-5A4B-8531-1D52-CBD20E415CBF}"/>
+              </a:ext>
+            </a:extLst>
+          </p:cNvPr>
+          <p:cNvSpPr>
+            <a:spLocks noGrp="1"/>
+          </p:cNvSpPr>
+          <p:nvPr>
+            <p:ph type="sldNum" sz="quarter" idx="12"/>
+          </p:nvPr>
+        </p:nvSpPr>
+        <p:spPr/>
+        <p:txBody>
+          <a:bodyPr/>
+          <a:lstStyle/>
+          <a:p>
+            <a:fld id="{25237327-9CA3-4762-8749-00D99BA09B6B}" type="slidenum">
+              <a:rPr lang="pt-BR" smtClean="0"/>
+              <a:t>12</a:t>
+            </a:fld>
+            <a:endParaRPr lang="pt-BR"/>
+          </a:p>
+        </p:txBody>
+      </p:sp>
+      <p:pic>
+        <p:nvPicPr>
+          <p:cNvPr id="9" name="Picture 2">
+            <a:extLst>
+              <a:ext uri="{FF2B5EF4-FFF2-40B4-BE49-F238E27FC236}">
+                <a16:creationId xmlns:a16="http://schemas.microsoft.com/office/drawing/2014/main" id="{19DCD4E1-0525-39DF-91BE-4B1CB6AD0FB9}"/>
+              </a:ext>
+            </a:extLst>
+          </p:cNvPr>
+          <p:cNvPicPr>
+            <a:picLocks noChangeAspect="1" noChangeArrowheads="1"/>
+          </p:cNvPicPr>
+          <p:nvPr/>
+        </p:nvPicPr>
+        <p:blipFill>
+          <a:blip r:embed="rId2">
+            <a:extLst>
+              <a:ext uri="{28A0092B-C50C-407E-A947-70E740481C1C}">
+                <a14:useLocalDpi xmlns:a14="http://schemas.microsoft.com/office/drawing/2010/main" val="0"/>
+              </a:ext>
+            </a:extLst>
+          </a:blip>
+          <a:srcRect/>
+          <a:stretch/>
+        </p:blipFill>
+        <p:spPr bwMode="auto">
+          <a:xfrm>
+            <a:off x="3911082" y="2337569"/>
+            <a:ext cx="3586263" cy="3437690"/>
+          </a:xfrm>
+          <a:prstGeom prst="rect">
+            <a:avLst/>
+          </a:prstGeom>
+          <a:noFill/>
+          <a:effectLst>
+            <a:innerShdw blurRad="63500" dist="50800" dir="13500000">
+              <a:prstClr val="black">
+                <a:alpha val="50000"/>
+              </a:prstClr>
+            </a:innerShdw>
+          </a:effectLst>
+        </p:spPr>
+      </p:pic>
+      <p:sp>
+        <p:nvSpPr>
+          <p:cNvPr id="10" name="CaixaDeTexto 9">
+            <a:extLst>
+              <a:ext uri="{FF2B5EF4-FFF2-40B4-BE49-F238E27FC236}">
+                <a16:creationId xmlns:a16="http://schemas.microsoft.com/office/drawing/2014/main" id="{738D2E1A-CAF5-E462-39AD-A601E2C414E4}"/>
+              </a:ext>
+            </a:extLst>
+          </p:cNvPr>
+          <p:cNvSpPr txBox="1"/>
+          <p:nvPr/>
+        </p:nvSpPr>
+        <p:spPr>
+          <a:xfrm>
+            <a:off x="3436620" y="5995567"/>
+            <a:ext cx="4535186" cy="276999"/>
+          </a:xfrm>
+          <a:prstGeom prst="rect">
+            <a:avLst/>
+          </a:prstGeom>
+          <a:noFill/>
+        </p:spPr>
+        <p:txBody>
+          <a:bodyPr wrap="square">
+            <a:spAutoFit/>
+          </a:bodyPr>
+          <a:lstStyle/>
+          <a:p>
+            <a:r>
+              <a:rPr lang="pt-BR" sz="1200" dirty="0">
+                <a:latin typeface="Segoe UI" panose="020B0502040204020203" pitchFamily="34" charset="0"/>
+                <a:cs typeface="Segoe UI" panose="020B0502040204020203" pitchFamily="34" charset="0"/>
+              </a:rPr>
+              <a:t>Representação visual dos </a:t>
+            </a:r>
+            <a:r>
+              <a:rPr lang="pt-BR" sz="1200" i="1" dirty="0" err="1">
+                <a:latin typeface="Segoe UI" panose="020B0502040204020203" pitchFamily="34" charset="0"/>
+                <a:cs typeface="Segoe UI" panose="020B0502040204020203" pitchFamily="34" charset="0"/>
+              </a:rPr>
+              <a:t>shards</a:t>
+            </a:r>
+            <a:r>
+              <a:rPr lang="pt-BR" sz="1200" i="1" dirty="0">
+                <a:latin typeface="Segoe UI" panose="020B0502040204020203" pitchFamily="34" charset="0"/>
+                <a:cs typeface="Segoe UI" panose="020B0502040204020203" pitchFamily="34" charset="0"/>
+              </a:rPr>
+              <a:t> </a:t>
+            </a:r>
+            <a:r>
+              <a:rPr lang="pt-BR" sz="1200" dirty="0">
+                <a:latin typeface="Segoe UI" panose="020B0502040204020203" pitchFamily="34" charset="0"/>
+                <a:cs typeface="Segoe UI" panose="020B0502040204020203" pitchFamily="34" charset="0"/>
+              </a:rPr>
+              <a:t>do </a:t>
+            </a:r>
+            <a:r>
+              <a:rPr lang="pt-BR" sz="1200" dirty="0" err="1">
+                <a:latin typeface="Segoe UI" panose="020B0502040204020203" pitchFamily="34" charset="0"/>
+                <a:cs typeface="Segoe UI" panose="020B0502040204020203" pitchFamily="34" charset="0"/>
+              </a:rPr>
+              <a:t>MongoDB</a:t>
+            </a:r>
+            <a:r>
+              <a:rPr lang="pt-BR" sz="1200" dirty="0">
+                <a:latin typeface="Segoe UI" panose="020B0502040204020203" pitchFamily="34" charset="0"/>
+                <a:cs typeface="Segoe UI" panose="020B0502040204020203" pitchFamily="34" charset="0"/>
+              </a:rPr>
+              <a:t>, </a:t>
+            </a:r>
+            <a:r>
+              <a:rPr lang="pt-BR" sz="1200" dirty="0" err="1">
+                <a:latin typeface="Segoe UI" panose="020B0502040204020203" pitchFamily="34" charset="0"/>
+                <a:cs typeface="Segoe UI" panose="020B0502040204020203" pitchFamily="34" charset="0"/>
+              </a:rPr>
+              <a:t>StackOverflow</a:t>
+            </a:r>
+            <a:endParaRPr lang="pt-BR" sz="1200" dirty="0">
+              <a:latin typeface="Segoe UI" panose="020B0502040204020203" pitchFamily="34" charset="0"/>
+              <a:cs typeface="Segoe UI" panose="020B0502040204020203" pitchFamily="34" charset="0"/>
+            </a:endParaRPr>
+          </a:p>
+        </p:txBody>
+      </p:sp>
+    </p:spTree>
+    <p:extLst>
+      <p:ext uri="{BB962C8B-B14F-4D97-AF65-F5344CB8AC3E}">
+        <p14:creationId xmlns:p14="http://schemas.microsoft.com/office/powerpoint/2010/main" val="46888621"/>
+      </p:ext>
+    </p:extLst>
+  </p:cSld>
+  <p:clrMapOvr>
+    <a:masterClrMapping/>
+  </p:clrMapOvr>
+  <mc:AlternateContent xmlns:mc="http://schemas.openxmlformats.org/markup-compatibility/2006">
+    <mc:Choice xmlns:p159="http://schemas.microsoft.com/office/powerpoint/2015/09/main" Requires="p159">
+      <p:transition xmlns:p14="http://schemas.microsoft.com/office/powerpoint/2010/main" spd="slow" p14:dur="2000">
+        <p159:morph option="byObject"/>
+      </p:transition>
+    </mc:Choice>
+    <mc:Fallback>
+      <p:transition spd="slow">
+        <p:fade/>
+      </p:transition>
+    </mc:Fallback>
+  </mc:AlternateContent>
+</p:sld>
+</file>
+
+<file path=ppt/slides/slide13.xml><?xml version="1.0" encoding="utf-8"?>
+<p:sld xmlns:a="http://schemas.openxmlformats.org/drawingml/2006/main" xmlns:r="http://schemas.openxmlformats.org/officeDocument/2006/relationships" xmlns:p="http://schemas.openxmlformats.org/presentationml/2006/main">
+  <p:cSld>
+    <p:spTree>
+      <p:nvGrpSpPr>
+        <p:cNvPr id="1" name=""/>
+        <p:cNvGrpSpPr/>
+        <p:nvPr/>
+      </p:nvGrpSpPr>
+      <p:grpSpPr>
+        <a:xfrm>
+          <a:off x="0" y="0"/>
+          <a:ext cx="0" cy="0"/>
+          <a:chOff x="0" y="0"/>
+          <a:chExt cx="0" cy="0"/>
+        </a:xfrm>
+      </p:grpSpPr>
+      <p:pic>
+        <p:nvPicPr>
+          <p:cNvPr id="5" name="Imagem 4">
+            <a:extLst>
+              <a:ext uri="{FF2B5EF4-FFF2-40B4-BE49-F238E27FC236}">
+                <a16:creationId xmlns:a16="http://schemas.microsoft.com/office/drawing/2014/main" id="{1C79E405-CB11-2D90-B746-2187C3983492}"/>
+              </a:ext>
+            </a:extLst>
+          </p:cNvPr>
+          <p:cNvPicPr>
+            <a:picLocks noChangeAspect="1"/>
+          </p:cNvPicPr>
+          <p:nvPr/>
+        </p:nvPicPr>
+        <p:blipFill>
+          <a:blip r:embed="rId2"/>
+          <a:stretch>
+            <a:fillRect/>
+          </a:stretch>
+        </p:blipFill>
+        <p:spPr>
+          <a:xfrm>
+            <a:off x="-21746" y="0"/>
+            <a:ext cx="12213746" cy="6858000"/>
+          </a:xfrm>
+          <a:prstGeom prst="rect">
+            <a:avLst/>
+          </a:prstGeom>
+        </p:spPr>
+      </p:pic>
+      <p:sp>
+        <p:nvSpPr>
+          <p:cNvPr id="16" name="CaixaDeTexto 15">
+            <a:extLst>
+              <a:ext uri="{FF2B5EF4-FFF2-40B4-BE49-F238E27FC236}">
+                <a16:creationId xmlns:a16="http://schemas.microsoft.com/office/drawing/2014/main" id="{24279469-2DDA-E628-E364-C8BECD32A244}"/>
+              </a:ext>
+            </a:extLst>
+          </p:cNvPr>
+          <p:cNvSpPr txBox="1"/>
+          <p:nvPr/>
+        </p:nvSpPr>
+        <p:spPr>
+          <a:xfrm>
+            <a:off x="660859" y="1905506"/>
+            <a:ext cx="10378162" cy="3046988"/>
+          </a:xfrm>
+          <a:prstGeom prst="rect">
+            <a:avLst/>
+          </a:prstGeom>
+          <a:noFill/>
+          <a:effectLst>
+            <a:outerShdw blurRad="63500" sx="102000" sy="102000" algn="ctr" rotWithShape="0">
+              <a:prstClr val="black">
+                <a:alpha val="40000"/>
+              </a:prstClr>
+            </a:outerShdw>
+          </a:effectLst>
+        </p:spPr>
+        <p:txBody>
+          <a:bodyPr wrap="none" rtlCol="0">
+            <a:spAutoFit/>
+          </a:bodyPr>
+          <a:lstStyle/>
+          <a:p>
+            <a:r>
+              <a:rPr lang="pt-BR" sz="9600" b="1" dirty="0">
+                <a:effectLst>
+                  <a:outerShdw blurRad="50800" dist="38100" dir="2700000" algn="tl" rotWithShape="0">
+                    <a:prstClr val="black">
+                      <a:alpha val="40000"/>
+                    </a:prstClr>
+                  </a:outerShdw>
+                </a:effectLst>
+              </a:rPr>
+              <a:t>INSTALAÇÃO E </a:t>
+            </a:r>
+          </a:p>
+          <a:p>
+            <a:r>
+              <a:rPr lang="pt-BR" sz="9600" b="1" dirty="0">
+                <a:effectLst>
+                  <a:outerShdw blurRad="50800" dist="38100" dir="2700000" algn="tl" rotWithShape="0">
+                    <a:prstClr val="black">
+                      <a:alpha val="40000"/>
+                    </a:prstClr>
+                  </a:outerShdw>
+                </a:effectLst>
+              </a:rPr>
+              <a:t>CONFIGURAÇÃO</a:t>
+            </a:r>
+          </a:p>
+        </p:txBody>
+      </p:sp>
+    </p:spTree>
+    <p:extLst>
+      <p:ext uri="{BB962C8B-B14F-4D97-AF65-F5344CB8AC3E}">
+        <p14:creationId xmlns:p14="http://schemas.microsoft.com/office/powerpoint/2010/main" val="3882196107"/>
+      </p:ext>
+    </p:extLst>
+  </p:cSld>
+  <p:clrMapOvr>
+    <a:masterClrMapping/>
+  </p:clrMapOvr>
+  <p:transition spd="slow">
+    <p:cover dir="d"/>
+  </p:transition>
+</p:sld>
+</file>
+
+<file path=ppt/slides/slide14.xml><?xml version="1.0" encoding="utf-8"?>
+<p:sld xmlns:a="http://schemas.openxmlformats.org/drawingml/2006/main" xmlns:r="http://schemas.openxmlformats.org/officeDocument/2006/relationships" xmlns:p="http://schemas.openxmlformats.org/presentationml/2006/main">
+  <p:cSld>
+    <p:spTree>
+      <p:nvGrpSpPr>
+        <p:cNvPr id="1" name=""/>
+        <p:cNvGrpSpPr/>
+        <p:nvPr/>
+      </p:nvGrpSpPr>
+      <p:grpSpPr>
+        <a:xfrm>
+          <a:off x="0" y="0"/>
+          <a:ext cx="0" cy="0"/>
+          <a:chOff x="0" y="0"/>
+          <a:chExt cx="0" cy="0"/>
+        </a:xfrm>
+      </p:grpSpPr>
+      <p:sp>
+        <p:nvSpPr>
+          <p:cNvPr id="2" name="Título 1">
+            <a:extLst>
+              <a:ext uri="{FF2B5EF4-FFF2-40B4-BE49-F238E27FC236}">
+                <a16:creationId xmlns:a16="http://schemas.microsoft.com/office/drawing/2014/main" id="{F0EA80E2-15DD-ABEB-539C-D3721B78C834}"/>
+              </a:ext>
+            </a:extLst>
+          </p:cNvPr>
+          <p:cNvSpPr>
+            <a:spLocks noGrp="1"/>
+          </p:cNvSpPr>
+          <p:nvPr>
+            <p:ph type="title"/>
+          </p:nvPr>
+        </p:nvSpPr>
+        <p:spPr/>
+        <p:txBody>
+          <a:bodyPr/>
+          <a:lstStyle/>
+          <a:p>
+            <a:r>
+              <a:rPr lang="pt-BR" b="1" i="0" dirty="0">
+                <a:effectLst/>
+                <a:latin typeface="Söhne"/>
+              </a:rPr>
+              <a:t>Instalação e Configuração</a:t>
+            </a:r>
+            <a:br>
+              <a:rPr lang="pt-BR" b="1" i="0" dirty="0">
+                <a:effectLst/>
+                <a:latin typeface="Söhne"/>
+              </a:rPr>
+            </a:br>
+            <a:r>
+              <a:rPr lang="pt-BR" sz="2000" dirty="0">
+                <a:latin typeface="Söhne"/>
+              </a:rPr>
+              <a:t>Como baixar e instalar o </a:t>
+            </a:r>
+            <a:r>
+              <a:rPr lang="pt-BR" sz="2000" dirty="0" err="1">
+                <a:latin typeface="Söhne"/>
+              </a:rPr>
+              <a:t>MongoDB</a:t>
+            </a:r>
+            <a:r>
+              <a:rPr lang="pt-BR" sz="2000" dirty="0">
+                <a:latin typeface="Söhne"/>
+              </a:rPr>
+              <a:t>.</a:t>
+            </a:r>
+            <a:endParaRPr lang="pt-BR" dirty="0"/>
+          </a:p>
+        </p:txBody>
+      </p:sp>
+      <p:sp>
+        <p:nvSpPr>
+          <p:cNvPr id="4" name="Espaço Reservado para Rodapé 3">
+            <a:extLst>
+              <a:ext uri="{FF2B5EF4-FFF2-40B4-BE49-F238E27FC236}">
+                <a16:creationId xmlns:a16="http://schemas.microsoft.com/office/drawing/2014/main" id="{6739F8A8-C8BA-402C-CBC7-A02F2C81E04B}"/>
+              </a:ext>
+            </a:extLst>
+          </p:cNvPr>
+          <p:cNvSpPr>
+            <a:spLocks noGrp="1"/>
+          </p:cNvSpPr>
+          <p:nvPr>
+            <p:ph type="ftr" sz="quarter" idx="11"/>
+          </p:nvPr>
+        </p:nvSpPr>
+        <p:spPr/>
+        <p:txBody>
+          <a:bodyPr/>
+          <a:lstStyle/>
+          <a:p>
+            <a:r>
+              <a:rPr lang="pt-BR" dirty="0"/>
+              <a:t>https://lucas.gardini.dev</a:t>
+            </a:r>
+          </a:p>
+        </p:txBody>
+      </p:sp>
+      <p:sp>
+        <p:nvSpPr>
+          <p:cNvPr id="5" name="Espaço Reservado para Número de Slide 4">
+            <a:extLst>
+              <a:ext uri="{FF2B5EF4-FFF2-40B4-BE49-F238E27FC236}">
+                <a16:creationId xmlns:a16="http://schemas.microsoft.com/office/drawing/2014/main" id="{DE18193C-5A4B-8531-1D52-CBD20E415CBF}"/>
+              </a:ext>
+            </a:extLst>
+          </p:cNvPr>
+          <p:cNvSpPr>
+            <a:spLocks noGrp="1"/>
+          </p:cNvSpPr>
+          <p:nvPr>
+            <p:ph type="sldNum" sz="quarter" idx="12"/>
+          </p:nvPr>
+        </p:nvSpPr>
+        <p:spPr/>
+        <p:txBody>
+          <a:bodyPr/>
+          <a:lstStyle/>
+          <a:p>
+            <a:fld id="{25237327-9CA3-4762-8749-00D99BA09B6B}" type="slidenum">
+              <a:rPr lang="pt-BR" smtClean="0"/>
+              <a:t>14</a:t>
+            </a:fld>
+            <a:endParaRPr lang="pt-BR"/>
+          </a:p>
+        </p:txBody>
+      </p:sp>
+      <p:sp>
+        <p:nvSpPr>
+          <p:cNvPr id="6" name="Espaço Reservado para Conteúdo 2">
+            <a:extLst>
+              <a:ext uri="{FF2B5EF4-FFF2-40B4-BE49-F238E27FC236}">
+                <a16:creationId xmlns:a16="http://schemas.microsoft.com/office/drawing/2014/main" id="{513AB07C-81FB-3533-C9E9-AA5E2178F19B}"/>
+              </a:ext>
+            </a:extLst>
+          </p:cNvPr>
+          <p:cNvSpPr txBox="1">
+            <a:spLocks/>
+          </p:cNvSpPr>
+          <p:nvPr/>
+        </p:nvSpPr>
+        <p:spPr>
+          <a:xfrm>
+            <a:off x="818712" y="2660437"/>
+            <a:ext cx="5526104" cy="3636511"/>
+          </a:xfrm>
+          <a:prstGeom prst="rect">
+            <a:avLst/>
+          </a:prstGeom>
+          <a:effectLst>
+            <a:outerShdw blurRad="50800" dir="14400000">
+              <a:srgbClr val="000000">
+                <a:alpha val="40000"/>
+              </a:srgbClr>
+            </a:outerShdw>
+          </a:effectLst>
+        </p:spPr>
+        <p:txBody>
+          <a:bodyPr vert="horz" lIns="91440" tIns="45720" rIns="91440" bIns="45720" rtlCol="0" anchor="t">
+            <a:normAutofit/>
+          </a:bodyPr>
+          <a:lstStyle>
+            <a:lvl1pPr marL="342900" indent="-342900" algn="l" defTabSz="457200" rtl="0" eaLnBrk="1" latinLnBrk="0" hangingPunct="1">
+              <a:spcBef>
+                <a:spcPct val="20000"/>
+              </a:spcBef>
+              <a:spcAft>
+                <a:spcPts val="600"/>
+              </a:spcAft>
+              <a:buClr>
+                <a:schemeClr val="accent1"/>
+              </a:buClr>
+              <a:buFont typeface="Wingdings 2" charset="2"/>
+              <a:buChar char=""/>
+              <a:defRPr sz="1800" kern="1200">
+                <a:solidFill>
+                  <a:schemeClr val="tx1"/>
+                </a:solidFill>
+                <a:latin typeface="+mn-lt"/>
+                <a:ea typeface="+mn-ea"/>
+                <a:cs typeface="+mn-cs"/>
+              </a:defRPr>
+            </a:lvl1pPr>
+            <a:lvl2pPr marL="742950" indent="-285750" algn="l" defTabSz="457200" rtl="0" eaLnBrk="1" latinLnBrk="0" hangingPunct="1">
+              <a:spcBef>
+                <a:spcPct val="20000"/>
+              </a:spcBef>
+              <a:spcAft>
+                <a:spcPts val="600"/>
+              </a:spcAft>
+              <a:buClr>
+                <a:schemeClr val="accent1"/>
+              </a:buClr>
+              <a:buFont typeface="Wingdings 2" charset="2"/>
+              <a:buChar char=""/>
+              <a:defRPr sz="1600" kern="1200">
+                <a:solidFill>
+                  <a:schemeClr val="tx1"/>
+                </a:solidFill>
+                <a:latin typeface="+mn-lt"/>
+                <a:ea typeface="+mn-ea"/>
+                <a:cs typeface="+mn-cs"/>
+              </a:defRPr>
+            </a:lvl2pPr>
+            <a:lvl3pPr marL="1143000" indent="-228600" algn="l" defTabSz="457200" rtl="0" eaLnBrk="1" latinLnBrk="0" hangingPunct="1">
+              <a:spcBef>
+                <a:spcPct val="20000"/>
+              </a:spcBef>
+              <a:spcAft>
+                <a:spcPts val="600"/>
+              </a:spcAft>
+              <a:buClr>
+                <a:schemeClr val="accent1"/>
+              </a:buClr>
+              <a:buFont typeface="Wingdings 2" charset="2"/>
+              <a:buChar char=""/>
+              <a:defRPr sz="1400" kern="1200">
+                <a:solidFill>
+                  <a:schemeClr val="tx1"/>
+                </a:solidFill>
+                <a:latin typeface="+mn-lt"/>
+                <a:ea typeface="+mn-ea"/>
+                <a:cs typeface="+mn-cs"/>
+              </a:defRPr>
+            </a:lvl3pPr>
+            <a:lvl4pPr marL="1600200" indent="-228600" algn="l" defTabSz="457200" rtl="0" eaLnBrk="1" latinLnBrk="0" hangingPunct="1">
+              <a:spcBef>
+                <a:spcPct val="20000"/>
+              </a:spcBef>
+              <a:spcAft>
+                <a:spcPts val="600"/>
+              </a:spcAft>
+              <a:buClr>
+                <a:schemeClr val="accent1"/>
+              </a:buClr>
+              <a:buFont typeface="Wingdings 2" charset="2"/>
+              <a:buChar char=""/>
+              <a:defRPr sz="1200" kern="1200">
+                <a:solidFill>
+                  <a:schemeClr val="tx1"/>
+                </a:solidFill>
+                <a:latin typeface="+mn-lt"/>
+                <a:ea typeface="+mn-ea"/>
+                <a:cs typeface="+mn-cs"/>
+              </a:defRPr>
+            </a:lvl4pPr>
+            <a:lvl5pPr marL="2057400" indent="-228600" algn="l" defTabSz="457200" rtl="0" eaLnBrk="1" latinLnBrk="0" hangingPunct="1">
+              <a:spcBef>
+                <a:spcPct val="20000"/>
+              </a:spcBef>
+              <a:spcAft>
+                <a:spcPts val="600"/>
+              </a:spcAft>
+              <a:buClr>
+                <a:schemeClr val="accent1"/>
+              </a:buClr>
+              <a:buFont typeface="Wingdings 2" charset="2"/>
+              <a:buChar char=""/>
+              <a:defRPr sz="1200" kern="1200">
+                <a:solidFill>
+                  <a:schemeClr val="tx1"/>
+                </a:solidFill>
+                <a:latin typeface="+mn-lt"/>
+                <a:ea typeface="+mn-ea"/>
+                <a:cs typeface="+mn-cs"/>
+              </a:defRPr>
+            </a:lvl5pPr>
+            <a:lvl6pPr marL="2400000" indent="-228600" algn="l" defTabSz="457200" rtl="0" eaLnBrk="1" latinLnBrk="0" hangingPunct="1">
+              <a:spcBef>
+                <a:spcPct val="20000"/>
+              </a:spcBef>
+              <a:spcAft>
+                <a:spcPts val="600"/>
+              </a:spcAft>
+              <a:buClr>
+                <a:schemeClr val="accent1"/>
+              </a:buClr>
+              <a:buFont typeface="Wingdings 2" charset="2"/>
+              <a:buChar char=""/>
+              <a:defRPr sz="1200" kern="1200">
+                <a:solidFill>
+                  <a:schemeClr val="tx1"/>
+                </a:solidFill>
+                <a:latin typeface="+mn-lt"/>
+                <a:ea typeface="+mn-ea"/>
+                <a:cs typeface="+mn-cs"/>
+              </a:defRPr>
+            </a:lvl6pPr>
+            <a:lvl7pPr marL="2800000" indent="-228600" algn="l" defTabSz="457200" rtl="0" eaLnBrk="1" latinLnBrk="0" hangingPunct="1">
+              <a:spcBef>
+                <a:spcPct val="20000"/>
+              </a:spcBef>
+              <a:spcAft>
+                <a:spcPts val="600"/>
+              </a:spcAft>
+              <a:buClr>
+                <a:schemeClr val="accent1"/>
+              </a:buClr>
+              <a:buFont typeface="Wingdings 2" charset="2"/>
+              <a:buChar char=""/>
+              <a:defRPr sz="1200" kern="1200">
+                <a:solidFill>
+                  <a:schemeClr val="tx1"/>
+                </a:solidFill>
+                <a:latin typeface="+mn-lt"/>
+                <a:ea typeface="+mn-ea"/>
+                <a:cs typeface="+mn-cs"/>
+              </a:defRPr>
+            </a:lvl7pPr>
+            <a:lvl8pPr marL="3200000" indent="-228600" algn="l" defTabSz="457200" rtl="0" eaLnBrk="1" latinLnBrk="0" hangingPunct="1">
+              <a:spcBef>
+                <a:spcPct val="20000"/>
+              </a:spcBef>
+              <a:spcAft>
+                <a:spcPts val="600"/>
+              </a:spcAft>
+              <a:buClr>
+                <a:schemeClr val="accent1"/>
+              </a:buClr>
+              <a:buFont typeface="Wingdings 2" charset="2"/>
+              <a:buChar char=""/>
+              <a:defRPr sz="1200" kern="1200">
+                <a:solidFill>
+                  <a:schemeClr val="tx1"/>
+                </a:solidFill>
+                <a:latin typeface="+mn-lt"/>
+                <a:ea typeface="+mn-ea"/>
+                <a:cs typeface="+mn-cs"/>
+              </a:defRPr>
+            </a:lvl8pPr>
+            <a:lvl9pPr marL="3600000" indent="-228600" algn="l" defTabSz="457200" rtl="0" eaLnBrk="1" latinLnBrk="0" hangingPunct="1">
+              <a:spcBef>
+                <a:spcPct val="20000"/>
+              </a:spcBef>
+              <a:spcAft>
+                <a:spcPts val="600"/>
+              </a:spcAft>
+              <a:buClr>
+                <a:schemeClr val="accent1"/>
+              </a:buClr>
+              <a:buFont typeface="Wingdings 2" charset="2"/>
+              <a:buChar char=""/>
+              <a:defRPr sz="1200" kern="1200">
+                <a:solidFill>
+                  <a:schemeClr val="tx1"/>
+                </a:solidFill>
+                <a:latin typeface="+mn-lt"/>
+                <a:ea typeface="+mn-ea"/>
+                <a:cs typeface="+mn-cs"/>
+              </a:defRPr>
+            </a:lvl9pPr>
+          </a:lstStyle>
+          <a:p>
+            <a:pPr marL="0" indent="0" algn="just">
+              <a:buFont typeface="Wingdings 2" charset="2"/>
+              <a:buNone/>
+            </a:pPr>
+            <a:r>
+              <a:rPr lang="pt-BR" dirty="0">
+                <a:latin typeface="Segoe UI" panose="020B0502040204020203" pitchFamily="34" charset="0"/>
+                <a:cs typeface="Segoe UI" panose="020B0502040204020203" pitchFamily="34" charset="0"/>
+              </a:rPr>
+              <a:t>Existem duas maneiras de instalarmos o </a:t>
+            </a:r>
+            <a:r>
+              <a:rPr lang="pt-BR" dirty="0" err="1">
+                <a:latin typeface="Segoe UI" panose="020B0502040204020203" pitchFamily="34" charset="0"/>
+                <a:cs typeface="Segoe UI" panose="020B0502040204020203" pitchFamily="34" charset="0"/>
+              </a:rPr>
+              <a:t>MongoDB</a:t>
+            </a:r>
+            <a:r>
+              <a:rPr lang="pt-BR" dirty="0">
+                <a:latin typeface="Segoe UI" panose="020B0502040204020203" pitchFamily="34" charset="0"/>
+                <a:cs typeface="Segoe UI" panose="020B0502040204020203" pitchFamily="34" charset="0"/>
+              </a:rPr>
+              <a:t>, a primeira delas sendo uma instalação limpa direta no sistema operacional. Igual a instalar um programa.</a:t>
+            </a:r>
+          </a:p>
+          <a:p>
+            <a:pPr marL="0" indent="0" algn="just">
+              <a:buFont typeface="Wingdings 2" charset="2"/>
+              <a:buNone/>
+            </a:pPr>
+            <a:endParaRPr lang="pt-BR" dirty="0">
+              <a:latin typeface="Segoe UI" panose="020B0502040204020203" pitchFamily="34" charset="0"/>
+              <a:cs typeface="Segoe UI" panose="020B0502040204020203" pitchFamily="34" charset="0"/>
+            </a:endParaRPr>
+          </a:p>
+          <a:p>
+            <a:pPr marL="0" indent="0" algn="just">
+              <a:buFont typeface="Wingdings 2" charset="2"/>
+              <a:buNone/>
+            </a:pPr>
+            <a:r>
+              <a:rPr lang="pt-BR" dirty="0">
+                <a:latin typeface="Segoe UI" panose="020B0502040204020203" pitchFamily="34" charset="0"/>
+                <a:cs typeface="Segoe UI" panose="020B0502040204020203" pitchFamily="34" charset="0"/>
+              </a:rPr>
+              <a:t>Já o outro modo, seria utilizando uma imagem Docker, ou seja, criando um container.</a:t>
+            </a:r>
+          </a:p>
+          <a:p>
+            <a:pPr marL="0" indent="0" algn="just">
+              <a:buFont typeface="Wingdings 2" charset="2"/>
+              <a:buNone/>
+            </a:pPr>
+            <a:endParaRPr lang="pt-BR" dirty="0">
+              <a:latin typeface="Segoe UI" panose="020B0502040204020203" pitchFamily="34" charset="0"/>
+              <a:cs typeface="Segoe UI" panose="020B0502040204020203" pitchFamily="34" charset="0"/>
+            </a:endParaRPr>
+          </a:p>
+          <a:p>
+            <a:pPr marL="0" indent="0" algn="just">
+              <a:buFont typeface="Wingdings 2" charset="2"/>
+              <a:buNone/>
+            </a:pPr>
+            <a:r>
+              <a:rPr lang="pt-BR" dirty="0">
+                <a:latin typeface="Segoe UI" panose="020B0502040204020203" pitchFamily="34" charset="0"/>
+                <a:cs typeface="Segoe UI" panose="020B0502040204020203" pitchFamily="34" charset="0"/>
+              </a:rPr>
+              <a:t>De maneira breve, vou demonstrar a instalação dos dois jeitos, em um Windows convencional e com o Docker.</a:t>
+            </a:r>
+          </a:p>
+          <a:p>
+            <a:pPr marL="0" indent="0">
+              <a:buFont typeface="Wingdings 2" charset="2"/>
+              <a:buNone/>
+            </a:pPr>
+            <a:endParaRPr lang="pt-BR" dirty="0">
+              <a:latin typeface="Segoe UI" panose="020B0502040204020203" pitchFamily="34" charset="0"/>
+              <a:cs typeface="Segoe UI" panose="020B0502040204020203" pitchFamily="34" charset="0"/>
+            </a:endParaRPr>
+          </a:p>
+          <a:p>
+            <a:pPr marL="0" indent="0">
+              <a:buFont typeface="Wingdings 2" charset="2"/>
+              <a:buNone/>
+            </a:pPr>
+            <a:endParaRPr lang="pt-BR" dirty="0">
+              <a:latin typeface="Segoe UI" panose="020B0502040204020203" pitchFamily="34" charset="0"/>
+              <a:cs typeface="Segoe UI" panose="020B0502040204020203" pitchFamily="34" charset="0"/>
+            </a:endParaRPr>
+          </a:p>
+        </p:txBody>
+      </p:sp>
+      <p:pic>
+        <p:nvPicPr>
+          <p:cNvPr id="7" name="Picture 2">
+            <a:extLst>
+              <a:ext uri="{FF2B5EF4-FFF2-40B4-BE49-F238E27FC236}">
+                <a16:creationId xmlns:a16="http://schemas.microsoft.com/office/drawing/2014/main" id="{63C35972-5F68-2C15-0C4D-5B7DCDEE358B}"/>
+              </a:ext>
+            </a:extLst>
+          </p:cNvPr>
+          <p:cNvPicPr>
+            <a:picLocks noChangeAspect="1" noChangeArrowheads="1"/>
+          </p:cNvPicPr>
+          <p:nvPr/>
+        </p:nvPicPr>
+        <p:blipFill>
+          <a:blip r:embed="rId2">
+            <a:extLst>
+              <a:ext uri="{28A0092B-C50C-407E-A947-70E740481C1C}">
+                <a14:useLocalDpi xmlns:a14="http://schemas.microsoft.com/office/drawing/2010/main" val="0"/>
+              </a:ext>
+            </a:extLst>
+          </a:blip>
+          <a:srcRect/>
+          <a:stretch/>
+        </p:blipFill>
+        <p:spPr bwMode="auto">
+          <a:xfrm>
+            <a:off x="7037200" y="2751951"/>
+            <a:ext cx="4026622" cy="1691181"/>
+          </a:xfrm>
+          <a:prstGeom prst="rect">
+            <a:avLst/>
+          </a:prstGeom>
+          <a:noFill/>
+          <a:effectLst>
+            <a:innerShdw blurRad="63500" dist="50800" dir="13500000">
+              <a:prstClr val="black">
+                <a:alpha val="50000"/>
+              </a:prstClr>
+            </a:innerShdw>
+          </a:effectLst>
+        </p:spPr>
+      </p:pic>
+      <p:sp>
+        <p:nvSpPr>
+          <p:cNvPr id="8" name="CaixaDeTexto 7">
+            <a:extLst>
+              <a:ext uri="{FF2B5EF4-FFF2-40B4-BE49-F238E27FC236}">
+                <a16:creationId xmlns:a16="http://schemas.microsoft.com/office/drawing/2014/main" id="{54DCF85F-6F5E-6A61-063C-1F98451BC9D6}"/>
+              </a:ext>
+            </a:extLst>
+          </p:cNvPr>
+          <p:cNvSpPr txBox="1"/>
+          <p:nvPr/>
+        </p:nvSpPr>
+        <p:spPr>
+          <a:xfrm>
+            <a:off x="6630800" y="4639059"/>
+            <a:ext cx="6148386" cy="276999"/>
+          </a:xfrm>
+          <a:prstGeom prst="rect">
+            <a:avLst/>
+          </a:prstGeom>
+          <a:noFill/>
+        </p:spPr>
+        <p:txBody>
+          <a:bodyPr wrap="square">
+            <a:spAutoFit/>
+          </a:bodyPr>
+          <a:lstStyle/>
+          <a:p>
+            <a:r>
+              <a:rPr lang="pt-BR" sz="1200" dirty="0">
+                <a:latin typeface="Segoe UI" panose="020B0502040204020203" pitchFamily="34" charset="0"/>
+                <a:cs typeface="Segoe UI" panose="020B0502040204020203" pitchFamily="34" charset="0"/>
+              </a:rPr>
+              <a:t>Representação das logos do Docker e do </a:t>
+            </a:r>
+            <a:r>
+              <a:rPr lang="pt-BR" sz="1200" dirty="0" err="1">
+                <a:latin typeface="Segoe UI" panose="020B0502040204020203" pitchFamily="34" charset="0"/>
+                <a:cs typeface="Segoe UI" panose="020B0502040204020203" pitchFamily="34" charset="0"/>
+              </a:rPr>
+              <a:t>MongoDB</a:t>
+            </a:r>
+            <a:r>
+              <a:rPr lang="pt-BR" sz="1200" dirty="0">
+                <a:latin typeface="Segoe UI" panose="020B0502040204020203" pitchFamily="34" charset="0"/>
+                <a:cs typeface="Segoe UI" panose="020B0502040204020203" pitchFamily="34" charset="0"/>
+              </a:rPr>
+              <a:t>, DEV Community</a:t>
+            </a:r>
+          </a:p>
+        </p:txBody>
+      </p:sp>
+    </p:spTree>
+    <p:extLst>
+      <p:ext uri="{BB962C8B-B14F-4D97-AF65-F5344CB8AC3E}">
+        <p14:creationId xmlns:p14="http://schemas.microsoft.com/office/powerpoint/2010/main" val="1831902795"/>
+      </p:ext>
+    </p:extLst>
+  </p:cSld>
+  <p:clrMapOvr>
+    <a:masterClrMapping/>
+  </p:clrMapOvr>
+  <p:transition spd="slow">
+    <p:push dir="u"/>
+  </p:transition>
+</p:sld>
+</file>
+
+<file path=ppt/slides/slide15.xml><?xml version="1.0" encoding="utf-8"?>
+<p:sld xmlns:a="http://schemas.openxmlformats.org/drawingml/2006/main" xmlns:r="http://schemas.openxmlformats.org/officeDocument/2006/relationships" xmlns:p="http://schemas.openxmlformats.org/presentationml/2006/main">
+  <p:cSld>
+    <p:spTree>
+      <p:nvGrpSpPr>
+        <p:cNvPr id="1" name=""/>
+        <p:cNvGrpSpPr/>
+        <p:nvPr/>
+      </p:nvGrpSpPr>
+      <p:grpSpPr>
+        <a:xfrm>
+          <a:off x="0" y="0"/>
+          <a:ext cx="0" cy="0"/>
+          <a:chOff x="0" y="0"/>
+          <a:chExt cx="0" cy="0"/>
+        </a:xfrm>
+      </p:grpSpPr>
+      <p:sp>
+        <p:nvSpPr>
+          <p:cNvPr id="2" name="Título 1">
+            <a:extLst>
+              <a:ext uri="{FF2B5EF4-FFF2-40B4-BE49-F238E27FC236}">
+                <a16:creationId xmlns:a16="http://schemas.microsoft.com/office/drawing/2014/main" id="{F0EA80E2-15DD-ABEB-539C-D3721B78C834}"/>
+              </a:ext>
+            </a:extLst>
+          </p:cNvPr>
+          <p:cNvSpPr>
+            <a:spLocks noGrp="1"/>
+          </p:cNvSpPr>
+          <p:nvPr>
+            <p:ph type="title"/>
+          </p:nvPr>
+        </p:nvSpPr>
+        <p:spPr/>
+        <p:txBody>
+          <a:bodyPr/>
+          <a:lstStyle/>
+          <a:p>
+            <a:r>
+              <a:rPr lang="pt-BR" b="1" i="0" dirty="0">
+                <a:effectLst/>
+                <a:latin typeface="Söhne"/>
+              </a:rPr>
+              <a:t>Instalação e Configuração</a:t>
+            </a:r>
+            <a:br>
+              <a:rPr lang="pt-BR" b="1" i="0" dirty="0">
+                <a:effectLst/>
+                <a:latin typeface="Söhne"/>
+              </a:rPr>
+            </a:br>
+            <a:r>
+              <a:rPr lang="pt-BR" sz="2000" dirty="0" err="1">
+                <a:latin typeface="Söhne"/>
+              </a:rPr>
+              <a:t>Configuração</a:t>
+            </a:r>
+            <a:r>
+              <a:rPr lang="pt-BR" sz="2000" dirty="0">
+                <a:latin typeface="Söhne"/>
+              </a:rPr>
+              <a:t> inicial.</a:t>
+            </a:r>
+            <a:endParaRPr lang="pt-BR" dirty="0"/>
+          </a:p>
+        </p:txBody>
+      </p:sp>
+      <p:sp>
+        <p:nvSpPr>
+          <p:cNvPr id="3" name="Espaço Reservado para Conteúdo 2">
+            <a:extLst>
+              <a:ext uri="{FF2B5EF4-FFF2-40B4-BE49-F238E27FC236}">
+                <a16:creationId xmlns:a16="http://schemas.microsoft.com/office/drawing/2014/main" id="{1812B3A2-0B9F-7A1D-29BE-5783C0E7C666}"/>
+              </a:ext>
+            </a:extLst>
+          </p:cNvPr>
+          <p:cNvSpPr>
+            <a:spLocks noGrp="1"/>
+          </p:cNvSpPr>
+          <p:nvPr>
+            <p:ph idx="1"/>
+          </p:nvPr>
+        </p:nvSpPr>
+        <p:spPr/>
+        <p:txBody>
+          <a:bodyPr/>
+          <a:lstStyle/>
+          <a:p>
+            <a:endParaRPr lang="pt-BR" dirty="0"/>
+          </a:p>
+        </p:txBody>
+      </p:sp>
+      <p:sp>
+        <p:nvSpPr>
+          <p:cNvPr id="4" name="Espaço Reservado para Rodapé 3">
+            <a:extLst>
+              <a:ext uri="{FF2B5EF4-FFF2-40B4-BE49-F238E27FC236}">
+                <a16:creationId xmlns:a16="http://schemas.microsoft.com/office/drawing/2014/main" id="{6739F8A8-C8BA-402C-CBC7-A02F2C81E04B}"/>
+              </a:ext>
+            </a:extLst>
+          </p:cNvPr>
+          <p:cNvSpPr>
+            <a:spLocks noGrp="1"/>
+          </p:cNvSpPr>
+          <p:nvPr>
+            <p:ph type="ftr" sz="quarter" idx="11"/>
+          </p:nvPr>
+        </p:nvSpPr>
+        <p:spPr/>
+        <p:txBody>
+          <a:bodyPr/>
+          <a:lstStyle/>
+          <a:p>
+            <a:r>
+              <a:rPr lang="pt-BR" dirty="0"/>
+              <a:t>https://lucas.gardini.dev</a:t>
+            </a:r>
+          </a:p>
+        </p:txBody>
+      </p:sp>
+      <p:sp>
+        <p:nvSpPr>
+          <p:cNvPr id="5" name="Espaço Reservado para Número de Slide 4">
+            <a:extLst>
+              <a:ext uri="{FF2B5EF4-FFF2-40B4-BE49-F238E27FC236}">
+                <a16:creationId xmlns:a16="http://schemas.microsoft.com/office/drawing/2014/main" id="{DE18193C-5A4B-8531-1D52-CBD20E415CBF}"/>
+              </a:ext>
+            </a:extLst>
+          </p:cNvPr>
+          <p:cNvSpPr>
+            <a:spLocks noGrp="1"/>
+          </p:cNvSpPr>
+          <p:nvPr>
+            <p:ph type="sldNum" sz="quarter" idx="12"/>
+          </p:nvPr>
+        </p:nvSpPr>
+        <p:spPr/>
+        <p:txBody>
+          <a:bodyPr/>
+          <a:lstStyle/>
+          <a:p>
+            <a:fld id="{25237327-9CA3-4762-8749-00D99BA09B6B}" type="slidenum">
+              <a:rPr lang="pt-BR" smtClean="0"/>
+              <a:t>15</a:t>
+            </a:fld>
+            <a:endParaRPr lang="pt-BR"/>
+          </a:p>
+        </p:txBody>
+      </p:sp>
+    </p:spTree>
+    <p:extLst>
+      <p:ext uri="{BB962C8B-B14F-4D97-AF65-F5344CB8AC3E}">
+        <p14:creationId xmlns:p14="http://schemas.microsoft.com/office/powerpoint/2010/main" val="1552713571"/>
+      </p:ext>
+    </p:extLst>
+  </p:cSld>
+  <p:clrMapOvr>
+    <a:masterClrMapping/>
+  </p:clrMapOvr>
+</p:sld>
+</file>
+
+<file path=ppt/slides/slide16.xml><?xml version="1.0" encoding="utf-8"?>
+<p:sld xmlns:a="http://schemas.openxmlformats.org/drawingml/2006/main" xmlns:r="http://schemas.openxmlformats.org/officeDocument/2006/relationships" xmlns:p="http://schemas.openxmlformats.org/presentationml/2006/main">
+  <p:cSld>
+    <p:spTree>
+      <p:nvGrpSpPr>
+        <p:cNvPr id="1" name=""/>
+        <p:cNvGrpSpPr/>
+        <p:nvPr/>
+      </p:nvGrpSpPr>
+      <p:grpSpPr>
+        <a:xfrm>
+          <a:off x="0" y="0"/>
+          <a:ext cx="0" cy="0"/>
+          <a:chOff x="0" y="0"/>
+          <a:chExt cx="0" cy="0"/>
+        </a:xfrm>
+      </p:grpSpPr>
+      <p:sp>
+        <p:nvSpPr>
           <p:cNvPr id="4" name="Espaço Reservado para Número de Slide 3">
             <a:extLst>
               <a:ext uri="{FF2B5EF4-FFF2-40B4-BE49-F238E27FC236}">
@@ -7340,7 +9487,7 @@
                   <a:schemeClr val="tx1"/>
                 </a:solidFill>
               </a:rPr>
-              <a:t>11</a:t>
+              <a:t>16</a:t>
             </a:fld>
             <a:endParaRPr lang="pt-BR" b="1" dirty="0">
               <a:solidFill>
@@ -7548,7 +9695,7 @@
         <p:spPr>
           <a:xfrm>
             <a:off x="670272" y="1726164"/>
-            <a:ext cx="7827784" cy="2308324"/>
+            <a:ext cx="9733755" cy="1200329"/>
           </a:xfrm>
           <a:prstGeom prst="rect">
             <a:avLst/>
@@ -7571,648 +9718,6 @@
                   </a:outerShdw>
                 </a:effectLst>
               </a:rPr>
-              <a:t>INSTALAÇÃO E </a:t>
-            </a:r>
-          </a:p>
-          <a:p>
-            <a:r>
-              <a:rPr lang="pt-BR" sz="7200" b="1" dirty="0">
-                <a:effectLst>
-                  <a:outerShdw blurRad="50800" dist="38100" dir="2700000" algn="tl" rotWithShape="0">
-                    <a:prstClr val="black">
-                      <a:alpha val="40000"/>
-                    </a:prstClr>
-                  </a:outerShdw>
-                </a:effectLst>
-              </a:rPr>
-              <a:t>CONFIGURAÇÃO</a:t>
-            </a:r>
-          </a:p>
-        </p:txBody>
-      </p:sp>
-    </p:spTree>
-    <p:extLst>
-      <p:ext uri="{BB962C8B-B14F-4D97-AF65-F5344CB8AC3E}">
-        <p14:creationId xmlns:p14="http://schemas.microsoft.com/office/powerpoint/2010/main" val="1006512240"/>
-      </p:ext>
-    </p:extLst>
-  </p:cSld>
-  <p:clrMapOvr>
-    <a:masterClrMapping/>
-  </p:clrMapOvr>
-</p:sld>
-</file>
-
-<file path=ppt/slides/slide12.xml><?xml version="1.0" encoding="utf-8"?>
-<p:sld xmlns:a="http://schemas.openxmlformats.org/drawingml/2006/main" xmlns:r="http://schemas.openxmlformats.org/officeDocument/2006/relationships" xmlns:p="http://schemas.openxmlformats.org/presentationml/2006/main">
-  <p:cSld>
-    <p:spTree>
-      <p:nvGrpSpPr>
-        <p:cNvPr id="1" name=""/>
-        <p:cNvGrpSpPr/>
-        <p:nvPr/>
-      </p:nvGrpSpPr>
-      <p:grpSpPr>
-        <a:xfrm>
-          <a:off x="0" y="0"/>
-          <a:ext cx="0" cy="0"/>
-          <a:chOff x="0" y="0"/>
-          <a:chExt cx="0" cy="0"/>
-        </a:xfrm>
-      </p:grpSpPr>
-      <p:sp>
-        <p:nvSpPr>
-          <p:cNvPr id="2" name="Título 1">
-            <a:extLst>
-              <a:ext uri="{FF2B5EF4-FFF2-40B4-BE49-F238E27FC236}">
-                <a16:creationId xmlns:a16="http://schemas.microsoft.com/office/drawing/2014/main" id="{F0EA80E2-15DD-ABEB-539C-D3721B78C834}"/>
-              </a:ext>
-            </a:extLst>
-          </p:cNvPr>
-          <p:cNvSpPr>
-            <a:spLocks noGrp="1"/>
-          </p:cNvSpPr>
-          <p:nvPr>
-            <p:ph type="title"/>
-          </p:nvPr>
-        </p:nvSpPr>
-        <p:spPr/>
-        <p:txBody>
-          <a:bodyPr/>
-          <a:lstStyle/>
-          <a:p>
-            <a:r>
-              <a:rPr lang="pt-BR" b="1" i="0" dirty="0">
-                <a:effectLst/>
-                <a:latin typeface="Söhne"/>
-              </a:rPr>
-              <a:t>Instalação e Configuração</a:t>
-            </a:r>
-            <a:br>
-              <a:rPr lang="pt-BR" b="1" i="0" dirty="0">
-                <a:effectLst/>
-                <a:latin typeface="Söhne"/>
-              </a:rPr>
-            </a:br>
-            <a:r>
-              <a:rPr lang="pt-BR" sz="2000" dirty="0">
-                <a:latin typeface="Söhne"/>
-              </a:rPr>
-              <a:t>Como baixar e instalar o </a:t>
-            </a:r>
-            <a:r>
-              <a:rPr lang="pt-BR" sz="2000" dirty="0" err="1">
-                <a:latin typeface="Söhne"/>
-              </a:rPr>
-              <a:t>MongoDB</a:t>
-            </a:r>
-            <a:r>
-              <a:rPr lang="pt-BR" sz="2000" dirty="0">
-                <a:latin typeface="Söhne"/>
-              </a:rPr>
-              <a:t>.</a:t>
-            </a:r>
-            <a:endParaRPr lang="pt-BR" dirty="0"/>
-          </a:p>
-        </p:txBody>
-      </p:sp>
-      <p:sp>
-        <p:nvSpPr>
-          <p:cNvPr id="3" name="Espaço Reservado para Conteúdo 2">
-            <a:extLst>
-              <a:ext uri="{FF2B5EF4-FFF2-40B4-BE49-F238E27FC236}">
-                <a16:creationId xmlns:a16="http://schemas.microsoft.com/office/drawing/2014/main" id="{1812B3A2-0B9F-7A1D-29BE-5783C0E7C666}"/>
-              </a:ext>
-            </a:extLst>
-          </p:cNvPr>
-          <p:cNvSpPr>
-            <a:spLocks noGrp="1"/>
-          </p:cNvSpPr>
-          <p:nvPr>
-            <p:ph idx="1"/>
-          </p:nvPr>
-        </p:nvSpPr>
-        <p:spPr/>
-        <p:txBody>
-          <a:bodyPr/>
-          <a:lstStyle/>
-          <a:p>
-            <a:endParaRPr lang="pt-BR" dirty="0"/>
-          </a:p>
-        </p:txBody>
-      </p:sp>
-      <p:sp>
-        <p:nvSpPr>
-          <p:cNvPr id="4" name="Espaço Reservado para Rodapé 3">
-            <a:extLst>
-              <a:ext uri="{FF2B5EF4-FFF2-40B4-BE49-F238E27FC236}">
-                <a16:creationId xmlns:a16="http://schemas.microsoft.com/office/drawing/2014/main" id="{6739F8A8-C8BA-402C-CBC7-A02F2C81E04B}"/>
-              </a:ext>
-            </a:extLst>
-          </p:cNvPr>
-          <p:cNvSpPr>
-            <a:spLocks noGrp="1"/>
-          </p:cNvSpPr>
-          <p:nvPr>
-            <p:ph type="ftr" sz="quarter" idx="11"/>
-          </p:nvPr>
-        </p:nvSpPr>
-        <p:spPr/>
-        <p:txBody>
-          <a:bodyPr/>
-          <a:lstStyle/>
-          <a:p>
-            <a:r>
-              <a:rPr lang="pt-BR" dirty="0"/>
-              <a:t>https://lucas.gardini.dev</a:t>
-            </a:r>
-          </a:p>
-        </p:txBody>
-      </p:sp>
-      <p:sp>
-        <p:nvSpPr>
-          <p:cNvPr id="5" name="Espaço Reservado para Número de Slide 4">
-            <a:extLst>
-              <a:ext uri="{FF2B5EF4-FFF2-40B4-BE49-F238E27FC236}">
-                <a16:creationId xmlns:a16="http://schemas.microsoft.com/office/drawing/2014/main" id="{DE18193C-5A4B-8531-1D52-CBD20E415CBF}"/>
-              </a:ext>
-            </a:extLst>
-          </p:cNvPr>
-          <p:cNvSpPr>
-            <a:spLocks noGrp="1"/>
-          </p:cNvSpPr>
-          <p:nvPr>
-            <p:ph type="sldNum" sz="quarter" idx="12"/>
-          </p:nvPr>
-        </p:nvSpPr>
-        <p:spPr/>
-        <p:txBody>
-          <a:bodyPr/>
-          <a:lstStyle/>
-          <a:p>
-            <a:fld id="{25237327-9CA3-4762-8749-00D99BA09B6B}" type="slidenum">
-              <a:rPr lang="pt-BR" smtClean="0"/>
-              <a:t>12</a:t>
-            </a:fld>
-            <a:endParaRPr lang="pt-BR"/>
-          </a:p>
-        </p:txBody>
-      </p:sp>
-    </p:spTree>
-    <p:extLst>
-      <p:ext uri="{BB962C8B-B14F-4D97-AF65-F5344CB8AC3E}">
-        <p14:creationId xmlns:p14="http://schemas.microsoft.com/office/powerpoint/2010/main" val="1831902795"/>
-      </p:ext>
-    </p:extLst>
-  </p:cSld>
-  <p:clrMapOvr>
-    <a:masterClrMapping/>
-  </p:clrMapOvr>
-</p:sld>
-</file>
-
-<file path=ppt/slides/slide13.xml><?xml version="1.0" encoding="utf-8"?>
-<p:sld xmlns:a="http://schemas.openxmlformats.org/drawingml/2006/main" xmlns:r="http://schemas.openxmlformats.org/officeDocument/2006/relationships" xmlns:p="http://schemas.openxmlformats.org/presentationml/2006/main">
-  <p:cSld>
-    <p:spTree>
-      <p:nvGrpSpPr>
-        <p:cNvPr id="1" name=""/>
-        <p:cNvGrpSpPr/>
-        <p:nvPr/>
-      </p:nvGrpSpPr>
-      <p:grpSpPr>
-        <a:xfrm>
-          <a:off x="0" y="0"/>
-          <a:ext cx="0" cy="0"/>
-          <a:chOff x="0" y="0"/>
-          <a:chExt cx="0" cy="0"/>
-        </a:xfrm>
-      </p:grpSpPr>
-      <p:sp>
-        <p:nvSpPr>
-          <p:cNvPr id="2" name="Título 1">
-            <a:extLst>
-              <a:ext uri="{FF2B5EF4-FFF2-40B4-BE49-F238E27FC236}">
-                <a16:creationId xmlns:a16="http://schemas.microsoft.com/office/drawing/2014/main" id="{F0EA80E2-15DD-ABEB-539C-D3721B78C834}"/>
-              </a:ext>
-            </a:extLst>
-          </p:cNvPr>
-          <p:cNvSpPr>
-            <a:spLocks noGrp="1"/>
-          </p:cNvSpPr>
-          <p:nvPr>
-            <p:ph type="title"/>
-          </p:nvPr>
-        </p:nvSpPr>
-        <p:spPr/>
-        <p:txBody>
-          <a:bodyPr/>
-          <a:lstStyle/>
-          <a:p>
-            <a:r>
-              <a:rPr lang="pt-BR" b="1" i="0" dirty="0">
-                <a:effectLst/>
-                <a:latin typeface="Söhne"/>
-              </a:rPr>
-              <a:t>Instalação e Configuração</a:t>
-            </a:r>
-            <a:br>
-              <a:rPr lang="pt-BR" b="1" i="0" dirty="0">
-                <a:effectLst/>
-                <a:latin typeface="Söhne"/>
-              </a:rPr>
-            </a:br>
-            <a:r>
-              <a:rPr lang="pt-BR" sz="2000" dirty="0" err="1">
-                <a:latin typeface="Söhne"/>
-              </a:rPr>
-              <a:t>Configuração</a:t>
-            </a:r>
-            <a:r>
-              <a:rPr lang="pt-BR" sz="2000" dirty="0">
-                <a:latin typeface="Söhne"/>
-              </a:rPr>
-              <a:t> inicial.</a:t>
-            </a:r>
-            <a:endParaRPr lang="pt-BR" dirty="0"/>
-          </a:p>
-        </p:txBody>
-      </p:sp>
-      <p:sp>
-        <p:nvSpPr>
-          <p:cNvPr id="3" name="Espaço Reservado para Conteúdo 2">
-            <a:extLst>
-              <a:ext uri="{FF2B5EF4-FFF2-40B4-BE49-F238E27FC236}">
-                <a16:creationId xmlns:a16="http://schemas.microsoft.com/office/drawing/2014/main" id="{1812B3A2-0B9F-7A1D-29BE-5783C0E7C666}"/>
-              </a:ext>
-            </a:extLst>
-          </p:cNvPr>
-          <p:cNvSpPr>
-            <a:spLocks noGrp="1"/>
-          </p:cNvSpPr>
-          <p:nvPr>
-            <p:ph idx="1"/>
-          </p:nvPr>
-        </p:nvSpPr>
-        <p:spPr/>
-        <p:txBody>
-          <a:bodyPr/>
-          <a:lstStyle/>
-          <a:p>
-            <a:endParaRPr lang="pt-BR" dirty="0"/>
-          </a:p>
-        </p:txBody>
-      </p:sp>
-      <p:sp>
-        <p:nvSpPr>
-          <p:cNvPr id="4" name="Espaço Reservado para Rodapé 3">
-            <a:extLst>
-              <a:ext uri="{FF2B5EF4-FFF2-40B4-BE49-F238E27FC236}">
-                <a16:creationId xmlns:a16="http://schemas.microsoft.com/office/drawing/2014/main" id="{6739F8A8-C8BA-402C-CBC7-A02F2C81E04B}"/>
-              </a:ext>
-            </a:extLst>
-          </p:cNvPr>
-          <p:cNvSpPr>
-            <a:spLocks noGrp="1"/>
-          </p:cNvSpPr>
-          <p:nvPr>
-            <p:ph type="ftr" sz="quarter" idx="11"/>
-          </p:nvPr>
-        </p:nvSpPr>
-        <p:spPr/>
-        <p:txBody>
-          <a:bodyPr/>
-          <a:lstStyle/>
-          <a:p>
-            <a:r>
-              <a:rPr lang="pt-BR" dirty="0"/>
-              <a:t>https://lucas.gardini.dev</a:t>
-            </a:r>
-          </a:p>
-        </p:txBody>
-      </p:sp>
-      <p:sp>
-        <p:nvSpPr>
-          <p:cNvPr id="5" name="Espaço Reservado para Número de Slide 4">
-            <a:extLst>
-              <a:ext uri="{FF2B5EF4-FFF2-40B4-BE49-F238E27FC236}">
-                <a16:creationId xmlns:a16="http://schemas.microsoft.com/office/drawing/2014/main" id="{DE18193C-5A4B-8531-1D52-CBD20E415CBF}"/>
-              </a:ext>
-            </a:extLst>
-          </p:cNvPr>
-          <p:cNvSpPr>
-            <a:spLocks noGrp="1"/>
-          </p:cNvSpPr>
-          <p:nvPr>
-            <p:ph type="sldNum" sz="quarter" idx="12"/>
-          </p:nvPr>
-        </p:nvSpPr>
-        <p:spPr/>
-        <p:txBody>
-          <a:bodyPr/>
-          <a:lstStyle/>
-          <a:p>
-            <a:fld id="{25237327-9CA3-4762-8749-00D99BA09B6B}" type="slidenum">
-              <a:rPr lang="pt-BR" smtClean="0"/>
-              <a:t>13</a:t>
-            </a:fld>
-            <a:endParaRPr lang="pt-BR"/>
-          </a:p>
-        </p:txBody>
-      </p:sp>
-    </p:spTree>
-    <p:extLst>
-      <p:ext uri="{BB962C8B-B14F-4D97-AF65-F5344CB8AC3E}">
-        <p14:creationId xmlns:p14="http://schemas.microsoft.com/office/powerpoint/2010/main" val="1552713571"/>
-      </p:ext>
-    </p:extLst>
-  </p:cSld>
-  <p:clrMapOvr>
-    <a:masterClrMapping/>
-  </p:clrMapOvr>
-</p:sld>
-</file>
-
-<file path=ppt/slides/slide14.xml><?xml version="1.0" encoding="utf-8"?>
-<p:sld xmlns:a="http://schemas.openxmlformats.org/drawingml/2006/main" xmlns:r="http://schemas.openxmlformats.org/officeDocument/2006/relationships" xmlns:p="http://schemas.openxmlformats.org/presentationml/2006/main">
-  <p:cSld>
-    <p:spTree>
-      <p:nvGrpSpPr>
-        <p:cNvPr id="1" name=""/>
-        <p:cNvGrpSpPr/>
-        <p:nvPr/>
-      </p:nvGrpSpPr>
-      <p:grpSpPr>
-        <a:xfrm>
-          <a:off x="0" y="0"/>
-          <a:ext cx="0" cy="0"/>
-          <a:chOff x="0" y="0"/>
-          <a:chExt cx="0" cy="0"/>
-        </a:xfrm>
-      </p:grpSpPr>
-      <p:sp>
-        <p:nvSpPr>
-          <p:cNvPr id="4" name="Espaço Reservado para Número de Slide 3">
-            <a:extLst>
-              <a:ext uri="{FF2B5EF4-FFF2-40B4-BE49-F238E27FC236}">
-                <a16:creationId xmlns:a16="http://schemas.microsoft.com/office/drawing/2014/main" id="{7D0ADA87-DAA8-3E4F-5D82-BEFEFA209AE3}"/>
-              </a:ext>
-            </a:extLst>
-          </p:cNvPr>
-          <p:cNvSpPr>
-            <a:spLocks noGrp="1"/>
-          </p:cNvSpPr>
-          <p:nvPr>
-            <p:ph type="sldNum" sz="quarter" idx="12"/>
-          </p:nvPr>
-        </p:nvSpPr>
-        <p:spPr>
-          <a:xfrm>
-            <a:off x="11079045" y="6316601"/>
-            <a:ext cx="1062155" cy="490599"/>
-          </a:xfrm>
-        </p:spPr>
-        <p:txBody>
-          <a:bodyPr/>
-          <a:lstStyle/>
-          <a:p>
-            <a:fld id="{25237327-9CA3-4762-8749-00D99BA09B6B}" type="slidenum">
-              <a:rPr lang="pt-BR" b="1" smtClean="0">
-                <a:solidFill>
-                  <a:schemeClr val="tx1"/>
-                </a:solidFill>
-              </a:rPr>
-              <a:t>14</a:t>
-            </a:fld>
-            <a:endParaRPr lang="pt-BR" b="1" dirty="0">
-              <a:solidFill>
-                <a:schemeClr val="tx1"/>
-              </a:solidFill>
-            </a:endParaRPr>
-          </a:p>
-        </p:txBody>
-      </p:sp>
-      <p:grpSp>
-        <p:nvGrpSpPr>
-          <p:cNvPr id="14" name="Agrupar 13">
-            <a:extLst>
-              <a:ext uri="{FF2B5EF4-FFF2-40B4-BE49-F238E27FC236}">
-                <a16:creationId xmlns:a16="http://schemas.microsoft.com/office/drawing/2014/main" id="{3A131335-0210-9973-B748-9747392A7A99}"/>
-              </a:ext>
-            </a:extLst>
-          </p:cNvPr>
-          <p:cNvGrpSpPr/>
-          <p:nvPr/>
-        </p:nvGrpSpPr>
-        <p:grpSpPr>
-          <a:xfrm>
-            <a:off x="5722808" y="6341706"/>
-            <a:ext cx="746384" cy="429208"/>
-            <a:chOff x="4350679" y="5579706"/>
-            <a:chExt cx="746384" cy="429208"/>
-          </a:xfrm>
-        </p:grpSpPr>
-        <p:pic>
-          <p:nvPicPr>
-            <p:cNvPr id="9" name="Gráfico 8">
-              <a:extLst>
-                <a:ext uri="{FF2B5EF4-FFF2-40B4-BE49-F238E27FC236}">
-                  <a16:creationId xmlns:a16="http://schemas.microsoft.com/office/drawing/2014/main" id="{68B00CCA-1769-F355-0991-F88AFB028207}"/>
-                </a:ext>
-              </a:extLst>
-            </p:cNvPr>
-            <p:cNvPicPr>
-              <a:picLocks noChangeAspect="1"/>
-            </p:cNvPicPr>
-            <p:nvPr/>
-          </p:nvPicPr>
-          <p:blipFill>
-            <a:blip r:embed="rId2">
-              <a:extLst>
-                <a:ext uri="{28A0092B-C50C-407E-A947-70E740481C1C}">
-                  <a14:useLocalDpi xmlns:a14="http://schemas.microsoft.com/office/drawing/2010/main" val="0"/>
-                </a:ext>
-                <a:ext uri="{96DAC541-7B7A-43D3-8B79-37D633B846F1}">
-                  <asvg:svgBlip xmlns:asvg="http://schemas.microsoft.com/office/drawing/2016/SVG/main" r:embed="rId3"/>
-                </a:ext>
-              </a:extLst>
-            </a:blip>
-            <a:stretch>
-              <a:fillRect/>
-            </a:stretch>
-          </p:blipFill>
-          <p:spPr>
-            <a:xfrm>
-              <a:off x="4350679" y="5619390"/>
-              <a:ext cx="360000" cy="360000"/>
-            </a:xfrm>
-            <a:prstGeom prst="rect">
-              <a:avLst/>
-            </a:prstGeom>
-          </p:spPr>
-        </p:pic>
-        <p:pic>
-          <p:nvPicPr>
-            <p:cNvPr id="1026" name="Picture 2" descr="V Semana de Turismo IFSP Barretos">
-              <a:extLst>
-                <a:ext uri="{FF2B5EF4-FFF2-40B4-BE49-F238E27FC236}">
-                  <a16:creationId xmlns:a16="http://schemas.microsoft.com/office/drawing/2014/main" id="{43520D69-6128-EE21-87C6-87C10FF9165F}"/>
-                </a:ext>
-              </a:extLst>
-            </p:cNvPr>
-            <p:cNvPicPr>
-              <a:picLocks noChangeAspect="1" noChangeArrowheads="1"/>
-            </p:cNvPicPr>
-            <p:nvPr/>
-          </p:nvPicPr>
-          <p:blipFill>
-            <a:blip r:embed="rId4">
-              <a:extLst>
-                <a:ext uri="{28A0092B-C50C-407E-A947-70E740481C1C}">
-                  <a14:useLocalDpi xmlns:a14="http://schemas.microsoft.com/office/drawing/2010/main" val="0"/>
-                </a:ext>
-              </a:extLst>
-            </a:blip>
-            <a:srcRect/>
-            <a:stretch>
-              <a:fillRect/>
-            </a:stretch>
-          </p:blipFill>
-          <p:spPr bwMode="auto">
-            <a:xfrm>
-              <a:off x="4869227" y="5641759"/>
-              <a:ext cx="227836" cy="305101"/>
-            </a:xfrm>
-            <a:prstGeom prst="rect">
-              <a:avLst/>
-            </a:prstGeom>
-            <a:noFill/>
-            <a:extLst>
-              <a:ext uri="{909E8E84-426E-40DD-AFC4-6F175D3DCCD1}">
-                <a14:hiddenFill xmlns:a14="http://schemas.microsoft.com/office/drawing/2010/main">
-                  <a:solidFill>
-                    <a:srgbClr val="FFFFFF"/>
-                  </a:solidFill>
-                </a14:hiddenFill>
-              </a:ext>
-            </a:extLst>
-          </p:spPr>
-        </p:pic>
-        <p:cxnSp>
-          <p:nvCxnSpPr>
-            <p:cNvPr id="11" name="Conector reto 10">
-              <a:extLst>
-                <a:ext uri="{FF2B5EF4-FFF2-40B4-BE49-F238E27FC236}">
-                  <a16:creationId xmlns:a16="http://schemas.microsoft.com/office/drawing/2014/main" id="{5D6B378A-D998-4925-FFCA-9A0F3370C250}"/>
-                </a:ext>
-              </a:extLst>
-            </p:cNvPr>
-            <p:cNvCxnSpPr>
-              <a:cxnSpLocks/>
-            </p:cNvCxnSpPr>
-            <p:nvPr/>
-          </p:nvCxnSpPr>
-          <p:spPr>
-            <a:xfrm>
-              <a:off x="4743269" y="5579706"/>
-              <a:ext cx="0" cy="429208"/>
-            </a:xfrm>
-            <a:prstGeom prst="line">
-              <a:avLst/>
-            </a:prstGeom>
-            <a:ln>
-              <a:solidFill>
-                <a:schemeClr val="tx1"/>
-              </a:solidFill>
-            </a:ln>
-          </p:spPr>
-          <p:style>
-            <a:lnRef idx="1">
-              <a:schemeClr val="accent1"/>
-            </a:lnRef>
-            <a:fillRef idx="0">
-              <a:schemeClr val="accent1"/>
-            </a:fillRef>
-            <a:effectRef idx="0">
-              <a:schemeClr val="accent1"/>
-            </a:effectRef>
-            <a:fontRef idx="minor">
-              <a:schemeClr val="tx1"/>
-            </a:fontRef>
-          </p:style>
-        </p:cxnSp>
-      </p:grpSp>
-      <p:sp>
-        <p:nvSpPr>
-          <p:cNvPr id="15" name="Espaço Reservado para Rodapé 14">
-            <a:extLst>
-              <a:ext uri="{FF2B5EF4-FFF2-40B4-BE49-F238E27FC236}">
-                <a16:creationId xmlns:a16="http://schemas.microsoft.com/office/drawing/2014/main" id="{FF285D15-CA04-0574-4AAD-47ADEE6CFB3B}"/>
-              </a:ext>
-            </a:extLst>
-          </p:cNvPr>
-          <p:cNvSpPr>
-            <a:spLocks noGrp="1"/>
-          </p:cNvSpPr>
-          <p:nvPr>
-            <p:ph type="ftr" sz="quarter" idx="11"/>
-          </p:nvPr>
-        </p:nvSpPr>
-        <p:spPr>
-          <a:xfrm>
-            <a:off x="50800" y="6442075"/>
-            <a:ext cx="3291839" cy="365125"/>
-          </a:xfrm>
-        </p:spPr>
-        <p:txBody>
-          <a:bodyPr/>
-          <a:lstStyle/>
-          <a:p>
-            <a:r>
-              <a:rPr lang="pt-BR" sz="1600" dirty="0"/>
-              <a:t>https://lucasgardini.com</a:t>
-            </a:r>
-          </a:p>
-        </p:txBody>
-      </p:sp>
-      <p:sp>
-        <p:nvSpPr>
-          <p:cNvPr id="2" name="CaixaDeTexto 1">
-            <a:extLst>
-              <a:ext uri="{FF2B5EF4-FFF2-40B4-BE49-F238E27FC236}">
-                <a16:creationId xmlns:a16="http://schemas.microsoft.com/office/drawing/2014/main" id="{3F89F942-F2B5-EBBE-126B-E2759FD22242}"/>
-              </a:ext>
-            </a:extLst>
-          </p:cNvPr>
-          <p:cNvSpPr txBox="1"/>
-          <p:nvPr/>
-        </p:nvSpPr>
-        <p:spPr>
-          <a:xfrm>
-            <a:off x="670272" y="1726164"/>
-            <a:ext cx="9733755" cy="1200329"/>
-          </a:xfrm>
-          <a:prstGeom prst="rect">
-            <a:avLst/>
-          </a:prstGeom>
-          <a:noFill/>
-        </p:spPr>
-        <p:txBody>
-          <a:bodyPr wrap="none" rtlCol="0">
-            <a:spAutoFit/>
-          </a:bodyPr>
-          <a:lstStyle/>
-          <a:p>
-            <a:r>
-              <a:rPr lang="pt-BR" sz="7200" b="1" dirty="0">
-                <a:effectLst>
-                  <a:outerShdw blurRad="50800" dist="38100" dir="2700000" algn="tl" rotWithShape="0">
-                    <a:prstClr val="black">
-                      <a:alpha val="40000"/>
-                    </a:prstClr>
-                  </a:outerShdw>
-                </a:effectLst>
-              </a:rPr>
               <a:t>OPERAÇÕES BÁSICAS</a:t>
             </a:r>
           </a:p>
@@ -8222,318 +9727,6 @@
     <p:extLst>
       <p:ext uri="{BB962C8B-B14F-4D97-AF65-F5344CB8AC3E}">
         <p14:creationId xmlns:p14="http://schemas.microsoft.com/office/powerpoint/2010/main" val="1474203679"/>
-      </p:ext>
-    </p:extLst>
-  </p:cSld>
-  <p:clrMapOvr>
-    <a:masterClrMapping/>
-  </p:clrMapOvr>
-</p:sld>
-</file>
-
-<file path=ppt/slides/slide15.xml><?xml version="1.0" encoding="utf-8"?>
-<p:sld xmlns:a="http://schemas.openxmlformats.org/drawingml/2006/main" xmlns:r="http://schemas.openxmlformats.org/officeDocument/2006/relationships" xmlns:p="http://schemas.openxmlformats.org/presentationml/2006/main">
-  <p:cSld>
-    <p:spTree>
-      <p:nvGrpSpPr>
-        <p:cNvPr id="1" name=""/>
-        <p:cNvGrpSpPr/>
-        <p:nvPr/>
-      </p:nvGrpSpPr>
-      <p:grpSpPr>
-        <a:xfrm>
-          <a:off x="0" y="0"/>
-          <a:ext cx="0" cy="0"/>
-          <a:chOff x="0" y="0"/>
-          <a:chExt cx="0" cy="0"/>
-        </a:xfrm>
-      </p:grpSpPr>
-      <p:sp>
-        <p:nvSpPr>
-          <p:cNvPr id="2" name="Título 1">
-            <a:extLst>
-              <a:ext uri="{FF2B5EF4-FFF2-40B4-BE49-F238E27FC236}">
-                <a16:creationId xmlns:a16="http://schemas.microsoft.com/office/drawing/2014/main" id="{F0EA80E2-15DD-ABEB-539C-D3721B78C834}"/>
-              </a:ext>
-            </a:extLst>
-          </p:cNvPr>
-          <p:cNvSpPr>
-            <a:spLocks noGrp="1"/>
-          </p:cNvSpPr>
-          <p:nvPr>
-            <p:ph type="title"/>
-          </p:nvPr>
-        </p:nvSpPr>
-        <p:spPr/>
-        <p:txBody>
-          <a:bodyPr/>
-          <a:lstStyle/>
-          <a:p>
-            <a:r>
-              <a:rPr lang="pt-BR" b="1" i="0" dirty="0">
-                <a:effectLst/>
-                <a:latin typeface="Söhne"/>
-              </a:rPr>
-              <a:t>Operações Básicas</a:t>
-            </a:r>
-            <a:br>
-              <a:rPr lang="pt-BR" b="1" i="0" dirty="0">
-                <a:effectLst/>
-                <a:latin typeface="Söhne"/>
-              </a:rPr>
-            </a:br>
-            <a:r>
-              <a:rPr lang="pt-BR" sz="2000" dirty="0">
-                <a:latin typeface="Söhne"/>
-              </a:rPr>
-              <a:t>Inserção de documentos.</a:t>
-            </a:r>
-            <a:endParaRPr lang="pt-BR" dirty="0"/>
-          </a:p>
-        </p:txBody>
-      </p:sp>
-      <p:sp>
-        <p:nvSpPr>
-          <p:cNvPr id="3" name="Espaço Reservado para Conteúdo 2">
-            <a:extLst>
-              <a:ext uri="{FF2B5EF4-FFF2-40B4-BE49-F238E27FC236}">
-                <a16:creationId xmlns:a16="http://schemas.microsoft.com/office/drawing/2014/main" id="{1812B3A2-0B9F-7A1D-29BE-5783C0E7C666}"/>
-              </a:ext>
-            </a:extLst>
-          </p:cNvPr>
-          <p:cNvSpPr>
-            <a:spLocks noGrp="1"/>
-          </p:cNvSpPr>
-          <p:nvPr>
-            <p:ph idx="1"/>
-          </p:nvPr>
-        </p:nvSpPr>
-        <p:spPr/>
-        <p:txBody>
-          <a:bodyPr/>
-          <a:lstStyle/>
-          <a:p>
-            <a:endParaRPr lang="pt-BR" dirty="0"/>
-          </a:p>
-        </p:txBody>
-      </p:sp>
-      <p:sp>
-        <p:nvSpPr>
-          <p:cNvPr id="4" name="Espaço Reservado para Rodapé 3">
-            <a:extLst>
-              <a:ext uri="{FF2B5EF4-FFF2-40B4-BE49-F238E27FC236}">
-                <a16:creationId xmlns:a16="http://schemas.microsoft.com/office/drawing/2014/main" id="{6739F8A8-C8BA-402C-CBC7-A02F2C81E04B}"/>
-              </a:ext>
-            </a:extLst>
-          </p:cNvPr>
-          <p:cNvSpPr>
-            <a:spLocks noGrp="1"/>
-          </p:cNvSpPr>
-          <p:nvPr>
-            <p:ph type="ftr" sz="quarter" idx="11"/>
-          </p:nvPr>
-        </p:nvSpPr>
-        <p:spPr/>
-        <p:txBody>
-          <a:bodyPr/>
-          <a:lstStyle/>
-          <a:p>
-            <a:r>
-              <a:rPr lang="pt-BR" dirty="0"/>
-              <a:t>https://lucas.gardini.dev</a:t>
-            </a:r>
-          </a:p>
-        </p:txBody>
-      </p:sp>
-      <p:sp>
-        <p:nvSpPr>
-          <p:cNvPr id="5" name="Espaço Reservado para Número de Slide 4">
-            <a:extLst>
-              <a:ext uri="{FF2B5EF4-FFF2-40B4-BE49-F238E27FC236}">
-                <a16:creationId xmlns:a16="http://schemas.microsoft.com/office/drawing/2014/main" id="{DE18193C-5A4B-8531-1D52-CBD20E415CBF}"/>
-              </a:ext>
-            </a:extLst>
-          </p:cNvPr>
-          <p:cNvSpPr>
-            <a:spLocks noGrp="1"/>
-          </p:cNvSpPr>
-          <p:nvPr>
-            <p:ph type="sldNum" sz="quarter" idx="12"/>
-          </p:nvPr>
-        </p:nvSpPr>
-        <p:spPr/>
-        <p:txBody>
-          <a:bodyPr/>
-          <a:lstStyle/>
-          <a:p>
-            <a:fld id="{25237327-9CA3-4762-8749-00D99BA09B6B}" type="slidenum">
-              <a:rPr lang="pt-BR" smtClean="0"/>
-              <a:t>15</a:t>
-            </a:fld>
-            <a:endParaRPr lang="pt-BR"/>
-          </a:p>
-        </p:txBody>
-      </p:sp>
-    </p:spTree>
-    <p:extLst>
-      <p:ext uri="{BB962C8B-B14F-4D97-AF65-F5344CB8AC3E}">
-        <p14:creationId xmlns:p14="http://schemas.microsoft.com/office/powerpoint/2010/main" val="1644909204"/>
-      </p:ext>
-    </p:extLst>
-  </p:cSld>
-  <p:clrMapOvr>
-    <a:masterClrMapping/>
-  </p:clrMapOvr>
-</p:sld>
-</file>
-
-<file path=ppt/slides/slide16.xml><?xml version="1.0" encoding="utf-8"?>
-<p:sld xmlns:a="http://schemas.openxmlformats.org/drawingml/2006/main" xmlns:r="http://schemas.openxmlformats.org/officeDocument/2006/relationships" xmlns:p="http://schemas.openxmlformats.org/presentationml/2006/main">
-  <p:cSld>
-    <p:spTree>
-      <p:nvGrpSpPr>
-        <p:cNvPr id="1" name=""/>
-        <p:cNvGrpSpPr/>
-        <p:nvPr/>
-      </p:nvGrpSpPr>
-      <p:grpSpPr>
-        <a:xfrm>
-          <a:off x="0" y="0"/>
-          <a:ext cx="0" cy="0"/>
-          <a:chOff x="0" y="0"/>
-          <a:chExt cx="0" cy="0"/>
-        </a:xfrm>
-      </p:grpSpPr>
-      <p:sp>
-        <p:nvSpPr>
-          <p:cNvPr id="2" name="Título 1">
-            <a:extLst>
-              <a:ext uri="{FF2B5EF4-FFF2-40B4-BE49-F238E27FC236}">
-                <a16:creationId xmlns:a16="http://schemas.microsoft.com/office/drawing/2014/main" id="{F0EA80E2-15DD-ABEB-539C-D3721B78C834}"/>
-              </a:ext>
-            </a:extLst>
-          </p:cNvPr>
-          <p:cNvSpPr>
-            <a:spLocks noGrp="1"/>
-          </p:cNvSpPr>
-          <p:nvPr>
-            <p:ph type="title"/>
-          </p:nvPr>
-        </p:nvSpPr>
-        <p:spPr/>
-        <p:txBody>
-          <a:bodyPr/>
-          <a:lstStyle/>
-          <a:p>
-            <a:r>
-              <a:rPr lang="pt-BR" b="1" i="0" dirty="0">
-                <a:effectLst/>
-                <a:latin typeface="Söhne"/>
-              </a:rPr>
-              <a:t>Operações Básicas</a:t>
-            </a:r>
-            <a:br>
-              <a:rPr lang="pt-BR" b="1" i="0" dirty="0">
-                <a:effectLst/>
-                <a:latin typeface="Söhne"/>
-              </a:rPr>
-            </a:br>
-            <a:r>
-              <a:rPr lang="pt-BR" sz="2000" dirty="0">
-                <a:latin typeface="Söhne"/>
-              </a:rPr>
-              <a:t>Consulta de documentos.</a:t>
-            </a:r>
-            <a:endParaRPr lang="pt-BR" dirty="0"/>
-          </a:p>
-        </p:txBody>
-      </p:sp>
-      <p:sp>
-        <p:nvSpPr>
-          <p:cNvPr id="3" name="Espaço Reservado para Conteúdo 2">
-            <a:extLst>
-              <a:ext uri="{FF2B5EF4-FFF2-40B4-BE49-F238E27FC236}">
-                <a16:creationId xmlns:a16="http://schemas.microsoft.com/office/drawing/2014/main" id="{1812B3A2-0B9F-7A1D-29BE-5783C0E7C666}"/>
-              </a:ext>
-            </a:extLst>
-          </p:cNvPr>
-          <p:cNvSpPr>
-            <a:spLocks noGrp="1"/>
-          </p:cNvSpPr>
-          <p:nvPr>
-            <p:ph idx="1"/>
-          </p:nvPr>
-        </p:nvSpPr>
-        <p:spPr/>
-        <p:txBody>
-          <a:bodyPr/>
-          <a:lstStyle/>
-          <a:p>
-            <a:endParaRPr lang="pt-BR" dirty="0"/>
-          </a:p>
-        </p:txBody>
-      </p:sp>
-      <p:sp>
-        <p:nvSpPr>
-          <p:cNvPr id="4" name="Espaço Reservado para Rodapé 3">
-            <a:extLst>
-              <a:ext uri="{FF2B5EF4-FFF2-40B4-BE49-F238E27FC236}">
-                <a16:creationId xmlns:a16="http://schemas.microsoft.com/office/drawing/2014/main" id="{6739F8A8-C8BA-402C-CBC7-A02F2C81E04B}"/>
-              </a:ext>
-            </a:extLst>
-          </p:cNvPr>
-          <p:cNvSpPr>
-            <a:spLocks noGrp="1"/>
-          </p:cNvSpPr>
-          <p:nvPr>
-            <p:ph type="ftr" sz="quarter" idx="11"/>
-          </p:nvPr>
-        </p:nvSpPr>
-        <p:spPr/>
-        <p:txBody>
-          <a:bodyPr/>
-          <a:lstStyle/>
-          <a:p>
-            <a:r>
-              <a:rPr lang="pt-BR" dirty="0"/>
-              <a:t>https://lucas.gardini.dev</a:t>
-            </a:r>
-          </a:p>
-        </p:txBody>
-      </p:sp>
-      <p:sp>
-        <p:nvSpPr>
-          <p:cNvPr id="5" name="Espaço Reservado para Número de Slide 4">
-            <a:extLst>
-              <a:ext uri="{FF2B5EF4-FFF2-40B4-BE49-F238E27FC236}">
-                <a16:creationId xmlns:a16="http://schemas.microsoft.com/office/drawing/2014/main" id="{DE18193C-5A4B-8531-1D52-CBD20E415CBF}"/>
-              </a:ext>
-            </a:extLst>
-          </p:cNvPr>
-          <p:cNvSpPr>
-            <a:spLocks noGrp="1"/>
-          </p:cNvSpPr>
-          <p:nvPr>
-            <p:ph type="sldNum" sz="quarter" idx="12"/>
-          </p:nvPr>
-        </p:nvSpPr>
-        <p:spPr/>
-        <p:txBody>
-          <a:bodyPr/>
-          <a:lstStyle/>
-          <a:p>
-            <a:fld id="{25237327-9CA3-4762-8749-00D99BA09B6B}" type="slidenum">
-              <a:rPr lang="pt-BR" smtClean="0"/>
-              <a:t>16</a:t>
-            </a:fld>
-            <a:endParaRPr lang="pt-BR"/>
-          </a:p>
-        </p:txBody>
-      </p:sp>
-    </p:spTree>
-    <p:extLst>
-      <p:ext uri="{BB962C8B-B14F-4D97-AF65-F5344CB8AC3E}">
-        <p14:creationId xmlns:p14="http://schemas.microsoft.com/office/powerpoint/2010/main" val="1694043030"/>
       </p:ext>
     </p:extLst>
   </p:cSld>
@@ -8598,7 +9791,7 @@
               <a:rPr lang="pt-BR" sz="2000" dirty="0">
                 <a:latin typeface="Söhne"/>
               </a:rPr>
-              <a:t>Atualização e exclusão de documentos.</a:t>
+              <a:t>Inserção de documentos.</a:t>
             </a:r>
             <a:endParaRPr lang="pt-BR" dirty="0"/>
           </a:p>
@@ -8689,7 +9882,7 @@
     </p:spTree>
     <p:extLst>
       <p:ext uri="{BB962C8B-B14F-4D97-AF65-F5344CB8AC3E}">
-        <p14:creationId xmlns:p14="http://schemas.microsoft.com/office/powerpoint/2010/main" val="2941452920"/>
+        <p14:creationId xmlns:p14="http://schemas.microsoft.com/office/powerpoint/2010/main" val="1644909204"/>
       </p:ext>
     </p:extLst>
   </p:cSld>
@@ -8718,10 +9911,10 @@
       </p:grpSpPr>
       <p:sp>
         <p:nvSpPr>
-          <p:cNvPr id="4" name="Espaço Reservado para Número de Slide 3">
+          <p:cNvPr id="2" name="Título 1">
             <a:extLst>
               <a:ext uri="{FF2B5EF4-FFF2-40B4-BE49-F238E27FC236}">
-                <a16:creationId xmlns:a16="http://schemas.microsoft.com/office/drawing/2014/main" id="{7D0ADA87-DAA8-3E4F-5D82-BEFEFA209AE3}"/>
+                <a16:creationId xmlns:a16="http://schemas.microsoft.com/office/drawing/2014/main" id="{F0EA80E2-15DD-ABEB-539C-D3721B78C834}"/>
               </a:ext>
             </a:extLst>
           </p:cNvPr>
@@ -8729,191 +9922,68 @@
             <a:spLocks noGrp="1"/>
           </p:cNvSpPr>
           <p:nvPr>
-            <p:ph type="sldNum" sz="quarter" idx="12"/>
-          </p:nvPr>
-        </p:nvSpPr>
-        <p:spPr>
-          <a:xfrm>
-            <a:off x="11079045" y="6316601"/>
-            <a:ext cx="1062155" cy="490599"/>
-          </a:xfrm>
-        </p:spPr>
+            <p:ph type="title"/>
+          </p:nvPr>
+        </p:nvSpPr>
+        <p:spPr/>
         <p:txBody>
           <a:bodyPr/>
           <a:lstStyle/>
           <a:p>
-            <a:fld id="{25237327-9CA3-4762-8749-00D99BA09B6B}" type="slidenum">
-              <a:rPr lang="pt-BR" b="1" smtClean="0">
-                <a:solidFill>
-                  <a:schemeClr val="tx1"/>
-                </a:solidFill>
-              </a:rPr>
-              <a:t>18</a:t>
-            </a:fld>
-            <a:endParaRPr lang="pt-BR" b="1" dirty="0">
-              <a:solidFill>
-                <a:schemeClr val="tx1"/>
-              </a:solidFill>
-            </a:endParaRPr>
-          </a:p>
-        </p:txBody>
-      </p:sp>
-      <p:grpSp>
-        <p:nvGrpSpPr>
-          <p:cNvPr id="14" name="Agrupar 13">
+            <a:r>
+              <a:rPr lang="pt-BR" b="1" i="0" dirty="0">
+                <a:effectLst/>
+                <a:latin typeface="Söhne"/>
+              </a:rPr>
+              <a:t>Operações Básicas</a:t>
+            </a:r>
+            <a:br>
+              <a:rPr lang="pt-BR" b="1" i="0" dirty="0">
+                <a:effectLst/>
+                <a:latin typeface="Söhne"/>
+              </a:rPr>
+            </a:br>
+            <a:r>
+              <a:rPr lang="pt-BR" sz="2000" dirty="0">
+                <a:latin typeface="Söhne"/>
+              </a:rPr>
+              <a:t>Consulta de documentos.</a:t>
+            </a:r>
+            <a:endParaRPr lang="pt-BR" dirty="0"/>
+          </a:p>
+        </p:txBody>
+      </p:sp>
+      <p:sp>
+        <p:nvSpPr>
+          <p:cNvPr id="3" name="Espaço Reservado para Conteúdo 2">
             <a:extLst>
               <a:ext uri="{FF2B5EF4-FFF2-40B4-BE49-F238E27FC236}">
-                <a16:creationId xmlns:a16="http://schemas.microsoft.com/office/drawing/2014/main" id="{3A131335-0210-9973-B748-9747392A7A99}"/>
+                <a16:creationId xmlns:a16="http://schemas.microsoft.com/office/drawing/2014/main" id="{1812B3A2-0B9F-7A1D-29BE-5783C0E7C666}"/>
               </a:ext>
             </a:extLst>
           </p:cNvPr>
-          <p:cNvGrpSpPr/>
-          <p:nvPr/>
-        </p:nvGrpSpPr>
-        <p:grpSpPr>
-          <a:xfrm>
-            <a:off x="5722808" y="6341706"/>
-            <a:ext cx="746384" cy="429208"/>
-            <a:chOff x="4350679" y="5579706"/>
-            <a:chExt cx="746384" cy="429208"/>
-          </a:xfrm>
-        </p:grpSpPr>
-        <p:pic>
-          <p:nvPicPr>
-            <p:cNvPr id="9" name="Gráfico 8">
-              <a:extLst>
-                <a:ext uri="{FF2B5EF4-FFF2-40B4-BE49-F238E27FC236}">
-                  <a16:creationId xmlns:a16="http://schemas.microsoft.com/office/drawing/2014/main" id="{68B00CCA-1769-F355-0991-F88AFB028207}"/>
-                </a:ext>
-              </a:extLst>
-            </p:cNvPr>
-            <p:cNvPicPr>
-              <a:picLocks noChangeAspect="1"/>
-            </p:cNvPicPr>
-            <p:nvPr/>
-          </p:nvPicPr>
-          <p:blipFill>
-            <a:blip r:embed="rId2">
-              <a:extLst>
-                <a:ext uri="{28A0092B-C50C-407E-A947-70E740481C1C}">
-                  <a14:useLocalDpi xmlns:a14="http://schemas.microsoft.com/office/drawing/2010/main" val="0"/>
-                </a:ext>
-                <a:ext uri="{96DAC541-7B7A-43D3-8B79-37D633B846F1}">
-                  <asvg:svgBlip xmlns:asvg="http://schemas.microsoft.com/office/drawing/2016/SVG/main" r:embed="rId3"/>
-                </a:ext>
-              </a:extLst>
-            </a:blip>
-            <a:stretch>
-              <a:fillRect/>
-            </a:stretch>
-          </p:blipFill>
-          <p:spPr>
-            <a:xfrm>
-              <a:off x="4350679" y="5619390"/>
-              <a:ext cx="360000" cy="360000"/>
-            </a:xfrm>
-            <a:prstGeom prst="rect">
-              <a:avLst/>
-            </a:prstGeom>
-          </p:spPr>
-        </p:pic>
-        <p:pic>
-          <p:nvPicPr>
-            <p:cNvPr id="1026" name="Picture 2" descr="V Semana de Turismo IFSP Barretos">
-              <a:extLst>
-                <a:ext uri="{FF2B5EF4-FFF2-40B4-BE49-F238E27FC236}">
-                  <a16:creationId xmlns:a16="http://schemas.microsoft.com/office/drawing/2014/main" id="{43520D69-6128-EE21-87C6-87C10FF9165F}"/>
-                </a:ext>
-              </a:extLst>
-            </p:cNvPr>
-            <p:cNvPicPr>
-              <a:picLocks noChangeAspect="1" noChangeArrowheads="1"/>
-            </p:cNvPicPr>
-            <p:nvPr/>
-          </p:nvPicPr>
-          <p:blipFill>
-            <a:blip r:embed="rId4">
-              <a:extLst>
-                <a:ext uri="{28A0092B-C50C-407E-A947-70E740481C1C}">
-                  <a14:useLocalDpi xmlns:a14="http://schemas.microsoft.com/office/drawing/2010/main" val="0"/>
-                </a:ext>
-              </a:extLst>
-            </a:blip>
-            <a:srcRect/>
-            <a:stretch>
-              <a:fillRect/>
-            </a:stretch>
-          </p:blipFill>
-          <p:spPr bwMode="auto">
-            <a:xfrm>
-              <a:off x="4869227" y="5641759"/>
-              <a:ext cx="227836" cy="305101"/>
-            </a:xfrm>
-            <a:prstGeom prst="rect">
-              <a:avLst/>
-            </a:prstGeom>
-            <a:noFill/>
-            <a:extLst>
-              <a:ext uri="{909E8E84-426E-40DD-AFC4-6F175D3DCCD1}">
-                <a14:hiddenFill xmlns:a14="http://schemas.microsoft.com/office/drawing/2010/main">
-                  <a:solidFill>
-                    <a:srgbClr val="FFFFFF"/>
-                  </a:solidFill>
-                </a14:hiddenFill>
-              </a:ext>
-            </a:extLst>
-          </p:spPr>
-        </p:pic>
-        <p:cxnSp>
-          <p:nvCxnSpPr>
-            <p:cNvPr id="11" name="Conector reto 10">
-              <a:extLst>
-                <a:ext uri="{FF2B5EF4-FFF2-40B4-BE49-F238E27FC236}">
-                  <a16:creationId xmlns:a16="http://schemas.microsoft.com/office/drawing/2014/main" id="{5D6B378A-D998-4925-FFCA-9A0F3370C250}"/>
-                </a:ext>
-              </a:extLst>
-            </p:cNvPr>
-            <p:cNvCxnSpPr>
-              <a:cxnSpLocks/>
-            </p:cNvCxnSpPr>
-            <p:nvPr/>
-          </p:nvCxnSpPr>
-          <p:spPr>
-            <a:xfrm>
-              <a:off x="4743269" y="5579706"/>
-              <a:ext cx="0" cy="429208"/>
-            </a:xfrm>
-            <a:prstGeom prst="line">
-              <a:avLst/>
-            </a:prstGeom>
-            <a:ln>
-              <a:solidFill>
-                <a:schemeClr val="tx1"/>
-              </a:solidFill>
-            </a:ln>
-          </p:spPr>
-          <p:style>
-            <a:lnRef idx="1">
-              <a:schemeClr val="accent1"/>
-            </a:lnRef>
-            <a:fillRef idx="0">
-              <a:schemeClr val="accent1"/>
-            </a:fillRef>
-            <a:effectRef idx="0">
-              <a:schemeClr val="accent1"/>
-            </a:effectRef>
-            <a:fontRef idx="minor">
-              <a:schemeClr val="tx1"/>
-            </a:fontRef>
-          </p:style>
-        </p:cxnSp>
-      </p:grpSp>
-      <p:sp>
-        <p:nvSpPr>
-          <p:cNvPr id="15" name="Espaço Reservado para Rodapé 14">
+          <p:cNvSpPr>
+            <a:spLocks noGrp="1"/>
+          </p:cNvSpPr>
+          <p:nvPr>
+            <p:ph idx="1"/>
+          </p:nvPr>
+        </p:nvSpPr>
+        <p:spPr/>
+        <p:txBody>
+          <a:bodyPr/>
+          <a:lstStyle/>
+          <a:p>
+            <a:endParaRPr lang="pt-BR" dirty="0"/>
+          </a:p>
+        </p:txBody>
+      </p:sp>
+      <p:sp>
+        <p:nvSpPr>
+          <p:cNvPr id="4" name="Espaço Reservado para Rodapé 3">
             <a:extLst>
               <a:ext uri="{FF2B5EF4-FFF2-40B4-BE49-F238E27FC236}">
-                <a16:creationId xmlns:a16="http://schemas.microsoft.com/office/drawing/2014/main" id="{FF285D15-CA04-0574-4AAD-47ADEE6CFB3B}"/>
+                <a16:creationId xmlns:a16="http://schemas.microsoft.com/office/drawing/2014/main" id="{6739F8A8-C8BA-402C-CBC7-A02F2C81E04B}"/>
               </a:ext>
             </a:extLst>
           </p:cNvPr>
@@ -8924,70 +9994,51 @@
             <p:ph type="ftr" sz="quarter" idx="11"/>
           </p:nvPr>
         </p:nvSpPr>
-        <p:spPr>
-          <a:xfrm>
-            <a:off x="50800" y="6442075"/>
-            <a:ext cx="3291839" cy="365125"/>
-          </a:xfrm>
-        </p:spPr>
+        <p:spPr/>
         <p:txBody>
           <a:bodyPr/>
           <a:lstStyle/>
           <a:p>
             <a:r>
-              <a:rPr lang="pt-BR" sz="1600" dirty="0"/>
-              <a:t>https://lucasgardini.com</a:t>
-            </a:r>
-          </a:p>
-        </p:txBody>
-      </p:sp>
-      <p:sp>
-        <p:nvSpPr>
-          <p:cNvPr id="2" name="CaixaDeTexto 1">
+              <a:rPr lang="pt-BR" dirty="0"/>
+              <a:t>https://lucas.gardini.dev</a:t>
+            </a:r>
+          </a:p>
+        </p:txBody>
+      </p:sp>
+      <p:sp>
+        <p:nvSpPr>
+          <p:cNvPr id="5" name="Espaço Reservado para Número de Slide 4">
             <a:extLst>
               <a:ext uri="{FF2B5EF4-FFF2-40B4-BE49-F238E27FC236}">
-                <a16:creationId xmlns:a16="http://schemas.microsoft.com/office/drawing/2014/main" id="{3F89F942-F2B5-EBBE-126B-E2759FD22242}"/>
+                <a16:creationId xmlns:a16="http://schemas.microsoft.com/office/drawing/2014/main" id="{DE18193C-5A4B-8531-1D52-CBD20E415CBF}"/>
               </a:ext>
             </a:extLst>
           </p:cNvPr>
-          <p:cNvSpPr txBox="1"/>
-          <p:nvPr/>
-        </p:nvSpPr>
-        <p:spPr>
-          <a:xfrm>
-            <a:off x="670272" y="1726164"/>
-            <a:ext cx="10968067" cy="1200329"/>
-          </a:xfrm>
-          <a:prstGeom prst="rect">
-            <a:avLst/>
-          </a:prstGeom>
-          <a:noFill/>
-        </p:spPr>
-        <p:txBody>
-          <a:bodyPr wrap="none" rtlCol="0">
-            <a:spAutoFit/>
-          </a:bodyPr>
-          <a:lstStyle/>
-          <a:p>
-            <a:r>
-              <a:rPr lang="pt-BR" sz="7200" b="1" dirty="0">
-                <a:effectLst>
-                  <a:outerShdw blurRad="50800" dist="38100" dir="2700000" algn="tl" rotWithShape="0">
-                    <a:prstClr val="black">
-                      <a:alpha val="40000"/>
-                    </a:prstClr>
-                  </a:outerShdw>
-                </a:effectLst>
-              </a:rPr>
-              <a:t>MODELAGEM DE DADOS</a:t>
-            </a:r>
+          <p:cNvSpPr>
+            <a:spLocks noGrp="1"/>
+          </p:cNvSpPr>
+          <p:nvPr>
+            <p:ph type="sldNum" sz="quarter" idx="12"/>
+          </p:nvPr>
+        </p:nvSpPr>
+        <p:spPr/>
+        <p:txBody>
+          <a:bodyPr/>
+          <a:lstStyle/>
+          <a:p>
+            <a:fld id="{25237327-9CA3-4762-8749-00D99BA09B6B}" type="slidenum">
+              <a:rPr lang="pt-BR" smtClean="0"/>
+              <a:t>18</a:t>
+            </a:fld>
+            <a:endParaRPr lang="pt-BR"/>
           </a:p>
         </p:txBody>
       </p:sp>
     </p:spTree>
     <p:extLst>
       <p:ext uri="{BB962C8B-B14F-4D97-AF65-F5344CB8AC3E}">
-        <p14:creationId xmlns:p14="http://schemas.microsoft.com/office/powerpoint/2010/main" val="1412234956"/>
+        <p14:creationId xmlns:p14="http://schemas.microsoft.com/office/powerpoint/2010/main" val="1694043030"/>
       </p:ext>
     </p:extLst>
   </p:cSld>
@@ -9040,7 +10091,7 @@
                 <a:effectLst/>
                 <a:latin typeface="Söhne"/>
               </a:rPr>
-              <a:t>Modelagem de Dados</a:t>
+              <a:t>Operações Básicas</a:t>
             </a:r>
             <a:br>
               <a:rPr lang="pt-BR" b="1" i="0" dirty="0">
@@ -9052,7 +10103,7 @@
               <a:rPr lang="pt-BR" sz="2000" dirty="0">
                 <a:latin typeface="Söhne"/>
               </a:rPr>
-              <a:t>Estrutura de coleções e documentos.</a:t>
+              <a:t>Atualização e exclusão de documentos.</a:t>
             </a:r>
             <a:endParaRPr lang="pt-BR" dirty="0"/>
           </a:p>
@@ -9143,7 +10194,7 @@
     </p:spTree>
     <p:extLst>
       <p:ext uri="{BB962C8B-B14F-4D97-AF65-F5344CB8AC3E}">
-        <p14:creationId xmlns:p14="http://schemas.microsoft.com/office/powerpoint/2010/main" val="3921640159"/>
+        <p14:creationId xmlns:p14="http://schemas.microsoft.com/office/powerpoint/2010/main" val="2941452920"/>
       </p:ext>
     </p:extLst>
   </p:cSld>
@@ -9767,174 +10818,6 @@
       </p:grpSpPr>
       <p:sp>
         <p:nvSpPr>
-          <p:cNvPr id="2" name="Título 1">
-            <a:extLst>
-              <a:ext uri="{FF2B5EF4-FFF2-40B4-BE49-F238E27FC236}">
-                <a16:creationId xmlns:a16="http://schemas.microsoft.com/office/drawing/2014/main" id="{F0EA80E2-15DD-ABEB-539C-D3721B78C834}"/>
-              </a:ext>
-            </a:extLst>
-          </p:cNvPr>
-          <p:cNvSpPr>
-            <a:spLocks noGrp="1"/>
-          </p:cNvSpPr>
-          <p:nvPr>
-            <p:ph type="title"/>
-          </p:nvPr>
-        </p:nvSpPr>
-        <p:spPr/>
-        <p:txBody>
-          <a:bodyPr/>
-          <a:lstStyle/>
-          <a:p>
-            <a:r>
-              <a:rPr lang="pt-BR" b="1" i="0" dirty="0">
-                <a:effectLst/>
-                <a:latin typeface="Söhne"/>
-              </a:rPr>
-              <a:t>Modelagem de Dados</a:t>
-            </a:r>
-            <a:br>
-              <a:rPr lang="pt-BR" b="1" i="0" dirty="0">
-                <a:effectLst/>
-                <a:latin typeface="Söhne"/>
-              </a:rPr>
-            </a:br>
-            <a:r>
-              <a:rPr lang="pt-BR" sz="2000" dirty="0">
-                <a:latin typeface="Söhne"/>
-              </a:rPr>
-              <a:t>Relacionamentos no </a:t>
-            </a:r>
-            <a:r>
-              <a:rPr lang="pt-BR" sz="2000" dirty="0" err="1">
-                <a:latin typeface="Söhne"/>
-              </a:rPr>
-              <a:t>MongoDB</a:t>
-            </a:r>
-            <a:r>
-              <a:rPr lang="pt-BR" sz="2000" dirty="0">
-                <a:latin typeface="Söhne"/>
-              </a:rPr>
-              <a:t>.</a:t>
-            </a:r>
-            <a:endParaRPr lang="pt-BR" dirty="0"/>
-          </a:p>
-        </p:txBody>
-      </p:sp>
-      <p:sp>
-        <p:nvSpPr>
-          <p:cNvPr id="3" name="Espaço Reservado para Conteúdo 2">
-            <a:extLst>
-              <a:ext uri="{FF2B5EF4-FFF2-40B4-BE49-F238E27FC236}">
-                <a16:creationId xmlns:a16="http://schemas.microsoft.com/office/drawing/2014/main" id="{1812B3A2-0B9F-7A1D-29BE-5783C0E7C666}"/>
-              </a:ext>
-            </a:extLst>
-          </p:cNvPr>
-          <p:cNvSpPr>
-            <a:spLocks noGrp="1"/>
-          </p:cNvSpPr>
-          <p:nvPr>
-            <p:ph idx="1"/>
-          </p:nvPr>
-        </p:nvSpPr>
-        <p:spPr/>
-        <p:txBody>
-          <a:bodyPr/>
-          <a:lstStyle/>
-          <a:p>
-            <a:endParaRPr lang="pt-BR" dirty="0"/>
-          </a:p>
-        </p:txBody>
-      </p:sp>
-      <p:sp>
-        <p:nvSpPr>
-          <p:cNvPr id="4" name="Espaço Reservado para Rodapé 3">
-            <a:extLst>
-              <a:ext uri="{FF2B5EF4-FFF2-40B4-BE49-F238E27FC236}">
-                <a16:creationId xmlns:a16="http://schemas.microsoft.com/office/drawing/2014/main" id="{6739F8A8-C8BA-402C-CBC7-A02F2C81E04B}"/>
-              </a:ext>
-            </a:extLst>
-          </p:cNvPr>
-          <p:cNvSpPr>
-            <a:spLocks noGrp="1"/>
-          </p:cNvSpPr>
-          <p:nvPr>
-            <p:ph type="ftr" sz="quarter" idx="11"/>
-          </p:nvPr>
-        </p:nvSpPr>
-        <p:spPr/>
-        <p:txBody>
-          <a:bodyPr/>
-          <a:lstStyle/>
-          <a:p>
-            <a:r>
-              <a:rPr lang="pt-BR" dirty="0"/>
-              <a:t>https://lucas.gardini.dev</a:t>
-            </a:r>
-          </a:p>
-        </p:txBody>
-      </p:sp>
-      <p:sp>
-        <p:nvSpPr>
-          <p:cNvPr id="5" name="Espaço Reservado para Número de Slide 4">
-            <a:extLst>
-              <a:ext uri="{FF2B5EF4-FFF2-40B4-BE49-F238E27FC236}">
-                <a16:creationId xmlns:a16="http://schemas.microsoft.com/office/drawing/2014/main" id="{DE18193C-5A4B-8531-1D52-CBD20E415CBF}"/>
-              </a:ext>
-            </a:extLst>
-          </p:cNvPr>
-          <p:cNvSpPr>
-            <a:spLocks noGrp="1"/>
-          </p:cNvSpPr>
-          <p:nvPr>
-            <p:ph type="sldNum" sz="quarter" idx="12"/>
-          </p:nvPr>
-        </p:nvSpPr>
-        <p:spPr/>
-        <p:txBody>
-          <a:bodyPr/>
-          <a:lstStyle/>
-          <a:p>
-            <a:fld id="{25237327-9CA3-4762-8749-00D99BA09B6B}" type="slidenum">
-              <a:rPr lang="pt-BR" smtClean="0"/>
-              <a:t>20</a:t>
-            </a:fld>
-            <a:endParaRPr lang="pt-BR"/>
-          </a:p>
-        </p:txBody>
-      </p:sp>
-    </p:spTree>
-    <p:extLst>
-      <p:ext uri="{BB962C8B-B14F-4D97-AF65-F5344CB8AC3E}">
-        <p14:creationId xmlns:p14="http://schemas.microsoft.com/office/powerpoint/2010/main" val="3250206503"/>
-      </p:ext>
-    </p:extLst>
-  </p:cSld>
-  <p:clrMapOvr>
-    <a:masterClrMapping/>
-  </p:clrMapOvr>
-</p:sld>
-</file>
-
-<file path=ppt/slides/slide21.xml><?xml version="1.0" encoding="utf-8"?>
-<p:sld xmlns:a="http://schemas.openxmlformats.org/drawingml/2006/main" xmlns:r="http://schemas.openxmlformats.org/officeDocument/2006/relationships" xmlns:p="http://schemas.openxmlformats.org/presentationml/2006/main">
-  <p:cSld>
-    <p:spTree>
-      <p:nvGrpSpPr>
-        <p:cNvPr id="1" name=""/>
-        <p:cNvGrpSpPr/>
-        <p:nvPr/>
-      </p:nvGrpSpPr>
-      <p:grpSpPr>
-        <a:xfrm>
-          <a:off x="0" y="0"/>
-          <a:ext cx="0" cy="0"/>
-          <a:chOff x="0" y="0"/>
-          <a:chExt cx="0" cy="0"/>
-        </a:xfrm>
-      </p:grpSpPr>
-      <p:sp>
-        <p:nvSpPr>
           <p:cNvPr id="4" name="Espaço Reservado para Número de Slide 3">
             <a:extLst>
               <a:ext uri="{FF2B5EF4-FFF2-40B4-BE49-F238E27FC236}">
@@ -9965,7 +10848,7 @@
                   <a:schemeClr val="tx1"/>
                 </a:solidFill>
               </a:rPr>
-              <a:t>21</a:t>
+              <a:t>20</a:t>
             </a:fld>
             <a:endParaRPr lang="pt-BR" b="1" dirty="0">
               <a:solidFill>
@@ -10173,7 +11056,7 @@
         <p:spPr>
           <a:xfrm>
             <a:off x="670272" y="1726164"/>
-            <a:ext cx="6739345" cy="2308324"/>
+            <a:ext cx="10968067" cy="1200329"/>
           </a:xfrm>
           <a:prstGeom prst="rect">
             <a:avLst/>
@@ -10196,21 +11079,7 @@
                   </a:outerShdw>
                 </a:effectLst>
               </a:rPr>
-              <a:t>INDEXAÇÃO E </a:t>
-            </a:r>
-          </a:p>
-          <a:p>
-            <a:r>
-              <a:rPr lang="pt-BR" sz="7200" b="1" dirty="0">
-                <a:effectLst>
-                  <a:outerShdw blurRad="50800" dist="38100" dir="2700000" algn="tl" rotWithShape="0">
-                    <a:prstClr val="black">
-                      <a:alpha val="40000"/>
-                    </a:prstClr>
-                  </a:outerShdw>
-                </a:effectLst>
-              </a:rPr>
-              <a:t>DESEMPENHO</a:t>
+              <a:t>MODELAGEM DE DADOS</a:t>
             </a:r>
           </a:p>
         </p:txBody>
@@ -10218,7 +11087,163 @@
     </p:spTree>
     <p:extLst>
       <p:ext uri="{BB962C8B-B14F-4D97-AF65-F5344CB8AC3E}">
-        <p14:creationId xmlns:p14="http://schemas.microsoft.com/office/powerpoint/2010/main" val="2562749162"/>
+        <p14:creationId xmlns:p14="http://schemas.microsoft.com/office/powerpoint/2010/main" val="1412234956"/>
+      </p:ext>
+    </p:extLst>
+  </p:cSld>
+  <p:clrMapOvr>
+    <a:masterClrMapping/>
+  </p:clrMapOvr>
+</p:sld>
+</file>
+
+<file path=ppt/slides/slide21.xml><?xml version="1.0" encoding="utf-8"?>
+<p:sld xmlns:a="http://schemas.openxmlformats.org/drawingml/2006/main" xmlns:r="http://schemas.openxmlformats.org/officeDocument/2006/relationships" xmlns:p="http://schemas.openxmlformats.org/presentationml/2006/main">
+  <p:cSld>
+    <p:spTree>
+      <p:nvGrpSpPr>
+        <p:cNvPr id="1" name=""/>
+        <p:cNvGrpSpPr/>
+        <p:nvPr/>
+      </p:nvGrpSpPr>
+      <p:grpSpPr>
+        <a:xfrm>
+          <a:off x="0" y="0"/>
+          <a:ext cx="0" cy="0"/>
+          <a:chOff x="0" y="0"/>
+          <a:chExt cx="0" cy="0"/>
+        </a:xfrm>
+      </p:grpSpPr>
+      <p:sp>
+        <p:nvSpPr>
+          <p:cNvPr id="2" name="Título 1">
+            <a:extLst>
+              <a:ext uri="{FF2B5EF4-FFF2-40B4-BE49-F238E27FC236}">
+                <a16:creationId xmlns:a16="http://schemas.microsoft.com/office/drawing/2014/main" id="{F0EA80E2-15DD-ABEB-539C-D3721B78C834}"/>
+              </a:ext>
+            </a:extLst>
+          </p:cNvPr>
+          <p:cNvSpPr>
+            <a:spLocks noGrp="1"/>
+          </p:cNvSpPr>
+          <p:nvPr>
+            <p:ph type="title"/>
+          </p:nvPr>
+        </p:nvSpPr>
+        <p:spPr/>
+        <p:txBody>
+          <a:bodyPr/>
+          <a:lstStyle/>
+          <a:p>
+            <a:r>
+              <a:rPr lang="pt-BR" b="1" i="0" dirty="0">
+                <a:effectLst/>
+                <a:latin typeface="Söhne"/>
+              </a:rPr>
+              <a:t>Modelagem de Dados</a:t>
+            </a:r>
+            <a:br>
+              <a:rPr lang="pt-BR" b="1" i="0" dirty="0">
+                <a:effectLst/>
+                <a:latin typeface="Söhne"/>
+              </a:rPr>
+            </a:br>
+            <a:r>
+              <a:rPr lang="pt-BR" sz="2000" dirty="0">
+                <a:latin typeface="Söhne"/>
+              </a:rPr>
+              <a:t>Estrutura de coleções e documentos.</a:t>
+            </a:r>
+            <a:endParaRPr lang="pt-BR" dirty="0"/>
+          </a:p>
+        </p:txBody>
+      </p:sp>
+      <p:sp>
+        <p:nvSpPr>
+          <p:cNvPr id="3" name="Espaço Reservado para Conteúdo 2">
+            <a:extLst>
+              <a:ext uri="{FF2B5EF4-FFF2-40B4-BE49-F238E27FC236}">
+                <a16:creationId xmlns:a16="http://schemas.microsoft.com/office/drawing/2014/main" id="{1812B3A2-0B9F-7A1D-29BE-5783C0E7C666}"/>
+              </a:ext>
+            </a:extLst>
+          </p:cNvPr>
+          <p:cNvSpPr>
+            <a:spLocks noGrp="1"/>
+          </p:cNvSpPr>
+          <p:nvPr>
+            <p:ph idx="1"/>
+          </p:nvPr>
+        </p:nvSpPr>
+        <p:spPr/>
+        <p:txBody>
+          <a:bodyPr/>
+          <a:lstStyle/>
+          <a:p>
+            <a:endParaRPr lang="pt-BR" dirty="0"/>
+          </a:p>
+        </p:txBody>
+      </p:sp>
+      <p:sp>
+        <p:nvSpPr>
+          <p:cNvPr id="4" name="Espaço Reservado para Rodapé 3">
+            <a:extLst>
+              <a:ext uri="{FF2B5EF4-FFF2-40B4-BE49-F238E27FC236}">
+                <a16:creationId xmlns:a16="http://schemas.microsoft.com/office/drawing/2014/main" id="{6739F8A8-C8BA-402C-CBC7-A02F2C81E04B}"/>
+              </a:ext>
+            </a:extLst>
+          </p:cNvPr>
+          <p:cNvSpPr>
+            <a:spLocks noGrp="1"/>
+          </p:cNvSpPr>
+          <p:nvPr>
+            <p:ph type="ftr" sz="quarter" idx="11"/>
+          </p:nvPr>
+        </p:nvSpPr>
+        <p:spPr/>
+        <p:txBody>
+          <a:bodyPr/>
+          <a:lstStyle/>
+          <a:p>
+            <a:r>
+              <a:rPr lang="pt-BR" dirty="0"/>
+              <a:t>https://lucas.gardini.dev</a:t>
+            </a:r>
+          </a:p>
+        </p:txBody>
+      </p:sp>
+      <p:sp>
+        <p:nvSpPr>
+          <p:cNvPr id="5" name="Espaço Reservado para Número de Slide 4">
+            <a:extLst>
+              <a:ext uri="{FF2B5EF4-FFF2-40B4-BE49-F238E27FC236}">
+                <a16:creationId xmlns:a16="http://schemas.microsoft.com/office/drawing/2014/main" id="{DE18193C-5A4B-8531-1D52-CBD20E415CBF}"/>
+              </a:ext>
+            </a:extLst>
+          </p:cNvPr>
+          <p:cNvSpPr>
+            <a:spLocks noGrp="1"/>
+          </p:cNvSpPr>
+          <p:nvPr>
+            <p:ph type="sldNum" sz="quarter" idx="12"/>
+          </p:nvPr>
+        </p:nvSpPr>
+        <p:spPr/>
+        <p:txBody>
+          <a:bodyPr/>
+          <a:lstStyle/>
+          <a:p>
+            <a:fld id="{25237327-9CA3-4762-8749-00D99BA09B6B}" type="slidenum">
+              <a:rPr lang="pt-BR" smtClean="0"/>
+              <a:t>21</a:t>
+            </a:fld>
+            <a:endParaRPr lang="pt-BR"/>
+          </a:p>
+        </p:txBody>
+      </p:sp>
+    </p:spTree>
+    <p:extLst>
+      <p:ext uri="{BB962C8B-B14F-4D97-AF65-F5344CB8AC3E}">
+        <p14:creationId xmlns:p14="http://schemas.microsoft.com/office/powerpoint/2010/main" val="3921640159"/>
       </p:ext>
     </p:extLst>
   </p:cSld>
@@ -10271,7 +11296,7 @@
                 <a:effectLst/>
                 <a:latin typeface="Söhne"/>
               </a:rPr>
-              <a:t>Indexação e Desempenho</a:t>
+              <a:t>Modelagem de Dados</a:t>
             </a:r>
             <a:br>
               <a:rPr lang="pt-BR" b="1" i="0" dirty="0">
@@ -10283,7 +11308,19 @@
               <a:rPr lang="pt-BR" sz="2000" dirty="0">
                 <a:latin typeface="Söhne"/>
               </a:rPr>
-              <a:t>Importância de índices.</a:t>
+              <a:t>Relacionamentos no </a:t>
+            </a:r>
+            <a:r>
+              <a:rPr lang="pt-BR" sz="2000" dirty="0" err="1">
+                <a:latin typeface="Söhne"/>
+              </a:rPr>
+              <a:t>MongoDB</a:t>
+            </a:r>
+            <a:r>
+              <a:rPr lang="pt-BR" sz="2000" dirty="0">
+                <a:latin typeface="Söhne"/>
+              </a:rPr>
+              <a:t>.</a:t>
             </a:r>
             <a:endParaRPr lang="pt-BR" dirty="0"/>
           </a:p>
@@ -10374,7 +11411,7 @@
     </p:spTree>
     <p:extLst>
       <p:ext uri="{BB962C8B-B14F-4D97-AF65-F5344CB8AC3E}">
-        <p14:creationId xmlns:p14="http://schemas.microsoft.com/office/powerpoint/2010/main" val="366879679"/>
+        <p14:creationId xmlns:p14="http://schemas.microsoft.com/office/powerpoint/2010/main" val="3250206503"/>
       </p:ext>
     </p:extLst>
   </p:cSld>
@@ -10403,162 +11440,6 @@
       </p:grpSpPr>
       <p:sp>
         <p:nvSpPr>
-          <p:cNvPr id="2" name="Título 1">
-            <a:extLst>
-              <a:ext uri="{FF2B5EF4-FFF2-40B4-BE49-F238E27FC236}">
-                <a16:creationId xmlns:a16="http://schemas.microsoft.com/office/drawing/2014/main" id="{F0EA80E2-15DD-ABEB-539C-D3721B78C834}"/>
-              </a:ext>
-            </a:extLst>
-          </p:cNvPr>
-          <p:cNvSpPr>
-            <a:spLocks noGrp="1"/>
-          </p:cNvSpPr>
-          <p:nvPr>
-            <p:ph type="title"/>
-          </p:nvPr>
-        </p:nvSpPr>
-        <p:spPr/>
-        <p:txBody>
-          <a:bodyPr/>
-          <a:lstStyle/>
-          <a:p>
-            <a:r>
-              <a:rPr lang="pt-BR" b="1" i="0" dirty="0">
-                <a:effectLst/>
-                <a:latin typeface="Söhne"/>
-              </a:rPr>
-              <a:t>Indexação e Desempenho</a:t>
-            </a:r>
-            <a:br>
-              <a:rPr lang="pt-BR" b="1" i="0" dirty="0">
-                <a:effectLst/>
-                <a:latin typeface="Söhne"/>
-              </a:rPr>
-            </a:br>
-            <a:r>
-              <a:rPr lang="pt-BR" sz="2000" dirty="0">
-                <a:latin typeface="Söhne"/>
-              </a:rPr>
-              <a:t>Estratégias para otimização de consultas.</a:t>
-            </a:r>
-            <a:endParaRPr lang="pt-BR" dirty="0"/>
-          </a:p>
-        </p:txBody>
-      </p:sp>
-      <p:sp>
-        <p:nvSpPr>
-          <p:cNvPr id="3" name="Espaço Reservado para Conteúdo 2">
-            <a:extLst>
-              <a:ext uri="{FF2B5EF4-FFF2-40B4-BE49-F238E27FC236}">
-                <a16:creationId xmlns:a16="http://schemas.microsoft.com/office/drawing/2014/main" id="{1812B3A2-0B9F-7A1D-29BE-5783C0E7C666}"/>
-              </a:ext>
-            </a:extLst>
-          </p:cNvPr>
-          <p:cNvSpPr>
-            <a:spLocks noGrp="1"/>
-          </p:cNvSpPr>
-          <p:nvPr>
-            <p:ph idx="1"/>
-          </p:nvPr>
-        </p:nvSpPr>
-        <p:spPr/>
-        <p:txBody>
-          <a:bodyPr/>
-          <a:lstStyle/>
-          <a:p>
-            <a:endParaRPr lang="pt-BR" dirty="0"/>
-          </a:p>
-        </p:txBody>
-      </p:sp>
-      <p:sp>
-        <p:nvSpPr>
-          <p:cNvPr id="4" name="Espaço Reservado para Rodapé 3">
-            <a:extLst>
-              <a:ext uri="{FF2B5EF4-FFF2-40B4-BE49-F238E27FC236}">
-                <a16:creationId xmlns:a16="http://schemas.microsoft.com/office/drawing/2014/main" id="{6739F8A8-C8BA-402C-CBC7-A02F2C81E04B}"/>
-              </a:ext>
-            </a:extLst>
-          </p:cNvPr>
-          <p:cNvSpPr>
-            <a:spLocks noGrp="1"/>
-          </p:cNvSpPr>
-          <p:nvPr>
-            <p:ph type="ftr" sz="quarter" idx="11"/>
-          </p:nvPr>
-        </p:nvSpPr>
-        <p:spPr/>
-        <p:txBody>
-          <a:bodyPr/>
-          <a:lstStyle/>
-          <a:p>
-            <a:r>
-              <a:rPr lang="pt-BR" dirty="0"/>
-              <a:t>https://lucas.gardini.dev</a:t>
-            </a:r>
-          </a:p>
-        </p:txBody>
-      </p:sp>
-      <p:sp>
-        <p:nvSpPr>
-          <p:cNvPr id="5" name="Espaço Reservado para Número de Slide 4">
-            <a:extLst>
-              <a:ext uri="{FF2B5EF4-FFF2-40B4-BE49-F238E27FC236}">
-                <a16:creationId xmlns:a16="http://schemas.microsoft.com/office/drawing/2014/main" id="{DE18193C-5A4B-8531-1D52-CBD20E415CBF}"/>
-              </a:ext>
-            </a:extLst>
-          </p:cNvPr>
-          <p:cNvSpPr>
-            <a:spLocks noGrp="1"/>
-          </p:cNvSpPr>
-          <p:nvPr>
-            <p:ph type="sldNum" sz="quarter" idx="12"/>
-          </p:nvPr>
-        </p:nvSpPr>
-        <p:spPr/>
-        <p:txBody>
-          <a:bodyPr/>
-          <a:lstStyle/>
-          <a:p>
-            <a:fld id="{25237327-9CA3-4762-8749-00D99BA09B6B}" type="slidenum">
-              <a:rPr lang="pt-BR" smtClean="0"/>
-              <a:t>23</a:t>
-            </a:fld>
-            <a:endParaRPr lang="pt-BR"/>
-          </a:p>
-        </p:txBody>
-      </p:sp>
-    </p:spTree>
-    <p:extLst>
-      <p:ext uri="{BB962C8B-B14F-4D97-AF65-F5344CB8AC3E}">
-        <p14:creationId xmlns:p14="http://schemas.microsoft.com/office/powerpoint/2010/main" val="1110606851"/>
-      </p:ext>
-    </p:extLst>
-  </p:cSld>
-  <p:clrMapOvr>
-    <a:masterClrMapping/>
-  </p:clrMapOvr>
-</p:sld>
-</file>
-
-<file path=ppt/slides/slide24.xml><?xml version="1.0" encoding="utf-8"?>
-<p:sld xmlns:a="http://schemas.openxmlformats.org/drawingml/2006/main" xmlns:r="http://schemas.openxmlformats.org/officeDocument/2006/relationships" xmlns:p="http://schemas.openxmlformats.org/presentationml/2006/main">
-  <p:cSld>
-    <p:spTree>
-      <p:nvGrpSpPr>
-        <p:cNvPr id="1" name=""/>
-        <p:cNvGrpSpPr/>
-        <p:nvPr/>
-      </p:nvGrpSpPr>
-      <p:grpSpPr>
-        <a:xfrm>
-          <a:off x="0" y="0"/>
-          <a:ext cx="0" cy="0"/>
-          <a:chOff x="0" y="0"/>
-          <a:chExt cx="0" cy="0"/>
-        </a:xfrm>
-      </p:grpSpPr>
-      <p:sp>
-        <p:nvSpPr>
           <p:cNvPr id="4" name="Espaço Reservado para Número de Slide 3">
             <a:extLst>
               <a:ext uri="{FF2B5EF4-FFF2-40B4-BE49-F238E27FC236}">
@@ -10589,7 +11470,7 @@
                   <a:schemeClr val="tx1"/>
                 </a:solidFill>
               </a:rPr>
-              <a:t>24</a:t>
+              <a:t>23</a:t>
             </a:fld>
             <a:endParaRPr lang="pt-BR" b="1" dirty="0">
               <a:solidFill>
@@ -10797,7 +11678,7 @@
         <p:spPr>
           <a:xfrm>
             <a:off x="670272" y="1726164"/>
-            <a:ext cx="6999032" cy="2308324"/>
+            <a:ext cx="6739345" cy="2308324"/>
           </a:xfrm>
           <a:prstGeom prst="rect">
             <a:avLst/>
@@ -10820,7 +11701,7 @@
                   </a:outerShdw>
                 </a:effectLst>
               </a:rPr>
-              <a:t>AGGREGATION</a:t>
+              <a:t>INDEXAÇÃO E </a:t>
             </a:r>
           </a:p>
           <a:p>
@@ -10834,7 +11715,7 @@
                   </a:outerShdw>
                 </a:effectLst>
               </a:rPr>
-              <a:t>FRAMEWORKS</a:t>
+              <a:t>DESEMPENHO</a:t>
             </a:r>
           </a:p>
         </p:txBody>
@@ -10842,7 +11723,163 @@
     </p:spTree>
     <p:extLst>
       <p:ext uri="{BB962C8B-B14F-4D97-AF65-F5344CB8AC3E}">
-        <p14:creationId xmlns:p14="http://schemas.microsoft.com/office/powerpoint/2010/main" val="454187441"/>
+        <p14:creationId xmlns:p14="http://schemas.microsoft.com/office/powerpoint/2010/main" val="2562749162"/>
+      </p:ext>
+    </p:extLst>
+  </p:cSld>
+  <p:clrMapOvr>
+    <a:masterClrMapping/>
+  </p:clrMapOvr>
+</p:sld>
+</file>
+
+<file path=ppt/slides/slide24.xml><?xml version="1.0" encoding="utf-8"?>
+<p:sld xmlns:a="http://schemas.openxmlformats.org/drawingml/2006/main" xmlns:r="http://schemas.openxmlformats.org/officeDocument/2006/relationships" xmlns:p="http://schemas.openxmlformats.org/presentationml/2006/main">
+  <p:cSld>
+    <p:spTree>
+      <p:nvGrpSpPr>
+        <p:cNvPr id="1" name=""/>
+        <p:cNvGrpSpPr/>
+        <p:nvPr/>
+      </p:nvGrpSpPr>
+      <p:grpSpPr>
+        <a:xfrm>
+          <a:off x="0" y="0"/>
+          <a:ext cx="0" cy="0"/>
+          <a:chOff x="0" y="0"/>
+          <a:chExt cx="0" cy="0"/>
+        </a:xfrm>
+      </p:grpSpPr>
+      <p:sp>
+        <p:nvSpPr>
+          <p:cNvPr id="2" name="Título 1">
+            <a:extLst>
+              <a:ext uri="{FF2B5EF4-FFF2-40B4-BE49-F238E27FC236}">
+                <a16:creationId xmlns:a16="http://schemas.microsoft.com/office/drawing/2014/main" id="{F0EA80E2-15DD-ABEB-539C-D3721B78C834}"/>
+              </a:ext>
+            </a:extLst>
+          </p:cNvPr>
+          <p:cNvSpPr>
+            <a:spLocks noGrp="1"/>
+          </p:cNvSpPr>
+          <p:nvPr>
+            <p:ph type="title"/>
+          </p:nvPr>
+        </p:nvSpPr>
+        <p:spPr/>
+        <p:txBody>
+          <a:bodyPr/>
+          <a:lstStyle/>
+          <a:p>
+            <a:r>
+              <a:rPr lang="pt-BR" b="1" i="0" dirty="0">
+                <a:effectLst/>
+                <a:latin typeface="Söhne"/>
+              </a:rPr>
+              <a:t>Indexação e Desempenho</a:t>
+            </a:r>
+            <a:br>
+              <a:rPr lang="pt-BR" b="1" i="0" dirty="0">
+                <a:effectLst/>
+                <a:latin typeface="Söhne"/>
+              </a:rPr>
+            </a:br>
+            <a:r>
+              <a:rPr lang="pt-BR" sz="2000" dirty="0">
+                <a:latin typeface="Söhne"/>
+              </a:rPr>
+              <a:t>Importância de índices.</a:t>
+            </a:r>
+            <a:endParaRPr lang="pt-BR" dirty="0"/>
+          </a:p>
+        </p:txBody>
+      </p:sp>
+      <p:sp>
+        <p:nvSpPr>
+          <p:cNvPr id="3" name="Espaço Reservado para Conteúdo 2">
+            <a:extLst>
+              <a:ext uri="{FF2B5EF4-FFF2-40B4-BE49-F238E27FC236}">
+                <a16:creationId xmlns:a16="http://schemas.microsoft.com/office/drawing/2014/main" id="{1812B3A2-0B9F-7A1D-29BE-5783C0E7C666}"/>
+              </a:ext>
+            </a:extLst>
+          </p:cNvPr>
+          <p:cNvSpPr>
+            <a:spLocks noGrp="1"/>
+          </p:cNvSpPr>
+          <p:nvPr>
+            <p:ph idx="1"/>
+          </p:nvPr>
+        </p:nvSpPr>
+        <p:spPr/>
+        <p:txBody>
+          <a:bodyPr/>
+          <a:lstStyle/>
+          <a:p>
+            <a:endParaRPr lang="pt-BR" dirty="0"/>
+          </a:p>
+        </p:txBody>
+      </p:sp>
+      <p:sp>
+        <p:nvSpPr>
+          <p:cNvPr id="4" name="Espaço Reservado para Rodapé 3">
+            <a:extLst>
+              <a:ext uri="{FF2B5EF4-FFF2-40B4-BE49-F238E27FC236}">
+                <a16:creationId xmlns:a16="http://schemas.microsoft.com/office/drawing/2014/main" id="{6739F8A8-C8BA-402C-CBC7-A02F2C81E04B}"/>
+              </a:ext>
+            </a:extLst>
+          </p:cNvPr>
+          <p:cNvSpPr>
+            <a:spLocks noGrp="1"/>
+          </p:cNvSpPr>
+          <p:nvPr>
+            <p:ph type="ftr" sz="quarter" idx="11"/>
+          </p:nvPr>
+        </p:nvSpPr>
+        <p:spPr/>
+        <p:txBody>
+          <a:bodyPr/>
+          <a:lstStyle/>
+          <a:p>
+            <a:r>
+              <a:rPr lang="pt-BR" dirty="0"/>
+              <a:t>https://lucas.gardini.dev</a:t>
+            </a:r>
+          </a:p>
+        </p:txBody>
+      </p:sp>
+      <p:sp>
+        <p:nvSpPr>
+          <p:cNvPr id="5" name="Espaço Reservado para Número de Slide 4">
+            <a:extLst>
+              <a:ext uri="{FF2B5EF4-FFF2-40B4-BE49-F238E27FC236}">
+                <a16:creationId xmlns:a16="http://schemas.microsoft.com/office/drawing/2014/main" id="{DE18193C-5A4B-8531-1D52-CBD20E415CBF}"/>
+              </a:ext>
+            </a:extLst>
+          </p:cNvPr>
+          <p:cNvSpPr>
+            <a:spLocks noGrp="1"/>
+          </p:cNvSpPr>
+          <p:nvPr>
+            <p:ph type="sldNum" sz="quarter" idx="12"/>
+          </p:nvPr>
+        </p:nvSpPr>
+        <p:spPr/>
+        <p:txBody>
+          <a:bodyPr/>
+          <a:lstStyle/>
+          <a:p>
+            <a:fld id="{25237327-9CA3-4762-8749-00D99BA09B6B}" type="slidenum">
+              <a:rPr lang="pt-BR" smtClean="0"/>
+              <a:t>24</a:t>
+            </a:fld>
+            <a:endParaRPr lang="pt-BR"/>
+          </a:p>
+        </p:txBody>
+      </p:sp>
+    </p:spTree>
+    <p:extLst>
+      <p:ext uri="{BB962C8B-B14F-4D97-AF65-F5344CB8AC3E}">
+        <p14:creationId xmlns:p14="http://schemas.microsoft.com/office/powerpoint/2010/main" val="366879679"/>
       </p:ext>
     </p:extLst>
   </p:cSld>
@@ -10891,18 +11928,11 @@
           <a:lstStyle/>
           <a:p>
             <a:r>
-              <a:rPr lang="pt-BR" b="1" i="0" dirty="0" err="1">
-                <a:effectLst/>
-                <a:latin typeface="Söhne"/>
-              </a:rPr>
-              <a:t>Aggregation</a:t>
-            </a:r>
-            <a:r>
               <a:rPr lang="pt-BR" b="1" i="0" dirty="0">
                 <a:effectLst/>
                 <a:latin typeface="Söhne"/>
               </a:rPr>
-              <a:t> Frameworks</a:t>
+              <a:t>Indexação e Desempenho</a:t>
             </a:r>
             <a:br>
               <a:rPr lang="pt-BR" b="1" i="0" dirty="0">
@@ -10914,7 +11944,7 @@
               <a:rPr lang="pt-BR" sz="2000" dirty="0">
                 <a:latin typeface="Söhne"/>
               </a:rPr>
-              <a:t>Uso de pipelines para processamento de dados.</a:t>
+              <a:t>Estratégias para otimização de consultas.</a:t>
             </a:r>
             <a:endParaRPr lang="pt-BR" dirty="0"/>
           </a:p>
@@ -11005,7 +12035,7 @@
     </p:spTree>
     <p:extLst>
       <p:ext uri="{BB962C8B-B14F-4D97-AF65-F5344CB8AC3E}">
-        <p14:creationId xmlns:p14="http://schemas.microsoft.com/office/powerpoint/2010/main" val="3911855200"/>
+        <p14:creationId xmlns:p14="http://schemas.microsoft.com/office/powerpoint/2010/main" val="1110606851"/>
       </p:ext>
     </p:extLst>
   </p:cSld>
@@ -11034,169 +12064,6 @@
       </p:grpSpPr>
       <p:sp>
         <p:nvSpPr>
-          <p:cNvPr id="2" name="Título 1">
-            <a:extLst>
-              <a:ext uri="{FF2B5EF4-FFF2-40B4-BE49-F238E27FC236}">
-                <a16:creationId xmlns:a16="http://schemas.microsoft.com/office/drawing/2014/main" id="{F0EA80E2-15DD-ABEB-539C-D3721B78C834}"/>
-              </a:ext>
-            </a:extLst>
-          </p:cNvPr>
-          <p:cNvSpPr>
-            <a:spLocks noGrp="1"/>
-          </p:cNvSpPr>
-          <p:nvPr>
-            <p:ph type="title"/>
-          </p:nvPr>
-        </p:nvSpPr>
-        <p:spPr/>
-        <p:txBody>
-          <a:bodyPr/>
-          <a:lstStyle/>
-          <a:p>
-            <a:r>
-              <a:rPr lang="pt-BR" b="1" i="0" dirty="0" err="1">
-                <a:effectLst/>
-                <a:latin typeface="Söhne"/>
-              </a:rPr>
-              <a:t>Aggregation</a:t>
-            </a:r>
-            <a:r>
-              <a:rPr lang="pt-BR" b="1" i="0" dirty="0">
-                <a:effectLst/>
-                <a:latin typeface="Söhne"/>
-              </a:rPr>
-              <a:t> Frameworks</a:t>
-            </a:r>
-            <a:br>
-              <a:rPr lang="pt-BR" b="1" i="0" dirty="0">
-                <a:effectLst/>
-                <a:latin typeface="Söhne"/>
-              </a:rPr>
-            </a:br>
-            <a:r>
-              <a:rPr lang="pt-BR" sz="2000" dirty="0">
-                <a:latin typeface="Söhne"/>
-              </a:rPr>
-              <a:t>Exemplos práticos.</a:t>
-            </a:r>
-            <a:endParaRPr lang="pt-BR" dirty="0"/>
-          </a:p>
-        </p:txBody>
-      </p:sp>
-      <p:sp>
-        <p:nvSpPr>
-          <p:cNvPr id="3" name="Espaço Reservado para Conteúdo 2">
-            <a:extLst>
-              <a:ext uri="{FF2B5EF4-FFF2-40B4-BE49-F238E27FC236}">
-                <a16:creationId xmlns:a16="http://schemas.microsoft.com/office/drawing/2014/main" id="{1812B3A2-0B9F-7A1D-29BE-5783C0E7C666}"/>
-              </a:ext>
-            </a:extLst>
-          </p:cNvPr>
-          <p:cNvSpPr>
-            <a:spLocks noGrp="1"/>
-          </p:cNvSpPr>
-          <p:nvPr>
-            <p:ph idx="1"/>
-          </p:nvPr>
-        </p:nvSpPr>
-        <p:spPr/>
-        <p:txBody>
-          <a:bodyPr/>
-          <a:lstStyle/>
-          <a:p>
-            <a:endParaRPr lang="pt-BR" dirty="0"/>
-          </a:p>
-        </p:txBody>
-      </p:sp>
-      <p:sp>
-        <p:nvSpPr>
-          <p:cNvPr id="4" name="Espaço Reservado para Rodapé 3">
-            <a:extLst>
-              <a:ext uri="{FF2B5EF4-FFF2-40B4-BE49-F238E27FC236}">
-                <a16:creationId xmlns:a16="http://schemas.microsoft.com/office/drawing/2014/main" id="{6739F8A8-C8BA-402C-CBC7-A02F2C81E04B}"/>
-              </a:ext>
-            </a:extLst>
-          </p:cNvPr>
-          <p:cNvSpPr>
-            <a:spLocks noGrp="1"/>
-          </p:cNvSpPr>
-          <p:nvPr>
-            <p:ph type="ftr" sz="quarter" idx="11"/>
-          </p:nvPr>
-        </p:nvSpPr>
-        <p:spPr/>
-        <p:txBody>
-          <a:bodyPr/>
-          <a:lstStyle/>
-          <a:p>
-            <a:r>
-              <a:rPr lang="pt-BR" dirty="0"/>
-              <a:t>https://lucas.gardini.dev</a:t>
-            </a:r>
-          </a:p>
-        </p:txBody>
-      </p:sp>
-      <p:sp>
-        <p:nvSpPr>
-          <p:cNvPr id="5" name="Espaço Reservado para Número de Slide 4">
-            <a:extLst>
-              <a:ext uri="{FF2B5EF4-FFF2-40B4-BE49-F238E27FC236}">
-                <a16:creationId xmlns:a16="http://schemas.microsoft.com/office/drawing/2014/main" id="{DE18193C-5A4B-8531-1D52-CBD20E415CBF}"/>
-              </a:ext>
-            </a:extLst>
-          </p:cNvPr>
-          <p:cNvSpPr>
-            <a:spLocks noGrp="1"/>
-          </p:cNvSpPr>
-          <p:nvPr>
-            <p:ph type="sldNum" sz="quarter" idx="12"/>
-          </p:nvPr>
-        </p:nvSpPr>
-        <p:spPr/>
-        <p:txBody>
-          <a:bodyPr/>
-          <a:lstStyle/>
-          <a:p>
-            <a:fld id="{25237327-9CA3-4762-8749-00D99BA09B6B}" type="slidenum">
-              <a:rPr lang="pt-BR" smtClean="0"/>
-              <a:t>26</a:t>
-            </a:fld>
-            <a:endParaRPr lang="pt-BR"/>
-          </a:p>
-        </p:txBody>
-      </p:sp>
-    </p:spTree>
-    <p:extLst>
-      <p:ext uri="{BB962C8B-B14F-4D97-AF65-F5344CB8AC3E}">
-        <p14:creationId xmlns:p14="http://schemas.microsoft.com/office/powerpoint/2010/main" val="164609262"/>
-      </p:ext>
-    </p:extLst>
-  </p:cSld>
-  <p:clrMapOvr>
-    <a:masterClrMapping/>
-  </p:clrMapOvr>
-</p:sld>
-</file>
-
-<file path=ppt/slides/slide27.xml><?xml version="1.0" encoding="utf-8"?>
-<p:sld xmlns:a="http://schemas.openxmlformats.org/drawingml/2006/main" xmlns:r="http://schemas.openxmlformats.org/officeDocument/2006/relationships" xmlns:p="http://schemas.openxmlformats.org/presentationml/2006/main">
-  <p:cSld>
-    <p:spTree>
-      <p:nvGrpSpPr>
-        <p:cNvPr id="1" name=""/>
-        <p:cNvGrpSpPr/>
-        <p:nvPr/>
-      </p:nvGrpSpPr>
-      <p:grpSpPr>
-        <a:xfrm>
-          <a:off x="0" y="0"/>
-          <a:ext cx="0" cy="0"/>
-          <a:chOff x="0" y="0"/>
-          <a:chExt cx="0" cy="0"/>
-        </a:xfrm>
-      </p:grpSpPr>
-      <p:sp>
-        <p:nvSpPr>
           <p:cNvPr id="4" name="Espaço Reservado para Número de Slide 3">
             <a:extLst>
               <a:ext uri="{FF2B5EF4-FFF2-40B4-BE49-F238E27FC236}">
@@ -11227,7 +12094,7 @@
                   <a:schemeClr val="tx1"/>
                 </a:solidFill>
               </a:rPr>
-              <a:t>27</a:t>
+              <a:t>26</a:t>
             </a:fld>
             <a:endParaRPr lang="pt-BR" b="1" dirty="0">
               <a:solidFill>
@@ -11435,7 +12302,7 @@
         <p:spPr>
           <a:xfrm>
             <a:off x="670272" y="1726164"/>
-            <a:ext cx="5817618" cy="1200329"/>
+            <a:ext cx="6999032" cy="2308324"/>
           </a:xfrm>
           <a:prstGeom prst="rect">
             <a:avLst/>
@@ -11458,7 +12325,21 @@
                   </a:outerShdw>
                 </a:effectLst>
               </a:rPr>
-              <a:t>SEGURANÇA</a:t>
+              <a:t>AGGREGATION</a:t>
+            </a:r>
+          </a:p>
+          <a:p>
+            <a:r>
+              <a:rPr lang="pt-BR" sz="7200" b="1" dirty="0">
+                <a:effectLst>
+                  <a:outerShdw blurRad="50800" dist="38100" dir="2700000" algn="tl" rotWithShape="0">
+                    <a:prstClr val="black">
+                      <a:alpha val="40000"/>
+                    </a:prstClr>
+                  </a:outerShdw>
+                </a:effectLst>
+              </a:rPr>
+              <a:t>FRAMEWORKS</a:t>
             </a:r>
           </a:p>
         </p:txBody>
@@ -11466,7 +12347,170 @@
     </p:spTree>
     <p:extLst>
       <p:ext uri="{BB962C8B-B14F-4D97-AF65-F5344CB8AC3E}">
-        <p14:creationId xmlns:p14="http://schemas.microsoft.com/office/powerpoint/2010/main" val="1859950295"/>
+        <p14:creationId xmlns:p14="http://schemas.microsoft.com/office/powerpoint/2010/main" val="454187441"/>
+      </p:ext>
+    </p:extLst>
+  </p:cSld>
+  <p:clrMapOvr>
+    <a:masterClrMapping/>
+  </p:clrMapOvr>
+</p:sld>
+</file>
+
+<file path=ppt/slides/slide27.xml><?xml version="1.0" encoding="utf-8"?>
+<p:sld xmlns:a="http://schemas.openxmlformats.org/drawingml/2006/main" xmlns:r="http://schemas.openxmlformats.org/officeDocument/2006/relationships" xmlns:p="http://schemas.openxmlformats.org/presentationml/2006/main">
+  <p:cSld>
+    <p:spTree>
+      <p:nvGrpSpPr>
+        <p:cNvPr id="1" name=""/>
+        <p:cNvGrpSpPr/>
+        <p:nvPr/>
+      </p:nvGrpSpPr>
+      <p:grpSpPr>
+        <a:xfrm>
+          <a:off x="0" y="0"/>
+          <a:ext cx="0" cy="0"/>
+          <a:chOff x="0" y="0"/>
+          <a:chExt cx="0" cy="0"/>
+        </a:xfrm>
+      </p:grpSpPr>
+      <p:sp>
+        <p:nvSpPr>
+          <p:cNvPr id="2" name="Título 1">
+            <a:extLst>
+              <a:ext uri="{FF2B5EF4-FFF2-40B4-BE49-F238E27FC236}">
+                <a16:creationId xmlns:a16="http://schemas.microsoft.com/office/drawing/2014/main" id="{F0EA80E2-15DD-ABEB-539C-D3721B78C834}"/>
+              </a:ext>
+            </a:extLst>
+          </p:cNvPr>
+          <p:cNvSpPr>
+            <a:spLocks noGrp="1"/>
+          </p:cNvSpPr>
+          <p:nvPr>
+            <p:ph type="title"/>
+          </p:nvPr>
+        </p:nvSpPr>
+        <p:spPr/>
+        <p:txBody>
+          <a:bodyPr/>
+          <a:lstStyle/>
+          <a:p>
+            <a:r>
+              <a:rPr lang="pt-BR" b="1" i="0" dirty="0" err="1">
+                <a:effectLst/>
+                <a:latin typeface="Söhne"/>
+              </a:rPr>
+              <a:t>Aggregation</a:t>
+            </a:r>
+            <a:r>
+              <a:rPr lang="pt-BR" b="1" i="0" dirty="0">
+                <a:effectLst/>
+                <a:latin typeface="Söhne"/>
+              </a:rPr>
+              <a:t> Frameworks</a:t>
+            </a:r>
+            <a:br>
+              <a:rPr lang="pt-BR" b="1" i="0" dirty="0">
+                <a:effectLst/>
+                <a:latin typeface="Söhne"/>
+              </a:rPr>
+            </a:br>
+            <a:r>
+              <a:rPr lang="pt-BR" sz="2000" dirty="0">
+                <a:latin typeface="Söhne"/>
+              </a:rPr>
+              <a:t>Uso de pipelines para processamento de dados.</a:t>
+            </a:r>
+            <a:endParaRPr lang="pt-BR" dirty="0"/>
+          </a:p>
+        </p:txBody>
+      </p:sp>
+      <p:sp>
+        <p:nvSpPr>
+          <p:cNvPr id="3" name="Espaço Reservado para Conteúdo 2">
+            <a:extLst>
+              <a:ext uri="{FF2B5EF4-FFF2-40B4-BE49-F238E27FC236}">
+                <a16:creationId xmlns:a16="http://schemas.microsoft.com/office/drawing/2014/main" id="{1812B3A2-0B9F-7A1D-29BE-5783C0E7C666}"/>
+              </a:ext>
+            </a:extLst>
+          </p:cNvPr>
+          <p:cNvSpPr>
+            <a:spLocks noGrp="1"/>
+          </p:cNvSpPr>
+          <p:nvPr>
+            <p:ph idx="1"/>
+          </p:nvPr>
+        </p:nvSpPr>
+        <p:spPr/>
+        <p:txBody>
+          <a:bodyPr/>
+          <a:lstStyle/>
+          <a:p>
+            <a:endParaRPr lang="pt-BR" dirty="0"/>
+          </a:p>
+        </p:txBody>
+      </p:sp>
+      <p:sp>
+        <p:nvSpPr>
+          <p:cNvPr id="4" name="Espaço Reservado para Rodapé 3">
+            <a:extLst>
+              <a:ext uri="{FF2B5EF4-FFF2-40B4-BE49-F238E27FC236}">
+                <a16:creationId xmlns:a16="http://schemas.microsoft.com/office/drawing/2014/main" id="{6739F8A8-C8BA-402C-CBC7-A02F2C81E04B}"/>
+              </a:ext>
+            </a:extLst>
+          </p:cNvPr>
+          <p:cNvSpPr>
+            <a:spLocks noGrp="1"/>
+          </p:cNvSpPr>
+          <p:nvPr>
+            <p:ph type="ftr" sz="quarter" idx="11"/>
+          </p:nvPr>
+        </p:nvSpPr>
+        <p:spPr/>
+        <p:txBody>
+          <a:bodyPr/>
+          <a:lstStyle/>
+          <a:p>
+            <a:r>
+              <a:rPr lang="pt-BR" dirty="0"/>
+              <a:t>https://lucas.gardini.dev</a:t>
+            </a:r>
+          </a:p>
+        </p:txBody>
+      </p:sp>
+      <p:sp>
+        <p:nvSpPr>
+          <p:cNvPr id="5" name="Espaço Reservado para Número de Slide 4">
+            <a:extLst>
+              <a:ext uri="{FF2B5EF4-FFF2-40B4-BE49-F238E27FC236}">
+                <a16:creationId xmlns:a16="http://schemas.microsoft.com/office/drawing/2014/main" id="{DE18193C-5A4B-8531-1D52-CBD20E415CBF}"/>
+              </a:ext>
+            </a:extLst>
+          </p:cNvPr>
+          <p:cNvSpPr>
+            <a:spLocks noGrp="1"/>
+          </p:cNvSpPr>
+          <p:nvPr>
+            <p:ph type="sldNum" sz="quarter" idx="12"/>
+          </p:nvPr>
+        </p:nvSpPr>
+        <p:spPr/>
+        <p:txBody>
+          <a:bodyPr/>
+          <a:lstStyle/>
+          <a:p>
+            <a:fld id="{25237327-9CA3-4762-8749-00D99BA09B6B}" type="slidenum">
+              <a:rPr lang="pt-BR" smtClean="0"/>
+              <a:t>27</a:t>
+            </a:fld>
+            <a:endParaRPr lang="pt-BR"/>
+          </a:p>
+        </p:txBody>
+      </p:sp>
+    </p:spTree>
+    <p:extLst>
+      <p:ext uri="{BB962C8B-B14F-4D97-AF65-F5344CB8AC3E}">
+        <p14:creationId xmlns:p14="http://schemas.microsoft.com/office/powerpoint/2010/main" val="3911855200"/>
       </p:ext>
     </p:extLst>
   </p:cSld>
@@ -11515,11 +12559,18 @@
           <a:lstStyle/>
           <a:p>
             <a:r>
+              <a:rPr lang="pt-BR" b="1" i="0" dirty="0" err="1">
+                <a:effectLst/>
+                <a:latin typeface="Söhne"/>
+              </a:rPr>
+              <a:t>Aggregation</a:t>
+            </a:r>
+            <a:r>
               <a:rPr lang="pt-BR" b="1" i="0" dirty="0">
                 <a:effectLst/>
                 <a:latin typeface="Söhne"/>
               </a:rPr>
-              <a:t>Segurança</a:t>
+              <a:t> Frameworks</a:t>
             </a:r>
             <a:br>
               <a:rPr lang="pt-BR" b="1" i="0" dirty="0">
@@ -11531,7 +12582,7 @@
               <a:rPr lang="pt-BR" sz="2000" dirty="0">
                 <a:latin typeface="Söhne"/>
               </a:rPr>
-              <a:t>Autenticação e autorização.</a:t>
+              <a:t>Exemplos práticos.</a:t>
             </a:r>
             <a:endParaRPr lang="pt-BR" dirty="0"/>
           </a:p>
@@ -11622,7 +12673,7 @@
     </p:spTree>
     <p:extLst>
       <p:ext uri="{BB962C8B-B14F-4D97-AF65-F5344CB8AC3E}">
-        <p14:creationId xmlns:p14="http://schemas.microsoft.com/office/powerpoint/2010/main" val="1900832391"/>
+        <p14:creationId xmlns:p14="http://schemas.microsoft.com/office/powerpoint/2010/main" val="164609262"/>
       </p:ext>
     </p:extLst>
   </p:cSld>
@@ -11651,476 +12702,6 @@
       </p:grpSpPr>
       <p:sp>
         <p:nvSpPr>
-          <p:cNvPr id="2" name="Título 1">
-            <a:extLst>
-              <a:ext uri="{FF2B5EF4-FFF2-40B4-BE49-F238E27FC236}">
-                <a16:creationId xmlns:a16="http://schemas.microsoft.com/office/drawing/2014/main" id="{F0EA80E2-15DD-ABEB-539C-D3721B78C834}"/>
-              </a:ext>
-            </a:extLst>
-          </p:cNvPr>
-          <p:cNvSpPr>
-            <a:spLocks noGrp="1"/>
-          </p:cNvSpPr>
-          <p:nvPr>
-            <p:ph type="title"/>
-          </p:nvPr>
-        </p:nvSpPr>
-        <p:spPr/>
-        <p:txBody>
-          <a:bodyPr/>
-          <a:lstStyle/>
-          <a:p>
-            <a:r>
-              <a:rPr lang="pt-BR" b="1" i="0" dirty="0">
-                <a:effectLst/>
-                <a:latin typeface="Söhne"/>
-              </a:rPr>
-              <a:t>Segurança</a:t>
-            </a:r>
-            <a:br>
-              <a:rPr lang="pt-BR" b="1" i="0" dirty="0">
-                <a:effectLst/>
-                <a:latin typeface="Söhne"/>
-              </a:rPr>
-            </a:br>
-            <a:r>
-              <a:rPr lang="pt-BR" sz="2000" dirty="0">
-                <a:latin typeface="Söhne"/>
-              </a:rPr>
-              <a:t>Boas práticas de segurança.</a:t>
-            </a:r>
-            <a:endParaRPr lang="pt-BR" dirty="0"/>
-          </a:p>
-        </p:txBody>
-      </p:sp>
-      <p:sp>
-        <p:nvSpPr>
-          <p:cNvPr id="3" name="Espaço Reservado para Conteúdo 2">
-            <a:extLst>
-              <a:ext uri="{FF2B5EF4-FFF2-40B4-BE49-F238E27FC236}">
-                <a16:creationId xmlns:a16="http://schemas.microsoft.com/office/drawing/2014/main" id="{1812B3A2-0B9F-7A1D-29BE-5783C0E7C666}"/>
-              </a:ext>
-            </a:extLst>
-          </p:cNvPr>
-          <p:cNvSpPr>
-            <a:spLocks noGrp="1"/>
-          </p:cNvSpPr>
-          <p:nvPr>
-            <p:ph idx="1"/>
-          </p:nvPr>
-        </p:nvSpPr>
-        <p:spPr/>
-        <p:txBody>
-          <a:bodyPr/>
-          <a:lstStyle/>
-          <a:p>
-            <a:endParaRPr lang="pt-BR" dirty="0"/>
-          </a:p>
-        </p:txBody>
-      </p:sp>
-      <p:sp>
-        <p:nvSpPr>
-          <p:cNvPr id="4" name="Espaço Reservado para Rodapé 3">
-            <a:extLst>
-              <a:ext uri="{FF2B5EF4-FFF2-40B4-BE49-F238E27FC236}">
-                <a16:creationId xmlns:a16="http://schemas.microsoft.com/office/drawing/2014/main" id="{6739F8A8-C8BA-402C-CBC7-A02F2C81E04B}"/>
-              </a:ext>
-            </a:extLst>
-          </p:cNvPr>
-          <p:cNvSpPr>
-            <a:spLocks noGrp="1"/>
-          </p:cNvSpPr>
-          <p:nvPr>
-            <p:ph type="ftr" sz="quarter" idx="11"/>
-          </p:nvPr>
-        </p:nvSpPr>
-        <p:spPr/>
-        <p:txBody>
-          <a:bodyPr/>
-          <a:lstStyle/>
-          <a:p>
-            <a:r>
-              <a:rPr lang="pt-BR" dirty="0"/>
-              <a:t>https://lucas.gardini.dev</a:t>
-            </a:r>
-          </a:p>
-        </p:txBody>
-      </p:sp>
-      <p:sp>
-        <p:nvSpPr>
-          <p:cNvPr id="5" name="Espaço Reservado para Número de Slide 4">
-            <a:extLst>
-              <a:ext uri="{FF2B5EF4-FFF2-40B4-BE49-F238E27FC236}">
-                <a16:creationId xmlns:a16="http://schemas.microsoft.com/office/drawing/2014/main" id="{DE18193C-5A4B-8531-1D52-CBD20E415CBF}"/>
-              </a:ext>
-            </a:extLst>
-          </p:cNvPr>
-          <p:cNvSpPr>
-            <a:spLocks noGrp="1"/>
-          </p:cNvSpPr>
-          <p:nvPr>
-            <p:ph type="sldNum" sz="quarter" idx="12"/>
-          </p:nvPr>
-        </p:nvSpPr>
-        <p:spPr/>
-        <p:txBody>
-          <a:bodyPr/>
-          <a:lstStyle/>
-          <a:p>
-            <a:fld id="{25237327-9CA3-4762-8749-00D99BA09B6B}" type="slidenum">
-              <a:rPr lang="pt-BR" smtClean="0"/>
-              <a:t>29</a:t>
-            </a:fld>
-            <a:endParaRPr lang="pt-BR"/>
-          </a:p>
-        </p:txBody>
-      </p:sp>
-    </p:spTree>
-    <p:extLst>
-      <p:ext uri="{BB962C8B-B14F-4D97-AF65-F5344CB8AC3E}">
-        <p14:creationId xmlns:p14="http://schemas.microsoft.com/office/powerpoint/2010/main" val="2782248189"/>
-      </p:ext>
-    </p:extLst>
-  </p:cSld>
-  <p:clrMapOvr>
-    <a:masterClrMapping/>
-  </p:clrMapOvr>
-</p:sld>
-</file>
-
-<file path=ppt/slides/slide3.xml><?xml version="1.0" encoding="utf-8"?>
-<p:sld xmlns:a="http://schemas.openxmlformats.org/drawingml/2006/main" xmlns:r="http://schemas.openxmlformats.org/officeDocument/2006/relationships" xmlns:p="http://schemas.openxmlformats.org/presentationml/2006/main">
-  <p:cSld>
-    <p:spTree>
-      <p:nvGrpSpPr>
-        <p:cNvPr id="1" name=""/>
-        <p:cNvGrpSpPr/>
-        <p:nvPr/>
-      </p:nvGrpSpPr>
-      <p:grpSpPr>
-        <a:xfrm>
-          <a:off x="0" y="0"/>
-          <a:ext cx="0" cy="0"/>
-          <a:chOff x="0" y="0"/>
-          <a:chExt cx="0" cy="0"/>
-        </a:xfrm>
-      </p:grpSpPr>
-      <p:sp>
-        <p:nvSpPr>
-          <p:cNvPr id="2" name="Título 1">
-            <a:extLst>
-              <a:ext uri="{FF2B5EF4-FFF2-40B4-BE49-F238E27FC236}">
-                <a16:creationId xmlns:a16="http://schemas.microsoft.com/office/drawing/2014/main" id="{F0EA80E2-15DD-ABEB-539C-D3721B78C834}"/>
-              </a:ext>
-            </a:extLst>
-          </p:cNvPr>
-          <p:cNvSpPr>
-            <a:spLocks noGrp="1"/>
-          </p:cNvSpPr>
-          <p:nvPr>
-            <p:ph type="title"/>
-          </p:nvPr>
-        </p:nvSpPr>
-        <p:spPr/>
-        <p:txBody>
-          <a:bodyPr/>
-          <a:lstStyle/>
-          <a:p>
-            <a:r>
-              <a:rPr lang="pt-BR" b="1" i="0" dirty="0">
-                <a:effectLst/>
-                <a:latin typeface="Söhne"/>
-              </a:rPr>
-              <a:t>Introdução ao </a:t>
-            </a:r>
-            <a:r>
-              <a:rPr lang="pt-BR" b="1" i="0" dirty="0" err="1">
-                <a:effectLst/>
-                <a:latin typeface="Söhne"/>
-              </a:rPr>
-              <a:t>MongoDB</a:t>
-            </a:r>
-            <a:br>
-              <a:rPr lang="pt-BR" b="1" i="0" dirty="0">
-                <a:effectLst/>
-                <a:latin typeface="Söhne"/>
-              </a:rPr>
-            </a:br>
-            <a:r>
-              <a:rPr lang="pt-BR" sz="2000" b="1" i="0" dirty="0">
-                <a:effectLst/>
-                <a:latin typeface="Söhne"/>
-              </a:rPr>
-              <a:t>O que é um banco de dados </a:t>
-            </a:r>
-            <a:r>
-              <a:rPr lang="pt-BR" sz="2000" b="1" i="0" dirty="0" err="1">
-                <a:effectLst/>
-                <a:latin typeface="Söhne"/>
-              </a:rPr>
-              <a:t>NoSQL</a:t>
-            </a:r>
-            <a:r>
-              <a:rPr lang="pt-BR" sz="2000" b="1" i="0" dirty="0">
-                <a:effectLst/>
-                <a:latin typeface="Söhne"/>
-              </a:rPr>
-              <a:t>?</a:t>
-            </a:r>
-            <a:endParaRPr lang="pt-BR" dirty="0"/>
-          </a:p>
-        </p:txBody>
-      </p:sp>
-      <p:sp>
-        <p:nvSpPr>
-          <p:cNvPr id="3" name="Espaço Reservado para Conteúdo 2">
-            <a:extLst>
-              <a:ext uri="{FF2B5EF4-FFF2-40B4-BE49-F238E27FC236}">
-                <a16:creationId xmlns:a16="http://schemas.microsoft.com/office/drawing/2014/main" id="{1812B3A2-0B9F-7A1D-29BE-5783C0E7C666}"/>
-              </a:ext>
-            </a:extLst>
-          </p:cNvPr>
-          <p:cNvSpPr>
-            <a:spLocks noGrp="1"/>
-          </p:cNvSpPr>
-          <p:nvPr>
-            <p:ph idx="1"/>
-          </p:nvPr>
-        </p:nvSpPr>
-        <p:spPr>
-          <a:xfrm>
-            <a:off x="818712" y="2660437"/>
-            <a:ext cx="10554574" cy="3636511"/>
-          </a:xfrm>
-        </p:spPr>
-        <p:txBody>
-          <a:bodyPr anchor="t"/>
-          <a:lstStyle/>
-          <a:p>
-            <a:pPr marL="0" indent="0" algn="just">
-              <a:buNone/>
-            </a:pPr>
-            <a:r>
-              <a:rPr lang="pt-BR" dirty="0">
-                <a:latin typeface="Segoe UI" panose="020B0502040204020203" pitchFamily="34" charset="0"/>
-                <a:cs typeface="Segoe UI" panose="020B0502040204020203" pitchFamily="34" charset="0"/>
-              </a:rPr>
-              <a:t>Bancos de dados </a:t>
-            </a:r>
-            <a:r>
-              <a:rPr lang="pt-BR" dirty="0" err="1">
-                <a:latin typeface="Segoe UI" panose="020B0502040204020203" pitchFamily="34" charset="0"/>
-                <a:cs typeface="Segoe UI" panose="020B0502040204020203" pitchFamily="34" charset="0"/>
-              </a:rPr>
-              <a:t>NoSQL</a:t>
-            </a:r>
-            <a:r>
-              <a:rPr lang="pt-BR" dirty="0">
-                <a:latin typeface="Segoe UI" panose="020B0502040204020203" pitchFamily="34" charset="0"/>
-                <a:cs typeface="Segoe UI" panose="020B0502040204020203" pitchFamily="34" charset="0"/>
-              </a:rPr>
-              <a:t> (também conhecidos como "</a:t>
-            </a:r>
-            <a:r>
-              <a:rPr lang="pt-BR" dirty="0" err="1">
-                <a:latin typeface="Segoe UI" panose="020B0502040204020203" pitchFamily="34" charset="0"/>
-                <a:cs typeface="Segoe UI" panose="020B0502040204020203" pitchFamily="34" charset="0"/>
-              </a:rPr>
-              <a:t>not</a:t>
-            </a:r>
-            <a:r>
-              <a:rPr lang="pt-BR" dirty="0">
-                <a:latin typeface="Segoe UI" panose="020B0502040204020203" pitchFamily="34" charset="0"/>
-                <a:cs typeface="Segoe UI" panose="020B0502040204020203" pitchFamily="34" charset="0"/>
-              </a:rPr>
-              <a:t> </a:t>
-            </a:r>
-            <a:r>
-              <a:rPr lang="pt-BR" dirty="0" err="1">
-                <a:latin typeface="Segoe UI" panose="020B0502040204020203" pitchFamily="34" charset="0"/>
-                <a:cs typeface="Segoe UI" panose="020B0502040204020203" pitchFamily="34" charset="0"/>
-              </a:rPr>
-              <a:t>only</a:t>
-            </a:r>
-            <a:r>
-              <a:rPr lang="pt-BR" dirty="0">
-                <a:latin typeface="Segoe UI" panose="020B0502040204020203" pitchFamily="34" charset="0"/>
-                <a:cs typeface="Segoe UI" panose="020B0502040204020203" pitchFamily="34" charset="0"/>
-              </a:rPr>
-              <a:t> SQL") são bancos de dados não tabulares (sem tabelas) que armazenam dados de maneira diferente das tabelas relacionais.</a:t>
-            </a:r>
-          </a:p>
-          <a:p>
-            <a:pPr marL="0" indent="0" algn="just">
-              <a:buNone/>
-            </a:pPr>
-            <a:endParaRPr lang="pt-BR" dirty="0">
-              <a:latin typeface="Segoe UI" panose="020B0502040204020203" pitchFamily="34" charset="0"/>
-              <a:cs typeface="Segoe UI" panose="020B0502040204020203" pitchFamily="34" charset="0"/>
-            </a:endParaRPr>
-          </a:p>
-          <a:p>
-            <a:pPr marL="0" indent="0" algn="just">
-              <a:buNone/>
-            </a:pPr>
-            <a:r>
-              <a:rPr lang="pt-BR" dirty="0">
-                <a:latin typeface="Segoe UI" panose="020B0502040204020203" pitchFamily="34" charset="0"/>
-                <a:cs typeface="Segoe UI" panose="020B0502040204020203" pitchFamily="34" charset="0"/>
-              </a:rPr>
-              <a:t>Bancos de dados </a:t>
-            </a:r>
-            <a:r>
-              <a:rPr lang="pt-BR" dirty="0" err="1">
-                <a:latin typeface="Segoe UI" panose="020B0502040204020203" pitchFamily="34" charset="0"/>
-                <a:cs typeface="Segoe UI" panose="020B0502040204020203" pitchFamily="34" charset="0"/>
-              </a:rPr>
-              <a:t>NoSQL</a:t>
-            </a:r>
-            <a:r>
-              <a:rPr lang="pt-BR" dirty="0">
-                <a:latin typeface="Segoe UI" panose="020B0502040204020203" pitchFamily="34" charset="0"/>
-                <a:cs typeface="Segoe UI" panose="020B0502040204020203" pitchFamily="34" charset="0"/>
-              </a:rPr>
-              <a:t> vêm em uma variedade de tipos com base em seu modelo de dados.</a:t>
-            </a:r>
-          </a:p>
-          <a:p>
-            <a:pPr marL="0" indent="0" algn="just">
-              <a:buNone/>
-            </a:pPr>
-            <a:endParaRPr lang="pt-BR" dirty="0">
-              <a:latin typeface="Segoe UI" panose="020B0502040204020203" pitchFamily="34" charset="0"/>
-              <a:cs typeface="Segoe UI" panose="020B0502040204020203" pitchFamily="34" charset="0"/>
-            </a:endParaRPr>
-          </a:p>
-          <a:p>
-            <a:pPr marL="0" indent="0" algn="just">
-              <a:buNone/>
-            </a:pPr>
-            <a:r>
-              <a:rPr lang="pt-BR" dirty="0">
-                <a:latin typeface="Segoe UI" panose="020B0502040204020203" pitchFamily="34" charset="0"/>
-                <a:cs typeface="Segoe UI" panose="020B0502040204020203" pitchFamily="34" charset="0"/>
-              </a:rPr>
-              <a:t> Os principais tipos são documento, chave-valor e grafo. </a:t>
-            </a:r>
-          </a:p>
-          <a:p>
-            <a:pPr marL="0" indent="0" algn="just">
-              <a:buNone/>
-            </a:pPr>
-            <a:endParaRPr lang="pt-BR" dirty="0">
-              <a:latin typeface="Segoe UI" panose="020B0502040204020203" pitchFamily="34" charset="0"/>
-              <a:cs typeface="Segoe UI" panose="020B0502040204020203" pitchFamily="34" charset="0"/>
-            </a:endParaRPr>
-          </a:p>
-          <a:p>
-            <a:pPr marL="0" indent="0" algn="just">
-              <a:buNone/>
-            </a:pPr>
-            <a:r>
-              <a:rPr lang="pt-BR" dirty="0">
-                <a:latin typeface="Segoe UI" panose="020B0502040204020203" pitchFamily="34" charset="0"/>
-                <a:cs typeface="Segoe UI" panose="020B0502040204020203" pitchFamily="34" charset="0"/>
-              </a:rPr>
-              <a:t>Eles oferecem esquemas flexíveis e escalonam facilmente com grandes volumes de dados e cargas de usuários elevadas.</a:t>
-            </a:r>
-          </a:p>
-        </p:txBody>
-      </p:sp>
-      <p:sp>
-        <p:nvSpPr>
-          <p:cNvPr id="4" name="Espaço Reservado para Rodapé 3">
-            <a:extLst>
-              <a:ext uri="{FF2B5EF4-FFF2-40B4-BE49-F238E27FC236}">
-                <a16:creationId xmlns:a16="http://schemas.microsoft.com/office/drawing/2014/main" id="{6739F8A8-C8BA-402C-CBC7-A02F2C81E04B}"/>
-              </a:ext>
-            </a:extLst>
-          </p:cNvPr>
-          <p:cNvSpPr>
-            <a:spLocks noGrp="1"/>
-          </p:cNvSpPr>
-          <p:nvPr>
-            <p:ph type="ftr" sz="quarter" idx="11"/>
-          </p:nvPr>
-        </p:nvSpPr>
-        <p:spPr/>
-        <p:txBody>
-          <a:bodyPr/>
-          <a:lstStyle/>
-          <a:p>
-            <a:r>
-              <a:rPr lang="pt-BR" dirty="0"/>
-              <a:t>https://lucas.gardini.dev</a:t>
-            </a:r>
-          </a:p>
-        </p:txBody>
-      </p:sp>
-      <p:sp>
-        <p:nvSpPr>
-          <p:cNvPr id="5" name="Espaço Reservado para Número de Slide 4">
-            <a:extLst>
-              <a:ext uri="{FF2B5EF4-FFF2-40B4-BE49-F238E27FC236}">
-                <a16:creationId xmlns:a16="http://schemas.microsoft.com/office/drawing/2014/main" id="{DE18193C-5A4B-8531-1D52-CBD20E415CBF}"/>
-              </a:ext>
-            </a:extLst>
-          </p:cNvPr>
-          <p:cNvSpPr>
-            <a:spLocks noGrp="1"/>
-          </p:cNvSpPr>
-          <p:nvPr>
-            <p:ph type="sldNum" sz="quarter" idx="12"/>
-          </p:nvPr>
-        </p:nvSpPr>
-        <p:spPr/>
-        <p:txBody>
-          <a:bodyPr/>
-          <a:lstStyle/>
-          <a:p>
-            <a:fld id="{25237327-9CA3-4762-8749-00D99BA09B6B}" type="slidenum">
-              <a:rPr lang="pt-BR" smtClean="0"/>
-              <a:t>3</a:t>
-            </a:fld>
-            <a:endParaRPr lang="pt-BR"/>
-          </a:p>
-        </p:txBody>
-      </p:sp>
-    </p:spTree>
-    <p:extLst>
-      <p:ext uri="{BB962C8B-B14F-4D97-AF65-F5344CB8AC3E}">
-        <p14:creationId xmlns:p14="http://schemas.microsoft.com/office/powerpoint/2010/main" val="621010932"/>
-      </p:ext>
-    </p:extLst>
-  </p:cSld>
-  <p:clrMapOvr>
-    <a:masterClrMapping/>
-  </p:clrMapOvr>
-  <p:transition spd="slow">
-    <p:push/>
-  </p:transition>
-</p:sld>
-</file>
-
-<file path=ppt/slides/slide30.xml><?xml version="1.0" encoding="utf-8"?>
-<p:sld xmlns:a="http://schemas.openxmlformats.org/drawingml/2006/main" xmlns:r="http://schemas.openxmlformats.org/officeDocument/2006/relationships" xmlns:p="http://schemas.openxmlformats.org/presentationml/2006/main">
-  <p:cSld>
-    <p:spTree>
-      <p:nvGrpSpPr>
-        <p:cNvPr id="1" name=""/>
-        <p:cNvGrpSpPr/>
-        <p:nvPr/>
-      </p:nvGrpSpPr>
-      <p:grpSpPr>
-        <a:xfrm>
-          <a:off x="0" y="0"/>
-          <a:ext cx="0" cy="0"/>
-          <a:chOff x="0" y="0"/>
-          <a:chExt cx="0" cy="0"/>
-        </a:xfrm>
-      </p:grpSpPr>
-      <p:sp>
-        <p:nvSpPr>
           <p:cNvPr id="4" name="Espaço Reservado para Número de Slide 3">
             <a:extLst>
               <a:ext uri="{FF2B5EF4-FFF2-40B4-BE49-F238E27FC236}">
@@ -12151,7 +12732,7 @@
                   <a:schemeClr val="tx1"/>
                 </a:solidFill>
               </a:rPr>
-              <a:t>30</a:t>
+              <a:t>29</a:t>
             </a:fld>
             <a:endParaRPr lang="pt-BR" b="1" dirty="0">
               <a:solidFill>
@@ -12359,7 +12940,7 @@
         <p:spPr>
           <a:xfrm>
             <a:off x="670272" y="1726164"/>
-            <a:ext cx="7146508" cy="2308324"/>
+            <a:ext cx="5817618" cy="1200329"/>
           </a:xfrm>
           <a:prstGeom prst="rect">
             <a:avLst/>
@@ -12382,21 +12963,7 @@
                   </a:outerShdw>
                 </a:effectLst>
               </a:rPr>
-              <a:t>FERRAMENTAS E</a:t>
-            </a:r>
-          </a:p>
-          <a:p>
-            <a:r>
-              <a:rPr lang="pt-BR" sz="7200" b="1" dirty="0">
-                <a:effectLst>
-                  <a:outerShdw blurRad="50800" dist="38100" dir="2700000" algn="tl" rotWithShape="0">
-                    <a:prstClr val="black">
-                      <a:alpha val="40000"/>
-                    </a:prstClr>
-                  </a:outerShdw>
-                </a:effectLst>
-              </a:rPr>
-              <a:t>ECOSSISTEMA</a:t>
+              <a:t>SEGURANÇA</a:t>
             </a:r>
           </a:p>
         </p:txBody>
@@ -12404,7 +12971,486 @@
     </p:spTree>
     <p:extLst>
       <p:ext uri="{BB962C8B-B14F-4D97-AF65-F5344CB8AC3E}">
-        <p14:creationId xmlns:p14="http://schemas.microsoft.com/office/powerpoint/2010/main" val="1293162682"/>
+        <p14:creationId xmlns:p14="http://schemas.microsoft.com/office/powerpoint/2010/main" val="1859950295"/>
+      </p:ext>
+    </p:extLst>
+  </p:cSld>
+  <p:clrMapOvr>
+    <a:masterClrMapping/>
+  </p:clrMapOvr>
+</p:sld>
+</file>
+
+<file path=ppt/slides/slide3.xml><?xml version="1.0" encoding="utf-8"?>
+<p:sld xmlns:a="http://schemas.openxmlformats.org/drawingml/2006/main" xmlns:r="http://schemas.openxmlformats.org/officeDocument/2006/relationships" xmlns:p="http://schemas.openxmlformats.org/presentationml/2006/main">
+  <p:cSld>
+    <p:spTree>
+      <p:nvGrpSpPr>
+        <p:cNvPr id="1" name=""/>
+        <p:cNvGrpSpPr/>
+        <p:nvPr/>
+      </p:nvGrpSpPr>
+      <p:grpSpPr>
+        <a:xfrm>
+          <a:off x="0" y="0"/>
+          <a:ext cx="0" cy="0"/>
+          <a:chOff x="0" y="0"/>
+          <a:chExt cx="0" cy="0"/>
+        </a:xfrm>
+      </p:grpSpPr>
+      <p:sp>
+        <p:nvSpPr>
+          <p:cNvPr id="2" name="Título 1">
+            <a:extLst>
+              <a:ext uri="{FF2B5EF4-FFF2-40B4-BE49-F238E27FC236}">
+                <a16:creationId xmlns:a16="http://schemas.microsoft.com/office/drawing/2014/main" id="{F0EA80E2-15DD-ABEB-539C-D3721B78C834}"/>
+              </a:ext>
+            </a:extLst>
+          </p:cNvPr>
+          <p:cNvSpPr>
+            <a:spLocks noGrp="1"/>
+          </p:cNvSpPr>
+          <p:nvPr>
+            <p:ph type="title"/>
+          </p:nvPr>
+        </p:nvSpPr>
+        <p:spPr/>
+        <p:txBody>
+          <a:bodyPr/>
+          <a:lstStyle/>
+          <a:p>
+            <a:r>
+              <a:rPr lang="pt-BR" b="1" i="0" dirty="0">
+                <a:effectLst/>
+                <a:latin typeface="Söhne"/>
+              </a:rPr>
+              <a:t>Introdução ao </a:t>
+            </a:r>
+            <a:r>
+              <a:rPr lang="pt-BR" b="1" i="0" dirty="0" err="1">
+                <a:effectLst/>
+                <a:latin typeface="Söhne"/>
+              </a:rPr>
+              <a:t>MongoDB</a:t>
+            </a:r>
+            <a:br>
+              <a:rPr lang="pt-BR" b="1" i="0" dirty="0">
+                <a:effectLst/>
+                <a:latin typeface="Söhne"/>
+              </a:rPr>
+            </a:br>
+            <a:r>
+              <a:rPr lang="pt-BR" sz="2000" b="1" i="0" dirty="0">
+                <a:effectLst/>
+                <a:latin typeface="Söhne"/>
+              </a:rPr>
+              <a:t>O que é um banco de dados </a:t>
+            </a:r>
+            <a:r>
+              <a:rPr lang="pt-BR" sz="2000" b="1" i="0" dirty="0" err="1">
+                <a:effectLst/>
+                <a:latin typeface="Söhne"/>
+              </a:rPr>
+              <a:t>NoSQL</a:t>
+            </a:r>
+            <a:r>
+              <a:rPr lang="pt-BR" sz="2000" b="1" i="0" dirty="0">
+                <a:effectLst/>
+                <a:latin typeface="Söhne"/>
+              </a:rPr>
+              <a:t>?</a:t>
+            </a:r>
+            <a:endParaRPr lang="pt-BR" dirty="0"/>
+          </a:p>
+        </p:txBody>
+      </p:sp>
+      <p:sp>
+        <p:nvSpPr>
+          <p:cNvPr id="3" name="Espaço Reservado para Conteúdo 2">
+            <a:extLst>
+              <a:ext uri="{FF2B5EF4-FFF2-40B4-BE49-F238E27FC236}">
+                <a16:creationId xmlns:a16="http://schemas.microsoft.com/office/drawing/2014/main" id="{1812B3A2-0B9F-7A1D-29BE-5783C0E7C666}"/>
+              </a:ext>
+            </a:extLst>
+          </p:cNvPr>
+          <p:cNvSpPr>
+            <a:spLocks noGrp="1"/>
+          </p:cNvSpPr>
+          <p:nvPr>
+            <p:ph idx="1"/>
+          </p:nvPr>
+        </p:nvSpPr>
+        <p:spPr>
+          <a:xfrm>
+            <a:off x="818712" y="2660437"/>
+            <a:ext cx="10554574" cy="3636511"/>
+          </a:xfrm>
+        </p:spPr>
+        <p:txBody>
+          <a:bodyPr anchor="t"/>
+          <a:lstStyle/>
+          <a:p>
+            <a:pPr marL="0" indent="0" algn="just">
+              <a:buNone/>
+            </a:pPr>
+            <a:r>
+              <a:rPr lang="pt-BR" dirty="0">
+                <a:latin typeface="Segoe UI" panose="020B0502040204020203" pitchFamily="34" charset="0"/>
+                <a:cs typeface="Segoe UI" panose="020B0502040204020203" pitchFamily="34" charset="0"/>
+              </a:rPr>
+              <a:t>Bancos de dados </a:t>
+            </a:r>
+            <a:r>
+              <a:rPr lang="pt-BR" dirty="0" err="1">
+                <a:latin typeface="Segoe UI" panose="020B0502040204020203" pitchFamily="34" charset="0"/>
+                <a:cs typeface="Segoe UI" panose="020B0502040204020203" pitchFamily="34" charset="0"/>
+              </a:rPr>
+              <a:t>NoSQL</a:t>
+            </a:r>
+            <a:r>
+              <a:rPr lang="pt-BR" dirty="0">
+                <a:latin typeface="Segoe UI" panose="020B0502040204020203" pitchFamily="34" charset="0"/>
+                <a:cs typeface="Segoe UI" panose="020B0502040204020203" pitchFamily="34" charset="0"/>
+              </a:rPr>
+              <a:t> (também conhecidos como "</a:t>
+            </a:r>
+            <a:r>
+              <a:rPr lang="pt-BR" dirty="0" err="1">
+                <a:latin typeface="Segoe UI" panose="020B0502040204020203" pitchFamily="34" charset="0"/>
+                <a:cs typeface="Segoe UI" panose="020B0502040204020203" pitchFamily="34" charset="0"/>
+              </a:rPr>
+              <a:t>not</a:t>
+            </a:r>
+            <a:r>
+              <a:rPr lang="pt-BR" dirty="0">
+                <a:latin typeface="Segoe UI" panose="020B0502040204020203" pitchFamily="34" charset="0"/>
+                <a:cs typeface="Segoe UI" panose="020B0502040204020203" pitchFamily="34" charset="0"/>
+              </a:rPr>
+              <a:t> </a:t>
+            </a:r>
+            <a:r>
+              <a:rPr lang="pt-BR" dirty="0" err="1">
+                <a:latin typeface="Segoe UI" panose="020B0502040204020203" pitchFamily="34" charset="0"/>
+                <a:cs typeface="Segoe UI" panose="020B0502040204020203" pitchFamily="34" charset="0"/>
+              </a:rPr>
+              <a:t>only</a:t>
+            </a:r>
+            <a:r>
+              <a:rPr lang="pt-BR" dirty="0">
+                <a:latin typeface="Segoe UI" panose="020B0502040204020203" pitchFamily="34" charset="0"/>
+                <a:cs typeface="Segoe UI" panose="020B0502040204020203" pitchFamily="34" charset="0"/>
+              </a:rPr>
+              <a:t> SQL") são bancos de dados não tabulares (sem tabelas) que armazenam dados de maneira diferente das tabelas relacionais.</a:t>
+            </a:r>
+          </a:p>
+          <a:p>
+            <a:pPr marL="0" indent="0" algn="just">
+              <a:buNone/>
+            </a:pPr>
+            <a:endParaRPr lang="pt-BR" dirty="0">
+              <a:latin typeface="Segoe UI" panose="020B0502040204020203" pitchFamily="34" charset="0"/>
+              <a:cs typeface="Segoe UI" panose="020B0502040204020203" pitchFamily="34" charset="0"/>
+            </a:endParaRPr>
+          </a:p>
+          <a:p>
+            <a:pPr marL="0" indent="0" algn="just">
+              <a:buNone/>
+            </a:pPr>
+            <a:r>
+              <a:rPr lang="pt-BR" dirty="0">
+                <a:latin typeface="Segoe UI" panose="020B0502040204020203" pitchFamily="34" charset="0"/>
+                <a:cs typeface="Segoe UI" panose="020B0502040204020203" pitchFamily="34" charset="0"/>
+              </a:rPr>
+              <a:t>Bancos de dados </a:t>
+            </a:r>
+            <a:r>
+              <a:rPr lang="pt-BR" dirty="0" err="1">
+                <a:latin typeface="Segoe UI" panose="020B0502040204020203" pitchFamily="34" charset="0"/>
+                <a:cs typeface="Segoe UI" panose="020B0502040204020203" pitchFamily="34" charset="0"/>
+              </a:rPr>
+              <a:t>NoSQL</a:t>
+            </a:r>
+            <a:r>
+              <a:rPr lang="pt-BR" dirty="0">
+                <a:latin typeface="Segoe UI" panose="020B0502040204020203" pitchFamily="34" charset="0"/>
+                <a:cs typeface="Segoe UI" panose="020B0502040204020203" pitchFamily="34" charset="0"/>
+              </a:rPr>
+              <a:t> vem em uma variedade de tipos com base em seu modelo de dados.</a:t>
+            </a:r>
+          </a:p>
+          <a:p>
+            <a:pPr marL="0" indent="0" algn="just">
+              <a:buNone/>
+            </a:pPr>
+            <a:endParaRPr lang="pt-BR" dirty="0">
+              <a:latin typeface="Segoe UI" panose="020B0502040204020203" pitchFamily="34" charset="0"/>
+              <a:cs typeface="Segoe UI" panose="020B0502040204020203" pitchFamily="34" charset="0"/>
+            </a:endParaRPr>
+          </a:p>
+          <a:p>
+            <a:pPr marL="0" indent="0" algn="just">
+              <a:buNone/>
+            </a:pPr>
+            <a:r>
+              <a:rPr lang="pt-BR" dirty="0">
+                <a:latin typeface="Segoe UI" panose="020B0502040204020203" pitchFamily="34" charset="0"/>
+                <a:cs typeface="Segoe UI" panose="020B0502040204020203" pitchFamily="34" charset="0"/>
+              </a:rPr>
+              <a:t> Os principais tipos são documento, chave-valor e grafo. </a:t>
+            </a:r>
+          </a:p>
+          <a:p>
+            <a:pPr marL="0" indent="0" algn="just">
+              <a:buNone/>
+            </a:pPr>
+            <a:endParaRPr lang="pt-BR" dirty="0">
+              <a:latin typeface="Segoe UI" panose="020B0502040204020203" pitchFamily="34" charset="0"/>
+              <a:cs typeface="Segoe UI" panose="020B0502040204020203" pitchFamily="34" charset="0"/>
+            </a:endParaRPr>
+          </a:p>
+          <a:p>
+            <a:pPr marL="0" indent="0" algn="just">
+              <a:buNone/>
+            </a:pPr>
+            <a:r>
+              <a:rPr lang="pt-BR" dirty="0">
+                <a:latin typeface="Segoe UI" panose="020B0502040204020203" pitchFamily="34" charset="0"/>
+                <a:cs typeface="Segoe UI" panose="020B0502040204020203" pitchFamily="34" charset="0"/>
+              </a:rPr>
+              <a:t>Eles oferecem esquemas flexíveis e escalonam facilmente com grandes volumes de dados e cargas de usuários elevadas.</a:t>
+            </a:r>
+          </a:p>
+        </p:txBody>
+      </p:sp>
+      <p:sp>
+        <p:nvSpPr>
+          <p:cNvPr id="4" name="Espaço Reservado para Rodapé 3">
+            <a:extLst>
+              <a:ext uri="{FF2B5EF4-FFF2-40B4-BE49-F238E27FC236}">
+                <a16:creationId xmlns:a16="http://schemas.microsoft.com/office/drawing/2014/main" id="{6739F8A8-C8BA-402C-CBC7-A02F2C81E04B}"/>
+              </a:ext>
+            </a:extLst>
+          </p:cNvPr>
+          <p:cNvSpPr>
+            <a:spLocks noGrp="1"/>
+          </p:cNvSpPr>
+          <p:nvPr>
+            <p:ph type="ftr" sz="quarter" idx="11"/>
+          </p:nvPr>
+        </p:nvSpPr>
+        <p:spPr/>
+        <p:txBody>
+          <a:bodyPr/>
+          <a:lstStyle/>
+          <a:p>
+            <a:r>
+              <a:rPr lang="pt-BR" dirty="0"/>
+              <a:t>https://lucas.gardini.dev</a:t>
+            </a:r>
+          </a:p>
+        </p:txBody>
+      </p:sp>
+      <p:sp>
+        <p:nvSpPr>
+          <p:cNvPr id="5" name="Espaço Reservado para Número de Slide 4">
+            <a:extLst>
+              <a:ext uri="{FF2B5EF4-FFF2-40B4-BE49-F238E27FC236}">
+                <a16:creationId xmlns:a16="http://schemas.microsoft.com/office/drawing/2014/main" id="{DE18193C-5A4B-8531-1D52-CBD20E415CBF}"/>
+              </a:ext>
+            </a:extLst>
+          </p:cNvPr>
+          <p:cNvSpPr>
+            <a:spLocks noGrp="1"/>
+          </p:cNvSpPr>
+          <p:nvPr>
+            <p:ph type="sldNum" sz="quarter" idx="12"/>
+          </p:nvPr>
+        </p:nvSpPr>
+        <p:spPr/>
+        <p:txBody>
+          <a:bodyPr/>
+          <a:lstStyle/>
+          <a:p>
+            <a:fld id="{25237327-9CA3-4762-8749-00D99BA09B6B}" type="slidenum">
+              <a:rPr lang="pt-BR" smtClean="0"/>
+              <a:t>3</a:t>
+            </a:fld>
+            <a:endParaRPr lang="pt-BR"/>
+          </a:p>
+        </p:txBody>
+      </p:sp>
+    </p:spTree>
+    <p:extLst>
+      <p:ext uri="{BB962C8B-B14F-4D97-AF65-F5344CB8AC3E}">
+        <p14:creationId xmlns:p14="http://schemas.microsoft.com/office/powerpoint/2010/main" val="621010932"/>
+      </p:ext>
+    </p:extLst>
+  </p:cSld>
+  <p:clrMapOvr>
+    <a:masterClrMapping/>
+  </p:clrMapOvr>
+  <mc:AlternateContent xmlns:mc="http://schemas.openxmlformats.org/markup-compatibility/2006">
+    <mc:Choice xmlns:p159="http://schemas.microsoft.com/office/powerpoint/2015/09/main" Requires="p159">
+      <p:transition xmlns:p14="http://schemas.microsoft.com/office/powerpoint/2010/main" spd="slow" p14:dur="2000">
+        <p159:morph option="byObject"/>
+      </p:transition>
+    </mc:Choice>
+    <mc:Fallback>
+      <p:transition spd="slow">
+        <p:fade/>
+      </p:transition>
+    </mc:Fallback>
+  </mc:AlternateContent>
+</p:sld>
+</file>
+
+<file path=ppt/slides/slide30.xml><?xml version="1.0" encoding="utf-8"?>
+<p:sld xmlns:a="http://schemas.openxmlformats.org/drawingml/2006/main" xmlns:r="http://schemas.openxmlformats.org/officeDocument/2006/relationships" xmlns:p="http://schemas.openxmlformats.org/presentationml/2006/main">
+  <p:cSld>
+    <p:spTree>
+      <p:nvGrpSpPr>
+        <p:cNvPr id="1" name=""/>
+        <p:cNvGrpSpPr/>
+        <p:nvPr/>
+      </p:nvGrpSpPr>
+      <p:grpSpPr>
+        <a:xfrm>
+          <a:off x="0" y="0"/>
+          <a:ext cx="0" cy="0"/>
+          <a:chOff x="0" y="0"/>
+          <a:chExt cx="0" cy="0"/>
+        </a:xfrm>
+      </p:grpSpPr>
+      <p:sp>
+        <p:nvSpPr>
+          <p:cNvPr id="2" name="Título 1">
+            <a:extLst>
+              <a:ext uri="{FF2B5EF4-FFF2-40B4-BE49-F238E27FC236}">
+                <a16:creationId xmlns:a16="http://schemas.microsoft.com/office/drawing/2014/main" id="{F0EA80E2-15DD-ABEB-539C-D3721B78C834}"/>
+              </a:ext>
+            </a:extLst>
+          </p:cNvPr>
+          <p:cNvSpPr>
+            <a:spLocks noGrp="1"/>
+          </p:cNvSpPr>
+          <p:nvPr>
+            <p:ph type="title"/>
+          </p:nvPr>
+        </p:nvSpPr>
+        <p:spPr/>
+        <p:txBody>
+          <a:bodyPr/>
+          <a:lstStyle/>
+          <a:p>
+            <a:r>
+              <a:rPr lang="pt-BR" b="1" i="0" dirty="0">
+                <a:effectLst/>
+                <a:latin typeface="Söhne"/>
+              </a:rPr>
+              <a:t>Segurança</a:t>
+            </a:r>
+            <a:br>
+              <a:rPr lang="pt-BR" b="1" i="0" dirty="0">
+                <a:effectLst/>
+                <a:latin typeface="Söhne"/>
+              </a:rPr>
+            </a:br>
+            <a:r>
+              <a:rPr lang="pt-BR" sz="2000" dirty="0">
+                <a:latin typeface="Söhne"/>
+              </a:rPr>
+              <a:t>Autenticação e autorização.</a:t>
+            </a:r>
+            <a:endParaRPr lang="pt-BR" dirty="0"/>
+          </a:p>
+        </p:txBody>
+      </p:sp>
+      <p:sp>
+        <p:nvSpPr>
+          <p:cNvPr id="3" name="Espaço Reservado para Conteúdo 2">
+            <a:extLst>
+              <a:ext uri="{FF2B5EF4-FFF2-40B4-BE49-F238E27FC236}">
+                <a16:creationId xmlns:a16="http://schemas.microsoft.com/office/drawing/2014/main" id="{1812B3A2-0B9F-7A1D-29BE-5783C0E7C666}"/>
+              </a:ext>
+            </a:extLst>
+          </p:cNvPr>
+          <p:cNvSpPr>
+            <a:spLocks noGrp="1"/>
+          </p:cNvSpPr>
+          <p:nvPr>
+            <p:ph idx="1"/>
+          </p:nvPr>
+        </p:nvSpPr>
+        <p:spPr/>
+        <p:txBody>
+          <a:bodyPr/>
+          <a:lstStyle/>
+          <a:p>
+            <a:endParaRPr lang="pt-BR" dirty="0"/>
+          </a:p>
+        </p:txBody>
+      </p:sp>
+      <p:sp>
+        <p:nvSpPr>
+          <p:cNvPr id="4" name="Espaço Reservado para Rodapé 3">
+            <a:extLst>
+              <a:ext uri="{FF2B5EF4-FFF2-40B4-BE49-F238E27FC236}">
+                <a16:creationId xmlns:a16="http://schemas.microsoft.com/office/drawing/2014/main" id="{6739F8A8-C8BA-402C-CBC7-A02F2C81E04B}"/>
+              </a:ext>
+            </a:extLst>
+          </p:cNvPr>
+          <p:cNvSpPr>
+            <a:spLocks noGrp="1"/>
+          </p:cNvSpPr>
+          <p:nvPr>
+            <p:ph type="ftr" sz="quarter" idx="11"/>
+          </p:nvPr>
+        </p:nvSpPr>
+        <p:spPr/>
+        <p:txBody>
+          <a:bodyPr/>
+          <a:lstStyle/>
+          <a:p>
+            <a:r>
+              <a:rPr lang="pt-BR" dirty="0"/>
+              <a:t>https://lucas.gardini.dev</a:t>
+            </a:r>
+          </a:p>
+        </p:txBody>
+      </p:sp>
+      <p:sp>
+        <p:nvSpPr>
+          <p:cNvPr id="5" name="Espaço Reservado para Número de Slide 4">
+            <a:extLst>
+              <a:ext uri="{FF2B5EF4-FFF2-40B4-BE49-F238E27FC236}">
+                <a16:creationId xmlns:a16="http://schemas.microsoft.com/office/drawing/2014/main" id="{DE18193C-5A4B-8531-1D52-CBD20E415CBF}"/>
+              </a:ext>
+            </a:extLst>
+          </p:cNvPr>
+          <p:cNvSpPr>
+            <a:spLocks noGrp="1"/>
+          </p:cNvSpPr>
+          <p:nvPr>
+            <p:ph type="sldNum" sz="quarter" idx="12"/>
+          </p:nvPr>
+        </p:nvSpPr>
+        <p:spPr/>
+        <p:txBody>
+          <a:bodyPr/>
+          <a:lstStyle/>
+          <a:p>
+            <a:fld id="{25237327-9CA3-4762-8749-00D99BA09B6B}" type="slidenum">
+              <a:rPr lang="pt-BR" smtClean="0"/>
+              <a:t>30</a:t>
+            </a:fld>
+            <a:endParaRPr lang="pt-BR"/>
+          </a:p>
+        </p:txBody>
+      </p:sp>
+    </p:spTree>
+    <p:extLst>
+      <p:ext uri="{BB962C8B-B14F-4D97-AF65-F5344CB8AC3E}">
+        <p14:creationId xmlns:p14="http://schemas.microsoft.com/office/powerpoint/2010/main" val="1900832391"/>
       </p:ext>
     </p:extLst>
   </p:cSld>
@@ -12457,7 +13503,7 @@
                 <a:effectLst/>
                 <a:latin typeface="Söhne"/>
               </a:rPr>
-              <a:t>Ferramentas e Ecossistema</a:t>
+              <a:t>Segurança</a:t>
             </a:r>
             <a:br>
               <a:rPr lang="pt-BR" b="1" i="0" dirty="0">
@@ -12469,7 +13515,7 @@
               <a:rPr lang="pt-BR" sz="2000" dirty="0">
                 <a:latin typeface="Söhne"/>
               </a:rPr>
-              <a:t>Compass: a ferramenta oficial de GUI.</a:t>
+              <a:t>Boas práticas de segurança.</a:t>
             </a:r>
             <a:endParaRPr lang="pt-BR" dirty="0"/>
           </a:p>
@@ -12560,7 +13606,7 @@
     </p:spTree>
     <p:extLst>
       <p:ext uri="{BB962C8B-B14F-4D97-AF65-F5344CB8AC3E}">
-        <p14:creationId xmlns:p14="http://schemas.microsoft.com/office/powerpoint/2010/main" val="3929898778"/>
+        <p14:creationId xmlns:p14="http://schemas.microsoft.com/office/powerpoint/2010/main" val="2782248189"/>
       </p:ext>
     </p:extLst>
   </p:cSld>
@@ -12589,162 +13635,6 @@
       </p:grpSpPr>
       <p:sp>
         <p:nvSpPr>
-          <p:cNvPr id="2" name="Título 1">
-            <a:extLst>
-              <a:ext uri="{FF2B5EF4-FFF2-40B4-BE49-F238E27FC236}">
-                <a16:creationId xmlns:a16="http://schemas.microsoft.com/office/drawing/2014/main" id="{F0EA80E2-15DD-ABEB-539C-D3721B78C834}"/>
-              </a:ext>
-            </a:extLst>
-          </p:cNvPr>
-          <p:cNvSpPr>
-            <a:spLocks noGrp="1"/>
-          </p:cNvSpPr>
-          <p:nvPr>
-            <p:ph type="title"/>
-          </p:nvPr>
-        </p:nvSpPr>
-        <p:spPr/>
-        <p:txBody>
-          <a:bodyPr/>
-          <a:lstStyle/>
-          <a:p>
-            <a:r>
-              <a:rPr lang="pt-BR" b="1" i="0" dirty="0">
-                <a:effectLst/>
-                <a:latin typeface="Söhne"/>
-              </a:rPr>
-              <a:t>Ferramentas e Ecossistema</a:t>
-            </a:r>
-            <a:br>
-              <a:rPr lang="pt-BR" b="1" i="0" dirty="0">
-                <a:effectLst/>
-                <a:latin typeface="Söhne"/>
-              </a:rPr>
-            </a:br>
-            <a:r>
-              <a:rPr lang="pt-BR" sz="2000" dirty="0">
-                <a:latin typeface="Söhne"/>
-              </a:rPr>
-              <a:t>Drivers para diferentes linguagens de programação.</a:t>
-            </a:r>
-            <a:endParaRPr lang="pt-BR" dirty="0"/>
-          </a:p>
-        </p:txBody>
-      </p:sp>
-      <p:sp>
-        <p:nvSpPr>
-          <p:cNvPr id="3" name="Espaço Reservado para Conteúdo 2">
-            <a:extLst>
-              <a:ext uri="{FF2B5EF4-FFF2-40B4-BE49-F238E27FC236}">
-                <a16:creationId xmlns:a16="http://schemas.microsoft.com/office/drawing/2014/main" id="{1812B3A2-0B9F-7A1D-29BE-5783C0E7C666}"/>
-              </a:ext>
-            </a:extLst>
-          </p:cNvPr>
-          <p:cNvSpPr>
-            <a:spLocks noGrp="1"/>
-          </p:cNvSpPr>
-          <p:nvPr>
-            <p:ph idx="1"/>
-          </p:nvPr>
-        </p:nvSpPr>
-        <p:spPr/>
-        <p:txBody>
-          <a:bodyPr/>
-          <a:lstStyle/>
-          <a:p>
-            <a:endParaRPr lang="pt-BR" dirty="0"/>
-          </a:p>
-        </p:txBody>
-      </p:sp>
-      <p:sp>
-        <p:nvSpPr>
-          <p:cNvPr id="4" name="Espaço Reservado para Rodapé 3">
-            <a:extLst>
-              <a:ext uri="{FF2B5EF4-FFF2-40B4-BE49-F238E27FC236}">
-                <a16:creationId xmlns:a16="http://schemas.microsoft.com/office/drawing/2014/main" id="{6739F8A8-C8BA-402C-CBC7-A02F2C81E04B}"/>
-              </a:ext>
-            </a:extLst>
-          </p:cNvPr>
-          <p:cNvSpPr>
-            <a:spLocks noGrp="1"/>
-          </p:cNvSpPr>
-          <p:nvPr>
-            <p:ph type="ftr" sz="quarter" idx="11"/>
-          </p:nvPr>
-        </p:nvSpPr>
-        <p:spPr/>
-        <p:txBody>
-          <a:bodyPr/>
-          <a:lstStyle/>
-          <a:p>
-            <a:r>
-              <a:rPr lang="pt-BR" dirty="0"/>
-              <a:t>https://lucas.gardini.dev</a:t>
-            </a:r>
-          </a:p>
-        </p:txBody>
-      </p:sp>
-      <p:sp>
-        <p:nvSpPr>
-          <p:cNvPr id="5" name="Espaço Reservado para Número de Slide 4">
-            <a:extLst>
-              <a:ext uri="{FF2B5EF4-FFF2-40B4-BE49-F238E27FC236}">
-                <a16:creationId xmlns:a16="http://schemas.microsoft.com/office/drawing/2014/main" id="{DE18193C-5A4B-8531-1D52-CBD20E415CBF}"/>
-              </a:ext>
-            </a:extLst>
-          </p:cNvPr>
-          <p:cNvSpPr>
-            <a:spLocks noGrp="1"/>
-          </p:cNvSpPr>
-          <p:nvPr>
-            <p:ph type="sldNum" sz="quarter" idx="12"/>
-          </p:nvPr>
-        </p:nvSpPr>
-        <p:spPr/>
-        <p:txBody>
-          <a:bodyPr/>
-          <a:lstStyle/>
-          <a:p>
-            <a:fld id="{25237327-9CA3-4762-8749-00D99BA09B6B}" type="slidenum">
-              <a:rPr lang="pt-BR" smtClean="0"/>
-              <a:t>32</a:t>
-            </a:fld>
-            <a:endParaRPr lang="pt-BR"/>
-          </a:p>
-        </p:txBody>
-      </p:sp>
-    </p:spTree>
-    <p:extLst>
-      <p:ext uri="{BB962C8B-B14F-4D97-AF65-F5344CB8AC3E}">
-        <p14:creationId xmlns:p14="http://schemas.microsoft.com/office/powerpoint/2010/main" val="139497607"/>
-      </p:ext>
-    </p:extLst>
-  </p:cSld>
-  <p:clrMapOvr>
-    <a:masterClrMapping/>
-  </p:clrMapOvr>
-</p:sld>
-</file>
-
-<file path=ppt/slides/slide33.xml><?xml version="1.0" encoding="utf-8"?>
-<p:sld xmlns:a="http://schemas.openxmlformats.org/drawingml/2006/main" xmlns:r="http://schemas.openxmlformats.org/officeDocument/2006/relationships" xmlns:p="http://schemas.openxmlformats.org/presentationml/2006/main">
-  <p:cSld>
-    <p:spTree>
-      <p:nvGrpSpPr>
-        <p:cNvPr id="1" name=""/>
-        <p:cNvGrpSpPr/>
-        <p:nvPr/>
-      </p:nvGrpSpPr>
-      <p:grpSpPr>
-        <a:xfrm>
-          <a:off x="0" y="0"/>
-          <a:ext cx="0" cy="0"/>
-          <a:chOff x="0" y="0"/>
-          <a:chExt cx="0" cy="0"/>
-        </a:xfrm>
-      </p:grpSpPr>
-      <p:sp>
-        <p:nvSpPr>
           <p:cNvPr id="4" name="Espaço Reservado para Número de Slide 3">
             <a:extLst>
               <a:ext uri="{FF2B5EF4-FFF2-40B4-BE49-F238E27FC236}">
@@ -12775,7 +13665,7 @@
                   <a:schemeClr val="tx1"/>
                 </a:solidFill>
               </a:rPr>
-              <a:t>33</a:t>
+              <a:t>32</a:t>
             </a:fld>
             <a:endParaRPr lang="pt-BR" b="1" dirty="0">
               <a:solidFill>
@@ -12983,7 +13873,7 @@
         <p:spPr>
           <a:xfrm>
             <a:off x="670272" y="1726164"/>
-            <a:ext cx="6816290" cy="1200329"/>
+            <a:ext cx="7146508" cy="2308324"/>
           </a:xfrm>
           <a:prstGeom prst="rect">
             <a:avLst/>
@@ -13006,7 +13896,21 @@
                   </a:outerShdw>
                 </a:effectLst>
               </a:rPr>
-              <a:t>CASOS DE USO</a:t>
+              <a:t>FERRAMENTAS E</a:t>
+            </a:r>
+          </a:p>
+          <a:p>
+            <a:r>
+              <a:rPr lang="pt-BR" sz="7200" b="1" dirty="0">
+                <a:effectLst>
+                  <a:outerShdw blurRad="50800" dist="38100" dir="2700000" algn="tl" rotWithShape="0">
+                    <a:prstClr val="black">
+                      <a:alpha val="40000"/>
+                    </a:prstClr>
+                  </a:outerShdw>
+                </a:effectLst>
+              </a:rPr>
+              <a:t>ECOSSISTEMA</a:t>
             </a:r>
           </a:p>
         </p:txBody>
@@ -13014,7 +13918,163 @@
     </p:spTree>
     <p:extLst>
       <p:ext uri="{BB962C8B-B14F-4D97-AF65-F5344CB8AC3E}">
-        <p14:creationId xmlns:p14="http://schemas.microsoft.com/office/powerpoint/2010/main" val="207230729"/>
+        <p14:creationId xmlns:p14="http://schemas.microsoft.com/office/powerpoint/2010/main" val="1293162682"/>
+      </p:ext>
+    </p:extLst>
+  </p:cSld>
+  <p:clrMapOvr>
+    <a:masterClrMapping/>
+  </p:clrMapOvr>
+</p:sld>
+</file>
+
+<file path=ppt/slides/slide33.xml><?xml version="1.0" encoding="utf-8"?>
+<p:sld xmlns:a="http://schemas.openxmlformats.org/drawingml/2006/main" xmlns:r="http://schemas.openxmlformats.org/officeDocument/2006/relationships" xmlns:p="http://schemas.openxmlformats.org/presentationml/2006/main">
+  <p:cSld>
+    <p:spTree>
+      <p:nvGrpSpPr>
+        <p:cNvPr id="1" name=""/>
+        <p:cNvGrpSpPr/>
+        <p:nvPr/>
+      </p:nvGrpSpPr>
+      <p:grpSpPr>
+        <a:xfrm>
+          <a:off x="0" y="0"/>
+          <a:ext cx="0" cy="0"/>
+          <a:chOff x="0" y="0"/>
+          <a:chExt cx="0" cy="0"/>
+        </a:xfrm>
+      </p:grpSpPr>
+      <p:sp>
+        <p:nvSpPr>
+          <p:cNvPr id="2" name="Título 1">
+            <a:extLst>
+              <a:ext uri="{FF2B5EF4-FFF2-40B4-BE49-F238E27FC236}">
+                <a16:creationId xmlns:a16="http://schemas.microsoft.com/office/drawing/2014/main" id="{F0EA80E2-15DD-ABEB-539C-D3721B78C834}"/>
+              </a:ext>
+            </a:extLst>
+          </p:cNvPr>
+          <p:cNvSpPr>
+            <a:spLocks noGrp="1"/>
+          </p:cNvSpPr>
+          <p:nvPr>
+            <p:ph type="title"/>
+          </p:nvPr>
+        </p:nvSpPr>
+        <p:spPr/>
+        <p:txBody>
+          <a:bodyPr/>
+          <a:lstStyle/>
+          <a:p>
+            <a:r>
+              <a:rPr lang="pt-BR" b="1" i="0" dirty="0">
+                <a:effectLst/>
+                <a:latin typeface="Söhne"/>
+              </a:rPr>
+              <a:t>Ferramentas e Ecossistema</a:t>
+            </a:r>
+            <a:br>
+              <a:rPr lang="pt-BR" b="1" i="0" dirty="0">
+                <a:effectLst/>
+                <a:latin typeface="Söhne"/>
+              </a:rPr>
+            </a:br>
+            <a:r>
+              <a:rPr lang="pt-BR" sz="2000" dirty="0">
+                <a:latin typeface="Söhne"/>
+              </a:rPr>
+              <a:t>Compass: a ferramenta oficial de GUI.</a:t>
+            </a:r>
+            <a:endParaRPr lang="pt-BR" dirty="0"/>
+          </a:p>
+        </p:txBody>
+      </p:sp>
+      <p:sp>
+        <p:nvSpPr>
+          <p:cNvPr id="3" name="Espaço Reservado para Conteúdo 2">
+            <a:extLst>
+              <a:ext uri="{FF2B5EF4-FFF2-40B4-BE49-F238E27FC236}">
+                <a16:creationId xmlns:a16="http://schemas.microsoft.com/office/drawing/2014/main" id="{1812B3A2-0B9F-7A1D-29BE-5783C0E7C666}"/>
+              </a:ext>
+            </a:extLst>
+          </p:cNvPr>
+          <p:cNvSpPr>
+            <a:spLocks noGrp="1"/>
+          </p:cNvSpPr>
+          <p:nvPr>
+            <p:ph idx="1"/>
+          </p:nvPr>
+        </p:nvSpPr>
+        <p:spPr/>
+        <p:txBody>
+          <a:bodyPr/>
+          <a:lstStyle/>
+          <a:p>
+            <a:endParaRPr lang="pt-BR" dirty="0"/>
+          </a:p>
+        </p:txBody>
+      </p:sp>
+      <p:sp>
+        <p:nvSpPr>
+          <p:cNvPr id="4" name="Espaço Reservado para Rodapé 3">
+            <a:extLst>
+              <a:ext uri="{FF2B5EF4-FFF2-40B4-BE49-F238E27FC236}">
+                <a16:creationId xmlns:a16="http://schemas.microsoft.com/office/drawing/2014/main" id="{6739F8A8-C8BA-402C-CBC7-A02F2C81E04B}"/>
+              </a:ext>
+            </a:extLst>
+          </p:cNvPr>
+          <p:cNvSpPr>
+            <a:spLocks noGrp="1"/>
+          </p:cNvSpPr>
+          <p:nvPr>
+            <p:ph type="ftr" sz="quarter" idx="11"/>
+          </p:nvPr>
+        </p:nvSpPr>
+        <p:spPr/>
+        <p:txBody>
+          <a:bodyPr/>
+          <a:lstStyle/>
+          <a:p>
+            <a:r>
+              <a:rPr lang="pt-BR" dirty="0"/>
+              <a:t>https://lucas.gardini.dev</a:t>
+            </a:r>
+          </a:p>
+        </p:txBody>
+      </p:sp>
+      <p:sp>
+        <p:nvSpPr>
+          <p:cNvPr id="5" name="Espaço Reservado para Número de Slide 4">
+            <a:extLst>
+              <a:ext uri="{FF2B5EF4-FFF2-40B4-BE49-F238E27FC236}">
+                <a16:creationId xmlns:a16="http://schemas.microsoft.com/office/drawing/2014/main" id="{DE18193C-5A4B-8531-1D52-CBD20E415CBF}"/>
+              </a:ext>
+            </a:extLst>
+          </p:cNvPr>
+          <p:cNvSpPr>
+            <a:spLocks noGrp="1"/>
+          </p:cNvSpPr>
+          <p:nvPr>
+            <p:ph type="sldNum" sz="quarter" idx="12"/>
+          </p:nvPr>
+        </p:nvSpPr>
+        <p:spPr/>
+        <p:txBody>
+          <a:bodyPr/>
+          <a:lstStyle/>
+          <a:p>
+            <a:fld id="{25237327-9CA3-4762-8749-00D99BA09B6B}" type="slidenum">
+              <a:rPr lang="pt-BR" smtClean="0"/>
+              <a:t>33</a:t>
+            </a:fld>
+            <a:endParaRPr lang="pt-BR"/>
+          </a:p>
+        </p:txBody>
+      </p:sp>
+    </p:spTree>
+    <p:extLst>
+      <p:ext uri="{BB962C8B-B14F-4D97-AF65-F5344CB8AC3E}">
+        <p14:creationId xmlns:p14="http://schemas.microsoft.com/office/powerpoint/2010/main" val="3929898778"/>
       </p:ext>
     </p:extLst>
   </p:cSld>
@@ -13067,7 +14127,7 @@
                 <a:effectLst/>
                 <a:latin typeface="Söhne"/>
               </a:rPr>
-              <a:t>Casos de Uso</a:t>
+              <a:t>Ferramentas e Ecossistema</a:t>
             </a:r>
             <a:br>
               <a:rPr lang="pt-BR" b="1" i="0" dirty="0">
@@ -13079,19 +14139,7 @@
               <a:rPr lang="pt-BR" sz="2000" dirty="0">
                 <a:latin typeface="Söhne"/>
               </a:rPr>
-              <a:t>Aplicações típicas do </a:t>
-            </a:r>
-            <a:r>
-              <a:rPr lang="pt-BR" sz="2000" dirty="0" err="1">
-                <a:latin typeface="Söhne"/>
-              </a:rPr>
-              <a:t>MongoDB</a:t>
-            </a:r>
-            <a:r>
-              <a:rPr lang="pt-BR" sz="2000" dirty="0">
-                <a:latin typeface="Söhne"/>
-              </a:rPr>
-              <a:t>.</a:t>
+              <a:t>Drivers para diferentes linguagens de programação.</a:t>
             </a:r>
             <a:endParaRPr lang="pt-BR" dirty="0"/>
           </a:p>
@@ -13182,7 +14230,7 @@
     </p:spTree>
     <p:extLst>
       <p:ext uri="{BB962C8B-B14F-4D97-AF65-F5344CB8AC3E}">
-        <p14:creationId xmlns:p14="http://schemas.microsoft.com/office/powerpoint/2010/main" val="1653300419"/>
+        <p14:creationId xmlns:p14="http://schemas.microsoft.com/office/powerpoint/2010/main" val="139497607"/>
       </p:ext>
     </p:extLst>
   </p:cSld>
@@ -13211,174 +14259,6 @@
       </p:grpSpPr>
       <p:sp>
         <p:nvSpPr>
-          <p:cNvPr id="2" name="Título 1">
-            <a:extLst>
-              <a:ext uri="{FF2B5EF4-FFF2-40B4-BE49-F238E27FC236}">
-                <a16:creationId xmlns:a16="http://schemas.microsoft.com/office/drawing/2014/main" id="{F0EA80E2-15DD-ABEB-539C-D3721B78C834}"/>
-              </a:ext>
-            </a:extLst>
-          </p:cNvPr>
-          <p:cNvSpPr>
-            <a:spLocks noGrp="1"/>
-          </p:cNvSpPr>
-          <p:nvPr>
-            <p:ph type="title"/>
-          </p:nvPr>
-        </p:nvSpPr>
-        <p:spPr/>
-        <p:txBody>
-          <a:bodyPr/>
-          <a:lstStyle/>
-          <a:p>
-            <a:r>
-              <a:rPr lang="pt-BR" b="1" i="0" dirty="0">
-                <a:effectLst/>
-                <a:latin typeface="Söhne"/>
-              </a:rPr>
-              <a:t>Casos de Uso</a:t>
-            </a:r>
-            <a:br>
-              <a:rPr lang="pt-BR" b="1" i="0" dirty="0">
-                <a:effectLst/>
-                <a:latin typeface="Söhne"/>
-              </a:rPr>
-            </a:br>
-            <a:r>
-              <a:rPr lang="pt-BR" sz="2000" dirty="0">
-                <a:latin typeface="Söhne"/>
-              </a:rPr>
-              <a:t>Exemplos de empresas que utilizam o </a:t>
-            </a:r>
-            <a:r>
-              <a:rPr lang="pt-BR" sz="2000" dirty="0" err="1">
-                <a:latin typeface="Söhne"/>
-              </a:rPr>
-              <a:t>MongoDB</a:t>
-            </a:r>
-            <a:r>
-              <a:rPr lang="pt-BR" sz="2000" dirty="0">
-                <a:latin typeface="Söhne"/>
-              </a:rPr>
-              <a:t>.</a:t>
-            </a:r>
-            <a:endParaRPr lang="pt-BR" dirty="0"/>
-          </a:p>
-        </p:txBody>
-      </p:sp>
-      <p:sp>
-        <p:nvSpPr>
-          <p:cNvPr id="3" name="Espaço Reservado para Conteúdo 2">
-            <a:extLst>
-              <a:ext uri="{FF2B5EF4-FFF2-40B4-BE49-F238E27FC236}">
-                <a16:creationId xmlns:a16="http://schemas.microsoft.com/office/drawing/2014/main" id="{1812B3A2-0B9F-7A1D-29BE-5783C0E7C666}"/>
-              </a:ext>
-            </a:extLst>
-          </p:cNvPr>
-          <p:cNvSpPr>
-            <a:spLocks noGrp="1"/>
-          </p:cNvSpPr>
-          <p:nvPr>
-            <p:ph idx="1"/>
-          </p:nvPr>
-        </p:nvSpPr>
-        <p:spPr/>
-        <p:txBody>
-          <a:bodyPr/>
-          <a:lstStyle/>
-          <a:p>
-            <a:endParaRPr lang="pt-BR" dirty="0"/>
-          </a:p>
-        </p:txBody>
-      </p:sp>
-      <p:sp>
-        <p:nvSpPr>
-          <p:cNvPr id="4" name="Espaço Reservado para Rodapé 3">
-            <a:extLst>
-              <a:ext uri="{FF2B5EF4-FFF2-40B4-BE49-F238E27FC236}">
-                <a16:creationId xmlns:a16="http://schemas.microsoft.com/office/drawing/2014/main" id="{6739F8A8-C8BA-402C-CBC7-A02F2C81E04B}"/>
-              </a:ext>
-            </a:extLst>
-          </p:cNvPr>
-          <p:cNvSpPr>
-            <a:spLocks noGrp="1"/>
-          </p:cNvSpPr>
-          <p:nvPr>
-            <p:ph type="ftr" sz="quarter" idx="11"/>
-          </p:nvPr>
-        </p:nvSpPr>
-        <p:spPr/>
-        <p:txBody>
-          <a:bodyPr/>
-          <a:lstStyle/>
-          <a:p>
-            <a:r>
-              <a:rPr lang="pt-BR" dirty="0"/>
-              <a:t>https://lucas.gardini.dev</a:t>
-            </a:r>
-          </a:p>
-        </p:txBody>
-      </p:sp>
-      <p:sp>
-        <p:nvSpPr>
-          <p:cNvPr id="5" name="Espaço Reservado para Número de Slide 4">
-            <a:extLst>
-              <a:ext uri="{FF2B5EF4-FFF2-40B4-BE49-F238E27FC236}">
-                <a16:creationId xmlns:a16="http://schemas.microsoft.com/office/drawing/2014/main" id="{DE18193C-5A4B-8531-1D52-CBD20E415CBF}"/>
-              </a:ext>
-            </a:extLst>
-          </p:cNvPr>
-          <p:cNvSpPr>
-            <a:spLocks noGrp="1"/>
-          </p:cNvSpPr>
-          <p:nvPr>
-            <p:ph type="sldNum" sz="quarter" idx="12"/>
-          </p:nvPr>
-        </p:nvSpPr>
-        <p:spPr/>
-        <p:txBody>
-          <a:bodyPr/>
-          <a:lstStyle/>
-          <a:p>
-            <a:fld id="{25237327-9CA3-4762-8749-00D99BA09B6B}" type="slidenum">
-              <a:rPr lang="pt-BR" smtClean="0"/>
-              <a:t>35</a:t>
-            </a:fld>
-            <a:endParaRPr lang="pt-BR"/>
-          </a:p>
-        </p:txBody>
-      </p:sp>
-    </p:spTree>
-    <p:extLst>
-      <p:ext uri="{BB962C8B-B14F-4D97-AF65-F5344CB8AC3E}">
-        <p14:creationId xmlns:p14="http://schemas.microsoft.com/office/powerpoint/2010/main" val="1219132857"/>
-      </p:ext>
-    </p:extLst>
-  </p:cSld>
-  <p:clrMapOvr>
-    <a:masterClrMapping/>
-  </p:clrMapOvr>
-</p:sld>
-</file>
-
-<file path=ppt/slides/slide36.xml><?xml version="1.0" encoding="utf-8"?>
-<p:sld xmlns:a="http://schemas.openxmlformats.org/drawingml/2006/main" xmlns:r="http://schemas.openxmlformats.org/officeDocument/2006/relationships" xmlns:p="http://schemas.openxmlformats.org/presentationml/2006/main">
-  <p:cSld>
-    <p:spTree>
-      <p:nvGrpSpPr>
-        <p:cNvPr id="1" name=""/>
-        <p:cNvGrpSpPr/>
-        <p:nvPr/>
-      </p:nvGrpSpPr>
-      <p:grpSpPr>
-        <a:xfrm>
-          <a:off x="0" y="0"/>
-          <a:ext cx="0" cy="0"/>
-          <a:chOff x="0" y="0"/>
-          <a:chExt cx="0" cy="0"/>
-        </a:xfrm>
-      </p:grpSpPr>
-      <p:sp>
-        <p:nvSpPr>
           <p:cNvPr id="4" name="Espaço Reservado para Número de Slide 3">
             <a:extLst>
               <a:ext uri="{FF2B5EF4-FFF2-40B4-BE49-F238E27FC236}">
@@ -13409,7 +14289,7 @@
                   <a:schemeClr val="tx1"/>
                 </a:solidFill>
               </a:rPr>
-              <a:t>36</a:t>
+              <a:t>35</a:t>
             </a:fld>
             <a:endParaRPr lang="pt-BR" b="1" dirty="0">
               <a:solidFill>
@@ -13617,7 +14497,7 @@
         <p:spPr>
           <a:xfrm>
             <a:off x="670272" y="1726164"/>
-            <a:ext cx="6667210" cy="1200329"/>
+            <a:ext cx="6816290" cy="1200329"/>
           </a:xfrm>
           <a:prstGeom prst="rect">
             <a:avLst/>
@@ -13640,7 +14520,7 @@
                   </a:outerShdw>
                 </a:effectLst>
               </a:rPr>
-              <a:t>EXEMPLO REAL</a:t>
+              <a:t>CASOS DE USO</a:t>
             </a:r>
           </a:p>
         </p:txBody>
@@ -13648,7 +14528,175 @@
     </p:spTree>
     <p:extLst>
       <p:ext uri="{BB962C8B-B14F-4D97-AF65-F5344CB8AC3E}">
-        <p14:creationId xmlns:p14="http://schemas.microsoft.com/office/powerpoint/2010/main" val="2287842619"/>
+        <p14:creationId xmlns:p14="http://schemas.microsoft.com/office/powerpoint/2010/main" val="207230729"/>
+      </p:ext>
+    </p:extLst>
+  </p:cSld>
+  <p:clrMapOvr>
+    <a:masterClrMapping/>
+  </p:clrMapOvr>
+</p:sld>
+</file>
+
+<file path=ppt/slides/slide36.xml><?xml version="1.0" encoding="utf-8"?>
+<p:sld xmlns:a="http://schemas.openxmlformats.org/drawingml/2006/main" xmlns:r="http://schemas.openxmlformats.org/officeDocument/2006/relationships" xmlns:p="http://schemas.openxmlformats.org/presentationml/2006/main">
+  <p:cSld>
+    <p:spTree>
+      <p:nvGrpSpPr>
+        <p:cNvPr id="1" name=""/>
+        <p:cNvGrpSpPr/>
+        <p:nvPr/>
+      </p:nvGrpSpPr>
+      <p:grpSpPr>
+        <a:xfrm>
+          <a:off x="0" y="0"/>
+          <a:ext cx="0" cy="0"/>
+          <a:chOff x="0" y="0"/>
+          <a:chExt cx="0" cy="0"/>
+        </a:xfrm>
+      </p:grpSpPr>
+      <p:sp>
+        <p:nvSpPr>
+          <p:cNvPr id="2" name="Título 1">
+            <a:extLst>
+              <a:ext uri="{FF2B5EF4-FFF2-40B4-BE49-F238E27FC236}">
+                <a16:creationId xmlns:a16="http://schemas.microsoft.com/office/drawing/2014/main" id="{F0EA80E2-15DD-ABEB-539C-D3721B78C834}"/>
+              </a:ext>
+            </a:extLst>
+          </p:cNvPr>
+          <p:cNvSpPr>
+            <a:spLocks noGrp="1"/>
+          </p:cNvSpPr>
+          <p:nvPr>
+            <p:ph type="title"/>
+          </p:nvPr>
+        </p:nvSpPr>
+        <p:spPr/>
+        <p:txBody>
+          <a:bodyPr/>
+          <a:lstStyle/>
+          <a:p>
+            <a:r>
+              <a:rPr lang="pt-BR" b="1" i="0" dirty="0">
+                <a:effectLst/>
+                <a:latin typeface="Söhne"/>
+              </a:rPr>
+              <a:t>Casos de Uso</a:t>
+            </a:r>
+            <a:br>
+              <a:rPr lang="pt-BR" b="1" i="0" dirty="0">
+                <a:effectLst/>
+                <a:latin typeface="Söhne"/>
+              </a:rPr>
+            </a:br>
+            <a:r>
+              <a:rPr lang="pt-BR" sz="2000" dirty="0">
+                <a:latin typeface="Söhne"/>
+              </a:rPr>
+              <a:t>Aplicações típicas do </a:t>
+            </a:r>
+            <a:r>
+              <a:rPr lang="pt-BR" sz="2000" dirty="0" err="1">
+                <a:latin typeface="Söhne"/>
+              </a:rPr>
+              <a:t>MongoDB</a:t>
+            </a:r>
+            <a:r>
+              <a:rPr lang="pt-BR" sz="2000" dirty="0">
+                <a:latin typeface="Söhne"/>
+              </a:rPr>
+              <a:t>.</a:t>
+            </a:r>
+            <a:endParaRPr lang="pt-BR" dirty="0"/>
+          </a:p>
+        </p:txBody>
+      </p:sp>
+      <p:sp>
+        <p:nvSpPr>
+          <p:cNvPr id="3" name="Espaço Reservado para Conteúdo 2">
+            <a:extLst>
+              <a:ext uri="{FF2B5EF4-FFF2-40B4-BE49-F238E27FC236}">
+                <a16:creationId xmlns:a16="http://schemas.microsoft.com/office/drawing/2014/main" id="{1812B3A2-0B9F-7A1D-29BE-5783C0E7C666}"/>
+              </a:ext>
+            </a:extLst>
+          </p:cNvPr>
+          <p:cNvSpPr>
+            <a:spLocks noGrp="1"/>
+          </p:cNvSpPr>
+          <p:nvPr>
+            <p:ph idx="1"/>
+          </p:nvPr>
+        </p:nvSpPr>
+        <p:spPr/>
+        <p:txBody>
+          <a:bodyPr/>
+          <a:lstStyle/>
+          <a:p>
+            <a:endParaRPr lang="pt-BR" dirty="0"/>
+          </a:p>
+        </p:txBody>
+      </p:sp>
+      <p:sp>
+        <p:nvSpPr>
+          <p:cNvPr id="4" name="Espaço Reservado para Rodapé 3">
+            <a:extLst>
+              <a:ext uri="{FF2B5EF4-FFF2-40B4-BE49-F238E27FC236}">
+                <a16:creationId xmlns:a16="http://schemas.microsoft.com/office/drawing/2014/main" id="{6739F8A8-C8BA-402C-CBC7-A02F2C81E04B}"/>
+              </a:ext>
+            </a:extLst>
+          </p:cNvPr>
+          <p:cNvSpPr>
+            <a:spLocks noGrp="1"/>
+          </p:cNvSpPr>
+          <p:nvPr>
+            <p:ph type="ftr" sz="quarter" idx="11"/>
+          </p:nvPr>
+        </p:nvSpPr>
+        <p:spPr/>
+        <p:txBody>
+          <a:bodyPr/>
+          <a:lstStyle/>
+          <a:p>
+            <a:r>
+              <a:rPr lang="pt-BR" dirty="0"/>
+              <a:t>https://lucas.gardini.dev</a:t>
+            </a:r>
+          </a:p>
+        </p:txBody>
+      </p:sp>
+      <p:sp>
+        <p:nvSpPr>
+          <p:cNvPr id="5" name="Espaço Reservado para Número de Slide 4">
+            <a:extLst>
+              <a:ext uri="{FF2B5EF4-FFF2-40B4-BE49-F238E27FC236}">
+                <a16:creationId xmlns:a16="http://schemas.microsoft.com/office/drawing/2014/main" id="{DE18193C-5A4B-8531-1D52-CBD20E415CBF}"/>
+              </a:ext>
+            </a:extLst>
+          </p:cNvPr>
+          <p:cNvSpPr>
+            <a:spLocks noGrp="1"/>
+          </p:cNvSpPr>
+          <p:nvPr>
+            <p:ph type="sldNum" sz="quarter" idx="12"/>
+          </p:nvPr>
+        </p:nvSpPr>
+        <p:spPr/>
+        <p:txBody>
+          <a:bodyPr/>
+          <a:lstStyle/>
+          <a:p>
+            <a:fld id="{25237327-9CA3-4762-8749-00D99BA09B6B}" type="slidenum">
+              <a:rPr lang="pt-BR" smtClean="0"/>
+              <a:t>36</a:t>
+            </a:fld>
+            <a:endParaRPr lang="pt-BR"/>
+          </a:p>
+        </p:txBody>
+      </p:sp>
+    </p:spTree>
+    <p:extLst>
+      <p:ext uri="{BB962C8B-B14F-4D97-AF65-F5344CB8AC3E}">
+        <p14:creationId xmlns:p14="http://schemas.microsoft.com/office/powerpoint/2010/main" val="1653300419"/>
       </p:ext>
     </p:extLst>
   </p:cSld>
@@ -13677,6 +14725,472 @@
       </p:grpSpPr>
       <p:sp>
         <p:nvSpPr>
+          <p:cNvPr id="2" name="Título 1">
+            <a:extLst>
+              <a:ext uri="{FF2B5EF4-FFF2-40B4-BE49-F238E27FC236}">
+                <a16:creationId xmlns:a16="http://schemas.microsoft.com/office/drawing/2014/main" id="{F0EA80E2-15DD-ABEB-539C-D3721B78C834}"/>
+              </a:ext>
+            </a:extLst>
+          </p:cNvPr>
+          <p:cNvSpPr>
+            <a:spLocks noGrp="1"/>
+          </p:cNvSpPr>
+          <p:nvPr>
+            <p:ph type="title"/>
+          </p:nvPr>
+        </p:nvSpPr>
+        <p:spPr/>
+        <p:txBody>
+          <a:bodyPr/>
+          <a:lstStyle/>
+          <a:p>
+            <a:r>
+              <a:rPr lang="pt-BR" b="1" i="0" dirty="0">
+                <a:effectLst/>
+                <a:latin typeface="Söhne"/>
+              </a:rPr>
+              <a:t>Casos de Uso</a:t>
+            </a:r>
+            <a:br>
+              <a:rPr lang="pt-BR" b="1" i="0" dirty="0">
+                <a:effectLst/>
+                <a:latin typeface="Söhne"/>
+              </a:rPr>
+            </a:br>
+            <a:r>
+              <a:rPr lang="pt-BR" sz="2000" dirty="0">
+                <a:latin typeface="Söhne"/>
+              </a:rPr>
+              <a:t>Exemplos de empresas que utilizam o </a:t>
+            </a:r>
+            <a:r>
+              <a:rPr lang="pt-BR" sz="2000" dirty="0" err="1">
+                <a:latin typeface="Söhne"/>
+              </a:rPr>
+              <a:t>MongoDB</a:t>
+            </a:r>
+            <a:r>
+              <a:rPr lang="pt-BR" sz="2000" dirty="0">
+                <a:latin typeface="Söhne"/>
+              </a:rPr>
+              <a:t>.</a:t>
+            </a:r>
+            <a:endParaRPr lang="pt-BR" dirty="0"/>
+          </a:p>
+        </p:txBody>
+      </p:sp>
+      <p:sp>
+        <p:nvSpPr>
+          <p:cNvPr id="3" name="Espaço Reservado para Conteúdo 2">
+            <a:extLst>
+              <a:ext uri="{FF2B5EF4-FFF2-40B4-BE49-F238E27FC236}">
+                <a16:creationId xmlns:a16="http://schemas.microsoft.com/office/drawing/2014/main" id="{1812B3A2-0B9F-7A1D-29BE-5783C0E7C666}"/>
+              </a:ext>
+            </a:extLst>
+          </p:cNvPr>
+          <p:cNvSpPr>
+            <a:spLocks noGrp="1"/>
+          </p:cNvSpPr>
+          <p:nvPr>
+            <p:ph idx="1"/>
+          </p:nvPr>
+        </p:nvSpPr>
+        <p:spPr/>
+        <p:txBody>
+          <a:bodyPr/>
+          <a:lstStyle/>
+          <a:p>
+            <a:endParaRPr lang="pt-BR" dirty="0"/>
+          </a:p>
+        </p:txBody>
+      </p:sp>
+      <p:sp>
+        <p:nvSpPr>
+          <p:cNvPr id="4" name="Espaço Reservado para Rodapé 3">
+            <a:extLst>
+              <a:ext uri="{FF2B5EF4-FFF2-40B4-BE49-F238E27FC236}">
+                <a16:creationId xmlns:a16="http://schemas.microsoft.com/office/drawing/2014/main" id="{6739F8A8-C8BA-402C-CBC7-A02F2C81E04B}"/>
+              </a:ext>
+            </a:extLst>
+          </p:cNvPr>
+          <p:cNvSpPr>
+            <a:spLocks noGrp="1"/>
+          </p:cNvSpPr>
+          <p:nvPr>
+            <p:ph type="ftr" sz="quarter" idx="11"/>
+          </p:nvPr>
+        </p:nvSpPr>
+        <p:spPr/>
+        <p:txBody>
+          <a:bodyPr/>
+          <a:lstStyle/>
+          <a:p>
+            <a:r>
+              <a:rPr lang="pt-BR" dirty="0"/>
+              <a:t>https://lucas.gardini.dev</a:t>
+            </a:r>
+          </a:p>
+        </p:txBody>
+      </p:sp>
+      <p:sp>
+        <p:nvSpPr>
+          <p:cNvPr id="5" name="Espaço Reservado para Número de Slide 4">
+            <a:extLst>
+              <a:ext uri="{FF2B5EF4-FFF2-40B4-BE49-F238E27FC236}">
+                <a16:creationId xmlns:a16="http://schemas.microsoft.com/office/drawing/2014/main" id="{DE18193C-5A4B-8531-1D52-CBD20E415CBF}"/>
+              </a:ext>
+            </a:extLst>
+          </p:cNvPr>
+          <p:cNvSpPr>
+            <a:spLocks noGrp="1"/>
+          </p:cNvSpPr>
+          <p:nvPr>
+            <p:ph type="sldNum" sz="quarter" idx="12"/>
+          </p:nvPr>
+        </p:nvSpPr>
+        <p:spPr/>
+        <p:txBody>
+          <a:bodyPr/>
+          <a:lstStyle/>
+          <a:p>
+            <a:fld id="{25237327-9CA3-4762-8749-00D99BA09B6B}" type="slidenum">
+              <a:rPr lang="pt-BR" smtClean="0"/>
+              <a:t>37</a:t>
+            </a:fld>
+            <a:endParaRPr lang="pt-BR"/>
+          </a:p>
+        </p:txBody>
+      </p:sp>
+    </p:spTree>
+    <p:extLst>
+      <p:ext uri="{BB962C8B-B14F-4D97-AF65-F5344CB8AC3E}">
+        <p14:creationId xmlns:p14="http://schemas.microsoft.com/office/powerpoint/2010/main" val="1219132857"/>
+      </p:ext>
+    </p:extLst>
+  </p:cSld>
+  <p:clrMapOvr>
+    <a:masterClrMapping/>
+  </p:clrMapOvr>
+</p:sld>
+</file>
+
+<file path=ppt/slides/slide38.xml><?xml version="1.0" encoding="utf-8"?>
+<p:sld xmlns:a="http://schemas.openxmlformats.org/drawingml/2006/main" xmlns:r="http://schemas.openxmlformats.org/officeDocument/2006/relationships" xmlns:p="http://schemas.openxmlformats.org/presentationml/2006/main">
+  <p:cSld>
+    <p:spTree>
+      <p:nvGrpSpPr>
+        <p:cNvPr id="1" name=""/>
+        <p:cNvGrpSpPr/>
+        <p:nvPr/>
+      </p:nvGrpSpPr>
+      <p:grpSpPr>
+        <a:xfrm>
+          <a:off x="0" y="0"/>
+          <a:ext cx="0" cy="0"/>
+          <a:chOff x="0" y="0"/>
+          <a:chExt cx="0" cy="0"/>
+        </a:xfrm>
+      </p:grpSpPr>
+      <p:sp>
+        <p:nvSpPr>
+          <p:cNvPr id="4" name="Espaço Reservado para Número de Slide 3">
+            <a:extLst>
+              <a:ext uri="{FF2B5EF4-FFF2-40B4-BE49-F238E27FC236}">
+                <a16:creationId xmlns:a16="http://schemas.microsoft.com/office/drawing/2014/main" id="{7D0ADA87-DAA8-3E4F-5D82-BEFEFA209AE3}"/>
+              </a:ext>
+            </a:extLst>
+          </p:cNvPr>
+          <p:cNvSpPr>
+            <a:spLocks noGrp="1"/>
+          </p:cNvSpPr>
+          <p:nvPr>
+            <p:ph type="sldNum" sz="quarter" idx="12"/>
+          </p:nvPr>
+        </p:nvSpPr>
+        <p:spPr>
+          <a:xfrm>
+            <a:off x="11079045" y="6316601"/>
+            <a:ext cx="1062155" cy="490599"/>
+          </a:xfrm>
+        </p:spPr>
+        <p:txBody>
+          <a:bodyPr/>
+          <a:lstStyle/>
+          <a:p>
+            <a:fld id="{25237327-9CA3-4762-8749-00D99BA09B6B}" type="slidenum">
+              <a:rPr lang="pt-BR" b="1" smtClean="0">
+                <a:solidFill>
+                  <a:schemeClr val="tx1"/>
+                </a:solidFill>
+              </a:rPr>
+              <a:t>38</a:t>
+            </a:fld>
+            <a:endParaRPr lang="pt-BR" b="1" dirty="0">
+              <a:solidFill>
+                <a:schemeClr val="tx1"/>
+              </a:solidFill>
+            </a:endParaRPr>
+          </a:p>
+        </p:txBody>
+      </p:sp>
+      <p:grpSp>
+        <p:nvGrpSpPr>
+          <p:cNvPr id="14" name="Agrupar 13">
+            <a:extLst>
+              <a:ext uri="{FF2B5EF4-FFF2-40B4-BE49-F238E27FC236}">
+                <a16:creationId xmlns:a16="http://schemas.microsoft.com/office/drawing/2014/main" id="{3A131335-0210-9973-B748-9747392A7A99}"/>
+              </a:ext>
+            </a:extLst>
+          </p:cNvPr>
+          <p:cNvGrpSpPr/>
+          <p:nvPr/>
+        </p:nvGrpSpPr>
+        <p:grpSpPr>
+          <a:xfrm>
+            <a:off x="5722808" y="6341706"/>
+            <a:ext cx="746384" cy="429208"/>
+            <a:chOff x="4350679" y="5579706"/>
+            <a:chExt cx="746384" cy="429208"/>
+          </a:xfrm>
+        </p:grpSpPr>
+        <p:pic>
+          <p:nvPicPr>
+            <p:cNvPr id="9" name="Gráfico 8">
+              <a:extLst>
+                <a:ext uri="{FF2B5EF4-FFF2-40B4-BE49-F238E27FC236}">
+                  <a16:creationId xmlns:a16="http://schemas.microsoft.com/office/drawing/2014/main" id="{68B00CCA-1769-F355-0991-F88AFB028207}"/>
+                </a:ext>
+              </a:extLst>
+            </p:cNvPr>
+            <p:cNvPicPr>
+              <a:picLocks noChangeAspect="1"/>
+            </p:cNvPicPr>
+            <p:nvPr/>
+          </p:nvPicPr>
+          <p:blipFill>
+            <a:blip r:embed="rId2">
+              <a:extLst>
+                <a:ext uri="{28A0092B-C50C-407E-A947-70E740481C1C}">
+                  <a14:useLocalDpi xmlns:a14="http://schemas.microsoft.com/office/drawing/2010/main" val="0"/>
+                </a:ext>
+                <a:ext uri="{96DAC541-7B7A-43D3-8B79-37D633B846F1}">
+                  <asvg:svgBlip xmlns:asvg="http://schemas.microsoft.com/office/drawing/2016/SVG/main" r:embed="rId3"/>
+                </a:ext>
+              </a:extLst>
+            </a:blip>
+            <a:stretch>
+              <a:fillRect/>
+            </a:stretch>
+          </p:blipFill>
+          <p:spPr>
+            <a:xfrm>
+              <a:off x="4350679" y="5619390"/>
+              <a:ext cx="360000" cy="360000"/>
+            </a:xfrm>
+            <a:prstGeom prst="rect">
+              <a:avLst/>
+            </a:prstGeom>
+          </p:spPr>
+        </p:pic>
+        <p:pic>
+          <p:nvPicPr>
+            <p:cNvPr id="1026" name="Picture 2" descr="V Semana de Turismo IFSP Barretos">
+              <a:extLst>
+                <a:ext uri="{FF2B5EF4-FFF2-40B4-BE49-F238E27FC236}">
+                  <a16:creationId xmlns:a16="http://schemas.microsoft.com/office/drawing/2014/main" id="{43520D69-6128-EE21-87C6-87C10FF9165F}"/>
+                </a:ext>
+              </a:extLst>
+            </p:cNvPr>
+            <p:cNvPicPr>
+              <a:picLocks noChangeAspect="1" noChangeArrowheads="1"/>
+            </p:cNvPicPr>
+            <p:nvPr/>
+          </p:nvPicPr>
+          <p:blipFill>
+            <a:blip r:embed="rId4">
+              <a:extLst>
+                <a:ext uri="{28A0092B-C50C-407E-A947-70E740481C1C}">
+                  <a14:useLocalDpi xmlns:a14="http://schemas.microsoft.com/office/drawing/2010/main" val="0"/>
+                </a:ext>
+              </a:extLst>
+            </a:blip>
+            <a:srcRect/>
+            <a:stretch>
+              <a:fillRect/>
+            </a:stretch>
+          </p:blipFill>
+          <p:spPr bwMode="auto">
+            <a:xfrm>
+              <a:off x="4869227" y="5641759"/>
+              <a:ext cx="227836" cy="305101"/>
+            </a:xfrm>
+            <a:prstGeom prst="rect">
+              <a:avLst/>
+            </a:prstGeom>
+            <a:noFill/>
+            <a:extLst>
+              <a:ext uri="{909E8E84-426E-40DD-AFC4-6F175D3DCCD1}">
+                <a14:hiddenFill xmlns:a14="http://schemas.microsoft.com/office/drawing/2010/main">
+                  <a:solidFill>
+                    <a:srgbClr val="FFFFFF"/>
+                  </a:solidFill>
+                </a14:hiddenFill>
+              </a:ext>
+            </a:extLst>
+          </p:spPr>
+        </p:pic>
+        <p:cxnSp>
+          <p:nvCxnSpPr>
+            <p:cNvPr id="11" name="Conector reto 10">
+              <a:extLst>
+                <a:ext uri="{FF2B5EF4-FFF2-40B4-BE49-F238E27FC236}">
+                  <a16:creationId xmlns:a16="http://schemas.microsoft.com/office/drawing/2014/main" id="{5D6B378A-D998-4925-FFCA-9A0F3370C250}"/>
+                </a:ext>
+              </a:extLst>
+            </p:cNvPr>
+            <p:cNvCxnSpPr>
+              <a:cxnSpLocks/>
+            </p:cNvCxnSpPr>
+            <p:nvPr/>
+          </p:nvCxnSpPr>
+          <p:spPr>
+            <a:xfrm>
+              <a:off x="4743269" y="5579706"/>
+              <a:ext cx="0" cy="429208"/>
+            </a:xfrm>
+            <a:prstGeom prst="line">
+              <a:avLst/>
+            </a:prstGeom>
+            <a:ln>
+              <a:solidFill>
+                <a:schemeClr val="tx1"/>
+              </a:solidFill>
+            </a:ln>
+          </p:spPr>
+          <p:style>
+            <a:lnRef idx="1">
+              <a:schemeClr val="accent1"/>
+            </a:lnRef>
+            <a:fillRef idx="0">
+              <a:schemeClr val="accent1"/>
+            </a:fillRef>
+            <a:effectRef idx="0">
+              <a:schemeClr val="accent1"/>
+            </a:effectRef>
+            <a:fontRef idx="minor">
+              <a:schemeClr val="tx1"/>
+            </a:fontRef>
+          </p:style>
+        </p:cxnSp>
+      </p:grpSp>
+      <p:sp>
+        <p:nvSpPr>
+          <p:cNvPr id="15" name="Espaço Reservado para Rodapé 14">
+            <a:extLst>
+              <a:ext uri="{FF2B5EF4-FFF2-40B4-BE49-F238E27FC236}">
+                <a16:creationId xmlns:a16="http://schemas.microsoft.com/office/drawing/2014/main" id="{FF285D15-CA04-0574-4AAD-47ADEE6CFB3B}"/>
+              </a:ext>
+            </a:extLst>
+          </p:cNvPr>
+          <p:cNvSpPr>
+            <a:spLocks noGrp="1"/>
+          </p:cNvSpPr>
+          <p:nvPr>
+            <p:ph type="ftr" sz="quarter" idx="11"/>
+          </p:nvPr>
+        </p:nvSpPr>
+        <p:spPr>
+          <a:xfrm>
+            <a:off x="50800" y="6442075"/>
+            <a:ext cx="3291839" cy="365125"/>
+          </a:xfrm>
+        </p:spPr>
+        <p:txBody>
+          <a:bodyPr/>
+          <a:lstStyle/>
+          <a:p>
+            <a:r>
+              <a:rPr lang="pt-BR" sz="1600" dirty="0"/>
+              <a:t>https://lucasgardini.com</a:t>
+            </a:r>
+          </a:p>
+        </p:txBody>
+      </p:sp>
+      <p:sp>
+        <p:nvSpPr>
+          <p:cNvPr id="2" name="CaixaDeTexto 1">
+            <a:extLst>
+              <a:ext uri="{FF2B5EF4-FFF2-40B4-BE49-F238E27FC236}">
+                <a16:creationId xmlns:a16="http://schemas.microsoft.com/office/drawing/2014/main" id="{3F89F942-F2B5-EBBE-126B-E2759FD22242}"/>
+              </a:ext>
+            </a:extLst>
+          </p:cNvPr>
+          <p:cNvSpPr txBox="1"/>
+          <p:nvPr/>
+        </p:nvSpPr>
+        <p:spPr>
+          <a:xfrm>
+            <a:off x="670272" y="1726164"/>
+            <a:ext cx="6667210" cy="1200329"/>
+          </a:xfrm>
+          <a:prstGeom prst="rect">
+            <a:avLst/>
+          </a:prstGeom>
+          <a:noFill/>
+        </p:spPr>
+        <p:txBody>
+          <a:bodyPr wrap="none" rtlCol="0">
+            <a:spAutoFit/>
+          </a:bodyPr>
+          <a:lstStyle/>
+          <a:p>
+            <a:r>
+              <a:rPr lang="pt-BR" sz="7200" b="1" dirty="0">
+                <a:effectLst>
+                  <a:outerShdw blurRad="50800" dist="38100" dir="2700000" algn="tl" rotWithShape="0">
+                    <a:prstClr val="black">
+                      <a:alpha val="40000"/>
+                    </a:prstClr>
+                  </a:outerShdw>
+                </a:effectLst>
+              </a:rPr>
+              <a:t>EXEMPLO REAL</a:t>
+            </a:r>
+          </a:p>
+        </p:txBody>
+      </p:sp>
+    </p:spTree>
+    <p:extLst>
+      <p:ext uri="{BB962C8B-B14F-4D97-AF65-F5344CB8AC3E}">
+        <p14:creationId xmlns:p14="http://schemas.microsoft.com/office/powerpoint/2010/main" val="2287842619"/>
+      </p:ext>
+    </p:extLst>
+  </p:cSld>
+  <p:clrMapOvr>
+    <a:masterClrMapping/>
+  </p:clrMapOvr>
+</p:sld>
+</file>
+
+<file path=ppt/slides/slide39.xml><?xml version="1.0" encoding="utf-8"?>
+<p:sld xmlns:a="http://schemas.openxmlformats.org/drawingml/2006/main" xmlns:r="http://schemas.openxmlformats.org/officeDocument/2006/relationships" xmlns:p="http://schemas.openxmlformats.org/presentationml/2006/main">
+  <p:cSld>
+    <p:spTree>
+      <p:nvGrpSpPr>
+        <p:cNvPr id="1" name=""/>
+        <p:cNvGrpSpPr/>
+        <p:nvPr/>
+      </p:nvGrpSpPr>
+      <p:grpSpPr>
+        <a:xfrm>
+          <a:off x="0" y="0"/>
+          <a:ext cx="0" cy="0"/>
+          <a:chOff x="0" y="0"/>
+          <a:chExt cx="0" cy="0"/>
+        </a:xfrm>
+      </p:grpSpPr>
+      <p:sp>
+        <p:nvSpPr>
           <p:cNvPr id="4" name="Espaço Reservado para Rodapé 3">
             <a:extLst>
               <a:ext uri="{FF2B5EF4-FFF2-40B4-BE49-F238E27FC236}">
@@ -13728,7 +15242,7 @@
             <a:fld id="{25237327-9CA3-4762-8749-00D99BA09B6B}" type="slidenum">
               <a:rPr lang="pt-BR" smtClean="0"/>
               <a:pPr/>
-              <a:t>37</a:t>
+              <a:t>39</a:t>
             </a:fld>
             <a:endParaRPr lang="pt-BR" dirty="0"/>
           </a:p>
@@ -14100,9 +15614,18 @@
   <p:clrMapOvr>
     <a:masterClrMapping/>
   </p:clrMapOvr>
-  <p:transition spd="slow">
-    <p:push/>
-  </p:transition>
+  <mc:AlternateContent xmlns:mc="http://schemas.openxmlformats.org/markup-compatibility/2006">
+    <mc:Choice xmlns:p159="http://schemas.microsoft.com/office/powerpoint/2015/09/main" Requires="p159">
+      <p:transition xmlns:p14="http://schemas.microsoft.com/office/powerpoint/2010/main" spd="slow" p14:dur="2000">
+        <p159:morph option="byObject"/>
+      </p:transition>
+    </mc:Choice>
+    <mc:Fallback>
+      <p:transition spd="slow">
+        <p:fade/>
+      </p:transition>
+    </mc:Fallback>
+  </mc:AlternateContent>
 </p:sld>
 </file>
 
@@ -14457,9 +15980,18 @@
   <p:clrMapOvr>
     <a:masterClrMapping/>
   </p:clrMapOvr>
-  <p:transition spd="slow">
-    <p:push/>
-  </p:transition>
+  <mc:AlternateContent xmlns:mc="http://schemas.openxmlformats.org/markup-compatibility/2006">
+    <mc:Choice xmlns:p159="http://schemas.microsoft.com/office/powerpoint/2015/09/main" Requires="p159">
+      <p:transition xmlns:p14="http://schemas.microsoft.com/office/powerpoint/2010/main" spd="slow" p14:dur="2000">
+        <p159:morph option="byObject"/>
+      </p:transition>
+    </mc:Choice>
+    <mc:Fallback>
+      <p:transition spd="slow">
+        <p:fade/>
+      </p:transition>
+    </mc:Fallback>
+  </mc:AlternateContent>
 </p:sld>
 </file>
 
@@ -14584,6 +16116,9 @@
   <p:clrMapOvr>
     <a:masterClrMapping/>
   </p:clrMapOvr>
+  <p:transition spd="slow">
+    <p:cover dir="d"/>
+  </p:transition>
 </p:sld>
 </file>
 
@@ -14921,6 +16456,9 @@
   <p:clrMapOvr>
     <a:masterClrMapping/>
   </p:clrMapOvr>
+  <p:transition spd="slow">
+    <p:push dir="u"/>
+  </p:transition>
 </p:sld>
 </file>
 
@@ -15289,19 +16827,31 @@
                 <a:latin typeface="Segoe UI" panose="020B0502040204020203" pitchFamily="34" charset="0"/>
                 <a:cs typeface="Segoe UI" panose="020B0502040204020203" pitchFamily="34" charset="0"/>
               </a:rPr>
-              <a:t>Os documentos BSON seguem um padrão de estrutura iguais </a:t>
-            </a:r>
-            <a:r>
-              <a:rPr lang="pt-BR">
-                <a:latin typeface="Segoe UI" panose="020B0502040204020203" pitchFamily="34" charset="0"/>
-                <a:cs typeface="Segoe UI" panose="020B0502040204020203" pitchFamily="34" charset="0"/>
-              </a:rPr>
-              <a:t>a objetos JSON. </a:t>
-            </a:r>
+              <a:t>Percebeu a diferença?</a:t>
+            </a:r>
+          </a:p>
+          <a:p>
+            <a:pPr marL="0" indent="0" algn="just">
+              <a:buFont typeface="Wingdings 2" charset="2"/>
+              <a:buNone/>
+            </a:pPr>
             <a:endParaRPr lang="pt-BR" dirty="0">
               <a:latin typeface="Segoe UI" panose="020B0502040204020203" pitchFamily="34" charset="0"/>
               <a:cs typeface="Segoe UI" panose="020B0502040204020203" pitchFamily="34" charset="0"/>
             </a:endParaRPr>
+          </a:p>
+          <a:p>
+            <a:pPr marL="0" indent="0" algn="just">
+              <a:buFont typeface="Wingdings 2" charset="2"/>
+              <a:buNone/>
+            </a:pPr>
+            <a:r>
+              <a:rPr lang="pt-BR" dirty="0">
+                <a:latin typeface="Segoe UI" panose="020B0502040204020203" pitchFamily="34" charset="0"/>
+                <a:cs typeface="Segoe UI" panose="020B0502040204020203" pitchFamily="34" charset="0"/>
+              </a:rPr>
+              <a:t>Para armazenar dados compostos, como as linguagens e os documentos, em um banco de dados relacional por exemplo, teríamos que criar mais de uma tabela para armazenar esses dados.</a:t>
+            </a:r>
           </a:p>
           <a:p>
             <a:pPr marL="0" indent="0">
@@ -15322,6 +16872,87 @@
               <a:latin typeface="Segoe UI" panose="020B0502040204020203" pitchFamily="34" charset="0"/>
               <a:cs typeface="Segoe UI" panose="020B0502040204020203" pitchFamily="34" charset="0"/>
             </a:endParaRPr>
+          </a:p>
+        </p:txBody>
+      </p:sp>
+      <p:pic>
+        <p:nvPicPr>
+          <p:cNvPr id="3" name="Picture 2">
+            <a:extLst>
+              <a:ext uri="{FF2B5EF4-FFF2-40B4-BE49-F238E27FC236}">
+                <a16:creationId xmlns:a16="http://schemas.microsoft.com/office/drawing/2014/main" id="{3E791283-75B3-B078-77F7-2C92484513CC}"/>
+              </a:ext>
+            </a:extLst>
+          </p:cNvPr>
+          <p:cNvPicPr>
+            <a:picLocks noChangeAspect="1" noChangeArrowheads="1"/>
+          </p:cNvPicPr>
+          <p:nvPr/>
+        </p:nvPicPr>
+        <p:blipFill>
+          <a:blip r:embed="rId2">
+            <a:extLst>
+              <a:ext uri="{28A0092B-C50C-407E-A947-70E740481C1C}">
+                <a14:useLocalDpi xmlns:a14="http://schemas.microsoft.com/office/drawing/2010/main" val="0"/>
+              </a:ext>
+            </a:extLst>
+          </a:blip>
+          <a:srcRect/>
+          <a:stretch/>
+        </p:blipFill>
+        <p:spPr bwMode="auto">
+          <a:xfrm>
+            <a:off x="7261912" y="2660437"/>
+            <a:ext cx="3358417" cy="2112689"/>
+          </a:xfrm>
+          <a:prstGeom prst="rect">
+            <a:avLst/>
+          </a:prstGeom>
+          <a:noFill/>
+          <a:effectLst>
+            <a:innerShdw blurRad="63500" dist="50800" dir="13500000">
+              <a:prstClr val="black">
+                <a:alpha val="50000"/>
+              </a:prstClr>
+            </a:innerShdw>
+          </a:effectLst>
+        </p:spPr>
+      </p:pic>
+      <p:sp>
+        <p:nvSpPr>
+          <p:cNvPr id="7" name="CaixaDeTexto 6">
+            <a:extLst>
+              <a:ext uri="{FF2B5EF4-FFF2-40B4-BE49-F238E27FC236}">
+                <a16:creationId xmlns:a16="http://schemas.microsoft.com/office/drawing/2014/main" id="{F51FC8B5-44FB-06DC-3322-9069BB05F9E6}"/>
+              </a:ext>
+            </a:extLst>
+          </p:cNvPr>
+          <p:cNvSpPr txBox="1"/>
+          <p:nvPr/>
+        </p:nvSpPr>
+        <p:spPr>
+          <a:xfrm>
+            <a:off x="7223812" y="4969053"/>
+            <a:ext cx="6148386" cy="276999"/>
+          </a:xfrm>
+          <a:prstGeom prst="rect">
+            <a:avLst/>
+          </a:prstGeom>
+          <a:noFill/>
+        </p:spPr>
+        <p:txBody>
+          <a:bodyPr wrap="square">
+            <a:spAutoFit/>
+          </a:bodyPr>
+          <a:lstStyle/>
+          <a:p>
+            <a:r>
+              <a:rPr lang="pt-BR" sz="1200" dirty="0">
+                <a:latin typeface="Segoe UI" panose="020B0502040204020203" pitchFamily="34" charset="0"/>
+                <a:cs typeface="Segoe UI" panose="020B0502040204020203" pitchFamily="34" charset="0"/>
+              </a:rPr>
+              <a:t>Representação visual de um documento mongo</a:t>
+            </a:r>
           </a:p>
         </p:txBody>
       </p:sp>
@@ -15335,6 +16966,18 @@
   <p:clrMapOvr>
     <a:masterClrMapping/>
   </p:clrMapOvr>
+  <mc:AlternateContent xmlns:mc="http://schemas.openxmlformats.org/markup-compatibility/2006">
+    <mc:Choice xmlns:p159="http://schemas.microsoft.com/office/powerpoint/2015/09/main" Requires="p159">
+      <p:transition xmlns:p14="http://schemas.microsoft.com/office/powerpoint/2010/main" spd="slow" p14:dur="2000">
+        <p159:morph option="byObject"/>
+      </p:transition>
+    </mc:Choice>
+    <mc:Fallback>
+      <p:transition spd="slow">
+        <p:fade/>
+      </p:transition>
+    </mc:Fallback>
+  </mc:AlternateContent>
 </p:sld>
 </file>
 
@@ -15393,33 +17036,20 @@
               <a:rPr lang="pt-BR" sz="2000" dirty="0">
                 <a:latin typeface="Söhne"/>
               </a:rPr>
-              <a:t>Esquemas dinâmicos.</a:t>
-            </a:r>
-            <a:endParaRPr lang="pt-BR" dirty="0"/>
-          </a:p>
-        </p:txBody>
-      </p:sp>
-      <p:sp>
-        <p:nvSpPr>
-          <p:cNvPr id="3" name="Espaço Reservado para Conteúdo 2">
-            <a:extLst>
-              <a:ext uri="{FF2B5EF4-FFF2-40B4-BE49-F238E27FC236}">
-                <a16:creationId xmlns:a16="http://schemas.microsoft.com/office/drawing/2014/main" id="{1812B3A2-0B9F-7A1D-29BE-5783C0E7C666}"/>
-              </a:ext>
-            </a:extLst>
-          </p:cNvPr>
-          <p:cNvSpPr>
-            <a:spLocks noGrp="1"/>
-          </p:cNvSpPr>
-          <p:nvPr>
-            <p:ph idx="1"/>
-          </p:nvPr>
-        </p:nvSpPr>
-        <p:spPr/>
-        <p:txBody>
-          <a:bodyPr/>
-          <a:lstStyle/>
-          <a:p>
+              <a:t>Documentos BSON (</a:t>
+            </a:r>
+            <a:r>
+              <a:rPr lang="pt-BR" sz="2000" dirty="0" err="1">
+                <a:latin typeface="Söhne"/>
+              </a:rPr>
+              <a:t>Binary</a:t>
+            </a:r>
+            <a:r>
+              <a:rPr lang="pt-BR" sz="2000" dirty="0">
+                <a:latin typeface="Söhne"/>
+              </a:rPr>
+              <a:t> JSON).</a:t>
+            </a:r>
             <a:endParaRPr lang="pt-BR" dirty="0"/>
           </a:p>
         </p:txBody>
@@ -15481,16 +17111,426 @@
           </a:p>
         </p:txBody>
       </p:sp>
+      <p:sp>
+        <p:nvSpPr>
+          <p:cNvPr id="6" name="Espaço Reservado para Conteúdo 2">
+            <a:extLst>
+              <a:ext uri="{FF2B5EF4-FFF2-40B4-BE49-F238E27FC236}">
+                <a16:creationId xmlns:a16="http://schemas.microsoft.com/office/drawing/2014/main" id="{2049F709-0379-7C5E-AE37-1EA69D372C59}"/>
+              </a:ext>
+            </a:extLst>
+          </p:cNvPr>
+          <p:cNvSpPr txBox="1">
+            <a:spLocks/>
+          </p:cNvSpPr>
+          <p:nvPr/>
+        </p:nvSpPr>
+        <p:spPr>
+          <a:xfrm>
+            <a:off x="818712" y="2660437"/>
+            <a:ext cx="5526104" cy="3636511"/>
+          </a:xfrm>
+          <a:prstGeom prst="rect">
+            <a:avLst/>
+          </a:prstGeom>
+          <a:effectLst>
+            <a:outerShdw blurRad="50800" dir="14400000">
+              <a:srgbClr val="000000">
+                <a:alpha val="40000"/>
+              </a:srgbClr>
+            </a:outerShdw>
+          </a:effectLst>
+        </p:spPr>
+        <p:txBody>
+          <a:bodyPr vert="horz" lIns="91440" tIns="45720" rIns="91440" bIns="45720" rtlCol="0" anchor="t">
+            <a:normAutofit/>
+          </a:bodyPr>
+          <a:lstStyle>
+            <a:lvl1pPr marL="342900" indent="-342900" algn="l" defTabSz="457200" rtl="0" eaLnBrk="1" latinLnBrk="0" hangingPunct="1">
+              <a:spcBef>
+                <a:spcPct val="20000"/>
+              </a:spcBef>
+              <a:spcAft>
+                <a:spcPts val="600"/>
+              </a:spcAft>
+              <a:buClr>
+                <a:schemeClr val="accent1"/>
+              </a:buClr>
+              <a:buFont typeface="Wingdings 2" charset="2"/>
+              <a:buChar char=""/>
+              <a:defRPr sz="1800" kern="1200">
+                <a:solidFill>
+                  <a:schemeClr val="tx1"/>
+                </a:solidFill>
+                <a:latin typeface="+mn-lt"/>
+                <a:ea typeface="+mn-ea"/>
+                <a:cs typeface="+mn-cs"/>
+              </a:defRPr>
+            </a:lvl1pPr>
+            <a:lvl2pPr marL="742950" indent="-285750" algn="l" defTabSz="457200" rtl="0" eaLnBrk="1" latinLnBrk="0" hangingPunct="1">
+              <a:spcBef>
+                <a:spcPct val="20000"/>
+              </a:spcBef>
+              <a:spcAft>
+                <a:spcPts val="600"/>
+              </a:spcAft>
+              <a:buClr>
+                <a:schemeClr val="accent1"/>
+              </a:buClr>
+              <a:buFont typeface="Wingdings 2" charset="2"/>
+              <a:buChar char=""/>
+              <a:defRPr sz="1600" kern="1200">
+                <a:solidFill>
+                  <a:schemeClr val="tx1"/>
+                </a:solidFill>
+                <a:latin typeface="+mn-lt"/>
+                <a:ea typeface="+mn-ea"/>
+                <a:cs typeface="+mn-cs"/>
+              </a:defRPr>
+            </a:lvl2pPr>
+            <a:lvl3pPr marL="1143000" indent="-228600" algn="l" defTabSz="457200" rtl="0" eaLnBrk="1" latinLnBrk="0" hangingPunct="1">
+              <a:spcBef>
+                <a:spcPct val="20000"/>
+              </a:spcBef>
+              <a:spcAft>
+                <a:spcPts val="600"/>
+              </a:spcAft>
+              <a:buClr>
+                <a:schemeClr val="accent1"/>
+              </a:buClr>
+              <a:buFont typeface="Wingdings 2" charset="2"/>
+              <a:buChar char=""/>
+              <a:defRPr sz="1400" kern="1200">
+                <a:solidFill>
+                  <a:schemeClr val="tx1"/>
+                </a:solidFill>
+                <a:latin typeface="+mn-lt"/>
+                <a:ea typeface="+mn-ea"/>
+                <a:cs typeface="+mn-cs"/>
+              </a:defRPr>
+            </a:lvl3pPr>
+            <a:lvl4pPr marL="1600200" indent="-228600" algn="l" defTabSz="457200" rtl="0" eaLnBrk="1" latinLnBrk="0" hangingPunct="1">
+              <a:spcBef>
+                <a:spcPct val="20000"/>
+              </a:spcBef>
+              <a:spcAft>
+                <a:spcPts val="600"/>
+              </a:spcAft>
+              <a:buClr>
+                <a:schemeClr val="accent1"/>
+              </a:buClr>
+              <a:buFont typeface="Wingdings 2" charset="2"/>
+              <a:buChar char=""/>
+              <a:defRPr sz="1200" kern="1200">
+                <a:solidFill>
+                  <a:schemeClr val="tx1"/>
+                </a:solidFill>
+                <a:latin typeface="+mn-lt"/>
+                <a:ea typeface="+mn-ea"/>
+                <a:cs typeface="+mn-cs"/>
+              </a:defRPr>
+            </a:lvl4pPr>
+            <a:lvl5pPr marL="2057400" indent="-228600" algn="l" defTabSz="457200" rtl="0" eaLnBrk="1" latinLnBrk="0" hangingPunct="1">
+              <a:spcBef>
+                <a:spcPct val="20000"/>
+              </a:spcBef>
+              <a:spcAft>
+                <a:spcPts val="600"/>
+              </a:spcAft>
+              <a:buClr>
+                <a:schemeClr val="accent1"/>
+              </a:buClr>
+              <a:buFont typeface="Wingdings 2" charset="2"/>
+              <a:buChar char=""/>
+              <a:defRPr sz="1200" kern="1200">
+                <a:solidFill>
+                  <a:schemeClr val="tx1"/>
+                </a:solidFill>
+                <a:latin typeface="+mn-lt"/>
+                <a:ea typeface="+mn-ea"/>
+                <a:cs typeface="+mn-cs"/>
+              </a:defRPr>
+            </a:lvl5pPr>
+            <a:lvl6pPr marL="2400000" indent="-228600" algn="l" defTabSz="457200" rtl="0" eaLnBrk="1" latinLnBrk="0" hangingPunct="1">
+              <a:spcBef>
+                <a:spcPct val="20000"/>
+              </a:spcBef>
+              <a:spcAft>
+                <a:spcPts val="600"/>
+              </a:spcAft>
+              <a:buClr>
+                <a:schemeClr val="accent1"/>
+              </a:buClr>
+              <a:buFont typeface="Wingdings 2" charset="2"/>
+              <a:buChar char=""/>
+              <a:defRPr sz="1200" kern="1200">
+                <a:solidFill>
+                  <a:schemeClr val="tx1"/>
+                </a:solidFill>
+                <a:latin typeface="+mn-lt"/>
+                <a:ea typeface="+mn-ea"/>
+                <a:cs typeface="+mn-cs"/>
+              </a:defRPr>
+            </a:lvl6pPr>
+            <a:lvl7pPr marL="2800000" indent="-228600" algn="l" defTabSz="457200" rtl="0" eaLnBrk="1" latinLnBrk="0" hangingPunct="1">
+              <a:spcBef>
+                <a:spcPct val="20000"/>
+              </a:spcBef>
+              <a:spcAft>
+                <a:spcPts val="600"/>
+              </a:spcAft>
+              <a:buClr>
+                <a:schemeClr val="accent1"/>
+              </a:buClr>
+              <a:buFont typeface="Wingdings 2" charset="2"/>
+              <a:buChar char=""/>
+              <a:defRPr sz="1200" kern="1200">
+                <a:solidFill>
+                  <a:schemeClr val="tx1"/>
+                </a:solidFill>
+                <a:latin typeface="+mn-lt"/>
+                <a:ea typeface="+mn-ea"/>
+                <a:cs typeface="+mn-cs"/>
+              </a:defRPr>
+            </a:lvl7pPr>
+            <a:lvl8pPr marL="3200000" indent="-228600" algn="l" defTabSz="457200" rtl="0" eaLnBrk="1" latinLnBrk="0" hangingPunct="1">
+              <a:spcBef>
+                <a:spcPct val="20000"/>
+              </a:spcBef>
+              <a:spcAft>
+                <a:spcPts val="600"/>
+              </a:spcAft>
+              <a:buClr>
+                <a:schemeClr val="accent1"/>
+              </a:buClr>
+              <a:buFont typeface="Wingdings 2" charset="2"/>
+              <a:buChar char=""/>
+              <a:defRPr sz="1200" kern="1200">
+                <a:solidFill>
+                  <a:schemeClr val="tx1"/>
+                </a:solidFill>
+                <a:latin typeface="+mn-lt"/>
+                <a:ea typeface="+mn-ea"/>
+                <a:cs typeface="+mn-cs"/>
+              </a:defRPr>
+            </a:lvl8pPr>
+            <a:lvl9pPr marL="3600000" indent="-228600" algn="l" defTabSz="457200" rtl="0" eaLnBrk="1" latinLnBrk="0" hangingPunct="1">
+              <a:spcBef>
+                <a:spcPct val="20000"/>
+              </a:spcBef>
+              <a:spcAft>
+                <a:spcPts val="600"/>
+              </a:spcAft>
+              <a:buClr>
+                <a:schemeClr val="accent1"/>
+              </a:buClr>
+              <a:buFont typeface="Wingdings 2" charset="2"/>
+              <a:buChar char=""/>
+              <a:defRPr sz="1200" kern="1200">
+                <a:solidFill>
+                  <a:schemeClr val="tx1"/>
+                </a:solidFill>
+                <a:latin typeface="+mn-lt"/>
+                <a:ea typeface="+mn-ea"/>
+                <a:cs typeface="+mn-cs"/>
+              </a:defRPr>
+            </a:lvl9pPr>
+          </a:lstStyle>
+          <a:p>
+            <a:pPr marL="0" indent="0" algn="just">
+              <a:buFont typeface="Wingdings 2" charset="2"/>
+              <a:buNone/>
+            </a:pPr>
+            <a:r>
+              <a:rPr lang="pt-BR" dirty="0">
+                <a:latin typeface="Segoe UI" panose="020B0502040204020203" pitchFamily="34" charset="0"/>
+                <a:cs typeface="Segoe UI" panose="020B0502040204020203" pitchFamily="34" charset="0"/>
+              </a:rPr>
+              <a:t>No exemplo ao lado podemos ter uma ideia de como essa representação ficaria em um banco de dados SQL.</a:t>
+            </a:r>
+          </a:p>
+          <a:p>
+            <a:pPr marL="0" indent="0" algn="just">
+              <a:buFont typeface="Wingdings 2" charset="2"/>
+              <a:buNone/>
+            </a:pPr>
+            <a:endParaRPr lang="pt-BR" dirty="0">
+              <a:latin typeface="Segoe UI" panose="020B0502040204020203" pitchFamily="34" charset="0"/>
+              <a:cs typeface="Segoe UI" panose="020B0502040204020203" pitchFamily="34" charset="0"/>
+            </a:endParaRPr>
+          </a:p>
+          <a:p>
+            <a:pPr marL="0" indent="0" algn="just">
+              <a:buFont typeface="Wingdings 2" charset="2"/>
+              <a:buNone/>
+            </a:pPr>
+            <a:r>
+              <a:rPr lang="pt-BR" dirty="0">
+                <a:latin typeface="Segoe UI" panose="020B0502040204020203" pitchFamily="34" charset="0"/>
+                <a:cs typeface="Segoe UI" panose="020B0502040204020203" pitchFamily="34" charset="0"/>
+              </a:rPr>
+              <a:t>Percebe que teríamos que criar pelo menos 3 ou 4 tabelas para armazenar estes dados?</a:t>
+            </a:r>
+            <a:br>
+              <a:rPr lang="pt-BR" dirty="0">
+                <a:latin typeface="Segoe UI" panose="020B0502040204020203" pitchFamily="34" charset="0"/>
+                <a:cs typeface="Segoe UI" panose="020B0502040204020203" pitchFamily="34" charset="0"/>
+              </a:rPr>
+            </a:br>
+            <a:endParaRPr lang="pt-BR" dirty="0">
+              <a:latin typeface="Segoe UI" panose="020B0502040204020203" pitchFamily="34" charset="0"/>
+              <a:cs typeface="Segoe UI" panose="020B0502040204020203" pitchFamily="34" charset="0"/>
+            </a:endParaRPr>
+          </a:p>
+          <a:p>
+            <a:pPr marL="0" indent="0" algn="just">
+              <a:buFont typeface="Wingdings 2" charset="2"/>
+              <a:buNone/>
+            </a:pPr>
+            <a:r>
+              <a:rPr lang="pt-BR" dirty="0">
+                <a:latin typeface="Segoe UI" panose="020B0502040204020203" pitchFamily="34" charset="0"/>
+                <a:cs typeface="Segoe UI" panose="020B0502040204020203" pitchFamily="34" charset="0"/>
+              </a:rPr>
+              <a:t>No mongo, teríamos apenas 1 documento!</a:t>
+            </a:r>
+          </a:p>
+          <a:p>
+            <a:pPr marL="0" indent="0">
+              <a:buFont typeface="Wingdings 2" charset="2"/>
+              <a:buNone/>
+            </a:pPr>
+            <a:endParaRPr lang="pt-BR" dirty="0">
+              <a:latin typeface="Segoe UI" panose="020B0502040204020203" pitchFamily="34" charset="0"/>
+              <a:cs typeface="Segoe UI" panose="020B0502040204020203" pitchFamily="34" charset="0"/>
+            </a:endParaRPr>
+          </a:p>
+          <a:p>
+            <a:pPr marL="0" indent="0">
+              <a:buFont typeface="Wingdings 2" charset="2"/>
+              <a:buNone/>
+            </a:pPr>
+            <a:endParaRPr lang="pt-BR" dirty="0">
+              <a:latin typeface="Segoe UI" panose="020B0502040204020203" pitchFamily="34" charset="0"/>
+              <a:cs typeface="Segoe UI" panose="020B0502040204020203" pitchFamily="34" charset="0"/>
+            </a:endParaRPr>
+          </a:p>
+        </p:txBody>
+      </p:sp>
+      <p:pic>
+        <p:nvPicPr>
+          <p:cNvPr id="3" name="Picture 2">
+            <a:extLst>
+              <a:ext uri="{FF2B5EF4-FFF2-40B4-BE49-F238E27FC236}">
+                <a16:creationId xmlns:a16="http://schemas.microsoft.com/office/drawing/2014/main" id="{3E791283-75B3-B078-77F7-2C92484513CC}"/>
+              </a:ext>
+            </a:extLst>
+          </p:cNvPr>
+          <p:cNvPicPr>
+            <a:picLocks noChangeAspect="1" noChangeArrowheads="1"/>
+          </p:cNvPicPr>
+          <p:nvPr/>
+        </p:nvPicPr>
+        <p:blipFill>
+          <a:blip r:embed="rId2">
+            <a:extLst>
+              <a:ext uri="{28A0092B-C50C-407E-A947-70E740481C1C}">
+                <a14:useLocalDpi xmlns:a14="http://schemas.microsoft.com/office/drawing/2010/main" val="0"/>
+              </a:ext>
+            </a:extLst>
+          </a:blip>
+          <a:srcRect/>
+          <a:stretch/>
+        </p:blipFill>
+        <p:spPr bwMode="auto">
+          <a:xfrm>
+            <a:off x="7429603" y="2660437"/>
+            <a:ext cx="3023034" cy="2112689"/>
+          </a:xfrm>
+          <a:prstGeom prst="rect">
+            <a:avLst/>
+          </a:prstGeom>
+          <a:noFill/>
+          <a:effectLst>
+            <a:innerShdw blurRad="63500" dist="50800" dir="13500000">
+              <a:prstClr val="black">
+                <a:alpha val="50000"/>
+              </a:prstClr>
+            </a:innerShdw>
+          </a:effectLst>
+        </p:spPr>
+      </p:pic>
+      <p:sp>
+        <p:nvSpPr>
+          <p:cNvPr id="7" name="CaixaDeTexto 6">
+            <a:extLst>
+              <a:ext uri="{FF2B5EF4-FFF2-40B4-BE49-F238E27FC236}">
+                <a16:creationId xmlns:a16="http://schemas.microsoft.com/office/drawing/2014/main" id="{F51FC8B5-44FB-06DC-3322-9069BB05F9E6}"/>
+              </a:ext>
+            </a:extLst>
+          </p:cNvPr>
+          <p:cNvSpPr txBox="1"/>
+          <p:nvPr/>
+        </p:nvSpPr>
+        <p:spPr>
+          <a:xfrm>
+            <a:off x="7037200" y="4969053"/>
+            <a:ext cx="6148386" cy="276999"/>
+          </a:xfrm>
+          <a:prstGeom prst="rect">
+            <a:avLst/>
+          </a:prstGeom>
+          <a:noFill/>
+        </p:spPr>
+        <p:txBody>
+          <a:bodyPr wrap="square">
+            <a:spAutoFit/>
+          </a:bodyPr>
+          <a:lstStyle/>
+          <a:p>
+            <a:r>
+              <a:rPr lang="pt-BR" sz="1200" dirty="0">
+                <a:latin typeface="Segoe UI" panose="020B0502040204020203" pitchFamily="34" charset="0"/>
+                <a:cs typeface="Segoe UI" panose="020B0502040204020203" pitchFamily="34" charset="0"/>
+              </a:rPr>
+              <a:t>Representação visual do exemplo anterior, </a:t>
+            </a:r>
+            <a:r>
+              <a:rPr lang="pt-BR" sz="1200" dirty="0" err="1">
+                <a:latin typeface="Segoe UI" panose="020B0502040204020203" pitchFamily="34" charset="0"/>
+                <a:cs typeface="Segoe UI" panose="020B0502040204020203" pitchFamily="34" charset="0"/>
+              </a:rPr>
+              <a:t>brmodelo</a:t>
+            </a:r>
+            <a:endParaRPr lang="pt-BR" sz="1200" dirty="0">
+              <a:latin typeface="Segoe UI" panose="020B0502040204020203" pitchFamily="34" charset="0"/>
+              <a:cs typeface="Segoe UI" panose="020B0502040204020203" pitchFamily="34" charset="0"/>
+            </a:endParaRPr>
+          </a:p>
+        </p:txBody>
+      </p:sp>
     </p:spTree>
     <p:extLst>
       <p:ext uri="{BB962C8B-B14F-4D97-AF65-F5344CB8AC3E}">
-        <p14:creationId xmlns:p14="http://schemas.microsoft.com/office/powerpoint/2010/main" val="1074818923"/>
+        <p14:creationId xmlns:p14="http://schemas.microsoft.com/office/powerpoint/2010/main" val="226440141"/>
       </p:ext>
     </p:extLst>
   </p:cSld>
   <p:clrMapOvr>
     <a:masterClrMapping/>
   </p:clrMapOvr>
+  <mc:AlternateContent xmlns:mc="http://schemas.openxmlformats.org/markup-compatibility/2006">
+    <mc:Choice xmlns:p159="http://schemas.microsoft.com/office/powerpoint/2015/09/main" Requires="p159">
+      <p:transition xmlns:p14="http://schemas.microsoft.com/office/powerpoint/2010/main" spd="slow" p14:dur="2000">
+        <p159:morph option="byObject"/>
+      </p:transition>
+    </mc:Choice>
+    <mc:Fallback>
+      <p:transition spd="slow">
+        <p:fade/>
+      </p:transition>
+    </mc:Fallback>
+  </mc:AlternateContent>
 </p:sld>
 </file>
 
